--- a/src/main/resources/draft/答辩演示文稿.pptx
+++ b/src/main/resources/draft/答辩演示文稿.pptx
@@ -1,19 +1,22 @@
 
 <file path=ppt/presentation.xml><?xml version="1.0" encoding="utf-8"?>
-<p:presentation xmlns:a="http://schemas.openxmlformats.org/drawingml/2006/main" xmlns:r="http://schemas.openxmlformats.org/officeDocument/2006/relationships" xmlns:p="http://schemas.openxmlformats.org/presentationml/2006/main" saveSubsetFonts="1">
+<p:presentation xmlns:a="http://schemas.openxmlformats.org/drawingml/2006/main" xmlns:r="http://schemas.openxmlformats.org/officeDocument/2006/relationships" xmlns:p="http://schemas.openxmlformats.org/presentationml/2006/main" autoCompressPictures="0">
   <p:sldMasterIdLst>
     <p:sldMasterId id="2147483648" r:id="rId1"/>
   </p:sldMasterIdLst>
   <p:sldIdLst>
     <p:sldId id="256" r:id="rId2"/>
+    <p:sldId id="260" r:id="rId3"/>
+    <p:sldId id="258" r:id="rId4"/>
+    <p:sldId id="259" r:id="rId5"/>
   </p:sldIdLst>
   <p:sldSz cx="12192000" cy="6858000"/>
   <p:notesSz cx="6858000" cy="9144000"/>
   <p:defaultTextStyle>
     <a:defPPr>
-      <a:defRPr lang="zh-CN"/>
+      <a:defRPr lang="en-US"/>
     </a:defPPr>
-    <a:lvl1pPr marL="0" algn="l" defTabSz="914400" rtl="0" eaLnBrk="1" latinLnBrk="0" hangingPunct="1">
+    <a:lvl1pPr marL="0" algn="l" defTabSz="457200" rtl="0" eaLnBrk="1" latinLnBrk="0" hangingPunct="1">
       <a:defRPr sz="1800" kern="1200">
         <a:solidFill>
           <a:schemeClr val="tx1"/>
@@ -23,7 +26,7 @@
         <a:cs typeface="+mn-cs"/>
       </a:defRPr>
     </a:lvl1pPr>
-    <a:lvl2pPr marL="457200" algn="l" defTabSz="914400" rtl="0" eaLnBrk="1" latinLnBrk="0" hangingPunct="1">
+    <a:lvl2pPr marL="457200" algn="l" defTabSz="457200" rtl="0" eaLnBrk="1" latinLnBrk="0" hangingPunct="1">
       <a:defRPr sz="1800" kern="1200">
         <a:solidFill>
           <a:schemeClr val="tx1"/>
@@ -33,7 +36,7 @@
         <a:cs typeface="+mn-cs"/>
       </a:defRPr>
     </a:lvl2pPr>
-    <a:lvl3pPr marL="914400" algn="l" defTabSz="914400" rtl="0" eaLnBrk="1" latinLnBrk="0" hangingPunct="1">
+    <a:lvl3pPr marL="914400" algn="l" defTabSz="457200" rtl="0" eaLnBrk="1" latinLnBrk="0" hangingPunct="1">
       <a:defRPr sz="1800" kern="1200">
         <a:solidFill>
           <a:schemeClr val="tx1"/>
@@ -43,7 +46,7 @@
         <a:cs typeface="+mn-cs"/>
       </a:defRPr>
     </a:lvl3pPr>
-    <a:lvl4pPr marL="1371600" algn="l" defTabSz="914400" rtl="0" eaLnBrk="1" latinLnBrk="0" hangingPunct="1">
+    <a:lvl4pPr marL="1371600" algn="l" defTabSz="457200" rtl="0" eaLnBrk="1" latinLnBrk="0" hangingPunct="1">
       <a:defRPr sz="1800" kern="1200">
         <a:solidFill>
           <a:schemeClr val="tx1"/>
@@ -53,7 +56,7 @@
         <a:cs typeface="+mn-cs"/>
       </a:defRPr>
     </a:lvl4pPr>
-    <a:lvl5pPr marL="1828800" algn="l" defTabSz="914400" rtl="0" eaLnBrk="1" latinLnBrk="0" hangingPunct="1">
+    <a:lvl5pPr marL="1828800" algn="l" defTabSz="457200" rtl="0" eaLnBrk="1" latinLnBrk="0" hangingPunct="1">
       <a:defRPr sz="1800" kern="1200">
         <a:solidFill>
           <a:schemeClr val="tx1"/>
@@ -63,7 +66,7 @@
         <a:cs typeface="+mn-cs"/>
       </a:defRPr>
     </a:lvl5pPr>
-    <a:lvl6pPr marL="2286000" algn="l" defTabSz="914400" rtl="0" eaLnBrk="1" latinLnBrk="0" hangingPunct="1">
+    <a:lvl6pPr marL="2286000" algn="l" defTabSz="457200" rtl="0" eaLnBrk="1" latinLnBrk="0" hangingPunct="1">
       <a:defRPr sz="1800" kern="1200">
         <a:solidFill>
           <a:schemeClr val="tx1"/>
@@ -73,7 +76,7 @@
         <a:cs typeface="+mn-cs"/>
       </a:defRPr>
     </a:lvl6pPr>
-    <a:lvl7pPr marL="2743200" algn="l" defTabSz="914400" rtl="0" eaLnBrk="1" latinLnBrk="0" hangingPunct="1">
+    <a:lvl7pPr marL="2743200" algn="l" defTabSz="457200" rtl="0" eaLnBrk="1" latinLnBrk="0" hangingPunct="1">
       <a:defRPr sz="1800" kern="1200">
         <a:solidFill>
           <a:schemeClr val="tx1"/>
@@ -83,7 +86,7 @@
         <a:cs typeface="+mn-cs"/>
       </a:defRPr>
     </a:lvl7pPr>
-    <a:lvl8pPr marL="3200400" algn="l" defTabSz="914400" rtl="0" eaLnBrk="1" latinLnBrk="0" hangingPunct="1">
+    <a:lvl8pPr marL="3200400" algn="l" defTabSz="457200" rtl="0" eaLnBrk="1" latinLnBrk="0" hangingPunct="1">
       <a:defRPr sz="1800" kern="1200">
         <a:solidFill>
           <a:schemeClr val="tx1"/>
@@ -93,7 +96,7 @@
         <a:cs typeface="+mn-cs"/>
       </a:defRPr>
     </a:lvl8pPr>
-    <a:lvl9pPr marL="3657600" algn="l" defTabSz="914400" rtl="0" eaLnBrk="1" latinLnBrk="0" hangingPunct="1">
+    <a:lvl9pPr marL="3657600" algn="l" defTabSz="457200" rtl="0" eaLnBrk="1" latinLnBrk="0" hangingPunct="1">
       <a:defRPr sz="1800" kern="1200">
         <a:solidFill>
           <a:schemeClr val="tx1"/>
@@ -126,7 +129,7 @@
       </p:grpSpPr>
       <p:sp>
         <p:nvSpPr>
-          <p:cNvPr id="2" name="标题 1"/>
+          <p:cNvPr id="2" name="Title 1"/>
           <p:cNvSpPr>
             <a:spLocks noGrp="1"/>
           </p:cNvSpPr>
@@ -136,15 +139,17 @@
         </p:nvSpPr>
         <p:spPr>
           <a:xfrm>
-            <a:off x="1524000" y="1122363"/>
-            <a:ext cx="9144000" cy="2387600"/>
+            <a:off x="2589213" y="2514600"/>
+            <a:ext cx="8915399" cy="2262781"/>
           </a:xfrm>
         </p:spPr>
         <p:txBody>
-          <a:bodyPr anchor="b"/>
+          <a:bodyPr anchor="b">
+            <a:normAutofit/>
+          </a:bodyPr>
           <a:lstStyle>
-            <a:lvl1pPr algn="ctr">
-              <a:defRPr sz="6000"/>
+            <a:lvl1pPr>
+              <a:defRPr sz="5400"/>
             </a:lvl1pPr>
           </a:lstStyle>
           <a:p>
@@ -152,13 +157,13 @@
               <a:rPr lang="zh-CN" altLang="en-US" smtClean="0"/>
               <a:t>单击此处编辑母版标题样式</a:t>
             </a:r>
-            <a:endParaRPr lang="zh-CN" altLang="en-US"/>
-          </a:p>
-        </p:txBody>
-      </p:sp>
-      <p:sp>
-        <p:nvSpPr>
-          <p:cNvPr id="3" name="副标题 2"/>
+            <a:endParaRPr lang="en-US" dirty="0"/>
+          </a:p>
+        </p:txBody>
+      </p:sp>
+      <p:sp>
+        <p:nvSpPr>
+          <p:cNvPr id="3" name="Subtitle 2"/>
           <p:cNvSpPr>
             <a:spLocks noGrp="1"/>
           </p:cNvSpPr>
@@ -168,48 +173,103 @@
         </p:nvSpPr>
         <p:spPr>
           <a:xfrm>
-            <a:off x="1524000" y="3602038"/>
-            <a:ext cx="9144000" cy="1655762"/>
+            <a:off x="2589213" y="4777379"/>
+            <a:ext cx="8915399" cy="1126283"/>
           </a:xfrm>
         </p:spPr>
         <p:txBody>
-          <a:bodyPr/>
+          <a:bodyPr anchor="t"/>
           <a:lstStyle>
-            <a:lvl1pPr marL="0" indent="0" algn="ctr">
-              <a:buNone/>
-              <a:defRPr sz="2400"/>
+            <a:lvl1pPr marL="0" indent="0" algn="l">
+              <a:buNone/>
+              <a:defRPr>
+                <a:solidFill>
+                  <a:schemeClr val="tx1">
+                    <a:lumMod val="65000"/>
+                    <a:lumOff val="35000"/>
+                  </a:schemeClr>
+                </a:solidFill>
+              </a:defRPr>
             </a:lvl1pPr>
             <a:lvl2pPr marL="457200" indent="0" algn="ctr">
               <a:buNone/>
-              <a:defRPr sz="2000"/>
+              <a:defRPr>
+                <a:solidFill>
+                  <a:schemeClr val="tx1">
+                    <a:tint val="75000"/>
+                  </a:schemeClr>
+                </a:solidFill>
+              </a:defRPr>
             </a:lvl2pPr>
             <a:lvl3pPr marL="914400" indent="0" algn="ctr">
               <a:buNone/>
-              <a:defRPr sz="1800"/>
+              <a:defRPr>
+                <a:solidFill>
+                  <a:schemeClr val="tx1">
+                    <a:tint val="75000"/>
+                  </a:schemeClr>
+                </a:solidFill>
+              </a:defRPr>
             </a:lvl3pPr>
             <a:lvl4pPr marL="1371600" indent="0" algn="ctr">
               <a:buNone/>
-              <a:defRPr sz="1600"/>
+              <a:defRPr>
+                <a:solidFill>
+                  <a:schemeClr val="tx1">
+                    <a:tint val="75000"/>
+                  </a:schemeClr>
+                </a:solidFill>
+              </a:defRPr>
             </a:lvl4pPr>
             <a:lvl5pPr marL="1828800" indent="0" algn="ctr">
               <a:buNone/>
-              <a:defRPr sz="1600"/>
+              <a:defRPr>
+                <a:solidFill>
+                  <a:schemeClr val="tx1">
+                    <a:tint val="75000"/>
+                  </a:schemeClr>
+                </a:solidFill>
+              </a:defRPr>
             </a:lvl5pPr>
             <a:lvl6pPr marL="2286000" indent="0" algn="ctr">
               <a:buNone/>
-              <a:defRPr sz="1600"/>
+              <a:defRPr>
+                <a:solidFill>
+                  <a:schemeClr val="tx1">
+                    <a:tint val="75000"/>
+                  </a:schemeClr>
+                </a:solidFill>
+              </a:defRPr>
             </a:lvl6pPr>
             <a:lvl7pPr marL="2743200" indent="0" algn="ctr">
               <a:buNone/>
-              <a:defRPr sz="1600"/>
+              <a:defRPr>
+                <a:solidFill>
+                  <a:schemeClr val="tx1">
+                    <a:tint val="75000"/>
+                  </a:schemeClr>
+                </a:solidFill>
+              </a:defRPr>
             </a:lvl7pPr>
             <a:lvl8pPr marL="3200400" indent="0" algn="ctr">
               <a:buNone/>
-              <a:defRPr sz="1600"/>
+              <a:defRPr>
+                <a:solidFill>
+                  <a:schemeClr val="tx1">
+                    <a:tint val="75000"/>
+                  </a:schemeClr>
+                </a:solidFill>
+              </a:defRPr>
             </a:lvl8pPr>
             <a:lvl9pPr marL="3657600" indent="0" algn="ctr">
               <a:buNone/>
-              <a:defRPr sz="1600"/>
+              <a:defRPr>
+                <a:solidFill>
+                  <a:schemeClr val="tx1">
+                    <a:tint val="75000"/>
+                  </a:schemeClr>
+                </a:solidFill>
+              </a:defRPr>
             </a:lvl9pPr>
           </a:lstStyle>
           <a:p>
@@ -217,13 +277,13 @@
               <a:rPr lang="zh-CN" altLang="en-US" smtClean="0"/>
               <a:t>单击此处编辑母版副标题样式</a:t>
             </a:r>
-            <a:endParaRPr lang="zh-CN" altLang="en-US"/>
-          </a:p>
-        </p:txBody>
-      </p:sp>
-      <p:sp>
-        <p:nvSpPr>
-          <p:cNvPr id="4" name="日期占位符 3"/>
+            <a:endParaRPr lang="en-US" dirty="0"/>
+          </a:p>
+        </p:txBody>
+      </p:sp>
+      <p:sp>
+        <p:nvSpPr>
+          <p:cNvPr id="4" name="Date Placeholder 3"/>
           <p:cNvSpPr>
             <a:spLocks noGrp="1"/>
           </p:cNvSpPr>
@@ -236,17 +296,18 @@
           <a:bodyPr/>
           <a:lstStyle/>
           <a:p>
-            <a:fld id="{B7F768D9-C27F-4A09-A185-8970117F50DE}" type="datetimeFigureOut">
-              <a:rPr lang="zh-CN" altLang="en-US" smtClean="0"/>
-              <a:t>2015/6/8</a:t>
+            <a:fld id="{B61BEF0D-F0BB-DE4B-95CE-6DB70DBA9567}" type="datetimeFigureOut">
+              <a:rPr lang="en-US" dirty="0"/>
+              <a:pPr/>
+              <a:t>6/8/2015</a:t>
             </a:fld>
-            <a:endParaRPr lang="zh-CN" altLang="en-US"/>
-          </a:p>
-        </p:txBody>
-      </p:sp>
-      <p:sp>
-        <p:nvSpPr>
-          <p:cNvPr id="5" name="页脚占位符 4"/>
+            <a:endParaRPr lang="en-US" dirty="0"/>
+          </a:p>
+        </p:txBody>
+      </p:sp>
+      <p:sp>
+        <p:nvSpPr>
+          <p:cNvPr id="5" name="Footer Placeholder 4"/>
           <p:cNvSpPr>
             <a:spLocks noGrp="1"/>
           </p:cNvSpPr>
@@ -259,13 +320,95 @@
           <a:bodyPr/>
           <a:lstStyle/>
           <a:p>
-            <a:endParaRPr lang="zh-CN" altLang="en-US"/>
-          </a:p>
-        </p:txBody>
-      </p:sp>
-      <p:sp>
-        <p:nvSpPr>
-          <p:cNvPr id="6" name="灯片编号占位符 5"/>
+            <a:endParaRPr lang="en-US" dirty="0"/>
+          </a:p>
+        </p:txBody>
+      </p:sp>
+      <p:sp>
+        <p:nvSpPr>
+          <p:cNvPr id="7" name="Freeform 6"/>
+          <p:cNvSpPr/>
+          <p:nvPr/>
+        </p:nvSpPr>
+        <p:spPr bwMode="auto">
+          <a:xfrm>
+            <a:off x="0" y="4323810"/>
+            <a:ext cx="1744652" cy="778589"/>
+          </a:xfrm>
+          <a:custGeom>
+            <a:avLst/>
+            <a:gdLst/>
+            <a:ahLst/>
+            <a:cxnLst/>
+            <a:rect l="0" t="0" r="r" b="b"/>
+            <a:pathLst>
+              <a:path w="372" h="166">
+                <a:moveTo>
+                  <a:pt x="287" y="166"/>
+                </a:moveTo>
+                <a:cubicBezTo>
+                  <a:pt x="290" y="166"/>
+                  <a:pt x="292" y="165"/>
+                  <a:pt x="293" y="164"/>
+                </a:cubicBezTo>
+                <a:cubicBezTo>
+                  <a:pt x="293" y="163"/>
+                  <a:pt x="294" y="163"/>
+                  <a:pt x="294" y="163"/>
+                </a:cubicBezTo>
+                <a:cubicBezTo>
+                  <a:pt x="370" y="87"/>
+                  <a:pt x="370" y="87"/>
+                  <a:pt x="370" y="87"/>
+                </a:cubicBezTo>
+                <a:cubicBezTo>
+                  <a:pt x="372" y="85"/>
+                  <a:pt x="372" y="81"/>
+                  <a:pt x="370" y="78"/>
+                </a:cubicBezTo>
+                <a:cubicBezTo>
+                  <a:pt x="294" y="3"/>
+                  <a:pt x="294" y="3"/>
+                  <a:pt x="294" y="3"/>
+                </a:cubicBezTo>
+                <a:cubicBezTo>
+                  <a:pt x="294" y="2"/>
+                  <a:pt x="293" y="2"/>
+                  <a:pt x="293" y="2"/>
+                </a:cubicBezTo>
+                <a:cubicBezTo>
+                  <a:pt x="292" y="1"/>
+                  <a:pt x="290" y="0"/>
+                  <a:pt x="287" y="0"/>
+                </a:cubicBezTo>
+                <a:cubicBezTo>
+                  <a:pt x="0" y="0"/>
+                  <a:pt x="0" y="0"/>
+                  <a:pt x="0" y="0"/>
+                </a:cubicBezTo>
+                <a:cubicBezTo>
+                  <a:pt x="0" y="166"/>
+                  <a:pt x="0" y="166"/>
+                  <a:pt x="0" y="166"/>
+                </a:cubicBezTo>
+                <a:lnTo>
+                  <a:pt x="287" y="166"/>
+                </a:lnTo>
+                <a:close/>
+              </a:path>
+            </a:pathLst>
+          </a:custGeom>
+          <a:solidFill>
+            <a:schemeClr val="accent1"/>
+          </a:solidFill>
+          <a:ln>
+            <a:noFill/>
+          </a:ln>
+        </p:spPr>
+      </p:sp>
+      <p:sp>
+        <p:nvSpPr>
+          <p:cNvPr id="6" name="Slide Number Placeholder 5"/>
           <p:cNvSpPr>
             <a:spLocks noGrp="1"/>
           </p:cNvSpPr>
@@ -273,25 +416,26 @@
             <p:ph type="sldNum" sz="quarter" idx="12"/>
           </p:nvPr>
         </p:nvSpPr>
-        <p:spPr/>
+        <p:spPr>
+          <a:xfrm>
+            <a:off x="531812" y="4529540"/>
+            <a:ext cx="779767" cy="365125"/>
+          </a:xfrm>
+        </p:spPr>
         <p:txBody>
           <a:bodyPr/>
           <a:lstStyle/>
           <a:p>
-            <a:fld id="{89F8D703-08C3-4E8E-83A1-C2A5E871B5DA}" type="slidenum">
-              <a:rPr lang="zh-CN" altLang="en-US" smtClean="0"/>
+            <a:fld id="{D57F1E4F-1CFF-5643-939E-217C01CDF565}" type="slidenum">
+              <a:rPr lang="en-US" dirty="0"/>
+              <a:pPr/>
               <a:t>‹#›</a:t>
             </a:fld>
-            <a:endParaRPr lang="zh-CN" altLang="en-US"/>
+            <a:endParaRPr lang="en-US" dirty="0"/>
           </a:p>
         </p:txBody>
       </p:sp>
     </p:spTree>
-    <p:extLst>
-      <p:ext uri="{BB962C8B-B14F-4D97-AF65-F5344CB8AC3E}">
-        <p14:creationId xmlns:p14="http://schemas.microsoft.com/office/powerpoint/2010/main" val="130190970"/>
-      </p:ext>
-    </p:extLst>
   </p:cSld>
   <p:clrMapOvr>
     <a:masterClrMapping/>
@@ -300,6 +444,1782 @@
 </file>
 
 <file path=ppt/slideLayouts/slideLayout10.xml><?xml version="1.0" encoding="utf-8"?>
+<p:sldLayout xmlns:a="http://schemas.openxmlformats.org/drawingml/2006/main" xmlns:r="http://schemas.openxmlformats.org/officeDocument/2006/relationships" xmlns:p="http://schemas.openxmlformats.org/presentationml/2006/main" preserve="1">
+  <p:cSld name="标题和描述">
+    <p:spTree>
+      <p:nvGrpSpPr>
+        <p:cNvPr id="1" name=""/>
+        <p:cNvGrpSpPr/>
+        <p:nvPr/>
+      </p:nvGrpSpPr>
+      <p:grpSpPr>
+        <a:xfrm>
+          <a:off x="0" y="0"/>
+          <a:ext cx="0" cy="0"/>
+          <a:chOff x="0" y="0"/>
+          <a:chExt cx="0" cy="0"/>
+        </a:xfrm>
+      </p:grpSpPr>
+      <p:sp>
+        <p:nvSpPr>
+          <p:cNvPr id="2" name="Title 1"/>
+          <p:cNvSpPr>
+            <a:spLocks noGrp="1"/>
+          </p:cNvSpPr>
+          <p:nvPr>
+            <p:ph type="title"/>
+          </p:nvPr>
+        </p:nvSpPr>
+        <p:spPr>
+          <a:xfrm>
+            <a:off x="2589212" y="609600"/>
+            <a:ext cx="8915399" cy="3117040"/>
+          </a:xfrm>
+        </p:spPr>
+        <p:txBody>
+          <a:bodyPr anchor="ctr">
+            <a:normAutofit/>
+          </a:bodyPr>
+          <a:lstStyle>
+            <a:lvl1pPr algn="l">
+              <a:defRPr sz="4800" b="0" cap="none"/>
+            </a:lvl1pPr>
+          </a:lstStyle>
+          <a:p>
+            <a:r>
+              <a:rPr lang="zh-CN" altLang="en-US" smtClean="0"/>
+              <a:t>单击此处编辑母版标题样式</a:t>
+            </a:r>
+            <a:endParaRPr lang="en-US" dirty="0"/>
+          </a:p>
+        </p:txBody>
+      </p:sp>
+      <p:sp>
+        <p:nvSpPr>
+          <p:cNvPr id="3" name="Text Placeholder 2"/>
+          <p:cNvSpPr>
+            <a:spLocks noGrp="1"/>
+          </p:cNvSpPr>
+          <p:nvPr>
+            <p:ph type="body" idx="1"/>
+          </p:nvPr>
+        </p:nvSpPr>
+        <p:spPr>
+          <a:xfrm>
+            <a:off x="2589212" y="4354046"/>
+            <a:ext cx="8915399" cy="1555864"/>
+          </a:xfrm>
+        </p:spPr>
+        <p:txBody>
+          <a:bodyPr anchor="ctr">
+            <a:normAutofit/>
+          </a:bodyPr>
+          <a:lstStyle>
+            <a:lvl1pPr marL="0" indent="0" algn="l">
+              <a:buNone/>
+              <a:defRPr sz="1800">
+                <a:solidFill>
+                  <a:schemeClr val="tx1">
+                    <a:lumMod val="65000"/>
+                    <a:lumOff val="35000"/>
+                  </a:schemeClr>
+                </a:solidFill>
+              </a:defRPr>
+            </a:lvl1pPr>
+            <a:lvl2pPr marL="457200" indent="0">
+              <a:buNone/>
+              <a:defRPr sz="1800">
+                <a:solidFill>
+                  <a:schemeClr val="tx1">
+                    <a:tint val="75000"/>
+                  </a:schemeClr>
+                </a:solidFill>
+              </a:defRPr>
+            </a:lvl2pPr>
+            <a:lvl3pPr marL="914400" indent="0">
+              <a:buNone/>
+              <a:defRPr sz="1600">
+                <a:solidFill>
+                  <a:schemeClr val="tx1">
+                    <a:tint val="75000"/>
+                  </a:schemeClr>
+                </a:solidFill>
+              </a:defRPr>
+            </a:lvl3pPr>
+            <a:lvl4pPr marL="1371600" indent="0">
+              <a:buNone/>
+              <a:defRPr sz="1400">
+                <a:solidFill>
+                  <a:schemeClr val="tx1">
+                    <a:tint val="75000"/>
+                  </a:schemeClr>
+                </a:solidFill>
+              </a:defRPr>
+            </a:lvl4pPr>
+            <a:lvl5pPr marL="1828800" indent="0">
+              <a:buNone/>
+              <a:defRPr sz="1400">
+                <a:solidFill>
+                  <a:schemeClr val="tx1">
+                    <a:tint val="75000"/>
+                  </a:schemeClr>
+                </a:solidFill>
+              </a:defRPr>
+            </a:lvl5pPr>
+            <a:lvl6pPr marL="2286000" indent="0">
+              <a:buNone/>
+              <a:defRPr sz="1400">
+                <a:solidFill>
+                  <a:schemeClr val="tx1">
+                    <a:tint val="75000"/>
+                  </a:schemeClr>
+                </a:solidFill>
+              </a:defRPr>
+            </a:lvl6pPr>
+            <a:lvl7pPr marL="2743200" indent="0">
+              <a:buNone/>
+              <a:defRPr sz="1400">
+                <a:solidFill>
+                  <a:schemeClr val="tx1">
+                    <a:tint val="75000"/>
+                  </a:schemeClr>
+                </a:solidFill>
+              </a:defRPr>
+            </a:lvl7pPr>
+            <a:lvl8pPr marL="3200400" indent="0">
+              <a:buNone/>
+              <a:defRPr sz="1400">
+                <a:solidFill>
+                  <a:schemeClr val="tx1">
+                    <a:tint val="75000"/>
+                  </a:schemeClr>
+                </a:solidFill>
+              </a:defRPr>
+            </a:lvl8pPr>
+            <a:lvl9pPr marL="3657600" indent="0">
+              <a:buNone/>
+              <a:defRPr sz="1400">
+                <a:solidFill>
+                  <a:schemeClr val="tx1">
+                    <a:tint val="75000"/>
+                  </a:schemeClr>
+                </a:solidFill>
+              </a:defRPr>
+            </a:lvl9pPr>
+          </a:lstStyle>
+          <a:p>
+            <a:pPr lvl="0"/>
+            <a:r>
+              <a:rPr lang="zh-CN" altLang="en-US" smtClean="0"/>
+              <a:t>单击此处编辑母版文本样式</a:t>
+            </a:r>
+          </a:p>
+        </p:txBody>
+      </p:sp>
+      <p:sp>
+        <p:nvSpPr>
+          <p:cNvPr id="4" name="Date Placeholder 3"/>
+          <p:cNvSpPr>
+            <a:spLocks noGrp="1"/>
+          </p:cNvSpPr>
+          <p:nvPr>
+            <p:ph type="dt" sz="half" idx="10"/>
+          </p:nvPr>
+        </p:nvSpPr>
+        <p:spPr/>
+        <p:txBody>
+          <a:bodyPr/>
+          <a:lstStyle/>
+          <a:p>
+            <a:fld id="{B61BEF0D-F0BB-DE4B-95CE-6DB70DBA9567}" type="datetimeFigureOut">
+              <a:rPr lang="en-US" dirty="0"/>
+              <a:pPr/>
+              <a:t>6/8/2015</a:t>
+            </a:fld>
+            <a:endParaRPr lang="en-US" dirty="0"/>
+          </a:p>
+        </p:txBody>
+      </p:sp>
+      <p:sp>
+        <p:nvSpPr>
+          <p:cNvPr id="5" name="Footer Placeholder 4"/>
+          <p:cNvSpPr>
+            <a:spLocks noGrp="1"/>
+          </p:cNvSpPr>
+          <p:nvPr>
+            <p:ph type="ftr" sz="quarter" idx="11"/>
+          </p:nvPr>
+        </p:nvSpPr>
+        <p:spPr/>
+        <p:txBody>
+          <a:bodyPr/>
+          <a:lstStyle/>
+          <a:p>
+            <a:endParaRPr lang="en-US" dirty="0"/>
+          </a:p>
+        </p:txBody>
+      </p:sp>
+      <p:sp>
+        <p:nvSpPr>
+          <p:cNvPr id="9" name="Freeform 11"/>
+          <p:cNvSpPr/>
+          <p:nvPr/>
+        </p:nvSpPr>
+        <p:spPr bwMode="auto">
+          <a:xfrm flipV="1">
+            <a:off x="-4189" y="3178175"/>
+            <a:ext cx="1588527" cy="507297"/>
+          </a:xfrm>
+          <a:custGeom>
+            <a:avLst/>
+            <a:gdLst/>
+            <a:ahLst/>
+            <a:cxnLst/>
+            <a:rect l="l" t="t" r="r" b="b"/>
+            <a:pathLst>
+              <a:path w="9248" h="10000">
+                <a:moveTo>
+                  <a:pt x="9248" y="4701"/>
+                </a:moveTo>
+                <a:lnTo>
+                  <a:pt x="7915" y="188"/>
+                </a:lnTo>
+                <a:cubicBezTo>
+                  <a:pt x="7906" y="156"/>
+                  <a:pt x="7895" y="126"/>
+                  <a:pt x="7886" y="94"/>
+                </a:cubicBezTo>
+                <a:cubicBezTo>
+                  <a:pt x="7859" y="0"/>
+                  <a:pt x="7831" y="0"/>
+                  <a:pt x="7803" y="0"/>
+                </a:cubicBezTo>
+                <a:lnTo>
+                  <a:pt x="7275" y="0"/>
+                </a:lnTo>
+                <a:lnTo>
+                  <a:pt x="0" y="70"/>
+                </a:lnTo>
+                <a:cubicBezTo>
+                  <a:pt x="8" y="3380"/>
+                  <a:pt x="17" y="6690"/>
+                  <a:pt x="25" y="10000"/>
+                </a:cubicBezTo>
+                <a:lnTo>
+                  <a:pt x="7275" y="9966"/>
+                </a:lnTo>
+                <a:lnTo>
+                  <a:pt x="7803" y="9966"/>
+                </a:lnTo>
+                <a:cubicBezTo>
+                  <a:pt x="7831" y="9966"/>
+                  <a:pt x="7859" y="9872"/>
+                  <a:pt x="7886" y="9872"/>
+                </a:cubicBezTo>
+                <a:cubicBezTo>
+                  <a:pt x="7886" y="9778"/>
+                  <a:pt x="7915" y="9778"/>
+                  <a:pt x="7915" y="9778"/>
+                </a:cubicBezTo>
+                <a:lnTo>
+                  <a:pt x="9248" y="5265"/>
+                </a:lnTo>
+                <a:cubicBezTo>
+                  <a:pt x="9303" y="5077"/>
+                  <a:pt x="9303" y="4889"/>
+                  <a:pt x="9248" y="4701"/>
+                </a:cubicBezTo>
+                <a:close/>
+              </a:path>
+            </a:pathLst>
+          </a:custGeom>
+          <a:solidFill>
+            <a:schemeClr val="accent1"/>
+          </a:solidFill>
+          <a:ln>
+            <a:noFill/>
+          </a:ln>
+        </p:spPr>
+      </p:sp>
+      <p:sp>
+        <p:nvSpPr>
+          <p:cNvPr id="6" name="Slide Number Placeholder 5"/>
+          <p:cNvSpPr>
+            <a:spLocks noGrp="1"/>
+          </p:cNvSpPr>
+          <p:nvPr>
+            <p:ph type="sldNum" sz="quarter" idx="12"/>
+          </p:nvPr>
+        </p:nvSpPr>
+        <p:spPr>
+          <a:xfrm>
+            <a:off x="531812" y="3244139"/>
+            <a:ext cx="779767" cy="365125"/>
+          </a:xfrm>
+        </p:spPr>
+        <p:txBody>
+          <a:bodyPr/>
+          <a:lstStyle/>
+          <a:p>
+            <a:fld id="{D57F1E4F-1CFF-5643-939E-217C01CDF565}" type="slidenum">
+              <a:rPr lang="en-US" dirty="0"/>
+              <a:pPr/>
+              <a:t>‹#›</a:t>
+            </a:fld>
+            <a:endParaRPr lang="en-US" dirty="0"/>
+          </a:p>
+        </p:txBody>
+      </p:sp>
+    </p:spTree>
+  </p:cSld>
+  <p:clrMapOvr>
+    <a:masterClrMapping/>
+  </p:clrMapOvr>
+</p:sldLayout>
+</file>
+
+<file path=ppt/slideLayouts/slideLayout11.xml><?xml version="1.0" encoding="utf-8"?>
+<p:sldLayout xmlns:a="http://schemas.openxmlformats.org/drawingml/2006/main" xmlns:r="http://schemas.openxmlformats.org/officeDocument/2006/relationships" xmlns:p="http://schemas.openxmlformats.org/presentationml/2006/main" preserve="1">
+  <p:cSld name="带描述的引言">
+    <p:spTree>
+      <p:nvGrpSpPr>
+        <p:cNvPr id="1" name=""/>
+        <p:cNvGrpSpPr/>
+        <p:nvPr/>
+      </p:nvGrpSpPr>
+      <p:grpSpPr>
+        <a:xfrm>
+          <a:off x="0" y="0"/>
+          <a:ext cx="0" cy="0"/>
+          <a:chOff x="0" y="0"/>
+          <a:chExt cx="0" cy="0"/>
+        </a:xfrm>
+      </p:grpSpPr>
+      <p:sp>
+        <p:nvSpPr>
+          <p:cNvPr id="2" name="Title 1"/>
+          <p:cNvSpPr>
+            <a:spLocks noGrp="1"/>
+          </p:cNvSpPr>
+          <p:nvPr>
+            <p:ph type="title"/>
+          </p:nvPr>
+        </p:nvSpPr>
+        <p:spPr>
+          <a:xfrm>
+            <a:off x="2849949" y="609600"/>
+            <a:ext cx="8393926" cy="2895600"/>
+          </a:xfrm>
+        </p:spPr>
+        <p:txBody>
+          <a:bodyPr anchor="ctr">
+            <a:normAutofit/>
+          </a:bodyPr>
+          <a:lstStyle>
+            <a:lvl1pPr algn="l">
+              <a:defRPr sz="4800" b="0" cap="none"/>
+            </a:lvl1pPr>
+          </a:lstStyle>
+          <a:p>
+            <a:r>
+              <a:rPr lang="zh-CN" altLang="en-US" smtClean="0"/>
+              <a:t>单击此处编辑母版标题样式</a:t>
+            </a:r>
+            <a:endParaRPr lang="en-US" dirty="0"/>
+          </a:p>
+        </p:txBody>
+      </p:sp>
+      <p:sp>
+        <p:nvSpPr>
+          <p:cNvPr id="13" name="Text Placeholder 9"/>
+          <p:cNvSpPr>
+            <a:spLocks noGrp="1"/>
+          </p:cNvSpPr>
+          <p:nvPr>
+            <p:ph type="body" sz="quarter" idx="13"/>
+          </p:nvPr>
+        </p:nvSpPr>
+        <p:spPr>
+          <a:xfrm>
+            <a:off x="3275012" y="3505200"/>
+            <a:ext cx="7536554" cy="381000"/>
+          </a:xfrm>
+        </p:spPr>
+        <p:txBody>
+          <a:bodyPr anchor="ctr">
+            <a:noAutofit/>
+          </a:bodyPr>
+          <a:lstStyle>
+            <a:lvl1pPr marL="0" indent="0">
+              <a:buFontTx/>
+              <a:buNone/>
+              <a:defRPr sz="1600">
+                <a:solidFill>
+                  <a:schemeClr val="tx1">
+                    <a:lumMod val="50000"/>
+                    <a:lumOff val="50000"/>
+                  </a:schemeClr>
+                </a:solidFill>
+              </a:defRPr>
+            </a:lvl1pPr>
+            <a:lvl2pPr marL="457200" indent="0">
+              <a:buFontTx/>
+              <a:buNone/>
+              <a:defRPr/>
+            </a:lvl2pPr>
+            <a:lvl3pPr marL="914400" indent="0">
+              <a:buFontTx/>
+              <a:buNone/>
+              <a:defRPr/>
+            </a:lvl3pPr>
+            <a:lvl4pPr marL="1371600" indent="0">
+              <a:buFontTx/>
+              <a:buNone/>
+              <a:defRPr/>
+            </a:lvl4pPr>
+            <a:lvl5pPr marL="1828800" indent="0">
+              <a:buFontTx/>
+              <a:buNone/>
+              <a:defRPr/>
+            </a:lvl5pPr>
+          </a:lstStyle>
+          <a:p>
+            <a:pPr lvl="0"/>
+            <a:r>
+              <a:rPr lang="zh-CN" altLang="en-US" smtClean="0"/>
+              <a:t>单击此处编辑母版文本样式</a:t>
+            </a:r>
+          </a:p>
+        </p:txBody>
+      </p:sp>
+      <p:sp>
+        <p:nvSpPr>
+          <p:cNvPr id="3" name="Text Placeholder 2"/>
+          <p:cNvSpPr>
+            <a:spLocks noGrp="1"/>
+          </p:cNvSpPr>
+          <p:nvPr>
+            <p:ph type="body" idx="1"/>
+          </p:nvPr>
+        </p:nvSpPr>
+        <p:spPr>
+          <a:xfrm>
+            <a:off x="2589212" y="4354046"/>
+            <a:ext cx="8915399" cy="1555864"/>
+          </a:xfrm>
+        </p:spPr>
+        <p:txBody>
+          <a:bodyPr anchor="ctr">
+            <a:normAutofit/>
+          </a:bodyPr>
+          <a:lstStyle>
+            <a:lvl1pPr marL="0" indent="0" algn="l">
+              <a:buNone/>
+              <a:defRPr sz="1800">
+                <a:solidFill>
+                  <a:schemeClr val="tx1">
+                    <a:lumMod val="65000"/>
+                    <a:lumOff val="35000"/>
+                  </a:schemeClr>
+                </a:solidFill>
+              </a:defRPr>
+            </a:lvl1pPr>
+            <a:lvl2pPr marL="457200" indent="0">
+              <a:buNone/>
+              <a:defRPr sz="1800">
+                <a:solidFill>
+                  <a:schemeClr val="tx1">
+                    <a:tint val="75000"/>
+                  </a:schemeClr>
+                </a:solidFill>
+              </a:defRPr>
+            </a:lvl2pPr>
+            <a:lvl3pPr marL="914400" indent="0">
+              <a:buNone/>
+              <a:defRPr sz="1600">
+                <a:solidFill>
+                  <a:schemeClr val="tx1">
+                    <a:tint val="75000"/>
+                  </a:schemeClr>
+                </a:solidFill>
+              </a:defRPr>
+            </a:lvl3pPr>
+            <a:lvl4pPr marL="1371600" indent="0">
+              <a:buNone/>
+              <a:defRPr sz="1400">
+                <a:solidFill>
+                  <a:schemeClr val="tx1">
+                    <a:tint val="75000"/>
+                  </a:schemeClr>
+                </a:solidFill>
+              </a:defRPr>
+            </a:lvl4pPr>
+            <a:lvl5pPr marL="1828800" indent="0">
+              <a:buNone/>
+              <a:defRPr sz="1400">
+                <a:solidFill>
+                  <a:schemeClr val="tx1">
+                    <a:tint val="75000"/>
+                  </a:schemeClr>
+                </a:solidFill>
+              </a:defRPr>
+            </a:lvl5pPr>
+            <a:lvl6pPr marL="2286000" indent="0">
+              <a:buNone/>
+              <a:defRPr sz="1400">
+                <a:solidFill>
+                  <a:schemeClr val="tx1">
+                    <a:tint val="75000"/>
+                  </a:schemeClr>
+                </a:solidFill>
+              </a:defRPr>
+            </a:lvl6pPr>
+            <a:lvl7pPr marL="2743200" indent="0">
+              <a:buNone/>
+              <a:defRPr sz="1400">
+                <a:solidFill>
+                  <a:schemeClr val="tx1">
+                    <a:tint val="75000"/>
+                  </a:schemeClr>
+                </a:solidFill>
+              </a:defRPr>
+            </a:lvl7pPr>
+            <a:lvl8pPr marL="3200400" indent="0">
+              <a:buNone/>
+              <a:defRPr sz="1400">
+                <a:solidFill>
+                  <a:schemeClr val="tx1">
+                    <a:tint val="75000"/>
+                  </a:schemeClr>
+                </a:solidFill>
+              </a:defRPr>
+            </a:lvl8pPr>
+            <a:lvl9pPr marL="3657600" indent="0">
+              <a:buNone/>
+              <a:defRPr sz="1400">
+                <a:solidFill>
+                  <a:schemeClr val="tx1">
+                    <a:tint val="75000"/>
+                  </a:schemeClr>
+                </a:solidFill>
+              </a:defRPr>
+            </a:lvl9pPr>
+          </a:lstStyle>
+          <a:p>
+            <a:pPr lvl="0"/>
+            <a:r>
+              <a:rPr lang="zh-CN" altLang="en-US" smtClean="0"/>
+              <a:t>单击此处编辑母版文本样式</a:t>
+            </a:r>
+          </a:p>
+        </p:txBody>
+      </p:sp>
+      <p:sp>
+        <p:nvSpPr>
+          <p:cNvPr id="4" name="Date Placeholder 3"/>
+          <p:cNvSpPr>
+            <a:spLocks noGrp="1"/>
+          </p:cNvSpPr>
+          <p:nvPr>
+            <p:ph type="dt" sz="half" idx="10"/>
+          </p:nvPr>
+        </p:nvSpPr>
+        <p:spPr/>
+        <p:txBody>
+          <a:bodyPr/>
+          <a:lstStyle/>
+          <a:p>
+            <a:fld id="{B61BEF0D-F0BB-DE4B-95CE-6DB70DBA9567}" type="datetimeFigureOut">
+              <a:rPr lang="en-US" dirty="0"/>
+              <a:pPr/>
+              <a:t>6/8/2015</a:t>
+            </a:fld>
+            <a:endParaRPr lang="en-US" dirty="0"/>
+          </a:p>
+        </p:txBody>
+      </p:sp>
+      <p:sp>
+        <p:nvSpPr>
+          <p:cNvPr id="5" name="Footer Placeholder 4"/>
+          <p:cNvSpPr>
+            <a:spLocks noGrp="1"/>
+          </p:cNvSpPr>
+          <p:nvPr>
+            <p:ph type="ftr" sz="quarter" idx="11"/>
+          </p:nvPr>
+        </p:nvSpPr>
+        <p:spPr/>
+        <p:txBody>
+          <a:bodyPr/>
+          <a:lstStyle/>
+          <a:p>
+            <a:endParaRPr lang="en-US" dirty="0"/>
+          </a:p>
+        </p:txBody>
+      </p:sp>
+      <p:sp>
+        <p:nvSpPr>
+          <p:cNvPr id="11" name="Freeform 11"/>
+          <p:cNvSpPr/>
+          <p:nvPr/>
+        </p:nvSpPr>
+        <p:spPr bwMode="auto">
+          <a:xfrm flipV="1">
+            <a:off x="-4189" y="3178175"/>
+            <a:ext cx="1588527" cy="507297"/>
+          </a:xfrm>
+          <a:custGeom>
+            <a:avLst/>
+            <a:gdLst/>
+            <a:ahLst/>
+            <a:cxnLst/>
+            <a:rect l="l" t="t" r="r" b="b"/>
+            <a:pathLst>
+              <a:path w="9248" h="10000">
+                <a:moveTo>
+                  <a:pt x="9248" y="4701"/>
+                </a:moveTo>
+                <a:lnTo>
+                  <a:pt x="7915" y="188"/>
+                </a:lnTo>
+                <a:cubicBezTo>
+                  <a:pt x="7906" y="156"/>
+                  <a:pt x="7895" y="126"/>
+                  <a:pt x="7886" y="94"/>
+                </a:cubicBezTo>
+                <a:cubicBezTo>
+                  <a:pt x="7859" y="0"/>
+                  <a:pt x="7831" y="0"/>
+                  <a:pt x="7803" y="0"/>
+                </a:cubicBezTo>
+                <a:lnTo>
+                  <a:pt x="7275" y="0"/>
+                </a:lnTo>
+                <a:lnTo>
+                  <a:pt x="0" y="70"/>
+                </a:lnTo>
+                <a:cubicBezTo>
+                  <a:pt x="8" y="3380"/>
+                  <a:pt x="17" y="6690"/>
+                  <a:pt x="25" y="10000"/>
+                </a:cubicBezTo>
+                <a:lnTo>
+                  <a:pt x="7275" y="9966"/>
+                </a:lnTo>
+                <a:lnTo>
+                  <a:pt x="7803" y="9966"/>
+                </a:lnTo>
+                <a:cubicBezTo>
+                  <a:pt x="7831" y="9966"/>
+                  <a:pt x="7859" y="9872"/>
+                  <a:pt x="7886" y="9872"/>
+                </a:cubicBezTo>
+                <a:cubicBezTo>
+                  <a:pt x="7886" y="9778"/>
+                  <a:pt x="7915" y="9778"/>
+                  <a:pt x="7915" y="9778"/>
+                </a:cubicBezTo>
+                <a:lnTo>
+                  <a:pt x="9248" y="5265"/>
+                </a:lnTo>
+                <a:cubicBezTo>
+                  <a:pt x="9303" y="5077"/>
+                  <a:pt x="9303" y="4889"/>
+                  <a:pt x="9248" y="4701"/>
+                </a:cubicBezTo>
+                <a:close/>
+              </a:path>
+            </a:pathLst>
+          </a:custGeom>
+          <a:solidFill>
+            <a:schemeClr val="accent1"/>
+          </a:solidFill>
+          <a:ln>
+            <a:noFill/>
+          </a:ln>
+        </p:spPr>
+      </p:sp>
+      <p:sp>
+        <p:nvSpPr>
+          <p:cNvPr id="6" name="Slide Number Placeholder 5"/>
+          <p:cNvSpPr>
+            <a:spLocks noGrp="1"/>
+          </p:cNvSpPr>
+          <p:nvPr>
+            <p:ph type="sldNum" sz="quarter" idx="12"/>
+          </p:nvPr>
+        </p:nvSpPr>
+        <p:spPr>
+          <a:xfrm>
+            <a:off x="531812" y="3244139"/>
+            <a:ext cx="779767" cy="365125"/>
+          </a:xfrm>
+        </p:spPr>
+        <p:txBody>
+          <a:bodyPr/>
+          <a:lstStyle/>
+          <a:p>
+            <a:fld id="{D57F1E4F-1CFF-5643-939E-217C01CDF565}" type="slidenum">
+              <a:rPr lang="en-US" dirty="0"/>
+              <a:pPr/>
+              <a:t>‹#›</a:t>
+            </a:fld>
+            <a:endParaRPr lang="en-US" dirty="0"/>
+          </a:p>
+        </p:txBody>
+      </p:sp>
+      <p:sp>
+        <p:nvSpPr>
+          <p:cNvPr id="14" name="TextBox 13"/>
+          <p:cNvSpPr txBox="1"/>
+          <p:nvPr/>
+        </p:nvSpPr>
+        <p:spPr>
+          <a:xfrm>
+            <a:off x="2467652" y="648005"/>
+            <a:ext cx="609600" cy="584776"/>
+          </a:xfrm>
+          <a:prstGeom prst="rect">
+            <a:avLst/>
+          </a:prstGeom>
+        </p:spPr>
+        <p:txBody>
+          <a:bodyPr vert="horz" lIns="91440" tIns="45720" rIns="91440" bIns="45720" rtlCol="0" anchor="ctr">
+            <a:noAutofit/>
+          </a:bodyPr>
+          <a:lstStyle/>
+          <a:p>
+            <a:pPr lvl="0"/>
+            <a:r>
+              <a:rPr lang="en-US" sz="8000" baseline="0" dirty="0">
+                <a:ln w="3175" cmpd="sng">
+                  <a:noFill/>
+                </a:ln>
+                <a:solidFill>
+                  <a:schemeClr val="accent1"/>
+                </a:solidFill>
+                <a:effectLst/>
+                <a:latin typeface="Arial"/>
+              </a:rPr>
+              <a:t>“</a:t>
+            </a:r>
+          </a:p>
+        </p:txBody>
+      </p:sp>
+      <p:sp>
+        <p:nvSpPr>
+          <p:cNvPr id="15" name="TextBox 14"/>
+          <p:cNvSpPr txBox="1"/>
+          <p:nvPr/>
+        </p:nvSpPr>
+        <p:spPr>
+          <a:xfrm>
+            <a:off x="11114852" y="2905306"/>
+            <a:ext cx="609600" cy="584776"/>
+          </a:xfrm>
+          <a:prstGeom prst="rect">
+            <a:avLst/>
+          </a:prstGeom>
+        </p:spPr>
+        <p:txBody>
+          <a:bodyPr vert="horz" lIns="91440" tIns="45720" rIns="91440" bIns="45720" rtlCol="0" anchor="ctr">
+            <a:noAutofit/>
+          </a:bodyPr>
+          <a:lstStyle/>
+          <a:p>
+            <a:pPr lvl="0"/>
+            <a:r>
+              <a:rPr lang="en-US" sz="8000" baseline="0" dirty="0">
+                <a:ln w="3175" cmpd="sng">
+                  <a:noFill/>
+                </a:ln>
+                <a:solidFill>
+                  <a:schemeClr val="accent1"/>
+                </a:solidFill>
+                <a:effectLst/>
+                <a:latin typeface="Arial"/>
+              </a:rPr>
+              <a:t>”</a:t>
+            </a:r>
+          </a:p>
+        </p:txBody>
+      </p:sp>
+    </p:spTree>
+  </p:cSld>
+  <p:clrMapOvr>
+    <a:masterClrMapping/>
+  </p:clrMapOvr>
+</p:sldLayout>
+</file>
+
+<file path=ppt/slideLayouts/slideLayout12.xml><?xml version="1.0" encoding="utf-8"?>
+<p:sldLayout xmlns:a="http://schemas.openxmlformats.org/drawingml/2006/main" xmlns:r="http://schemas.openxmlformats.org/officeDocument/2006/relationships" xmlns:p="http://schemas.openxmlformats.org/presentationml/2006/main" preserve="1">
+  <p:cSld name="名片">
+    <p:spTree>
+      <p:nvGrpSpPr>
+        <p:cNvPr id="1" name=""/>
+        <p:cNvGrpSpPr/>
+        <p:nvPr/>
+      </p:nvGrpSpPr>
+      <p:grpSpPr>
+        <a:xfrm>
+          <a:off x="0" y="0"/>
+          <a:ext cx="0" cy="0"/>
+          <a:chOff x="0" y="0"/>
+          <a:chExt cx="0" cy="0"/>
+        </a:xfrm>
+      </p:grpSpPr>
+      <p:sp>
+        <p:nvSpPr>
+          <p:cNvPr id="2" name="Title 1"/>
+          <p:cNvSpPr>
+            <a:spLocks noGrp="1"/>
+          </p:cNvSpPr>
+          <p:nvPr>
+            <p:ph type="title"/>
+          </p:nvPr>
+        </p:nvSpPr>
+        <p:spPr>
+          <a:xfrm>
+            <a:off x="2589213" y="2438400"/>
+            <a:ext cx="8915400" cy="2724845"/>
+          </a:xfrm>
+        </p:spPr>
+        <p:txBody>
+          <a:bodyPr anchor="b">
+            <a:normAutofit/>
+          </a:bodyPr>
+          <a:lstStyle>
+            <a:lvl1pPr algn="l">
+              <a:defRPr sz="4800" b="0"/>
+            </a:lvl1pPr>
+          </a:lstStyle>
+          <a:p>
+            <a:r>
+              <a:rPr lang="zh-CN" altLang="en-US" smtClean="0"/>
+              <a:t>单击此处编辑母版标题样式</a:t>
+            </a:r>
+            <a:endParaRPr lang="en-US" dirty="0"/>
+          </a:p>
+        </p:txBody>
+      </p:sp>
+      <p:sp>
+        <p:nvSpPr>
+          <p:cNvPr id="4" name="Text Placeholder 3"/>
+          <p:cNvSpPr>
+            <a:spLocks noGrp="1"/>
+          </p:cNvSpPr>
+          <p:nvPr>
+            <p:ph type="body" sz="half" idx="2"/>
+          </p:nvPr>
+        </p:nvSpPr>
+        <p:spPr>
+          <a:xfrm>
+            <a:off x="2589213" y="5181600"/>
+            <a:ext cx="8915400" cy="729622"/>
+          </a:xfrm>
+        </p:spPr>
+        <p:txBody>
+          <a:bodyPr vert="horz" lIns="91440" tIns="45720" rIns="91440" bIns="45720" rtlCol="0" anchor="t">
+            <a:normAutofit/>
+          </a:bodyPr>
+          <a:lstStyle>
+            <a:lvl1pPr>
+              <a:buNone/>
+              <a:defRPr lang="en-US">
+                <a:solidFill>
+                  <a:schemeClr val="tx1">
+                    <a:lumMod val="65000"/>
+                    <a:lumOff val="35000"/>
+                  </a:schemeClr>
+                </a:solidFill>
+              </a:defRPr>
+            </a:lvl1pPr>
+          </a:lstStyle>
+          <a:p>
+            <a:pPr marL="0" lvl="0" indent="0">
+              <a:buNone/>
+            </a:pPr>
+            <a:r>
+              <a:rPr lang="zh-CN" altLang="en-US" smtClean="0"/>
+              <a:t>单击此处编辑母版文本样式</a:t>
+            </a:r>
+          </a:p>
+        </p:txBody>
+      </p:sp>
+      <p:sp>
+        <p:nvSpPr>
+          <p:cNvPr id="5" name="Date Placeholder 4"/>
+          <p:cNvSpPr>
+            <a:spLocks noGrp="1"/>
+          </p:cNvSpPr>
+          <p:nvPr>
+            <p:ph type="dt" sz="half" idx="10"/>
+          </p:nvPr>
+        </p:nvSpPr>
+        <p:spPr/>
+        <p:txBody>
+          <a:bodyPr/>
+          <a:lstStyle/>
+          <a:p>
+            <a:fld id="{B61BEF0D-F0BB-DE4B-95CE-6DB70DBA9567}" type="datetimeFigureOut">
+              <a:rPr lang="en-US" dirty="0"/>
+              <a:pPr/>
+              <a:t>6/8/2015</a:t>
+            </a:fld>
+            <a:endParaRPr lang="en-US" dirty="0"/>
+          </a:p>
+        </p:txBody>
+      </p:sp>
+      <p:sp>
+        <p:nvSpPr>
+          <p:cNvPr id="6" name="Footer Placeholder 5"/>
+          <p:cNvSpPr>
+            <a:spLocks noGrp="1"/>
+          </p:cNvSpPr>
+          <p:nvPr>
+            <p:ph type="ftr" sz="quarter" idx="11"/>
+          </p:nvPr>
+        </p:nvSpPr>
+        <p:spPr/>
+        <p:txBody>
+          <a:bodyPr/>
+          <a:lstStyle/>
+          <a:p>
+            <a:endParaRPr lang="en-US" dirty="0"/>
+          </a:p>
+        </p:txBody>
+      </p:sp>
+      <p:sp>
+        <p:nvSpPr>
+          <p:cNvPr id="9" name="Freeform 11"/>
+          <p:cNvSpPr/>
+          <p:nvPr/>
+        </p:nvSpPr>
+        <p:spPr bwMode="auto">
+          <a:xfrm flipV="1">
+            <a:off x="-4189" y="4911725"/>
+            <a:ext cx="1588527" cy="507297"/>
+          </a:xfrm>
+          <a:custGeom>
+            <a:avLst/>
+            <a:gdLst/>
+            <a:ahLst/>
+            <a:cxnLst/>
+            <a:rect l="l" t="t" r="r" b="b"/>
+            <a:pathLst>
+              <a:path w="9248" h="10000">
+                <a:moveTo>
+                  <a:pt x="9248" y="4701"/>
+                </a:moveTo>
+                <a:lnTo>
+                  <a:pt x="7915" y="188"/>
+                </a:lnTo>
+                <a:cubicBezTo>
+                  <a:pt x="7906" y="156"/>
+                  <a:pt x="7895" y="126"/>
+                  <a:pt x="7886" y="94"/>
+                </a:cubicBezTo>
+                <a:cubicBezTo>
+                  <a:pt x="7859" y="0"/>
+                  <a:pt x="7831" y="0"/>
+                  <a:pt x="7803" y="0"/>
+                </a:cubicBezTo>
+                <a:lnTo>
+                  <a:pt x="7275" y="0"/>
+                </a:lnTo>
+                <a:lnTo>
+                  <a:pt x="0" y="70"/>
+                </a:lnTo>
+                <a:cubicBezTo>
+                  <a:pt x="8" y="3380"/>
+                  <a:pt x="17" y="6690"/>
+                  <a:pt x="25" y="10000"/>
+                </a:cubicBezTo>
+                <a:lnTo>
+                  <a:pt x="7275" y="9966"/>
+                </a:lnTo>
+                <a:lnTo>
+                  <a:pt x="7803" y="9966"/>
+                </a:lnTo>
+                <a:cubicBezTo>
+                  <a:pt x="7831" y="9966"/>
+                  <a:pt x="7859" y="9872"/>
+                  <a:pt x="7886" y="9872"/>
+                </a:cubicBezTo>
+                <a:cubicBezTo>
+                  <a:pt x="7886" y="9778"/>
+                  <a:pt x="7915" y="9778"/>
+                  <a:pt x="7915" y="9778"/>
+                </a:cubicBezTo>
+                <a:lnTo>
+                  <a:pt x="9248" y="5265"/>
+                </a:lnTo>
+                <a:cubicBezTo>
+                  <a:pt x="9303" y="5077"/>
+                  <a:pt x="9303" y="4889"/>
+                  <a:pt x="9248" y="4701"/>
+                </a:cubicBezTo>
+                <a:close/>
+              </a:path>
+            </a:pathLst>
+          </a:custGeom>
+          <a:solidFill>
+            <a:schemeClr val="accent1"/>
+          </a:solidFill>
+          <a:ln>
+            <a:noFill/>
+          </a:ln>
+        </p:spPr>
+      </p:sp>
+      <p:sp>
+        <p:nvSpPr>
+          <p:cNvPr id="7" name="Slide Number Placeholder 6"/>
+          <p:cNvSpPr>
+            <a:spLocks noGrp="1"/>
+          </p:cNvSpPr>
+          <p:nvPr>
+            <p:ph type="sldNum" sz="quarter" idx="12"/>
+          </p:nvPr>
+        </p:nvSpPr>
+        <p:spPr>
+          <a:xfrm>
+            <a:off x="531812" y="4983087"/>
+            <a:ext cx="779767" cy="365125"/>
+          </a:xfrm>
+        </p:spPr>
+        <p:txBody>
+          <a:bodyPr/>
+          <a:lstStyle/>
+          <a:p>
+            <a:fld id="{D57F1E4F-1CFF-5643-939E-217C01CDF565}" type="slidenum">
+              <a:rPr lang="en-US" dirty="0"/>
+              <a:pPr/>
+              <a:t>‹#›</a:t>
+            </a:fld>
+            <a:endParaRPr lang="en-US" dirty="0"/>
+          </a:p>
+        </p:txBody>
+      </p:sp>
+    </p:spTree>
+  </p:cSld>
+  <p:clrMapOvr>
+    <a:masterClrMapping/>
+  </p:clrMapOvr>
+</p:sldLayout>
+</file>
+
+<file path=ppt/slideLayouts/slideLayout13.xml><?xml version="1.0" encoding="utf-8"?>
+<p:sldLayout xmlns:a="http://schemas.openxmlformats.org/drawingml/2006/main" xmlns:r="http://schemas.openxmlformats.org/officeDocument/2006/relationships" xmlns:p="http://schemas.openxmlformats.org/presentationml/2006/main" preserve="1">
+  <p:cSld name="引言名片">
+    <p:spTree>
+      <p:nvGrpSpPr>
+        <p:cNvPr id="1" name=""/>
+        <p:cNvGrpSpPr/>
+        <p:nvPr/>
+      </p:nvGrpSpPr>
+      <p:grpSpPr>
+        <a:xfrm>
+          <a:off x="0" y="0"/>
+          <a:ext cx="0" cy="0"/>
+          <a:chOff x="0" y="0"/>
+          <a:chExt cx="0" cy="0"/>
+        </a:xfrm>
+      </p:grpSpPr>
+      <p:sp>
+        <p:nvSpPr>
+          <p:cNvPr id="12" name="Title 1"/>
+          <p:cNvSpPr>
+            <a:spLocks noGrp="1"/>
+          </p:cNvSpPr>
+          <p:nvPr>
+            <p:ph type="title"/>
+          </p:nvPr>
+        </p:nvSpPr>
+        <p:spPr>
+          <a:xfrm>
+            <a:off x="2849949" y="609600"/>
+            <a:ext cx="8393926" cy="2895600"/>
+          </a:xfrm>
+        </p:spPr>
+        <p:txBody>
+          <a:bodyPr anchor="ctr">
+            <a:normAutofit/>
+          </a:bodyPr>
+          <a:lstStyle>
+            <a:lvl1pPr algn="l">
+              <a:defRPr sz="4800" b="0" cap="none"/>
+            </a:lvl1pPr>
+          </a:lstStyle>
+          <a:p>
+            <a:r>
+              <a:rPr lang="zh-CN" altLang="en-US" smtClean="0"/>
+              <a:t>单击此处编辑母版标题样式</a:t>
+            </a:r>
+            <a:endParaRPr lang="en-US" dirty="0"/>
+          </a:p>
+        </p:txBody>
+      </p:sp>
+      <p:sp>
+        <p:nvSpPr>
+          <p:cNvPr id="21" name="Text Placeholder 9"/>
+          <p:cNvSpPr>
+            <a:spLocks noGrp="1"/>
+          </p:cNvSpPr>
+          <p:nvPr>
+            <p:ph type="body" sz="quarter" idx="13"/>
+          </p:nvPr>
+        </p:nvSpPr>
+        <p:spPr>
+          <a:xfrm>
+            <a:off x="2589212" y="4343400"/>
+            <a:ext cx="8915400" cy="838200"/>
+          </a:xfrm>
+        </p:spPr>
+        <p:txBody>
+          <a:bodyPr anchor="b">
+            <a:noAutofit/>
+          </a:bodyPr>
+          <a:lstStyle>
+            <a:lvl1pPr marL="0" indent="0">
+              <a:buFontTx/>
+              <a:buNone/>
+              <a:defRPr sz="2400">
+                <a:solidFill>
+                  <a:schemeClr val="accent1"/>
+                </a:solidFill>
+              </a:defRPr>
+            </a:lvl1pPr>
+            <a:lvl2pPr marL="457200" indent="0">
+              <a:buFontTx/>
+              <a:buNone/>
+              <a:defRPr/>
+            </a:lvl2pPr>
+            <a:lvl3pPr marL="914400" indent="0">
+              <a:buFontTx/>
+              <a:buNone/>
+              <a:defRPr/>
+            </a:lvl3pPr>
+            <a:lvl4pPr marL="1371600" indent="0">
+              <a:buFontTx/>
+              <a:buNone/>
+              <a:defRPr/>
+            </a:lvl4pPr>
+            <a:lvl5pPr marL="1828800" indent="0">
+              <a:buFontTx/>
+              <a:buNone/>
+              <a:defRPr/>
+            </a:lvl5pPr>
+          </a:lstStyle>
+          <a:p>
+            <a:pPr lvl="0"/>
+            <a:r>
+              <a:rPr lang="zh-CN" altLang="en-US" smtClean="0"/>
+              <a:t>单击此处编辑母版文本样式</a:t>
+            </a:r>
+          </a:p>
+        </p:txBody>
+      </p:sp>
+      <p:sp>
+        <p:nvSpPr>
+          <p:cNvPr id="4" name="Text Placeholder 3"/>
+          <p:cNvSpPr>
+            <a:spLocks noGrp="1"/>
+          </p:cNvSpPr>
+          <p:nvPr>
+            <p:ph type="body" sz="half" idx="2"/>
+          </p:nvPr>
+        </p:nvSpPr>
+        <p:spPr>
+          <a:xfrm>
+            <a:off x="2589213" y="5181600"/>
+            <a:ext cx="8915400" cy="729622"/>
+          </a:xfrm>
+        </p:spPr>
+        <p:txBody>
+          <a:bodyPr vert="horz" lIns="91440" tIns="45720" rIns="91440" bIns="45720" rtlCol="0" anchor="t">
+            <a:normAutofit/>
+          </a:bodyPr>
+          <a:lstStyle>
+            <a:lvl1pPr>
+              <a:buNone/>
+              <a:defRPr lang="en-US">
+                <a:solidFill>
+                  <a:schemeClr val="tx1">
+                    <a:lumMod val="65000"/>
+                    <a:lumOff val="35000"/>
+                  </a:schemeClr>
+                </a:solidFill>
+              </a:defRPr>
+            </a:lvl1pPr>
+          </a:lstStyle>
+          <a:p>
+            <a:pPr marL="0" lvl="0" indent="0">
+              <a:buNone/>
+            </a:pPr>
+            <a:r>
+              <a:rPr lang="zh-CN" altLang="en-US" smtClean="0"/>
+              <a:t>单击此处编辑母版文本样式</a:t>
+            </a:r>
+          </a:p>
+        </p:txBody>
+      </p:sp>
+      <p:sp>
+        <p:nvSpPr>
+          <p:cNvPr id="5" name="Date Placeholder 4"/>
+          <p:cNvSpPr>
+            <a:spLocks noGrp="1"/>
+          </p:cNvSpPr>
+          <p:nvPr>
+            <p:ph type="dt" sz="half" idx="10"/>
+          </p:nvPr>
+        </p:nvSpPr>
+        <p:spPr/>
+        <p:txBody>
+          <a:bodyPr/>
+          <a:lstStyle/>
+          <a:p>
+            <a:fld id="{B61BEF0D-F0BB-DE4B-95CE-6DB70DBA9567}" type="datetimeFigureOut">
+              <a:rPr lang="en-US" dirty="0"/>
+              <a:pPr/>
+              <a:t>6/8/2015</a:t>
+            </a:fld>
+            <a:endParaRPr lang="en-US" dirty="0"/>
+          </a:p>
+        </p:txBody>
+      </p:sp>
+      <p:sp>
+        <p:nvSpPr>
+          <p:cNvPr id="6" name="Footer Placeholder 5"/>
+          <p:cNvSpPr>
+            <a:spLocks noGrp="1"/>
+          </p:cNvSpPr>
+          <p:nvPr>
+            <p:ph type="ftr" sz="quarter" idx="11"/>
+          </p:nvPr>
+        </p:nvSpPr>
+        <p:spPr/>
+        <p:txBody>
+          <a:bodyPr/>
+          <a:lstStyle/>
+          <a:p>
+            <a:endParaRPr lang="en-US" dirty="0"/>
+          </a:p>
+        </p:txBody>
+      </p:sp>
+      <p:sp>
+        <p:nvSpPr>
+          <p:cNvPr id="11" name="Freeform 11"/>
+          <p:cNvSpPr/>
+          <p:nvPr/>
+        </p:nvSpPr>
+        <p:spPr bwMode="auto">
+          <a:xfrm flipV="1">
+            <a:off x="-4189" y="4911725"/>
+            <a:ext cx="1588527" cy="507297"/>
+          </a:xfrm>
+          <a:custGeom>
+            <a:avLst/>
+            <a:gdLst/>
+            <a:ahLst/>
+            <a:cxnLst/>
+            <a:rect l="l" t="t" r="r" b="b"/>
+            <a:pathLst>
+              <a:path w="9248" h="10000">
+                <a:moveTo>
+                  <a:pt x="9248" y="4701"/>
+                </a:moveTo>
+                <a:lnTo>
+                  <a:pt x="7915" y="188"/>
+                </a:lnTo>
+                <a:cubicBezTo>
+                  <a:pt x="7906" y="156"/>
+                  <a:pt x="7895" y="126"/>
+                  <a:pt x="7886" y="94"/>
+                </a:cubicBezTo>
+                <a:cubicBezTo>
+                  <a:pt x="7859" y="0"/>
+                  <a:pt x="7831" y="0"/>
+                  <a:pt x="7803" y="0"/>
+                </a:cubicBezTo>
+                <a:lnTo>
+                  <a:pt x="7275" y="0"/>
+                </a:lnTo>
+                <a:lnTo>
+                  <a:pt x="0" y="70"/>
+                </a:lnTo>
+                <a:cubicBezTo>
+                  <a:pt x="8" y="3380"/>
+                  <a:pt x="17" y="6690"/>
+                  <a:pt x="25" y="10000"/>
+                </a:cubicBezTo>
+                <a:lnTo>
+                  <a:pt x="7275" y="9966"/>
+                </a:lnTo>
+                <a:lnTo>
+                  <a:pt x="7803" y="9966"/>
+                </a:lnTo>
+                <a:cubicBezTo>
+                  <a:pt x="7831" y="9966"/>
+                  <a:pt x="7859" y="9872"/>
+                  <a:pt x="7886" y="9872"/>
+                </a:cubicBezTo>
+                <a:cubicBezTo>
+                  <a:pt x="7886" y="9778"/>
+                  <a:pt x="7915" y="9778"/>
+                  <a:pt x="7915" y="9778"/>
+                </a:cubicBezTo>
+                <a:lnTo>
+                  <a:pt x="9248" y="5265"/>
+                </a:lnTo>
+                <a:cubicBezTo>
+                  <a:pt x="9303" y="5077"/>
+                  <a:pt x="9303" y="4889"/>
+                  <a:pt x="9248" y="4701"/>
+                </a:cubicBezTo>
+                <a:close/>
+              </a:path>
+            </a:pathLst>
+          </a:custGeom>
+          <a:solidFill>
+            <a:schemeClr val="accent1"/>
+          </a:solidFill>
+          <a:ln>
+            <a:noFill/>
+          </a:ln>
+        </p:spPr>
+      </p:sp>
+      <p:sp>
+        <p:nvSpPr>
+          <p:cNvPr id="7" name="Slide Number Placeholder 6"/>
+          <p:cNvSpPr>
+            <a:spLocks noGrp="1"/>
+          </p:cNvSpPr>
+          <p:nvPr>
+            <p:ph type="sldNum" sz="quarter" idx="12"/>
+          </p:nvPr>
+        </p:nvSpPr>
+        <p:spPr>
+          <a:xfrm>
+            <a:off x="531812" y="4983087"/>
+            <a:ext cx="779767" cy="365125"/>
+          </a:xfrm>
+        </p:spPr>
+        <p:txBody>
+          <a:bodyPr/>
+          <a:lstStyle/>
+          <a:p>
+            <a:fld id="{D57F1E4F-1CFF-5643-939E-217C01CDF565}" type="slidenum">
+              <a:rPr lang="en-US" dirty="0"/>
+              <a:pPr/>
+              <a:t>‹#›</a:t>
+            </a:fld>
+            <a:endParaRPr lang="en-US" dirty="0"/>
+          </a:p>
+        </p:txBody>
+      </p:sp>
+      <p:sp>
+        <p:nvSpPr>
+          <p:cNvPr id="17" name="TextBox 16"/>
+          <p:cNvSpPr txBox="1"/>
+          <p:nvPr/>
+        </p:nvSpPr>
+        <p:spPr>
+          <a:xfrm>
+            <a:off x="2467652" y="648005"/>
+            <a:ext cx="609600" cy="584776"/>
+          </a:xfrm>
+          <a:prstGeom prst="rect">
+            <a:avLst/>
+          </a:prstGeom>
+        </p:spPr>
+        <p:txBody>
+          <a:bodyPr vert="horz" lIns="91440" tIns="45720" rIns="91440" bIns="45720" rtlCol="0" anchor="ctr">
+            <a:noAutofit/>
+          </a:bodyPr>
+          <a:lstStyle/>
+          <a:p>
+            <a:pPr lvl="0"/>
+            <a:r>
+              <a:rPr lang="en-US" sz="8000" baseline="0" dirty="0">
+                <a:ln w="3175" cmpd="sng">
+                  <a:noFill/>
+                </a:ln>
+                <a:solidFill>
+                  <a:schemeClr val="accent1"/>
+                </a:solidFill>
+                <a:effectLst/>
+                <a:latin typeface="Arial"/>
+              </a:rPr>
+              <a:t>“</a:t>
+            </a:r>
+          </a:p>
+        </p:txBody>
+      </p:sp>
+      <p:sp>
+        <p:nvSpPr>
+          <p:cNvPr id="18" name="TextBox 17"/>
+          <p:cNvSpPr txBox="1"/>
+          <p:nvPr/>
+        </p:nvSpPr>
+        <p:spPr>
+          <a:xfrm>
+            <a:off x="11114852" y="2905306"/>
+            <a:ext cx="609600" cy="584776"/>
+          </a:xfrm>
+          <a:prstGeom prst="rect">
+            <a:avLst/>
+          </a:prstGeom>
+        </p:spPr>
+        <p:txBody>
+          <a:bodyPr vert="horz" lIns="91440" tIns="45720" rIns="91440" bIns="45720" rtlCol="0" anchor="ctr">
+            <a:noAutofit/>
+          </a:bodyPr>
+          <a:lstStyle/>
+          <a:p>
+            <a:pPr lvl="0"/>
+            <a:r>
+              <a:rPr lang="en-US" sz="8000" baseline="0" dirty="0">
+                <a:ln w="3175" cmpd="sng">
+                  <a:noFill/>
+                </a:ln>
+                <a:solidFill>
+                  <a:schemeClr val="accent1"/>
+                </a:solidFill>
+                <a:effectLst/>
+                <a:latin typeface="Arial"/>
+              </a:rPr>
+              <a:t>”</a:t>
+            </a:r>
+          </a:p>
+        </p:txBody>
+      </p:sp>
+    </p:spTree>
+  </p:cSld>
+  <p:clrMapOvr>
+    <a:masterClrMapping/>
+  </p:clrMapOvr>
+</p:sldLayout>
+</file>
+
+<file path=ppt/slideLayouts/slideLayout14.xml><?xml version="1.0" encoding="utf-8"?>
+<p:sldLayout xmlns:a="http://schemas.openxmlformats.org/drawingml/2006/main" xmlns:r="http://schemas.openxmlformats.org/officeDocument/2006/relationships" xmlns:p="http://schemas.openxmlformats.org/presentationml/2006/main" preserve="1">
+  <p:cSld name="真或假">
+    <p:spTree>
+      <p:nvGrpSpPr>
+        <p:cNvPr id="1" name=""/>
+        <p:cNvGrpSpPr/>
+        <p:nvPr/>
+      </p:nvGrpSpPr>
+      <p:grpSpPr>
+        <a:xfrm>
+          <a:off x="0" y="0"/>
+          <a:ext cx="0" cy="0"/>
+          <a:chOff x="0" y="0"/>
+          <a:chExt cx="0" cy="0"/>
+        </a:xfrm>
+      </p:grpSpPr>
+      <p:sp>
+        <p:nvSpPr>
+          <p:cNvPr id="2" name="Title 1"/>
+          <p:cNvSpPr>
+            <a:spLocks noGrp="1"/>
+          </p:cNvSpPr>
+          <p:nvPr>
+            <p:ph type="title"/>
+          </p:nvPr>
+        </p:nvSpPr>
+        <p:spPr>
+          <a:xfrm>
+            <a:off x="2589212" y="627407"/>
+            <a:ext cx="8915399" cy="2880020"/>
+          </a:xfrm>
+        </p:spPr>
+        <p:txBody>
+          <a:bodyPr anchor="ctr">
+            <a:normAutofit/>
+          </a:bodyPr>
+          <a:lstStyle>
+            <a:lvl1pPr algn="l">
+              <a:defRPr sz="4800" b="0"/>
+            </a:lvl1pPr>
+          </a:lstStyle>
+          <a:p>
+            <a:r>
+              <a:rPr lang="zh-CN" altLang="en-US" smtClean="0"/>
+              <a:t>单击此处编辑母版标题样式</a:t>
+            </a:r>
+            <a:endParaRPr lang="en-US" dirty="0"/>
+          </a:p>
+        </p:txBody>
+      </p:sp>
+      <p:sp>
+        <p:nvSpPr>
+          <p:cNvPr id="21" name="Text Placeholder 9"/>
+          <p:cNvSpPr>
+            <a:spLocks noGrp="1"/>
+          </p:cNvSpPr>
+          <p:nvPr>
+            <p:ph type="body" sz="quarter" idx="13"/>
+          </p:nvPr>
+        </p:nvSpPr>
+        <p:spPr>
+          <a:xfrm>
+            <a:off x="2589212" y="4343400"/>
+            <a:ext cx="8915400" cy="838200"/>
+          </a:xfrm>
+        </p:spPr>
+        <p:txBody>
+          <a:bodyPr anchor="b">
+            <a:noAutofit/>
+          </a:bodyPr>
+          <a:lstStyle>
+            <a:lvl1pPr marL="0" indent="0">
+              <a:buFontTx/>
+              <a:buNone/>
+              <a:defRPr sz="2400">
+                <a:solidFill>
+                  <a:schemeClr val="accent1"/>
+                </a:solidFill>
+              </a:defRPr>
+            </a:lvl1pPr>
+            <a:lvl2pPr marL="457200" indent="0">
+              <a:buFontTx/>
+              <a:buNone/>
+              <a:defRPr/>
+            </a:lvl2pPr>
+            <a:lvl3pPr marL="914400" indent="0">
+              <a:buFontTx/>
+              <a:buNone/>
+              <a:defRPr/>
+            </a:lvl3pPr>
+            <a:lvl4pPr marL="1371600" indent="0">
+              <a:buFontTx/>
+              <a:buNone/>
+              <a:defRPr/>
+            </a:lvl4pPr>
+            <a:lvl5pPr marL="1828800" indent="0">
+              <a:buFontTx/>
+              <a:buNone/>
+              <a:defRPr/>
+            </a:lvl5pPr>
+          </a:lstStyle>
+          <a:p>
+            <a:pPr lvl="0"/>
+            <a:r>
+              <a:rPr lang="zh-CN" altLang="en-US" smtClean="0"/>
+              <a:t>单击此处编辑母版文本样式</a:t>
+            </a:r>
+          </a:p>
+        </p:txBody>
+      </p:sp>
+      <p:sp>
+        <p:nvSpPr>
+          <p:cNvPr id="4" name="Text Placeholder 3"/>
+          <p:cNvSpPr>
+            <a:spLocks noGrp="1"/>
+          </p:cNvSpPr>
+          <p:nvPr>
+            <p:ph type="body" sz="half" idx="2"/>
+          </p:nvPr>
+        </p:nvSpPr>
+        <p:spPr>
+          <a:xfrm>
+            <a:off x="2589213" y="5181600"/>
+            <a:ext cx="8915400" cy="729622"/>
+          </a:xfrm>
+        </p:spPr>
+        <p:txBody>
+          <a:bodyPr vert="horz" lIns="91440" tIns="45720" rIns="91440" bIns="45720" rtlCol="0" anchor="t">
+            <a:normAutofit/>
+          </a:bodyPr>
+          <a:lstStyle>
+            <a:lvl1pPr>
+              <a:buNone/>
+              <a:defRPr lang="en-US">
+                <a:solidFill>
+                  <a:schemeClr val="tx1">
+                    <a:lumMod val="65000"/>
+                    <a:lumOff val="35000"/>
+                  </a:schemeClr>
+                </a:solidFill>
+              </a:defRPr>
+            </a:lvl1pPr>
+          </a:lstStyle>
+          <a:p>
+            <a:pPr marL="0" lvl="0" indent="0">
+              <a:buNone/>
+            </a:pPr>
+            <a:r>
+              <a:rPr lang="zh-CN" altLang="en-US" smtClean="0"/>
+              <a:t>单击此处编辑母版文本样式</a:t>
+            </a:r>
+          </a:p>
+        </p:txBody>
+      </p:sp>
+      <p:sp>
+        <p:nvSpPr>
+          <p:cNvPr id="5" name="Date Placeholder 4"/>
+          <p:cNvSpPr>
+            <a:spLocks noGrp="1"/>
+          </p:cNvSpPr>
+          <p:nvPr>
+            <p:ph type="dt" sz="half" idx="10"/>
+          </p:nvPr>
+        </p:nvSpPr>
+        <p:spPr/>
+        <p:txBody>
+          <a:bodyPr/>
+          <a:lstStyle/>
+          <a:p>
+            <a:fld id="{B61BEF0D-F0BB-DE4B-95CE-6DB70DBA9567}" type="datetimeFigureOut">
+              <a:rPr lang="en-US" dirty="0"/>
+              <a:pPr/>
+              <a:t>6/8/2015</a:t>
+            </a:fld>
+            <a:endParaRPr lang="en-US" dirty="0"/>
+          </a:p>
+        </p:txBody>
+      </p:sp>
+      <p:sp>
+        <p:nvSpPr>
+          <p:cNvPr id="6" name="Footer Placeholder 5"/>
+          <p:cNvSpPr>
+            <a:spLocks noGrp="1"/>
+          </p:cNvSpPr>
+          <p:nvPr>
+            <p:ph type="ftr" sz="quarter" idx="11"/>
+          </p:nvPr>
+        </p:nvSpPr>
+        <p:spPr/>
+        <p:txBody>
+          <a:bodyPr/>
+          <a:lstStyle/>
+          <a:p>
+            <a:endParaRPr lang="en-US" dirty="0"/>
+          </a:p>
+        </p:txBody>
+      </p:sp>
+      <p:sp>
+        <p:nvSpPr>
+          <p:cNvPr id="9" name="Freeform 11"/>
+          <p:cNvSpPr/>
+          <p:nvPr/>
+        </p:nvSpPr>
+        <p:spPr bwMode="auto">
+          <a:xfrm flipV="1">
+            <a:off x="-4189" y="4911725"/>
+            <a:ext cx="1588527" cy="507297"/>
+          </a:xfrm>
+          <a:custGeom>
+            <a:avLst/>
+            <a:gdLst/>
+            <a:ahLst/>
+            <a:cxnLst/>
+            <a:rect l="l" t="t" r="r" b="b"/>
+            <a:pathLst>
+              <a:path w="9248" h="10000">
+                <a:moveTo>
+                  <a:pt x="9248" y="4701"/>
+                </a:moveTo>
+                <a:lnTo>
+                  <a:pt x="7915" y="188"/>
+                </a:lnTo>
+                <a:cubicBezTo>
+                  <a:pt x="7906" y="156"/>
+                  <a:pt x="7895" y="126"/>
+                  <a:pt x="7886" y="94"/>
+                </a:cubicBezTo>
+                <a:cubicBezTo>
+                  <a:pt x="7859" y="0"/>
+                  <a:pt x="7831" y="0"/>
+                  <a:pt x="7803" y="0"/>
+                </a:cubicBezTo>
+                <a:lnTo>
+                  <a:pt x="7275" y="0"/>
+                </a:lnTo>
+                <a:lnTo>
+                  <a:pt x="0" y="70"/>
+                </a:lnTo>
+                <a:cubicBezTo>
+                  <a:pt x="8" y="3380"/>
+                  <a:pt x="17" y="6690"/>
+                  <a:pt x="25" y="10000"/>
+                </a:cubicBezTo>
+                <a:lnTo>
+                  <a:pt x="7275" y="9966"/>
+                </a:lnTo>
+                <a:lnTo>
+                  <a:pt x="7803" y="9966"/>
+                </a:lnTo>
+                <a:cubicBezTo>
+                  <a:pt x="7831" y="9966"/>
+                  <a:pt x="7859" y="9872"/>
+                  <a:pt x="7886" y="9872"/>
+                </a:cubicBezTo>
+                <a:cubicBezTo>
+                  <a:pt x="7886" y="9778"/>
+                  <a:pt x="7915" y="9778"/>
+                  <a:pt x="7915" y="9778"/>
+                </a:cubicBezTo>
+                <a:lnTo>
+                  <a:pt x="9248" y="5265"/>
+                </a:lnTo>
+                <a:cubicBezTo>
+                  <a:pt x="9303" y="5077"/>
+                  <a:pt x="9303" y="4889"/>
+                  <a:pt x="9248" y="4701"/>
+                </a:cubicBezTo>
+                <a:close/>
+              </a:path>
+            </a:pathLst>
+          </a:custGeom>
+          <a:solidFill>
+            <a:schemeClr val="accent1"/>
+          </a:solidFill>
+          <a:ln>
+            <a:noFill/>
+          </a:ln>
+        </p:spPr>
+      </p:sp>
+      <p:sp>
+        <p:nvSpPr>
+          <p:cNvPr id="7" name="Slide Number Placeholder 6"/>
+          <p:cNvSpPr>
+            <a:spLocks noGrp="1"/>
+          </p:cNvSpPr>
+          <p:nvPr>
+            <p:ph type="sldNum" sz="quarter" idx="12"/>
+          </p:nvPr>
+        </p:nvSpPr>
+        <p:spPr>
+          <a:xfrm>
+            <a:off x="531812" y="4983087"/>
+            <a:ext cx="779767" cy="365125"/>
+          </a:xfrm>
+        </p:spPr>
+        <p:txBody>
+          <a:bodyPr/>
+          <a:lstStyle/>
+          <a:p>
+            <a:fld id="{D57F1E4F-1CFF-5643-939E-217C01CDF565}" type="slidenum">
+              <a:rPr lang="en-US" dirty="0"/>
+              <a:pPr/>
+              <a:t>‹#›</a:t>
+            </a:fld>
+            <a:endParaRPr lang="en-US" dirty="0"/>
+          </a:p>
+        </p:txBody>
+      </p:sp>
+    </p:spTree>
+  </p:cSld>
+  <p:clrMapOvr>
+    <a:masterClrMapping/>
+  </p:clrMapOvr>
+</p:sldLayout>
+</file>
+
+<file path=ppt/slideLayouts/slideLayout15.xml><?xml version="1.0" encoding="utf-8"?>
 <p:sldLayout xmlns:a="http://schemas.openxmlformats.org/drawingml/2006/main" xmlns:r="http://schemas.openxmlformats.org/officeDocument/2006/relationships" xmlns:p="http://schemas.openxmlformats.org/presentationml/2006/main" type="vertTx" preserve="1">
   <p:cSld name="标题和竖排文字">
     <p:spTree>
@@ -318,7 +2238,7 @@
       </p:grpSpPr>
       <p:sp>
         <p:nvSpPr>
-          <p:cNvPr id="2" name="标题 1"/>
+          <p:cNvPr id="2" name="Title 1"/>
           <p:cNvSpPr>
             <a:spLocks noGrp="1"/>
           </p:cNvSpPr>
@@ -335,13 +2255,13 @@
               <a:rPr lang="zh-CN" altLang="en-US" smtClean="0"/>
               <a:t>单击此处编辑母版标题样式</a:t>
             </a:r>
-            <a:endParaRPr lang="zh-CN" altLang="en-US"/>
-          </a:p>
-        </p:txBody>
-      </p:sp>
-      <p:sp>
-        <p:nvSpPr>
-          <p:cNvPr id="3" name="竖排文字占位符 2"/>
+            <a:endParaRPr lang="en-US" dirty="0"/>
+          </a:p>
+        </p:txBody>
+      </p:sp>
+      <p:sp>
+        <p:nvSpPr>
+          <p:cNvPr id="3" name="Vertical Text Placeholder 2"/>
           <p:cNvSpPr>
             <a:spLocks noGrp="1"/>
           </p:cNvSpPr>
@@ -351,7 +2271,7 @@
         </p:nvSpPr>
         <p:spPr/>
         <p:txBody>
-          <a:bodyPr vert="eaVert"/>
+          <a:bodyPr vert="eaVert" anchor="t"/>
           <a:lstStyle/>
           <a:p>
             <a:pPr lvl="0"/>
@@ -387,13 +2307,13 @@
               <a:rPr lang="zh-CN" altLang="en-US" smtClean="0"/>
               <a:t>第五级</a:t>
             </a:r>
-            <a:endParaRPr lang="zh-CN" altLang="en-US"/>
-          </a:p>
-        </p:txBody>
-      </p:sp>
-      <p:sp>
-        <p:nvSpPr>
-          <p:cNvPr id="4" name="日期占位符 3"/>
+            <a:endParaRPr lang="en-US" dirty="0"/>
+          </a:p>
+        </p:txBody>
+      </p:sp>
+      <p:sp>
+        <p:nvSpPr>
+          <p:cNvPr id="4" name="Date Placeholder 3"/>
           <p:cNvSpPr>
             <a:spLocks noGrp="1"/>
           </p:cNvSpPr>
@@ -406,17 +2326,18 @@
           <a:bodyPr/>
           <a:lstStyle/>
           <a:p>
-            <a:fld id="{B7F768D9-C27F-4A09-A185-8970117F50DE}" type="datetimeFigureOut">
-              <a:rPr lang="zh-CN" altLang="en-US" smtClean="0"/>
-              <a:t>2015/6/8</a:t>
+            <a:fld id="{B61BEF0D-F0BB-DE4B-95CE-6DB70DBA9567}" type="datetimeFigureOut">
+              <a:rPr lang="en-US" dirty="0"/>
+              <a:pPr/>
+              <a:t>6/8/2015</a:t>
             </a:fld>
-            <a:endParaRPr lang="zh-CN" altLang="en-US"/>
-          </a:p>
-        </p:txBody>
-      </p:sp>
-      <p:sp>
-        <p:nvSpPr>
-          <p:cNvPr id="5" name="页脚占位符 4"/>
+            <a:endParaRPr lang="en-US" dirty="0"/>
+          </a:p>
+        </p:txBody>
+      </p:sp>
+      <p:sp>
+        <p:nvSpPr>
+          <p:cNvPr id="5" name="Footer Placeholder 4"/>
           <p:cNvSpPr>
             <a:spLocks noGrp="1"/>
           </p:cNvSpPr>
@@ -429,13 +2350,95 @@
           <a:bodyPr/>
           <a:lstStyle/>
           <a:p>
-            <a:endParaRPr lang="zh-CN" altLang="en-US"/>
-          </a:p>
-        </p:txBody>
-      </p:sp>
-      <p:sp>
-        <p:nvSpPr>
-          <p:cNvPr id="6" name="灯片编号占位符 5"/>
+            <a:endParaRPr lang="en-US" dirty="0"/>
+          </a:p>
+        </p:txBody>
+      </p:sp>
+      <p:sp>
+        <p:nvSpPr>
+          <p:cNvPr id="8" name="Freeform 11"/>
+          <p:cNvSpPr/>
+          <p:nvPr/>
+        </p:nvSpPr>
+        <p:spPr bwMode="auto">
+          <a:xfrm flipV="1">
+            <a:off x="-4189" y="714375"/>
+            <a:ext cx="1588527" cy="507297"/>
+          </a:xfrm>
+          <a:custGeom>
+            <a:avLst/>
+            <a:gdLst/>
+            <a:ahLst/>
+            <a:cxnLst/>
+            <a:rect l="l" t="t" r="r" b="b"/>
+            <a:pathLst>
+              <a:path w="9248" h="10000">
+                <a:moveTo>
+                  <a:pt x="9248" y="4701"/>
+                </a:moveTo>
+                <a:lnTo>
+                  <a:pt x="7915" y="188"/>
+                </a:lnTo>
+                <a:cubicBezTo>
+                  <a:pt x="7906" y="156"/>
+                  <a:pt x="7895" y="126"/>
+                  <a:pt x="7886" y="94"/>
+                </a:cubicBezTo>
+                <a:cubicBezTo>
+                  <a:pt x="7859" y="0"/>
+                  <a:pt x="7831" y="0"/>
+                  <a:pt x="7803" y="0"/>
+                </a:cubicBezTo>
+                <a:lnTo>
+                  <a:pt x="7275" y="0"/>
+                </a:lnTo>
+                <a:lnTo>
+                  <a:pt x="0" y="70"/>
+                </a:lnTo>
+                <a:cubicBezTo>
+                  <a:pt x="8" y="3380"/>
+                  <a:pt x="17" y="6690"/>
+                  <a:pt x="25" y="10000"/>
+                </a:cubicBezTo>
+                <a:lnTo>
+                  <a:pt x="7275" y="9966"/>
+                </a:lnTo>
+                <a:lnTo>
+                  <a:pt x="7803" y="9966"/>
+                </a:lnTo>
+                <a:cubicBezTo>
+                  <a:pt x="7831" y="9966"/>
+                  <a:pt x="7859" y="9872"/>
+                  <a:pt x="7886" y="9872"/>
+                </a:cubicBezTo>
+                <a:cubicBezTo>
+                  <a:pt x="7886" y="9778"/>
+                  <a:pt x="7915" y="9778"/>
+                  <a:pt x="7915" y="9778"/>
+                </a:cubicBezTo>
+                <a:lnTo>
+                  <a:pt x="9248" y="5265"/>
+                </a:lnTo>
+                <a:cubicBezTo>
+                  <a:pt x="9303" y="5077"/>
+                  <a:pt x="9303" y="4889"/>
+                  <a:pt x="9248" y="4701"/>
+                </a:cubicBezTo>
+                <a:close/>
+              </a:path>
+            </a:pathLst>
+          </a:custGeom>
+          <a:solidFill>
+            <a:schemeClr val="accent1"/>
+          </a:solidFill>
+          <a:ln>
+            <a:noFill/>
+          </a:ln>
+        </p:spPr>
+      </p:sp>
+      <p:sp>
+        <p:nvSpPr>
+          <p:cNvPr id="6" name="Slide Number Placeholder 5"/>
           <p:cNvSpPr>
             <a:spLocks noGrp="1"/>
           </p:cNvSpPr>
@@ -448,20 +2451,16 @@
           <a:bodyPr/>
           <a:lstStyle/>
           <a:p>
-            <a:fld id="{89F8D703-08C3-4E8E-83A1-C2A5E871B5DA}" type="slidenum">
-              <a:rPr lang="zh-CN" altLang="en-US" smtClean="0"/>
+            <a:fld id="{D57F1E4F-1CFF-5643-939E-217C01CDF565}" type="slidenum">
+              <a:rPr lang="en-US" dirty="0"/>
+              <a:pPr/>
               <a:t>‹#›</a:t>
             </a:fld>
-            <a:endParaRPr lang="zh-CN" altLang="en-US"/>
+            <a:endParaRPr lang="en-US" dirty="0"/>
           </a:p>
         </p:txBody>
       </p:sp>
     </p:spTree>
-    <p:extLst>
-      <p:ext uri="{BB962C8B-B14F-4D97-AF65-F5344CB8AC3E}">
-        <p14:creationId xmlns:p14="http://schemas.microsoft.com/office/powerpoint/2010/main" val="13292617"/>
-      </p:ext>
-    </p:extLst>
   </p:cSld>
   <p:clrMapOvr>
     <a:masterClrMapping/>
@@ -469,7 +2468,7 @@
 </p:sldLayout>
 </file>
 
-<file path=ppt/slideLayouts/slideLayout11.xml><?xml version="1.0" encoding="utf-8"?>
+<file path=ppt/slideLayouts/slideLayout16.xml><?xml version="1.0" encoding="utf-8"?>
 <p:sldLayout xmlns:a="http://schemas.openxmlformats.org/drawingml/2006/main" xmlns:r="http://schemas.openxmlformats.org/officeDocument/2006/relationships" xmlns:p="http://schemas.openxmlformats.org/presentationml/2006/main" type="vertTitleAndTx" preserve="1">
   <p:cSld name="垂直排列标题与&#10;文本">
     <p:spTree>
@@ -488,7 +2487,7 @@
       </p:grpSpPr>
       <p:sp>
         <p:nvSpPr>
-          <p:cNvPr id="2" name="竖排标题 1"/>
+          <p:cNvPr id="2" name="Vertical Title 1"/>
           <p:cNvSpPr>
             <a:spLocks noGrp="1"/>
           </p:cNvSpPr>
@@ -498,42 +2497,42 @@
         </p:nvSpPr>
         <p:spPr>
           <a:xfrm>
-            <a:off x="8724900" y="365125"/>
-            <a:ext cx="2628900" cy="5811838"/>
+            <a:off x="9294812" y="627405"/>
+            <a:ext cx="2207601" cy="5283817"/>
           </a:xfrm>
         </p:spPr>
         <p:txBody>
+          <a:bodyPr vert="eaVert" anchor="ctr"/>
+          <a:lstStyle/>
+          <a:p>
+            <a:r>
+              <a:rPr lang="zh-CN" altLang="en-US" smtClean="0"/>
+              <a:t>单击此处编辑母版标题样式</a:t>
+            </a:r>
+            <a:endParaRPr lang="en-US" dirty="0"/>
+          </a:p>
+        </p:txBody>
+      </p:sp>
+      <p:sp>
+        <p:nvSpPr>
+          <p:cNvPr id="3" name="Vertical Text Placeholder 2"/>
+          <p:cNvSpPr>
+            <a:spLocks noGrp="1"/>
+          </p:cNvSpPr>
+          <p:nvPr>
+            <p:ph type="body" orient="vert" idx="1"/>
+          </p:nvPr>
+        </p:nvSpPr>
+        <p:spPr>
+          <a:xfrm>
+            <a:off x="2589212" y="627405"/>
+            <a:ext cx="6477000" cy="5283817"/>
+          </a:xfrm>
+        </p:spPr>
+        <p:txBody>
           <a:bodyPr vert="eaVert"/>
           <a:lstStyle/>
           <a:p>
-            <a:r>
-              <a:rPr lang="zh-CN" altLang="en-US" smtClean="0"/>
-              <a:t>单击此处编辑母版标题样式</a:t>
-            </a:r>
-            <a:endParaRPr lang="zh-CN" altLang="en-US"/>
-          </a:p>
-        </p:txBody>
-      </p:sp>
-      <p:sp>
-        <p:nvSpPr>
-          <p:cNvPr id="3" name="竖排文字占位符 2"/>
-          <p:cNvSpPr>
-            <a:spLocks noGrp="1"/>
-          </p:cNvSpPr>
-          <p:nvPr>
-            <p:ph type="body" orient="vert" idx="1"/>
-          </p:nvPr>
-        </p:nvSpPr>
-        <p:spPr>
-          <a:xfrm>
-            <a:off x="838200" y="365125"/>
-            <a:ext cx="7734300" cy="5811838"/>
-          </a:xfrm>
-        </p:spPr>
-        <p:txBody>
-          <a:bodyPr vert="eaVert"/>
-          <a:lstStyle/>
-          <a:p>
             <a:pPr lvl="0"/>
             <a:r>
               <a:rPr lang="zh-CN" altLang="en-US" smtClean="0"/>
@@ -567,13 +2566,13 @@
               <a:rPr lang="zh-CN" altLang="en-US" smtClean="0"/>
               <a:t>第五级</a:t>
             </a:r>
-            <a:endParaRPr lang="zh-CN" altLang="en-US"/>
-          </a:p>
-        </p:txBody>
-      </p:sp>
-      <p:sp>
-        <p:nvSpPr>
-          <p:cNvPr id="4" name="日期占位符 3"/>
+            <a:endParaRPr lang="en-US" dirty="0"/>
+          </a:p>
+        </p:txBody>
+      </p:sp>
+      <p:sp>
+        <p:nvSpPr>
+          <p:cNvPr id="4" name="Date Placeholder 3"/>
           <p:cNvSpPr>
             <a:spLocks noGrp="1"/>
           </p:cNvSpPr>
@@ -586,17 +2585,18 @@
           <a:bodyPr/>
           <a:lstStyle/>
           <a:p>
-            <a:fld id="{B7F768D9-C27F-4A09-A185-8970117F50DE}" type="datetimeFigureOut">
-              <a:rPr lang="zh-CN" altLang="en-US" smtClean="0"/>
-              <a:t>2015/6/8</a:t>
+            <a:fld id="{B61BEF0D-F0BB-DE4B-95CE-6DB70DBA9567}" type="datetimeFigureOut">
+              <a:rPr lang="en-US" dirty="0"/>
+              <a:pPr/>
+              <a:t>6/8/2015</a:t>
             </a:fld>
-            <a:endParaRPr lang="zh-CN" altLang="en-US"/>
-          </a:p>
-        </p:txBody>
-      </p:sp>
-      <p:sp>
-        <p:nvSpPr>
-          <p:cNvPr id="5" name="页脚占位符 4"/>
+            <a:endParaRPr lang="en-US" dirty="0"/>
+          </a:p>
+        </p:txBody>
+      </p:sp>
+      <p:sp>
+        <p:nvSpPr>
+          <p:cNvPr id="5" name="Footer Placeholder 4"/>
           <p:cNvSpPr>
             <a:spLocks noGrp="1"/>
           </p:cNvSpPr>
@@ -609,13 +2609,95 @@
           <a:bodyPr/>
           <a:lstStyle/>
           <a:p>
-            <a:endParaRPr lang="zh-CN" altLang="en-US"/>
-          </a:p>
-        </p:txBody>
-      </p:sp>
-      <p:sp>
-        <p:nvSpPr>
-          <p:cNvPr id="6" name="灯片编号占位符 5"/>
+            <a:endParaRPr lang="en-US" dirty="0"/>
+          </a:p>
+        </p:txBody>
+      </p:sp>
+      <p:sp>
+        <p:nvSpPr>
+          <p:cNvPr id="8" name="Freeform 11"/>
+          <p:cNvSpPr/>
+          <p:nvPr/>
+        </p:nvSpPr>
+        <p:spPr bwMode="auto">
+          <a:xfrm flipV="1">
+            <a:off x="-4189" y="714375"/>
+            <a:ext cx="1588527" cy="507297"/>
+          </a:xfrm>
+          <a:custGeom>
+            <a:avLst/>
+            <a:gdLst/>
+            <a:ahLst/>
+            <a:cxnLst/>
+            <a:rect l="l" t="t" r="r" b="b"/>
+            <a:pathLst>
+              <a:path w="9248" h="10000">
+                <a:moveTo>
+                  <a:pt x="9248" y="4701"/>
+                </a:moveTo>
+                <a:lnTo>
+                  <a:pt x="7915" y="188"/>
+                </a:lnTo>
+                <a:cubicBezTo>
+                  <a:pt x="7906" y="156"/>
+                  <a:pt x="7895" y="126"/>
+                  <a:pt x="7886" y="94"/>
+                </a:cubicBezTo>
+                <a:cubicBezTo>
+                  <a:pt x="7859" y="0"/>
+                  <a:pt x="7831" y="0"/>
+                  <a:pt x="7803" y="0"/>
+                </a:cubicBezTo>
+                <a:lnTo>
+                  <a:pt x="7275" y="0"/>
+                </a:lnTo>
+                <a:lnTo>
+                  <a:pt x="0" y="70"/>
+                </a:lnTo>
+                <a:cubicBezTo>
+                  <a:pt x="8" y="3380"/>
+                  <a:pt x="17" y="6690"/>
+                  <a:pt x="25" y="10000"/>
+                </a:cubicBezTo>
+                <a:lnTo>
+                  <a:pt x="7275" y="9966"/>
+                </a:lnTo>
+                <a:lnTo>
+                  <a:pt x="7803" y="9966"/>
+                </a:lnTo>
+                <a:cubicBezTo>
+                  <a:pt x="7831" y="9966"/>
+                  <a:pt x="7859" y="9872"/>
+                  <a:pt x="7886" y="9872"/>
+                </a:cubicBezTo>
+                <a:cubicBezTo>
+                  <a:pt x="7886" y="9778"/>
+                  <a:pt x="7915" y="9778"/>
+                  <a:pt x="7915" y="9778"/>
+                </a:cubicBezTo>
+                <a:lnTo>
+                  <a:pt x="9248" y="5265"/>
+                </a:lnTo>
+                <a:cubicBezTo>
+                  <a:pt x="9303" y="5077"/>
+                  <a:pt x="9303" y="4889"/>
+                  <a:pt x="9248" y="4701"/>
+                </a:cubicBezTo>
+                <a:close/>
+              </a:path>
+            </a:pathLst>
+          </a:custGeom>
+          <a:solidFill>
+            <a:schemeClr val="accent1"/>
+          </a:solidFill>
+          <a:ln>
+            <a:noFill/>
+          </a:ln>
+        </p:spPr>
+      </p:sp>
+      <p:sp>
+        <p:nvSpPr>
+          <p:cNvPr id="6" name="Slide Number Placeholder 5"/>
           <p:cNvSpPr>
             <a:spLocks noGrp="1"/>
           </p:cNvSpPr>
@@ -628,20 +2710,16 @@
           <a:bodyPr/>
           <a:lstStyle/>
           <a:p>
-            <a:fld id="{89F8D703-08C3-4E8E-83A1-C2A5E871B5DA}" type="slidenum">
-              <a:rPr lang="zh-CN" altLang="en-US" smtClean="0"/>
+            <a:fld id="{D57F1E4F-1CFF-5643-939E-217C01CDF565}" type="slidenum">
+              <a:rPr lang="en-US" dirty="0"/>
+              <a:pPr/>
               <a:t>‹#›</a:t>
             </a:fld>
-            <a:endParaRPr lang="zh-CN" altLang="en-US"/>
+            <a:endParaRPr lang="en-US" dirty="0"/>
           </a:p>
         </p:txBody>
       </p:sp>
     </p:spTree>
-    <p:extLst>
-      <p:ext uri="{BB962C8B-B14F-4D97-AF65-F5344CB8AC3E}">
-        <p14:creationId xmlns:p14="http://schemas.microsoft.com/office/powerpoint/2010/main" val="2166832001"/>
-      </p:ext>
-    </p:extLst>
   </p:cSld>
   <p:clrMapOvr>
     <a:masterClrMapping/>
@@ -668,7 +2746,7 @@
       </p:grpSpPr>
       <p:sp>
         <p:nvSpPr>
-          <p:cNvPr id="2" name="标题 1"/>
+          <p:cNvPr id="2" name="Title 1"/>
           <p:cNvSpPr>
             <a:spLocks noGrp="1"/>
           </p:cNvSpPr>
@@ -676,7 +2754,12 @@
             <p:ph type="title"/>
           </p:nvPr>
         </p:nvSpPr>
-        <p:spPr/>
+        <p:spPr>
+          <a:xfrm>
+            <a:off x="2592925" y="624110"/>
+            <a:ext cx="8911687" cy="1280890"/>
+          </a:xfrm>
+        </p:spPr>
         <p:txBody>
           <a:bodyPr/>
           <a:lstStyle/>
@@ -685,13 +2768,13 @@
               <a:rPr lang="zh-CN" altLang="en-US" smtClean="0"/>
               <a:t>单击此处编辑母版标题样式</a:t>
             </a:r>
-            <a:endParaRPr lang="zh-CN" altLang="en-US"/>
-          </a:p>
-        </p:txBody>
-      </p:sp>
-      <p:sp>
-        <p:nvSpPr>
-          <p:cNvPr id="3" name="内容占位符 2"/>
+            <a:endParaRPr lang="en-US" dirty="0"/>
+          </a:p>
+        </p:txBody>
+      </p:sp>
+      <p:sp>
+        <p:nvSpPr>
+          <p:cNvPr id="3" name="Content Placeholder 2"/>
           <p:cNvSpPr>
             <a:spLocks noGrp="1"/>
           </p:cNvSpPr>
@@ -699,7 +2782,12 @@
             <p:ph idx="1"/>
           </p:nvPr>
         </p:nvSpPr>
-        <p:spPr/>
+        <p:spPr>
+          <a:xfrm>
+            <a:off x="2589212" y="2133600"/>
+            <a:ext cx="8915400" cy="3777622"/>
+          </a:xfrm>
+        </p:spPr>
         <p:txBody>
           <a:bodyPr/>
           <a:lstStyle/>
@@ -737,13 +2825,13 @@
               <a:rPr lang="zh-CN" altLang="en-US" smtClean="0"/>
               <a:t>第五级</a:t>
             </a:r>
-            <a:endParaRPr lang="zh-CN" altLang="en-US"/>
-          </a:p>
-        </p:txBody>
-      </p:sp>
-      <p:sp>
-        <p:nvSpPr>
-          <p:cNvPr id="4" name="日期占位符 3"/>
+            <a:endParaRPr lang="en-US" dirty="0"/>
+          </a:p>
+        </p:txBody>
+      </p:sp>
+      <p:sp>
+        <p:nvSpPr>
+          <p:cNvPr id="4" name="Date Placeholder 3"/>
           <p:cNvSpPr>
             <a:spLocks noGrp="1"/>
           </p:cNvSpPr>
@@ -756,17 +2844,18 @@
           <a:bodyPr/>
           <a:lstStyle/>
           <a:p>
-            <a:fld id="{B7F768D9-C27F-4A09-A185-8970117F50DE}" type="datetimeFigureOut">
-              <a:rPr lang="zh-CN" altLang="en-US" smtClean="0"/>
-              <a:t>2015/6/8</a:t>
+            <a:fld id="{B61BEF0D-F0BB-DE4B-95CE-6DB70DBA9567}" type="datetimeFigureOut">
+              <a:rPr lang="en-US" dirty="0"/>
+              <a:pPr/>
+              <a:t>6/8/2015</a:t>
             </a:fld>
-            <a:endParaRPr lang="zh-CN" altLang="en-US"/>
-          </a:p>
-        </p:txBody>
-      </p:sp>
-      <p:sp>
-        <p:nvSpPr>
-          <p:cNvPr id="5" name="页脚占位符 4"/>
+            <a:endParaRPr lang="en-US" dirty="0"/>
+          </a:p>
+        </p:txBody>
+      </p:sp>
+      <p:sp>
+        <p:nvSpPr>
+          <p:cNvPr id="5" name="Footer Placeholder 4"/>
           <p:cNvSpPr>
             <a:spLocks noGrp="1"/>
           </p:cNvSpPr>
@@ -779,13 +2868,95 @@
           <a:bodyPr/>
           <a:lstStyle/>
           <a:p>
-            <a:endParaRPr lang="zh-CN" altLang="en-US"/>
-          </a:p>
-        </p:txBody>
-      </p:sp>
-      <p:sp>
-        <p:nvSpPr>
-          <p:cNvPr id="6" name="灯片编号占位符 5"/>
+            <a:endParaRPr lang="en-US" dirty="0"/>
+          </a:p>
+        </p:txBody>
+      </p:sp>
+      <p:sp>
+        <p:nvSpPr>
+          <p:cNvPr id="8" name="Freeform 11"/>
+          <p:cNvSpPr/>
+          <p:nvPr/>
+        </p:nvSpPr>
+        <p:spPr bwMode="auto">
+          <a:xfrm flipV="1">
+            <a:off x="-4189" y="714375"/>
+            <a:ext cx="1588527" cy="507297"/>
+          </a:xfrm>
+          <a:custGeom>
+            <a:avLst/>
+            <a:gdLst/>
+            <a:ahLst/>
+            <a:cxnLst/>
+            <a:rect l="l" t="t" r="r" b="b"/>
+            <a:pathLst>
+              <a:path w="9248" h="10000">
+                <a:moveTo>
+                  <a:pt x="9248" y="4701"/>
+                </a:moveTo>
+                <a:lnTo>
+                  <a:pt x="7915" y="188"/>
+                </a:lnTo>
+                <a:cubicBezTo>
+                  <a:pt x="7906" y="156"/>
+                  <a:pt x="7895" y="126"/>
+                  <a:pt x="7886" y="94"/>
+                </a:cubicBezTo>
+                <a:cubicBezTo>
+                  <a:pt x="7859" y="0"/>
+                  <a:pt x="7831" y="0"/>
+                  <a:pt x="7803" y="0"/>
+                </a:cubicBezTo>
+                <a:lnTo>
+                  <a:pt x="7275" y="0"/>
+                </a:lnTo>
+                <a:lnTo>
+                  <a:pt x="0" y="70"/>
+                </a:lnTo>
+                <a:cubicBezTo>
+                  <a:pt x="8" y="3380"/>
+                  <a:pt x="17" y="6690"/>
+                  <a:pt x="25" y="10000"/>
+                </a:cubicBezTo>
+                <a:lnTo>
+                  <a:pt x="7275" y="9966"/>
+                </a:lnTo>
+                <a:lnTo>
+                  <a:pt x="7803" y="9966"/>
+                </a:lnTo>
+                <a:cubicBezTo>
+                  <a:pt x="7831" y="9966"/>
+                  <a:pt x="7859" y="9872"/>
+                  <a:pt x="7886" y="9872"/>
+                </a:cubicBezTo>
+                <a:cubicBezTo>
+                  <a:pt x="7886" y="9778"/>
+                  <a:pt x="7915" y="9778"/>
+                  <a:pt x="7915" y="9778"/>
+                </a:cubicBezTo>
+                <a:lnTo>
+                  <a:pt x="9248" y="5265"/>
+                </a:lnTo>
+                <a:cubicBezTo>
+                  <a:pt x="9303" y="5077"/>
+                  <a:pt x="9303" y="4889"/>
+                  <a:pt x="9248" y="4701"/>
+                </a:cubicBezTo>
+                <a:close/>
+              </a:path>
+            </a:pathLst>
+          </a:custGeom>
+          <a:solidFill>
+            <a:schemeClr val="accent1"/>
+          </a:solidFill>
+          <a:ln>
+            <a:noFill/>
+          </a:ln>
+        </p:spPr>
+      </p:sp>
+      <p:sp>
+        <p:nvSpPr>
+          <p:cNvPr id="6" name="Slide Number Placeholder 5"/>
           <p:cNvSpPr>
             <a:spLocks noGrp="1"/>
           </p:cNvSpPr>
@@ -798,20 +2969,16 @@
           <a:bodyPr/>
           <a:lstStyle/>
           <a:p>
-            <a:fld id="{89F8D703-08C3-4E8E-83A1-C2A5E871B5DA}" type="slidenum">
-              <a:rPr lang="zh-CN" altLang="en-US" smtClean="0"/>
+            <a:fld id="{D57F1E4F-1CFF-5643-939E-217C01CDF565}" type="slidenum">
+              <a:rPr lang="en-US" dirty="0"/>
+              <a:pPr/>
               <a:t>‹#›</a:t>
             </a:fld>
-            <a:endParaRPr lang="zh-CN" altLang="en-US"/>
+            <a:endParaRPr lang="en-US" dirty="0"/>
           </a:p>
         </p:txBody>
       </p:sp>
     </p:spTree>
-    <p:extLst>
-      <p:ext uri="{BB962C8B-B14F-4D97-AF65-F5344CB8AC3E}">
-        <p14:creationId xmlns:p14="http://schemas.microsoft.com/office/powerpoint/2010/main" val="2443635657"/>
-      </p:ext>
-    </p:extLst>
   </p:cSld>
   <p:clrMapOvr>
     <a:masterClrMapping/>
@@ -838,7 +3005,7 @@
       </p:grpSpPr>
       <p:sp>
         <p:nvSpPr>
-          <p:cNvPr id="2" name="标题 1"/>
+          <p:cNvPr id="2" name="Title 1"/>
           <p:cNvSpPr>
             <a:spLocks noGrp="1"/>
           </p:cNvSpPr>
@@ -848,15 +3015,15 @@
         </p:nvSpPr>
         <p:spPr>
           <a:xfrm>
-            <a:off x="831850" y="1709738"/>
-            <a:ext cx="10515600" cy="2852737"/>
+            <a:off x="2589212" y="2058750"/>
+            <a:ext cx="8915399" cy="1468800"/>
           </a:xfrm>
         </p:spPr>
         <p:txBody>
           <a:bodyPr anchor="b"/>
           <a:lstStyle>
-            <a:lvl1pPr>
-              <a:defRPr sz="6000"/>
+            <a:lvl1pPr algn="l">
+              <a:defRPr sz="4000" b="0" cap="none"/>
             </a:lvl1pPr>
           </a:lstStyle>
           <a:p>
@@ -864,13 +3031,13 @@
               <a:rPr lang="zh-CN" altLang="en-US" smtClean="0"/>
               <a:t>单击此处编辑母版标题样式</a:t>
             </a:r>
-            <a:endParaRPr lang="zh-CN" altLang="en-US"/>
-          </a:p>
-        </p:txBody>
-      </p:sp>
-      <p:sp>
-        <p:nvSpPr>
-          <p:cNvPr id="3" name="文本占位符 2"/>
+            <a:endParaRPr lang="en-US" dirty="0"/>
+          </a:p>
+        </p:txBody>
+      </p:sp>
+      <p:sp>
+        <p:nvSpPr>
+          <p:cNvPr id="3" name="Text Placeholder 2"/>
           <p:cNvSpPr>
             <a:spLocks noGrp="1"/>
           </p:cNvSpPr>
@@ -880,26 +3047,27 @@
         </p:nvSpPr>
         <p:spPr>
           <a:xfrm>
-            <a:off x="831850" y="4589463"/>
-            <a:ext cx="10515600" cy="1500187"/>
+            <a:off x="2589212" y="3530129"/>
+            <a:ext cx="8915399" cy="860400"/>
           </a:xfrm>
         </p:spPr>
         <p:txBody>
-          <a:bodyPr/>
+          <a:bodyPr anchor="t"/>
           <a:lstStyle>
-            <a:lvl1pPr marL="0" indent="0">
-              <a:buNone/>
-              <a:defRPr sz="2400">
+            <a:lvl1pPr marL="0" indent="0" algn="l">
+              <a:buNone/>
+              <a:defRPr sz="2000">
                 <a:solidFill>
                   <a:schemeClr val="tx1">
-                    <a:tint val="75000"/>
+                    <a:lumMod val="65000"/>
+                    <a:lumOff val="35000"/>
                   </a:schemeClr>
                 </a:solidFill>
               </a:defRPr>
             </a:lvl1pPr>
             <a:lvl2pPr marL="457200" indent="0">
               <a:buNone/>
-              <a:defRPr sz="2000">
+              <a:defRPr sz="1800">
                 <a:solidFill>
                   <a:schemeClr val="tx1">
                     <a:tint val="75000"/>
@@ -909,7 +3077,7 @@
             </a:lvl2pPr>
             <a:lvl3pPr marL="914400" indent="0">
               <a:buNone/>
-              <a:defRPr sz="1800">
+              <a:defRPr sz="1600">
                 <a:solidFill>
                   <a:schemeClr val="tx1">
                     <a:tint val="75000"/>
@@ -919,7 +3087,7 @@
             </a:lvl3pPr>
             <a:lvl4pPr marL="1371600" indent="0">
               <a:buNone/>
-              <a:defRPr sz="1600">
+              <a:defRPr sz="1400">
                 <a:solidFill>
                   <a:schemeClr val="tx1">
                     <a:tint val="75000"/>
@@ -929,7 +3097,7 @@
             </a:lvl4pPr>
             <a:lvl5pPr marL="1828800" indent="0">
               <a:buNone/>
-              <a:defRPr sz="1600">
+              <a:defRPr sz="1400">
                 <a:solidFill>
                   <a:schemeClr val="tx1">
                     <a:tint val="75000"/>
@@ -939,7 +3107,7 @@
             </a:lvl5pPr>
             <a:lvl6pPr marL="2286000" indent="0">
               <a:buNone/>
-              <a:defRPr sz="1600">
+              <a:defRPr sz="1400">
                 <a:solidFill>
                   <a:schemeClr val="tx1">
                     <a:tint val="75000"/>
@@ -949,7 +3117,7 @@
             </a:lvl6pPr>
             <a:lvl7pPr marL="2743200" indent="0">
               <a:buNone/>
-              <a:defRPr sz="1600">
+              <a:defRPr sz="1400">
                 <a:solidFill>
                   <a:schemeClr val="tx1">
                     <a:tint val="75000"/>
@@ -959,7 +3127,7 @@
             </a:lvl7pPr>
             <a:lvl8pPr marL="3200400" indent="0">
               <a:buNone/>
-              <a:defRPr sz="1600">
+              <a:defRPr sz="1400">
                 <a:solidFill>
                   <a:schemeClr val="tx1">
                     <a:tint val="75000"/>
@@ -969,7 +3137,7 @@
             </a:lvl8pPr>
             <a:lvl9pPr marL="3657600" indent="0">
               <a:buNone/>
-              <a:defRPr sz="1600">
+              <a:defRPr sz="1400">
                 <a:solidFill>
                   <a:schemeClr val="tx1">
                     <a:tint val="75000"/>
@@ -989,7 +3157,7 @@
       </p:sp>
       <p:sp>
         <p:nvSpPr>
-          <p:cNvPr id="4" name="日期占位符 3"/>
+          <p:cNvPr id="4" name="Date Placeholder 3"/>
           <p:cNvSpPr>
             <a:spLocks noGrp="1"/>
           </p:cNvSpPr>
@@ -1002,17 +3170,18 @@
           <a:bodyPr/>
           <a:lstStyle/>
           <a:p>
-            <a:fld id="{B7F768D9-C27F-4A09-A185-8970117F50DE}" type="datetimeFigureOut">
-              <a:rPr lang="zh-CN" altLang="en-US" smtClean="0"/>
-              <a:t>2015/6/8</a:t>
+            <a:fld id="{B61BEF0D-F0BB-DE4B-95CE-6DB70DBA9567}" type="datetimeFigureOut">
+              <a:rPr lang="en-US" dirty="0"/>
+              <a:pPr/>
+              <a:t>6/8/2015</a:t>
             </a:fld>
-            <a:endParaRPr lang="zh-CN" altLang="en-US"/>
-          </a:p>
-        </p:txBody>
-      </p:sp>
-      <p:sp>
-        <p:nvSpPr>
-          <p:cNvPr id="5" name="页脚占位符 4"/>
+            <a:endParaRPr lang="en-US" dirty="0"/>
+          </a:p>
+        </p:txBody>
+      </p:sp>
+      <p:sp>
+        <p:nvSpPr>
+          <p:cNvPr id="5" name="Footer Placeholder 4"/>
           <p:cNvSpPr>
             <a:spLocks noGrp="1"/>
           </p:cNvSpPr>
@@ -1025,13 +3194,95 @@
           <a:bodyPr/>
           <a:lstStyle/>
           <a:p>
-            <a:endParaRPr lang="zh-CN" altLang="en-US"/>
-          </a:p>
-        </p:txBody>
-      </p:sp>
-      <p:sp>
-        <p:nvSpPr>
-          <p:cNvPr id="6" name="灯片编号占位符 5"/>
+            <a:endParaRPr lang="en-US" dirty="0"/>
+          </a:p>
+        </p:txBody>
+      </p:sp>
+      <p:sp>
+        <p:nvSpPr>
+          <p:cNvPr id="9" name="Freeform 11"/>
+          <p:cNvSpPr/>
+          <p:nvPr/>
+        </p:nvSpPr>
+        <p:spPr bwMode="auto">
+          <a:xfrm flipV="1">
+            <a:off x="-4189" y="3178175"/>
+            <a:ext cx="1588527" cy="507297"/>
+          </a:xfrm>
+          <a:custGeom>
+            <a:avLst/>
+            <a:gdLst/>
+            <a:ahLst/>
+            <a:cxnLst/>
+            <a:rect l="l" t="t" r="r" b="b"/>
+            <a:pathLst>
+              <a:path w="9248" h="10000">
+                <a:moveTo>
+                  <a:pt x="9248" y="4701"/>
+                </a:moveTo>
+                <a:lnTo>
+                  <a:pt x="7915" y="188"/>
+                </a:lnTo>
+                <a:cubicBezTo>
+                  <a:pt x="7906" y="156"/>
+                  <a:pt x="7895" y="126"/>
+                  <a:pt x="7886" y="94"/>
+                </a:cubicBezTo>
+                <a:cubicBezTo>
+                  <a:pt x="7859" y="0"/>
+                  <a:pt x="7831" y="0"/>
+                  <a:pt x="7803" y="0"/>
+                </a:cubicBezTo>
+                <a:lnTo>
+                  <a:pt x="7275" y="0"/>
+                </a:lnTo>
+                <a:lnTo>
+                  <a:pt x="0" y="70"/>
+                </a:lnTo>
+                <a:cubicBezTo>
+                  <a:pt x="8" y="3380"/>
+                  <a:pt x="17" y="6690"/>
+                  <a:pt x="25" y="10000"/>
+                </a:cubicBezTo>
+                <a:lnTo>
+                  <a:pt x="7275" y="9966"/>
+                </a:lnTo>
+                <a:lnTo>
+                  <a:pt x="7803" y="9966"/>
+                </a:lnTo>
+                <a:cubicBezTo>
+                  <a:pt x="7831" y="9966"/>
+                  <a:pt x="7859" y="9872"/>
+                  <a:pt x="7886" y="9872"/>
+                </a:cubicBezTo>
+                <a:cubicBezTo>
+                  <a:pt x="7886" y="9778"/>
+                  <a:pt x="7915" y="9778"/>
+                  <a:pt x="7915" y="9778"/>
+                </a:cubicBezTo>
+                <a:lnTo>
+                  <a:pt x="9248" y="5265"/>
+                </a:lnTo>
+                <a:cubicBezTo>
+                  <a:pt x="9303" y="5077"/>
+                  <a:pt x="9303" y="4889"/>
+                  <a:pt x="9248" y="4701"/>
+                </a:cubicBezTo>
+                <a:close/>
+              </a:path>
+            </a:pathLst>
+          </a:custGeom>
+          <a:solidFill>
+            <a:schemeClr val="accent1"/>
+          </a:solidFill>
+          <a:ln>
+            <a:noFill/>
+          </a:ln>
+        </p:spPr>
+      </p:sp>
+      <p:sp>
+        <p:nvSpPr>
+          <p:cNvPr id="6" name="Slide Number Placeholder 5"/>
           <p:cNvSpPr>
             <a:spLocks noGrp="1"/>
           </p:cNvSpPr>
@@ -1039,25 +3290,26 @@
             <p:ph type="sldNum" sz="quarter" idx="12"/>
           </p:nvPr>
         </p:nvSpPr>
-        <p:spPr/>
+        <p:spPr>
+          <a:xfrm>
+            <a:off x="531812" y="3244139"/>
+            <a:ext cx="779767" cy="365125"/>
+          </a:xfrm>
+        </p:spPr>
         <p:txBody>
           <a:bodyPr/>
           <a:lstStyle/>
           <a:p>
-            <a:fld id="{89F8D703-08C3-4E8E-83A1-C2A5E871B5DA}" type="slidenum">
-              <a:rPr lang="zh-CN" altLang="en-US" smtClean="0"/>
+            <a:fld id="{D57F1E4F-1CFF-5643-939E-217C01CDF565}" type="slidenum">
+              <a:rPr lang="en-US" dirty="0"/>
+              <a:pPr/>
               <a:t>‹#›</a:t>
             </a:fld>
-            <a:endParaRPr lang="zh-CN" altLang="en-US"/>
+            <a:endParaRPr lang="en-US" dirty="0"/>
           </a:p>
         </p:txBody>
       </p:sp>
     </p:spTree>
-    <p:extLst>
-      <p:ext uri="{BB962C8B-B14F-4D97-AF65-F5344CB8AC3E}">
-        <p14:creationId xmlns:p14="http://schemas.microsoft.com/office/powerpoint/2010/main" val="851884634"/>
-      </p:ext>
-    </p:extLst>
   </p:cSld>
   <p:clrMapOvr>
     <a:masterClrMapping/>
@@ -1084,7 +3336,7 @@
       </p:grpSpPr>
       <p:sp>
         <p:nvSpPr>
-          <p:cNvPr id="2" name="标题 1"/>
+          <p:cNvPr id="8" name="Title 7"/>
           <p:cNvSpPr>
             <a:spLocks noGrp="1"/>
           </p:cNvSpPr>
@@ -1101,13 +3353,13 @@
               <a:rPr lang="zh-CN" altLang="en-US" smtClean="0"/>
               <a:t>单击此处编辑母版标题样式</a:t>
             </a:r>
-            <a:endParaRPr lang="zh-CN" altLang="en-US"/>
-          </a:p>
-        </p:txBody>
-      </p:sp>
-      <p:sp>
-        <p:nvSpPr>
-          <p:cNvPr id="3" name="内容占位符 2"/>
+            <a:endParaRPr lang="en-US" dirty="0"/>
+          </a:p>
+        </p:txBody>
+      </p:sp>
+      <p:sp>
+        <p:nvSpPr>
+          <p:cNvPr id="3" name="Content Placeholder 2"/>
           <p:cNvSpPr>
             <a:spLocks noGrp="1"/>
           </p:cNvSpPr>
@@ -1117,179 +3369,267 @@
         </p:nvSpPr>
         <p:spPr>
           <a:xfrm>
-            <a:off x="838200" y="1825625"/>
-            <a:ext cx="5181600" cy="4351338"/>
+            <a:off x="2589212" y="2133600"/>
+            <a:ext cx="4313864" cy="3777622"/>
           </a:xfrm>
         </p:spPr>
         <p:txBody>
+          <a:bodyPr>
+            <a:normAutofit/>
+          </a:bodyPr>
+          <a:lstStyle/>
+          <a:p>
+            <a:pPr lvl="0"/>
+            <a:r>
+              <a:rPr lang="zh-CN" altLang="en-US" smtClean="0"/>
+              <a:t>单击此处编辑母版文本样式</a:t>
+            </a:r>
+          </a:p>
+          <a:p>
+            <a:pPr lvl="1"/>
+            <a:r>
+              <a:rPr lang="zh-CN" altLang="en-US" smtClean="0"/>
+              <a:t>第二级</a:t>
+            </a:r>
+          </a:p>
+          <a:p>
+            <a:pPr lvl="2"/>
+            <a:r>
+              <a:rPr lang="zh-CN" altLang="en-US" smtClean="0"/>
+              <a:t>第三级</a:t>
+            </a:r>
+          </a:p>
+          <a:p>
+            <a:pPr lvl="3"/>
+            <a:r>
+              <a:rPr lang="zh-CN" altLang="en-US" smtClean="0"/>
+              <a:t>第四级</a:t>
+            </a:r>
+          </a:p>
+          <a:p>
+            <a:pPr lvl="4"/>
+            <a:r>
+              <a:rPr lang="zh-CN" altLang="en-US" smtClean="0"/>
+              <a:t>第五级</a:t>
+            </a:r>
+            <a:endParaRPr lang="en-US" dirty="0"/>
+          </a:p>
+        </p:txBody>
+      </p:sp>
+      <p:sp>
+        <p:nvSpPr>
+          <p:cNvPr id="4" name="Content Placeholder 3"/>
+          <p:cNvSpPr>
+            <a:spLocks noGrp="1"/>
+          </p:cNvSpPr>
+          <p:nvPr>
+            <p:ph sz="half" idx="2"/>
+          </p:nvPr>
+        </p:nvSpPr>
+        <p:spPr>
+          <a:xfrm>
+            <a:off x="7190747" y="2126222"/>
+            <a:ext cx="4313864" cy="3777622"/>
+          </a:xfrm>
+        </p:spPr>
+        <p:txBody>
+          <a:bodyPr>
+            <a:normAutofit/>
+          </a:bodyPr>
+          <a:lstStyle/>
+          <a:p>
+            <a:pPr lvl="0"/>
+            <a:r>
+              <a:rPr lang="zh-CN" altLang="en-US" smtClean="0"/>
+              <a:t>单击此处编辑母版文本样式</a:t>
+            </a:r>
+          </a:p>
+          <a:p>
+            <a:pPr lvl="1"/>
+            <a:r>
+              <a:rPr lang="zh-CN" altLang="en-US" smtClean="0"/>
+              <a:t>第二级</a:t>
+            </a:r>
+          </a:p>
+          <a:p>
+            <a:pPr lvl="2"/>
+            <a:r>
+              <a:rPr lang="zh-CN" altLang="en-US" smtClean="0"/>
+              <a:t>第三级</a:t>
+            </a:r>
+          </a:p>
+          <a:p>
+            <a:pPr lvl="3"/>
+            <a:r>
+              <a:rPr lang="zh-CN" altLang="en-US" smtClean="0"/>
+              <a:t>第四级</a:t>
+            </a:r>
+          </a:p>
+          <a:p>
+            <a:pPr lvl="4"/>
+            <a:r>
+              <a:rPr lang="zh-CN" altLang="en-US" smtClean="0"/>
+              <a:t>第五级</a:t>
+            </a:r>
+            <a:endParaRPr lang="en-US" dirty="0"/>
+          </a:p>
+        </p:txBody>
+      </p:sp>
+      <p:sp>
+        <p:nvSpPr>
+          <p:cNvPr id="5" name="Date Placeholder 4"/>
+          <p:cNvSpPr>
+            <a:spLocks noGrp="1"/>
+          </p:cNvSpPr>
+          <p:nvPr>
+            <p:ph type="dt" sz="half" idx="10"/>
+          </p:nvPr>
+        </p:nvSpPr>
+        <p:spPr/>
+        <p:txBody>
           <a:bodyPr/>
           <a:lstStyle/>
           <a:p>
-            <a:pPr lvl="0"/>
-            <a:r>
-              <a:rPr lang="zh-CN" altLang="en-US" smtClean="0"/>
-              <a:t>单击此处编辑母版文本样式</a:t>
-            </a:r>
-          </a:p>
-          <a:p>
-            <a:pPr lvl="1"/>
-            <a:r>
-              <a:rPr lang="zh-CN" altLang="en-US" smtClean="0"/>
-              <a:t>第二级</a:t>
-            </a:r>
-          </a:p>
-          <a:p>
-            <a:pPr lvl="2"/>
-            <a:r>
-              <a:rPr lang="zh-CN" altLang="en-US" smtClean="0"/>
-              <a:t>第三级</a:t>
-            </a:r>
-          </a:p>
-          <a:p>
-            <a:pPr lvl="3"/>
-            <a:r>
-              <a:rPr lang="zh-CN" altLang="en-US" smtClean="0"/>
-              <a:t>第四级</a:t>
-            </a:r>
-          </a:p>
-          <a:p>
-            <a:pPr lvl="4"/>
-            <a:r>
-              <a:rPr lang="zh-CN" altLang="en-US" smtClean="0"/>
-              <a:t>第五级</a:t>
-            </a:r>
-            <a:endParaRPr lang="zh-CN" altLang="en-US"/>
-          </a:p>
-        </p:txBody>
-      </p:sp>
-      <p:sp>
-        <p:nvSpPr>
-          <p:cNvPr id="4" name="内容占位符 3"/>
-          <p:cNvSpPr>
-            <a:spLocks noGrp="1"/>
-          </p:cNvSpPr>
-          <p:nvPr>
-            <p:ph sz="half" idx="2"/>
+            <a:fld id="{B61BEF0D-F0BB-DE4B-95CE-6DB70DBA9567}" type="datetimeFigureOut">
+              <a:rPr lang="en-US" dirty="0"/>
+              <a:pPr/>
+              <a:t>6/8/2015</a:t>
+            </a:fld>
+            <a:endParaRPr lang="en-US" dirty="0"/>
+          </a:p>
+        </p:txBody>
+      </p:sp>
+      <p:sp>
+        <p:nvSpPr>
+          <p:cNvPr id="6" name="Footer Placeholder 5"/>
+          <p:cNvSpPr>
+            <a:spLocks noGrp="1"/>
+          </p:cNvSpPr>
+          <p:nvPr>
+            <p:ph type="ftr" sz="quarter" idx="11"/>
+          </p:nvPr>
+        </p:nvSpPr>
+        <p:spPr/>
+        <p:txBody>
+          <a:bodyPr/>
+          <a:lstStyle/>
+          <a:p>
+            <a:endParaRPr lang="en-US" dirty="0"/>
+          </a:p>
+        </p:txBody>
+      </p:sp>
+      <p:sp>
+        <p:nvSpPr>
+          <p:cNvPr id="10" name="Freeform 11"/>
+          <p:cNvSpPr/>
+          <p:nvPr/>
+        </p:nvSpPr>
+        <p:spPr bwMode="auto">
+          <a:xfrm flipV="1">
+            <a:off x="-4189" y="714375"/>
+            <a:ext cx="1588527" cy="507297"/>
+          </a:xfrm>
+          <a:custGeom>
+            <a:avLst/>
+            <a:gdLst/>
+            <a:ahLst/>
+            <a:cxnLst/>
+            <a:rect l="l" t="t" r="r" b="b"/>
+            <a:pathLst>
+              <a:path w="9248" h="10000">
+                <a:moveTo>
+                  <a:pt x="9248" y="4701"/>
+                </a:moveTo>
+                <a:lnTo>
+                  <a:pt x="7915" y="188"/>
+                </a:lnTo>
+                <a:cubicBezTo>
+                  <a:pt x="7906" y="156"/>
+                  <a:pt x="7895" y="126"/>
+                  <a:pt x="7886" y="94"/>
+                </a:cubicBezTo>
+                <a:cubicBezTo>
+                  <a:pt x="7859" y="0"/>
+                  <a:pt x="7831" y="0"/>
+                  <a:pt x="7803" y="0"/>
+                </a:cubicBezTo>
+                <a:lnTo>
+                  <a:pt x="7275" y="0"/>
+                </a:lnTo>
+                <a:lnTo>
+                  <a:pt x="0" y="70"/>
+                </a:lnTo>
+                <a:cubicBezTo>
+                  <a:pt x="8" y="3380"/>
+                  <a:pt x="17" y="6690"/>
+                  <a:pt x="25" y="10000"/>
+                </a:cubicBezTo>
+                <a:lnTo>
+                  <a:pt x="7275" y="9966"/>
+                </a:lnTo>
+                <a:lnTo>
+                  <a:pt x="7803" y="9966"/>
+                </a:lnTo>
+                <a:cubicBezTo>
+                  <a:pt x="7831" y="9966"/>
+                  <a:pt x="7859" y="9872"/>
+                  <a:pt x="7886" y="9872"/>
+                </a:cubicBezTo>
+                <a:cubicBezTo>
+                  <a:pt x="7886" y="9778"/>
+                  <a:pt x="7915" y="9778"/>
+                  <a:pt x="7915" y="9778"/>
+                </a:cubicBezTo>
+                <a:lnTo>
+                  <a:pt x="9248" y="5265"/>
+                </a:lnTo>
+                <a:cubicBezTo>
+                  <a:pt x="9303" y="5077"/>
+                  <a:pt x="9303" y="4889"/>
+                  <a:pt x="9248" y="4701"/>
+                </a:cubicBezTo>
+                <a:close/>
+              </a:path>
+            </a:pathLst>
+          </a:custGeom>
+          <a:solidFill>
+            <a:schemeClr val="accent1"/>
+          </a:solidFill>
+          <a:ln>
+            <a:noFill/>
+          </a:ln>
+        </p:spPr>
+      </p:sp>
+      <p:sp>
+        <p:nvSpPr>
+          <p:cNvPr id="11" name="Slide Number Placeholder 5"/>
+          <p:cNvSpPr>
+            <a:spLocks noGrp="1"/>
+          </p:cNvSpPr>
+          <p:nvPr>
+            <p:ph type="sldNum" sz="quarter" idx="12"/>
           </p:nvPr>
         </p:nvSpPr>
         <p:spPr>
           <a:xfrm>
-            <a:off x="6172200" y="1825625"/>
-            <a:ext cx="5181600" cy="4351338"/>
+            <a:off x="531812" y="787782"/>
+            <a:ext cx="779767" cy="365125"/>
           </a:xfrm>
         </p:spPr>
         <p:txBody>
           <a:bodyPr/>
           <a:lstStyle/>
           <a:p>
-            <a:pPr lvl="0"/>
-            <a:r>
-              <a:rPr lang="zh-CN" altLang="en-US" smtClean="0"/>
-              <a:t>单击此处编辑母版文本样式</a:t>
-            </a:r>
-          </a:p>
-          <a:p>
-            <a:pPr lvl="1"/>
-            <a:r>
-              <a:rPr lang="zh-CN" altLang="en-US" smtClean="0"/>
-              <a:t>第二级</a:t>
-            </a:r>
-          </a:p>
-          <a:p>
-            <a:pPr lvl="2"/>
-            <a:r>
-              <a:rPr lang="zh-CN" altLang="en-US" smtClean="0"/>
-              <a:t>第三级</a:t>
-            </a:r>
-          </a:p>
-          <a:p>
-            <a:pPr lvl="3"/>
-            <a:r>
-              <a:rPr lang="zh-CN" altLang="en-US" smtClean="0"/>
-              <a:t>第四级</a:t>
-            </a:r>
-          </a:p>
-          <a:p>
-            <a:pPr lvl="4"/>
-            <a:r>
-              <a:rPr lang="zh-CN" altLang="en-US" smtClean="0"/>
-              <a:t>第五级</a:t>
-            </a:r>
-            <a:endParaRPr lang="zh-CN" altLang="en-US"/>
-          </a:p>
-        </p:txBody>
-      </p:sp>
-      <p:sp>
-        <p:nvSpPr>
-          <p:cNvPr id="5" name="日期占位符 4"/>
-          <p:cNvSpPr>
-            <a:spLocks noGrp="1"/>
-          </p:cNvSpPr>
-          <p:nvPr>
-            <p:ph type="dt" sz="half" idx="10"/>
-          </p:nvPr>
-        </p:nvSpPr>
-        <p:spPr/>
-        <p:txBody>
-          <a:bodyPr/>
-          <a:lstStyle/>
-          <a:p>
-            <a:fld id="{B7F768D9-C27F-4A09-A185-8970117F50DE}" type="datetimeFigureOut">
-              <a:rPr lang="zh-CN" altLang="en-US" smtClean="0"/>
-              <a:t>2015/6/8</a:t>
-            </a:fld>
-            <a:endParaRPr lang="zh-CN" altLang="en-US"/>
-          </a:p>
-        </p:txBody>
-      </p:sp>
-      <p:sp>
-        <p:nvSpPr>
-          <p:cNvPr id="6" name="页脚占位符 5"/>
-          <p:cNvSpPr>
-            <a:spLocks noGrp="1"/>
-          </p:cNvSpPr>
-          <p:nvPr>
-            <p:ph type="ftr" sz="quarter" idx="11"/>
-          </p:nvPr>
-        </p:nvSpPr>
-        <p:spPr/>
-        <p:txBody>
-          <a:bodyPr/>
-          <a:lstStyle/>
-          <a:p>
-            <a:endParaRPr lang="zh-CN" altLang="en-US"/>
-          </a:p>
-        </p:txBody>
-      </p:sp>
-      <p:sp>
-        <p:nvSpPr>
-          <p:cNvPr id="7" name="灯片编号占位符 6"/>
-          <p:cNvSpPr>
-            <a:spLocks noGrp="1"/>
-          </p:cNvSpPr>
-          <p:nvPr>
-            <p:ph type="sldNum" sz="quarter" idx="12"/>
-          </p:nvPr>
-        </p:nvSpPr>
-        <p:spPr/>
-        <p:txBody>
-          <a:bodyPr/>
-          <a:lstStyle/>
-          <a:p>
-            <a:fld id="{89F8D703-08C3-4E8E-83A1-C2A5E871B5DA}" type="slidenum">
-              <a:rPr lang="zh-CN" altLang="en-US" smtClean="0"/>
+            <a:fld id="{D57F1E4F-1CFF-5643-939E-217C01CDF565}" type="slidenum">
+              <a:rPr lang="en-US" dirty="0"/>
+              <a:pPr/>
               <a:t>‹#›</a:t>
             </a:fld>
-            <a:endParaRPr lang="zh-CN" altLang="en-US"/>
+            <a:endParaRPr lang="en-US" dirty="0"/>
           </a:p>
         </p:txBody>
       </p:sp>
     </p:spTree>
-    <p:extLst>
-      <p:ext uri="{BB962C8B-B14F-4D97-AF65-F5344CB8AC3E}">
-        <p14:creationId xmlns:p14="http://schemas.microsoft.com/office/powerpoint/2010/main" val="184296445"/>
-      </p:ext>
-    </p:extLst>
   </p:cSld>
   <p:clrMapOvr>
     <a:masterClrMapping/>
@@ -1316,54 +3656,51 @@
       </p:grpSpPr>
       <p:sp>
         <p:nvSpPr>
-          <p:cNvPr id="2" name="标题 1"/>
+          <p:cNvPr id="10" name="Title 9"/>
           <p:cNvSpPr>
             <a:spLocks noGrp="1"/>
           </p:cNvSpPr>
           <p:nvPr>
             <p:ph type="title"/>
+          </p:nvPr>
+        </p:nvSpPr>
+        <p:spPr/>
+        <p:txBody>
+          <a:bodyPr/>
+          <a:lstStyle/>
+          <a:p>
+            <a:r>
+              <a:rPr lang="zh-CN" altLang="en-US" smtClean="0"/>
+              <a:t>单击此处编辑母版标题样式</a:t>
+            </a:r>
+            <a:endParaRPr lang="en-US" dirty="0"/>
+          </a:p>
+        </p:txBody>
+      </p:sp>
+      <p:sp>
+        <p:nvSpPr>
+          <p:cNvPr id="3" name="Text Placeholder 2"/>
+          <p:cNvSpPr>
+            <a:spLocks noGrp="1"/>
+          </p:cNvSpPr>
+          <p:nvPr>
+            <p:ph type="body" idx="1"/>
           </p:nvPr>
         </p:nvSpPr>
         <p:spPr>
           <a:xfrm>
-            <a:off x="839788" y="365125"/>
-            <a:ext cx="10515600" cy="1325563"/>
+            <a:off x="2939373" y="1972703"/>
+            <a:ext cx="3992732" cy="576262"/>
           </a:xfrm>
         </p:spPr>
         <p:txBody>
-          <a:bodyPr/>
-          <a:lstStyle/>
-          <a:p>
-            <a:r>
-              <a:rPr lang="zh-CN" altLang="en-US" smtClean="0"/>
-              <a:t>单击此处编辑母版标题样式</a:t>
-            </a:r>
-            <a:endParaRPr lang="zh-CN" altLang="en-US"/>
-          </a:p>
-        </p:txBody>
-      </p:sp>
-      <p:sp>
-        <p:nvSpPr>
-          <p:cNvPr id="3" name="文本占位符 2"/>
-          <p:cNvSpPr>
-            <a:spLocks noGrp="1"/>
-          </p:cNvSpPr>
-          <p:nvPr>
-            <p:ph type="body" idx="1"/>
-          </p:nvPr>
-        </p:nvSpPr>
-        <p:spPr>
-          <a:xfrm>
-            <a:off x="839788" y="1681163"/>
-            <a:ext cx="5157787" cy="823912"/>
-          </a:xfrm>
-        </p:spPr>
-        <p:txBody>
-          <a:bodyPr anchor="b"/>
+          <a:bodyPr anchor="b">
+            <a:noAutofit/>
+          </a:bodyPr>
           <a:lstStyle>
             <a:lvl1pPr marL="0" indent="0">
               <a:buNone/>
-              <a:defRPr sz="2400" b="1"/>
+              <a:defRPr sz="2400" b="0"/>
             </a:lvl1pPr>
             <a:lvl2pPr marL="457200" indent="0">
               <a:buNone/>
@@ -1409,7 +3746,7 @@
       </p:sp>
       <p:sp>
         <p:nvSpPr>
-          <p:cNvPr id="4" name="内容占位符 3"/>
+          <p:cNvPr id="4" name="Content Placeholder 3"/>
           <p:cNvSpPr>
             <a:spLocks noGrp="1"/>
           </p:cNvSpPr>
@@ -1419,12 +3756,14 @@
         </p:nvSpPr>
         <p:spPr>
           <a:xfrm>
-            <a:off x="839788" y="2505075"/>
-            <a:ext cx="5157787" cy="3684588"/>
+            <a:off x="2589212" y="2548966"/>
+            <a:ext cx="4342893" cy="3354060"/>
           </a:xfrm>
         </p:spPr>
         <p:txBody>
-          <a:bodyPr/>
+          <a:bodyPr>
+            <a:normAutofit/>
+          </a:bodyPr>
           <a:lstStyle/>
           <a:p>
             <a:pPr lvl="0"/>
@@ -1460,13 +3799,13 @@
               <a:rPr lang="zh-CN" altLang="en-US" smtClean="0"/>
               <a:t>第五级</a:t>
             </a:r>
-            <a:endParaRPr lang="zh-CN" altLang="en-US"/>
-          </a:p>
-        </p:txBody>
-      </p:sp>
-      <p:sp>
-        <p:nvSpPr>
-          <p:cNvPr id="5" name="文本占位符 4"/>
+            <a:endParaRPr lang="en-US" dirty="0"/>
+          </a:p>
+        </p:txBody>
+      </p:sp>
+      <p:sp>
+        <p:nvSpPr>
+          <p:cNvPr id="5" name="Text Placeholder 4"/>
           <p:cNvSpPr>
             <a:spLocks noGrp="1"/>
           </p:cNvSpPr>
@@ -1476,16 +3815,18 @@
         </p:nvSpPr>
         <p:spPr>
           <a:xfrm>
-            <a:off x="6172200" y="1681163"/>
-            <a:ext cx="5183188" cy="823912"/>
+            <a:off x="7506629" y="1969475"/>
+            <a:ext cx="3999001" cy="576262"/>
           </a:xfrm>
         </p:spPr>
         <p:txBody>
-          <a:bodyPr anchor="b"/>
+          <a:bodyPr anchor="b">
+            <a:noAutofit/>
+          </a:bodyPr>
           <a:lstStyle>
             <a:lvl1pPr marL="0" indent="0">
               <a:buNone/>
-              <a:defRPr sz="2400" b="1"/>
+              <a:defRPr sz="2400" b="0"/>
             </a:lvl1pPr>
             <a:lvl2pPr marL="457200" indent="0">
               <a:buNone/>
@@ -1531,7 +3872,7 @@
       </p:sp>
       <p:sp>
         <p:nvSpPr>
-          <p:cNvPr id="6" name="内容占位符 5"/>
+          <p:cNvPr id="6" name="Content Placeholder 5"/>
           <p:cNvSpPr>
             <a:spLocks noGrp="1"/>
           </p:cNvSpPr>
@@ -1541,59 +3882,85 @@
         </p:nvSpPr>
         <p:spPr>
           <a:xfrm>
-            <a:off x="6172200" y="2505075"/>
-            <a:ext cx="5183188" cy="3684588"/>
+            <a:off x="7166957" y="2545738"/>
+            <a:ext cx="4338674" cy="3354060"/>
           </a:xfrm>
         </p:spPr>
         <p:txBody>
+          <a:bodyPr>
+            <a:normAutofit/>
+          </a:bodyPr>
+          <a:lstStyle/>
+          <a:p>
+            <a:pPr lvl="0"/>
+            <a:r>
+              <a:rPr lang="zh-CN" altLang="en-US" smtClean="0"/>
+              <a:t>单击此处编辑母版文本样式</a:t>
+            </a:r>
+          </a:p>
+          <a:p>
+            <a:pPr lvl="1"/>
+            <a:r>
+              <a:rPr lang="zh-CN" altLang="en-US" smtClean="0"/>
+              <a:t>第二级</a:t>
+            </a:r>
+          </a:p>
+          <a:p>
+            <a:pPr lvl="2"/>
+            <a:r>
+              <a:rPr lang="zh-CN" altLang="en-US" smtClean="0"/>
+              <a:t>第三级</a:t>
+            </a:r>
+          </a:p>
+          <a:p>
+            <a:pPr lvl="3"/>
+            <a:r>
+              <a:rPr lang="zh-CN" altLang="en-US" smtClean="0"/>
+              <a:t>第四级</a:t>
+            </a:r>
+          </a:p>
+          <a:p>
+            <a:pPr lvl="4"/>
+            <a:r>
+              <a:rPr lang="zh-CN" altLang="en-US" smtClean="0"/>
+              <a:t>第五级</a:t>
+            </a:r>
+            <a:endParaRPr lang="en-US" dirty="0"/>
+          </a:p>
+        </p:txBody>
+      </p:sp>
+      <p:sp>
+        <p:nvSpPr>
+          <p:cNvPr id="7" name="Date Placeholder 6"/>
+          <p:cNvSpPr>
+            <a:spLocks noGrp="1"/>
+          </p:cNvSpPr>
+          <p:nvPr>
+            <p:ph type="dt" sz="half" idx="10"/>
+          </p:nvPr>
+        </p:nvSpPr>
+        <p:spPr/>
+        <p:txBody>
           <a:bodyPr/>
           <a:lstStyle/>
           <a:p>
-            <a:pPr lvl="0"/>
-            <a:r>
-              <a:rPr lang="zh-CN" altLang="en-US" smtClean="0"/>
-              <a:t>单击此处编辑母版文本样式</a:t>
-            </a:r>
-          </a:p>
-          <a:p>
-            <a:pPr lvl="1"/>
-            <a:r>
-              <a:rPr lang="zh-CN" altLang="en-US" smtClean="0"/>
-              <a:t>第二级</a:t>
-            </a:r>
-          </a:p>
-          <a:p>
-            <a:pPr lvl="2"/>
-            <a:r>
-              <a:rPr lang="zh-CN" altLang="en-US" smtClean="0"/>
-              <a:t>第三级</a:t>
-            </a:r>
-          </a:p>
-          <a:p>
-            <a:pPr lvl="3"/>
-            <a:r>
-              <a:rPr lang="zh-CN" altLang="en-US" smtClean="0"/>
-              <a:t>第四级</a:t>
-            </a:r>
-          </a:p>
-          <a:p>
-            <a:pPr lvl="4"/>
-            <a:r>
-              <a:rPr lang="zh-CN" altLang="en-US" smtClean="0"/>
-              <a:t>第五级</a:t>
-            </a:r>
-            <a:endParaRPr lang="zh-CN" altLang="en-US"/>
-          </a:p>
-        </p:txBody>
-      </p:sp>
-      <p:sp>
-        <p:nvSpPr>
-          <p:cNvPr id="7" name="日期占位符 6"/>
-          <p:cNvSpPr>
-            <a:spLocks noGrp="1"/>
-          </p:cNvSpPr>
-          <p:nvPr>
-            <p:ph type="dt" sz="half" idx="10"/>
+            <a:fld id="{B61BEF0D-F0BB-DE4B-95CE-6DB70DBA9567}" type="datetimeFigureOut">
+              <a:rPr lang="en-US" dirty="0"/>
+              <a:pPr/>
+              <a:t>6/8/2015</a:t>
+            </a:fld>
+            <a:endParaRPr lang="en-US" dirty="0"/>
+          </a:p>
+        </p:txBody>
+      </p:sp>
+      <p:sp>
+        <p:nvSpPr>
+          <p:cNvPr id="8" name="Footer Placeholder 7"/>
+          <p:cNvSpPr>
+            <a:spLocks noGrp="1"/>
+          </p:cNvSpPr>
+          <p:nvPr>
+            <p:ph type="ftr" sz="quarter" idx="11"/>
           </p:nvPr>
         </p:nvSpPr>
         <p:spPr/>
@@ -1601,62 +3968,122 @@
           <a:bodyPr/>
           <a:lstStyle/>
           <a:p>
-            <a:fld id="{B7F768D9-C27F-4A09-A185-8970117F50DE}" type="datetimeFigureOut">
-              <a:rPr lang="zh-CN" altLang="en-US" smtClean="0"/>
-              <a:t>2015/6/8</a:t>
-            </a:fld>
-            <a:endParaRPr lang="zh-CN" altLang="en-US"/>
-          </a:p>
-        </p:txBody>
-      </p:sp>
-      <p:sp>
-        <p:nvSpPr>
-          <p:cNvPr id="8" name="页脚占位符 7"/>
-          <p:cNvSpPr>
-            <a:spLocks noGrp="1"/>
-          </p:cNvSpPr>
-          <p:nvPr>
-            <p:ph type="ftr" sz="quarter" idx="11"/>
-          </p:nvPr>
-        </p:nvSpPr>
-        <p:spPr/>
+            <a:endParaRPr lang="en-US" dirty="0"/>
+          </a:p>
+        </p:txBody>
+      </p:sp>
+      <p:sp>
+        <p:nvSpPr>
+          <p:cNvPr id="12" name="Freeform 11"/>
+          <p:cNvSpPr/>
+          <p:nvPr/>
+        </p:nvSpPr>
+        <p:spPr bwMode="auto">
+          <a:xfrm flipV="1">
+            <a:off x="-4189" y="714375"/>
+            <a:ext cx="1588527" cy="507297"/>
+          </a:xfrm>
+          <a:custGeom>
+            <a:avLst/>
+            <a:gdLst/>
+            <a:ahLst/>
+            <a:cxnLst/>
+            <a:rect l="l" t="t" r="r" b="b"/>
+            <a:pathLst>
+              <a:path w="9248" h="10000">
+                <a:moveTo>
+                  <a:pt x="9248" y="4701"/>
+                </a:moveTo>
+                <a:lnTo>
+                  <a:pt x="7915" y="188"/>
+                </a:lnTo>
+                <a:cubicBezTo>
+                  <a:pt x="7906" y="156"/>
+                  <a:pt x="7895" y="126"/>
+                  <a:pt x="7886" y="94"/>
+                </a:cubicBezTo>
+                <a:cubicBezTo>
+                  <a:pt x="7859" y="0"/>
+                  <a:pt x="7831" y="0"/>
+                  <a:pt x="7803" y="0"/>
+                </a:cubicBezTo>
+                <a:lnTo>
+                  <a:pt x="7275" y="0"/>
+                </a:lnTo>
+                <a:lnTo>
+                  <a:pt x="0" y="70"/>
+                </a:lnTo>
+                <a:cubicBezTo>
+                  <a:pt x="8" y="3380"/>
+                  <a:pt x="17" y="6690"/>
+                  <a:pt x="25" y="10000"/>
+                </a:cubicBezTo>
+                <a:lnTo>
+                  <a:pt x="7275" y="9966"/>
+                </a:lnTo>
+                <a:lnTo>
+                  <a:pt x="7803" y="9966"/>
+                </a:lnTo>
+                <a:cubicBezTo>
+                  <a:pt x="7831" y="9966"/>
+                  <a:pt x="7859" y="9872"/>
+                  <a:pt x="7886" y="9872"/>
+                </a:cubicBezTo>
+                <a:cubicBezTo>
+                  <a:pt x="7886" y="9778"/>
+                  <a:pt x="7915" y="9778"/>
+                  <a:pt x="7915" y="9778"/>
+                </a:cubicBezTo>
+                <a:lnTo>
+                  <a:pt x="9248" y="5265"/>
+                </a:lnTo>
+                <a:cubicBezTo>
+                  <a:pt x="9303" y="5077"/>
+                  <a:pt x="9303" y="4889"/>
+                  <a:pt x="9248" y="4701"/>
+                </a:cubicBezTo>
+                <a:close/>
+              </a:path>
+            </a:pathLst>
+          </a:custGeom>
+          <a:solidFill>
+            <a:schemeClr val="accent1"/>
+          </a:solidFill>
+          <a:ln>
+            <a:noFill/>
+          </a:ln>
+        </p:spPr>
+      </p:sp>
+      <p:sp>
+        <p:nvSpPr>
+          <p:cNvPr id="13" name="Slide Number Placeholder 5"/>
+          <p:cNvSpPr>
+            <a:spLocks noGrp="1"/>
+          </p:cNvSpPr>
+          <p:nvPr>
+            <p:ph type="sldNum" sz="quarter" idx="12"/>
+          </p:nvPr>
+        </p:nvSpPr>
+        <p:spPr>
+          <a:xfrm>
+            <a:off x="531812" y="787782"/>
+            <a:ext cx="779767" cy="365125"/>
+          </a:xfrm>
+        </p:spPr>
         <p:txBody>
           <a:bodyPr/>
           <a:lstStyle/>
           <a:p>
-            <a:endParaRPr lang="zh-CN" altLang="en-US"/>
-          </a:p>
-        </p:txBody>
-      </p:sp>
-      <p:sp>
-        <p:nvSpPr>
-          <p:cNvPr id="9" name="灯片编号占位符 8"/>
-          <p:cNvSpPr>
-            <a:spLocks noGrp="1"/>
-          </p:cNvSpPr>
-          <p:nvPr>
-            <p:ph type="sldNum" sz="quarter" idx="12"/>
-          </p:nvPr>
-        </p:nvSpPr>
-        <p:spPr/>
-        <p:txBody>
-          <a:bodyPr/>
-          <a:lstStyle/>
-          <a:p>
-            <a:fld id="{89F8D703-08C3-4E8E-83A1-C2A5E871B5DA}" type="slidenum">
-              <a:rPr lang="zh-CN" altLang="en-US" smtClean="0"/>
+            <a:fld id="{D57F1E4F-1CFF-5643-939E-217C01CDF565}" type="slidenum">
+              <a:rPr lang="en-US" dirty="0"/>
+              <a:pPr/>
               <a:t>‹#›</a:t>
             </a:fld>
-            <a:endParaRPr lang="zh-CN" altLang="en-US"/>
+            <a:endParaRPr lang="en-US" dirty="0"/>
           </a:p>
         </p:txBody>
       </p:sp>
     </p:spTree>
-    <p:extLst>
-      <p:ext uri="{BB962C8B-B14F-4D97-AF65-F5344CB8AC3E}">
-        <p14:creationId xmlns:p14="http://schemas.microsoft.com/office/powerpoint/2010/main" val="810508847"/>
-      </p:ext>
-    </p:extLst>
   </p:cSld>
   <p:clrMapOvr>
     <a:masterClrMapping/>
@@ -1683,7 +4110,7 @@
       </p:grpSpPr>
       <p:sp>
         <p:nvSpPr>
-          <p:cNvPr id="2" name="标题 1"/>
+          <p:cNvPr id="2" name="Title 1"/>
           <p:cNvSpPr>
             <a:spLocks noGrp="1"/>
           </p:cNvSpPr>
@@ -1700,13 +4127,13 @@
               <a:rPr lang="zh-CN" altLang="en-US" smtClean="0"/>
               <a:t>单击此处编辑母版标题样式</a:t>
             </a:r>
-            <a:endParaRPr lang="zh-CN" altLang="en-US"/>
-          </a:p>
-        </p:txBody>
-      </p:sp>
-      <p:sp>
-        <p:nvSpPr>
-          <p:cNvPr id="3" name="日期占位符 2"/>
+            <a:endParaRPr lang="en-US" dirty="0"/>
+          </a:p>
+        </p:txBody>
+      </p:sp>
+      <p:sp>
+        <p:nvSpPr>
+          <p:cNvPr id="3" name="Date Placeholder 2"/>
           <p:cNvSpPr>
             <a:spLocks noGrp="1"/>
           </p:cNvSpPr>
@@ -1719,17 +4146,18 @@
           <a:bodyPr/>
           <a:lstStyle/>
           <a:p>
-            <a:fld id="{B7F768D9-C27F-4A09-A185-8970117F50DE}" type="datetimeFigureOut">
-              <a:rPr lang="zh-CN" altLang="en-US" smtClean="0"/>
-              <a:t>2015/6/8</a:t>
+            <a:fld id="{B61BEF0D-F0BB-DE4B-95CE-6DB70DBA9567}" type="datetimeFigureOut">
+              <a:rPr lang="en-US" dirty="0"/>
+              <a:pPr/>
+              <a:t>6/8/2015</a:t>
             </a:fld>
-            <a:endParaRPr lang="zh-CN" altLang="en-US"/>
-          </a:p>
-        </p:txBody>
-      </p:sp>
-      <p:sp>
-        <p:nvSpPr>
-          <p:cNvPr id="4" name="页脚占位符 3"/>
+            <a:endParaRPr lang="en-US" dirty="0"/>
+          </a:p>
+        </p:txBody>
+      </p:sp>
+      <p:sp>
+        <p:nvSpPr>
+          <p:cNvPr id="4" name="Footer Placeholder 3"/>
           <p:cNvSpPr>
             <a:spLocks noGrp="1"/>
           </p:cNvSpPr>
@@ -1742,13 +4170,95 @@
           <a:bodyPr/>
           <a:lstStyle/>
           <a:p>
-            <a:endParaRPr lang="zh-CN" altLang="en-US"/>
-          </a:p>
-        </p:txBody>
-      </p:sp>
-      <p:sp>
-        <p:nvSpPr>
-          <p:cNvPr id="5" name="灯片编号占位符 4"/>
+            <a:endParaRPr lang="en-US" dirty="0"/>
+          </a:p>
+        </p:txBody>
+      </p:sp>
+      <p:sp>
+        <p:nvSpPr>
+          <p:cNvPr id="7" name="Freeform 11"/>
+          <p:cNvSpPr/>
+          <p:nvPr/>
+        </p:nvSpPr>
+        <p:spPr bwMode="auto">
+          <a:xfrm flipV="1">
+            <a:off x="-4189" y="714375"/>
+            <a:ext cx="1588527" cy="507297"/>
+          </a:xfrm>
+          <a:custGeom>
+            <a:avLst/>
+            <a:gdLst/>
+            <a:ahLst/>
+            <a:cxnLst/>
+            <a:rect l="l" t="t" r="r" b="b"/>
+            <a:pathLst>
+              <a:path w="9248" h="10000">
+                <a:moveTo>
+                  <a:pt x="9248" y="4701"/>
+                </a:moveTo>
+                <a:lnTo>
+                  <a:pt x="7915" y="188"/>
+                </a:lnTo>
+                <a:cubicBezTo>
+                  <a:pt x="7906" y="156"/>
+                  <a:pt x="7895" y="126"/>
+                  <a:pt x="7886" y="94"/>
+                </a:cubicBezTo>
+                <a:cubicBezTo>
+                  <a:pt x="7859" y="0"/>
+                  <a:pt x="7831" y="0"/>
+                  <a:pt x="7803" y="0"/>
+                </a:cubicBezTo>
+                <a:lnTo>
+                  <a:pt x="7275" y="0"/>
+                </a:lnTo>
+                <a:lnTo>
+                  <a:pt x="0" y="70"/>
+                </a:lnTo>
+                <a:cubicBezTo>
+                  <a:pt x="8" y="3380"/>
+                  <a:pt x="17" y="6690"/>
+                  <a:pt x="25" y="10000"/>
+                </a:cubicBezTo>
+                <a:lnTo>
+                  <a:pt x="7275" y="9966"/>
+                </a:lnTo>
+                <a:lnTo>
+                  <a:pt x="7803" y="9966"/>
+                </a:lnTo>
+                <a:cubicBezTo>
+                  <a:pt x="7831" y="9966"/>
+                  <a:pt x="7859" y="9872"/>
+                  <a:pt x="7886" y="9872"/>
+                </a:cubicBezTo>
+                <a:cubicBezTo>
+                  <a:pt x="7886" y="9778"/>
+                  <a:pt x="7915" y="9778"/>
+                  <a:pt x="7915" y="9778"/>
+                </a:cubicBezTo>
+                <a:lnTo>
+                  <a:pt x="9248" y="5265"/>
+                </a:lnTo>
+                <a:cubicBezTo>
+                  <a:pt x="9303" y="5077"/>
+                  <a:pt x="9303" y="4889"/>
+                  <a:pt x="9248" y="4701"/>
+                </a:cubicBezTo>
+                <a:close/>
+              </a:path>
+            </a:pathLst>
+          </a:custGeom>
+          <a:solidFill>
+            <a:schemeClr val="accent1"/>
+          </a:solidFill>
+          <a:ln>
+            <a:noFill/>
+          </a:ln>
+        </p:spPr>
+      </p:sp>
+      <p:sp>
+        <p:nvSpPr>
+          <p:cNvPr id="5" name="Slide Number Placeholder 4"/>
           <p:cNvSpPr>
             <a:spLocks noGrp="1"/>
           </p:cNvSpPr>
@@ -1761,20 +4271,16 @@
           <a:bodyPr/>
           <a:lstStyle/>
           <a:p>
-            <a:fld id="{89F8D703-08C3-4E8E-83A1-C2A5E871B5DA}" type="slidenum">
-              <a:rPr lang="zh-CN" altLang="en-US" smtClean="0"/>
+            <a:fld id="{D57F1E4F-1CFF-5643-939E-217C01CDF565}" type="slidenum">
+              <a:rPr lang="en-US" dirty="0"/>
+              <a:pPr/>
               <a:t>‹#›</a:t>
             </a:fld>
-            <a:endParaRPr lang="zh-CN" altLang="en-US"/>
+            <a:endParaRPr lang="en-US" dirty="0"/>
           </a:p>
         </p:txBody>
       </p:sp>
     </p:spTree>
-    <p:extLst>
-      <p:ext uri="{BB962C8B-B14F-4D97-AF65-F5344CB8AC3E}">
-        <p14:creationId xmlns:p14="http://schemas.microsoft.com/office/powerpoint/2010/main" val="3787535125"/>
-      </p:ext>
-    </p:extLst>
   </p:cSld>
   <p:clrMapOvr>
     <a:masterClrMapping/>
@@ -1801,7 +4307,7 @@
       </p:grpSpPr>
       <p:sp>
         <p:nvSpPr>
-          <p:cNvPr id="2" name="日期占位符 1"/>
+          <p:cNvPr id="2" name="Date Placeholder 1"/>
           <p:cNvSpPr>
             <a:spLocks noGrp="1"/>
           </p:cNvSpPr>
@@ -1814,17 +4320,18 @@
           <a:bodyPr/>
           <a:lstStyle/>
           <a:p>
-            <a:fld id="{B7F768D9-C27F-4A09-A185-8970117F50DE}" type="datetimeFigureOut">
-              <a:rPr lang="zh-CN" altLang="en-US" smtClean="0"/>
-              <a:t>2015/6/8</a:t>
+            <a:fld id="{B61BEF0D-F0BB-DE4B-95CE-6DB70DBA9567}" type="datetimeFigureOut">
+              <a:rPr lang="en-US" dirty="0"/>
+              <a:pPr/>
+              <a:t>6/8/2015</a:t>
             </a:fld>
-            <a:endParaRPr lang="zh-CN" altLang="en-US"/>
-          </a:p>
-        </p:txBody>
-      </p:sp>
-      <p:sp>
-        <p:nvSpPr>
-          <p:cNvPr id="3" name="页脚占位符 2"/>
+            <a:endParaRPr lang="en-US" dirty="0"/>
+          </a:p>
+        </p:txBody>
+      </p:sp>
+      <p:sp>
+        <p:nvSpPr>
+          <p:cNvPr id="3" name="Footer Placeholder 2"/>
           <p:cNvSpPr>
             <a:spLocks noGrp="1"/>
           </p:cNvSpPr>
@@ -1837,13 +4344,95 @@
           <a:bodyPr/>
           <a:lstStyle/>
           <a:p>
-            <a:endParaRPr lang="zh-CN" altLang="en-US"/>
-          </a:p>
-        </p:txBody>
-      </p:sp>
-      <p:sp>
-        <p:nvSpPr>
-          <p:cNvPr id="4" name="灯片编号占位符 3"/>
+            <a:endParaRPr lang="en-US" dirty="0"/>
+          </a:p>
+        </p:txBody>
+      </p:sp>
+      <p:sp>
+        <p:nvSpPr>
+          <p:cNvPr id="6" name="Freeform 11"/>
+          <p:cNvSpPr/>
+          <p:nvPr/>
+        </p:nvSpPr>
+        <p:spPr bwMode="auto">
+          <a:xfrm flipV="1">
+            <a:off x="-4189" y="714375"/>
+            <a:ext cx="1588527" cy="507297"/>
+          </a:xfrm>
+          <a:custGeom>
+            <a:avLst/>
+            <a:gdLst/>
+            <a:ahLst/>
+            <a:cxnLst/>
+            <a:rect l="l" t="t" r="r" b="b"/>
+            <a:pathLst>
+              <a:path w="9248" h="10000">
+                <a:moveTo>
+                  <a:pt x="9248" y="4701"/>
+                </a:moveTo>
+                <a:lnTo>
+                  <a:pt x="7915" y="188"/>
+                </a:lnTo>
+                <a:cubicBezTo>
+                  <a:pt x="7906" y="156"/>
+                  <a:pt x="7895" y="126"/>
+                  <a:pt x="7886" y="94"/>
+                </a:cubicBezTo>
+                <a:cubicBezTo>
+                  <a:pt x="7859" y="0"/>
+                  <a:pt x="7831" y="0"/>
+                  <a:pt x="7803" y="0"/>
+                </a:cubicBezTo>
+                <a:lnTo>
+                  <a:pt x="7275" y="0"/>
+                </a:lnTo>
+                <a:lnTo>
+                  <a:pt x="0" y="70"/>
+                </a:lnTo>
+                <a:cubicBezTo>
+                  <a:pt x="8" y="3380"/>
+                  <a:pt x="17" y="6690"/>
+                  <a:pt x="25" y="10000"/>
+                </a:cubicBezTo>
+                <a:lnTo>
+                  <a:pt x="7275" y="9966"/>
+                </a:lnTo>
+                <a:lnTo>
+                  <a:pt x="7803" y="9966"/>
+                </a:lnTo>
+                <a:cubicBezTo>
+                  <a:pt x="7831" y="9966"/>
+                  <a:pt x="7859" y="9872"/>
+                  <a:pt x="7886" y="9872"/>
+                </a:cubicBezTo>
+                <a:cubicBezTo>
+                  <a:pt x="7886" y="9778"/>
+                  <a:pt x="7915" y="9778"/>
+                  <a:pt x="7915" y="9778"/>
+                </a:cubicBezTo>
+                <a:lnTo>
+                  <a:pt x="9248" y="5265"/>
+                </a:lnTo>
+                <a:cubicBezTo>
+                  <a:pt x="9303" y="5077"/>
+                  <a:pt x="9303" y="4889"/>
+                  <a:pt x="9248" y="4701"/>
+                </a:cubicBezTo>
+                <a:close/>
+              </a:path>
+            </a:pathLst>
+          </a:custGeom>
+          <a:solidFill>
+            <a:schemeClr val="accent1"/>
+          </a:solidFill>
+          <a:ln>
+            <a:noFill/>
+          </a:ln>
+        </p:spPr>
+      </p:sp>
+      <p:sp>
+        <p:nvSpPr>
+          <p:cNvPr id="4" name="Slide Number Placeholder 3"/>
           <p:cNvSpPr>
             <a:spLocks noGrp="1"/>
           </p:cNvSpPr>
@@ -1856,20 +4445,16 @@
           <a:bodyPr/>
           <a:lstStyle/>
           <a:p>
-            <a:fld id="{89F8D703-08C3-4E8E-83A1-C2A5E871B5DA}" type="slidenum">
-              <a:rPr lang="zh-CN" altLang="en-US" smtClean="0"/>
+            <a:fld id="{D57F1E4F-1CFF-5643-939E-217C01CDF565}" type="slidenum">
+              <a:rPr lang="en-US" dirty="0"/>
+              <a:pPr/>
               <a:t>‹#›</a:t>
             </a:fld>
-            <a:endParaRPr lang="zh-CN" altLang="en-US"/>
+            <a:endParaRPr lang="en-US" dirty="0"/>
           </a:p>
         </p:txBody>
       </p:sp>
     </p:spTree>
-    <p:extLst>
-      <p:ext uri="{BB962C8B-B14F-4D97-AF65-F5344CB8AC3E}">
-        <p14:creationId xmlns:p14="http://schemas.microsoft.com/office/powerpoint/2010/main" val="2408626133"/>
-      </p:ext>
-    </p:extLst>
   </p:cSld>
   <p:clrMapOvr>
     <a:masterClrMapping/>
@@ -1896,7 +4481,7 @@
       </p:grpSpPr>
       <p:sp>
         <p:nvSpPr>
-          <p:cNvPr id="2" name="标题 1"/>
+          <p:cNvPr id="2" name="Title 1"/>
           <p:cNvSpPr>
             <a:spLocks noGrp="1"/>
           </p:cNvSpPr>
@@ -1906,15 +4491,15 @@
         </p:nvSpPr>
         <p:spPr>
           <a:xfrm>
-            <a:off x="839788" y="457200"/>
-            <a:ext cx="3932237" cy="1600200"/>
+            <a:off x="2589212" y="446088"/>
+            <a:ext cx="3505199" cy="976312"/>
           </a:xfrm>
         </p:spPr>
         <p:txBody>
           <a:bodyPr anchor="b"/>
           <a:lstStyle>
-            <a:lvl1pPr>
-              <a:defRPr sz="3200"/>
+            <a:lvl1pPr algn="l">
+              <a:defRPr sz="2000" b="0"/>
             </a:lvl1pPr>
           </a:lstStyle>
           <a:p>
@@ -1922,13 +4507,13 @@
               <a:rPr lang="zh-CN" altLang="en-US" smtClean="0"/>
               <a:t>单击此处编辑母版标题样式</a:t>
             </a:r>
-            <a:endParaRPr lang="zh-CN" altLang="en-US"/>
-          </a:p>
-        </p:txBody>
-      </p:sp>
-      <p:sp>
-        <p:nvSpPr>
-          <p:cNvPr id="3" name="内容占位符 2"/>
+            <a:endParaRPr lang="en-US" dirty="0"/>
+          </a:p>
+        </p:txBody>
+      </p:sp>
+      <p:sp>
+        <p:nvSpPr>
+          <p:cNvPr id="3" name="Content Placeholder 2"/>
           <p:cNvSpPr>
             <a:spLocks noGrp="1"/>
           </p:cNvSpPr>
@@ -1938,41 +4523,15 @@
         </p:nvSpPr>
         <p:spPr>
           <a:xfrm>
-            <a:off x="5183188" y="987425"/>
-            <a:ext cx="6172200" cy="4873625"/>
+            <a:off x="6323012" y="446088"/>
+            <a:ext cx="5181600" cy="5414963"/>
           </a:xfrm>
         </p:spPr>
         <p:txBody>
-          <a:bodyPr/>
-          <a:lstStyle>
-            <a:lvl1pPr>
-              <a:defRPr sz="3200"/>
-            </a:lvl1pPr>
-            <a:lvl2pPr>
-              <a:defRPr sz="2800"/>
-            </a:lvl2pPr>
-            <a:lvl3pPr>
-              <a:defRPr sz="2400"/>
-            </a:lvl3pPr>
-            <a:lvl4pPr>
-              <a:defRPr sz="2000"/>
-            </a:lvl4pPr>
-            <a:lvl5pPr>
-              <a:defRPr sz="2000"/>
-            </a:lvl5pPr>
-            <a:lvl6pPr>
-              <a:defRPr sz="2000"/>
-            </a:lvl6pPr>
-            <a:lvl7pPr>
-              <a:defRPr sz="2000"/>
-            </a:lvl7pPr>
-            <a:lvl8pPr>
-              <a:defRPr sz="2000"/>
-            </a:lvl8pPr>
-            <a:lvl9pPr>
-              <a:defRPr sz="2000"/>
-            </a:lvl9pPr>
-          </a:lstStyle>
+          <a:bodyPr anchor="ctr">
+            <a:normAutofit/>
+          </a:bodyPr>
+          <a:lstStyle/>
           <a:p>
             <a:pPr lvl="0"/>
             <a:r>
@@ -2007,13 +4566,13 @@
               <a:rPr lang="zh-CN" altLang="en-US" smtClean="0"/>
               <a:t>第五级</a:t>
             </a:r>
-            <a:endParaRPr lang="zh-CN" altLang="en-US"/>
-          </a:p>
-        </p:txBody>
-      </p:sp>
-      <p:sp>
-        <p:nvSpPr>
-          <p:cNvPr id="4" name="文本占位符 3"/>
+            <a:endParaRPr lang="en-US" dirty="0"/>
+          </a:p>
+        </p:txBody>
+      </p:sp>
+      <p:sp>
+        <p:nvSpPr>
+          <p:cNvPr id="4" name="Text Placeholder 3"/>
           <p:cNvSpPr>
             <a:spLocks noGrp="1"/>
           </p:cNvSpPr>
@@ -2023,8 +4582,8 @@
         </p:nvSpPr>
         <p:spPr>
           <a:xfrm>
-            <a:off x="839788" y="2057400"/>
-            <a:ext cx="3932237" cy="3811588"/>
+            <a:off x="2589212" y="1598613"/>
+            <a:ext cx="3505199" cy="4262436"/>
           </a:xfrm>
         </p:spPr>
         <p:txBody>
@@ -2032,39 +4591,39 @@
           <a:lstStyle>
             <a:lvl1pPr marL="0" indent="0">
               <a:buNone/>
-              <a:defRPr sz="1600"/>
+              <a:defRPr sz="1400"/>
             </a:lvl1pPr>
             <a:lvl2pPr marL="457200" indent="0">
               <a:buNone/>
-              <a:defRPr sz="1400"/>
+              <a:defRPr sz="1200"/>
             </a:lvl2pPr>
             <a:lvl3pPr marL="914400" indent="0">
               <a:buNone/>
-              <a:defRPr sz="1200"/>
+              <a:defRPr sz="1000"/>
             </a:lvl3pPr>
             <a:lvl4pPr marL="1371600" indent="0">
               <a:buNone/>
-              <a:defRPr sz="1000"/>
+              <a:defRPr sz="900"/>
             </a:lvl4pPr>
             <a:lvl5pPr marL="1828800" indent="0">
               <a:buNone/>
-              <a:defRPr sz="1000"/>
+              <a:defRPr sz="900"/>
             </a:lvl5pPr>
             <a:lvl6pPr marL="2286000" indent="0">
               <a:buNone/>
-              <a:defRPr sz="1000"/>
+              <a:defRPr sz="900"/>
             </a:lvl6pPr>
             <a:lvl7pPr marL="2743200" indent="0">
               <a:buNone/>
-              <a:defRPr sz="1000"/>
+              <a:defRPr sz="900"/>
             </a:lvl7pPr>
             <a:lvl8pPr marL="3200400" indent="0">
               <a:buNone/>
-              <a:defRPr sz="1000"/>
+              <a:defRPr sz="900"/>
             </a:lvl8pPr>
             <a:lvl9pPr marL="3657600" indent="0">
               <a:buNone/>
-              <a:defRPr sz="1000"/>
+              <a:defRPr sz="900"/>
             </a:lvl9pPr>
           </a:lstStyle>
           <a:p>
@@ -2078,7 +4637,7 @@
       </p:sp>
       <p:sp>
         <p:nvSpPr>
-          <p:cNvPr id="5" name="日期占位符 4"/>
+          <p:cNvPr id="5" name="Date Placeholder 4"/>
           <p:cNvSpPr>
             <a:spLocks noGrp="1"/>
           </p:cNvSpPr>
@@ -2091,17 +4650,18 @@
           <a:bodyPr/>
           <a:lstStyle/>
           <a:p>
-            <a:fld id="{B7F768D9-C27F-4A09-A185-8970117F50DE}" type="datetimeFigureOut">
-              <a:rPr lang="zh-CN" altLang="en-US" smtClean="0"/>
-              <a:t>2015/6/8</a:t>
+            <a:fld id="{B61BEF0D-F0BB-DE4B-95CE-6DB70DBA9567}" type="datetimeFigureOut">
+              <a:rPr lang="en-US" dirty="0"/>
+              <a:pPr/>
+              <a:t>6/8/2015</a:t>
             </a:fld>
-            <a:endParaRPr lang="zh-CN" altLang="en-US"/>
-          </a:p>
-        </p:txBody>
-      </p:sp>
-      <p:sp>
-        <p:nvSpPr>
-          <p:cNvPr id="6" name="页脚占位符 5"/>
+            <a:endParaRPr lang="en-US" dirty="0"/>
+          </a:p>
+        </p:txBody>
+      </p:sp>
+      <p:sp>
+        <p:nvSpPr>
+          <p:cNvPr id="6" name="Footer Placeholder 5"/>
           <p:cNvSpPr>
             <a:spLocks noGrp="1"/>
           </p:cNvSpPr>
@@ -2114,13 +4674,95 @@
           <a:bodyPr/>
           <a:lstStyle/>
           <a:p>
-            <a:endParaRPr lang="zh-CN" altLang="en-US"/>
-          </a:p>
-        </p:txBody>
-      </p:sp>
-      <p:sp>
-        <p:nvSpPr>
-          <p:cNvPr id="7" name="灯片编号占位符 6"/>
+            <a:endParaRPr lang="en-US" dirty="0"/>
+          </a:p>
+        </p:txBody>
+      </p:sp>
+      <p:sp>
+        <p:nvSpPr>
+          <p:cNvPr id="9" name="Freeform 11"/>
+          <p:cNvSpPr/>
+          <p:nvPr/>
+        </p:nvSpPr>
+        <p:spPr bwMode="auto">
+          <a:xfrm flipV="1">
+            <a:off x="-4189" y="714375"/>
+            <a:ext cx="1588527" cy="507297"/>
+          </a:xfrm>
+          <a:custGeom>
+            <a:avLst/>
+            <a:gdLst/>
+            <a:ahLst/>
+            <a:cxnLst/>
+            <a:rect l="l" t="t" r="r" b="b"/>
+            <a:pathLst>
+              <a:path w="9248" h="10000">
+                <a:moveTo>
+                  <a:pt x="9248" y="4701"/>
+                </a:moveTo>
+                <a:lnTo>
+                  <a:pt x="7915" y="188"/>
+                </a:lnTo>
+                <a:cubicBezTo>
+                  <a:pt x="7906" y="156"/>
+                  <a:pt x="7895" y="126"/>
+                  <a:pt x="7886" y="94"/>
+                </a:cubicBezTo>
+                <a:cubicBezTo>
+                  <a:pt x="7859" y="0"/>
+                  <a:pt x="7831" y="0"/>
+                  <a:pt x="7803" y="0"/>
+                </a:cubicBezTo>
+                <a:lnTo>
+                  <a:pt x="7275" y="0"/>
+                </a:lnTo>
+                <a:lnTo>
+                  <a:pt x="0" y="70"/>
+                </a:lnTo>
+                <a:cubicBezTo>
+                  <a:pt x="8" y="3380"/>
+                  <a:pt x="17" y="6690"/>
+                  <a:pt x="25" y="10000"/>
+                </a:cubicBezTo>
+                <a:lnTo>
+                  <a:pt x="7275" y="9966"/>
+                </a:lnTo>
+                <a:lnTo>
+                  <a:pt x="7803" y="9966"/>
+                </a:lnTo>
+                <a:cubicBezTo>
+                  <a:pt x="7831" y="9966"/>
+                  <a:pt x="7859" y="9872"/>
+                  <a:pt x="7886" y="9872"/>
+                </a:cubicBezTo>
+                <a:cubicBezTo>
+                  <a:pt x="7886" y="9778"/>
+                  <a:pt x="7915" y="9778"/>
+                  <a:pt x="7915" y="9778"/>
+                </a:cubicBezTo>
+                <a:lnTo>
+                  <a:pt x="9248" y="5265"/>
+                </a:lnTo>
+                <a:cubicBezTo>
+                  <a:pt x="9303" y="5077"/>
+                  <a:pt x="9303" y="4889"/>
+                  <a:pt x="9248" y="4701"/>
+                </a:cubicBezTo>
+                <a:close/>
+              </a:path>
+            </a:pathLst>
+          </a:custGeom>
+          <a:solidFill>
+            <a:schemeClr val="accent1"/>
+          </a:solidFill>
+          <a:ln>
+            <a:noFill/>
+          </a:ln>
+        </p:spPr>
+      </p:sp>
+      <p:sp>
+        <p:nvSpPr>
+          <p:cNvPr id="7" name="Slide Number Placeholder 6"/>
           <p:cNvSpPr>
             <a:spLocks noGrp="1"/>
           </p:cNvSpPr>
@@ -2133,20 +4775,16 @@
           <a:bodyPr/>
           <a:lstStyle/>
           <a:p>
-            <a:fld id="{89F8D703-08C3-4E8E-83A1-C2A5E871B5DA}" type="slidenum">
-              <a:rPr lang="zh-CN" altLang="en-US" smtClean="0"/>
+            <a:fld id="{D57F1E4F-1CFF-5643-939E-217C01CDF565}" type="slidenum">
+              <a:rPr lang="en-US" dirty="0"/>
+              <a:pPr/>
               <a:t>‹#›</a:t>
             </a:fld>
-            <a:endParaRPr lang="zh-CN" altLang="en-US"/>
+            <a:endParaRPr lang="en-US" dirty="0"/>
           </a:p>
         </p:txBody>
       </p:sp>
     </p:spTree>
-    <p:extLst>
-      <p:ext uri="{BB962C8B-B14F-4D97-AF65-F5344CB8AC3E}">
-        <p14:creationId xmlns:p14="http://schemas.microsoft.com/office/powerpoint/2010/main" val="3609241741"/>
-      </p:ext>
-    </p:extLst>
   </p:cSld>
   <p:clrMapOvr>
     <a:masterClrMapping/>
@@ -2173,7 +4811,7 @@
       </p:grpSpPr>
       <p:sp>
         <p:nvSpPr>
-          <p:cNvPr id="2" name="标题 1"/>
+          <p:cNvPr id="2" name="Title 1"/>
           <p:cNvSpPr>
             <a:spLocks noGrp="1"/>
           </p:cNvSpPr>
@@ -2183,15 +4821,17 @@
         </p:nvSpPr>
         <p:spPr>
           <a:xfrm>
-            <a:off x="839788" y="457200"/>
-            <a:ext cx="3932237" cy="1600200"/>
+            <a:off x="2589213" y="4800600"/>
+            <a:ext cx="8915400" cy="566738"/>
           </a:xfrm>
         </p:spPr>
         <p:txBody>
-          <a:bodyPr anchor="b"/>
+          <a:bodyPr anchor="b">
+            <a:normAutofit/>
+          </a:bodyPr>
           <a:lstStyle>
-            <a:lvl1pPr>
-              <a:defRPr sz="3200"/>
+            <a:lvl1pPr algn="l">
+              <a:defRPr sz="2400" b="0"/>
             </a:lvl1pPr>
           </a:lstStyle>
           <a:p>
@@ -2199,15 +4839,15 @@
               <a:rPr lang="zh-CN" altLang="en-US" smtClean="0"/>
               <a:t>单击此处编辑母版标题样式</a:t>
             </a:r>
-            <a:endParaRPr lang="zh-CN" altLang="en-US"/>
-          </a:p>
-        </p:txBody>
-      </p:sp>
-      <p:sp>
-        <p:nvSpPr>
-          <p:cNvPr id="3" name="图片占位符 2"/>
-          <p:cNvSpPr>
-            <a:spLocks noGrp="1"/>
+            <a:endParaRPr lang="en-US" dirty="0"/>
+          </a:p>
+        </p:txBody>
+      </p:sp>
+      <p:sp>
+        <p:nvSpPr>
+          <p:cNvPr id="3" name="Picture Placeholder 2"/>
+          <p:cNvSpPr>
+            <a:spLocks noGrp="1" noChangeAspect="1"/>
           </p:cNvSpPr>
           <p:nvPr>
             <p:ph type="pic" idx="1"/>
@@ -2215,112 +4855,120 @@
         </p:nvSpPr>
         <p:spPr>
           <a:xfrm>
-            <a:off x="5183188" y="987425"/>
-            <a:ext cx="6172200" cy="4873625"/>
+            <a:off x="2589212" y="634965"/>
+            <a:ext cx="8915400" cy="3854970"/>
           </a:xfrm>
         </p:spPr>
         <p:txBody>
-          <a:bodyPr/>
+          <a:bodyPr anchor="t">
+            <a:normAutofit/>
+          </a:bodyPr>
           <a:lstStyle>
-            <a:lvl1pPr marL="0" indent="0">
-              <a:buNone/>
-              <a:defRPr sz="3200"/>
-            </a:lvl1pPr>
-            <a:lvl2pPr marL="457200" indent="0">
-              <a:buNone/>
-              <a:defRPr sz="2800"/>
-            </a:lvl2pPr>
-            <a:lvl3pPr marL="914400" indent="0">
-              <a:buNone/>
-              <a:defRPr sz="2400"/>
-            </a:lvl3pPr>
-            <a:lvl4pPr marL="1371600" indent="0">
-              <a:buNone/>
-              <a:defRPr sz="2000"/>
-            </a:lvl4pPr>
-            <a:lvl5pPr marL="1828800" indent="0">
-              <a:buNone/>
-              <a:defRPr sz="2000"/>
-            </a:lvl5pPr>
-            <a:lvl6pPr marL="2286000" indent="0">
-              <a:buNone/>
-              <a:defRPr sz="2000"/>
-            </a:lvl6pPr>
-            <a:lvl7pPr marL="2743200" indent="0">
-              <a:buNone/>
-              <a:defRPr sz="2000"/>
-            </a:lvl7pPr>
-            <a:lvl8pPr marL="3200400" indent="0">
-              <a:buNone/>
-              <a:defRPr sz="2000"/>
-            </a:lvl8pPr>
-            <a:lvl9pPr marL="3657600" indent="0">
-              <a:buNone/>
-              <a:defRPr sz="2000"/>
-            </a:lvl9pPr>
-          </a:lstStyle>
-          <a:p>
-            <a:endParaRPr lang="zh-CN" altLang="en-US"/>
-          </a:p>
-        </p:txBody>
-      </p:sp>
-      <p:sp>
-        <p:nvSpPr>
-          <p:cNvPr id="4" name="文本占位符 3"/>
-          <p:cNvSpPr>
-            <a:spLocks noGrp="1"/>
-          </p:cNvSpPr>
-          <p:nvPr>
-            <p:ph type="body" sz="half" idx="2"/>
-          </p:nvPr>
-        </p:nvSpPr>
-        <p:spPr>
-          <a:xfrm>
-            <a:off x="839788" y="2057400"/>
-            <a:ext cx="3932237" cy="3811588"/>
-          </a:xfrm>
-        </p:spPr>
-        <p:txBody>
-          <a:bodyPr/>
-          <a:lstStyle>
-            <a:lvl1pPr marL="0" indent="0">
+            <a:lvl1pPr marL="0" indent="0" algn="ctr">
               <a:buNone/>
               <a:defRPr sz="1600"/>
             </a:lvl1pPr>
             <a:lvl2pPr marL="457200" indent="0">
               <a:buNone/>
-              <a:defRPr sz="1400"/>
+              <a:defRPr sz="1600"/>
             </a:lvl2pPr>
             <a:lvl3pPr marL="914400" indent="0">
               <a:buNone/>
-              <a:defRPr sz="1200"/>
+              <a:defRPr sz="1600"/>
             </a:lvl3pPr>
             <a:lvl4pPr marL="1371600" indent="0">
               <a:buNone/>
-              <a:defRPr sz="1000"/>
+              <a:defRPr sz="1600"/>
             </a:lvl4pPr>
             <a:lvl5pPr marL="1828800" indent="0">
               <a:buNone/>
-              <a:defRPr sz="1000"/>
+              <a:defRPr sz="1600"/>
             </a:lvl5pPr>
             <a:lvl6pPr marL="2286000" indent="0">
               <a:buNone/>
-              <a:defRPr sz="1000"/>
+              <a:defRPr sz="1600"/>
             </a:lvl6pPr>
             <a:lvl7pPr marL="2743200" indent="0">
               <a:buNone/>
-              <a:defRPr sz="1000"/>
+              <a:defRPr sz="1600"/>
             </a:lvl7pPr>
             <a:lvl8pPr marL="3200400" indent="0">
               <a:buNone/>
-              <a:defRPr sz="1000"/>
+              <a:defRPr sz="1600"/>
             </a:lvl8pPr>
             <a:lvl9pPr marL="3657600" indent="0">
               <a:buNone/>
-              <a:defRPr sz="1000"/>
+              <a:defRPr sz="1600"/>
             </a:lvl9pPr>
           </a:lstStyle>
           <a:p>
+            <a:r>
+              <a:rPr lang="zh-CN" altLang="en-US" smtClean="0"/>
+              <a:t>单击图标添加图片</a:t>
+            </a:r>
+            <a:endParaRPr lang="en-US" dirty="0"/>
+          </a:p>
+        </p:txBody>
+      </p:sp>
+      <p:sp>
+        <p:nvSpPr>
+          <p:cNvPr id="4" name="Text Placeholder 3"/>
+          <p:cNvSpPr>
+            <a:spLocks noGrp="1"/>
+          </p:cNvSpPr>
+          <p:nvPr>
+            <p:ph type="body" sz="half" idx="2"/>
+          </p:nvPr>
+        </p:nvSpPr>
+        <p:spPr>
+          <a:xfrm>
+            <a:off x="2589213" y="5367338"/>
+            <a:ext cx="8915400" cy="493712"/>
+          </a:xfrm>
+        </p:spPr>
+        <p:txBody>
+          <a:bodyPr>
+            <a:normAutofit/>
+          </a:bodyPr>
+          <a:lstStyle>
+            <a:lvl1pPr marL="0" indent="0">
+              <a:buNone/>
+              <a:defRPr sz="1200"/>
+            </a:lvl1pPr>
+            <a:lvl2pPr marL="457200" indent="0">
+              <a:buNone/>
+              <a:defRPr sz="1200"/>
+            </a:lvl2pPr>
+            <a:lvl3pPr marL="914400" indent="0">
+              <a:buNone/>
+              <a:defRPr sz="1000"/>
+            </a:lvl3pPr>
+            <a:lvl4pPr marL="1371600" indent="0">
+              <a:buNone/>
+              <a:defRPr sz="900"/>
+            </a:lvl4pPr>
+            <a:lvl5pPr marL="1828800" indent="0">
+              <a:buNone/>
+              <a:defRPr sz="900"/>
+            </a:lvl5pPr>
+            <a:lvl6pPr marL="2286000" indent="0">
+              <a:buNone/>
+              <a:defRPr sz="900"/>
+            </a:lvl6pPr>
+            <a:lvl7pPr marL="2743200" indent="0">
+              <a:buNone/>
+              <a:defRPr sz="900"/>
+            </a:lvl7pPr>
+            <a:lvl8pPr marL="3200400" indent="0">
+              <a:buNone/>
+              <a:defRPr sz="900"/>
+            </a:lvl8pPr>
+            <a:lvl9pPr marL="3657600" indent="0">
+              <a:buNone/>
+              <a:defRPr sz="900"/>
+            </a:lvl9pPr>
+          </a:lstStyle>
+          <a:p>
             <a:pPr lvl="0"/>
             <a:r>
               <a:rPr lang="zh-CN" altLang="en-US" smtClean="0"/>
@@ -2331,7 +4979,7 @@
       </p:sp>
       <p:sp>
         <p:nvSpPr>
-          <p:cNvPr id="5" name="日期占位符 4"/>
+          <p:cNvPr id="5" name="Date Placeholder 4"/>
           <p:cNvSpPr>
             <a:spLocks noGrp="1"/>
           </p:cNvSpPr>
@@ -2344,17 +4992,18 @@
           <a:bodyPr/>
           <a:lstStyle/>
           <a:p>
-            <a:fld id="{B7F768D9-C27F-4A09-A185-8970117F50DE}" type="datetimeFigureOut">
-              <a:rPr lang="zh-CN" altLang="en-US" smtClean="0"/>
-              <a:t>2015/6/8</a:t>
+            <a:fld id="{B61BEF0D-F0BB-DE4B-95CE-6DB70DBA9567}" type="datetimeFigureOut">
+              <a:rPr lang="en-US" dirty="0"/>
+              <a:pPr/>
+              <a:t>6/8/2015</a:t>
             </a:fld>
-            <a:endParaRPr lang="zh-CN" altLang="en-US"/>
-          </a:p>
-        </p:txBody>
-      </p:sp>
-      <p:sp>
-        <p:nvSpPr>
-          <p:cNvPr id="6" name="页脚占位符 5"/>
+            <a:endParaRPr lang="en-US" dirty="0"/>
+          </a:p>
+        </p:txBody>
+      </p:sp>
+      <p:sp>
+        <p:nvSpPr>
+          <p:cNvPr id="6" name="Footer Placeholder 5"/>
           <p:cNvSpPr>
             <a:spLocks noGrp="1"/>
           </p:cNvSpPr>
@@ -2367,13 +5016,95 @@
           <a:bodyPr/>
           <a:lstStyle/>
           <a:p>
-            <a:endParaRPr lang="zh-CN" altLang="en-US"/>
-          </a:p>
-        </p:txBody>
-      </p:sp>
-      <p:sp>
-        <p:nvSpPr>
-          <p:cNvPr id="7" name="灯片编号占位符 6"/>
+            <a:endParaRPr lang="en-US" dirty="0"/>
+          </a:p>
+        </p:txBody>
+      </p:sp>
+      <p:sp>
+        <p:nvSpPr>
+          <p:cNvPr id="9" name="Freeform 11"/>
+          <p:cNvSpPr/>
+          <p:nvPr/>
+        </p:nvSpPr>
+        <p:spPr bwMode="auto">
+          <a:xfrm flipV="1">
+            <a:off x="-4189" y="4911725"/>
+            <a:ext cx="1588527" cy="507297"/>
+          </a:xfrm>
+          <a:custGeom>
+            <a:avLst/>
+            <a:gdLst/>
+            <a:ahLst/>
+            <a:cxnLst/>
+            <a:rect l="l" t="t" r="r" b="b"/>
+            <a:pathLst>
+              <a:path w="9248" h="10000">
+                <a:moveTo>
+                  <a:pt x="9248" y="4701"/>
+                </a:moveTo>
+                <a:lnTo>
+                  <a:pt x="7915" y="188"/>
+                </a:lnTo>
+                <a:cubicBezTo>
+                  <a:pt x="7906" y="156"/>
+                  <a:pt x="7895" y="126"/>
+                  <a:pt x="7886" y="94"/>
+                </a:cubicBezTo>
+                <a:cubicBezTo>
+                  <a:pt x="7859" y="0"/>
+                  <a:pt x="7831" y="0"/>
+                  <a:pt x="7803" y="0"/>
+                </a:cubicBezTo>
+                <a:lnTo>
+                  <a:pt x="7275" y="0"/>
+                </a:lnTo>
+                <a:lnTo>
+                  <a:pt x="0" y="70"/>
+                </a:lnTo>
+                <a:cubicBezTo>
+                  <a:pt x="8" y="3380"/>
+                  <a:pt x="17" y="6690"/>
+                  <a:pt x="25" y="10000"/>
+                </a:cubicBezTo>
+                <a:lnTo>
+                  <a:pt x="7275" y="9966"/>
+                </a:lnTo>
+                <a:lnTo>
+                  <a:pt x="7803" y="9966"/>
+                </a:lnTo>
+                <a:cubicBezTo>
+                  <a:pt x="7831" y="9966"/>
+                  <a:pt x="7859" y="9872"/>
+                  <a:pt x="7886" y="9872"/>
+                </a:cubicBezTo>
+                <a:cubicBezTo>
+                  <a:pt x="7886" y="9778"/>
+                  <a:pt x="7915" y="9778"/>
+                  <a:pt x="7915" y="9778"/>
+                </a:cubicBezTo>
+                <a:lnTo>
+                  <a:pt x="9248" y="5265"/>
+                </a:lnTo>
+                <a:cubicBezTo>
+                  <a:pt x="9303" y="5077"/>
+                  <a:pt x="9303" y="4889"/>
+                  <a:pt x="9248" y="4701"/>
+                </a:cubicBezTo>
+                <a:close/>
+              </a:path>
+            </a:pathLst>
+          </a:custGeom>
+          <a:solidFill>
+            <a:schemeClr val="accent1"/>
+          </a:solidFill>
+          <a:ln>
+            <a:noFill/>
+          </a:ln>
+        </p:spPr>
+      </p:sp>
+      <p:sp>
+        <p:nvSpPr>
+          <p:cNvPr id="7" name="Slide Number Placeholder 6"/>
           <p:cNvSpPr>
             <a:spLocks noGrp="1"/>
           </p:cNvSpPr>
@@ -2381,25 +5112,26 @@
             <p:ph type="sldNum" sz="quarter" idx="12"/>
           </p:nvPr>
         </p:nvSpPr>
-        <p:spPr/>
+        <p:spPr>
+          <a:xfrm>
+            <a:off x="531812" y="4983087"/>
+            <a:ext cx="779767" cy="365125"/>
+          </a:xfrm>
+        </p:spPr>
         <p:txBody>
           <a:bodyPr/>
           <a:lstStyle/>
           <a:p>
-            <a:fld id="{89F8D703-08C3-4E8E-83A1-C2A5E871B5DA}" type="slidenum">
-              <a:rPr lang="zh-CN" altLang="en-US" smtClean="0"/>
+            <a:fld id="{D57F1E4F-1CFF-5643-939E-217C01CDF565}" type="slidenum">
+              <a:rPr lang="en-US" dirty="0"/>
+              <a:pPr/>
               <a:t>‹#›</a:t>
             </a:fld>
-            <a:endParaRPr lang="zh-CN" altLang="en-US"/>
+            <a:endParaRPr lang="en-US" dirty="0"/>
           </a:p>
         </p:txBody>
       </p:sp>
     </p:spTree>
-    <p:extLst>
-      <p:ext uri="{BB962C8B-B14F-4D97-AF65-F5344CB8AC3E}">
-        <p14:creationId xmlns:p14="http://schemas.microsoft.com/office/powerpoint/2010/main" val="24603812"/>
-      </p:ext>
-    </p:extLst>
   </p:cSld>
   <p:clrMapOvr>
     <a:masterClrMapping/>
@@ -2411,8 +5143,8 @@
 <p:sldMaster xmlns:a="http://schemas.openxmlformats.org/drawingml/2006/main" xmlns:r="http://schemas.openxmlformats.org/officeDocument/2006/relationships" xmlns:p="http://schemas.openxmlformats.org/presentationml/2006/main">
   <p:cSld>
     <p:bg>
-      <p:bgRef idx="1001">
-        <a:schemeClr val="bg1"/>
+      <p:bgRef idx="1003">
+        <a:schemeClr val="bg2"/>
       </p:bgRef>
     </p:bg>
     <p:spTree>
@@ -2429,27 +5161,1844 @@
           <a:chExt cx="0" cy="0"/>
         </a:xfrm>
       </p:grpSpPr>
-      <p:sp>
-        <p:nvSpPr>
-          <p:cNvPr id="2" name="标题占位符 1"/>
-          <p:cNvSpPr>
-            <a:spLocks noGrp="1"/>
-          </p:cNvSpPr>
-          <p:nvPr>
-            <p:ph type="title"/>
-          </p:nvPr>
+      <p:grpSp>
+        <p:nvGrpSpPr>
+          <p:cNvPr id="23" name="Group 22"/>
+          <p:cNvGrpSpPr/>
+          <p:nvPr/>
+        </p:nvGrpSpPr>
+        <p:grpSpPr>
+          <a:xfrm>
+            <a:off x="1" y="228600"/>
+            <a:ext cx="2851516" cy="6638628"/>
+            <a:chOff x="2487613" y="285750"/>
+            <a:chExt cx="2428875" cy="5654676"/>
+          </a:xfrm>
+        </p:grpSpPr>
+        <p:sp>
+          <p:nvSpPr>
+            <p:cNvPr id="24" name="Freeform 11"/>
+            <p:cNvSpPr/>
+            <p:nvPr/>
+          </p:nvSpPr>
+          <p:spPr bwMode="auto">
+            <a:xfrm>
+              <a:off x="2487613" y="2284413"/>
+              <a:ext cx="85725" cy="533400"/>
+            </a:xfrm>
+            <a:custGeom>
+              <a:avLst/>
+              <a:gdLst/>
+              <a:ahLst/>
+              <a:cxnLst/>
+              <a:rect l="0" t="0" r="r" b="b"/>
+              <a:pathLst>
+                <a:path w="22" h="136">
+                  <a:moveTo>
+                    <a:pt x="22" y="136"/>
+                  </a:moveTo>
+                  <a:cubicBezTo>
+                    <a:pt x="20" y="117"/>
+                    <a:pt x="19" y="99"/>
+                    <a:pt x="17" y="80"/>
+                  </a:cubicBezTo>
+                  <a:cubicBezTo>
+                    <a:pt x="11" y="54"/>
+                    <a:pt x="6" y="27"/>
+                    <a:pt x="0" y="0"/>
+                  </a:cubicBezTo>
+                  <a:cubicBezTo>
+                    <a:pt x="0" y="35"/>
+                    <a:pt x="0" y="35"/>
+                    <a:pt x="0" y="35"/>
+                  </a:cubicBezTo>
+                  <a:cubicBezTo>
+                    <a:pt x="6" y="64"/>
+                    <a:pt x="13" y="94"/>
+                    <a:pt x="20" y="124"/>
+                  </a:cubicBezTo>
+                  <a:cubicBezTo>
+                    <a:pt x="20" y="128"/>
+                    <a:pt x="21" y="132"/>
+                    <a:pt x="22" y="136"/>
+                  </a:cubicBezTo>
+                  <a:close/>
+                </a:path>
+              </a:pathLst>
+            </a:custGeom>
+            <a:solidFill>
+              <a:schemeClr val="tx2">
+                <a:alpha val="20000"/>
+              </a:schemeClr>
+            </a:solidFill>
+            <a:ln>
+              <a:noFill/>
+            </a:ln>
+          </p:spPr>
+        </p:sp>
+        <p:sp>
+          <p:nvSpPr>
+            <p:cNvPr id="25" name="Freeform 12"/>
+            <p:cNvSpPr/>
+            <p:nvPr/>
+          </p:nvSpPr>
+          <p:spPr bwMode="auto">
+            <a:xfrm>
+              <a:off x="2597151" y="2779713"/>
+              <a:ext cx="550863" cy="1978025"/>
+            </a:xfrm>
+            <a:custGeom>
+              <a:avLst/>
+              <a:gdLst/>
+              <a:ahLst/>
+              <a:cxnLst/>
+              <a:rect l="0" t="0" r="r" b="b"/>
+              <a:pathLst>
+                <a:path w="140" h="504">
+                  <a:moveTo>
+                    <a:pt x="86" y="350"/>
+                  </a:moveTo>
+                  <a:cubicBezTo>
+                    <a:pt x="103" y="402"/>
+                    <a:pt x="120" y="453"/>
+                    <a:pt x="139" y="504"/>
+                  </a:cubicBezTo>
+                  <a:cubicBezTo>
+                    <a:pt x="139" y="495"/>
+                    <a:pt x="139" y="487"/>
+                    <a:pt x="140" y="478"/>
+                  </a:cubicBezTo>
+                  <a:cubicBezTo>
+                    <a:pt x="124" y="435"/>
+                    <a:pt x="109" y="391"/>
+                    <a:pt x="95" y="347"/>
+                  </a:cubicBezTo>
+                  <a:cubicBezTo>
+                    <a:pt x="58" y="233"/>
+                    <a:pt x="27" y="117"/>
+                    <a:pt x="0" y="0"/>
+                  </a:cubicBezTo>
+                  <a:cubicBezTo>
+                    <a:pt x="2" y="20"/>
+                    <a:pt x="4" y="41"/>
+                    <a:pt x="6" y="61"/>
+                  </a:cubicBezTo>
+                  <a:cubicBezTo>
+                    <a:pt x="30" y="158"/>
+                    <a:pt x="56" y="255"/>
+                    <a:pt x="86" y="350"/>
+                  </a:cubicBezTo>
+                  <a:close/>
+                </a:path>
+              </a:pathLst>
+            </a:custGeom>
+            <a:solidFill>
+              <a:schemeClr val="tx2">
+                <a:alpha val="20000"/>
+              </a:schemeClr>
+            </a:solidFill>
+            <a:ln>
+              <a:noFill/>
+            </a:ln>
+          </p:spPr>
+        </p:sp>
+        <p:sp>
+          <p:nvSpPr>
+            <p:cNvPr id="26" name="Freeform 13"/>
+            <p:cNvSpPr/>
+            <p:nvPr/>
+          </p:nvSpPr>
+          <p:spPr bwMode="auto">
+            <a:xfrm>
+              <a:off x="3175001" y="4730750"/>
+              <a:ext cx="519113" cy="1209675"/>
+            </a:xfrm>
+            <a:custGeom>
+              <a:avLst/>
+              <a:gdLst/>
+              <a:ahLst/>
+              <a:cxnLst/>
+              <a:rect l="0" t="0" r="r" b="b"/>
+              <a:pathLst>
+                <a:path w="132" h="308">
+                  <a:moveTo>
+                    <a:pt x="8" y="22"/>
+                  </a:moveTo>
+                  <a:cubicBezTo>
+                    <a:pt x="5" y="15"/>
+                    <a:pt x="2" y="8"/>
+                    <a:pt x="0" y="0"/>
+                  </a:cubicBezTo>
+                  <a:cubicBezTo>
+                    <a:pt x="0" y="10"/>
+                    <a:pt x="0" y="19"/>
+                    <a:pt x="0" y="29"/>
+                  </a:cubicBezTo>
+                  <a:cubicBezTo>
+                    <a:pt x="21" y="85"/>
+                    <a:pt x="44" y="140"/>
+                    <a:pt x="68" y="194"/>
+                  </a:cubicBezTo>
+                  <a:cubicBezTo>
+                    <a:pt x="85" y="232"/>
+                    <a:pt x="104" y="270"/>
+                    <a:pt x="123" y="308"/>
+                  </a:cubicBezTo>
+                  <a:cubicBezTo>
+                    <a:pt x="132" y="308"/>
+                    <a:pt x="132" y="308"/>
+                    <a:pt x="132" y="308"/>
+                  </a:cubicBezTo>
+                  <a:cubicBezTo>
+                    <a:pt x="113" y="269"/>
+                    <a:pt x="94" y="230"/>
+                    <a:pt x="77" y="190"/>
+                  </a:cubicBezTo>
+                  <a:cubicBezTo>
+                    <a:pt x="52" y="135"/>
+                    <a:pt x="29" y="79"/>
+                    <a:pt x="8" y="22"/>
+                  </a:cubicBezTo>
+                  <a:close/>
+                </a:path>
+              </a:pathLst>
+            </a:custGeom>
+            <a:solidFill>
+              <a:schemeClr val="tx2">
+                <a:alpha val="20000"/>
+              </a:schemeClr>
+            </a:solidFill>
+            <a:ln>
+              <a:noFill/>
+            </a:ln>
+          </p:spPr>
+        </p:sp>
+        <p:sp>
+          <p:nvSpPr>
+            <p:cNvPr id="27" name="Freeform 14"/>
+            <p:cNvSpPr/>
+            <p:nvPr/>
+          </p:nvSpPr>
+          <p:spPr bwMode="auto">
+            <a:xfrm>
+              <a:off x="3305176" y="5630863"/>
+              <a:ext cx="146050" cy="309563"/>
+            </a:xfrm>
+            <a:custGeom>
+              <a:avLst/>
+              <a:gdLst/>
+              <a:ahLst/>
+              <a:cxnLst/>
+              <a:rect l="0" t="0" r="r" b="b"/>
+              <a:pathLst>
+                <a:path w="37" h="79">
+                  <a:moveTo>
+                    <a:pt x="28" y="79"/>
+                  </a:moveTo>
+                  <a:cubicBezTo>
+                    <a:pt x="37" y="79"/>
+                    <a:pt x="37" y="79"/>
+                    <a:pt x="37" y="79"/>
+                  </a:cubicBezTo>
+                  <a:cubicBezTo>
+                    <a:pt x="24" y="53"/>
+                    <a:pt x="12" y="27"/>
+                    <a:pt x="0" y="0"/>
+                  </a:cubicBezTo>
+                  <a:cubicBezTo>
+                    <a:pt x="8" y="27"/>
+                    <a:pt x="17" y="53"/>
+                    <a:pt x="28" y="79"/>
+                  </a:cubicBezTo>
+                  <a:close/>
+                </a:path>
+              </a:pathLst>
+            </a:custGeom>
+            <a:solidFill>
+              <a:schemeClr val="tx2">
+                <a:alpha val="20000"/>
+              </a:schemeClr>
+            </a:solidFill>
+            <a:ln>
+              <a:noFill/>
+            </a:ln>
+          </p:spPr>
+        </p:sp>
+        <p:sp>
+          <p:nvSpPr>
+            <p:cNvPr id="28" name="Freeform 15"/>
+            <p:cNvSpPr/>
+            <p:nvPr/>
+          </p:nvSpPr>
+          <p:spPr bwMode="auto">
+            <a:xfrm>
+              <a:off x="2573338" y="2817813"/>
+              <a:ext cx="700088" cy="2835275"/>
+            </a:xfrm>
+            <a:custGeom>
+              <a:avLst/>
+              <a:gdLst/>
+              <a:ahLst/>
+              <a:cxnLst/>
+              <a:rect l="0" t="0" r="r" b="b"/>
+              <a:pathLst>
+                <a:path w="178" h="722">
+                  <a:moveTo>
+                    <a:pt x="162" y="660"/>
+                  </a:moveTo>
+                  <a:cubicBezTo>
+                    <a:pt x="145" y="618"/>
+                    <a:pt x="130" y="576"/>
+                    <a:pt x="116" y="534"/>
+                  </a:cubicBezTo>
+                  <a:cubicBezTo>
+                    <a:pt x="84" y="437"/>
+                    <a:pt x="59" y="337"/>
+                    <a:pt x="40" y="236"/>
+                  </a:cubicBezTo>
+                  <a:cubicBezTo>
+                    <a:pt x="29" y="175"/>
+                    <a:pt x="20" y="113"/>
+                    <a:pt x="12" y="51"/>
+                  </a:cubicBezTo>
+                  <a:cubicBezTo>
+                    <a:pt x="8" y="34"/>
+                    <a:pt x="4" y="17"/>
+                    <a:pt x="0" y="0"/>
+                  </a:cubicBezTo>
+                  <a:cubicBezTo>
+                    <a:pt x="8" y="79"/>
+                    <a:pt x="19" y="159"/>
+                    <a:pt x="33" y="237"/>
+                  </a:cubicBezTo>
+                  <a:cubicBezTo>
+                    <a:pt x="51" y="339"/>
+                    <a:pt x="76" y="439"/>
+                    <a:pt x="107" y="537"/>
+                  </a:cubicBezTo>
+                  <a:cubicBezTo>
+                    <a:pt x="123" y="586"/>
+                    <a:pt x="141" y="634"/>
+                    <a:pt x="160" y="681"/>
+                  </a:cubicBezTo>
+                  <a:cubicBezTo>
+                    <a:pt x="166" y="695"/>
+                    <a:pt x="172" y="708"/>
+                    <a:pt x="178" y="722"/>
+                  </a:cubicBezTo>
+                  <a:cubicBezTo>
+                    <a:pt x="176" y="717"/>
+                    <a:pt x="175" y="713"/>
+                    <a:pt x="174" y="708"/>
+                  </a:cubicBezTo>
+                  <a:cubicBezTo>
+                    <a:pt x="169" y="692"/>
+                    <a:pt x="165" y="676"/>
+                    <a:pt x="162" y="660"/>
+                  </a:cubicBezTo>
+                  <a:close/>
+                </a:path>
+              </a:pathLst>
+            </a:custGeom>
+            <a:solidFill>
+              <a:schemeClr val="tx2">
+                <a:alpha val="20000"/>
+              </a:schemeClr>
+            </a:solidFill>
+            <a:ln>
+              <a:noFill/>
+            </a:ln>
+          </p:spPr>
+        </p:sp>
+        <p:sp>
+          <p:nvSpPr>
+            <p:cNvPr id="29" name="Freeform 16"/>
+            <p:cNvSpPr/>
+            <p:nvPr/>
+          </p:nvSpPr>
+          <p:spPr bwMode="auto">
+            <a:xfrm>
+              <a:off x="2506663" y="285750"/>
+              <a:ext cx="90488" cy="2493963"/>
+            </a:xfrm>
+            <a:custGeom>
+              <a:avLst/>
+              <a:gdLst/>
+              <a:ahLst/>
+              <a:cxnLst/>
+              <a:rect l="0" t="0" r="r" b="b"/>
+              <a:pathLst>
+                <a:path w="23" h="635">
+                  <a:moveTo>
+                    <a:pt x="11" y="577"/>
+                  </a:moveTo>
+                  <a:cubicBezTo>
+                    <a:pt x="12" y="581"/>
+                    <a:pt x="12" y="585"/>
+                    <a:pt x="12" y="589"/>
+                  </a:cubicBezTo>
+                  <a:cubicBezTo>
+                    <a:pt x="15" y="603"/>
+                    <a:pt x="19" y="617"/>
+                    <a:pt x="22" y="632"/>
+                  </a:cubicBezTo>
+                  <a:cubicBezTo>
+                    <a:pt x="22" y="633"/>
+                    <a:pt x="22" y="634"/>
+                    <a:pt x="23" y="635"/>
+                  </a:cubicBezTo>
+                  <a:cubicBezTo>
+                    <a:pt x="21" y="615"/>
+                    <a:pt x="19" y="596"/>
+                    <a:pt x="17" y="576"/>
+                  </a:cubicBezTo>
+                  <a:cubicBezTo>
+                    <a:pt x="9" y="474"/>
+                    <a:pt x="5" y="372"/>
+                    <a:pt x="5" y="269"/>
+                  </a:cubicBezTo>
+                  <a:cubicBezTo>
+                    <a:pt x="6" y="179"/>
+                    <a:pt x="9" y="90"/>
+                    <a:pt x="15" y="0"/>
+                  </a:cubicBezTo>
+                  <a:cubicBezTo>
+                    <a:pt x="12" y="0"/>
+                    <a:pt x="12" y="0"/>
+                    <a:pt x="12" y="0"/>
+                  </a:cubicBezTo>
+                  <a:cubicBezTo>
+                    <a:pt x="5" y="89"/>
+                    <a:pt x="2" y="179"/>
+                    <a:pt x="1" y="269"/>
+                  </a:cubicBezTo>
+                  <a:cubicBezTo>
+                    <a:pt x="0" y="372"/>
+                    <a:pt x="3" y="474"/>
+                    <a:pt x="11" y="577"/>
+                  </a:cubicBezTo>
+                  <a:close/>
+                </a:path>
+              </a:pathLst>
+            </a:custGeom>
+            <a:solidFill>
+              <a:schemeClr val="tx2">
+                <a:alpha val="20000"/>
+              </a:schemeClr>
+            </a:solidFill>
+            <a:ln>
+              <a:noFill/>
+            </a:ln>
+          </p:spPr>
+        </p:sp>
+        <p:sp>
+          <p:nvSpPr>
+            <p:cNvPr id="30" name="Freeform 17"/>
+            <p:cNvSpPr/>
+            <p:nvPr/>
+          </p:nvSpPr>
+          <p:spPr bwMode="auto">
+            <a:xfrm>
+              <a:off x="2554288" y="2598738"/>
+              <a:ext cx="66675" cy="420688"/>
+            </a:xfrm>
+            <a:custGeom>
+              <a:avLst/>
+              <a:gdLst/>
+              <a:ahLst/>
+              <a:cxnLst/>
+              <a:rect l="0" t="0" r="r" b="b"/>
+              <a:pathLst>
+                <a:path w="17" h="107">
+                  <a:moveTo>
+                    <a:pt x="0" y="0"/>
+                  </a:moveTo>
+                  <a:cubicBezTo>
+                    <a:pt x="2" y="19"/>
+                    <a:pt x="3" y="37"/>
+                    <a:pt x="5" y="56"/>
+                  </a:cubicBezTo>
+                  <a:cubicBezTo>
+                    <a:pt x="9" y="73"/>
+                    <a:pt x="13" y="90"/>
+                    <a:pt x="17" y="107"/>
+                  </a:cubicBezTo>
+                  <a:cubicBezTo>
+                    <a:pt x="15" y="87"/>
+                    <a:pt x="13" y="66"/>
+                    <a:pt x="11" y="46"/>
+                  </a:cubicBezTo>
+                  <a:cubicBezTo>
+                    <a:pt x="10" y="45"/>
+                    <a:pt x="10" y="44"/>
+                    <a:pt x="10" y="43"/>
+                  </a:cubicBezTo>
+                  <a:cubicBezTo>
+                    <a:pt x="7" y="28"/>
+                    <a:pt x="3" y="14"/>
+                    <a:pt x="0" y="0"/>
+                  </a:cubicBezTo>
+                  <a:close/>
+                </a:path>
+              </a:pathLst>
+            </a:custGeom>
+            <a:solidFill>
+              <a:schemeClr val="tx2">
+                <a:alpha val="20000"/>
+              </a:schemeClr>
+            </a:solidFill>
+            <a:ln>
+              <a:noFill/>
+            </a:ln>
+          </p:spPr>
+        </p:sp>
+        <p:sp>
+          <p:nvSpPr>
+            <p:cNvPr id="31" name="Freeform 18"/>
+            <p:cNvSpPr/>
+            <p:nvPr/>
+          </p:nvSpPr>
+          <p:spPr bwMode="auto">
+            <a:xfrm>
+              <a:off x="3143251" y="4757738"/>
+              <a:ext cx="161925" cy="873125"/>
+            </a:xfrm>
+            <a:custGeom>
+              <a:avLst/>
+              <a:gdLst/>
+              <a:ahLst/>
+              <a:cxnLst/>
+              <a:rect l="0" t="0" r="r" b="b"/>
+              <a:pathLst>
+                <a:path w="41" h="222">
+                  <a:moveTo>
+                    <a:pt x="0" y="0"/>
+                  </a:moveTo>
+                  <a:cubicBezTo>
+                    <a:pt x="0" y="31"/>
+                    <a:pt x="2" y="62"/>
+                    <a:pt x="5" y="93"/>
+                  </a:cubicBezTo>
+                  <a:cubicBezTo>
+                    <a:pt x="8" y="117"/>
+                    <a:pt x="12" y="142"/>
+                    <a:pt x="17" y="166"/>
+                  </a:cubicBezTo>
+                  <a:cubicBezTo>
+                    <a:pt x="19" y="172"/>
+                    <a:pt x="22" y="178"/>
+                    <a:pt x="24" y="184"/>
+                  </a:cubicBezTo>
+                  <a:cubicBezTo>
+                    <a:pt x="30" y="197"/>
+                    <a:pt x="35" y="209"/>
+                    <a:pt x="41" y="222"/>
+                  </a:cubicBezTo>
+                  <a:cubicBezTo>
+                    <a:pt x="40" y="219"/>
+                    <a:pt x="39" y="215"/>
+                    <a:pt x="38" y="212"/>
+                  </a:cubicBezTo>
+                  <a:cubicBezTo>
+                    <a:pt x="26" y="172"/>
+                    <a:pt x="18" y="132"/>
+                    <a:pt x="13" y="92"/>
+                  </a:cubicBezTo>
+                  <a:cubicBezTo>
+                    <a:pt x="11" y="68"/>
+                    <a:pt x="9" y="45"/>
+                    <a:pt x="8" y="22"/>
+                  </a:cubicBezTo>
+                  <a:cubicBezTo>
+                    <a:pt x="8" y="21"/>
+                    <a:pt x="7" y="20"/>
+                    <a:pt x="7" y="18"/>
+                  </a:cubicBezTo>
+                  <a:cubicBezTo>
+                    <a:pt x="5" y="12"/>
+                    <a:pt x="2" y="6"/>
+                    <a:pt x="0" y="0"/>
+                  </a:cubicBezTo>
+                  <a:close/>
+                </a:path>
+              </a:pathLst>
+            </a:custGeom>
+            <a:solidFill>
+              <a:schemeClr val="tx2">
+                <a:alpha val="20000"/>
+              </a:schemeClr>
+            </a:solidFill>
+            <a:ln>
+              <a:noFill/>
+            </a:ln>
+          </p:spPr>
+        </p:sp>
+        <p:sp>
+          <p:nvSpPr>
+            <p:cNvPr id="32" name="Freeform 19"/>
+            <p:cNvSpPr/>
+            <p:nvPr/>
+          </p:nvSpPr>
+          <p:spPr bwMode="auto">
+            <a:xfrm>
+              <a:off x="3148013" y="1282700"/>
+              <a:ext cx="1768475" cy="3448050"/>
+            </a:xfrm>
+            <a:custGeom>
+              <a:avLst/>
+              <a:gdLst/>
+              <a:ahLst/>
+              <a:cxnLst/>
+              <a:rect l="0" t="0" r="r" b="b"/>
+              <a:pathLst>
+                <a:path w="450" h="878">
+                  <a:moveTo>
+                    <a:pt x="7" y="854"/>
+                  </a:moveTo>
+                  <a:cubicBezTo>
+                    <a:pt x="10" y="772"/>
+                    <a:pt x="26" y="691"/>
+                    <a:pt x="50" y="613"/>
+                  </a:cubicBezTo>
+                  <a:cubicBezTo>
+                    <a:pt x="75" y="535"/>
+                    <a:pt x="109" y="460"/>
+                    <a:pt x="149" y="388"/>
+                  </a:cubicBezTo>
+                  <a:cubicBezTo>
+                    <a:pt x="189" y="316"/>
+                    <a:pt x="235" y="248"/>
+                    <a:pt x="285" y="183"/>
+                  </a:cubicBezTo>
+                  <a:cubicBezTo>
+                    <a:pt x="310" y="151"/>
+                    <a:pt x="337" y="119"/>
+                    <a:pt x="364" y="89"/>
+                  </a:cubicBezTo>
+                  <a:cubicBezTo>
+                    <a:pt x="378" y="74"/>
+                    <a:pt x="392" y="58"/>
+                    <a:pt x="406" y="44"/>
+                  </a:cubicBezTo>
+                  <a:cubicBezTo>
+                    <a:pt x="421" y="29"/>
+                    <a:pt x="435" y="15"/>
+                    <a:pt x="450" y="1"/>
+                  </a:cubicBezTo>
+                  <a:cubicBezTo>
+                    <a:pt x="450" y="0"/>
+                    <a:pt x="450" y="0"/>
+                    <a:pt x="450" y="0"/>
+                  </a:cubicBezTo>
+                  <a:cubicBezTo>
+                    <a:pt x="434" y="14"/>
+                    <a:pt x="420" y="28"/>
+                    <a:pt x="405" y="43"/>
+                  </a:cubicBezTo>
+                  <a:cubicBezTo>
+                    <a:pt x="391" y="57"/>
+                    <a:pt x="377" y="72"/>
+                    <a:pt x="363" y="88"/>
+                  </a:cubicBezTo>
+                  <a:cubicBezTo>
+                    <a:pt x="335" y="118"/>
+                    <a:pt x="308" y="149"/>
+                    <a:pt x="283" y="181"/>
+                  </a:cubicBezTo>
+                  <a:cubicBezTo>
+                    <a:pt x="232" y="246"/>
+                    <a:pt x="185" y="314"/>
+                    <a:pt x="145" y="386"/>
+                  </a:cubicBezTo>
+                  <a:cubicBezTo>
+                    <a:pt x="104" y="457"/>
+                    <a:pt x="70" y="533"/>
+                    <a:pt x="45" y="611"/>
+                  </a:cubicBezTo>
+                  <a:cubicBezTo>
+                    <a:pt x="19" y="690"/>
+                    <a:pt x="3" y="771"/>
+                    <a:pt x="0" y="854"/>
+                  </a:cubicBezTo>
+                  <a:cubicBezTo>
+                    <a:pt x="0" y="856"/>
+                    <a:pt x="0" y="857"/>
+                    <a:pt x="0" y="859"/>
+                  </a:cubicBezTo>
+                  <a:cubicBezTo>
+                    <a:pt x="2" y="865"/>
+                    <a:pt x="4" y="872"/>
+                    <a:pt x="7" y="878"/>
+                  </a:cubicBezTo>
+                  <a:cubicBezTo>
+                    <a:pt x="7" y="870"/>
+                    <a:pt x="7" y="862"/>
+                    <a:pt x="7" y="854"/>
+                  </a:cubicBezTo>
+                  <a:close/>
+                </a:path>
+              </a:pathLst>
+            </a:custGeom>
+            <a:solidFill>
+              <a:schemeClr val="tx2">
+                <a:alpha val="20000"/>
+              </a:schemeClr>
+            </a:solidFill>
+            <a:ln>
+              <a:noFill/>
+            </a:ln>
+          </p:spPr>
+        </p:sp>
+        <p:sp>
+          <p:nvSpPr>
+            <p:cNvPr id="33" name="Freeform 20"/>
+            <p:cNvSpPr/>
+            <p:nvPr/>
+          </p:nvSpPr>
+          <p:spPr bwMode="auto">
+            <a:xfrm>
+              <a:off x="3273426" y="5653088"/>
+              <a:ext cx="138113" cy="287338"/>
+            </a:xfrm>
+            <a:custGeom>
+              <a:avLst/>
+              <a:gdLst/>
+              <a:ahLst/>
+              <a:cxnLst/>
+              <a:rect l="0" t="0" r="r" b="b"/>
+              <a:pathLst>
+                <a:path w="35" h="73">
+                  <a:moveTo>
+                    <a:pt x="0" y="0"/>
+                  </a:moveTo>
+                  <a:cubicBezTo>
+                    <a:pt x="7" y="24"/>
+                    <a:pt x="16" y="49"/>
+                    <a:pt x="26" y="73"/>
+                  </a:cubicBezTo>
+                  <a:cubicBezTo>
+                    <a:pt x="35" y="73"/>
+                    <a:pt x="35" y="73"/>
+                    <a:pt x="35" y="73"/>
+                  </a:cubicBezTo>
+                  <a:cubicBezTo>
+                    <a:pt x="23" y="49"/>
+                    <a:pt x="11" y="24"/>
+                    <a:pt x="0" y="0"/>
+                  </a:cubicBezTo>
+                  <a:close/>
+                </a:path>
+              </a:pathLst>
+            </a:custGeom>
+            <a:solidFill>
+              <a:schemeClr val="tx2">
+                <a:alpha val="20000"/>
+              </a:schemeClr>
+            </a:solidFill>
+            <a:ln>
+              <a:noFill/>
+            </a:ln>
+          </p:spPr>
+        </p:sp>
+        <p:sp>
+          <p:nvSpPr>
+            <p:cNvPr id="34" name="Freeform 21"/>
+            <p:cNvSpPr/>
+            <p:nvPr/>
+          </p:nvSpPr>
+          <p:spPr bwMode="auto">
+            <a:xfrm>
+              <a:off x="3143251" y="4656138"/>
+              <a:ext cx="31750" cy="188913"/>
+            </a:xfrm>
+            <a:custGeom>
+              <a:avLst/>
+              <a:gdLst/>
+              <a:ahLst/>
+              <a:cxnLst/>
+              <a:rect l="0" t="0" r="r" b="b"/>
+              <a:pathLst>
+                <a:path w="8" h="48">
+                  <a:moveTo>
+                    <a:pt x="7" y="44"/>
+                  </a:moveTo>
+                  <a:cubicBezTo>
+                    <a:pt x="7" y="46"/>
+                    <a:pt x="8" y="47"/>
+                    <a:pt x="8" y="48"/>
+                  </a:cubicBezTo>
+                  <a:cubicBezTo>
+                    <a:pt x="8" y="38"/>
+                    <a:pt x="8" y="29"/>
+                    <a:pt x="8" y="19"/>
+                  </a:cubicBezTo>
+                  <a:cubicBezTo>
+                    <a:pt x="5" y="13"/>
+                    <a:pt x="3" y="6"/>
+                    <a:pt x="1" y="0"/>
+                  </a:cubicBezTo>
+                  <a:cubicBezTo>
+                    <a:pt x="0" y="9"/>
+                    <a:pt x="0" y="17"/>
+                    <a:pt x="0" y="26"/>
+                  </a:cubicBezTo>
+                  <a:cubicBezTo>
+                    <a:pt x="2" y="32"/>
+                    <a:pt x="5" y="38"/>
+                    <a:pt x="7" y="44"/>
+                  </a:cubicBezTo>
+                  <a:close/>
+                </a:path>
+              </a:pathLst>
+            </a:custGeom>
+            <a:solidFill>
+              <a:schemeClr val="tx2">
+                <a:alpha val="20000"/>
+              </a:schemeClr>
+            </a:solidFill>
+            <a:ln>
+              <a:noFill/>
+            </a:ln>
+          </p:spPr>
+        </p:sp>
+        <p:sp>
+          <p:nvSpPr>
+            <p:cNvPr id="35" name="Freeform 22"/>
+            <p:cNvSpPr/>
+            <p:nvPr/>
+          </p:nvSpPr>
+          <p:spPr bwMode="auto">
+            <a:xfrm>
+              <a:off x="3211513" y="5410200"/>
+              <a:ext cx="203200" cy="530225"/>
+            </a:xfrm>
+            <a:custGeom>
+              <a:avLst/>
+              <a:gdLst/>
+              <a:ahLst/>
+              <a:cxnLst/>
+              <a:rect l="0" t="0" r="r" b="b"/>
+              <a:pathLst>
+                <a:path w="52" h="135">
+                  <a:moveTo>
+                    <a:pt x="7" y="18"/>
+                  </a:moveTo>
+                  <a:cubicBezTo>
+                    <a:pt x="5" y="12"/>
+                    <a:pt x="2" y="6"/>
+                    <a:pt x="0" y="0"/>
+                  </a:cubicBezTo>
+                  <a:cubicBezTo>
+                    <a:pt x="3" y="16"/>
+                    <a:pt x="7" y="32"/>
+                    <a:pt x="12" y="48"/>
+                  </a:cubicBezTo>
+                  <a:cubicBezTo>
+                    <a:pt x="13" y="53"/>
+                    <a:pt x="14" y="57"/>
+                    <a:pt x="16" y="62"/>
+                  </a:cubicBezTo>
+                  <a:cubicBezTo>
+                    <a:pt x="27" y="86"/>
+                    <a:pt x="39" y="111"/>
+                    <a:pt x="51" y="135"/>
+                  </a:cubicBezTo>
+                  <a:cubicBezTo>
+                    <a:pt x="52" y="135"/>
+                    <a:pt x="52" y="135"/>
+                    <a:pt x="52" y="135"/>
+                  </a:cubicBezTo>
+                  <a:cubicBezTo>
+                    <a:pt x="41" y="109"/>
+                    <a:pt x="32" y="83"/>
+                    <a:pt x="24" y="56"/>
+                  </a:cubicBezTo>
+                  <a:cubicBezTo>
+                    <a:pt x="18" y="43"/>
+                    <a:pt x="13" y="31"/>
+                    <a:pt x="7" y="18"/>
+                  </a:cubicBezTo>
+                  <a:close/>
+                </a:path>
+              </a:pathLst>
+            </a:custGeom>
+            <a:solidFill>
+              <a:schemeClr val="tx2">
+                <a:alpha val="20000"/>
+              </a:schemeClr>
+            </a:solidFill>
+            <a:ln>
+              <a:noFill/>
+            </a:ln>
+          </p:spPr>
+        </p:sp>
+      </p:grpSp>
+      <p:grpSp>
+        <p:nvGrpSpPr>
+          <p:cNvPr id="10" name="Group 9"/>
+          <p:cNvGrpSpPr/>
+          <p:nvPr/>
+        </p:nvGrpSpPr>
+        <p:grpSpPr>
+          <a:xfrm>
+            <a:off x="27221" y="-786"/>
+            <a:ext cx="2356674" cy="6854039"/>
+            <a:chOff x="6627813" y="194833"/>
+            <a:chExt cx="1952625" cy="5678918"/>
+          </a:xfrm>
+        </p:grpSpPr>
+        <p:sp>
+          <p:nvSpPr>
+            <p:cNvPr id="11" name="Freeform 27"/>
+            <p:cNvSpPr/>
+            <p:nvPr/>
+          </p:nvSpPr>
+          <p:spPr bwMode="auto">
+            <a:xfrm>
+              <a:off x="6627813" y="194833"/>
+              <a:ext cx="409575" cy="3646488"/>
+            </a:xfrm>
+            <a:custGeom>
+              <a:avLst/>
+              <a:gdLst/>
+              <a:ahLst/>
+              <a:cxnLst/>
+              <a:rect l="0" t="0" r="r" b="b"/>
+              <a:pathLst>
+                <a:path w="103" h="920">
+                  <a:moveTo>
+                    <a:pt x="7" y="210"/>
+                  </a:moveTo>
+                  <a:cubicBezTo>
+                    <a:pt x="11" y="288"/>
+                    <a:pt x="17" y="367"/>
+                    <a:pt x="26" y="445"/>
+                  </a:cubicBezTo>
+                  <a:cubicBezTo>
+                    <a:pt x="34" y="523"/>
+                    <a:pt x="44" y="601"/>
+                    <a:pt x="57" y="679"/>
+                  </a:cubicBezTo>
+                  <a:cubicBezTo>
+                    <a:pt x="69" y="757"/>
+                    <a:pt x="84" y="834"/>
+                    <a:pt x="101" y="911"/>
+                  </a:cubicBezTo>
+                  <a:cubicBezTo>
+                    <a:pt x="102" y="914"/>
+                    <a:pt x="103" y="917"/>
+                    <a:pt x="103" y="920"/>
+                  </a:cubicBezTo>
+                  <a:cubicBezTo>
+                    <a:pt x="102" y="905"/>
+                    <a:pt x="100" y="889"/>
+                    <a:pt x="99" y="874"/>
+                  </a:cubicBezTo>
+                  <a:cubicBezTo>
+                    <a:pt x="99" y="871"/>
+                    <a:pt x="99" y="868"/>
+                    <a:pt x="99" y="866"/>
+                  </a:cubicBezTo>
+                  <a:cubicBezTo>
+                    <a:pt x="85" y="803"/>
+                    <a:pt x="73" y="741"/>
+                    <a:pt x="63" y="678"/>
+                  </a:cubicBezTo>
+                  <a:cubicBezTo>
+                    <a:pt x="50" y="600"/>
+                    <a:pt x="39" y="523"/>
+                    <a:pt x="30" y="444"/>
+                  </a:cubicBezTo>
+                  <a:cubicBezTo>
+                    <a:pt x="21" y="366"/>
+                    <a:pt x="14" y="288"/>
+                    <a:pt x="9" y="209"/>
+                  </a:cubicBezTo>
+                  <a:cubicBezTo>
+                    <a:pt x="7" y="170"/>
+                    <a:pt x="5" y="131"/>
+                    <a:pt x="3" y="92"/>
+                  </a:cubicBezTo>
+                  <a:cubicBezTo>
+                    <a:pt x="2" y="61"/>
+                    <a:pt x="1" y="31"/>
+                    <a:pt x="1" y="0"/>
+                  </a:cubicBezTo>
+                  <a:cubicBezTo>
+                    <a:pt x="0" y="0"/>
+                    <a:pt x="0" y="0"/>
+                    <a:pt x="0" y="0"/>
+                  </a:cubicBezTo>
+                  <a:cubicBezTo>
+                    <a:pt x="0" y="31"/>
+                    <a:pt x="1" y="61"/>
+                    <a:pt x="1" y="92"/>
+                  </a:cubicBezTo>
+                  <a:cubicBezTo>
+                    <a:pt x="3" y="131"/>
+                    <a:pt x="4" y="170"/>
+                    <a:pt x="7" y="210"/>
+                  </a:cubicBezTo>
+                  <a:close/>
+                </a:path>
+              </a:pathLst>
+            </a:custGeom>
+            <a:solidFill>
+              <a:schemeClr val="tx2"/>
+            </a:solidFill>
+            <a:ln>
+              <a:noFill/>
+            </a:ln>
+          </p:spPr>
+        </p:sp>
+        <p:sp>
+          <p:nvSpPr>
+            <p:cNvPr id="12" name="Freeform 28"/>
+            <p:cNvSpPr/>
+            <p:nvPr/>
+          </p:nvSpPr>
+          <p:spPr bwMode="auto">
+            <a:xfrm>
+              <a:off x="7061201" y="3771900"/>
+              <a:ext cx="350838" cy="1309688"/>
+            </a:xfrm>
+            <a:custGeom>
+              <a:avLst/>
+              <a:gdLst/>
+              <a:ahLst/>
+              <a:cxnLst/>
+              <a:rect l="0" t="0" r="r" b="b"/>
+              <a:pathLst>
+                <a:path w="88" h="330">
+                  <a:moveTo>
+                    <a:pt x="53" y="229"/>
+                  </a:moveTo>
+                  <a:cubicBezTo>
+                    <a:pt x="64" y="263"/>
+                    <a:pt x="75" y="297"/>
+                    <a:pt x="88" y="330"/>
+                  </a:cubicBezTo>
+                  <a:cubicBezTo>
+                    <a:pt x="88" y="323"/>
+                    <a:pt x="88" y="315"/>
+                    <a:pt x="88" y="308"/>
+                  </a:cubicBezTo>
+                  <a:cubicBezTo>
+                    <a:pt x="88" y="307"/>
+                    <a:pt x="88" y="305"/>
+                    <a:pt x="88" y="304"/>
+                  </a:cubicBezTo>
+                  <a:cubicBezTo>
+                    <a:pt x="79" y="278"/>
+                    <a:pt x="70" y="252"/>
+                    <a:pt x="62" y="226"/>
+                  </a:cubicBezTo>
+                  <a:cubicBezTo>
+                    <a:pt x="38" y="152"/>
+                    <a:pt x="17" y="76"/>
+                    <a:pt x="0" y="0"/>
+                  </a:cubicBezTo>
+                  <a:cubicBezTo>
+                    <a:pt x="2" y="21"/>
+                    <a:pt x="4" y="42"/>
+                    <a:pt x="7" y="63"/>
+                  </a:cubicBezTo>
+                  <a:cubicBezTo>
+                    <a:pt x="21" y="119"/>
+                    <a:pt x="36" y="174"/>
+                    <a:pt x="53" y="229"/>
+                  </a:cubicBezTo>
+                  <a:close/>
+                </a:path>
+              </a:pathLst>
+            </a:custGeom>
+            <a:solidFill>
+              <a:schemeClr val="tx2"/>
+            </a:solidFill>
+            <a:ln>
+              <a:noFill/>
+            </a:ln>
+          </p:spPr>
+        </p:sp>
+        <p:sp>
+          <p:nvSpPr>
+            <p:cNvPr id="13" name="Freeform 29"/>
+            <p:cNvSpPr/>
+            <p:nvPr/>
+          </p:nvSpPr>
+          <p:spPr bwMode="auto">
+            <a:xfrm>
+              <a:off x="7439026" y="5053013"/>
+              <a:ext cx="357188" cy="820738"/>
+            </a:xfrm>
+            <a:custGeom>
+              <a:avLst/>
+              <a:gdLst/>
+              <a:ahLst/>
+              <a:cxnLst/>
+              <a:rect l="0" t="0" r="r" b="b"/>
+              <a:pathLst>
+                <a:path w="90" h="207">
+                  <a:moveTo>
+                    <a:pt x="6" y="15"/>
+                  </a:moveTo>
+                  <a:cubicBezTo>
+                    <a:pt x="4" y="10"/>
+                    <a:pt x="2" y="5"/>
+                    <a:pt x="0" y="0"/>
+                  </a:cubicBezTo>
+                  <a:cubicBezTo>
+                    <a:pt x="0" y="9"/>
+                    <a:pt x="0" y="19"/>
+                    <a:pt x="1" y="29"/>
+                  </a:cubicBezTo>
+                  <a:cubicBezTo>
+                    <a:pt x="14" y="62"/>
+                    <a:pt x="27" y="95"/>
+                    <a:pt x="42" y="127"/>
+                  </a:cubicBezTo>
+                  <a:cubicBezTo>
+                    <a:pt x="54" y="154"/>
+                    <a:pt x="67" y="181"/>
+                    <a:pt x="80" y="207"/>
+                  </a:cubicBezTo>
+                  <a:cubicBezTo>
+                    <a:pt x="90" y="207"/>
+                    <a:pt x="90" y="207"/>
+                    <a:pt x="90" y="207"/>
+                  </a:cubicBezTo>
+                  <a:cubicBezTo>
+                    <a:pt x="76" y="180"/>
+                    <a:pt x="63" y="152"/>
+                    <a:pt x="50" y="123"/>
+                  </a:cubicBezTo>
+                  <a:cubicBezTo>
+                    <a:pt x="34" y="88"/>
+                    <a:pt x="20" y="51"/>
+                    <a:pt x="6" y="15"/>
+                  </a:cubicBezTo>
+                  <a:close/>
+                </a:path>
+              </a:pathLst>
+            </a:custGeom>
+            <a:solidFill>
+              <a:schemeClr val="tx2"/>
+            </a:solidFill>
+            <a:ln>
+              <a:noFill/>
+            </a:ln>
+          </p:spPr>
+        </p:sp>
+        <p:sp>
+          <p:nvSpPr>
+            <p:cNvPr id="14" name="Freeform 30"/>
+            <p:cNvSpPr/>
+            <p:nvPr/>
+          </p:nvSpPr>
+          <p:spPr bwMode="auto">
+            <a:xfrm>
+              <a:off x="7037388" y="3811588"/>
+              <a:ext cx="457200" cy="1852613"/>
+            </a:xfrm>
+            <a:custGeom>
+              <a:avLst/>
+              <a:gdLst/>
+              <a:ahLst/>
+              <a:cxnLst/>
+              <a:rect l="0" t="0" r="r" b="b"/>
+              <a:pathLst>
+                <a:path w="115" h="467">
+                  <a:moveTo>
+                    <a:pt x="101" y="409"/>
+                  </a:moveTo>
+                  <a:cubicBezTo>
+                    <a:pt x="93" y="388"/>
+                    <a:pt x="85" y="366"/>
+                    <a:pt x="78" y="344"/>
+                  </a:cubicBezTo>
+                  <a:cubicBezTo>
+                    <a:pt x="57" y="281"/>
+                    <a:pt x="41" y="216"/>
+                    <a:pt x="29" y="151"/>
+                  </a:cubicBezTo>
+                  <a:cubicBezTo>
+                    <a:pt x="22" y="119"/>
+                    <a:pt x="17" y="86"/>
+                    <a:pt x="13" y="53"/>
+                  </a:cubicBezTo>
+                  <a:cubicBezTo>
+                    <a:pt x="9" y="35"/>
+                    <a:pt x="4" y="18"/>
+                    <a:pt x="0" y="0"/>
+                  </a:cubicBezTo>
+                  <a:cubicBezTo>
+                    <a:pt x="5" y="51"/>
+                    <a:pt x="12" y="102"/>
+                    <a:pt x="21" y="152"/>
+                  </a:cubicBezTo>
+                  <a:cubicBezTo>
+                    <a:pt x="33" y="218"/>
+                    <a:pt x="49" y="283"/>
+                    <a:pt x="69" y="347"/>
+                  </a:cubicBezTo>
+                  <a:cubicBezTo>
+                    <a:pt x="79" y="378"/>
+                    <a:pt x="90" y="410"/>
+                    <a:pt x="103" y="441"/>
+                  </a:cubicBezTo>
+                  <a:cubicBezTo>
+                    <a:pt x="107" y="449"/>
+                    <a:pt x="111" y="458"/>
+                    <a:pt x="115" y="467"/>
+                  </a:cubicBezTo>
+                  <a:cubicBezTo>
+                    <a:pt x="114" y="464"/>
+                    <a:pt x="113" y="461"/>
+                    <a:pt x="112" y="458"/>
+                  </a:cubicBezTo>
+                  <a:cubicBezTo>
+                    <a:pt x="108" y="442"/>
+                    <a:pt x="104" y="425"/>
+                    <a:pt x="101" y="409"/>
+                  </a:cubicBezTo>
+                  <a:close/>
+                </a:path>
+              </a:pathLst>
+            </a:custGeom>
+            <a:solidFill>
+              <a:schemeClr val="tx2"/>
+            </a:solidFill>
+            <a:ln>
+              <a:noFill/>
+            </a:ln>
+          </p:spPr>
+        </p:sp>
+        <p:sp>
+          <p:nvSpPr>
+            <p:cNvPr id="15" name="Freeform 31"/>
+            <p:cNvSpPr/>
+            <p:nvPr/>
+          </p:nvSpPr>
+          <p:spPr bwMode="auto">
+            <a:xfrm>
+              <a:off x="6992938" y="1263650"/>
+              <a:ext cx="144463" cy="2508250"/>
+            </a:xfrm>
+            <a:custGeom>
+              <a:avLst/>
+              <a:gdLst/>
+              <a:ahLst/>
+              <a:cxnLst/>
+              <a:rect l="0" t="0" r="r" b="b"/>
+              <a:pathLst>
+                <a:path w="36" h="633">
+                  <a:moveTo>
+                    <a:pt x="17" y="633"/>
+                  </a:moveTo>
+                  <a:cubicBezTo>
+                    <a:pt x="15" y="621"/>
+                    <a:pt x="14" y="609"/>
+                    <a:pt x="13" y="597"/>
+                  </a:cubicBezTo>
+                  <a:cubicBezTo>
+                    <a:pt x="8" y="530"/>
+                    <a:pt x="5" y="464"/>
+                    <a:pt x="5" y="398"/>
+                  </a:cubicBezTo>
+                  <a:cubicBezTo>
+                    <a:pt x="5" y="331"/>
+                    <a:pt x="8" y="265"/>
+                    <a:pt x="13" y="198"/>
+                  </a:cubicBezTo>
+                  <a:cubicBezTo>
+                    <a:pt x="15" y="165"/>
+                    <a:pt x="18" y="132"/>
+                    <a:pt x="22" y="99"/>
+                  </a:cubicBezTo>
+                  <a:cubicBezTo>
+                    <a:pt x="26" y="66"/>
+                    <a:pt x="30" y="33"/>
+                    <a:pt x="36" y="0"/>
+                  </a:cubicBezTo>
+                  <a:cubicBezTo>
+                    <a:pt x="35" y="0"/>
+                    <a:pt x="35" y="0"/>
+                    <a:pt x="35" y="0"/>
+                  </a:cubicBezTo>
+                  <a:cubicBezTo>
+                    <a:pt x="29" y="33"/>
+                    <a:pt x="24" y="66"/>
+                    <a:pt x="20" y="99"/>
+                  </a:cubicBezTo>
+                  <a:cubicBezTo>
+                    <a:pt x="16" y="132"/>
+                    <a:pt x="13" y="165"/>
+                    <a:pt x="10" y="198"/>
+                  </a:cubicBezTo>
+                  <a:cubicBezTo>
+                    <a:pt x="4" y="264"/>
+                    <a:pt x="1" y="331"/>
+                    <a:pt x="1" y="398"/>
+                  </a:cubicBezTo>
+                  <a:cubicBezTo>
+                    <a:pt x="0" y="461"/>
+                    <a:pt x="2" y="525"/>
+                    <a:pt x="7" y="589"/>
+                  </a:cubicBezTo>
+                  <a:cubicBezTo>
+                    <a:pt x="10" y="603"/>
+                    <a:pt x="13" y="618"/>
+                    <a:pt x="16" y="632"/>
+                  </a:cubicBezTo>
+                  <a:cubicBezTo>
+                    <a:pt x="16" y="632"/>
+                    <a:pt x="17" y="633"/>
+                    <a:pt x="17" y="633"/>
+                  </a:cubicBezTo>
+                  <a:close/>
+                </a:path>
+              </a:pathLst>
+            </a:custGeom>
+            <a:solidFill>
+              <a:schemeClr val="tx2"/>
+            </a:solidFill>
+            <a:ln>
+              <a:noFill/>
+            </a:ln>
+          </p:spPr>
+        </p:sp>
+        <p:sp>
+          <p:nvSpPr>
+            <p:cNvPr id="16" name="Freeform 32"/>
+            <p:cNvSpPr/>
+            <p:nvPr/>
+          </p:nvSpPr>
+          <p:spPr bwMode="auto">
+            <a:xfrm>
+              <a:off x="7526338" y="5640388"/>
+              <a:ext cx="111125" cy="233363"/>
+            </a:xfrm>
+            <a:custGeom>
+              <a:avLst/>
+              <a:gdLst/>
+              <a:ahLst/>
+              <a:cxnLst/>
+              <a:rect l="0" t="0" r="r" b="b"/>
+              <a:pathLst>
+                <a:path w="28" h="59">
+                  <a:moveTo>
+                    <a:pt x="22" y="59"/>
+                  </a:moveTo>
+                  <a:cubicBezTo>
+                    <a:pt x="28" y="59"/>
+                    <a:pt x="28" y="59"/>
+                    <a:pt x="28" y="59"/>
+                  </a:cubicBezTo>
+                  <a:cubicBezTo>
+                    <a:pt x="18" y="40"/>
+                    <a:pt x="9" y="20"/>
+                    <a:pt x="0" y="0"/>
+                  </a:cubicBezTo>
+                  <a:cubicBezTo>
+                    <a:pt x="6" y="20"/>
+                    <a:pt x="13" y="40"/>
+                    <a:pt x="22" y="59"/>
+                  </a:cubicBezTo>
+                  <a:close/>
+                </a:path>
+              </a:pathLst>
+            </a:custGeom>
+            <a:solidFill>
+              <a:schemeClr val="tx2"/>
+            </a:solidFill>
+            <a:ln>
+              <a:noFill/>
+            </a:ln>
+          </p:spPr>
+        </p:sp>
+        <p:sp>
+          <p:nvSpPr>
+            <p:cNvPr id="17" name="Freeform 33"/>
+            <p:cNvSpPr/>
+            <p:nvPr/>
+          </p:nvSpPr>
+          <p:spPr bwMode="auto">
+            <a:xfrm>
+              <a:off x="7021513" y="3598863"/>
+              <a:ext cx="68263" cy="423863"/>
+            </a:xfrm>
+            <a:custGeom>
+              <a:avLst/>
+              <a:gdLst/>
+              <a:ahLst/>
+              <a:cxnLst/>
+              <a:rect l="0" t="0" r="r" b="b"/>
+              <a:pathLst>
+                <a:path w="17" h="107">
+                  <a:moveTo>
+                    <a:pt x="4" y="54"/>
+                  </a:moveTo>
+                  <a:cubicBezTo>
+                    <a:pt x="8" y="72"/>
+                    <a:pt x="13" y="89"/>
+                    <a:pt x="17" y="107"/>
+                  </a:cubicBezTo>
+                  <a:cubicBezTo>
+                    <a:pt x="14" y="86"/>
+                    <a:pt x="12" y="65"/>
+                    <a:pt x="10" y="44"/>
+                  </a:cubicBezTo>
+                  <a:cubicBezTo>
+                    <a:pt x="10" y="44"/>
+                    <a:pt x="9" y="43"/>
+                    <a:pt x="9" y="43"/>
+                  </a:cubicBezTo>
+                  <a:cubicBezTo>
+                    <a:pt x="6" y="29"/>
+                    <a:pt x="3" y="14"/>
+                    <a:pt x="0" y="0"/>
+                  </a:cubicBezTo>
+                  <a:cubicBezTo>
+                    <a:pt x="0" y="2"/>
+                    <a:pt x="0" y="5"/>
+                    <a:pt x="0" y="8"/>
+                  </a:cubicBezTo>
+                  <a:cubicBezTo>
+                    <a:pt x="1" y="23"/>
+                    <a:pt x="3" y="39"/>
+                    <a:pt x="4" y="54"/>
+                  </a:cubicBezTo>
+                  <a:close/>
+                </a:path>
+              </a:pathLst>
+            </a:custGeom>
+            <a:solidFill>
+              <a:schemeClr val="tx2"/>
+            </a:solidFill>
+            <a:ln>
+              <a:noFill/>
+            </a:ln>
+          </p:spPr>
+        </p:sp>
+        <p:sp>
+          <p:nvSpPr>
+            <p:cNvPr id="18" name="Freeform 34"/>
+            <p:cNvSpPr/>
+            <p:nvPr/>
+          </p:nvSpPr>
+          <p:spPr bwMode="auto">
+            <a:xfrm>
+              <a:off x="7412038" y="2801938"/>
+              <a:ext cx="1168400" cy="2251075"/>
+            </a:xfrm>
+            <a:custGeom>
+              <a:avLst/>
+              <a:gdLst/>
+              <a:ahLst/>
+              <a:cxnLst/>
+              <a:rect l="0" t="0" r="r" b="b"/>
+              <a:pathLst>
+                <a:path w="294" h="568">
+                  <a:moveTo>
+                    <a:pt x="8" y="553"/>
+                  </a:moveTo>
+                  <a:cubicBezTo>
+                    <a:pt x="9" y="501"/>
+                    <a:pt x="19" y="448"/>
+                    <a:pt x="35" y="397"/>
+                  </a:cubicBezTo>
+                  <a:cubicBezTo>
+                    <a:pt x="51" y="347"/>
+                    <a:pt x="73" y="298"/>
+                    <a:pt x="99" y="252"/>
+                  </a:cubicBezTo>
+                  <a:cubicBezTo>
+                    <a:pt x="124" y="205"/>
+                    <a:pt x="154" y="161"/>
+                    <a:pt x="187" y="119"/>
+                  </a:cubicBezTo>
+                  <a:cubicBezTo>
+                    <a:pt x="203" y="98"/>
+                    <a:pt x="220" y="77"/>
+                    <a:pt x="238" y="58"/>
+                  </a:cubicBezTo>
+                  <a:cubicBezTo>
+                    <a:pt x="247" y="48"/>
+                    <a:pt x="256" y="38"/>
+                    <a:pt x="265" y="28"/>
+                  </a:cubicBezTo>
+                  <a:cubicBezTo>
+                    <a:pt x="274" y="19"/>
+                    <a:pt x="284" y="9"/>
+                    <a:pt x="294" y="0"/>
+                  </a:cubicBezTo>
+                  <a:cubicBezTo>
+                    <a:pt x="293" y="0"/>
+                    <a:pt x="293" y="0"/>
+                    <a:pt x="293" y="0"/>
+                  </a:cubicBezTo>
+                  <a:cubicBezTo>
+                    <a:pt x="283" y="9"/>
+                    <a:pt x="273" y="18"/>
+                    <a:pt x="264" y="27"/>
+                  </a:cubicBezTo>
+                  <a:cubicBezTo>
+                    <a:pt x="255" y="37"/>
+                    <a:pt x="246" y="47"/>
+                    <a:pt x="237" y="56"/>
+                  </a:cubicBezTo>
+                  <a:cubicBezTo>
+                    <a:pt x="218" y="76"/>
+                    <a:pt x="201" y="96"/>
+                    <a:pt x="185" y="117"/>
+                  </a:cubicBezTo>
+                  <a:cubicBezTo>
+                    <a:pt x="151" y="159"/>
+                    <a:pt x="121" y="203"/>
+                    <a:pt x="95" y="249"/>
+                  </a:cubicBezTo>
+                  <a:cubicBezTo>
+                    <a:pt x="68" y="296"/>
+                    <a:pt x="46" y="345"/>
+                    <a:pt x="30" y="396"/>
+                  </a:cubicBezTo>
+                  <a:cubicBezTo>
+                    <a:pt x="13" y="445"/>
+                    <a:pt x="3" y="497"/>
+                    <a:pt x="0" y="549"/>
+                  </a:cubicBezTo>
+                  <a:cubicBezTo>
+                    <a:pt x="3" y="555"/>
+                    <a:pt x="5" y="561"/>
+                    <a:pt x="7" y="568"/>
+                  </a:cubicBezTo>
+                  <a:cubicBezTo>
+                    <a:pt x="7" y="563"/>
+                    <a:pt x="7" y="558"/>
+                    <a:pt x="8" y="553"/>
+                  </a:cubicBezTo>
+                  <a:close/>
+                </a:path>
+              </a:pathLst>
+            </a:custGeom>
+            <a:solidFill>
+              <a:schemeClr val="tx2"/>
+            </a:solidFill>
+            <a:ln>
+              <a:noFill/>
+            </a:ln>
+          </p:spPr>
+        </p:sp>
+        <p:sp>
+          <p:nvSpPr>
+            <p:cNvPr id="19" name="Freeform 35"/>
+            <p:cNvSpPr/>
+            <p:nvPr/>
+          </p:nvSpPr>
+          <p:spPr bwMode="auto">
+            <a:xfrm>
+              <a:off x="7494588" y="5664200"/>
+              <a:ext cx="100013" cy="209550"/>
+            </a:xfrm>
+            <a:custGeom>
+              <a:avLst/>
+              <a:gdLst/>
+              <a:ahLst/>
+              <a:cxnLst/>
+              <a:rect l="0" t="0" r="r" b="b"/>
+              <a:pathLst>
+                <a:path w="25" h="53">
+                  <a:moveTo>
+                    <a:pt x="0" y="0"/>
+                  </a:moveTo>
+                  <a:cubicBezTo>
+                    <a:pt x="5" y="18"/>
+                    <a:pt x="12" y="36"/>
+                    <a:pt x="19" y="53"/>
+                  </a:cubicBezTo>
+                  <a:cubicBezTo>
+                    <a:pt x="25" y="53"/>
+                    <a:pt x="25" y="53"/>
+                    <a:pt x="25" y="53"/>
+                  </a:cubicBezTo>
+                  <a:cubicBezTo>
+                    <a:pt x="16" y="36"/>
+                    <a:pt x="8" y="18"/>
+                    <a:pt x="0" y="0"/>
+                  </a:cubicBezTo>
+                  <a:close/>
+                </a:path>
+              </a:pathLst>
+            </a:custGeom>
+            <a:solidFill>
+              <a:schemeClr val="tx2"/>
+            </a:solidFill>
+            <a:ln>
+              <a:noFill/>
+            </a:ln>
+          </p:spPr>
+        </p:sp>
+        <p:sp>
+          <p:nvSpPr>
+            <p:cNvPr id="20" name="Freeform 36"/>
+            <p:cNvSpPr/>
+            <p:nvPr/>
+          </p:nvSpPr>
+          <p:spPr bwMode="auto">
+            <a:xfrm>
+              <a:off x="7412038" y="5081588"/>
+              <a:ext cx="114300" cy="558800"/>
+            </a:xfrm>
+            <a:custGeom>
+              <a:avLst/>
+              <a:gdLst/>
+              <a:ahLst/>
+              <a:cxnLst/>
+              <a:rect l="0" t="0" r="r" b="b"/>
+              <a:pathLst>
+                <a:path w="29" h="141">
+                  <a:moveTo>
+                    <a:pt x="0" y="0"/>
+                  </a:moveTo>
+                  <a:cubicBezTo>
+                    <a:pt x="0" y="30"/>
+                    <a:pt x="2" y="60"/>
+                    <a:pt x="7" y="89"/>
+                  </a:cubicBezTo>
+                  <a:cubicBezTo>
+                    <a:pt x="11" y="98"/>
+                    <a:pt x="14" y="108"/>
+                    <a:pt x="18" y="117"/>
+                  </a:cubicBezTo>
+                  <a:cubicBezTo>
+                    <a:pt x="22" y="125"/>
+                    <a:pt x="25" y="133"/>
+                    <a:pt x="29" y="141"/>
+                  </a:cubicBezTo>
+                  <a:cubicBezTo>
+                    <a:pt x="28" y="139"/>
+                    <a:pt x="28" y="137"/>
+                    <a:pt x="27" y="135"/>
+                  </a:cubicBezTo>
+                  <a:cubicBezTo>
+                    <a:pt x="16" y="98"/>
+                    <a:pt x="10" y="60"/>
+                    <a:pt x="8" y="22"/>
+                  </a:cubicBezTo>
+                  <a:cubicBezTo>
+                    <a:pt x="7" y="18"/>
+                    <a:pt x="5" y="15"/>
+                    <a:pt x="4" y="11"/>
+                  </a:cubicBezTo>
+                  <a:cubicBezTo>
+                    <a:pt x="2" y="7"/>
+                    <a:pt x="1" y="3"/>
+                    <a:pt x="0" y="0"/>
+                  </a:cubicBezTo>
+                  <a:close/>
+                </a:path>
+              </a:pathLst>
+            </a:custGeom>
+            <a:solidFill>
+              <a:schemeClr val="tx2"/>
+            </a:solidFill>
+            <a:ln>
+              <a:noFill/>
+            </a:ln>
+          </p:spPr>
+        </p:sp>
+        <p:sp>
+          <p:nvSpPr>
+            <p:cNvPr id="21" name="Freeform 37"/>
+            <p:cNvSpPr/>
+            <p:nvPr/>
+          </p:nvSpPr>
+          <p:spPr bwMode="auto">
+            <a:xfrm>
+              <a:off x="7412038" y="4978400"/>
+              <a:ext cx="31750" cy="188913"/>
+            </a:xfrm>
+            <a:custGeom>
+              <a:avLst/>
+              <a:gdLst/>
+              <a:ahLst/>
+              <a:cxnLst/>
+              <a:rect l="0" t="0" r="r" b="b"/>
+              <a:pathLst>
+                <a:path w="8" h="48">
+                  <a:moveTo>
+                    <a:pt x="0" y="26"/>
+                  </a:moveTo>
+                  <a:cubicBezTo>
+                    <a:pt x="1" y="29"/>
+                    <a:pt x="2" y="33"/>
+                    <a:pt x="4" y="37"/>
+                  </a:cubicBezTo>
+                  <a:cubicBezTo>
+                    <a:pt x="5" y="41"/>
+                    <a:pt x="7" y="44"/>
+                    <a:pt x="8" y="48"/>
+                  </a:cubicBezTo>
+                  <a:cubicBezTo>
+                    <a:pt x="7" y="38"/>
+                    <a:pt x="7" y="28"/>
+                    <a:pt x="7" y="19"/>
+                  </a:cubicBezTo>
+                  <a:cubicBezTo>
+                    <a:pt x="5" y="12"/>
+                    <a:pt x="3" y="6"/>
+                    <a:pt x="0" y="0"/>
+                  </a:cubicBezTo>
+                  <a:cubicBezTo>
+                    <a:pt x="0" y="1"/>
+                    <a:pt x="0" y="3"/>
+                    <a:pt x="0" y="4"/>
+                  </a:cubicBezTo>
+                  <a:cubicBezTo>
+                    <a:pt x="0" y="11"/>
+                    <a:pt x="0" y="19"/>
+                    <a:pt x="0" y="26"/>
+                  </a:cubicBezTo>
+                  <a:close/>
+                </a:path>
+              </a:pathLst>
+            </a:custGeom>
+            <a:solidFill>
+              <a:schemeClr val="tx2"/>
+            </a:solidFill>
+            <a:ln>
+              <a:noFill/>
+            </a:ln>
+          </p:spPr>
+        </p:sp>
+        <p:sp>
+          <p:nvSpPr>
+            <p:cNvPr id="22" name="Freeform 38"/>
+            <p:cNvSpPr/>
+            <p:nvPr/>
+          </p:nvSpPr>
+          <p:spPr bwMode="auto">
+            <a:xfrm>
+              <a:off x="7439026" y="5434013"/>
+              <a:ext cx="174625" cy="439738"/>
+            </a:xfrm>
+            <a:custGeom>
+              <a:avLst/>
+              <a:gdLst/>
+              <a:ahLst/>
+              <a:cxnLst/>
+              <a:rect l="0" t="0" r="r" b="b"/>
+              <a:pathLst>
+                <a:path w="44" h="111">
+                  <a:moveTo>
+                    <a:pt x="11" y="28"/>
+                  </a:moveTo>
+                  <a:cubicBezTo>
+                    <a:pt x="7" y="19"/>
+                    <a:pt x="4" y="9"/>
+                    <a:pt x="0" y="0"/>
+                  </a:cubicBezTo>
+                  <a:cubicBezTo>
+                    <a:pt x="3" y="16"/>
+                    <a:pt x="7" y="33"/>
+                    <a:pt x="11" y="49"/>
+                  </a:cubicBezTo>
+                  <a:cubicBezTo>
+                    <a:pt x="12" y="52"/>
+                    <a:pt x="13" y="55"/>
+                    <a:pt x="14" y="58"/>
+                  </a:cubicBezTo>
+                  <a:cubicBezTo>
+                    <a:pt x="22" y="76"/>
+                    <a:pt x="30" y="94"/>
+                    <a:pt x="39" y="111"/>
+                  </a:cubicBezTo>
+                  <a:cubicBezTo>
+                    <a:pt x="44" y="111"/>
+                    <a:pt x="44" y="111"/>
+                    <a:pt x="44" y="111"/>
+                  </a:cubicBezTo>
+                  <a:cubicBezTo>
+                    <a:pt x="35" y="92"/>
+                    <a:pt x="28" y="72"/>
+                    <a:pt x="22" y="52"/>
+                  </a:cubicBezTo>
+                  <a:cubicBezTo>
+                    <a:pt x="18" y="44"/>
+                    <a:pt x="15" y="36"/>
+                    <a:pt x="11" y="28"/>
+                  </a:cubicBezTo>
+                  <a:close/>
+                </a:path>
+              </a:pathLst>
+            </a:custGeom>
+            <a:solidFill>
+              <a:schemeClr val="tx2"/>
+            </a:solidFill>
+            <a:ln>
+              <a:noFill/>
+            </a:ln>
+          </p:spPr>
+        </p:sp>
+      </p:grpSp>
+      <p:sp>
+        <p:nvSpPr>
+          <p:cNvPr id="7" name="Rectangle 6"/>
+          <p:cNvSpPr/>
+          <p:nvPr/>
         </p:nvSpPr>
         <p:spPr>
           <a:xfrm>
-            <a:off x="838200" y="365125"/>
-            <a:ext cx="10515600" cy="1325563"/>
+            <a:off x="0" y="0"/>
+            <a:ext cx="182880" cy="6858000"/>
+          </a:xfrm>
+          <a:prstGeom prst="rect">
+            <a:avLst/>
+          </a:prstGeom>
+          <a:solidFill>
+            <a:schemeClr val="tx2"/>
+          </a:solidFill>
+          <a:ln>
+            <a:noFill/>
+          </a:ln>
+          <a:effectLst/>
+        </p:spPr>
+        <p:style>
+          <a:lnRef idx="1">
+            <a:schemeClr val="accent1"/>
+          </a:lnRef>
+          <a:fillRef idx="3">
+            <a:schemeClr val="accent1"/>
+          </a:fillRef>
+          <a:effectRef idx="2">
+            <a:schemeClr val="accent1"/>
+          </a:effectRef>
+          <a:fontRef idx="minor">
+            <a:schemeClr val="lt1"/>
+          </a:fontRef>
+        </p:style>
+      </p:sp>
+      <p:sp>
+        <p:nvSpPr>
+          <p:cNvPr id="2" name="Title Placeholder 1"/>
+          <p:cNvSpPr>
+            <a:spLocks noGrp="1"/>
+          </p:cNvSpPr>
+          <p:nvPr>
+            <p:ph type="title"/>
+          </p:nvPr>
+        </p:nvSpPr>
+        <p:spPr>
+          <a:xfrm>
+            <a:off x="2592924" y="624110"/>
+            <a:ext cx="8911687" cy="1280890"/>
           </a:xfrm>
           <a:prstGeom prst="rect">
             <a:avLst/>
           </a:prstGeom>
         </p:spPr>
         <p:txBody>
-          <a:bodyPr vert="horz" lIns="91440" tIns="45720" rIns="91440" bIns="45720" rtlCol="0" anchor="ctr">
+          <a:bodyPr vert="horz" lIns="91440" tIns="45720" rIns="91440" bIns="45720" rtlCol="0" anchor="t">
             <a:normAutofit/>
           </a:bodyPr>
           <a:lstStyle/>
@@ -2458,13 +7007,13 @@
               <a:rPr lang="zh-CN" altLang="en-US" smtClean="0"/>
               <a:t>单击此处编辑母版标题样式</a:t>
             </a:r>
-            <a:endParaRPr lang="zh-CN" altLang="en-US"/>
-          </a:p>
-        </p:txBody>
-      </p:sp>
-      <p:sp>
-        <p:nvSpPr>
-          <p:cNvPr id="3" name="文本占位符 2"/>
+            <a:endParaRPr lang="en-US" dirty="0"/>
+          </a:p>
+        </p:txBody>
+      </p:sp>
+      <p:sp>
+        <p:nvSpPr>
+          <p:cNvPr id="3" name="Text Placeholder 2"/>
           <p:cNvSpPr>
             <a:spLocks noGrp="1"/>
           </p:cNvSpPr>
@@ -2474,8 +7023,8 @@
         </p:nvSpPr>
         <p:spPr>
           <a:xfrm>
-            <a:off x="838200" y="1825625"/>
-            <a:ext cx="10515600" cy="4351338"/>
+            <a:off x="2589212" y="2133600"/>
+            <a:ext cx="8915400" cy="3886200"/>
           </a:xfrm>
           <a:prstGeom prst="rect">
             <a:avLst/>
@@ -2520,13 +7069,13 @@
               <a:rPr lang="zh-CN" altLang="en-US" smtClean="0"/>
               <a:t>第五级</a:t>
             </a:r>
-            <a:endParaRPr lang="zh-CN" altLang="en-US"/>
-          </a:p>
-        </p:txBody>
-      </p:sp>
-      <p:sp>
-        <p:nvSpPr>
-          <p:cNvPr id="4" name="日期占位符 3"/>
+            <a:endParaRPr lang="en-US" dirty="0"/>
+          </a:p>
+        </p:txBody>
+      </p:sp>
+      <p:sp>
+        <p:nvSpPr>
+          <p:cNvPr id="4" name="Date Placeholder 3"/>
           <p:cNvSpPr>
             <a:spLocks noGrp="1"/>
           </p:cNvSpPr>
@@ -2536,8 +7085,8 @@
         </p:nvSpPr>
         <p:spPr>
           <a:xfrm>
-            <a:off x="838200" y="6356350"/>
-            <a:ext cx="2743200" cy="365125"/>
+            <a:off x="10361612" y="6130437"/>
+            <a:ext cx="1146283" cy="370396"/>
           </a:xfrm>
           <a:prstGeom prst="rect">
             <a:avLst/>
@@ -2546,8 +7095,8 @@
         <p:txBody>
           <a:bodyPr vert="horz" lIns="91440" tIns="45720" rIns="91440" bIns="45720" rtlCol="0" anchor="ctr"/>
           <a:lstStyle>
-            <a:lvl1pPr algn="l">
-              <a:defRPr sz="1200">
+            <a:lvl1pPr algn="r">
+              <a:defRPr sz="900">
                 <a:solidFill>
                   <a:schemeClr val="tx1">
                     <a:tint val="75000"/>
@@ -2557,17 +7106,18 @@
             </a:lvl1pPr>
           </a:lstStyle>
           <a:p>
-            <a:fld id="{B7F768D9-C27F-4A09-A185-8970117F50DE}" type="datetimeFigureOut">
-              <a:rPr lang="zh-CN" altLang="en-US" smtClean="0"/>
-              <a:t>2015/6/8</a:t>
+            <a:fld id="{B61BEF0D-F0BB-DE4B-95CE-6DB70DBA9567}" type="datetimeFigureOut">
+              <a:rPr lang="en-US" dirty="0"/>
+              <a:pPr/>
+              <a:t>6/8/2015</a:t>
             </a:fld>
-            <a:endParaRPr lang="zh-CN" altLang="en-US"/>
-          </a:p>
-        </p:txBody>
-      </p:sp>
-      <p:sp>
-        <p:nvSpPr>
-          <p:cNvPr id="5" name="页脚占位符 4"/>
+            <a:endParaRPr lang="en-US" dirty="0"/>
+          </a:p>
+        </p:txBody>
+      </p:sp>
+      <p:sp>
+        <p:nvSpPr>
+          <p:cNvPr id="5" name="Footer Placeholder 4"/>
           <p:cNvSpPr>
             <a:spLocks noGrp="1"/>
           </p:cNvSpPr>
@@ -2577,8 +7127,8 @@
         </p:nvSpPr>
         <p:spPr>
           <a:xfrm>
-            <a:off x="4038600" y="6356350"/>
-            <a:ext cx="4114800" cy="365125"/>
+            <a:off x="2589212" y="6135808"/>
+            <a:ext cx="7619999" cy="365125"/>
           </a:xfrm>
           <a:prstGeom prst="rect">
             <a:avLst/>
@@ -2587,8 +7137,8 @@
         <p:txBody>
           <a:bodyPr vert="horz" lIns="91440" tIns="45720" rIns="91440" bIns="45720" rtlCol="0" anchor="ctr"/>
           <a:lstStyle>
-            <a:lvl1pPr algn="ctr">
-              <a:defRPr sz="1200">
+            <a:lvl1pPr algn="l">
+              <a:defRPr sz="900">
                 <a:solidFill>
                   <a:schemeClr val="tx1">
                     <a:tint val="75000"/>
@@ -2598,13 +7148,13 @@
             </a:lvl1pPr>
           </a:lstStyle>
           <a:p>
-            <a:endParaRPr lang="zh-CN" altLang="en-US"/>
-          </a:p>
-        </p:txBody>
-      </p:sp>
-      <p:sp>
-        <p:nvSpPr>
-          <p:cNvPr id="6" name="灯片编号占位符 5"/>
+            <a:endParaRPr lang="en-US" dirty="0"/>
+          </a:p>
+        </p:txBody>
+      </p:sp>
+      <p:sp>
+        <p:nvSpPr>
+          <p:cNvPr id="6" name="Slide Number Placeholder 5"/>
           <p:cNvSpPr>
             <a:spLocks noGrp="1"/>
           </p:cNvSpPr>
@@ -2612,10 +7162,10 @@
             <p:ph type="sldNum" sz="quarter" idx="4"/>
           </p:nvPr>
         </p:nvSpPr>
-        <p:spPr>
+        <p:spPr bwMode="gray">
           <a:xfrm>
-            <a:off x="8610600" y="6356350"/>
-            <a:ext cx="2743200" cy="365125"/>
+            <a:off x="531812" y="787782"/>
+            <a:ext cx="779767" cy="365125"/>
           </a:xfrm>
           <a:prstGeom prst="rect">
             <a:avLst/>
@@ -2625,30 +7175,24 @@
           <a:bodyPr vert="horz" lIns="91440" tIns="45720" rIns="91440" bIns="45720" rtlCol="0" anchor="ctr"/>
           <a:lstStyle>
             <a:lvl1pPr algn="r">
-              <a:defRPr sz="1200">
+              <a:defRPr sz="2000">
                 <a:solidFill>
-                  <a:schemeClr val="tx1">
-                    <a:tint val="75000"/>
-                  </a:schemeClr>
+                  <a:srgbClr val="FEFFFF"/>
                 </a:solidFill>
               </a:defRPr>
             </a:lvl1pPr>
           </a:lstStyle>
           <a:p>
-            <a:fld id="{89F8D703-08C3-4E8E-83A1-C2A5E871B5DA}" type="slidenum">
-              <a:rPr lang="zh-CN" altLang="en-US" smtClean="0"/>
+            <a:fld id="{D57F1E4F-1CFF-5643-939E-217C01CDF565}" type="slidenum">
+              <a:rPr lang="en-US" dirty="0"/>
+              <a:pPr/>
               <a:t>‹#›</a:t>
             </a:fld>
-            <a:endParaRPr lang="zh-CN" altLang="en-US"/>
+            <a:endParaRPr lang="en-US" dirty="0"/>
           </a:p>
         </p:txBody>
       </p:sp>
     </p:spTree>
-    <p:extLst>
-      <p:ext uri="{BB962C8B-B14F-4D97-AF65-F5344CB8AC3E}">
-        <p14:creationId xmlns:p14="http://schemas.microsoft.com/office/powerpoint/2010/main" val="348185907"/>
-      </p:ext>
-    </p:extLst>
   </p:cSld>
   <p:clrMap bg1="lt1" tx1="dk1" bg2="lt2" tx2="dk2" accent1="accent1" accent2="accent2" accent3="accent3" accent4="accent4" accent5="accent5" accent6="accent6" hlink="hlink" folHlink="folHlink"/>
   <p:sldLayoutIdLst>
@@ -2661,40 +7205,314 @@
     <p:sldLayoutId id="2147483655" r:id="rId7"/>
     <p:sldLayoutId id="2147483656" r:id="rId8"/>
     <p:sldLayoutId id="2147483657" r:id="rId9"/>
-    <p:sldLayoutId id="2147483658" r:id="rId10"/>
-    <p:sldLayoutId id="2147483659" r:id="rId11"/>
+    <p:sldLayoutId id="2147483660" r:id="rId10"/>
+    <p:sldLayoutId id="2147483661" r:id="rId11"/>
+    <p:sldLayoutId id="2147483662" r:id="rId12"/>
+    <p:sldLayoutId id="2147483663" r:id="rId13"/>
+    <p:sldLayoutId id="2147483664" r:id="rId14"/>
+    <p:sldLayoutId id="2147483658" r:id="rId15"/>
+    <p:sldLayoutId id="2147483659" r:id="rId16"/>
   </p:sldLayoutIdLst>
   <p:txStyles>
     <p:titleStyle>
-      <a:lvl1pPr algn="l" defTabSz="914400" rtl="0" eaLnBrk="1" latinLnBrk="0" hangingPunct="1">
-        <a:lnSpc>
-          <a:spcPct val="90000"/>
-        </a:lnSpc>
+      <a:lvl1pPr algn="l" defTabSz="457200" rtl="0" eaLnBrk="1" latinLnBrk="0" hangingPunct="1">
         <a:spcBef>
           <a:spcPct val="0"/>
         </a:spcBef>
         <a:buNone/>
-        <a:defRPr sz="4400" kern="1200">
+        <a:defRPr sz="3600" kern="1200">
           <a:solidFill>
-            <a:schemeClr val="tx1"/>
+            <a:schemeClr val="tx1">
+              <a:lumMod val="85000"/>
+              <a:lumOff val="15000"/>
+            </a:schemeClr>
           </a:solidFill>
           <a:latin typeface="+mj-lt"/>
           <a:ea typeface="+mj-ea"/>
           <a:cs typeface="+mj-cs"/>
         </a:defRPr>
       </a:lvl1pPr>
+      <a:lvl2pPr eaLnBrk="1" hangingPunct="1">
+        <a:defRPr>
+          <a:solidFill>
+            <a:schemeClr val="tx2"/>
+          </a:solidFill>
+        </a:defRPr>
+      </a:lvl2pPr>
+      <a:lvl3pPr eaLnBrk="1" hangingPunct="1">
+        <a:defRPr>
+          <a:solidFill>
+            <a:schemeClr val="tx2"/>
+          </a:solidFill>
+        </a:defRPr>
+      </a:lvl3pPr>
+      <a:lvl4pPr eaLnBrk="1" hangingPunct="1">
+        <a:defRPr>
+          <a:solidFill>
+            <a:schemeClr val="tx2"/>
+          </a:solidFill>
+        </a:defRPr>
+      </a:lvl4pPr>
+      <a:lvl5pPr eaLnBrk="1" hangingPunct="1">
+        <a:defRPr>
+          <a:solidFill>
+            <a:schemeClr val="tx2"/>
+          </a:solidFill>
+        </a:defRPr>
+      </a:lvl5pPr>
+      <a:lvl6pPr eaLnBrk="1" hangingPunct="1">
+        <a:defRPr>
+          <a:solidFill>
+            <a:schemeClr val="tx2"/>
+          </a:solidFill>
+        </a:defRPr>
+      </a:lvl6pPr>
+      <a:lvl7pPr eaLnBrk="1" hangingPunct="1">
+        <a:defRPr>
+          <a:solidFill>
+            <a:schemeClr val="tx2"/>
+          </a:solidFill>
+        </a:defRPr>
+      </a:lvl7pPr>
+      <a:lvl8pPr eaLnBrk="1" hangingPunct="1">
+        <a:defRPr>
+          <a:solidFill>
+            <a:schemeClr val="tx2"/>
+          </a:solidFill>
+        </a:defRPr>
+      </a:lvl8pPr>
+      <a:lvl9pPr eaLnBrk="1" hangingPunct="1">
+        <a:defRPr>
+          <a:solidFill>
+            <a:schemeClr val="tx2"/>
+          </a:solidFill>
+        </a:defRPr>
+      </a:lvl9pPr>
     </p:titleStyle>
     <p:bodyStyle>
-      <a:lvl1pPr marL="228600" indent="-228600" algn="l" defTabSz="914400" rtl="0" eaLnBrk="1" latinLnBrk="0" hangingPunct="1">
-        <a:lnSpc>
-          <a:spcPct val="90000"/>
-        </a:lnSpc>
+      <a:lvl1pPr marL="342900" indent="-342900" algn="l" defTabSz="457200" rtl="0" eaLnBrk="1" latinLnBrk="0" hangingPunct="1">
         <a:spcBef>
           <a:spcPts val="1000"/>
         </a:spcBef>
-        <a:buFont typeface="Arial" panose="020B0604020202020204" pitchFamily="34" charset="0"/>
-        <a:buChar char="•"/>
-        <a:defRPr sz="2800" kern="1200">
+        <a:spcAft>
+          <a:spcPts val="0"/>
+        </a:spcAft>
+        <a:buClr>
+          <a:schemeClr val="accent1"/>
+        </a:buClr>
+        <a:buFont typeface="Wingdings 3" charset="2"/>
+        <a:buChar char=""/>
+        <a:defRPr sz="1800" kern="1200">
+          <a:solidFill>
+            <a:schemeClr val="tx1">
+              <a:lumMod val="75000"/>
+              <a:lumOff val="25000"/>
+            </a:schemeClr>
+          </a:solidFill>
+          <a:latin typeface="+mn-lt"/>
+          <a:ea typeface="+mn-ea"/>
+          <a:cs typeface="+mn-cs"/>
+        </a:defRPr>
+      </a:lvl1pPr>
+      <a:lvl2pPr marL="742950" indent="-285750" algn="l" defTabSz="457200" rtl="0" eaLnBrk="1" latinLnBrk="0" hangingPunct="1">
+        <a:spcBef>
+          <a:spcPts val="1000"/>
+        </a:spcBef>
+        <a:spcAft>
+          <a:spcPts val="0"/>
+        </a:spcAft>
+        <a:buClr>
+          <a:schemeClr val="accent1"/>
+        </a:buClr>
+        <a:buFont typeface="Wingdings 3" charset="2"/>
+        <a:buChar char=""/>
+        <a:defRPr sz="1600" kern="1200">
+          <a:solidFill>
+            <a:schemeClr val="tx1">
+              <a:lumMod val="75000"/>
+              <a:lumOff val="25000"/>
+            </a:schemeClr>
+          </a:solidFill>
+          <a:latin typeface="+mn-lt"/>
+          <a:ea typeface="+mn-ea"/>
+          <a:cs typeface="+mn-cs"/>
+        </a:defRPr>
+      </a:lvl2pPr>
+      <a:lvl3pPr marL="1143000" indent="-228600" algn="l" defTabSz="457200" rtl="0" eaLnBrk="1" latinLnBrk="0" hangingPunct="1">
+        <a:spcBef>
+          <a:spcPts val="1000"/>
+        </a:spcBef>
+        <a:spcAft>
+          <a:spcPts val="0"/>
+        </a:spcAft>
+        <a:buClr>
+          <a:schemeClr val="accent1"/>
+        </a:buClr>
+        <a:buFont typeface="Wingdings 3" charset="2"/>
+        <a:buChar char=""/>
+        <a:defRPr sz="1400" kern="1200">
+          <a:solidFill>
+            <a:schemeClr val="tx1">
+              <a:lumMod val="75000"/>
+              <a:lumOff val="25000"/>
+            </a:schemeClr>
+          </a:solidFill>
+          <a:latin typeface="+mn-lt"/>
+          <a:ea typeface="+mn-ea"/>
+          <a:cs typeface="+mn-cs"/>
+        </a:defRPr>
+      </a:lvl3pPr>
+      <a:lvl4pPr marL="1600200" indent="-228600" algn="l" defTabSz="457200" rtl="0" eaLnBrk="1" latinLnBrk="0" hangingPunct="1">
+        <a:spcBef>
+          <a:spcPts val="1000"/>
+        </a:spcBef>
+        <a:spcAft>
+          <a:spcPts val="0"/>
+        </a:spcAft>
+        <a:buClr>
+          <a:schemeClr val="accent1"/>
+        </a:buClr>
+        <a:buFont typeface="Wingdings 3" charset="2"/>
+        <a:buChar char=""/>
+        <a:defRPr sz="1200" kern="1200">
+          <a:solidFill>
+            <a:schemeClr val="tx1">
+              <a:lumMod val="75000"/>
+              <a:lumOff val="25000"/>
+            </a:schemeClr>
+          </a:solidFill>
+          <a:latin typeface="+mn-lt"/>
+          <a:ea typeface="+mn-ea"/>
+          <a:cs typeface="+mn-cs"/>
+        </a:defRPr>
+      </a:lvl4pPr>
+      <a:lvl5pPr marL="2057400" indent="-228600" algn="l" defTabSz="457200" rtl="0" eaLnBrk="1" latinLnBrk="0" hangingPunct="1">
+        <a:spcBef>
+          <a:spcPts val="1000"/>
+        </a:spcBef>
+        <a:spcAft>
+          <a:spcPts val="0"/>
+        </a:spcAft>
+        <a:buClr>
+          <a:schemeClr val="accent1"/>
+        </a:buClr>
+        <a:buFont typeface="Wingdings 3" charset="2"/>
+        <a:buChar char=""/>
+        <a:defRPr sz="1200" kern="1200">
+          <a:solidFill>
+            <a:schemeClr val="tx1">
+              <a:lumMod val="75000"/>
+              <a:lumOff val="25000"/>
+            </a:schemeClr>
+          </a:solidFill>
+          <a:latin typeface="+mn-lt"/>
+          <a:ea typeface="+mn-ea"/>
+          <a:cs typeface="+mn-cs"/>
+        </a:defRPr>
+      </a:lvl5pPr>
+      <a:lvl6pPr marL="2514600" indent="-228600" algn="l" defTabSz="457200" rtl="0" eaLnBrk="1" latinLnBrk="0" hangingPunct="1">
+        <a:spcBef>
+          <a:spcPts val="1000"/>
+        </a:spcBef>
+        <a:spcAft>
+          <a:spcPts val="0"/>
+        </a:spcAft>
+        <a:buClr>
+          <a:schemeClr val="accent1"/>
+        </a:buClr>
+        <a:buFont typeface="Wingdings 3" charset="2"/>
+        <a:buChar char=""/>
+        <a:defRPr sz="1200" kern="1200">
+          <a:solidFill>
+            <a:schemeClr val="tx1">
+              <a:lumMod val="75000"/>
+              <a:lumOff val="25000"/>
+            </a:schemeClr>
+          </a:solidFill>
+          <a:latin typeface="+mn-lt"/>
+          <a:ea typeface="+mn-ea"/>
+          <a:cs typeface="+mn-cs"/>
+        </a:defRPr>
+      </a:lvl6pPr>
+      <a:lvl7pPr marL="2971800" indent="-228600" algn="l" defTabSz="457200" rtl="0" eaLnBrk="1" latinLnBrk="0" hangingPunct="1">
+        <a:spcBef>
+          <a:spcPts val="1000"/>
+        </a:spcBef>
+        <a:spcAft>
+          <a:spcPts val="0"/>
+        </a:spcAft>
+        <a:buClr>
+          <a:schemeClr val="accent1"/>
+        </a:buClr>
+        <a:buFont typeface="Wingdings 3" charset="2"/>
+        <a:buChar char=""/>
+        <a:defRPr sz="1200" kern="1200">
+          <a:solidFill>
+            <a:schemeClr val="tx1">
+              <a:lumMod val="75000"/>
+              <a:lumOff val="25000"/>
+            </a:schemeClr>
+          </a:solidFill>
+          <a:latin typeface="+mn-lt"/>
+          <a:ea typeface="+mn-ea"/>
+          <a:cs typeface="+mn-cs"/>
+        </a:defRPr>
+      </a:lvl7pPr>
+      <a:lvl8pPr marL="3429000" indent="-228600" algn="l" defTabSz="457200" rtl="0" eaLnBrk="1" latinLnBrk="0" hangingPunct="1">
+        <a:spcBef>
+          <a:spcPts val="1000"/>
+        </a:spcBef>
+        <a:spcAft>
+          <a:spcPts val="0"/>
+        </a:spcAft>
+        <a:buClr>
+          <a:schemeClr val="accent1"/>
+        </a:buClr>
+        <a:buFont typeface="Wingdings 3" charset="2"/>
+        <a:buChar char=""/>
+        <a:defRPr sz="1200" kern="1200">
+          <a:solidFill>
+            <a:schemeClr val="tx1">
+              <a:lumMod val="75000"/>
+              <a:lumOff val="25000"/>
+            </a:schemeClr>
+          </a:solidFill>
+          <a:latin typeface="+mn-lt"/>
+          <a:ea typeface="+mn-ea"/>
+          <a:cs typeface="+mn-cs"/>
+        </a:defRPr>
+      </a:lvl8pPr>
+      <a:lvl9pPr marL="3886200" indent="-228600" algn="l" defTabSz="457200" rtl="0" eaLnBrk="1" latinLnBrk="0" hangingPunct="1">
+        <a:spcBef>
+          <a:spcPts val="1000"/>
+        </a:spcBef>
+        <a:spcAft>
+          <a:spcPts val="0"/>
+        </a:spcAft>
+        <a:buClr>
+          <a:schemeClr val="accent1"/>
+        </a:buClr>
+        <a:buFont typeface="Wingdings 3" charset="2"/>
+        <a:buChar char=""/>
+        <a:defRPr sz="1200" kern="1200">
+          <a:solidFill>
+            <a:schemeClr val="tx1">
+              <a:lumMod val="75000"/>
+              <a:lumOff val="25000"/>
+            </a:schemeClr>
+          </a:solidFill>
+          <a:latin typeface="+mn-lt"/>
+          <a:ea typeface="+mn-ea"/>
+          <a:cs typeface="+mn-cs"/>
+        </a:defRPr>
+      </a:lvl9pPr>
+    </p:bodyStyle>
+    <p:otherStyle>
+      <a:defPPr>
+        <a:defRPr lang="en-US"/>
+      </a:defPPr>
+      <a:lvl1pPr marL="0" algn="l" defTabSz="457200" rtl="0" eaLnBrk="1" latinLnBrk="0" hangingPunct="1">
+        <a:defRPr sz="1800" kern="1200">
           <a:solidFill>
             <a:schemeClr val="tx1"/>
           </a:solidFill>
@@ -2703,16 +7521,8 @@
           <a:cs typeface="+mn-cs"/>
         </a:defRPr>
       </a:lvl1pPr>
-      <a:lvl2pPr marL="685800" indent="-228600" algn="l" defTabSz="914400" rtl="0" eaLnBrk="1" latinLnBrk="0" hangingPunct="1">
-        <a:lnSpc>
-          <a:spcPct val="90000"/>
-        </a:lnSpc>
-        <a:spcBef>
-          <a:spcPts val="500"/>
-        </a:spcBef>
-        <a:buFont typeface="Arial" panose="020B0604020202020204" pitchFamily="34" charset="0"/>
-        <a:buChar char="•"/>
-        <a:defRPr sz="2400" kern="1200">
+      <a:lvl2pPr marL="457200" algn="l" defTabSz="457200" rtl="0" eaLnBrk="1" latinLnBrk="0" hangingPunct="1">
+        <a:defRPr sz="1800" kern="1200">
           <a:solidFill>
             <a:schemeClr val="tx1"/>
           </a:solidFill>
@@ -2721,16 +7531,8 @@
           <a:cs typeface="+mn-cs"/>
         </a:defRPr>
       </a:lvl2pPr>
-      <a:lvl3pPr marL="1143000" indent="-228600" algn="l" defTabSz="914400" rtl="0" eaLnBrk="1" latinLnBrk="0" hangingPunct="1">
-        <a:lnSpc>
-          <a:spcPct val="90000"/>
-        </a:lnSpc>
-        <a:spcBef>
-          <a:spcPts val="500"/>
-        </a:spcBef>
-        <a:buFont typeface="Arial" panose="020B0604020202020204" pitchFamily="34" charset="0"/>
-        <a:buChar char="•"/>
-        <a:defRPr sz="2000" kern="1200">
+      <a:lvl3pPr marL="914400" algn="l" defTabSz="457200" rtl="0" eaLnBrk="1" latinLnBrk="0" hangingPunct="1">
+        <a:defRPr sz="1800" kern="1200">
           <a:solidFill>
             <a:schemeClr val="tx1"/>
           </a:solidFill>
@@ -2739,15 +7541,7 @@
           <a:cs typeface="+mn-cs"/>
         </a:defRPr>
       </a:lvl3pPr>
-      <a:lvl4pPr marL="1600200" indent="-228600" algn="l" defTabSz="914400" rtl="0" eaLnBrk="1" latinLnBrk="0" hangingPunct="1">
-        <a:lnSpc>
-          <a:spcPct val="90000"/>
-        </a:lnSpc>
-        <a:spcBef>
-          <a:spcPts val="500"/>
-        </a:spcBef>
-        <a:buFont typeface="Arial" panose="020B0604020202020204" pitchFamily="34" charset="0"/>
-        <a:buChar char="•"/>
+      <a:lvl4pPr marL="1371600" algn="l" defTabSz="457200" rtl="0" eaLnBrk="1" latinLnBrk="0" hangingPunct="1">
         <a:defRPr sz="1800" kern="1200">
           <a:solidFill>
             <a:schemeClr val="tx1"/>
@@ -2757,15 +7551,7 @@
           <a:cs typeface="+mn-cs"/>
         </a:defRPr>
       </a:lvl4pPr>
-      <a:lvl5pPr marL="2057400" indent="-228600" algn="l" defTabSz="914400" rtl="0" eaLnBrk="1" latinLnBrk="0" hangingPunct="1">
-        <a:lnSpc>
-          <a:spcPct val="90000"/>
-        </a:lnSpc>
-        <a:spcBef>
-          <a:spcPts val="500"/>
-        </a:spcBef>
-        <a:buFont typeface="Arial" panose="020B0604020202020204" pitchFamily="34" charset="0"/>
-        <a:buChar char="•"/>
+      <a:lvl5pPr marL="1828800" algn="l" defTabSz="457200" rtl="0" eaLnBrk="1" latinLnBrk="0" hangingPunct="1">
         <a:defRPr sz="1800" kern="1200">
           <a:solidFill>
             <a:schemeClr val="tx1"/>
@@ -2775,15 +7561,7 @@
           <a:cs typeface="+mn-cs"/>
         </a:defRPr>
       </a:lvl5pPr>
-      <a:lvl6pPr marL="2514600" indent="-228600" algn="l" defTabSz="914400" rtl="0" eaLnBrk="1" latinLnBrk="0" hangingPunct="1">
-        <a:lnSpc>
-          <a:spcPct val="90000"/>
-        </a:lnSpc>
-        <a:spcBef>
-          <a:spcPts val="500"/>
-        </a:spcBef>
-        <a:buFont typeface="Arial" panose="020B0604020202020204" pitchFamily="34" charset="0"/>
-        <a:buChar char="•"/>
+      <a:lvl6pPr marL="2286000" algn="l" defTabSz="457200" rtl="0" eaLnBrk="1" latinLnBrk="0" hangingPunct="1">
         <a:defRPr sz="1800" kern="1200">
           <a:solidFill>
             <a:schemeClr val="tx1"/>
@@ -2793,15 +7571,7 @@
           <a:cs typeface="+mn-cs"/>
         </a:defRPr>
       </a:lvl6pPr>
-      <a:lvl7pPr marL="2971800" indent="-228600" algn="l" defTabSz="914400" rtl="0" eaLnBrk="1" latinLnBrk="0" hangingPunct="1">
-        <a:lnSpc>
-          <a:spcPct val="90000"/>
-        </a:lnSpc>
-        <a:spcBef>
-          <a:spcPts val="500"/>
-        </a:spcBef>
-        <a:buFont typeface="Arial" panose="020B0604020202020204" pitchFamily="34" charset="0"/>
-        <a:buChar char="•"/>
+      <a:lvl7pPr marL="2743200" algn="l" defTabSz="457200" rtl="0" eaLnBrk="1" latinLnBrk="0" hangingPunct="1">
         <a:defRPr sz="1800" kern="1200">
           <a:solidFill>
             <a:schemeClr val="tx1"/>
@@ -2811,15 +7581,7 @@
           <a:cs typeface="+mn-cs"/>
         </a:defRPr>
       </a:lvl7pPr>
-      <a:lvl8pPr marL="3429000" indent="-228600" algn="l" defTabSz="914400" rtl="0" eaLnBrk="1" latinLnBrk="0" hangingPunct="1">
-        <a:lnSpc>
-          <a:spcPct val="90000"/>
-        </a:lnSpc>
-        <a:spcBef>
-          <a:spcPts val="500"/>
-        </a:spcBef>
-        <a:buFont typeface="Arial" panose="020B0604020202020204" pitchFamily="34" charset="0"/>
-        <a:buChar char="•"/>
+      <a:lvl8pPr marL="3200400" algn="l" defTabSz="457200" rtl="0" eaLnBrk="1" latinLnBrk="0" hangingPunct="1">
         <a:defRPr sz="1800" kern="1200">
           <a:solidFill>
             <a:schemeClr val="tx1"/>
@@ -2829,110 +7591,7 @@
           <a:cs typeface="+mn-cs"/>
         </a:defRPr>
       </a:lvl8pPr>
-      <a:lvl9pPr marL="3886200" indent="-228600" algn="l" defTabSz="914400" rtl="0" eaLnBrk="1" latinLnBrk="0" hangingPunct="1">
-        <a:lnSpc>
-          <a:spcPct val="90000"/>
-        </a:lnSpc>
-        <a:spcBef>
-          <a:spcPts val="500"/>
-        </a:spcBef>
-        <a:buFont typeface="Arial" panose="020B0604020202020204" pitchFamily="34" charset="0"/>
-        <a:buChar char="•"/>
-        <a:defRPr sz="1800" kern="1200">
-          <a:solidFill>
-            <a:schemeClr val="tx1"/>
-          </a:solidFill>
-          <a:latin typeface="+mn-lt"/>
-          <a:ea typeface="+mn-ea"/>
-          <a:cs typeface="+mn-cs"/>
-        </a:defRPr>
-      </a:lvl9pPr>
-    </p:bodyStyle>
-    <p:otherStyle>
-      <a:defPPr>
-        <a:defRPr lang="zh-CN"/>
-      </a:defPPr>
-      <a:lvl1pPr marL="0" algn="l" defTabSz="914400" rtl="0" eaLnBrk="1" latinLnBrk="0" hangingPunct="1">
-        <a:defRPr sz="1800" kern="1200">
-          <a:solidFill>
-            <a:schemeClr val="tx1"/>
-          </a:solidFill>
-          <a:latin typeface="+mn-lt"/>
-          <a:ea typeface="+mn-ea"/>
-          <a:cs typeface="+mn-cs"/>
-        </a:defRPr>
-      </a:lvl1pPr>
-      <a:lvl2pPr marL="457200" algn="l" defTabSz="914400" rtl="0" eaLnBrk="1" latinLnBrk="0" hangingPunct="1">
-        <a:defRPr sz="1800" kern="1200">
-          <a:solidFill>
-            <a:schemeClr val="tx1"/>
-          </a:solidFill>
-          <a:latin typeface="+mn-lt"/>
-          <a:ea typeface="+mn-ea"/>
-          <a:cs typeface="+mn-cs"/>
-        </a:defRPr>
-      </a:lvl2pPr>
-      <a:lvl3pPr marL="914400" algn="l" defTabSz="914400" rtl="0" eaLnBrk="1" latinLnBrk="0" hangingPunct="1">
-        <a:defRPr sz="1800" kern="1200">
-          <a:solidFill>
-            <a:schemeClr val="tx1"/>
-          </a:solidFill>
-          <a:latin typeface="+mn-lt"/>
-          <a:ea typeface="+mn-ea"/>
-          <a:cs typeface="+mn-cs"/>
-        </a:defRPr>
-      </a:lvl3pPr>
-      <a:lvl4pPr marL="1371600" algn="l" defTabSz="914400" rtl="0" eaLnBrk="1" latinLnBrk="0" hangingPunct="1">
-        <a:defRPr sz="1800" kern="1200">
-          <a:solidFill>
-            <a:schemeClr val="tx1"/>
-          </a:solidFill>
-          <a:latin typeface="+mn-lt"/>
-          <a:ea typeface="+mn-ea"/>
-          <a:cs typeface="+mn-cs"/>
-        </a:defRPr>
-      </a:lvl4pPr>
-      <a:lvl5pPr marL="1828800" algn="l" defTabSz="914400" rtl="0" eaLnBrk="1" latinLnBrk="0" hangingPunct="1">
-        <a:defRPr sz="1800" kern="1200">
-          <a:solidFill>
-            <a:schemeClr val="tx1"/>
-          </a:solidFill>
-          <a:latin typeface="+mn-lt"/>
-          <a:ea typeface="+mn-ea"/>
-          <a:cs typeface="+mn-cs"/>
-        </a:defRPr>
-      </a:lvl5pPr>
-      <a:lvl6pPr marL="2286000" algn="l" defTabSz="914400" rtl="0" eaLnBrk="1" latinLnBrk="0" hangingPunct="1">
-        <a:defRPr sz="1800" kern="1200">
-          <a:solidFill>
-            <a:schemeClr val="tx1"/>
-          </a:solidFill>
-          <a:latin typeface="+mn-lt"/>
-          <a:ea typeface="+mn-ea"/>
-          <a:cs typeface="+mn-cs"/>
-        </a:defRPr>
-      </a:lvl6pPr>
-      <a:lvl7pPr marL="2743200" algn="l" defTabSz="914400" rtl="0" eaLnBrk="1" latinLnBrk="0" hangingPunct="1">
-        <a:defRPr sz="1800" kern="1200">
-          <a:solidFill>
-            <a:schemeClr val="tx1"/>
-          </a:solidFill>
-          <a:latin typeface="+mn-lt"/>
-          <a:ea typeface="+mn-ea"/>
-          <a:cs typeface="+mn-cs"/>
-        </a:defRPr>
-      </a:lvl7pPr>
-      <a:lvl8pPr marL="3200400" algn="l" defTabSz="914400" rtl="0" eaLnBrk="1" latinLnBrk="0" hangingPunct="1">
-        <a:defRPr sz="1800" kern="1200">
-          <a:solidFill>
-            <a:schemeClr val="tx1"/>
-          </a:solidFill>
-          <a:latin typeface="+mn-lt"/>
-          <a:ea typeface="+mn-ea"/>
-          <a:cs typeface="+mn-cs"/>
-        </a:defRPr>
-      </a:lvl8pPr>
-      <a:lvl9pPr marL="3657600" algn="l" defTabSz="914400" rtl="0" eaLnBrk="1" latinLnBrk="0" hangingPunct="1">
+      <a:lvl9pPr marL="3657600" algn="l" defTabSz="457200" rtl="0" eaLnBrk="1" latinLnBrk="0" hangingPunct="1">
         <a:defRPr sz="1800" kern="1200">
           <a:solidFill>
             <a:schemeClr val="tx1"/>
@@ -2979,7 +7638,11 @@
           <a:bodyPr/>
           <a:lstStyle/>
           <a:p>
-            <a:endParaRPr lang="zh-CN" altLang="en-US"/>
+            <a:r>
+              <a:rPr lang="zh-CN" altLang="en-US" dirty="0" smtClean="0"/>
+              <a:t>蚁群算法的参数优化问题</a:t>
+            </a:r>
+            <a:endParaRPr lang="zh-CN" altLang="en-US" dirty="0"/>
           </a:p>
         </p:txBody>
       </p:sp>
@@ -2995,17 +7658,309 @@
         </p:nvSpPr>
         <p:spPr/>
         <p:txBody>
-          <a:bodyPr/>
+          <a:bodyPr>
+            <a:normAutofit/>
+          </a:bodyPr>
           <a:lstStyle/>
           <a:p>
-            <a:endParaRPr lang="zh-CN" altLang="en-US"/>
+            <a:pPr algn="r"/>
+            <a:r>
+              <a:rPr lang="en-US" altLang="zh-CN" sz="3200" dirty="0" smtClean="0"/>
+              <a:t>——</a:t>
+            </a:r>
+            <a:r>
+              <a:rPr lang="zh-CN" altLang="en-US" sz="3200" dirty="0" smtClean="0"/>
+              <a:t>基于遗传算法的计算与分析</a:t>
+            </a:r>
+            <a:endParaRPr lang="zh-CN" altLang="en-US" sz="3200" dirty="0"/>
           </a:p>
         </p:txBody>
       </p:sp>
     </p:spTree>
     <p:extLst>
       <p:ext uri="{BB962C8B-B14F-4D97-AF65-F5344CB8AC3E}">
-        <p14:creationId xmlns:p14="http://schemas.microsoft.com/office/powerpoint/2010/main" val="3347969920"/>
+        <p14:creationId xmlns:p14="http://schemas.microsoft.com/office/powerpoint/2010/main" val="3738648511"/>
+      </p:ext>
+    </p:extLst>
+  </p:cSld>
+  <p:clrMapOvr>
+    <a:masterClrMapping/>
+  </p:clrMapOvr>
+  <p:timing>
+    <p:tnLst>
+      <p:par>
+        <p:cTn id="1" dur="indefinite" restart="never" nodeType="tmRoot"/>
+      </p:par>
+    </p:tnLst>
+  </p:timing>
+</p:sld>
+</file>
+
+<file path=ppt/slides/slide2.xml><?xml version="1.0" encoding="utf-8"?>
+<p:sld xmlns:a="http://schemas.openxmlformats.org/drawingml/2006/main" xmlns:r="http://schemas.openxmlformats.org/officeDocument/2006/relationships" xmlns:p="http://schemas.openxmlformats.org/presentationml/2006/main">
+  <p:cSld>
+    <p:spTree>
+      <p:nvGrpSpPr>
+        <p:cNvPr id="1" name=""/>
+        <p:cNvGrpSpPr/>
+        <p:nvPr/>
+      </p:nvGrpSpPr>
+      <p:grpSpPr>
+        <a:xfrm>
+          <a:off x="0" y="0"/>
+          <a:ext cx="0" cy="0"/>
+          <a:chOff x="0" y="0"/>
+          <a:chExt cx="0" cy="0"/>
+        </a:xfrm>
+      </p:grpSpPr>
+      <p:sp>
+        <p:nvSpPr>
+          <p:cNvPr id="2" name="标题 1"/>
+          <p:cNvSpPr>
+            <a:spLocks noGrp="1"/>
+          </p:cNvSpPr>
+          <p:nvPr>
+            <p:ph type="title"/>
+          </p:nvPr>
+        </p:nvSpPr>
+        <p:spPr/>
+        <p:txBody>
+          <a:bodyPr/>
+          <a:lstStyle/>
+          <a:p>
+            <a:r>
+              <a:rPr lang="zh-CN" altLang="en-US" dirty="0" smtClean="0"/>
+              <a:t>核心课题与研究方法</a:t>
+            </a:r>
+            <a:endParaRPr lang="zh-CN" altLang="en-US" dirty="0"/>
+          </a:p>
+        </p:txBody>
+      </p:sp>
+      <p:sp>
+        <p:nvSpPr>
+          <p:cNvPr id="3" name="内容占位符 2"/>
+          <p:cNvSpPr>
+            <a:spLocks noGrp="1"/>
+          </p:cNvSpPr>
+          <p:nvPr>
+            <p:ph idx="1"/>
+          </p:nvPr>
+        </p:nvSpPr>
+        <p:spPr/>
+        <p:txBody>
+          <a:bodyPr/>
+          <a:lstStyle/>
+          <a:p>
+            <a:r>
+              <a:rPr lang="zh-CN" altLang="en-US" smtClean="0"/>
+              <a:t>本文</a:t>
+            </a:r>
+            <a:endParaRPr lang="zh-CN" altLang="en-US" dirty="0"/>
+          </a:p>
+        </p:txBody>
+      </p:sp>
+    </p:spTree>
+    <p:extLst>
+      <p:ext uri="{BB962C8B-B14F-4D97-AF65-F5344CB8AC3E}">
+        <p14:creationId xmlns:p14="http://schemas.microsoft.com/office/powerpoint/2010/main" val="695709600"/>
+      </p:ext>
+    </p:extLst>
+  </p:cSld>
+  <p:clrMapOvr>
+    <a:masterClrMapping/>
+  </p:clrMapOvr>
+  <p:timing>
+    <p:tnLst>
+      <p:par>
+        <p:cTn id="1" dur="indefinite" restart="never" nodeType="tmRoot"/>
+      </p:par>
+    </p:tnLst>
+  </p:timing>
+</p:sld>
+</file>
+
+<file path=ppt/slides/slide3.xml><?xml version="1.0" encoding="utf-8"?>
+<p:sld xmlns:a="http://schemas.openxmlformats.org/drawingml/2006/main" xmlns:r="http://schemas.openxmlformats.org/officeDocument/2006/relationships" xmlns:p="http://schemas.openxmlformats.org/presentationml/2006/main">
+  <p:cSld>
+    <p:spTree>
+      <p:nvGrpSpPr>
+        <p:cNvPr id="1" name=""/>
+        <p:cNvGrpSpPr/>
+        <p:nvPr/>
+      </p:nvGrpSpPr>
+      <p:grpSpPr>
+        <a:xfrm>
+          <a:off x="0" y="0"/>
+          <a:ext cx="0" cy="0"/>
+          <a:chOff x="0" y="0"/>
+          <a:chExt cx="0" cy="0"/>
+        </a:xfrm>
+      </p:grpSpPr>
+      <p:sp>
+        <p:nvSpPr>
+          <p:cNvPr id="2" name="标题 1"/>
+          <p:cNvSpPr>
+            <a:spLocks noGrp="1"/>
+          </p:cNvSpPr>
+          <p:nvPr>
+            <p:ph type="title"/>
+          </p:nvPr>
+        </p:nvSpPr>
+        <p:spPr/>
+        <p:txBody>
+          <a:bodyPr>
+            <a:normAutofit/>
+          </a:bodyPr>
+          <a:lstStyle/>
+          <a:p>
+            <a:r>
+              <a:rPr lang="zh-CN" altLang="en-US" sz="3200" dirty="0" smtClean="0"/>
+              <a:t>旅行商问题</a:t>
+            </a:r>
+            <a:endParaRPr lang="zh-CN" altLang="en-US" sz="3200" dirty="0"/>
+          </a:p>
+        </p:txBody>
+      </p:sp>
+      <p:sp>
+        <p:nvSpPr>
+          <p:cNvPr id="3" name="内容占位符 2"/>
+          <p:cNvSpPr>
+            <a:spLocks noGrp="1"/>
+          </p:cNvSpPr>
+          <p:nvPr>
+            <p:ph idx="1"/>
+          </p:nvPr>
+        </p:nvSpPr>
+        <p:spPr/>
+        <p:txBody>
+          <a:bodyPr/>
+          <a:lstStyle/>
+          <a:p>
+            <a:endParaRPr lang="zh-CN" altLang="en-US" dirty="0"/>
+          </a:p>
+        </p:txBody>
+      </p:sp>
+      <p:sp>
+        <p:nvSpPr>
+          <p:cNvPr id="4" name="文本占位符 3"/>
+          <p:cNvSpPr>
+            <a:spLocks noGrp="1"/>
+          </p:cNvSpPr>
+          <p:nvPr>
+            <p:ph type="body" sz="half" idx="2"/>
+          </p:nvPr>
+        </p:nvSpPr>
+        <p:spPr/>
+        <p:txBody>
+          <a:bodyPr/>
+          <a:lstStyle/>
+          <a:p>
+            <a:r>
+              <a:rPr lang="zh-CN" altLang="en-US" dirty="0"/>
+              <a:t>	</a:t>
+            </a:r>
+            <a:r>
+              <a:rPr lang="en-US" altLang="zh-CN" dirty="0"/>
+              <a:t>TSP</a:t>
+            </a:r>
+            <a:r>
+              <a:rPr lang="zh-CN" altLang="en-US" dirty="0"/>
+              <a:t>问题（</a:t>
+            </a:r>
+            <a:r>
+              <a:rPr lang="en-US" altLang="zh-CN" dirty="0"/>
+              <a:t>Traveling Salesman Problem</a:t>
+            </a:r>
+            <a:r>
+              <a:rPr lang="zh-CN" altLang="en-US" dirty="0"/>
+              <a:t>，又称旅行商问题、货郎担问题），是数学领域中的一个著名问题。该问题的描述为：一个旅行商欲不重复无遗漏的路过 个城市并最终回到起点，怎样设计路线使得其行程达到最短。其数学语言描述即：在一个节点数为 的带权无向完全图中，如何构造一条哈密顿回路，使其经过路径的权重和最小。</a:t>
+            </a:r>
+          </a:p>
+        </p:txBody>
+      </p:sp>
+    </p:spTree>
+    <p:extLst>
+      <p:ext uri="{BB962C8B-B14F-4D97-AF65-F5344CB8AC3E}">
+        <p14:creationId xmlns:p14="http://schemas.microsoft.com/office/powerpoint/2010/main" val="53336224"/>
+      </p:ext>
+    </p:extLst>
+  </p:cSld>
+  <p:clrMapOvr>
+    <a:masterClrMapping/>
+  </p:clrMapOvr>
+  <p:timing>
+    <p:tnLst>
+      <p:par>
+        <p:cTn id="1" dur="indefinite" restart="never" nodeType="tmRoot"/>
+      </p:par>
+    </p:tnLst>
+  </p:timing>
+</p:sld>
+</file>
+
+<file path=ppt/slides/slide4.xml><?xml version="1.0" encoding="utf-8"?>
+<p:sld xmlns:a="http://schemas.openxmlformats.org/drawingml/2006/main" xmlns:r="http://schemas.openxmlformats.org/officeDocument/2006/relationships" xmlns:p="http://schemas.openxmlformats.org/presentationml/2006/main">
+  <p:cSld>
+    <p:spTree>
+      <p:nvGrpSpPr>
+        <p:cNvPr id="1" name=""/>
+        <p:cNvGrpSpPr/>
+        <p:nvPr/>
+      </p:nvGrpSpPr>
+      <p:grpSpPr>
+        <a:xfrm>
+          <a:off x="0" y="0"/>
+          <a:ext cx="0" cy="0"/>
+          <a:chOff x="0" y="0"/>
+          <a:chExt cx="0" cy="0"/>
+        </a:xfrm>
+      </p:grpSpPr>
+      <p:sp>
+        <p:nvSpPr>
+          <p:cNvPr id="2" name="标题 1"/>
+          <p:cNvSpPr>
+            <a:spLocks noGrp="1"/>
+          </p:cNvSpPr>
+          <p:nvPr>
+            <p:ph type="title"/>
+          </p:nvPr>
+        </p:nvSpPr>
+        <p:spPr/>
+        <p:txBody>
+          <a:bodyPr/>
+          <a:lstStyle/>
+          <a:p>
+            <a:r>
+              <a:rPr lang="zh-CN" altLang="en-US" dirty="0" smtClean="0"/>
+              <a:t>蚁群算法</a:t>
+            </a:r>
+            <a:endParaRPr lang="zh-CN" altLang="en-US" dirty="0"/>
+          </a:p>
+        </p:txBody>
+      </p:sp>
+      <p:sp>
+        <p:nvSpPr>
+          <p:cNvPr id="3" name="内容占位符 2"/>
+          <p:cNvSpPr>
+            <a:spLocks noGrp="1"/>
+          </p:cNvSpPr>
+          <p:nvPr>
+            <p:ph idx="1"/>
+          </p:nvPr>
+        </p:nvSpPr>
+        <p:spPr/>
+        <p:txBody>
+          <a:bodyPr/>
+          <a:lstStyle/>
+          <a:p>
+            <a:endParaRPr lang="zh-CN" altLang="en-US"/>
+          </a:p>
+        </p:txBody>
+      </p:sp>
+    </p:spTree>
+    <p:extLst>
+      <p:ext uri="{BB962C8B-B14F-4D97-AF65-F5344CB8AC3E}">
+        <p14:creationId xmlns:p14="http://schemas.microsoft.com/office/powerpoint/2010/main" val="1643361958"/>
       </p:ext>
     </p:extLst>
   </p:cSld>
@@ -3016,9 +7971,9 @@
 </file>
 
 <file path=ppt/theme/theme1.xml><?xml version="1.0" encoding="utf-8"?>
-<a:theme xmlns:a="http://schemas.openxmlformats.org/drawingml/2006/main" name="Office 主题">
+<a:theme xmlns:a="http://schemas.openxmlformats.org/drawingml/2006/main" name="丝状">
   <a:themeElements>
-    <a:clrScheme name="Office">
+    <a:clrScheme name="Wisp">
       <a:dk1>
         <a:sysClr val="windowText" lastClr="000000"/>
       </a:dk1>
@@ -3026,83 +7981,48 @@
         <a:sysClr val="window" lastClr="FFFFFF"/>
       </a:lt1>
       <a:dk2>
-        <a:srgbClr val="44546A"/>
+        <a:srgbClr val="766F54"/>
       </a:dk2>
       <a:lt2>
-        <a:srgbClr val="E7E6E6"/>
+        <a:srgbClr val="E3EACF"/>
       </a:lt2>
       <a:accent1>
-        <a:srgbClr val="5B9BD5"/>
+        <a:srgbClr val="A53010"/>
       </a:accent1>
       <a:accent2>
-        <a:srgbClr val="ED7D31"/>
+        <a:srgbClr val="DE7E18"/>
       </a:accent2>
       <a:accent3>
-        <a:srgbClr val="A5A5A5"/>
+        <a:srgbClr val="9F8351"/>
       </a:accent3>
       <a:accent4>
-        <a:srgbClr val="FFC000"/>
+        <a:srgbClr val="728653"/>
       </a:accent4>
       <a:accent5>
-        <a:srgbClr val="4472C4"/>
+        <a:srgbClr val="92AA4C"/>
       </a:accent5>
       <a:accent6>
-        <a:srgbClr val="70AD47"/>
+        <a:srgbClr val="6AAC91"/>
       </a:accent6>
       <a:hlink>
-        <a:srgbClr val="0563C1"/>
+        <a:srgbClr val="FB4A18"/>
       </a:hlink>
       <a:folHlink>
-        <a:srgbClr val="954F72"/>
+        <a:srgbClr val="FB9318"/>
       </a:folHlink>
     </a:clrScheme>
-    <a:fontScheme name="Office">
+    <a:fontScheme name="Wisp">
       <a:majorFont>
-        <a:latin typeface="Calibri Light" panose="020F0302020204030204"/>
+        <a:latin typeface="Century Gothic" panose="020B0502020202020204"/>
         <a:ea typeface=""/>
         <a:cs typeface=""/>
-        <a:font script="Jpan" typeface="ＭＳ Ｐゴシック"/>
-        <a:font script="Hang" typeface="맑은 고딕"/>
-        <a:font script="Hans" typeface="宋体"/>
-        <a:font script="Hant" typeface="新細明體"/>
-        <a:font script="Arab" typeface="Times New Roman"/>
-        <a:font script="Hebr" typeface="Times New Roman"/>
-        <a:font script="Thai" typeface="Angsana New"/>
-        <a:font script="Ethi" typeface="Nyala"/>
-        <a:font script="Beng" typeface="Vrinda"/>
-        <a:font script="Gujr" typeface="Shruti"/>
-        <a:font script="Khmr" typeface="MoolBoran"/>
-        <a:font script="Knda" typeface="Tunga"/>
-        <a:font script="Guru" typeface="Raavi"/>
-        <a:font script="Cans" typeface="Euphemia"/>
-        <a:font script="Cher" typeface="Plantagenet Cherokee"/>
-        <a:font script="Yiii" typeface="Microsoft Yi Baiti"/>
-        <a:font script="Tibt" typeface="Microsoft Himalaya"/>
-        <a:font script="Thaa" typeface="MV Boli"/>
-        <a:font script="Deva" typeface="Mangal"/>
-        <a:font script="Telu" typeface="Gautami"/>
-        <a:font script="Taml" typeface="Latha"/>
-        <a:font script="Syrc" typeface="Estrangelo Edessa"/>
-        <a:font script="Orya" typeface="Kalinga"/>
-        <a:font script="Mlym" typeface="Kartika"/>
-        <a:font script="Laoo" typeface="DokChampa"/>
-        <a:font script="Sinh" typeface="Iskoola Pota"/>
-        <a:font script="Mong" typeface="Mongolian Baiti"/>
-        <a:font script="Viet" typeface="Times New Roman"/>
-        <a:font script="Uigh" typeface="Microsoft Uighur"/>
-        <a:font script="Geor" typeface="Sylfaen"/>
-      </a:majorFont>
-      <a:minorFont>
-        <a:latin typeface="Calibri" panose="020F0502020204030204"/>
-        <a:ea typeface=""/>
-        <a:cs typeface=""/>
-        <a:font script="Jpan" typeface="ＭＳ Ｐゴシック"/>
-        <a:font script="Hang" typeface="맑은 고딕"/>
-        <a:font script="Hans" typeface="宋体"/>
-        <a:font script="Hant" typeface="新細明體"/>
-        <a:font script="Arab" typeface="Arial"/>
-        <a:font script="Hebr" typeface="Arial"/>
-        <a:font script="Thai" typeface="Cordia New"/>
+        <a:font script="Jpan" typeface="メイリオ"/>
+        <a:font script="Hang" typeface="HY중고딕"/>
+        <a:font script="Hans" typeface="幼圆"/>
+        <a:font script="Hant" typeface="微軟正黑體"/>
+        <a:font script="Arab" typeface="Tahoma"/>
+        <a:font script="Hebr" typeface="Gisha"/>
+        <a:font script="Thai" typeface="DilleniaUPC"/>
         <a:font script="Ethi" typeface="Nyala"/>
         <a:font script="Beng" typeface="Vrinda"/>
         <a:font script="Gujr" typeface="Shruti"/>
@@ -3123,13 +8043,121 @@
         <a:font script="Laoo" typeface="DokChampa"/>
         <a:font script="Sinh" typeface="Iskoola Pota"/>
         <a:font script="Mong" typeface="Mongolian Baiti"/>
-        <a:font script="Viet" typeface="Arial"/>
+        <a:font script="Viet" typeface="Tahoma"/>
+        <a:font script="Uigh" typeface="Microsoft Uighur"/>
+        <a:font script="Geor" typeface="Sylfaen"/>
+      </a:majorFont>
+      <a:minorFont>
+        <a:latin typeface="Century Gothic" panose="020B0502020202020204"/>
+        <a:ea typeface=""/>
+        <a:cs typeface=""/>
+        <a:font script="Jpan" typeface="メイリオ"/>
+        <a:font script="Hang" typeface="HY중고딕"/>
+        <a:font script="Hans" typeface="幼圆"/>
+        <a:font script="Hant" typeface="微軟正黑體"/>
+        <a:font script="Arab" typeface="Tahoma"/>
+        <a:font script="Hebr" typeface="Gisha"/>
+        <a:font script="Thai" typeface="DilleniaUPC"/>
+        <a:font script="Ethi" typeface="Nyala"/>
+        <a:font script="Beng" typeface="Vrinda"/>
+        <a:font script="Gujr" typeface="Shruti"/>
+        <a:font script="Khmr" typeface="DaunPenh"/>
+        <a:font script="Knda" typeface="Tunga"/>
+        <a:font script="Guru" typeface="Raavi"/>
+        <a:font script="Cans" typeface="Euphemia"/>
+        <a:font script="Cher" typeface="Plantagenet Cherokee"/>
+        <a:font script="Yiii" typeface="Microsoft Yi Baiti"/>
+        <a:font script="Tibt" typeface="Microsoft Himalaya"/>
+        <a:font script="Thaa" typeface="MV Boli"/>
+        <a:font script="Deva" typeface="Mangal"/>
+        <a:font script="Telu" typeface="Gautami"/>
+        <a:font script="Taml" typeface="Latha"/>
+        <a:font script="Syrc" typeface="Estrangelo Edessa"/>
+        <a:font script="Orya" typeface="Kalinga"/>
+        <a:font script="Mlym" typeface="Kartika"/>
+        <a:font script="Laoo" typeface="DokChampa"/>
+        <a:font script="Sinh" typeface="Iskoola Pota"/>
+        <a:font script="Mong" typeface="Mongolian Baiti"/>
+        <a:font script="Viet" typeface="Tahoma"/>
         <a:font script="Uigh" typeface="Microsoft Uighur"/>
         <a:font script="Geor" typeface="Sylfaen"/>
       </a:minorFont>
     </a:fontScheme>
-    <a:fmtScheme name="Office">
+    <a:fmtScheme name="Wisp">
       <a:fillStyleLst>
+        <a:solidFill>
+          <a:schemeClr val="phClr"/>
+        </a:solidFill>
+        <a:solidFill>
+          <a:schemeClr val="phClr">
+            <a:tint val="70000"/>
+            <a:lumMod val="104000"/>
+          </a:schemeClr>
+        </a:solidFill>
+        <a:gradFill rotWithShape="1">
+          <a:gsLst>
+            <a:gs pos="0">
+              <a:schemeClr val="phClr">
+                <a:tint val="96000"/>
+                <a:lumMod val="104000"/>
+              </a:schemeClr>
+            </a:gs>
+            <a:gs pos="100000">
+              <a:schemeClr val="phClr">
+                <a:shade val="98000"/>
+                <a:lumMod val="94000"/>
+              </a:schemeClr>
+            </a:gs>
+          </a:gsLst>
+          <a:lin ang="5400000" scaled="0"/>
+        </a:gradFill>
+      </a:fillStyleLst>
+      <a:lnStyleLst>
+        <a:ln w="9525" cap="rnd" cmpd="sng" algn="ctr">
+          <a:solidFill>
+            <a:schemeClr val="phClr">
+              <a:shade val="90000"/>
+            </a:schemeClr>
+          </a:solidFill>
+          <a:prstDash val="solid"/>
+        </a:ln>
+        <a:ln w="15875" cap="rnd" cmpd="sng" algn="ctr">
+          <a:solidFill>
+            <a:schemeClr val="phClr"/>
+          </a:solidFill>
+          <a:prstDash val="solid"/>
+        </a:ln>
+        <a:ln w="22225" cap="rnd" cmpd="sng" algn="ctr">
+          <a:solidFill>
+            <a:schemeClr val="phClr"/>
+          </a:solidFill>
+          <a:prstDash val="solid"/>
+        </a:ln>
+      </a:lnStyleLst>
+      <a:effectStyleLst>
+        <a:effectStyle>
+          <a:effectLst/>
+        </a:effectStyle>
+        <a:effectStyle>
+          <a:effectLst>
+            <a:outerShdw blurRad="38100" dist="25400" dir="5400000" rotWithShape="0">
+              <a:srgbClr val="000000">
+                <a:alpha val="25000"/>
+              </a:srgbClr>
+            </a:outerShdw>
+          </a:effectLst>
+        </a:effectStyle>
+        <a:effectStyle>
+          <a:effectLst>
+            <a:outerShdw blurRad="50800" dist="38100" dir="5400000" rotWithShape="0">
+              <a:srgbClr val="000000">
+                <a:alpha val="60000"/>
+              </a:srgbClr>
+            </a:outerShdw>
+          </a:effectLst>
+        </a:effectStyle>
+      </a:effectStyleLst>
+      <a:bgFillStyleLst>
         <a:solidFill>
           <a:schemeClr val="phClr"/>
         </a:solidFill>
@@ -3137,23 +8165,15 @@
           <a:gsLst>
             <a:gs pos="0">
               <a:schemeClr val="phClr">
-                <a:lumMod val="110000"/>
-                <a:satMod val="105000"/>
-                <a:tint val="67000"/>
-              </a:schemeClr>
-            </a:gs>
-            <a:gs pos="50000">
-              <a:schemeClr val="phClr">
-                <a:lumMod val="105000"/>
-                <a:satMod val="103000"/>
-                <a:tint val="73000"/>
+                <a:tint val="90000"/>
+                <a:lumMod val="120000"/>
               </a:schemeClr>
             </a:gs>
             <a:gs pos="100000">
               <a:schemeClr val="phClr">
-                <a:lumMod val="105000"/>
-                <a:satMod val="109000"/>
-                <a:tint val="81000"/>
+                <a:shade val="98000"/>
+                <a:satMod val="120000"/>
+                <a:lumMod val="98000"/>
               </a:schemeClr>
             </a:gs>
           </a:gsLst>
@@ -3163,105 +8183,22 @@
           <a:gsLst>
             <a:gs pos="0">
               <a:schemeClr val="phClr">
-                <a:satMod val="103000"/>
-                <a:lumMod val="102000"/>
-                <a:tint val="94000"/>
-              </a:schemeClr>
-            </a:gs>
-            <a:gs pos="50000">
-              <a:schemeClr val="phClr">
-                <a:satMod val="110000"/>
-                <a:lumMod val="100000"/>
-                <a:shade val="100000"/>
+                <a:tint val="90000"/>
+                <a:satMod val="92000"/>
+                <a:lumMod val="120000"/>
               </a:schemeClr>
             </a:gs>
             <a:gs pos="100000">
               <a:schemeClr val="phClr">
-                <a:lumMod val="99000"/>
+                <a:shade val="98000"/>
                 <a:satMod val="120000"/>
-                <a:shade val="78000"/>
+                <a:lumMod val="98000"/>
               </a:schemeClr>
             </a:gs>
           </a:gsLst>
-          <a:lin ang="5400000" scaled="0"/>
-        </a:gradFill>
-      </a:fillStyleLst>
-      <a:lnStyleLst>
-        <a:ln w="6350" cap="flat" cmpd="sng" algn="ctr">
-          <a:solidFill>
-            <a:schemeClr val="phClr"/>
-          </a:solidFill>
-          <a:prstDash val="solid"/>
-          <a:miter lim="800000"/>
-        </a:ln>
-        <a:ln w="12700" cap="flat" cmpd="sng" algn="ctr">
-          <a:solidFill>
-            <a:schemeClr val="phClr"/>
-          </a:solidFill>
-          <a:prstDash val="solid"/>
-          <a:miter lim="800000"/>
-        </a:ln>
-        <a:ln w="19050" cap="flat" cmpd="sng" algn="ctr">
-          <a:solidFill>
-            <a:schemeClr val="phClr"/>
-          </a:solidFill>
-          <a:prstDash val="solid"/>
-          <a:miter lim="800000"/>
-        </a:ln>
-      </a:lnStyleLst>
-      <a:effectStyleLst>
-        <a:effectStyle>
-          <a:effectLst/>
-        </a:effectStyle>
-        <a:effectStyle>
-          <a:effectLst/>
-        </a:effectStyle>
-        <a:effectStyle>
-          <a:effectLst>
-            <a:outerShdw blurRad="57150" dist="19050" dir="5400000" algn="ctr" rotWithShape="0">
-              <a:srgbClr val="000000">
-                <a:alpha val="63000"/>
-              </a:srgbClr>
-            </a:outerShdw>
-          </a:effectLst>
-        </a:effectStyle>
-      </a:effectStyleLst>
-      <a:bgFillStyleLst>
-        <a:solidFill>
-          <a:schemeClr val="phClr"/>
-        </a:solidFill>
-        <a:solidFill>
-          <a:schemeClr val="phClr">
-            <a:tint val="95000"/>
-            <a:satMod val="170000"/>
-          </a:schemeClr>
-        </a:solidFill>
-        <a:gradFill rotWithShape="1">
-          <a:gsLst>
-            <a:gs pos="0">
-              <a:schemeClr val="phClr">
-                <a:tint val="93000"/>
-                <a:satMod val="150000"/>
-                <a:shade val="98000"/>
-                <a:lumMod val="102000"/>
-              </a:schemeClr>
-            </a:gs>
-            <a:gs pos="50000">
-              <a:schemeClr val="phClr">
-                <a:tint val="98000"/>
-                <a:satMod val="130000"/>
-                <a:shade val="90000"/>
-                <a:lumMod val="103000"/>
-              </a:schemeClr>
-            </a:gs>
-            <a:gs pos="100000">
-              <a:schemeClr val="phClr">
-                <a:shade val="63000"/>
-                <a:satMod val="120000"/>
-              </a:schemeClr>
-            </a:gs>
-          </a:gsLst>
-          <a:lin ang="5400000" scaled="0"/>
+          <a:path path="circle">
+            <a:fillToRect l="50000" t="50000" r="100000" b="100000"/>
+          </a:path>
         </a:gradFill>
       </a:bgFillStyleLst>
     </a:fmtScheme>
@@ -3270,7 +8207,7 @@
   <a:extraClrSchemeLst/>
   <a:extLst>
     <a:ext uri="{05A4C25C-085E-4340-85A3-A5531E510DB2}">
-      <thm15:themeFamily xmlns:thm15="http://schemas.microsoft.com/office/thememl/2012/main" name="Office Theme" id="{62F939B6-93AF-4DB8-9C6B-D6C7DFDC589F}" vid="{4A3C46E8-61CC-4603-A589-7422A47A8E4A}"/>
+      <thm15:themeFamily xmlns:thm15="http://schemas.microsoft.com/office/thememl/2012/main" name="Wisp" id="{7CB32D59-10C0-40DD-B7BD-2E94284A981C}" vid="{24B1A44C-C006-48B2-A4D7-E5549B3D8CD4}"/>
     </a:ext>
   </a:extLst>
 </a:theme>

--- a/src/main/resources/draft/答辩演示文稿.pptx
+++ b/src/main/resources/draft/答辩演示文稿.pptx
@@ -6,9 +6,13 @@
   </p:sldMasterIdLst>
   <p:sldIdLst>
     <p:sldId id="256" r:id="rId2"/>
-    <p:sldId id="260" r:id="rId3"/>
-    <p:sldId id="258" r:id="rId4"/>
+    <p:sldId id="258" r:id="rId3"/>
+    <p:sldId id="261" r:id="rId4"/>
     <p:sldId id="259" r:id="rId5"/>
+    <p:sldId id="262" r:id="rId6"/>
+    <p:sldId id="264" r:id="rId7"/>
+    <p:sldId id="265" r:id="rId8"/>
+    <p:sldId id="263" r:id="rId9"/>
   </p:sldIdLst>
   <p:sldSz cx="12192000" cy="6858000"/>
   <p:notesSz cx="6858000" cy="9144000"/>
@@ -107,7 +111,6706 @@
       </a:defRPr>
     </a:lvl9pPr>
   </p:defaultTextStyle>
+  <p:extLst>
+    <p:ext uri="{EFAFB233-063F-42B5-8137-9DF3F51BA10A}">
+      <p15:sldGuideLst xmlns:p15="http://schemas.microsoft.com/office/powerpoint/2012/main"/>
+    </p:ext>
+  </p:extLst>
 </p:presentation>
+</file>
+
+<file path=ppt/diagrams/colors1.xml><?xml version="1.0" encoding="utf-8"?>
+<dgm:colorsDef xmlns:dgm="http://schemas.openxmlformats.org/drawingml/2006/diagram" xmlns:a="http://schemas.openxmlformats.org/drawingml/2006/main" uniqueId="urn:microsoft.com/office/officeart/2005/8/colors/colorful1">
+  <dgm:title val=""/>
+  <dgm:desc val=""/>
+  <dgm:catLst>
+    <dgm:cat type="colorful" pri="10100"/>
+  </dgm:catLst>
+  <dgm:styleLbl name="node0">
+    <dgm:fillClrLst meth="repeat">
+      <a:schemeClr val="accent1"/>
+    </dgm:fillClrLst>
+    <dgm:linClrLst meth="repeat">
+      <a:schemeClr val="lt1"/>
+    </dgm:linClrLst>
+    <dgm:effectClrLst/>
+    <dgm:txLinClrLst/>
+    <dgm:txFillClrLst/>
+    <dgm:txEffectClrLst/>
+  </dgm:styleLbl>
+  <dgm:styleLbl name="node1">
+    <dgm:fillClrLst meth="repeat">
+      <a:schemeClr val="accent2"/>
+      <a:schemeClr val="accent3"/>
+      <a:schemeClr val="accent4"/>
+      <a:schemeClr val="accent5"/>
+      <a:schemeClr val="accent6"/>
+    </dgm:fillClrLst>
+    <dgm:linClrLst meth="repeat">
+      <a:schemeClr val="lt1"/>
+    </dgm:linClrLst>
+    <dgm:effectClrLst/>
+    <dgm:txLinClrLst/>
+    <dgm:txFillClrLst/>
+    <dgm:txEffectClrLst/>
+  </dgm:styleLbl>
+  <dgm:styleLbl name="alignNode1">
+    <dgm:fillClrLst meth="repeat">
+      <a:schemeClr val="accent2"/>
+      <a:schemeClr val="accent3"/>
+      <a:schemeClr val="accent4"/>
+      <a:schemeClr val="accent5"/>
+      <a:schemeClr val="accent6"/>
+    </dgm:fillClrLst>
+    <dgm:linClrLst meth="repeat">
+      <a:schemeClr val="accent2"/>
+      <a:schemeClr val="accent3"/>
+      <a:schemeClr val="accent4"/>
+      <a:schemeClr val="accent5"/>
+      <a:schemeClr val="accent6"/>
+    </dgm:linClrLst>
+    <dgm:effectClrLst/>
+    <dgm:txLinClrLst/>
+    <dgm:txFillClrLst/>
+    <dgm:txEffectClrLst/>
+  </dgm:styleLbl>
+  <dgm:styleLbl name="lnNode1">
+    <dgm:fillClrLst meth="repeat">
+      <a:schemeClr val="accent2"/>
+      <a:schemeClr val="accent3"/>
+      <a:schemeClr val="accent4"/>
+      <a:schemeClr val="accent5"/>
+      <a:schemeClr val="accent6"/>
+    </dgm:fillClrLst>
+    <dgm:linClrLst meth="repeat">
+      <a:schemeClr val="lt1"/>
+    </dgm:linClrLst>
+    <dgm:effectClrLst/>
+    <dgm:txLinClrLst/>
+    <dgm:txFillClrLst/>
+    <dgm:txEffectClrLst/>
+  </dgm:styleLbl>
+  <dgm:styleLbl name="vennNode1">
+    <dgm:fillClrLst meth="repeat">
+      <a:schemeClr val="accent2">
+        <a:alpha val="50000"/>
+      </a:schemeClr>
+      <a:schemeClr val="accent3">
+        <a:alpha val="50000"/>
+      </a:schemeClr>
+      <a:schemeClr val="accent4">
+        <a:alpha val="50000"/>
+      </a:schemeClr>
+      <a:schemeClr val="accent5">
+        <a:alpha val="50000"/>
+      </a:schemeClr>
+      <a:schemeClr val="accent6">
+        <a:alpha val="50000"/>
+      </a:schemeClr>
+    </dgm:fillClrLst>
+    <dgm:linClrLst meth="repeat">
+      <a:schemeClr val="lt1"/>
+    </dgm:linClrLst>
+    <dgm:effectClrLst/>
+    <dgm:txLinClrLst/>
+    <dgm:txFillClrLst/>
+    <dgm:txEffectClrLst/>
+  </dgm:styleLbl>
+  <dgm:styleLbl name="node2">
+    <dgm:fillClrLst>
+      <a:schemeClr val="accent2"/>
+    </dgm:fillClrLst>
+    <dgm:linClrLst meth="repeat">
+      <a:schemeClr val="lt1"/>
+    </dgm:linClrLst>
+    <dgm:effectClrLst/>
+    <dgm:txLinClrLst/>
+    <dgm:txFillClrLst/>
+    <dgm:txEffectClrLst/>
+  </dgm:styleLbl>
+  <dgm:styleLbl name="node3">
+    <dgm:fillClrLst>
+      <a:schemeClr val="accent3"/>
+    </dgm:fillClrLst>
+    <dgm:linClrLst meth="repeat">
+      <a:schemeClr val="lt1"/>
+    </dgm:linClrLst>
+    <dgm:effectClrLst/>
+    <dgm:txLinClrLst/>
+    <dgm:txFillClrLst/>
+    <dgm:txEffectClrLst/>
+  </dgm:styleLbl>
+  <dgm:styleLbl name="node4">
+    <dgm:fillClrLst>
+      <a:schemeClr val="accent4"/>
+    </dgm:fillClrLst>
+    <dgm:linClrLst meth="repeat">
+      <a:schemeClr val="lt1"/>
+    </dgm:linClrLst>
+    <dgm:effectClrLst/>
+    <dgm:txLinClrLst/>
+    <dgm:txFillClrLst/>
+    <dgm:txEffectClrLst/>
+  </dgm:styleLbl>
+  <dgm:styleLbl name="fgImgPlace1">
+    <dgm:fillClrLst meth="repeat">
+      <a:schemeClr val="accent2">
+        <a:tint val="50000"/>
+      </a:schemeClr>
+      <a:schemeClr val="accent3">
+        <a:tint val="50000"/>
+      </a:schemeClr>
+      <a:schemeClr val="accent4">
+        <a:tint val="50000"/>
+      </a:schemeClr>
+      <a:schemeClr val="accent5">
+        <a:tint val="50000"/>
+      </a:schemeClr>
+      <a:schemeClr val="accent6">
+        <a:tint val="50000"/>
+      </a:schemeClr>
+    </dgm:fillClrLst>
+    <dgm:linClrLst meth="repeat">
+      <a:schemeClr val="lt1"/>
+    </dgm:linClrLst>
+    <dgm:effectClrLst/>
+    <dgm:txLinClrLst/>
+    <dgm:txFillClrLst meth="repeat">
+      <a:schemeClr val="lt1"/>
+    </dgm:txFillClrLst>
+    <dgm:txEffectClrLst/>
+  </dgm:styleLbl>
+  <dgm:styleLbl name="alignImgPlace1">
+    <dgm:fillClrLst>
+      <a:schemeClr val="accent1">
+        <a:tint val="50000"/>
+      </a:schemeClr>
+      <a:schemeClr val="accent2">
+        <a:tint val="20000"/>
+      </a:schemeClr>
+    </dgm:fillClrLst>
+    <dgm:linClrLst meth="repeat">
+      <a:schemeClr val="lt1"/>
+    </dgm:linClrLst>
+    <dgm:effectClrLst/>
+    <dgm:txLinClrLst/>
+    <dgm:txFillClrLst meth="repeat">
+      <a:schemeClr val="lt1"/>
+    </dgm:txFillClrLst>
+    <dgm:txEffectClrLst/>
+  </dgm:styleLbl>
+  <dgm:styleLbl name="bgImgPlace1">
+    <dgm:fillClrLst>
+      <a:schemeClr val="accent1">
+        <a:tint val="50000"/>
+      </a:schemeClr>
+      <a:schemeClr val="accent2">
+        <a:tint val="20000"/>
+      </a:schemeClr>
+    </dgm:fillClrLst>
+    <dgm:linClrLst meth="repeat">
+      <a:schemeClr val="lt1"/>
+    </dgm:linClrLst>
+    <dgm:effectClrLst/>
+    <dgm:txLinClrLst/>
+    <dgm:txFillClrLst meth="repeat">
+      <a:schemeClr val="lt1"/>
+    </dgm:txFillClrLst>
+    <dgm:txEffectClrLst/>
+  </dgm:styleLbl>
+  <dgm:styleLbl name="sibTrans2D1">
+    <dgm:fillClrLst meth="repeat">
+      <a:schemeClr val="accent2"/>
+      <a:schemeClr val="accent3"/>
+      <a:schemeClr val="accent4"/>
+      <a:schemeClr val="accent5"/>
+      <a:schemeClr val="accent6"/>
+    </dgm:fillClrLst>
+    <dgm:linClrLst meth="cycle">
+      <a:schemeClr val="lt1"/>
+    </dgm:linClrLst>
+    <dgm:effectClrLst/>
+    <dgm:txLinClrLst/>
+    <dgm:txFillClrLst/>
+    <dgm:txEffectClrLst/>
+  </dgm:styleLbl>
+  <dgm:styleLbl name="fgSibTrans2D1">
+    <dgm:fillClrLst meth="repeat">
+      <a:schemeClr val="accent2"/>
+      <a:schemeClr val="accent3"/>
+      <a:schemeClr val="accent4"/>
+      <a:schemeClr val="accent5"/>
+      <a:schemeClr val="accent6"/>
+    </dgm:fillClrLst>
+    <dgm:linClrLst meth="cycle">
+      <a:schemeClr val="lt1"/>
+    </dgm:linClrLst>
+    <dgm:effectClrLst/>
+    <dgm:txLinClrLst/>
+    <dgm:txFillClrLst meth="repeat">
+      <a:schemeClr val="lt1"/>
+    </dgm:txFillClrLst>
+    <dgm:txEffectClrLst/>
+  </dgm:styleLbl>
+  <dgm:styleLbl name="bgSibTrans2D1">
+    <dgm:fillClrLst meth="repeat">
+      <a:schemeClr val="accent2"/>
+      <a:schemeClr val="accent3"/>
+      <a:schemeClr val="accent4"/>
+      <a:schemeClr val="accent5"/>
+      <a:schemeClr val="accent6"/>
+    </dgm:fillClrLst>
+    <dgm:linClrLst meth="cycle">
+      <a:schemeClr val="lt1"/>
+    </dgm:linClrLst>
+    <dgm:effectClrLst/>
+    <dgm:txLinClrLst/>
+    <dgm:txFillClrLst meth="repeat">
+      <a:schemeClr val="lt1"/>
+    </dgm:txFillClrLst>
+    <dgm:txEffectClrLst/>
+  </dgm:styleLbl>
+  <dgm:styleLbl name="sibTrans1D1">
+    <dgm:fillClrLst meth="repeat">
+      <a:schemeClr val="accent2"/>
+      <a:schemeClr val="accent3"/>
+      <a:schemeClr val="accent4"/>
+      <a:schemeClr val="accent5"/>
+      <a:schemeClr val="accent6"/>
+    </dgm:fillClrLst>
+    <dgm:linClrLst meth="repeat">
+      <a:schemeClr val="accent2"/>
+      <a:schemeClr val="accent3"/>
+      <a:schemeClr val="accent4"/>
+      <a:schemeClr val="accent5"/>
+      <a:schemeClr val="accent6"/>
+    </dgm:linClrLst>
+    <dgm:effectClrLst/>
+    <dgm:txLinClrLst/>
+    <dgm:txFillClrLst meth="repeat">
+      <a:schemeClr val="tx1"/>
+    </dgm:txFillClrLst>
+    <dgm:txEffectClrLst/>
+  </dgm:styleLbl>
+  <dgm:styleLbl name="callout">
+    <dgm:fillClrLst meth="repeat">
+      <a:schemeClr val="accent2"/>
+    </dgm:fillClrLst>
+    <dgm:linClrLst meth="repeat">
+      <a:schemeClr val="accent2">
+        <a:tint val="50000"/>
+      </a:schemeClr>
+    </dgm:linClrLst>
+    <dgm:effectClrLst/>
+    <dgm:txLinClrLst/>
+    <dgm:txFillClrLst meth="repeat">
+      <a:schemeClr val="tx1"/>
+    </dgm:txFillClrLst>
+    <dgm:txEffectClrLst/>
+  </dgm:styleLbl>
+  <dgm:styleLbl name="asst0">
+    <dgm:fillClrLst meth="repeat">
+      <a:schemeClr val="accent1"/>
+    </dgm:fillClrLst>
+    <dgm:linClrLst meth="repeat">
+      <a:schemeClr val="lt1"/>
+    </dgm:linClrLst>
+    <dgm:effectClrLst/>
+    <dgm:txLinClrLst/>
+    <dgm:txFillClrLst/>
+    <dgm:txEffectClrLst/>
+  </dgm:styleLbl>
+  <dgm:styleLbl name="asst1">
+    <dgm:fillClrLst meth="repeat">
+      <a:schemeClr val="accent2"/>
+    </dgm:fillClrLst>
+    <dgm:linClrLst meth="repeat">
+      <a:schemeClr val="lt1"/>
+    </dgm:linClrLst>
+    <dgm:effectClrLst/>
+    <dgm:txLinClrLst/>
+    <dgm:txFillClrLst/>
+    <dgm:txEffectClrLst/>
+  </dgm:styleLbl>
+  <dgm:styleLbl name="asst2">
+    <dgm:fillClrLst>
+      <a:schemeClr val="accent3"/>
+    </dgm:fillClrLst>
+    <dgm:linClrLst meth="repeat">
+      <a:schemeClr val="lt1"/>
+    </dgm:linClrLst>
+    <dgm:effectClrLst/>
+    <dgm:txLinClrLst/>
+    <dgm:txFillClrLst/>
+    <dgm:txEffectClrLst/>
+  </dgm:styleLbl>
+  <dgm:styleLbl name="asst3">
+    <dgm:fillClrLst>
+      <a:schemeClr val="accent4"/>
+    </dgm:fillClrLst>
+    <dgm:linClrLst meth="repeat">
+      <a:schemeClr val="lt1"/>
+    </dgm:linClrLst>
+    <dgm:effectClrLst/>
+    <dgm:txLinClrLst/>
+    <dgm:txFillClrLst/>
+    <dgm:txEffectClrLst/>
+  </dgm:styleLbl>
+  <dgm:styleLbl name="asst4">
+    <dgm:fillClrLst>
+      <a:schemeClr val="accent5"/>
+    </dgm:fillClrLst>
+    <dgm:linClrLst meth="repeat">
+      <a:schemeClr val="lt1"/>
+    </dgm:linClrLst>
+    <dgm:effectClrLst/>
+    <dgm:txLinClrLst/>
+    <dgm:txFillClrLst/>
+    <dgm:txEffectClrLst/>
+  </dgm:styleLbl>
+  <dgm:styleLbl name="parChTrans2D1">
+    <dgm:fillClrLst meth="repeat">
+      <a:schemeClr val="accent2"/>
+    </dgm:fillClrLst>
+    <dgm:linClrLst meth="repeat">
+      <a:schemeClr val="lt1"/>
+    </dgm:linClrLst>
+    <dgm:effectClrLst/>
+    <dgm:txLinClrLst/>
+    <dgm:txFillClrLst meth="repeat">
+      <a:schemeClr val="lt1"/>
+    </dgm:txFillClrLst>
+    <dgm:txEffectClrLst/>
+  </dgm:styleLbl>
+  <dgm:styleLbl name="parChTrans2D2">
+    <dgm:fillClrLst meth="repeat">
+      <a:schemeClr val="accent3"/>
+    </dgm:fillClrLst>
+    <dgm:linClrLst meth="repeat">
+      <a:schemeClr val="lt1"/>
+    </dgm:linClrLst>
+    <dgm:effectClrLst/>
+    <dgm:txLinClrLst/>
+    <dgm:txFillClrLst/>
+    <dgm:txEffectClrLst/>
+  </dgm:styleLbl>
+  <dgm:styleLbl name="parChTrans2D3">
+    <dgm:fillClrLst meth="repeat">
+      <a:schemeClr val="accent4"/>
+    </dgm:fillClrLst>
+    <dgm:linClrLst meth="repeat">
+      <a:schemeClr val="lt1"/>
+    </dgm:linClrLst>
+    <dgm:effectClrLst/>
+    <dgm:txLinClrLst/>
+    <dgm:txFillClrLst/>
+    <dgm:txEffectClrLst/>
+  </dgm:styleLbl>
+  <dgm:styleLbl name="parChTrans2D4">
+    <dgm:fillClrLst meth="repeat">
+      <a:schemeClr val="accent5"/>
+    </dgm:fillClrLst>
+    <dgm:linClrLst meth="repeat">
+      <a:schemeClr val="lt1"/>
+    </dgm:linClrLst>
+    <dgm:effectClrLst/>
+    <dgm:txLinClrLst/>
+    <dgm:txFillClrLst meth="repeat">
+      <a:schemeClr val="lt1"/>
+    </dgm:txFillClrLst>
+    <dgm:txEffectClrLst/>
+  </dgm:styleLbl>
+  <dgm:styleLbl name="parChTrans1D1">
+    <dgm:fillClrLst meth="repeat">
+      <a:schemeClr val="accent2"/>
+    </dgm:fillClrLst>
+    <dgm:linClrLst meth="repeat">
+      <a:schemeClr val="accent1"/>
+    </dgm:linClrLst>
+    <dgm:effectClrLst/>
+    <dgm:txLinClrLst/>
+    <dgm:txFillClrLst meth="repeat">
+      <a:schemeClr val="tx1"/>
+    </dgm:txFillClrLst>
+    <dgm:txEffectClrLst/>
+  </dgm:styleLbl>
+  <dgm:styleLbl name="parChTrans1D2">
+    <dgm:fillClrLst meth="repeat">
+      <a:schemeClr val="accent3">
+        <a:tint val="90000"/>
+      </a:schemeClr>
+    </dgm:fillClrLst>
+    <dgm:linClrLst meth="repeat">
+      <a:schemeClr val="accent2"/>
+    </dgm:linClrLst>
+    <dgm:effectClrLst/>
+    <dgm:txLinClrLst/>
+    <dgm:txFillClrLst meth="repeat">
+      <a:schemeClr val="tx1"/>
+    </dgm:txFillClrLst>
+    <dgm:txEffectClrLst/>
+  </dgm:styleLbl>
+  <dgm:styleLbl name="parChTrans1D3">
+    <dgm:fillClrLst meth="repeat">
+      <a:schemeClr val="accent4">
+        <a:tint val="70000"/>
+      </a:schemeClr>
+    </dgm:fillClrLst>
+    <dgm:linClrLst meth="repeat">
+      <a:schemeClr val="accent3"/>
+    </dgm:linClrLst>
+    <dgm:effectClrLst/>
+    <dgm:txLinClrLst/>
+    <dgm:txFillClrLst meth="repeat">
+      <a:schemeClr val="tx1"/>
+    </dgm:txFillClrLst>
+    <dgm:txEffectClrLst/>
+  </dgm:styleLbl>
+  <dgm:styleLbl name="parChTrans1D4">
+    <dgm:fillClrLst meth="repeat">
+      <a:schemeClr val="accent5">
+        <a:tint val="50000"/>
+      </a:schemeClr>
+    </dgm:fillClrLst>
+    <dgm:linClrLst meth="repeat">
+      <a:schemeClr val="accent4"/>
+    </dgm:linClrLst>
+    <dgm:effectClrLst/>
+    <dgm:txLinClrLst/>
+    <dgm:txFillClrLst meth="repeat">
+      <a:schemeClr val="tx1"/>
+    </dgm:txFillClrLst>
+    <dgm:txEffectClrLst/>
+  </dgm:styleLbl>
+  <dgm:styleLbl name="fgAcc1">
+    <dgm:fillClrLst meth="repeat">
+      <a:schemeClr val="lt1">
+        <a:alpha val="90000"/>
+      </a:schemeClr>
+    </dgm:fillClrLst>
+    <dgm:linClrLst meth="repeat">
+      <a:schemeClr val="accent2"/>
+      <a:schemeClr val="accent3"/>
+      <a:schemeClr val="accent4"/>
+      <a:schemeClr val="accent5"/>
+      <a:schemeClr val="accent6"/>
+    </dgm:linClrLst>
+    <dgm:effectClrLst/>
+    <dgm:txLinClrLst/>
+    <dgm:txFillClrLst meth="repeat">
+      <a:schemeClr val="dk1"/>
+    </dgm:txFillClrLst>
+    <dgm:txEffectClrLst/>
+  </dgm:styleLbl>
+  <dgm:styleLbl name="conFgAcc1">
+    <dgm:fillClrLst meth="repeat">
+      <a:schemeClr val="lt1">
+        <a:alpha val="90000"/>
+      </a:schemeClr>
+    </dgm:fillClrLst>
+    <dgm:linClrLst meth="repeat">
+      <a:schemeClr val="accent2"/>
+      <a:schemeClr val="accent3"/>
+      <a:schemeClr val="accent4"/>
+      <a:schemeClr val="accent5"/>
+      <a:schemeClr val="accent6"/>
+    </dgm:linClrLst>
+    <dgm:effectClrLst/>
+    <dgm:txLinClrLst/>
+    <dgm:txFillClrLst meth="repeat">
+      <a:schemeClr val="dk1"/>
+    </dgm:txFillClrLst>
+    <dgm:txEffectClrLst/>
+  </dgm:styleLbl>
+  <dgm:styleLbl name="alignAcc1">
+    <dgm:fillClrLst meth="repeat">
+      <a:schemeClr val="lt1">
+        <a:alpha val="90000"/>
+      </a:schemeClr>
+    </dgm:fillClrLst>
+    <dgm:linClrLst meth="repeat">
+      <a:schemeClr val="accent2"/>
+      <a:schemeClr val="accent3"/>
+      <a:schemeClr val="accent4"/>
+      <a:schemeClr val="accent5"/>
+      <a:schemeClr val="accent6"/>
+    </dgm:linClrLst>
+    <dgm:effectClrLst/>
+    <dgm:txLinClrLst/>
+    <dgm:txFillClrLst meth="repeat">
+      <a:schemeClr val="dk1"/>
+    </dgm:txFillClrLst>
+    <dgm:txEffectClrLst/>
+  </dgm:styleLbl>
+  <dgm:styleLbl name="trAlignAcc1">
+    <dgm:fillClrLst meth="repeat">
+      <a:schemeClr val="lt1">
+        <a:alpha val="40000"/>
+      </a:schemeClr>
+    </dgm:fillClrLst>
+    <dgm:linClrLst meth="repeat">
+      <a:schemeClr val="accent1"/>
+    </dgm:linClrLst>
+    <dgm:effectClrLst/>
+    <dgm:txLinClrLst/>
+    <dgm:txFillClrLst meth="repeat">
+      <a:schemeClr val="dk1"/>
+    </dgm:txFillClrLst>
+    <dgm:txEffectClrLst/>
+  </dgm:styleLbl>
+  <dgm:styleLbl name="bgAcc1">
+    <dgm:fillClrLst meth="repeat">
+      <a:schemeClr val="lt1">
+        <a:alpha val="90000"/>
+      </a:schemeClr>
+    </dgm:fillClrLst>
+    <dgm:linClrLst meth="repeat">
+      <a:schemeClr val="accent2"/>
+      <a:schemeClr val="accent3"/>
+      <a:schemeClr val="accent4"/>
+      <a:schemeClr val="accent5"/>
+      <a:schemeClr val="accent6"/>
+    </dgm:linClrLst>
+    <dgm:effectClrLst/>
+    <dgm:txLinClrLst/>
+    <dgm:txFillClrLst meth="repeat">
+      <a:schemeClr val="dk1"/>
+    </dgm:txFillClrLst>
+    <dgm:txEffectClrLst/>
+  </dgm:styleLbl>
+  <dgm:styleLbl name="solidFgAcc1">
+    <dgm:fillClrLst meth="repeat">
+      <a:schemeClr val="lt1"/>
+    </dgm:fillClrLst>
+    <dgm:linClrLst meth="repeat">
+      <a:schemeClr val="accent2"/>
+      <a:schemeClr val="accent3"/>
+      <a:schemeClr val="accent4"/>
+      <a:schemeClr val="accent5"/>
+      <a:schemeClr val="accent6"/>
+    </dgm:linClrLst>
+    <dgm:effectClrLst/>
+    <dgm:txLinClrLst/>
+    <dgm:txFillClrLst meth="repeat">
+      <a:schemeClr val="dk1"/>
+    </dgm:txFillClrLst>
+    <dgm:txEffectClrLst/>
+  </dgm:styleLbl>
+  <dgm:styleLbl name="solidAlignAcc1">
+    <dgm:fillClrLst meth="repeat">
+      <a:schemeClr val="lt1"/>
+    </dgm:fillClrLst>
+    <dgm:linClrLst meth="repeat">
+      <a:schemeClr val="accent2"/>
+      <a:schemeClr val="accent3"/>
+      <a:schemeClr val="accent4"/>
+      <a:schemeClr val="accent5"/>
+      <a:schemeClr val="accent6"/>
+    </dgm:linClrLst>
+    <dgm:effectClrLst/>
+    <dgm:txLinClrLst/>
+    <dgm:txFillClrLst meth="repeat">
+      <a:schemeClr val="dk1"/>
+    </dgm:txFillClrLst>
+    <dgm:txEffectClrLst/>
+  </dgm:styleLbl>
+  <dgm:styleLbl name="solidBgAcc1">
+    <dgm:fillClrLst meth="repeat">
+      <a:schemeClr val="lt1"/>
+    </dgm:fillClrLst>
+    <dgm:linClrLst meth="repeat">
+      <a:schemeClr val="accent2"/>
+      <a:schemeClr val="accent3"/>
+      <a:schemeClr val="accent4"/>
+      <a:schemeClr val="accent5"/>
+      <a:schemeClr val="accent6"/>
+    </dgm:linClrLst>
+    <dgm:effectClrLst/>
+    <dgm:txLinClrLst/>
+    <dgm:txFillClrLst meth="repeat">
+      <a:schemeClr val="dk1"/>
+    </dgm:txFillClrLst>
+    <dgm:txEffectClrLst/>
+  </dgm:styleLbl>
+  <dgm:styleLbl name="fgAccFollowNode1">
+    <dgm:fillClrLst meth="repeat">
+      <a:schemeClr val="accent2">
+        <a:tint val="40000"/>
+        <a:alpha val="90000"/>
+      </a:schemeClr>
+      <a:schemeClr val="accent3">
+        <a:tint val="40000"/>
+        <a:alpha val="90000"/>
+      </a:schemeClr>
+      <a:schemeClr val="accent4">
+        <a:tint val="40000"/>
+        <a:alpha val="90000"/>
+      </a:schemeClr>
+      <a:schemeClr val="accent5">
+        <a:tint val="40000"/>
+        <a:alpha val="90000"/>
+      </a:schemeClr>
+      <a:schemeClr val="accent6">
+        <a:tint val="40000"/>
+        <a:alpha val="90000"/>
+      </a:schemeClr>
+    </dgm:fillClrLst>
+    <dgm:linClrLst meth="repeat">
+      <a:schemeClr val="accent2">
+        <a:tint val="40000"/>
+        <a:alpha val="90000"/>
+      </a:schemeClr>
+      <a:schemeClr val="accent3">
+        <a:tint val="40000"/>
+        <a:alpha val="90000"/>
+      </a:schemeClr>
+      <a:schemeClr val="accent4">
+        <a:tint val="40000"/>
+        <a:alpha val="90000"/>
+      </a:schemeClr>
+      <a:schemeClr val="accent5">
+        <a:tint val="40000"/>
+        <a:alpha val="90000"/>
+      </a:schemeClr>
+      <a:schemeClr val="accent6">
+        <a:tint val="40000"/>
+        <a:alpha val="90000"/>
+      </a:schemeClr>
+    </dgm:linClrLst>
+    <dgm:effectClrLst/>
+    <dgm:txLinClrLst/>
+    <dgm:txFillClrLst meth="repeat">
+      <a:schemeClr val="dk1"/>
+    </dgm:txFillClrLst>
+    <dgm:txEffectClrLst/>
+  </dgm:styleLbl>
+  <dgm:styleLbl name="alignAccFollowNode1">
+    <dgm:fillClrLst meth="repeat">
+      <a:schemeClr val="accent2">
+        <a:tint val="40000"/>
+        <a:alpha val="90000"/>
+      </a:schemeClr>
+      <a:schemeClr val="accent3">
+        <a:tint val="40000"/>
+        <a:alpha val="90000"/>
+      </a:schemeClr>
+      <a:schemeClr val="accent4">
+        <a:tint val="40000"/>
+        <a:alpha val="90000"/>
+      </a:schemeClr>
+      <a:schemeClr val="accent5">
+        <a:tint val="40000"/>
+        <a:alpha val="90000"/>
+      </a:schemeClr>
+      <a:schemeClr val="accent6">
+        <a:tint val="40000"/>
+        <a:alpha val="90000"/>
+      </a:schemeClr>
+    </dgm:fillClrLst>
+    <dgm:linClrLst meth="repeat">
+      <a:schemeClr val="accent2">
+        <a:tint val="40000"/>
+        <a:alpha val="90000"/>
+      </a:schemeClr>
+      <a:schemeClr val="accent3">
+        <a:tint val="40000"/>
+        <a:alpha val="90000"/>
+      </a:schemeClr>
+      <a:schemeClr val="accent4">
+        <a:tint val="40000"/>
+        <a:alpha val="90000"/>
+      </a:schemeClr>
+      <a:schemeClr val="accent5">
+        <a:tint val="40000"/>
+        <a:alpha val="90000"/>
+      </a:schemeClr>
+      <a:schemeClr val="accent6">
+        <a:tint val="40000"/>
+        <a:alpha val="90000"/>
+      </a:schemeClr>
+    </dgm:linClrLst>
+    <dgm:effectClrLst/>
+    <dgm:txLinClrLst/>
+    <dgm:txFillClrLst meth="repeat">
+      <a:schemeClr val="dk1"/>
+    </dgm:txFillClrLst>
+    <dgm:txEffectClrLst/>
+  </dgm:styleLbl>
+  <dgm:styleLbl name="bgAccFollowNode1">
+    <dgm:fillClrLst meth="repeat">
+      <a:schemeClr val="accent2">
+        <a:tint val="40000"/>
+        <a:alpha val="90000"/>
+      </a:schemeClr>
+      <a:schemeClr val="accent3">
+        <a:tint val="40000"/>
+        <a:alpha val="90000"/>
+      </a:schemeClr>
+      <a:schemeClr val="accent4">
+        <a:tint val="40000"/>
+        <a:alpha val="90000"/>
+      </a:schemeClr>
+      <a:schemeClr val="accent5">
+        <a:tint val="40000"/>
+        <a:alpha val="90000"/>
+      </a:schemeClr>
+      <a:schemeClr val="accent6">
+        <a:tint val="40000"/>
+        <a:alpha val="90000"/>
+      </a:schemeClr>
+    </dgm:fillClrLst>
+    <dgm:linClrLst meth="repeat">
+      <a:schemeClr val="accent2">
+        <a:tint val="40000"/>
+        <a:alpha val="90000"/>
+      </a:schemeClr>
+      <a:schemeClr val="accent3">
+        <a:tint val="40000"/>
+        <a:alpha val="90000"/>
+      </a:schemeClr>
+      <a:schemeClr val="accent4">
+        <a:tint val="40000"/>
+        <a:alpha val="90000"/>
+      </a:schemeClr>
+      <a:schemeClr val="accent5">
+        <a:tint val="40000"/>
+        <a:alpha val="90000"/>
+      </a:schemeClr>
+      <a:schemeClr val="accent6">
+        <a:tint val="40000"/>
+        <a:alpha val="90000"/>
+      </a:schemeClr>
+    </dgm:linClrLst>
+    <dgm:effectClrLst/>
+    <dgm:txLinClrLst/>
+    <dgm:txFillClrLst meth="repeat">
+      <a:schemeClr val="dk1"/>
+    </dgm:txFillClrLst>
+    <dgm:txEffectClrLst/>
+  </dgm:styleLbl>
+  <dgm:styleLbl name="fgAcc0">
+    <dgm:fillClrLst meth="repeat">
+      <a:schemeClr val="lt1">
+        <a:alpha val="90000"/>
+      </a:schemeClr>
+    </dgm:fillClrLst>
+    <dgm:linClrLst>
+      <a:schemeClr val="accent1"/>
+    </dgm:linClrLst>
+    <dgm:effectClrLst/>
+    <dgm:txLinClrLst/>
+    <dgm:txFillClrLst meth="repeat">
+      <a:schemeClr val="dk1"/>
+    </dgm:txFillClrLst>
+    <dgm:txEffectClrLst/>
+  </dgm:styleLbl>
+  <dgm:styleLbl name="fgAcc2">
+    <dgm:fillClrLst meth="repeat">
+      <a:schemeClr val="lt1">
+        <a:alpha val="90000"/>
+      </a:schemeClr>
+    </dgm:fillClrLst>
+    <dgm:linClrLst>
+      <a:schemeClr val="accent2"/>
+    </dgm:linClrLst>
+    <dgm:effectClrLst/>
+    <dgm:txLinClrLst/>
+    <dgm:txFillClrLst meth="repeat">
+      <a:schemeClr val="dk1"/>
+    </dgm:txFillClrLst>
+    <dgm:txEffectClrLst/>
+  </dgm:styleLbl>
+  <dgm:styleLbl name="fgAcc3">
+    <dgm:fillClrLst meth="repeat">
+      <a:schemeClr val="lt1">
+        <a:alpha val="90000"/>
+      </a:schemeClr>
+    </dgm:fillClrLst>
+    <dgm:linClrLst>
+      <a:schemeClr val="accent3"/>
+    </dgm:linClrLst>
+    <dgm:effectClrLst/>
+    <dgm:txLinClrLst/>
+    <dgm:txFillClrLst meth="repeat">
+      <a:schemeClr val="dk1"/>
+    </dgm:txFillClrLst>
+    <dgm:txEffectClrLst/>
+  </dgm:styleLbl>
+  <dgm:styleLbl name="fgAcc4">
+    <dgm:fillClrLst meth="repeat">
+      <a:schemeClr val="lt1">
+        <a:alpha val="90000"/>
+      </a:schemeClr>
+    </dgm:fillClrLst>
+    <dgm:linClrLst>
+      <a:schemeClr val="accent4"/>
+    </dgm:linClrLst>
+    <dgm:effectClrLst/>
+    <dgm:txLinClrLst/>
+    <dgm:txFillClrLst meth="repeat">
+      <a:schemeClr val="dk1"/>
+    </dgm:txFillClrLst>
+    <dgm:txEffectClrLst/>
+  </dgm:styleLbl>
+  <dgm:styleLbl name="bgShp">
+    <dgm:fillClrLst meth="repeat">
+      <a:schemeClr val="accent2">
+        <a:tint val="40000"/>
+      </a:schemeClr>
+    </dgm:fillClrLst>
+    <dgm:linClrLst meth="repeat">
+      <a:schemeClr val="dk1"/>
+    </dgm:linClrLst>
+    <dgm:effectClrLst/>
+    <dgm:txLinClrLst/>
+    <dgm:txFillClrLst meth="repeat">
+      <a:schemeClr val="dk1"/>
+    </dgm:txFillClrLst>
+    <dgm:txEffectClrLst/>
+  </dgm:styleLbl>
+  <dgm:styleLbl name="dkBgShp">
+    <dgm:fillClrLst meth="repeat">
+      <a:schemeClr val="accent2">
+        <a:shade val="90000"/>
+      </a:schemeClr>
+    </dgm:fillClrLst>
+    <dgm:linClrLst meth="repeat">
+      <a:schemeClr val="dk1"/>
+    </dgm:linClrLst>
+    <dgm:effectClrLst/>
+    <dgm:txLinClrLst/>
+    <dgm:txFillClrLst meth="repeat">
+      <a:schemeClr val="lt1"/>
+    </dgm:txFillClrLst>
+    <dgm:txEffectClrLst/>
+  </dgm:styleLbl>
+  <dgm:styleLbl name="trBgShp">
+    <dgm:fillClrLst meth="repeat">
+      <a:schemeClr val="accent1">
+        <a:tint val="50000"/>
+        <a:alpha val="40000"/>
+      </a:schemeClr>
+    </dgm:fillClrLst>
+    <dgm:linClrLst meth="repeat">
+      <a:schemeClr val="accent2"/>
+    </dgm:linClrLst>
+    <dgm:effectClrLst/>
+    <dgm:txLinClrLst/>
+    <dgm:txFillClrLst meth="repeat">
+      <a:schemeClr val="lt1"/>
+    </dgm:txFillClrLst>
+    <dgm:txEffectClrLst/>
+  </dgm:styleLbl>
+  <dgm:styleLbl name="fgShp">
+    <dgm:fillClrLst meth="repeat">
+      <a:schemeClr val="accent2">
+        <a:tint val="40000"/>
+      </a:schemeClr>
+    </dgm:fillClrLst>
+    <dgm:linClrLst meth="repeat">
+      <a:schemeClr val="lt1"/>
+    </dgm:linClrLst>
+    <dgm:effectClrLst/>
+    <dgm:txLinClrLst/>
+    <dgm:txFillClrLst meth="repeat">
+      <a:schemeClr val="dk1"/>
+    </dgm:txFillClrLst>
+    <dgm:txEffectClrLst/>
+  </dgm:styleLbl>
+  <dgm:styleLbl name="revTx">
+    <dgm:fillClrLst meth="repeat">
+      <a:schemeClr val="lt1">
+        <a:alpha val="0"/>
+      </a:schemeClr>
+    </dgm:fillClrLst>
+    <dgm:linClrLst meth="repeat">
+      <a:schemeClr val="dk1">
+        <a:alpha val="0"/>
+      </a:schemeClr>
+    </dgm:linClrLst>
+    <dgm:effectClrLst/>
+    <dgm:txLinClrLst/>
+    <dgm:txFillClrLst meth="repeat">
+      <a:schemeClr val="tx1"/>
+    </dgm:txFillClrLst>
+    <dgm:txEffectClrLst/>
+  </dgm:styleLbl>
+</dgm:colorsDef>
+</file>
+
+<file path=ppt/diagrams/colors2.xml><?xml version="1.0" encoding="utf-8"?>
+<dgm:colorsDef xmlns:dgm="http://schemas.openxmlformats.org/drawingml/2006/diagram" xmlns:a="http://schemas.openxmlformats.org/drawingml/2006/main" uniqueId="urn:microsoft.com/office/officeart/2005/8/colors/colorful1">
+  <dgm:title val=""/>
+  <dgm:desc val=""/>
+  <dgm:catLst>
+    <dgm:cat type="colorful" pri="10100"/>
+  </dgm:catLst>
+  <dgm:styleLbl name="node0">
+    <dgm:fillClrLst meth="repeat">
+      <a:schemeClr val="accent1"/>
+    </dgm:fillClrLst>
+    <dgm:linClrLst meth="repeat">
+      <a:schemeClr val="lt1"/>
+    </dgm:linClrLst>
+    <dgm:effectClrLst/>
+    <dgm:txLinClrLst/>
+    <dgm:txFillClrLst/>
+    <dgm:txEffectClrLst/>
+  </dgm:styleLbl>
+  <dgm:styleLbl name="node1">
+    <dgm:fillClrLst meth="repeat">
+      <a:schemeClr val="accent2"/>
+      <a:schemeClr val="accent3"/>
+      <a:schemeClr val="accent4"/>
+      <a:schemeClr val="accent5"/>
+      <a:schemeClr val="accent6"/>
+    </dgm:fillClrLst>
+    <dgm:linClrLst meth="repeat">
+      <a:schemeClr val="lt1"/>
+    </dgm:linClrLst>
+    <dgm:effectClrLst/>
+    <dgm:txLinClrLst/>
+    <dgm:txFillClrLst/>
+    <dgm:txEffectClrLst/>
+  </dgm:styleLbl>
+  <dgm:styleLbl name="alignNode1">
+    <dgm:fillClrLst meth="repeat">
+      <a:schemeClr val="accent2"/>
+      <a:schemeClr val="accent3"/>
+      <a:schemeClr val="accent4"/>
+      <a:schemeClr val="accent5"/>
+      <a:schemeClr val="accent6"/>
+    </dgm:fillClrLst>
+    <dgm:linClrLst meth="repeat">
+      <a:schemeClr val="accent2"/>
+      <a:schemeClr val="accent3"/>
+      <a:schemeClr val="accent4"/>
+      <a:schemeClr val="accent5"/>
+      <a:schemeClr val="accent6"/>
+    </dgm:linClrLst>
+    <dgm:effectClrLst/>
+    <dgm:txLinClrLst/>
+    <dgm:txFillClrLst/>
+    <dgm:txEffectClrLst/>
+  </dgm:styleLbl>
+  <dgm:styleLbl name="lnNode1">
+    <dgm:fillClrLst meth="repeat">
+      <a:schemeClr val="accent2"/>
+      <a:schemeClr val="accent3"/>
+      <a:schemeClr val="accent4"/>
+      <a:schemeClr val="accent5"/>
+      <a:schemeClr val="accent6"/>
+    </dgm:fillClrLst>
+    <dgm:linClrLst meth="repeat">
+      <a:schemeClr val="lt1"/>
+    </dgm:linClrLst>
+    <dgm:effectClrLst/>
+    <dgm:txLinClrLst/>
+    <dgm:txFillClrLst/>
+    <dgm:txEffectClrLst/>
+  </dgm:styleLbl>
+  <dgm:styleLbl name="vennNode1">
+    <dgm:fillClrLst meth="repeat">
+      <a:schemeClr val="accent2">
+        <a:alpha val="50000"/>
+      </a:schemeClr>
+      <a:schemeClr val="accent3">
+        <a:alpha val="50000"/>
+      </a:schemeClr>
+      <a:schemeClr val="accent4">
+        <a:alpha val="50000"/>
+      </a:schemeClr>
+      <a:schemeClr val="accent5">
+        <a:alpha val="50000"/>
+      </a:schemeClr>
+      <a:schemeClr val="accent6">
+        <a:alpha val="50000"/>
+      </a:schemeClr>
+    </dgm:fillClrLst>
+    <dgm:linClrLst meth="repeat">
+      <a:schemeClr val="lt1"/>
+    </dgm:linClrLst>
+    <dgm:effectClrLst/>
+    <dgm:txLinClrLst/>
+    <dgm:txFillClrLst/>
+    <dgm:txEffectClrLst/>
+  </dgm:styleLbl>
+  <dgm:styleLbl name="node2">
+    <dgm:fillClrLst>
+      <a:schemeClr val="accent2"/>
+    </dgm:fillClrLst>
+    <dgm:linClrLst meth="repeat">
+      <a:schemeClr val="lt1"/>
+    </dgm:linClrLst>
+    <dgm:effectClrLst/>
+    <dgm:txLinClrLst/>
+    <dgm:txFillClrLst/>
+    <dgm:txEffectClrLst/>
+  </dgm:styleLbl>
+  <dgm:styleLbl name="node3">
+    <dgm:fillClrLst>
+      <a:schemeClr val="accent3"/>
+    </dgm:fillClrLst>
+    <dgm:linClrLst meth="repeat">
+      <a:schemeClr val="lt1"/>
+    </dgm:linClrLst>
+    <dgm:effectClrLst/>
+    <dgm:txLinClrLst/>
+    <dgm:txFillClrLst/>
+    <dgm:txEffectClrLst/>
+  </dgm:styleLbl>
+  <dgm:styleLbl name="node4">
+    <dgm:fillClrLst>
+      <a:schemeClr val="accent4"/>
+    </dgm:fillClrLst>
+    <dgm:linClrLst meth="repeat">
+      <a:schemeClr val="lt1"/>
+    </dgm:linClrLst>
+    <dgm:effectClrLst/>
+    <dgm:txLinClrLst/>
+    <dgm:txFillClrLst/>
+    <dgm:txEffectClrLst/>
+  </dgm:styleLbl>
+  <dgm:styleLbl name="fgImgPlace1">
+    <dgm:fillClrLst meth="repeat">
+      <a:schemeClr val="accent2">
+        <a:tint val="50000"/>
+      </a:schemeClr>
+      <a:schemeClr val="accent3">
+        <a:tint val="50000"/>
+      </a:schemeClr>
+      <a:schemeClr val="accent4">
+        <a:tint val="50000"/>
+      </a:schemeClr>
+      <a:schemeClr val="accent5">
+        <a:tint val="50000"/>
+      </a:schemeClr>
+      <a:schemeClr val="accent6">
+        <a:tint val="50000"/>
+      </a:schemeClr>
+    </dgm:fillClrLst>
+    <dgm:linClrLst meth="repeat">
+      <a:schemeClr val="lt1"/>
+    </dgm:linClrLst>
+    <dgm:effectClrLst/>
+    <dgm:txLinClrLst/>
+    <dgm:txFillClrLst meth="repeat">
+      <a:schemeClr val="lt1"/>
+    </dgm:txFillClrLst>
+    <dgm:txEffectClrLst/>
+  </dgm:styleLbl>
+  <dgm:styleLbl name="alignImgPlace1">
+    <dgm:fillClrLst>
+      <a:schemeClr val="accent1">
+        <a:tint val="50000"/>
+      </a:schemeClr>
+      <a:schemeClr val="accent2">
+        <a:tint val="20000"/>
+      </a:schemeClr>
+    </dgm:fillClrLst>
+    <dgm:linClrLst meth="repeat">
+      <a:schemeClr val="lt1"/>
+    </dgm:linClrLst>
+    <dgm:effectClrLst/>
+    <dgm:txLinClrLst/>
+    <dgm:txFillClrLst meth="repeat">
+      <a:schemeClr val="lt1"/>
+    </dgm:txFillClrLst>
+    <dgm:txEffectClrLst/>
+  </dgm:styleLbl>
+  <dgm:styleLbl name="bgImgPlace1">
+    <dgm:fillClrLst>
+      <a:schemeClr val="accent1">
+        <a:tint val="50000"/>
+      </a:schemeClr>
+      <a:schemeClr val="accent2">
+        <a:tint val="20000"/>
+      </a:schemeClr>
+    </dgm:fillClrLst>
+    <dgm:linClrLst meth="repeat">
+      <a:schemeClr val="lt1"/>
+    </dgm:linClrLst>
+    <dgm:effectClrLst/>
+    <dgm:txLinClrLst/>
+    <dgm:txFillClrLst meth="repeat">
+      <a:schemeClr val="lt1"/>
+    </dgm:txFillClrLst>
+    <dgm:txEffectClrLst/>
+  </dgm:styleLbl>
+  <dgm:styleLbl name="sibTrans2D1">
+    <dgm:fillClrLst meth="repeat">
+      <a:schemeClr val="accent2"/>
+      <a:schemeClr val="accent3"/>
+      <a:schemeClr val="accent4"/>
+      <a:schemeClr val="accent5"/>
+      <a:schemeClr val="accent6"/>
+    </dgm:fillClrLst>
+    <dgm:linClrLst meth="cycle">
+      <a:schemeClr val="lt1"/>
+    </dgm:linClrLst>
+    <dgm:effectClrLst/>
+    <dgm:txLinClrLst/>
+    <dgm:txFillClrLst/>
+    <dgm:txEffectClrLst/>
+  </dgm:styleLbl>
+  <dgm:styleLbl name="fgSibTrans2D1">
+    <dgm:fillClrLst meth="repeat">
+      <a:schemeClr val="accent2"/>
+      <a:schemeClr val="accent3"/>
+      <a:schemeClr val="accent4"/>
+      <a:schemeClr val="accent5"/>
+      <a:schemeClr val="accent6"/>
+    </dgm:fillClrLst>
+    <dgm:linClrLst meth="cycle">
+      <a:schemeClr val="lt1"/>
+    </dgm:linClrLst>
+    <dgm:effectClrLst/>
+    <dgm:txLinClrLst/>
+    <dgm:txFillClrLst meth="repeat">
+      <a:schemeClr val="lt1"/>
+    </dgm:txFillClrLst>
+    <dgm:txEffectClrLst/>
+  </dgm:styleLbl>
+  <dgm:styleLbl name="bgSibTrans2D1">
+    <dgm:fillClrLst meth="repeat">
+      <a:schemeClr val="accent2"/>
+      <a:schemeClr val="accent3"/>
+      <a:schemeClr val="accent4"/>
+      <a:schemeClr val="accent5"/>
+      <a:schemeClr val="accent6"/>
+    </dgm:fillClrLst>
+    <dgm:linClrLst meth="cycle">
+      <a:schemeClr val="lt1"/>
+    </dgm:linClrLst>
+    <dgm:effectClrLst/>
+    <dgm:txLinClrLst/>
+    <dgm:txFillClrLst meth="repeat">
+      <a:schemeClr val="lt1"/>
+    </dgm:txFillClrLst>
+    <dgm:txEffectClrLst/>
+  </dgm:styleLbl>
+  <dgm:styleLbl name="sibTrans1D1">
+    <dgm:fillClrLst meth="repeat">
+      <a:schemeClr val="accent2"/>
+      <a:schemeClr val="accent3"/>
+      <a:schemeClr val="accent4"/>
+      <a:schemeClr val="accent5"/>
+      <a:schemeClr val="accent6"/>
+    </dgm:fillClrLst>
+    <dgm:linClrLst meth="repeat">
+      <a:schemeClr val="accent2"/>
+      <a:schemeClr val="accent3"/>
+      <a:schemeClr val="accent4"/>
+      <a:schemeClr val="accent5"/>
+      <a:schemeClr val="accent6"/>
+    </dgm:linClrLst>
+    <dgm:effectClrLst/>
+    <dgm:txLinClrLst/>
+    <dgm:txFillClrLst meth="repeat">
+      <a:schemeClr val="tx1"/>
+    </dgm:txFillClrLst>
+    <dgm:txEffectClrLst/>
+  </dgm:styleLbl>
+  <dgm:styleLbl name="callout">
+    <dgm:fillClrLst meth="repeat">
+      <a:schemeClr val="accent2"/>
+    </dgm:fillClrLst>
+    <dgm:linClrLst meth="repeat">
+      <a:schemeClr val="accent2">
+        <a:tint val="50000"/>
+      </a:schemeClr>
+    </dgm:linClrLst>
+    <dgm:effectClrLst/>
+    <dgm:txLinClrLst/>
+    <dgm:txFillClrLst meth="repeat">
+      <a:schemeClr val="tx1"/>
+    </dgm:txFillClrLst>
+    <dgm:txEffectClrLst/>
+  </dgm:styleLbl>
+  <dgm:styleLbl name="asst0">
+    <dgm:fillClrLst meth="repeat">
+      <a:schemeClr val="accent1"/>
+    </dgm:fillClrLst>
+    <dgm:linClrLst meth="repeat">
+      <a:schemeClr val="lt1"/>
+    </dgm:linClrLst>
+    <dgm:effectClrLst/>
+    <dgm:txLinClrLst/>
+    <dgm:txFillClrLst/>
+    <dgm:txEffectClrLst/>
+  </dgm:styleLbl>
+  <dgm:styleLbl name="asst1">
+    <dgm:fillClrLst meth="repeat">
+      <a:schemeClr val="accent2"/>
+    </dgm:fillClrLst>
+    <dgm:linClrLst meth="repeat">
+      <a:schemeClr val="lt1"/>
+    </dgm:linClrLst>
+    <dgm:effectClrLst/>
+    <dgm:txLinClrLst/>
+    <dgm:txFillClrLst/>
+    <dgm:txEffectClrLst/>
+  </dgm:styleLbl>
+  <dgm:styleLbl name="asst2">
+    <dgm:fillClrLst>
+      <a:schemeClr val="accent3"/>
+    </dgm:fillClrLst>
+    <dgm:linClrLst meth="repeat">
+      <a:schemeClr val="lt1"/>
+    </dgm:linClrLst>
+    <dgm:effectClrLst/>
+    <dgm:txLinClrLst/>
+    <dgm:txFillClrLst/>
+    <dgm:txEffectClrLst/>
+  </dgm:styleLbl>
+  <dgm:styleLbl name="asst3">
+    <dgm:fillClrLst>
+      <a:schemeClr val="accent4"/>
+    </dgm:fillClrLst>
+    <dgm:linClrLst meth="repeat">
+      <a:schemeClr val="lt1"/>
+    </dgm:linClrLst>
+    <dgm:effectClrLst/>
+    <dgm:txLinClrLst/>
+    <dgm:txFillClrLst/>
+    <dgm:txEffectClrLst/>
+  </dgm:styleLbl>
+  <dgm:styleLbl name="asst4">
+    <dgm:fillClrLst>
+      <a:schemeClr val="accent5"/>
+    </dgm:fillClrLst>
+    <dgm:linClrLst meth="repeat">
+      <a:schemeClr val="lt1"/>
+    </dgm:linClrLst>
+    <dgm:effectClrLst/>
+    <dgm:txLinClrLst/>
+    <dgm:txFillClrLst/>
+    <dgm:txEffectClrLst/>
+  </dgm:styleLbl>
+  <dgm:styleLbl name="parChTrans2D1">
+    <dgm:fillClrLst meth="repeat">
+      <a:schemeClr val="accent2"/>
+    </dgm:fillClrLst>
+    <dgm:linClrLst meth="repeat">
+      <a:schemeClr val="lt1"/>
+    </dgm:linClrLst>
+    <dgm:effectClrLst/>
+    <dgm:txLinClrLst/>
+    <dgm:txFillClrLst meth="repeat">
+      <a:schemeClr val="lt1"/>
+    </dgm:txFillClrLst>
+    <dgm:txEffectClrLst/>
+  </dgm:styleLbl>
+  <dgm:styleLbl name="parChTrans2D2">
+    <dgm:fillClrLst meth="repeat">
+      <a:schemeClr val="accent3"/>
+    </dgm:fillClrLst>
+    <dgm:linClrLst meth="repeat">
+      <a:schemeClr val="lt1"/>
+    </dgm:linClrLst>
+    <dgm:effectClrLst/>
+    <dgm:txLinClrLst/>
+    <dgm:txFillClrLst/>
+    <dgm:txEffectClrLst/>
+  </dgm:styleLbl>
+  <dgm:styleLbl name="parChTrans2D3">
+    <dgm:fillClrLst meth="repeat">
+      <a:schemeClr val="accent4"/>
+    </dgm:fillClrLst>
+    <dgm:linClrLst meth="repeat">
+      <a:schemeClr val="lt1"/>
+    </dgm:linClrLst>
+    <dgm:effectClrLst/>
+    <dgm:txLinClrLst/>
+    <dgm:txFillClrLst/>
+    <dgm:txEffectClrLst/>
+  </dgm:styleLbl>
+  <dgm:styleLbl name="parChTrans2D4">
+    <dgm:fillClrLst meth="repeat">
+      <a:schemeClr val="accent5"/>
+    </dgm:fillClrLst>
+    <dgm:linClrLst meth="repeat">
+      <a:schemeClr val="lt1"/>
+    </dgm:linClrLst>
+    <dgm:effectClrLst/>
+    <dgm:txLinClrLst/>
+    <dgm:txFillClrLst meth="repeat">
+      <a:schemeClr val="lt1"/>
+    </dgm:txFillClrLst>
+    <dgm:txEffectClrLst/>
+  </dgm:styleLbl>
+  <dgm:styleLbl name="parChTrans1D1">
+    <dgm:fillClrLst meth="repeat">
+      <a:schemeClr val="accent2"/>
+    </dgm:fillClrLst>
+    <dgm:linClrLst meth="repeat">
+      <a:schemeClr val="accent1"/>
+    </dgm:linClrLst>
+    <dgm:effectClrLst/>
+    <dgm:txLinClrLst/>
+    <dgm:txFillClrLst meth="repeat">
+      <a:schemeClr val="tx1"/>
+    </dgm:txFillClrLst>
+    <dgm:txEffectClrLst/>
+  </dgm:styleLbl>
+  <dgm:styleLbl name="parChTrans1D2">
+    <dgm:fillClrLst meth="repeat">
+      <a:schemeClr val="accent3">
+        <a:tint val="90000"/>
+      </a:schemeClr>
+    </dgm:fillClrLst>
+    <dgm:linClrLst meth="repeat">
+      <a:schemeClr val="accent2"/>
+    </dgm:linClrLst>
+    <dgm:effectClrLst/>
+    <dgm:txLinClrLst/>
+    <dgm:txFillClrLst meth="repeat">
+      <a:schemeClr val="tx1"/>
+    </dgm:txFillClrLst>
+    <dgm:txEffectClrLst/>
+  </dgm:styleLbl>
+  <dgm:styleLbl name="parChTrans1D3">
+    <dgm:fillClrLst meth="repeat">
+      <a:schemeClr val="accent4">
+        <a:tint val="70000"/>
+      </a:schemeClr>
+    </dgm:fillClrLst>
+    <dgm:linClrLst meth="repeat">
+      <a:schemeClr val="accent3"/>
+    </dgm:linClrLst>
+    <dgm:effectClrLst/>
+    <dgm:txLinClrLst/>
+    <dgm:txFillClrLst meth="repeat">
+      <a:schemeClr val="tx1"/>
+    </dgm:txFillClrLst>
+    <dgm:txEffectClrLst/>
+  </dgm:styleLbl>
+  <dgm:styleLbl name="parChTrans1D4">
+    <dgm:fillClrLst meth="repeat">
+      <a:schemeClr val="accent5">
+        <a:tint val="50000"/>
+      </a:schemeClr>
+    </dgm:fillClrLst>
+    <dgm:linClrLst meth="repeat">
+      <a:schemeClr val="accent4"/>
+    </dgm:linClrLst>
+    <dgm:effectClrLst/>
+    <dgm:txLinClrLst/>
+    <dgm:txFillClrLst meth="repeat">
+      <a:schemeClr val="tx1"/>
+    </dgm:txFillClrLst>
+    <dgm:txEffectClrLst/>
+  </dgm:styleLbl>
+  <dgm:styleLbl name="fgAcc1">
+    <dgm:fillClrLst meth="repeat">
+      <a:schemeClr val="lt1">
+        <a:alpha val="90000"/>
+      </a:schemeClr>
+    </dgm:fillClrLst>
+    <dgm:linClrLst meth="repeat">
+      <a:schemeClr val="accent2"/>
+      <a:schemeClr val="accent3"/>
+      <a:schemeClr val="accent4"/>
+      <a:schemeClr val="accent5"/>
+      <a:schemeClr val="accent6"/>
+    </dgm:linClrLst>
+    <dgm:effectClrLst/>
+    <dgm:txLinClrLst/>
+    <dgm:txFillClrLst meth="repeat">
+      <a:schemeClr val="dk1"/>
+    </dgm:txFillClrLst>
+    <dgm:txEffectClrLst/>
+  </dgm:styleLbl>
+  <dgm:styleLbl name="conFgAcc1">
+    <dgm:fillClrLst meth="repeat">
+      <a:schemeClr val="lt1">
+        <a:alpha val="90000"/>
+      </a:schemeClr>
+    </dgm:fillClrLst>
+    <dgm:linClrLst meth="repeat">
+      <a:schemeClr val="accent2"/>
+      <a:schemeClr val="accent3"/>
+      <a:schemeClr val="accent4"/>
+      <a:schemeClr val="accent5"/>
+      <a:schemeClr val="accent6"/>
+    </dgm:linClrLst>
+    <dgm:effectClrLst/>
+    <dgm:txLinClrLst/>
+    <dgm:txFillClrLst meth="repeat">
+      <a:schemeClr val="dk1"/>
+    </dgm:txFillClrLst>
+    <dgm:txEffectClrLst/>
+  </dgm:styleLbl>
+  <dgm:styleLbl name="alignAcc1">
+    <dgm:fillClrLst meth="repeat">
+      <a:schemeClr val="lt1">
+        <a:alpha val="90000"/>
+      </a:schemeClr>
+    </dgm:fillClrLst>
+    <dgm:linClrLst meth="repeat">
+      <a:schemeClr val="accent2"/>
+      <a:schemeClr val="accent3"/>
+      <a:schemeClr val="accent4"/>
+      <a:schemeClr val="accent5"/>
+      <a:schemeClr val="accent6"/>
+    </dgm:linClrLst>
+    <dgm:effectClrLst/>
+    <dgm:txLinClrLst/>
+    <dgm:txFillClrLst meth="repeat">
+      <a:schemeClr val="dk1"/>
+    </dgm:txFillClrLst>
+    <dgm:txEffectClrLst/>
+  </dgm:styleLbl>
+  <dgm:styleLbl name="trAlignAcc1">
+    <dgm:fillClrLst meth="repeat">
+      <a:schemeClr val="lt1">
+        <a:alpha val="40000"/>
+      </a:schemeClr>
+    </dgm:fillClrLst>
+    <dgm:linClrLst meth="repeat">
+      <a:schemeClr val="accent1"/>
+    </dgm:linClrLst>
+    <dgm:effectClrLst/>
+    <dgm:txLinClrLst/>
+    <dgm:txFillClrLst meth="repeat">
+      <a:schemeClr val="dk1"/>
+    </dgm:txFillClrLst>
+    <dgm:txEffectClrLst/>
+  </dgm:styleLbl>
+  <dgm:styleLbl name="bgAcc1">
+    <dgm:fillClrLst meth="repeat">
+      <a:schemeClr val="lt1">
+        <a:alpha val="90000"/>
+      </a:schemeClr>
+    </dgm:fillClrLst>
+    <dgm:linClrLst meth="repeat">
+      <a:schemeClr val="accent2"/>
+      <a:schemeClr val="accent3"/>
+      <a:schemeClr val="accent4"/>
+      <a:schemeClr val="accent5"/>
+      <a:schemeClr val="accent6"/>
+    </dgm:linClrLst>
+    <dgm:effectClrLst/>
+    <dgm:txLinClrLst/>
+    <dgm:txFillClrLst meth="repeat">
+      <a:schemeClr val="dk1"/>
+    </dgm:txFillClrLst>
+    <dgm:txEffectClrLst/>
+  </dgm:styleLbl>
+  <dgm:styleLbl name="solidFgAcc1">
+    <dgm:fillClrLst meth="repeat">
+      <a:schemeClr val="lt1"/>
+    </dgm:fillClrLst>
+    <dgm:linClrLst meth="repeat">
+      <a:schemeClr val="accent2"/>
+      <a:schemeClr val="accent3"/>
+      <a:schemeClr val="accent4"/>
+      <a:schemeClr val="accent5"/>
+      <a:schemeClr val="accent6"/>
+    </dgm:linClrLst>
+    <dgm:effectClrLst/>
+    <dgm:txLinClrLst/>
+    <dgm:txFillClrLst meth="repeat">
+      <a:schemeClr val="dk1"/>
+    </dgm:txFillClrLst>
+    <dgm:txEffectClrLst/>
+  </dgm:styleLbl>
+  <dgm:styleLbl name="solidAlignAcc1">
+    <dgm:fillClrLst meth="repeat">
+      <a:schemeClr val="lt1"/>
+    </dgm:fillClrLst>
+    <dgm:linClrLst meth="repeat">
+      <a:schemeClr val="accent2"/>
+      <a:schemeClr val="accent3"/>
+      <a:schemeClr val="accent4"/>
+      <a:schemeClr val="accent5"/>
+      <a:schemeClr val="accent6"/>
+    </dgm:linClrLst>
+    <dgm:effectClrLst/>
+    <dgm:txLinClrLst/>
+    <dgm:txFillClrLst meth="repeat">
+      <a:schemeClr val="dk1"/>
+    </dgm:txFillClrLst>
+    <dgm:txEffectClrLst/>
+  </dgm:styleLbl>
+  <dgm:styleLbl name="solidBgAcc1">
+    <dgm:fillClrLst meth="repeat">
+      <a:schemeClr val="lt1"/>
+    </dgm:fillClrLst>
+    <dgm:linClrLst meth="repeat">
+      <a:schemeClr val="accent2"/>
+      <a:schemeClr val="accent3"/>
+      <a:schemeClr val="accent4"/>
+      <a:schemeClr val="accent5"/>
+      <a:schemeClr val="accent6"/>
+    </dgm:linClrLst>
+    <dgm:effectClrLst/>
+    <dgm:txLinClrLst/>
+    <dgm:txFillClrLst meth="repeat">
+      <a:schemeClr val="dk1"/>
+    </dgm:txFillClrLst>
+    <dgm:txEffectClrLst/>
+  </dgm:styleLbl>
+  <dgm:styleLbl name="fgAccFollowNode1">
+    <dgm:fillClrLst meth="repeat">
+      <a:schemeClr val="accent2">
+        <a:tint val="40000"/>
+        <a:alpha val="90000"/>
+      </a:schemeClr>
+      <a:schemeClr val="accent3">
+        <a:tint val="40000"/>
+        <a:alpha val="90000"/>
+      </a:schemeClr>
+      <a:schemeClr val="accent4">
+        <a:tint val="40000"/>
+        <a:alpha val="90000"/>
+      </a:schemeClr>
+      <a:schemeClr val="accent5">
+        <a:tint val="40000"/>
+        <a:alpha val="90000"/>
+      </a:schemeClr>
+      <a:schemeClr val="accent6">
+        <a:tint val="40000"/>
+        <a:alpha val="90000"/>
+      </a:schemeClr>
+    </dgm:fillClrLst>
+    <dgm:linClrLst meth="repeat">
+      <a:schemeClr val="accent2">
+        <a:tint val="40000"/>
+        <a:alpha val="90000"/>
+      </a:schemeClr>
+      <a:schemeClr val="accent3">
+        <a:tint val="40000"/>
+        <a:alpha val="90000"/>
+      </a:schemeClr>
+      <a:schemeClr val="accent4">
+        <a:tint val="40000"/>
+        <a:alpha val="90000"/>
+      </a:schemeClr>
+      <a:schemeClr val="accent5">
+        <a:tint val="40000"/>
+        <a:alpha val="90000"/>
+      </a:schemeClr>
+      <a:schemeClr val="accent6">
+        <a:tint val="40000"/>
+        <a:alpha val="90000"/>
+      </a:schemeClr>
+    </dgm:linClrLst>
+    <dgm:effectClrLst/>
+    <dgm:txLinClrLst/>
+    <dgm:txFillClrLst meth="repeat">
+      <a:schemeClr val="dk1"/>
+    </dgm:txFillClrLst>
+    <dgm:txEffectClrLst/>
+  </dgm:styleLbl>
+  <dgm:styleLbl name="alignAccFollowNode1">
+    <dgm:fillClrLst meth="repeat">
+      <a:schemeClr val="accent2">
+        <a:tint val="40000"/>
+        <a:alpha val="90000"/>
+      </a:schemeClr>
+      <a:schemeClr val="accent3">
+        <a:tint val="40000"/>
+        <a:alpha val="90000"/>
+      </a:schemeClr>
+      <a:schemeClr val="accent4">
+        <a:tint val="40000"/>
+        <a:alpha val="90000"/>
+      </a:schemeClr>
+      <a:schemeClr val="accent5">
+        <a:tint val="40000"/>
+        <a:alpha val="90000"/>
+      </a:schemeClr>
+      <a:schemeClr val="accent6">
+        <a:tint val="40000"/>
+        <a:alpha val="90000"/>
+      </a:schemeClr>
+    </dgm:fillClrLst>
+    <dgm:linClrLst meth="repeat">
+      <a:schemeClr val="accent2">
+        <a:tint val="40000"/>
+        <a:alpha val="90000"/>
+      </a:schemeClr>
+      <a:schemeClr val="accent3">
+        <a:tint val="40000"/>
+        <a:alpha val="90000"/>
+      </a:schemeClr>
+      <a:schemeClr val="accent4">
+        <a:tint val="40000"/>
+        <a:alpha val="90000"/>
+      </a:schemeClr>
+      <a:schemeClr val="accent5">
+        <a:tint val="40000"/>
+        <a:alpha val="90000"/>
+      </a:schemeClr>
+      <a:schemeClr val="accent6">
+        <a:tint val="40000"/>
+        <a:alpha val="90000"/>
+      </a:schemeClr>
+    </dgm:linClrLst>
+    <dgm:effectClrLst/>
+    <dgm:txLinClrLst/>
+    <dgm:txFillClrLst meth="repeat">
+      <a:schemeClr val="dk1"/>
+    </dgm:txFillClrLst>
+    <dgm:txEffectClrLst/>
+  </dgm:styleLbl>
+  <dgm:styleLbl name="bgAccFollowNode1">
+    <dgm:fillClrLst meth="repeat">
+      <a:schemeClr val="accent2">
+        <a:tint val="40000"/>
+        <a:alpha val="90000"/>
+      </a:schemeClr>
+      <a:schemeClr val="accent3">
+        <a:tint val="40000"/>
+        <a:alpha val="90000"/>
+      </a:schemeClr>
+      <a:schemeClr val="accent4">
+        <a:tint val="40000"/>
+        <a:alpha val="90000"/>
+      </a:schemeClr>
+      <a:schemeClr val="accent5">
+        <a:tint val="40000"/>
+        <a:alpha val="90000"/>
+      </a:schemeClr>
+      <a:schemeClr val="accent6">
+        <a:tint val="40000"/>
+        <a:alpha val="90000"/>
+      </a:schemeClr>
+    </dgm:fillClrLst>
+    <dgm:linClrLst meth="repeat">
+      <a:schemeClr val="accent2">
+        <a:tint val="40000"/>
+        <a:alpha val="90000"/>
+      </a:schemeClr>
+      <a:schemeClr val="accent3">
+        <a:tint val="40000"/>
+        <a:alpha val="90000"/>
+      </a:schemeClr>
+      <a:schemeClr val="accent4">
+        <a:tint val="40000"/>
+        <a:alpha val="90000"/>
+      </a:schemeClr>
+      <a:schemeClr val="accent5">
+        <a:tint val="40000"/>
+        <a:alpha val="90000"/>
+      </a:schemeClr>
+      <a:schemeClr val="accent6">
+        <a:tint val="40000"/>
+        <a:alpha val="90000"/>
+      </a:schemeClr>
+    </dgm:linClrLst>
+    <dgm:effectClrLst/>
+    <dgm:txLinClrLst/>
+    <dgm:txFillClrLst meth="repeat">
+      <a:schemeClr val="dk1"/>
+    </dgm:txFillClrLst>
+    <dgm:txEffectClrLst/>
+  </dgm:styleLbl>
+  <dgm:styleLbl name="fgAcc0">
+    <dgm:fillClrLst meth="repeat">
+      <a:schemeClr val="lt1">
+        <a:alpha val="90000"/>
+      </a:schemeClr>
+    </dgm:fillClrLst>
+    <dgm:linClrLst>
+      <a:schemeClr val="accent1"/>
+    </dgm:linClrLst>
+    <dgm:effectClrLst/>
+    <dgm:txLinClrLst/>
+    <dgm:txFillClrLst meth="repeat">
+      <a:schemeClr val="dk1"/>
+    </dgm:txFillClrLst>
+    <dgm:txEffectClrLst/>
+  </dgm:styleLbl>
+  <dgm:styleLbl name="fgAcc2">
+    <dgm:fillClrLst meth="repeat">
+      <a:schemeClr val="lt1">
+        <a:alpha val="90000"/>
+      </a:schemeClr>
+    </dgm:fillClrLst>
+    <dgm:linClrLst>
+      <a:schemeClr val="accent2"/>
+    </dgm:linClrLst>
+    <dgm:effectClrLst/>
+    <dgm:txLinClrLst/>
+    <dgm:txFillClrLst meth="repeat">
+      <a:schemeClr val="dk1"/>
+    </dgm:txFillClrLst>
+    <dgm:txEffectClrLst/>
+  </dgm:styleLbl>
+  <dgm:styleLbl name="fgAcc3">
+    <dgm:fillClrLst meth="repeat">
+      <a:schemeClr val="lt1">
+        <a:alpha val="90000"/>
+      </a:schemeClr>
+    </dgm:fillClrLst>
+    <dgm:linClrLst>
+      <a:schemeClr val="accent3"/>
+    </dgm:linClrLst>
+    <dgm:effectClrLst/>
+    <dgm:txLinClrLst/>
+    <dgm:txFillClrLst meth="repeat">
+      <a:schemeClr val="dk1"/>
+    </dgm:txFillClrLst>
+    <dgm:txEffectClrLst/>
+  </dgm:styleLbl>
+  <dgm:styleLbl name="fgAcc4">
+    <dgm:fillClrLst meth="repeat">
+      <a:schemeClr val="lt1">
+        <a:alpha val="90000"/>
+      </a:schemeClr>
+    </dgm:fillClrLst>
+    <dgm:linClrLst>
+      <a:schemeClr val="accent4"/>
+    </dgm:linClrLst>
+    <dgm:effectClrLst/>
+    <dgm:txLinClrLst/>
+    <dgm:txFillClrLst meth="repeat">
+      <a:schemeClr val="dk1"/>
+    </dgm:txFillClrLst>
+    <dgm:txEffectClrLst/>
+  </dgm:styleLbl>
+  <dgm:styleLbl name="bgShp">
+    <dgm:fillClrLst meth="repeat">
+      <a:schemeClr val="accent2">
+        <a:tint val="40000"/>
+      </a:schemeClr>
+    </dgm:fillClrLst>
+    <dgm:linClrLst meth="repeat">
+      <a:schemeClr val="dk1"/>
+    </dgm:linClrLst>
+    <dgm:effectClrLst/>
+    <dgm:txLinClrLst/>
+    <dgm:txFillClrLst meth="repeat">
+      <a:schemeClr val="dk1"/>
+    </dgm:txFillClrLst>
+    <dgm:txEffectClrLst/>
+  </dgm:styleLbl>
+  <dgm:styleLbl name="dkBgShp">
+    <dgm:fillClrLst meth="repeat">
+      <a:schemeClr val="accent2">
+        <a:shade val="90000"/>
+      </a:schemeClr>
+    </dgm:fillClrLst>
+    <dgm:linClrLst meth="repeat">
+      <a:schemeClr val="dk1"/>
+    </dgm:linClrLst>
+    <dgm:effectClrLst/>
+    <dgm:txLinClrLst/>
+    <dgm:txFillClrLst meth="repeat">
+      <a:schemeClr val="lt1"/>
+    </dgm:txFillClrLst>
+    <dgm:txEffectClrLst/>
+  </dgm:styleLbl>
+  <dgm:styleLbl name="trBgShp">
+    <dgm:fillClrLst meth="repeat">
+      <a:schemeClr val="accent1">
+        <a:tint val="50000"/>
+        <a:alpha val="40000"/>
+      </a:schemeClr>
+    </dgm:fillClrLst>
+    <dgm:linClrLst meth="repeat">
+      <a:schemeClr val="accent2"/>
+    </dgm:linClrLst>
+    <dgm:effectClrLst/>
+    <dgm:txLinClrLst/>
+    <dgm:txFillClrLst meth="repeat">
+      <a:schemeClr val="lt1"/>
+    </dgm:txFillClrLst>
+    <dgm:txEffectClrLst/>
+  </dgm:styleLbl>
+  <dgm:styleLbl name="fgShp">
+    <dgm:fillClrLst meth="repeat">
+      <a:schemeClr val="accent2">
+        <a:tint val="40000"/>
+      </a:schemeClr>
+    </dgm:fillClrLst>
+    <dgm:linClrLst meth="repeat">
+      <a:schemeClr val="lt1"/>
+    </dgm:linClrLst>
+    <dgm:effectClrLst/>
+    <dgm:txLinClrLst/>
+    <dgm:txFillClrLst meth="repeat">
+      <a:schemeClr val="dk1"/>
+    </dgm:txFillClrLst>
+    <dgm:txEffectClrLst/>
+  </dgm:styleLbl>
+  <dgm:styleLbl name="revTx">
+    <dgm:fillClrLst meth="repeat">
+      <a:schemeClr val="lt1">
+        <a:alpha val="0"/>
+      </a:schemeClr>
+    </dgm:fillClrLst>
+    <dgm:linClrLst meth="repeat">
+      <a:schemeClr val="dk1">
+        <a:alpha val="0"/>
+      </a:schemeClr>
+    </dgm:linClrLst>
+    <dgm:effectClrLst/>
+    <dgm:txLinClrLst/>
+    <dgm:txFillClrLst meth="repeat">
+      <a:schemeClr val="tx1"/>
+    </dgm:txFillClrLst>
+    <dgm:txEffectClrLst/>
+  </dgm:styleLbl>
+</dgm:colorsDef>
+</file>
+
+<file path=ppt/diagrams/data1.xml><?xml version="1.0" encoding="utf-8"?>
+<dgm:dataModel xmlns:dgm="http://schemas.openxmlformats.org/drawingml/2006/diagram" xmlns:a="http://schemas.openxmlformats.org/drawingml/2006/main">
+  <dgm:ptLst>
+    <dgm:pt modelId="{C05A8233-2AC0-449C-A5A6-370704FA232D}" type="doc">
+      <dgm:prSet loTypeId="urn:microsoft.com/office/officeart/2005/8/layout/radial6" loCatId="relationship" qsTypeId="urn:microsoft.com/office/officeart/2005/8/quickstyle/simple1" qsCatId="simple" csTypeId="urn:microsoft.com/office/officeart/2005/8/colors/colorful1" csCatId="colorful" phldr="1"/>
+      <dgm:spPr/>
+      <dgm:t>
+        <a:bodyPr/>
+        <a:lstStyle/>
+        <a:p>
+          <a:endParaRPr lang="zh-CN" altLang="en-US"/>
+        </a:p>
+      </dgm:t>
+    </dgm:pt>
+    <dgm:pt modelId="{ECEB847B-F49B-420B-AB24-55F0EC33B7E0}">
+      <dgm:prSet phldrT="[文本]"/>
+      <dgm:spPr/>
+      <dgm:t>
+        <a:bodyPr/>
+        <a:lstStyle/>
+        <a:p>
+          <a:r>
+            <a:rPr lang="zh-CN" altLang="en-US" dirty="0" smtClean="0"/>
+            <a:t>算法求解性能</a:t>
+          </a:r>
+          <a:endParaRPr lang="zh-CN" altLang="en-US" dirty="0"/>
+        </a:p>
+      </dgm:t>
+    </dgm:pt>
+    <dgm:pt modelId="{C6D57ACD-EC5E-4BEA-B026-E90138C1E7F1}" type="parTrans" cxnId="{B5BBB964-49AC-42A3-A11B-81109E622A96}">
+      <dgm:prSet/>
+      <dgm:spPr/>
+      <dgm:t>
+        <a:bodyPr/>
+        <a:lstStyle/>
+        <a:p>
+          <a:endParaRPr lang="zh-CN" altLang="en-US"/>
+        </a:p>
+      </dgm:t>
+    </dgm:pt>
+    <dgm:pt modelId="{05B6FC01-7ED7-46CE-BA30-A1B0BC62C492}" type="sibTrans" cxnId="{B5BBB964-49AC-42A3-A11B-81109E622A96}">
+      <dgm:prSet/>
+      <dgm:spPr/>
+      <dgm:t>
+        <a:bodyPr/>
+        <a:lstStyle/>
+        <a:p>
+          <a:endParaRPr lang="zh-CN" altLang="en-US"/>
+        </a:p>
+      </dgm:t>
+    </dgm:pt>
+    <dgm:pt modelId="{78DFC467-8323-4E88-8C0F-5027BDE42628}">
+      <dgm:prSet phldrT="[文本]"/>
+      <dgm:spPr/>
+      <dgm:t>
+        <a:bodyPr/>
+        <a:lstStyle/>
+        <a:p>
+          <a:r>
+            <a:rPr lang="zh-CN" altLang="en-US" dirty="0" smtClean="0"/>
+            <a:t>信息素强度</a:t>
+          </a:r>
+          <a:endParaRPr lang="zh-CN" altLang="en-US" dirty="0"/>
+        </a:p>
+      </dgm:t>
+    </dgm:pt>
+    <dgm:pt modelId="{79D658E4-4733-49AB-87F6-087D2CBED7CD}" type="parTrans" cxnId="{963D1656-AB0C-4BB1-BE20-BAAC8211ED9B}">
+      <dgm:prSet/>
+      <dgm:spPr/>
+      <dgm:t>
+        <a:bodyPr/>
+        <a:lstStyle/>
+        <a:p>
+          <a:endParaRPr lang="zh-CN" altLang="en-US"/>
+        </a:p>
+      </dgm:t>
+    </dgm:pt>
+    <dgm:pt modelId="{FCF630B1-468F-4CEB-A195-965525A209E6}" type="sibTrans" cxnId="{963D1656-AB0C-4BB1-BE20-BAAC8211ED9B}">
+      <dgm:prSet/>
+      <dgm:spPr/>
+      <dgm:t>
+        <a:bodyPr/>
+        <a:lstStyle/>
+        <a:p>
+          <a:endParaRPr lang="zh-CN" altLang="en-US"/>
+        </a:p>
+      </dgm:t>
+    </dgm:pt>
+    <dgm:pt modelId="{99CC8CD5-FCA7-448C-BECE-12D99708E837}">
+      <dgm:prSet phldrT="[文本]"/>
+      <dgm:spPr/>
+      <dgm:t>
+        <a:bodyPr/>
+        <a:lstStyle/>
+        <a:p>
+          <a:r>
+            <a:rPr lang="zh-CN" altLang="en-US" dirty="0" smtClean="0"/>
+            <a:t>期望启发因子</a:t>
+          </a:r>
+          <a:endParaRPr lang="zh-CN" altLang="en-US" dirty="0"/>
+        </a:p>
+      </dgm:t>
+    </dgm:pt>
+    <dgm:pt modelId="{013CA753-E240-4263-82FA-B0A1D1918315}" type="parTrans" cxnId="{19B2C107-40C0-4073-A134-43DFEE8F5DBE}">
+      <dgm:prSet/>
+      <dgm:spPr/>
+      <dgm:t>
+        <a:bodyPr/>
+        <a:lstStyle/>
+        <a:p>
+          <a:endParaRPr lang="zh-CN" altLang="en-US"/>
+        </a:p>
+      </dgm:t>
+    </dgm:pt>
+    <dgm:pt modelId="{CA157841-8EF3-4AC9-A27E-E88CB6AF1E63}" type="sibTrans" cxnId="{19B2C107-40C0-4073-A134-43DFEE8F5DBE}">
+      <dgm:prSet/>
+      <dgm:spPr/>
+      <dgm:t>
+        <a:bodyPr/>
+        <a:lstStyle/>
+        <a:p>
+          <a:endParaRPr lang="zh-CN" altLang="en-US"/>
+        </a:p>
+      </dgm:t>
+    </dgm:pt>
+    <dgm:pt modelId="{5FA86FC4-3F32-4F0A-AF94-4D8F39F4CEAB}">
+      <dgm:prSet phldrT="[文本]"/>
+      <dgm:spPr/>
+      <dgm:t>
+        <a:bodyPr/>
+        <a:lstStyle/>
+        <a:p>
+          <a:r>
+            <a:rPr lang="zh-CN" altLang="en-US" dirty="0" smtClean="0"/>
+            <a:t>信息启发式因子</a:t>
+          </a:r>
+          <a:endParaRPr lang="zh-CN" altLang="en-US" dirty="0"/>
+        </a:p>
+      </dgm:t>
+    </dgm:pt>
+    <dgm:pt modelId="{146D74BB-1B34-4265-AA9D-D021D4010A4C}" type="parTrans" cxnId="{973E43AC-C540-44F6-B06D-86929DE27F81}">
+      <dgm:prSet/>
+      <dgm:spPr/>
+      <dgm:t>
+        <a:bodyPr/>
+        <a:lstStyle/>
+        <a:p>
+          <a:endParaRPr lang="zh-CN" altLang="en-US"/>
+        </a:p>
+      </dgm:t>
+    </dgm:pt>
+    <dgm:pt modelId="{9F283ACF-0EFB-47BE-A870-CAC5F6A95A68}" type="sibTrans" cxnId="{973E43AC-C540-44F6-B06D-86929DE27F81}">
+      <dgm:prSet/>
+      <dgm:spPr/>
+      <dgm:t>
+        <a:bodyPr/>
+        <a:lstStyle/>
+        <a:p>
+          <a:endParaRPr lang="zh-CN" altLang="en-US"/>
+        </a:p>
+      </dgm:t>
+    </dgm:pt>
+    <dgm:pt modelId="{55422466-B196-406E-B8FF-A0035CE54587}">
+      <dgm:prSet phldrT="[文本]"/>
+      <dgm:spPr/>
+      <dgm:t>
+        <a:bodyPr/>
+        <a:lstStyle/>
+        <a:p>
+          <a:r>
+            <a:rPr lang="zh-CN" altLang="en-US" dirty="0" smtClean="0"/>
+            <a:t>信息素挥发系数</a:t>
+          </a:r>
+          <a:endParaRPr lang="zh-CN" altLang="en-US" dirty="0"/>
+        </a:p>
+      </dgm:t>
+    </dgm:pt>
+    <dgm:pt modelId="{C7DC682A-AF45-4E04-AFE8-A781FEF8F392}" type="parTrans" cxnId="{B4D8867F-D771-450A-83B5-15B3F421189F}">
+      <dgm:prSet/>
+      <dgm:spPr/>
+      <dgm:t>
+        <a:bodyPr/>
+        <a:lstStyle/>
+        <a:p>
+          <a:endParaRPr lang="zh-CN" altLang="en-US"/>
+        </a:p>
+      </dgm:t>
+    </dgm:pt>
+    <dgm:pt modelId="{796F4EE8-E157-4DBA-92C4-71A1159B85DC}" type="sibTrans" cxnId="{B4D8867F-D771-450A-83B5-15B3F421189F}">
+      <dgm:prSet/>
+      <dgm:spPr/>
+      <dgm:t>
+        <a:bodyPr/>
+        <a:lstStyle/>
+        <a:p>
+          <a:endParaRPr lang="zh-CN" altLang="en-US"/>
+        </a:p>
+      </dgm:t>
+    </dgm:pt>
+    <dgm:pt modelId="{92D78CAA-CBFC-4967-97E2-0A190726164C}">
+      <dgm:prSet/>
+      <dgm:spPr/>
+      <dgm:t>
+        <a:bodyPr/>
+        <a:lstStyle/>
+        <a:p>
+          <a:r>
+            <a:rPr lang="zh-CN" altLang="en-US" dirty="0" smtClean="0"/>
+            <a:t>蚁群规模</a:t>
+          </a:r>
+          <a:endParaRPr lang="zh-CN" altLang="en-US" dirty="0"/>
+        </a:p>
+      </dgm:t>
+    </dgm:pt>
+    <dgm:pt modelId="{01EA2221-ABF7-4808-B539-2E1AD8ADB146}" type="parTrans" cxnId="{737056DD-B49C-4FB2-B726-7A9BE142A2FA}">
+      <dgm:prSet/>
+      <dgm:spPr/>
+      <dgm:t>
+        <a:bodyPr/>
+        <a:lstStyle/>
+        <a:p>
+          <a:endParaRPr lang="zh-CN" altLang="en-US"/>
+        </a:p>
+      </dgm:t>
+    </dgm:pt>
+    <dgm:pt modelId="{CE83C1B9-EC1D-4B7E-8121-AEC5EC59EFD5}" type="sibTrans" cxnId="{737056DD-B49C-4FB2-B726-7A9BE142A2FA}">
+      <dgm:prSet/>
+      <dgm:spPr/>
+      <dgm:t>
+        <a:bodyPr/>
+        <a:lstStyle/>
+        <a:p>
+          <a:endParaRPr lang="zh-CN" altLang="en-US"/>
+        </a:p>
+      </dgm:t>
+    </dgm:pt>
+    <dgm:pt modelId="{8998E9DD-C371-4537-8B58-449040E5BC99}" type="pres">
+      <dgm:prSet presAssocID="{C05A8233-2AC0-449C-A5A6-370704FA232D}" presName="Name0" presStyleCnt="0">
+        <dgm:presLayoutVars>
+          <dgm:chMax val="1"/>
+          <dgm:dir/>
+          <dgm:animLvl val="ctr"/>
+          <dgm:resizeHandles val="exact"/>
+        </dgm:presLayoutVars>
+      </dgm:prSet>
+      <dgm:spPr/>
+    </dgm:pt>
+    <dgm:pt modelId="{06052CD3-BE77-4E7A-83C7-22ADBCB1ADB1}" type="pres">
+      <dgm:prSet presAssocID="{ECEB847B-F49B-420B-AB24-55F0EC33B7E0}" presName="centerShape" presStyleLbl="node0" presStyleIdx="0" presStyleCnt="1"/>
+      <dgm:spPr/>
+    </dgm:pt>
+    <dgm:pt modelId="{EBDFA826-4499-4217-9704-330DC6627CB9}" type="pres">
+      <dgm:prSet presAssocID="{78DFC467-8323-4E88-8C0F-5027BDE42628}" presName="node" presStyleLbl="node1" presStyleIdx="0" presStyleCnt="5">
+        <dgm:presLayoutVars>
+          <dgm:bulletEnabled val="1"/>
+        </dgm:presLayoutVars>
+      </dgm:prSet>
+      <dgm:spPr/>
+      <dgm:t>
+        <a:bodyPr/>
+        <a:lstStyle/>
+        <a:p>
+          <a:endParaRPr lang="zh-CN" altLang="en-US"/>
+        </a:p>
+      </dgm:t>
+    </dgm:pt>
+    <dgm:pt modelId="{09A1625A-57F4-41A2-BADE-F5C34B60C75E}" type="pres">
+      <dgm:prSet presAssocID="{78DFC467-8323-4E88-8C0F-5027BDE42628}" presName="dummy" presStyleCnt="0"/>
+      <dgm:spPr/>
+    </dgm:pt>
+    <dgm:pt modelId="{041BEB9A-9B25-49DE-81CA-E065DBD86E01}" type="pres">
+      <dgm:prSet presAssocID="{FCF630B1-468F-4CEB-A195-965525A209E6}" presName="sibTrans" presStyleLbl="sibTrans2D1" presStyleIdx="0" presStyleCnt="5"/>
+      <dgm:spPr/>
+    </dgm:pt>
+    <dgm:pt modelId="{3419E25F-A6BD-4136-B7E4-4761CA7BE9F9}" type="pres">
+      <dgm:prSet presAssocID="{92D78CAA-CBFC-4967-97E2-0A190726164C}" presName="node" presStyleLbl="node1" presStyleIdx="1" presStyleCnt="5">
+        <dgm:presLayoutVars>
+          <dgm:bulletEnabled val="1"/>
+        </dgm:presLayoutVars>
+      </dgm:prSet>
+      <dgm:spPr/>
+      <dgm:t>
+        <a:bodyPr/>
+        <a:lstStyle/>
+        <a:p>
+          <a:endParaRPr lang="zh-CN" altLang="en-US"/>
+        </a:p>
+      </dgm:t>
+    </dgm:pt>
+    <dgm:pt modelId="{AF40BA8A-EB40-4B70-9A1C-F4C1B9C34FBA}" type="pres">
+      <dgm:prSet presAssocID="{92D78CAA-CBFC-4967-97E2-0A190726164C}" presName="dummy" presStyleCnt="0"/>
+      <dgm:spPr/>
+    </dgm:pt>
+    <dgm:pt modelId="{2CDD20E7-EC1E-42BD-A513-7EC6F99D3D72}" type="pres">
+      <dgm:prSet presAssocID="{CE83C1B9-EC1D-4B7E-8121-AEC5EC59EFD5}" presName="sibTrans" presStyleLbl="sibTrans2D1" presStyleIdx="1" presStyleCnt="5"/>
+      <dgm:spPr/>
+    </dgm:pt>
+    <dgm:pt modelId="{F59886E9-EBB2-43B0-AEC6-0878435FE47D}" type="pres">
+      <dgm:prSet presAssocID="{99CC8CD5-FCA7-448C-BECE-12D99708E837}" presName="node" presStyleLbl="node1" presStyleIdx="2" presStyleCnt="5">
+        <dgm:presLayoutVars>
+          <dgm:bulletEnabled val="1"/>
+        </dgm:presLayoutVars>
+      </dgm:prSet>
+      <dgm:spPr/>
+      <dgm:t>
+        <a:bodyPr/>
+        <a:lstStyle/>
+        <a:p>
+          <a:endParaRPr lang="zh-CN" altLang="en-US"/>
+        </a:p>
+      </dgm:t>
+    </dgm:pt>
+    <dgm:pt modelId="{7C2E268A-4E09-4344-969D-91955B75BF80}" type="pres">
+      <dgm:prSet presAssocID="{99CC8CD5-FCA7-448C-BECE-12D99708E837}" presName="dummy" presStyleCnt="0"/>
+      <dgm:spPr/>
+    </dgm:pt>
+    <dgm:pt modelId="{86AA95AF-91DF-410D-88B1-C590CB7EFD91}" type="pres">
+      <dgm:prSet presAssocID="{CA157841-8EF3-4AC9-A27E-E88CB6AF1E63}" presName="sibTrans" presStyleLbl="sibTrans2D1" presStyleIdx="2" presStyleCnt="5"/>
+      <dgm:spPr/>
+    </dgm:pt>
+    <dgm:pt modelId="{633AA26E-7350-4C3D-9374-D153B9462B3B}" type="pres">
+      <dgm:prSet presAssocID="{5FA86FC4-3F32-4F0A-AF94-4D8F39F4CEAB}" presName="node" presStyleLbl="node1" presStyleIdx="3" presStyleCnt="5">
+        <dgm:presLayoutVars>
+          <dgm:bulletEnabled val="1"/>
+        </dgm:presLayoutVars>
+      </dgm:prSet>
+      <dgm:spPr/>
+      <dgm:t>
+        <a:bodyPr/>
+        <a:lstStyle/>
+        <a:p>
+          <a:endParaRPr lang="zh-CN" altLang="en-US"/>
+        </a:p>
+      </dgm:t>
+    </dgm:pt>
+    <dgm:pt modelId="{A9582D8D-5A99-4D5A-AD35-42FAFA22959B}" type="pres">
+      <dgm:prSet presAssocID="{5FA86FC4-3F32-4F0A-AF94-4D8F39F4CEAB}" presName="dummy" presStyleCnt="0"/>
+      <dgm:spPr/>
+    </dgm:pt>
+    <dgm:pt modelId="{D411F0A2-374B-47C8-8904-1F6635E4A629}" type="pres">
+      <dgm:prSet presAssocID="{9F283ACF-0EFB-47BE-A870-CAC5F6A95A68}" presName="sibTrans" presStyleLbl="sibTrans2D1" presStyleIdx="3" presStyleCnt="5"/>
+      <dgm:spPr/>
+    </dgm:pt>
+    <dgm:pt modelId="{455E038C-3FC9-46CB-B36D-8B3D4F3B4640}" type="pres">
+      <dgm:prSet presAssocID="{55422466-B196-406E-B8FF-A0035CE54587}" presName="node" presStyleLbl="node1" presStyleIdx="4" presStyleCnt="5">
+        <dgm:presLayoutVars>
+          <dgm:bulletEnabled val="1"/>
+        </dgm:presLayoutVars>
+      </dgm:prSet>
+      <dgm:spPr/>
+      <dgm:t>
+        <a:bodyPr/>
+        <a:lstStyle/>
+        <a:p>
+          <a:endParaRPr lang="zh-CN" altLang="en-US"/>
+        </a:p>
+      </dgm:t>
+    </dgm:pt>
+    <dgm:pt modelId="{7EF85202-827C-4762-879D-5A2569A404F9}" type="pres">
+      <dgm:prSet presAssocID="{55422466-B196-406E-B8FF-A0035CE54587}" presName="dummy" presStyleCnt="0"/>
+      <dgm:spPr/>
+    </dgm:pt>
+    <dgm:pt modelId="{0A74348F-7D9E-4584-B1B0-524538CA09EE}" type="pres">
+      <dgm:prSet presAssocID="{796F4EE8-E157-4DBA-92C4-71A1159B85DC}" presName="sibTrans" presStyleLbl="sibTrans2D1" presStyleIdx="4" presStyleCnt="5"/>
+      <dgm:spPr/>
+    </dgm:pt>
+  </dgm:ptLst>
+  <dgm:cxnLst>
+    <dgm:cxn modelId="{7CE08B76-F1DE-4969-A45B-CA307056F6D7}" type="presOf" srcId="{78DFC467-8323-4E88-8C0F-5027BDE42628}" destId="{EBDFA826-4499-4217-9704-330DC6627CB9}" srcOrd="0" destOrd="0" presId="urn:microsoft.com/office/officeart/2005/8/layout/radial6"/>
+    <dgm:cxn modelId="{19B2C107-40C0-4073-A134-43DFEE8F5DBE}" srcId="{ECEB847B-F49B-420B-AB24-55F0EC33B7E0}" destId="{99CC8CD5-FCA7-448C-BECE-12D99708E837}" srcOrd="2" destOrd="0" parTransId="{013CA753-E240-4263-82FA-B0A1D1918315}" sibTransId="{CA157841-8EF3-4AC9-A27E-E88CB6AF1E63}"/>
+    <dgm:cxn modelId="{7C851C30-6DB3-49E3-ADEB-B3853FC868EB}" type="presOf" srcId="{FCF630B1-468F-4CEB-A195-965525A209E6}" destId="{041BEB9A-9B25-49DE-81CA-E065DBD86E01}" srcOrd="0" destOrd="0" presId="urn:microsoft.com/office/officeart/2005/8/layout/radial6"/>
+    <dgm:cxn modelId="{07C745B3-E20D-4454-ADA7-552512B0C3B5}" type="presOf" srcId="{ECEB847B-F49B-420B-AB24-55F0EC33B7E0}" destId="{06052CD3-BE77-4E7A-83C7-22ADBCB1ADB1}" srcOrd="0" destOrd="0" presId="urn:microsoft.com/office/officeart/2005/8/layout/radial6"/>
+    <dgm:cxn modelId="{737056DD-B49C-4FB2-B726-7A9BE142A2FA}" srcId="{ECEB847B-F49B-420B-AB24-55F0EC33B7E0}" destId="{92D78CAA-CBFC-4967-97E2-0A190726164C}" srcOrd="1" destOrd="0" parTransId="{01EA2221-ABF7-4808-B539-2E1AD8ADB146}" sibTransId="{CE83C1B9-EC1D-4B7E-8121-AEC5EC59EFD5}"/>
+    <dgm:cxn modelId="{83D72C48-BAB7-4E40-8917-079F38216F9F}" type="presOf" srcId="{5FA86FC4-3F32-4F0A-AF94-4D8F39F4CEAB}" destId="{633AA26E-7350-4C3D-9374-D153B9462B3B}" srcOrd="0" destOrd="0" presId="urn:microsoft.com/office/officeart/2005/8/layout/radial6"/>
+    <dgm:cxn modelId="{466EE141-A691-40B2-92F8-6E18A0956E6A}" type="presOf" srcId="{CE83C1B9-EC1D-4B7E-8121-AEC5EC59EFD5}" destId="{2CDD20E7-EC1E-42BD-A513-7EC6F99D3D72}" srcOrd="0" destOrd="0" presId="urn:microsoft.com/office/officeart/2005/8/layout/radial6"/>
+    <dgm:cxn modelId="{B4D8867F-D771-450A-83B5-15B3F421189F}" srcId="{ECEB847B-F49B-420B-AB24-55F0EC33B7E0}" destId="{55422466-B196-406E-B8FF-A0035CE54587}" srcOrd="4" destOrd="0" parTransId="{C7DC682A-AF45-4E04-AFE8-A781FEF8F392}" sibTransId="{796F4EE8-E157-4DBA-92C4-71A1159B85DC}"/>
+    <dgm:cxn modelId="{B5BBB964-49AC-42A3-A11B-81109E622A96}" srcId="{C05A8233-2AC0-449C-A5A6-370704FA232D}" destId="{ECEB847B-F49B-420B-AB24-55F0EC33B7E0}" srcOrd="0" destOrd="0" parTransId="{C6D57ACD-EC5E-4BEA-B026-E90138C1E7F1}" sibTransId="{05B6FC01-7ED7-46CE-BA30-A1B0BC62C492}"/>
+    <dgm:cxn modelId="{5CA5C8ED-730C-4F27-BAD8-B959D89AADF5}" type="presOf" srcId="{9F283ACF-0EFB-47BE-A870-CAC5F6A95A68}" destId="{D411F0A2-374B-47C8-8904-1F6635E4A629}" srcOrd="0" destOrd="0" presId="urn:microsoft.com/office/officeart/2005/8/layout/radial6"/>
+    <dgm:cxn modelId="{3DE5179C-632E-4A63-9147-A2F8BF3AB841}" type="presOf" srcId="{55422466-B196-406E-B8FF-A0035CE54587}" destId="{455E038C-3FC9-46CB-B36D-8B3D4F3B4640}" srcOrd="0" destOrd="0" presId="urn:microsoft.com/office/officeart/2005/8/layout/radial6"/>
+    <dgm:cxn modelId="{B41EE047-6D4B-46A4-B0BC-C5EF0887A268}" type="presOf" srcId="{C05A8233-2AC0-449C-A5A6-370704FA232D}" destId="{8998E9DD-C371-4537-8B58-449040E5BC99}" srcOrd="0" destOrd="0" presId="urn:microsoft.com/office/officeart/2005/8/layout/radial6"/>
+    <dgm:cxn modelId="{E29FC14C-A465-4164-82D0-76BB616EB0EE}" type="presOf" srcId="{92D78CAA-CBFC-4967-97E2-0A190726164C}" destId="{3419E25F-A6BD-4136-B7E4-4761CA7BE9F9}" srcOrd="0" destOrd="0" presId="urn:microsoft.com/office/officeart/2005/8/layout/radial6"/>
+    <dgm:cxn modelId="{973E43AC-C540-44F6-B06D-86929DE27F81}" srcId="{ECEB847B-F49B-420B-AB24-55F0EC33B7E0}" destId="{5FA86FC4-3F32-4F0A-AF94-4D8F39F4CEAB}" srcOrd="3" destOrd="0" parTransId="{146D74BB-1B34-4265-AA9D-D021D4010A4C}" sibTransId="{9F283ACF-0EFB-47BE-A870-CAC5F6A95A68}"/>
+    <dgm:cxn modelId="{963D1656-AB0C-4BB1-BE20-BAAC8211ED9B}" srcId="{ECEB847B-F49B-420B-AB24-55F0EC33B7E0}" destId="{78DFC467-8323-4E88-8C0F-5027BDE42628}" srcOrd="0" destOrd="0" parTransId="{79D658E4-4733-49AB-87F6-087D2CBED7CD}" sibTransId="{FCF630B1-468F-4CEB-A195-965525A209E6}"/>
+    <dgm:cxn modelId="{3DF108DA-0D41-41D8-B11D-92E9D6E4852F}" type="presOf" srcId="{99CC8CD5-FCA7-448C-BECE-12D99708E837}" destId="{F59886E9-EBB2-43B0-AEC6-0878435FE47D}" srcOrd="0" destOrd="0" presId="urn:microsoft.com/office/officeart/2005/8/layout/radial6"/>
+    <dgm:cxn modelId="{3B73DD6A-8337-4E1F-A31D-0772C35A9472}" type="presOf" srcId="{CA157841-8EF3-4AC9-A27E-E88CB6AF1E63}" destId="{86AA95AF-91DF-410D-88B1-C590CB7EFD91}" srcOrd="0" destOrd="0" presId="urn:microsoft.com/office/officeart/2005/8/layout/radial6"/>
+    <dgm:cxn modelId="{8DA1BA50-E7DB-43FA-86CB-416144A566A8}" type="presOf" srcId="{796F4EE8-E157-4DBA-92C4-71A1159B85DC}" destId="{0A74348F-7D9E-4584-B1B0-524538CA09EE}" srcOrd="0" destOrd="0" presId="urn:microsoft.com/office/officeart/2005/8/layout/radial6"/>
+    <dgm:cxn modelId="{D9BFED8C-997D-455A-88BC-D8968DC9B5E8}" type="presParOf" srcId="{8998E9DD-C371-4537-8B58-449040E5BC99}" destId="{06052CD3-BE77-4E7A-83C7-22ADBCB1ADB1}" srcOrd="0" destOrd="0" presId="urn:microsoft.com/office/officeart/2005/8/layout/radial6"/>
+    <dgm:cxn modelId="{A04D10F0-3C1B-43C8-B423-6D12EE50E398}" type="presParOf" srcId="{8998E9DD-C371-4537-8B58-449040E5BC99}" destId="{EBDFA826-4499-4217-9704-330DC6627CB9}" srcOrd="1" destOrd="0" presId="urn:microsoft.com/office/officeart/2005/8/layout/radial6"/>
+    <dgm:cxn modelId="{8A6FE487-2F37-4BCD-B9FF-DD46292763D7}" type="presParOf" srcId="{8998E9DD-C371-4537-8B58-449040E5BC99}" destId="{09A1625A-57F4-41A2-BADE-F5C34B60C75E}" srcOrd="2" destOrd="0" presId="urn:microsoft.com/office/officeart/2005/8/layout/radial6"/>
+    <dgm:cxn modelId="{DBD0BDE3-EF30-4C4C-8A02-EC05901008EF}" type="presParOf" srcId="{8998E9DD-C371-4537-8B58-449040E5BC99}" destId="{041BEB9A-9B25-49DE-81CA-E065DBD86E01}" srcOrd="3" destOrd="0" presId="urn:microsoft.com/office/officeart/2005/8/layout/radial6"/>
+    <dgm:cxn modelId="{1EE28A4E-F542-4DB4-9AB0-C9485B6DB857}" type="presParOf" srcId="{8998E9DD-C371-4537-8B58-449040E5BC99}" destId="{3419E25F-A6BD-4136-B7E4-4761CA7BE9F9}" srcOrd="4" destOrd="0" presId="urn:microsoft.com/office/officeart/2005/8/layout/radial6"/>
+    <dgm:cxn modelId="{EE6FD272-85BE-4FDE-ADE9-2E33F1323172}" type="presParOf" srcId="{8998E9DD-C371-4537-8B58-449040E5BC99}" destId="{AF40BA8A-EB40-4B70-9A1C-F4C1B9C34FBA}" srcOrd="5" destOrd="0" presId="urn:microsoft.com/office/officeart/2005/8/layout/radial6"/>
+    <dgm:cxn modelId="{E85847AD-08D0-49CB-B8A1-E1E1C79750D3}" type="presParOf" srcId="{8998E9DD-C371-4537-8B58-449040E5BC99}" destId="{2CDD20E7-EC1E-42BD-A513-7EC6F99D3D72}" srcOrd="6" destOrd="0" presId="urn:microsoft.com/office/officeart/2005/8/layout/radial6"/>
+    <dgm:cxn modelId="{058AB6BF-8AB0-40A2-B960-E485AA53A8FA}" type="presParOf" srcId="{8998E9DD-C371-4537-8B58-449040E5BC99}" destId="{F59886E9-EBB2-43B0-AEC6-0878435FE47D}" srcOrd="7" destOrd="0" presId="urn:microsoft.com/office/officeart/2005/8/layout/radial6"/>
+    <dgm:cxn modelId="{D8A66A97-D6F8-46E1-964B-F8D0AEB234C7}" type="presParOf" srcId="{8998E9DD-C371-4537-8B58-449040E5BC99}" destId="{7C2E268A-4E09-4344-969D-91955B75BF80}" srcOrd="8" destOrd="0" presId="urn:microsoft.com/office/officeart/2005/8/layout/radial6"/>
+    <dgm:cxn modelId="{5B603426-04C8-4C95-9418-5B829BD2DE72}" type="presParOf" srcId="{8998E9DD-C371-4537-8B58-449040E5BC99}" destId="{86AA95AF-91DF-410D-88B1-C590CB7EFD91}" srcOrd="9" destOrd="0" presId="urn:microsoft.com/office/officeart/2005/8/layout/radial6"/>
+    <dgm:cxn modelId="{12D083C5-B465-4C64-9828-BAD86695DD62}" type="presParOf" srcId="{8998E9DD-C371-4537-8B58-449040E5BC99}" destId="{633AA26E-7350-4C3D-9374-D153B9462B3B}" srcOrd="10" destOrd="0" presId="urn:microsoft.com/office/officeart/2005/8/layout/radial6"/>
+    <dgm:cxn modelId="{96394DFC-793E-4D2D-BA51-F1AB16B75EC8}" type="presParOf" srcId="{8998E9DD-C371-4537-8B58-449040E5BC99}" destId="{A9582D8D-5A99-4D5A-AD35-42FAFA22959B}" srcOrd="11" destOrd="0" presId="urn:microsoft.com/office/officeart/2005/8/layout/radial6"/>
+    <dgm:cxn modelId="{CE8D082D-7335-480B-B3BC-9A18529EE1F4}" type="presParOf" srcId="{8998E9DD-C371-4537-8B58-449040E5BC99}" destId="{D411F0A2-374B-47C8-8904-1F6635E4A629}" srcOrd="12" destOrd="0" presId="urn:microsoft.com/office/officeart/2005/8/layout/radial6"/>
+    <dgm:cxn modelId="{F4AF07D8-C477-44CB-A8A3-A72A9088C445}" type="presParOf" srcId="{8998E9DD-C371-4537-8B58-449040E5BC99}" destId="{455E038C-3FC9-46CB-B36D-8B3D4F3B4640}" srcOrd="13" destOrd="0" presId="urn:microsoft.com/office/officeart/2005/8/layout/radial6"/>
+    <dgm:cxn modelId="{062CE7CD-6317-4F2B-9D24-468EE5B85DC9}" type="presParOf" srcId="{8998E9DD-C371-4537-8B58-449040E5BC99}" destId="{7EF85202-827C-4762-879D-5A2569A404F9}" srcOrd="14" destOrd="0" presId="urn:microsoft.com/office/officeart/2005/8/layout/radial6"/>
+    <dgm:cxn modelId="{F7594F4F-5815-49AD-83E9-9B75A00DBD17}" type="presParOf" srcId="{8998E9DD-C371-4537-8B58-449040E5BC99}" destId="{0A74348F-7D9E-4584-B1B0-524538CA09EE}" srcOrd="15" destOrd="0" presId="urn:microsoft.com/office/officeart/2005/8/layout/radial6"/>
+  </dgm:cxnLst>
+  <dgm:bg/>
+  <dgm:whole/>
+  <dgm:extLst>
+    <a:ext uri="http://schemas.microsoft.com/office/drawing/2008/diagram">
+      <dsp:dataModelExt xmlns:dsp="http://schemas.microsoft.com/office/drawing/2008/diagram" relId="rId6" minVer="http://schemas.openxmlformats.org/drawingml/2006/diagram"/>
+    </a:ext>
+  </dgm:extLst>
+</dgm:dataModel>
+</file>
+
+<file path=ppt/diagrams/data2.xml><?xml version="1.0" encoding="utf-8"?>
+<dgm:dataModel xmlns:dgm="http://schemas.openxmlformats.org/drawingml/2006/diagram" xmlns:a="http://schemas.openxmlformats.org/drawingml/2006/main">
+  <dgm:ptLst>
+    <dgm:pt modelId="{CA0339C4-932B-4D1F-ACFC-837C4227ED6C}" type="doc">
+      <dgm:prSet loTypeId="urn:microsoft.com/office/officeart/2005/8/layout/cycle5" loCatId="cycle" qsTypeId="urn:microsoft.com/office/officeart/2005/8/quickstyle/simple1" qsCatId="simple" csTypeId="urn:microsoft.com/office/officeart/2005/8/colors/colorful1" csCatId="colorful" phldr="1"/>
+      <dgm:spPr/>
+      <dgm:t>
+        <a:bodyPr/>
+        <a:lstStyle/>
+        <a:p>
+          <a:endParaRPr lang="zh-CN" altLang="en-US"/>
+        </a:p>
+      </dgm:t>
+    </dgm:pt>
+    <dgm:pt modelId="{83CA399F-4C37-443A-B3E0-CA3783ABB4AB}">
+      <dgm:prSet phldrT="[文本]"/>
+      <dgm:spPr/>
+      <dgm:t>
+        <a:bodyPr/>
+        <a:lstStyle/>
+        <a:p>
+          <a:r>
+            <a:rPr lang="zh-CN" altLang="en-US" dirty="0" smtClean="0"/>
+            <a:t>父代种群</a:t>
+          </a:r>
+          <a:endParaRPr lang="zh-CN" altLang="en-US" dirty="0"/>
+        </a:p>
+      </dgm:t>
+    </dgm:pt>
+    <dgm:pt modelId="{6437727A-CA7E-436C-9679-C94424DA6F68}" type="parTrans" cxnId="{137C9219-09FA-4BC9-A14E-5F42BE36AC18}">
+      <dgm:prSet/>
+      <dgm:spPr/>
+      <dgm:t>
+        <a:bodyPr/>
+        <a:lstStyle/>
+        <a:p>
+          <a:endParaRPr lang="zh-CN" altLang="en-US"/>
+        </a:p>
+      </dgm:t>
+    </dgm:pt>
+    <dgm:pt modelId="{43E04330-85B4-402B-A254-CF06B90BE46A}" type="sibTrans" cxnId="{137C9219-09FA-4BC9-A14E-5F42BE36AC18}">
+      <dgm:prSet/>
+      <dgm:spPr/>
+      <dgm:t>
+        <a:bodyPr/>
+        <a:lstStyle/>
+        <a:p>
+          <a:endParaRPr lang="zh-CN" altLang="en-US"/>
+        </a:p>
+      </dgm:t>
+    </dgm:pt>
+    <dgm:pt modelId="{9E88DDCC-EFC1-4D7B-809D-A1FF3FA8713B}">
+      <dgm:prSet phldrT="[文本]"/>
+      <dgm:spPr/>
+      <dgm:t>
+        <a:bodyPr/>
+        <a:lstStyle/>
+        <a:p>
+          <a:r>
+            <a:rPr lang="zh-CN" altLang="en-US" dirty="0" smtClean="0"/>
+            <a:t>根据</a:t>
+          </a:r>
+          <a:r>
+            <a:rPr lang="zh-CN" altLang="en-US" dirty="0" smtClean="0"/>
+            <a:t>个体</a:t>
+          </a:r>
+          <a:r>
+            <a:rPr lang="zh-CN" altLang="en-US" dirty="0" smtClean="0"/>
+            <a:t>基因计算适应度</a:t>
+          </a:r>
+          <a:endParaRPr lang="zh-CN" altLang="en-US" dirty="0"/>
+        </a:p>
+      </dgm:t>
+    </dgm:pt>
+    <dgm:pt modelId="{21E1B823-A84F-4EFC-92D9-50671614FFA9}" type="parTrans" cxnId="{01615242-F36B-4991-8531-C1A0A3541AB5}">
+      <dgm:prSet/>
+      <dgm:spPr/>
+      <dgm:t>
+        <a:bodyPr/>
+        <a:lstStyle/>
+        <a:p>
+          <a:endParaRPr lang="zh-CN" altLang="en-US"/>
+        </a:p>
+      </dgm:t>
+    </dgm:pt>
+    <dgm:pt modelId="{8F6B262E-7452-49A1-8F1C-B595E48BE11F}" type="sibTrans" cxnId="{01615242-F36B-4991-8531-C1A0A3541AB5}">
+      <dgm:prSet/>
+      <dgm:spPr/>
+      <dgm:t>
+        <a:bodyPr/>
+        <a:lstStyle/>
+        <a:p>
+          <a:endParaRPr lang="zh-CN" altLang="en-US"/>
+        </a:p>
+      </dgm:t>
+    </dgm:pt>
+    <dgm:pt modelId="{4909F778-7D0D-468A-A902-F5503E45CBE0}">
+      <dgm:prSet phldrT="[文本]"/>
+      <dgm:spPr/>
+      <dgm:t>
+        <a:bodyPr/>
+        <a:lstStyle/>
+        <a:p>
+          <a:r>
+            <a:rPr lang="zh-CN" altLang="en-US" dirty="0" smtClean="0"/>
+            <a:t>根据适应度选择优良个体</a:t>
+          </a:r>
+          <a:endParaRPr lang="zh-CN" altLang="en-US" dirty="0"/>
+        </a:p>
+      </dgm:t>
+    </dgm:pt>
+    <dgm:pt modelId="{2D712061-62E8-4D92-A165-1C68003FE1F6}" type="parTrans" cxnId="{032BACE0-790A-483F-B0BB-D0AF5B941CBD}">
+      <dgm:prSet/>
+      <dgm:spPr/>
+      <dgm:t>
+        <a:bodyPr/>
+        <a:lstStyle/>
+        <a:p>
+          <a:endParaRPr lang="zh-CN" altLang="en-US"/>
+        </a:p>
+      </dgm:t>
+    </dgm:pt>
+    <dgm:pt modelId="{E6F00411-D193-407D-BB7B-CD593FA351EA}" type="sibTrans" cxnId="{032BACE0-790A-483F-B0BB-D0AF5B941CBD}">
+      <dgm:prSet/>
+      <dgm:spPr/>
+      <dgm:t>
+        <a:bodyPr/>
+        <a:lstStyle/>
+        <a:p>
+          <a:endParaRPr lang="zh-CN" altLang="en-US"/>
+        </a:p>
+      </dgm:t>
+    </dgm:pt>
+    <dgm:pt modelId="{A0C07EBE-C91E-44BE-8948-68E2CF2E7B13}">
+      <dgm:prSet phldrT="[文本]"/>
+      <dgm:spPr/>
+      <dgm:t>
+        <a:bodyPr/>
+        <a:lstStyle/>
+        <a:p>
+          <a:r>
+            <a:rPr lang="zh-CN" altLang="en-US" dirty="0" smtClean="0"/>
+            <a:t>随机配对基因交叉互换</a:t>
+          </a:r>
+          <a:endParaRPr lang="zh-CN" altLang="en-US" dirty="0"/>
+        </a:p>
+      </dgm:t>
+    </dgm:pt>
+    <dgm:pt modelId="{F9366722-09C9-4E12-BB47-5711E5A48EB6}" type="parTrans" cxnId="{CEBFFA0C-12AD-4F3B-BC24-ACAE9C3003E2}">
+      <dgm:prSet/>
+      <dgm:spPr/>
+      <dgm:t>
+        <a:bodyPr/>
+        <a:lstStyle/>
+        <a:p>
+          <a:endParaRPr lang="zh-CN" altLang="en-US"/>
+        </a:p>
+      </dgm:t>
+    </dgm:pt>
+    <dgm:pt modelId="{97F48E41-D76F-4B8D-8BEE-65A8F2CA8492}" type="sibTrans" cxnId="{CEBFFA0C-12AD-4F3B-BC24-ACAE9C3003E2}">
+      <dgm:prSet/>
+      <dgm:spPr/>
+      <dgm:t>
+        <a:bodyPr/>
+        <a:lstStyle/>
+        <a:p>
+          <a:endParaRPr lang="zh-CN" altLang="en-US"/>
+        </a:p>
+      </dgm:t>
+    </dgm:pt>
+    <dgm:pt modelId="{D6A07843-BEB1-4E13-BAD6-FDBB9DBFCF7A}">
+      <dgm:prSet phldrT="[文本]"/>
+      <dgm:spPr/>
+      <dgm:t>
+        <a:bodyPr/>
+        <a:lstStyle/>
+        <a:p>
+          <a:r>
+            <a:rPr lang="zh-CN" altLang="en-US" dirty="0" smtClean="0"/>
+            <a:t>个体基因</a:t>
+          </a:r>
+          <a:r>
+            <a:rPr lang="zh-CN" altLang="en-US" dirty="0" smtClean="0"/>
+            <a:t>随机</a:t>
+          </a:r>
+          <a:r>
+            <a:rPr lang="zh-CN" altLang="en-US" dirty="0" smtClean="0"/>
+            <a:t>突变</a:t>
+          </a:r>
+          <a:endParaRPr lang="zh-CN" altLang="en-US" dirty="0"/>
+        </a:p>
+      </dgm:t>
+    </dgm:pt>
+    <dgm:pt modelId="{DD2E1A0C-7F67-4519-A505-2F21BFBBD4FC}" type="parTrans" cxnId="{97FA64EB-C9DC-4744-B566-8413C0BF3781}">
+      <dgm:prSet/>
+      <dgm:spPr/>
+      <dgm:t>
+        <a:bodyPr/>
+        <a:lstStyle/>
+        <a:p>
+          <a:endParaRPr lang="zh-CN" altLang="en-US"/>
+        </a:p>
+      </dgm:t>
+    </dgm:pt>
+    <dgm:pt modelId="{B027A943-17E0-4BAA-BADA-3CEF8624B6DB}" type="sibTrans" cxnId="{97FA64EB-C9DC-4744-B566-8413C0BF3781}">
+      <dgm:prSet/>
+      <dgm:spPr/>
+      <dgm:t>
+        <a:bodyPr/>
+        <a:lstStyle/>
+        <a:p>
+          <a:endParaRPr lang="zh-CN" altLang="en-US"/>
+        </a:p>
+      </dgm:t>
+    </dgm:pt>
+    <dgm:pt modelId="{5F021484-96A2-4EFF-9B8C-FB88A1609AE0}" type="pres">
+      <dgm:prSet presAssocID="{CA0339C4-932B-4D1F-ACFC-837C4227ED6C}" presName="cycle" presStyleCnt="0">
+        <dgm:presLayoutVars>
+          <dgm:dir/>
+          <dgm:resizeHandles val="exact"/>
+        </dgm:presLayoutVars>
+      </dgm:prSet>
+      <dgm:spPr/>
+    </dgm:pt>
+    <dgm:pt modelId="{7AD070E0-E1E4-4CFA-84CF-49B0A2A5323B}" type="pres">
+      <dgm:prSet presAssocID="{83CA399F-4C37-443A-B3E0-CA3783ABB4AB}" presName="node" presStyleLbl="node1" presStyleIdx="0" presStyleCnt="5">
+        <dgm:presLayoutVars>
+          <dgm:bulletEnabled val="1"/>
+        </dgm:presLayoutVars>
+      </dgm:prSet>
+      <dgm:spPr/>
+      <dgm:t>
+        <a:bodyPr/>
+        <a:lstStyle/>
+        <a:p>
+          <a:endParaRPr lang="zh-CN" altLang="en-US"/>
+        </a:p>
+      </dgm:t>
+    </dgm:pt>
+    <dgm:pt modelId="{72841728-A3EA-46CD-91D8-CD081D64F269}" type="pres">
+      <dgm:prSet presAssocID="{83CA399F-4C37-443A-B3E0-CA3783ABB4AB}" presName="spNode" presStyleCnt="0"/>
+      <dgm:spPr/>
+    </dgm:pt>
+    <dgm:pt modelId="{B526F2D4-5F65-4C8F-9946-AB2FC2D542B4}" type="pres">
+      <dgm:prSet presAssocID="{43E04330-85B4-402B-A254-CF06B90BE46A}" presName="sibTrans" presStyleLbl="sibTrans1D1" presStyleIdx="0" presStyleCnt="5"/>
+      <dgm:spPr/>
+    </dgm:pt>
+    <dgm:pt modelId="{76E84DC7-7EE1-410B-B70F-B720C095AD33}" type="pres">
+      <dgm:prSet presAssocID="{9E88DDCC-EFC1-4D7B-809D-A1FF3FA8713B}" presName="node" presStyleLbl="node1" presStyleIdx="1" presStyleCnt="5">
+        <dgm:presLayoutVars>
+          <dgm:bulletEnabled val="1"/>
+        </dgm:presLayoutVars>
+      </dgm:prSet>
+      <dgm:spPr/>
+      <dgm:t>
+        <a:bodyPr/>
+        <a:lstStyle/>
+        <a:p>
+          <a:endParaRPr lang="zh-CN" altLang="en-US"/>
+        </a:p>
+      </dgm:t>
+    </dgm:pt>
+    <dgm:pt modelId="{C7DB29EA-01C0-49AD-B3BA-84742D4AD22B}" type="pres">
+      <dgm:prSet presAssocID="{9E88DDCC-EFC1-4D7B-809D-A1FF3FA8713B}" presName="spNode" presStyleCnt="0"/>
+      <dgm:spPr/>
+    </dgm:pt>
+    <dgm:pt modelId="{13BE928D-2CDD-47D8-BD5B-3901F6D85D5C}" type="pres">
+      <dgm:prSet presAssocID="{8F6B262E-7452-49A1-8F1C-B595E48BE11F}" presName="sibTrans" presStyleLbl="sibTrans1D1" presStyleIdx="1" presStyleCnt="5"/>
+      <dgm:spPr/>
+    </dgm:pt>
+    <dgm:pt modelId="{C4276BB3-B04A-42C3-A8E9-99CE2C13FC89}" type="pres">
+      <dgm:prSet presAssocID="{4909F778-7D0D-468A-A902-F5503E45CBE0}" presName="node" presStyleLbl="node1" presStyleIdx="2" presStyleCnt="5">
+        <dgm:presLayoutVars>
+          <dgm:bulletEnabled val="1"/>
+        </dgm:presLayoutVars>
+      </dgm:prSet>
+      <dgm:spPr/>
+      <dgm:t>
+        <a:bodyPr/>
+        <a:lstStyle/>
+        <a:p>
+          <a:endParaRPr lang="zh-CN" altLang="en-US"/>
+        </a:p>
+      </dgm:t>
+    </dgm:pt>
+    <dgm:pt modelId="{52CAC473-398D-4909-BBD1-9C2B258161EA}" type="pres">
+      <dgm:prSet presAssocID="{4909F778-7D0D-468A-A902-F5503E45CBE0}" presName="spNode" presStyleCnt="0"/>
+      <dgm:spPr/>
+    </dgm:pt>
+    <dgm:pt modelId="{0AC24970-5833-4C44-B5F6-94603E58BD9D}" type="pres">
+      <dgm:prSet presAssocID="{E6F00411-D193-407D-BB7B-CD593FA351EA}" presName="sibTrans" presStyleLbl="sibTrans1D1" presStyleIdx="2" presStyleCnt="5"/>
+      <dgm:spPr/>
+    </dgm:pt>
+    <dgm:pt modelId="{64EDFBF6-2AE3-46C6-A39E-89EE7ADAF9FF}" type="pres">
+      <dgm:prSet presAssocID="{A0C07EBE-C91E-44BE-8948-68E2CF2E7B13}" presName="node" presStyleLbl="node1" presStyleIdx="3" presStyleCnt="5">
+        <dgm:presLayoutVars>
+          <dgm:bulletEnabled val="1"/>
+        </dgm:presLayoutVars>
+      </dgm:prSet>
+      <dgm:spPr/>
+      <dgm:t>
+        <a:bodyPr/>
+        <a:lstStyle/>
+        <a:p>
+          <a:endParaRPr lang="zh-CN" altLang="en-US"/>
+        </a:p>
+      </dgm:t>
+    </dgm:pt>
+    <dgm:pt modelId="{E38676A3-60FB-44BA-BD5C-0180B9E97506}" type="pres">
+      <dgm:prSet presAssocID="{A0C07EBE-C91E-44BE-8948-68E2CF2E7B13}" presName="spNode" presStyleCnt="0"/>
+      <dgm:spPr/>
+    </dgm:pt>
+    <dgm:pt modelId="{148582C1-0693-4BDB-B03C-C3C42CA76505}" type="pres">
+      <dgm:prSet presAssocID="{97F48E41-D76F-4B8D-8BEE-65A8F2CA8492}" presName="sibTrans" presStyleLbl="sibTrans1D1" presStyleIdx="3" presStyleCnt="5"/>
+      <dgm:spPr/>
+    </dgm:pt>
+    <dgm:pt modelId="{71FDE9DF-4D18-49C7-B6DA-C6CD1F240BD7}" type="pres">
+      <dgm:prSet presAssocID="{D6A07843-BEB1-4E13-BAD6-FDBB9DBFCF7A}" presName="node" presStyleLbl="node1" presStyleIdx="4" presStyleCnt="5">
+        <dgm:presLayoutVars>
+          <dgm:bulletEnabled val="1"/>
+        </dgm:presLayoutVars>
+      </dgm:prSet>
+      <dgm:spPr/>
+      <dgm:t>
+        <a:bodyPr/>
+        <a:lstStyle/>
+        <a:p>
+          <a:endParaRPr lang="zh-CN" altLang="en-US"/>
+        </a:p>
+      </dgm:t>
+    </dgm:pt>
+    <dgm:pt modelId="{7860E6DD-7957-4A74-A139-E84CDCC957D4}" type="pres">
+      <dgm:prSet presAssocID="{D6A07843-BEB1-4E13-BAD6-FDBB9DBFCF7A}" presName="spNode" presStyleCnt="0"/>
+      <dgm:spPr/>
+    </dgm:pt>
+    <dgm:pt modelId="{9459D28D-EF6E-4022-939A-B784E1F5EF5D}" type="pres">
+      <dgm:prSet presAssocID="{B027A943-17E0-4BAA-BADA-3CEF8624B6DB}" presName="sibTrans" presStyleLbl="sibTrans1D1" presStyleIdx="4" presStyleCnt="5"/>
+      <dgm:spPr/>
+    </dgm:pt>
+  </dgm:ptLst>
+  <dgm:cxnLst>
+    <dgm:cxn modelId="{A4292CBE-0D21-4720-9D4B-E2B18ABD2483}" type="presOf" srcId="{D6A07843-BEB1-4E13-BAD6-FDBB9DBFCF7A}" destId="{71FDE9DF-4D18-49C7-B6DA-C6CD1F240BD7}" srcOrd="0" destOrd="0" presId="urn:microsoft.com/office/officeart/2005/8/layout/cycle5"/>
+    <dgm:cxn modelId="{697DA724-1922-4F16-B0A2-CF5D6C1DD19C}" type="presOf" srcId="{E6F00411-D193-407D-BB7B-CD593FA351EA}" destId="{0AC24970-5833-4C44-B5F6-94603E58BD9D}" srcOrd="0" destOrd="0" presId="urn:microsoft.com/office/officeart/2005/8/layout/cycle5"/>
+    <dgm:cxn modelId="{D6024900-D447-4E3F-BEDE-A00AE84BD041}" type="presOf" srcId="{83CA399F-4C37-443A-B3E0-CA3783ABB4AB}" destId="{7AD070E0-E1E4-4CFA-84CF-49B0A2A5323B}" srcOrd="0" destOrd="0" presId="urn:microsoft.com/office/officeart/2005/8/layout/cycle5"/>
+    <dgm:cxn modelId="{A8AF4C80-0C63-4445-804A-9536DA276178}" type="presOf" srcId="{8F6B262E-7452-49A1-8F1C-B595E48BE11F}" destId="{13BE928D-2CDD-47D8-BD5B-3901F6D85D5C}" srcOrd="0" destOrd="0" presId="urn:microsoft.com/office/officeart/2005/8/layout/cycle5"/>
+    <dgm:cxn modelId="{CEBFFA0C-12AD-4F3B-BC24-ACAE9C3003E2}" srcId="{CA0339C4-932B-4D1F-ACFC-837C4227ED6C}" destId="{A0C07EBE-C91E-44BE-8948-68E2CF2E7B13}" srcOrd="3" destOrd="0" parTransId="{F9366722-09C9-4E12-BB47-5711E5A48EB6}" sibTransId="{97F48E41-D76F-4B8D-8BEE-65A8F2CA8492}"/>
+    <dgm:cxn modelId="{9C01A027-A9F3-4717-A01C-FCF7E6E18B15}" type="presOf" srcId="{B027A943-17E0-4BAA-BADA-3CEF8624B6DB}" destId="{9459D28D-EF6E-4022-939A-B784E1F5EF5D}" srcOrd="0" destOrd="0" presId="urn:microsoft.com/office/officeart/2005/8/layout/cycle5"/>
+    <dgm:cxn modelId="{032BACE0-790A-483F-B0BB-D0AF5B941CBD}" srcId="{CA0339C4-932B-4D1F-ACFC-837C4227ED6C}" destId="{4909F778-7D0D-468A-A902-F5503E45CBE0}" srcOrd="2" destOrd="0" parTransId="{2D712061-62E8-4D92-A165-1C68003FE1F6}" sibTransId="{E6F00411-D193-407D-BB7B-CD593FA351EA}"/>
+    <dgm:cxn modelId="{97FA64EB-C9DC-4744-B566-8413C0BF3781}" srcId="{CA0339C4-932B-4D1F-ACFC-837C4227ED6C}" destId="{D6A07843-BEB1-4E13-BAD6-FDBB9DBFCF7A}" srcOrd="4" destOrd="0" parTransId="{DD2E1A0C-7F67-4519-A505-2F21BFBBD4FC}" sibTransId="{B027A943-17E0-4BAA-BADA-3CEF8624B6DB}"/>
+    <dgm:cxn modelId="{1E4553D0-57F1-43D9-83CC-D7BA8CC7E340}" type="presOf" srcId="{43E04330-85B4-402B-A254-CF06B90BE46A}" destId="{B526F2D4-5F65-4C8F-9946-AB2FC2D542B4}" srcOrd="0" destOrd="0" presId="urn:microsoft.com/office/officeart/2005/8/layout/cycle5"/>
+    <dgm:cxn modelId="{461BBD7A-DC1A-497F-BD06-600306302C03}" type="presOf" srcId="{CA0339C4-932B-4D1F-ACFC-837C4227ED6C}" destId="{5F021484-96A2-4EFF-9B8C-FB88A1609AE0}" srcOrd="0" destOrd="0" presId="urn:microsoft.com/office/officeart/2005/8/layout/cycle5"/>
+    <dgm:cxn modelId="{8B0143EB-51AF-449D-8388-D055153217A4}" type="presOf" srcId="{97F48E41-D76F-4B8D-8BEE-65A8F2CA8492}" destId="{148582C1-0693-4BDB-B03C-C3C42CA76505}" srcOrd="0" destOrd="0" presId="urn:microsoft.com/office/officeart/2005/8/layout/cycle5"/>
+    <dgm:cxn modelId="{5C3D03B7-A4B6-4149-BCED-FCBAB7159EB9}" type="presOf" srcId="{9E88DDCC-EFC1-4D7B-809D-A1FF3FA8713B}" destId="{76E84DC7-7EE1-410B-B70F-B720C095AD33}" srcOrd="0" destOrd="0" presId="urn:microsoft.com/office/officeart/2005/8/layout/cycle5"/>
+    <dgm:cxn modelId="{A1B47714-FF8D-4D7A-9B4A-C560E77D9139}" type="presOf" srcId="{A0C07EBE-C91E-44BE-8948-68E2CF2E7B13}" destId="{64EDFBF6-2AE3-46C6-A39E-89EE7ADAF9FF}" srcOrd="0" destOrd="0" presId="urn:microsoft.com/office/officeart/2005/8/layout/cycle5"/>
+    <dgm:cxn modelId="{01615242-F36B-4991-8531-C1A0A3541AB5}" srcId="{CA0339C4-932B-4D1F-ACFC-837C4227ED6C}" destId="{9E88DDCC-EFC1-4D7B-809D-A1FF3FA8713B}" srcOrd="1" destOrd="0" parTransId="{21E1B823-A84F-4EFC-92D9-50671614FFA9}" sibTransId="{8F6B262E-7452-49A1-8F1C-B595E48BE11F}"/>
+    <dgm:cxn modelId="{137C9219-09FA-4BC9-A14E-5F42BE36AC18}" srcId="{CA0339C4-932B-4D1F-ACFC-837C4227ED6C}" destId="{83CA399F-4C37-443A-B3E0-CA3783ABB4AB}" srcOrd="0" destOrd="0" parTransId="{6437727A-CA7E-436C-9679-C94424DA6F68}" sibTransId="{43E04330-85B4-402B-A254-CF06B90BE46A}"/>
+    <dgm:cxn modelId="{A3CD48CF-AB7A-4E2B-BC20-3F16CACA9CC5}" type="presOf" srcId="{4909F778-7D0D-468A-A902-F5503E45CBE0}" destId="{C4276BB3-B04A-42C3-A8E9-99CE2C13FC89}" srcOrd="0" destOrd="0" presId="urn:microsoft.com/office/officeart/2005/8/layout/cycle5"/>
+    <dgm:cxn modelId="{609672DB-84D2-470B-A30F-3C12BF4FC09E}" type="presParOf" srcId="{5F021484-96A2-4EFF-9B8C-FB88A1609AE0}" destId="{7AD070E0-E1E4-4CFA-84CF-49B0A2A5323B}" srcOrd="0" destOrd="0" presId="urn:microsoft.com/office/officeart/2005/8/layout/cycle5"/>
+    <dgm:cxn modelId="{119D2C71-D7C0-427C-B9F5-1B8DEB850D37}" type="presParOf" srcId="{5F021484-96A2-4EFF-9B8C-FB88A1609AE0}" destId="{72841728-A3EA-46CD-91D8-CD081D64F269}" srcOrd="1" destOrd="0" presId="urn:microsoft.com/office/officeart/2005/8/layout/cycle5"/>
+    <dgm:cxn modelId="{EF9A40C3-60FA-431A-A0E9-782DAAD61DF1}" type="presParOf" srcId="{5F021484-96A2-4EFF-9B8C-FB88A1609AE0}" destId="{B526F2D4-5F65-4C8F-9946-AB2FC2D542B4}" srcOrd="2" destOrd="0" presId="urn:microsoft.com/office/officeart/2005/8/layout/cycle5"/>
+    <dgm:cxn modelId="{CC244FA1-A274-4CC5-BD24-025C3A3819C4}" type="presParOf" srcId="{5F021484-96A2-4EFF-9B8C-FB88A1609AE0}" destId="{76E84DC7-7EE1-410B-B70F-B720C095AD33}" srcOrd="3" destOrd="0" presId="urn:microsoft.com/office/officeart/2005/8/layout/cycle5"/>
+    <dgm:cxn modelId="{8D1F3D52-7CEB-4827-9894-3C9B36DE85BE}" type="presParOf" srcId="{5F021484-96A2-4EFF-9B8C-FB88A1609AE0}" destId="{C7DB29EA-01C0-49AD-B3BA-84742D4AD22B}" srcOrd="4" destOrd="0" presId="urn:microsoft.com/office/officeart/2005/8/layout/cycle5"/>
+    <dgm:cxn modelId="{634952DB-071E-445D-BEF3-0FDDF6F14FE6}" type="presParOf" srcId="{5F021484-96A2-4EFF-9B8C-FB88A1609AE0}" destId="{13BE928D-2CDD-47D8-BD5B-3901F6D85D5C}" srcOrd="5" destOrd="0" presId="urn:microsoft.com/office/officeart/2005/8/layout/cycle5"/>
+    <dgm:cxn modelId="{AACC875B-2FC8-4123-B390-6EC23AEB4F70}" type="presParOf" srcId="{5F021484-96A2-4EFF-9B8C-FB88A1609AE0}" destId="{C4276BB3-B04A-42C3-A8E9-99CE2C13FC89}" srcOrd="6" destOrd="0" presId="urn:microsoft.com/office/officeart/2005/8/layout/cycle5"/>
+    <dgm:cxn modelId="{DCDCA29B-10F8-4E9C-B17B-30DB278FF593}" type="presParOf" srcId="{5F021484-96A2-4EFF-9B8C-FB88A1609AE0}" destId="{52CAC473-398D-4909-BBD1-9C2B258161EA}" srcOrd="7" destOrd="0" presId="urn:microsoft.com/office/officeart/2005/8/layout/cycle5"/>
+    <dgm:cxn modelId="{4E0C4697-8418-4CF8-87EF-8751C0B88A46}" type="presParOf" srcId="{5F021484-96A2-4EFF-9B8C-FB88A1609AE0}" destId="{0AC24970-5833-4C44-B5F6-94603E58BD9D}" srcOrd="8" destOrd="0" presId="urn:microsoft.com/office/officeart/2005/8/layout/cycle5"/>
+    <dgm:cxn modelId="{70E75BE7-6FFA-421C-93CD-2FA0A15D3DD5}" type="presParOf" srcId="{5F021484-96A2-4EFF-9B8C-FB88A1609AE0}" destId="{64EDFBF6-2AE3-46C6-A39E-89EE7ADAF9FF}" srcOrd="9" destOrd="0" presId="urn:microsoft.com/office/officeart/2005/8/layout/cycle5"/>
+    <dgm:cxn modelId="{6FBFEF19-2AEC-44B7-AE9A-1DFDF1B4F0A4}" type="presParOf" srcId="{5F021484-96A2-4EFF-9B8C-FB88A1609AE0}" destId="{E38676A3-60FB-44BA-BD5C-0180B9E97506}" srcOrd="10" destOrd="0" presId="urn:microsoft.com/office/officeart/2005/8/layout/cycle5"/>
+    <dgm:cxn modelId="{1D1B12FC-66CB-4E71-A86C-B414BE33E3F6}" type="presParOf" srcId="{5F021484-96A2-4EFF-9B8C-FB88A1609AE0}" destId="{148582C1-0693-4BDB-B03C-C3C42CA76505}" srcOrd="11" destOrd="0" presId="urn:microsoft.com/office/officeart/2005/8/layout/cycle5"/>
+    <dgm:cxn modelId="{1D62BA0F-1EE9-46FE-A71A-915D5FE329EB}" type="presParOf" srcId="{5F021484-96A2-4EFF-9B8C-FB88A1609AE0}" destId="{71FDE9DF-4D18-49C7-B6DA-C6CD1F240BD7}" srcOrd="12" destOrd="0" presId="urn:microsoft.com/office/officeart/2005/8/layout/cycle5"/>
+    <dgm:cxn modelId="{A36A956E-8DB6-43E8-8A96-99A9C4534BFC}" type="presParOf" srcId="{5F021484-96A2-4EFF-9B8C-FB88A1609AE0}" destId="{7860E6DD-7957-4A74-A139-E84CDCC957D4}" srcOrd="13" destOrd="0" presId="urn:microsoft.com/office/officeart/2005/8/layout/cycle5"/>
+    <dgm:cxn modelId="{EA4CB3BE-F966-481C-BBC3-79359951E52C}" type="presParOf" srcId="{5F021484-96A2-4EFF-9B8C-FB88A1609AE0}" destId="{9459D28D-EF6E-4022-939A-B784E1F5EF5D}" srcOrd="14" destOrd="0" presId="urn:microsoft.com/office/officeart/2005/8/layout/cycle5"/>
+  </dgm:cxnLst>
+  <dgm:bg/>
+  <dgm:whole/>
+  <dgm:extLst>
+    <a:ext uri="http://schemas.microsoft.com/office/drawing/2008/diagram">
+      <dsp:dataModelExt xmlns:dsp="http://schemas.microsoft.com/office/drawing/2008/diagram" relId="rId6" minVer="http://schemas.openxmlformats.org/drawingml/2006/diagram"/>
+    </a:ext>
+  </dgm:extLst>
+</dgm:dataModel>
+</file>
+
+<file path=ppt/diagrams/drawing1.xml><?xml version="1.0" encoding="utf-8"?>
+<dsp:drawing xmlns:dgm="http://schemas.openxmlformats.org/drawingml/2006/diagram" xmlns:dsp="http://schemas.microsoft.com/office/drawing/2008/diagram" xmlns:a="http://schemas.openxmlformats.org/drawingml/2006/main">
+  <dsp:spTree>
+    <dsp:nvGrpSpPr>
+      <dsp:cNvPr id="0" name=""/>
+      <dsp:cNvGrpSpPr/>
+    </dsp:nvGrpSpPr>
+    <dsp:grpSpPr/>
+    <dsp:sp modelId="{0A74348F-7D9E-4584-B1B0-524538CA09EE}">
+      <dsp:nvSpPr>
+        <dsp:cNvPr id="0" name=""/>
+        <dsp:cNvSpPr/>
+      </dsp:nvSpPr>
+      <dsp:spPr>
+        <a:xfrm>
+          <a:off x="1012789" y="431061"/>
+          <a:ext cx="2872609" cy="2872609"/>
+        </a:xfrm>
+        <a:prstGeom prst="blockArc">
+          <a:avLst>
+            <a:gd name="adj1" fmla="val 11880000"/>
+            <a:gd name="adj2" fmla="val 16200000"/>
+            <a:gd name="adj3" fmla="val 4641"/>
+          </a:avLst>
+        </a:prstGeom>
+        <a:solidFill>
+          <a:schemeClr val="accent6">
+            <a:hueOff val="0"/>
+            <a:satOff val="0"/>
+            <a:lumOff val="0"/>
+            <a:alphaOff val="0"/>
+          </a:schemeClr>
+        </a:solidFill>
+        <a:ln>
+          <a:noFill/>
+        </a:ln>
+        <a:effectLst/>
+      </dsp:spPr>
+      <dsp:style>
+        <a:lnRef idx="0">
+          <a:scrgbClr r="0" g="0" b="0"/>
+        </a:lnRef>
+        <a:fillRef idx="1">
+          <a:scrgbClr r="0" g="0" b="0"/>
+        </a:fillRef>
+        <a:effectRef idx="0">
+          <a:scrgbClr r="0" g="0" b="0"/>
+        </a:effectRef>
+        <a:fontRef idx="minor">
+          <a:schemeClr val="lt1"/>
+        </a:fontRef>
+      </dsp:style>
+    </dsp:sp>
+    <dsp:sp modelId="{D411F0A2-374B-47C8-8904-1F6635E4A629}">
+      <dsp:nvSpPr>
+        <dsp:cNvPr id="0" name=""/>
+        <dsp:cNvSpPr/>
+      </dsp:nvSpPr>
+      <dsp:spPr>
+        <a:xfrm>
+          <a:off x="1012789" y="431061"/>
+          <a:ext cx="2872609" cy="2872609"/>
+        </a:xfrm>
+        <a:prstGeom prst="blockArc">
+          <a:avLst>
+            <a:gd name="adj1" fmla="val 7560000"/>
+            <a:gd name="adj2" fmla="val 11880000"/>
+            <a:gd name="adj3" fmla="val 4641"/>
+          </a:avLst>
+        </a:prstGeom>
+        <a:solidFill>
+          <a:schemeClr val="accent5">
+            <a:hueOff val="0"/>
+            <a:satOff val="0"/>
+            <a:lumOff val="0"/>
+            <a:alphaOff val="0"/>
+          </a:schemeClr>
+        </a:solidFill>
+        <a:ln>
+          <a:noFill/>
+        </a:ln>
+        <a:effectLst/>
+      </dsp:spPr>
+      <dsp:style>
+        <a:lnRef idx="0">
+          <a:scrgbClr r="0" g="0" b="0"/>
+        </a:lnRef>
+        <a:fillRef idx="1">
+          <a:scrgbClr r="0" g="0" b="0"/>
+        </a:fillRef>
+        <a:effectRef idx="0">
+          <a:scrgbClr r="0" g="0" b="0"/>
+        </a:effectRef>
+        <a:fontRef idx="minor">
+          <a:schemeClr val="lt1"/>
+        </a:fontRef>
+      </dsp:style>
+    </dsp:sp>
+    <dsp:sp modelId="{86AA95AF-91DF-410D-88B1-C590CB7EFD91}">
+      <dsp:nvSpPr>
+        <dsp:cNvPr id="0" name=""/>
+        <dsp:cNvSpPr/>
+      </dsp:nvSpPr>
+      <dsp:spPr>
+        <a:xfrm>
+          <a:off x="1012789" y="431061"/>
+          <a:ext cx="2872609" cy="2872609"/>
+        </a:xfrm>
+        <a:prstGeom prst="blockArc">
+          <a:avLst>
+            <a:gd name="adj1" fmla="val 3240000"/>
+            <a:gd name="adj2" fmla="val 7560000"/>
+            <a:gd name="adj3" fmla="val 4641"/>
+          </a:avLst>
+        </a:prstGeom>
+        <a:solidFill>
+          <a:schemeClr val="accent4">
+            <a:hueOff val="0"/>
+            <a:satOff val="0"/>
+            <a:lumOff val="0"/>
+            <a:alphaOff val="0"/>
+          </a:schemeClr>
+        </a:solidFill>
+        <a:ln>
+          <a:noFill/>
+        </a:ln>
+        <a:effectLst/>
+      </dsp:spPr>
+      <dsp:style>
+        <a:lnRef idx="0">
+          <a:scrgbClr r="0" g="0" b="0"/>
+        </a:lnRef>
+        <a:fillRef idx="1">
+          <a:scrgbClr r="0" g="0" b="0"/>
+        </a:fillRef>
+        <a:effectRef idx="0">
+          <a:scrgbClr r="0" g="0" b="0"/>
+        </a:effectRef>
+        <a:fontRef idx="minor">
+          <a:schemeClr val="lt1"/>
+        </a:fontRef>
+      </dsp:style>
+    </dsp:sp>
+    <dsp:sp modelId="{2CDD20E7-EC1E-42BD-A513-7EC6F99D3D72}">
+      <dsp:nvSpPr>
+        <dsp:cNvPr id="0" name=""/>
+        <dsp:cNvSpPr/>
+      </dsp:nvSpPr>
+      <dsp:spPr>
+        <a:xfrm>
+          <a:off x="1012789" y="431061"/>
+          <a:ext cx="2872609" cy="2872609"/>
+        </a:xfrm>
+        <a:prstGeom prst="blockArc">
+          <a:avLst>
+            <a:gd name="adj1" fmla="val 20520000"/>
+            <a:gd name="adj2" fmla="val 3240000"/>
+            <a:gd name="adj3" fmla="val 4641"/>
+          </a:avLst>
+        </a:prstGeom>
+        <a:solidFill>
+          <a:schemeClr val="accent3">
+            <a:hueOff val="0"/>
+            <a:satOff val="0"/>
+            <a:lumOff val="0"/>
+            <a:alphaOff val="0"/>
+          </a:schemeClr>
+        </a:solidFill>
+        <a:ln>
+          <a:noFill/>
+        </a:ln>
+        <a:effectLst/>
+      </dsp:spPr>
+      <dsp:style>
+        <a:lnRef idx="0">
+          <a:scrgbClr r="0" g="0" b="0"/>
+        </a:lnRef>
+        <a:fillRef idx="1">
+          <a:scrgbClr r="0" g="0" b="0"/>
+        </a:fillRef>
+        <a:effectRef idx="0">
+          <a:scrgbClr r="0" g="0" b="0"/>
+        </a:effectRef>
+        <a:fontRef idx="minor">
+          <a:schemeClr val="lt1"/>
+        </a:fontRef>
+      </dsp:style>
+    </dsp:sp>
+    <dsp:sp modelId="{041BEB9A-9B25-49DE-81CA-E065DBD86E01}">
+      <dsp:nvSpPr>
+        <dsp:cNvPr id="0" name=""/>
+        <dsp:cNvSpPr/>
+      </dsp:nvSpPr>
+      <dsp:spPr>
+        <a:xfrm>
+          <a:off x="1012789" y="431061"/>
+          <a:ext cx="2872609" cy="2872609"/>
+        </a:xfrm>
+        <a:prstGeom prst="blockArc">
+          <a:avLst>
+            <a:gd name="adj1" fmla="val 16200000"/>
+            <a:gd name="adj2" fmla="val 20520000"/>
+            <a:gd name="adj3" fmla="val 4641"/>
+          </a:avLst>
+        </a:prstGeom>
+        <a:solidFill>
+          <a:schemeClr val="accent2">
+            <a:hueOff val="0"/>
+            <a:satOff val="0"/>
+            <a:lumOff val="0"/>
+            <a:alphaOff val="0"/>
+          </a:schemeClr>
+        </a:solidFill>
+        <a:ln>
+          <a:noFill/>
+        </a:ln>
+        <a:effectLst/>
+      </dsp:spPr>
+      <dsp:style>
+        <a:lnRef idx="0">
+          <a:scrgbClr r="0" g="0" b="0"/>
+        </a:lnRef>
+        <a:fillRef idx="1">
+          <a:scrgbClr r="0" g="0" b="0"/>
+        </a:fillRef>
+        <a:effectRef idx="0">
+          <a:scrgbClr r="0" g="0" b="0"/>
+        </a:effectRef>
+        <a:fontRef idx="minor">
+          <a:schemeClr val="lt1"/>
+        </a:fontRef>
+      </dsp:style>
+    </dsp:sp>
+    <dsp:sp modelId="{06052CD3-BE77-4E7A-83C7-22ADBCB1ADB1}">
+      <dsp:nvSpPr>
+        <dsp:cNvPr id="0" name=""/>
+        <dsp:cNvSpPr/>
+      </dsp:nvSpPr>
+      <dsp:spPr>
+        <a:xfrm>
+          <a:off x="1787791" y="1206063"/>
+          <a:ext cx="1322606" cy="1322606"/>
+        </a:xfrm>
+        <a:prstGeom prst="ellipse">
+          <a:avLst/>
+        </a:prstGeom>
+        <a:solidFill>
+          <a:schemeClr val="accent1">
+            <a:hueOff val="0"/>
+            <a:satOff val="0"/>
+            <a:lumOff val="0"/>
+            <a:alphaOff val="0"/>
+          </a:schemeClr>
+        </a:solidFill>
+        <a:ln w="15875" cap="rnd" cmpd="sng" algn="ctr">
+          <a:solidFill>
+            <a:schemeClr val="lt1">
+              <a:hueOff val="0"/>
+              <a:satOff val="0"/>
+              <a:lumOff val="0"/>
+              <a:alphaOff val="0"/>
+            </a:schemeClr>
+          </a:solidFill>
+          <a:prstDash val="solid"/>
+        </a:ln>
+        <a:effectLst/>
+      </dsp:spPr>
+      <dsp:style>
+        <a:lnRef idx="2">
+          <a:scrgbClr r="0" g="0" b="0"/>
+        </a:lnRef>
+        <a:fillRef idx="1">
+          <a:scrgbClr r="0" g="0" b="0"/>
+        </a:fillRef>
+        <a:effectRef idx="0">
+          <a:scrgbClr r="0" g="0" b="0"/>
+        </a:effectRef>
+        <a:fontRef idx="minor">
+          <a:schemeClr val="lt1"/>
+        </a:fontRef>
+      </dsp:style>
+      <dsp:txBody>
+        <a:bodyPr spcFirstLastPara="0" vert="horz" wrap="square" lIns="29210" tIns="29210" rIns="29210" bIns="29210" numCol="1" spcCol="1270" anchor="ctr" anchorCtr="0">
+          <a:noAutofit/>
+        </a:bodyPr>
+        <a:lstStyle/>
+        <a:p>
+          <a:pPr lvl="0" algn="ctr" defTabSz="1022350">
+            <a:lnSpc>
+              <a:spcPct val="90000"/>
+            </a:lnSpc>
+            <a:spcBef>
+              <a:spcPct val="0"/>
+            </a:spcBef>
+            <a:spcAft>
+              <a:spcPct val="35000"/>
+            </a:spcAft>
+          </a:pPr>
+          <a:r>
+            <a:rPr lang="zh-CN" altLang="en-US" sz="2300" kern="1200" dirty="0" smtClean="0"/>
+            <a:t>算法求解性能</a:t>
+          </a:r>
+          <a:endParaRPr lang="zh-CN" altLang="en-US" sz="2300" kern="1200" dirty="0"/>
+        </a:p>
+      </dsp:txBody>
+      <dsp:txXfrm>
+        <a:off x="1981482" y="1399754"/>
+        <a:ext cx="935224" cy="935224"/>
+      </dsp:txXfrm>
+    </dsp:sp>
+    <dsp:sp modelId="{EBDFA826-4499-4217-9704-330DC6627CB9}">
+      <dsp:nvSpPr>
+        <dsp:cNvPr id="0" name=""/>
+        <dsp:cNvSpPr/>
+      </dsp:nvSpPr>
+      <dsp:spPr>
+        <a:xfrm>
+          <a:off x="1986182" y="1478"/>
+          <a:ext cx="925824" cy="925824"/>
+        </a:xfrm>
+        <a:prstGeom prst="ellipse">
+          <a:avLst/>
+        </a:prstGeom>
+        <a:solidFill>
+          <a:schemeClr val="accent2">
+            <a:hueOff val="0"/>
+            <a:satOff val="0"/>
+            <a:lumOff val="0"/>
+            <a:alphaOff val="0"/>
+          </a:schemeClr>
+        </a:solidFill>
+        <a:ln w="15875" cap="rnd" cmpd="sng" algn="ctr">
+          <a:solidFill>
+            <a:schemeClr val="lt1">
+              <a:hueOff val="0"/>
+              <a:satOff val="0"/>
+              <a:lumOff val="0"/>
+              <a:alphaOff val="0"/>
+            </a:schemeClr>
+          </a:solidFill>
+          <a:prstDash val="solid"/>
+        </a:ln>
+        <a:effectLst/>
+      </dsp:spPr>
+      <dsp:style>
+        <a:lnRef idx="2">
+          <a:scrgbClr r="0" g="0" b="0"/>
+        </a:lnRef>
+        <a:fillRef idx="1">
+          <a:scrgbClr r="0" g="0" b="0"/>
+        </a:fillRef>
+        <a:effectRef idx="0">
+          <a:scrgbClr r="0" g="0" b="0"/>
+        </a:effectRef>
+        <a:fontRef idx="minor">
+          <a:schemeClr val="lt1"/>
+        </a:fontRef>
+      </dsp:style>
+      <dsp:txBody>
+        <a:bodyPr spcFirstLastPara="0" vert="horz" wrap="square" lIns="16510" tIns="16510" rIns="16510" bIns="16510" numCol="1" spcCol="1270" anchor="ctr" anchorCtr="0">
+          <a:noAutofit/>
+        </a:bodyPr>
+        <a:lstStyle/>
+        <a:p>
+          <a:pPr lvl="0" algn="ctr" defTabSz="577850">
+            <a:lnSpc>
+              <a:spcPct val="90000"/>
+            </a:lnSpc>
+            <a:spcBef>
+              <a:spcPct val="0"/>
+            </a:spcBef>
+            <a:spcAft>
+              <a:spcPct val="35000"/>
+            </a:spcAft>
+          </a:pPr>
+          <a:r>
+            <a:rPr lang="zh-CN" altLang="en-US" sz="1300" kern="1200" dirty="0" smtClean="0"/>
+            <a:t>信息素强度</a:t>
+          </a:r>
+          <a:endParaRPr lang="zh-CN" altLang="en-US" sz="1300" kern="1200" dirty="0"/>
+        </a:p>
+      </dsp:txBody>
+      <dsp:txXfrm>
+        <a:off x="2121766" y="137062"/>
+        <a:ext cx="654656" cy="654656"/>
+      </dsp:txXfrm>
+    </dsp:sp>
+    <dsp:sp modelId="{3419E25F-A6BD-4136-B7E4-4761CA7BE9F9}">
+      <dsp:nvSpPr>
+        <dsp:cNvPr id="0" name=""/>
+        <dsp:cNvSpPr/>
+      </dsp:nvSpPr>
+      <dsp:spPr>
+        <a:xfrm>
+          <a:off x="3320490" y="970910"/>
+          <a:ext cx="925824" cy="925824"/>
+        </a:xfrm>
+        <a:prstGeom prst="ellipse">
+          <a:avLst/>
+        </a:prstGeom>
+        <a:solidFill>
+          <a:schemeClr val="accent3">
+            <a:hueOff val="0"/>
+            <a:satOff val="0"/>
+            <a:lumOff val="0"/>
+            <a:alphaOff val="0"/>
+          </a:schemeClr>
+        </a:solidFill>
+        <a:ln w="15875" cap="rnd" cmpd="sng" algn="ctr">
+          <a:solidFill>
+            <a:schemeClr val="lt1">
+              <a:hueOff val="0"/>
+              <a:satOff val="0"/>
+              <a:lumOff val="0"/>
+              <a:alphaOff val="0"/>
+            </a:schemeClr>
+          </a:solidFill>
+          <a:prstDash val="solid"/>
+        </a:ln>
+        <a:effectLst/>
+      </dsp:spPr>
+      <dsp:style>
+        <a:lnRef idx="2">
+          <a:scrgbClr r="0" g="0" b="0"/>
+        </a:lnRef>
+        <a:fillRef idx="1">
+          <a:scrgbClr r="0" g="0" b="0"/>
+        </a:fillRef>
+        <a:effectRef idx="0">
+          <a:scrgbClr r="0" g="0" b="0"/>
+        </a:effectRef>
+        <a:fontRef idx="minor">
+          <a:schemeClr val="lt1"/>
+        </a:fontRef>
+      </dsp:style>
+      <dsp:txBody>
+        <a:bodyPr spcFirstLastPara="0" vert="horz" wrap="square" lIns="16510" tIns="16510" rIns="16510" bIns="16510" numCol="1" spcCol="1270" anchor="ctr" anchorCtr="0">
+          <a:noAutofit/>
+        </a:bodyPr>
+        <a:lstStyle/>
+        <a:p>
+          <a:pPr lvl="0" algn="ctr" defTabSz="577850">
+            <a:lnSpc>
+              <a:spcPct val="90000"/>
+            </a:lnSpc>
+            <a:spcBef>
+              <a:spcPct val="0"/>
+            </a:spcBef>
+            <a:spcAft>
+              <a:spcPct val="35000"/>
+            </a:spcAft>
+          </a:pPr>
+          <a:r>
+            <a:rPr lang="zh-CN" altLang="en-US" sz="1300" kern="1200" dirty="0" smtClean="0"/>
+            <a:t>蚁群规模</a:t>
+          </a:r>
+          <a:endParaRPr lang="zh-CN" altLang="en-US" sz="1300" kern="1200" dirty="0"/>
+        </a:p>
+      </dsp:txBody>
+      <dsp:txXfrm>
+        <a:off x="3456074" y="1106494"/>
+        <a:ext cx="654656" cy="654656"/>
+      </dsp:txXfrm>
+    </dsp:sp>
+    <dsp:sp modelId="{F59886E9-EBB2-43B0-AEC6-0878435FE47D}">
+      <dsp:nvSpPr>
+        <dsp:cNvPr id="0" name=""/>
+        <dsp:cNvSpPr/>
+      </dsp:nvSpPr>
+      <dsp:spPr>
+        <a:xfrm>
+          <a:off x="2810830" y="2539484"/>
+          <a:ext cx="925824" cy="925824"/>
+        </a:xfrm>
+        <a:prstGeom prst="ellipse">
+          <a:avLst/>
+        </a:prstGeom>
+        <a:solidFill>
+          <a:schemeClr val="accent4">
+            <a:hueOff val="0"/>
+            <a:satOff val="0"/>
+            <a:lumOff val="0"/>
+            <a:alphaOff val="0"/>
+          </a:schemeClr>
+        </a:solidFill>
+        <a:ln w="15875" cap="rnd" cmpd="sng" algn="ctr">
+          <a:solidFill>
+            <a:schemeClr val="lt1">
+              <a:hueOff val="0"/>
+              <a:satOff val="0"/>
+              <a:lumOff val="0"/>
+              <a:alphaOff val="0"/>
+            </a:schemeClr>
+          </a:solidFill>
+          <a:prstDash val="solid"/>
+        </a:ln>
+        <a:effectLst/>
+      </dsp:spPr>
+      <dsp:style>
+        <a:lnRef idx="2">
+          <a:scrgbClr r="0" g="0" b="0"/>
+        </a:lnRef>
+        <a:fillRef idx="1">
+          <a:scrgbClr r="0" g="0" b="0"/>
+        </a:fillRef>
+        <a:effectRef idx="0">
+          <a:scrgbClr r="0" g="0" b="0"/>
+        </a:effectRef>
+        <a:fontRef idx="minor">
+          <a:schemeClr val="lt1"/>
+        </a:fontRef>
+      </dsp:style>
+      <dsp:txBody>
+        <a:bodyPr spcFirstLastPara="0" vert="horz" wrap="square" lIns="16510" tIns="16510" rIns="16510" bIns="16510" numCol="1" spcCol="1270" anchor="ctr" anchorCtr="0">
+          <a:noAutofit/>
+        </a:bodyPr>
+        <a:lstStyle/>
+        <a:p>
+          <a:pPr lvl="0" algn="ctr" defTabSz="577850">
+            <a:lnSpc>
+              <a:spcPct val="90000"/>
+            </a:lnSpc>
+            <a:spcBef>
+              <a:spcPct val="0"/>
+            </a:spcBef>
+            <a:spcAft>
+              <a:spcPct val="35000"/>
+            </a:spcAft>
+          </a:pPr>
+          <a:r>
+            <a:rPr lang="zh-CN" altLang="en-US" sz="1300" kern="1200" dirty="0" smtClean="0"/>
+            <a:t>期望启发因子</a:t>
+          </a:r>
+          <a:endParaRPr lang="zh-CN" altLang="en-US" sz="1300" kern="1200" dirty="0"/>
+        </a:p>
+      </dsp:txBody>
+      <dsp:txXfrm>
+        <a:off x="2946414" y="2675068"/>
+        <a:ext cx="654656" cy="654656"/>
+      </dsp:txXfrm>
+    </dsp:sp>
+    <dsp:sp modelId="{633AA26E-7350-4C3D-9374-D153B9462B3B}">
+      <dsp:nvSpPr>
+        <dsp:cNvPr id="0" name=""/>
+        <dsp:cNvSpPr/>
+      </dsp:nvSpPr>
+      <dsp:spPr>
+        <a:xfrm>
+          <a:off x="1161534" y="2539484"/>
+          <a:ext cx="925824" cy="925824"/>
+        </a:xfrm>
+        <a:prstGeom prst="ellipse">
+          <a:avLst/>
+        </a:prstGeom>
+        <a:solidFill>
+          <a:schemeClr val="accent5">
+            <a:hueOff val="0"/>
+            <a:satOff val="0"/>
+            <a:lumOff val="0"/>
+            <a:alphaOff val="0"/>
+          </a:schemeClr>
+        </a:solidFill>
+        <a:ln w="15875" cap="rnd" cmpd="sng" algn="ctr">
+          <a:solidFill>
+            <a:schemeClr val="lt1">
+              <a:hueOff val="0"/>
+              <a:satOff val="0"/>
+              <a:lumOff val="0"/>
+              <a:alphaOff val="0"/>
+            </a:schemeClr>
+          </a:solidFill>
+          <a:prstDash val="solid"/>
+        </a:ln>
+        <a:effectLst/>
+      </dsp:spPr>
+      <dsp:style>
+        <a:lnRef idx="2">
+          <a:scrgbClr r="0" g="0" b="0"/>
+        </a:lnRef>
+        <a:fillRef idx="1">
+          <a:scrgbClr r="0" g="0" b="0"/>
+        </a:fillRef>
+        <a:effectRef idx="0">
+          <a:scrgbClr r="0" g="0" b="0"/>
+        </a:effectRef>
+        <a:fontRef idx="minor">
+          <a:schemeClr val="lt1"/>
+        </a:fontRef>
+      </dsp:style>
+      <dsp:txBody>
+        <a:bodyPr spcFirstLastPara="0" vert="horz" wrap="square" lIns="16510" tIns="16510" rIns="16510" bIns="16510" numCol="1" spcCol="1270" anchor="ctr" anchorCtr="0">
+          <a:noAutofit/>
+        </a:bodyPr>
+        <a:lstStyle/>
+        <a:p>
+          <a:pPr lvl="0" algn="ctr" defTabSz="577850">
+            <a:lnSpc>
+              <a:spcPct val="90000"/>
+            </a:lnSpc>
+            <a:spcBef>
+              <a:spcPct val="0"/>
+            </a:spcBef>
+            <a:spcAft>
+              <a:spcPct val="35000"/>
+            </a:spcAft>
+          </a:pPr>
+          <a:r>
+            <a:rPr lang="zh-CN" altLang="en-US" sz="1300" kern="1200" dirty="0" smtClean="0"/>
+            <a:t>信息启发式因子</a:t>
+          </a:r>
+          <a:endParaRPr lang="zh-CN" altLang="en-US" sz="1300" kern="1200" dirty="0"/>
+        </a:p>
+      </dsp:txBody>
+      <dsp:txXfrm>
+        <a:off x="1297118" y="2675068"/>
+        <a:ext cx="654656" cy="654656"/>
+      </dsp:txXfrm>
+    </dsp:sp>
+    <dsp:sp modelId="{455E038C-3FC9-46CB-B36D-8B3D4F3B4640}">
+      <dsp:nvSpPr>
+        <dsp:cNvPr id="0" name=""/>
+        <dsp:cNvSpPr/>
+      </dsp:nvSpPr>
+      <dsp:spPr>
+        <a:xfrm>
+          <a:off x="651873" y="970910"/>
+          <a:ext cx="925824" cy="925824"/>
+        </a:xfrm>
+        <a:prstGeom prst="ellipse">
+          <a:avLst/>
+        </a:prstGeom>
+        <a:solidFill>
+          <a:schemeClr val="accent6">
+            <a:hueOff val="0"/>
+            <a:satOff val="0"/>
+            <a:lumOff val="0"/>
+            <a:alphaOff val="0"/>
+          </a:schemeClr>
+        </a:solidFill>
+        <a:ln w="15875" cap="rnd" cmpd="sng" algn="ctr">
+          <a:solidFill>
+            <a:schemeClr val="lt1">
+              <a:hueOff val="0"/>
+              <a:satOff val="0"/>
+              <a:lumOff val="0"/>
+              <a:alphaOff val="0"/>
+            </a:schemeClr>
+          </a:solidFill>
+          <a:prstDash val="solid"/>
+        </a:ln>
+        <a:effectLst/>
+      </dsp:spPr>
+      <dsp:style>
+        <a:lnRef idx="2">
+          <a:scrgbClr r="0" g="0" b="0"/>
+        </a:lnRef>
+        <a:fillRef idx="1">
+          <a:scrgbClr r="0" g="0" b="0"/>
+        </a:fillRef>
+        <a:effectRef idx="0">
+          <a:scrgbClr r="0" g="0" b="0"/>
+        </a:effectRef>
+        <a:fontRef idx="minor">
+          <a:schemeClr val="lt1"/>
+        </a:fontRef>
+      </dsp:style>
+      <dsp:txBody>
+        <a:bodyPr spcFirstLastPara="0" vert="horz" wrap="square" lIns="16510" tIns="16510" rIns="16510" bIns="16510" numCol="1" spcCol="1270" anchor="ctr" anchorCtr="0">
+          <a:noAutofit/>
+        </a:bodyPr>
+        <a:lstStyle/>
+        <a:p>
+          <a:pPr lvl="0" algn="ctr" defTabSz="577850">
+            <a:lnSpc>
+              <a:spcPct val="90000"/>
+            </a:lnSpc>
+            <a:spcBef>
+              <a:spcPct val="0"/>
+            </a:spcBef>
+            <a:spcAft>
+              <a:spcPct val="35000"/>
+            </a:spcAft>
+          </a:pPr>
+          <a:r>
+            <a:rPr lang="zh-CN" altLang="en-US" sz="1300" kern="1200" dirty="0" smtClean="0"/>
+            <a:t>信息素挥发系数</a:t>
+          </a:r>
+          <a:endParaRPr lang="zh-CN" altLang="en-US" sz="1300" kern="1200" dirty="0"/>
+        </a:p>
+      </dsp:txBody>
+      <dsp:txXfrm>
+        <a:off x="787457" y="1106494"/>
+        <a:ext cx="654656" cy="654656"/>
+      </dsp:txXfrm>
+    </dsp:sp>
+  </dsp:spTree>
+</dsp:drawing>
+</file>
+
+<file path=ppt/diagrams/drawing2.xml><?xml version="1.0" encoding="utf-8"?>
+<dsp:drawing xmlns:dgm="http://schemas.openxmlformats.org/drawingml/2006/diagram" xmlns:dsp="http://schemas.microsoft.com/office/drawing/2008/diagram" xmlns:a="http://schemas.openxmlformats.org/drawingml/2006/main">
+  <dsp:spTree>
+    <dsp:nvGrpSpPr>
+      <dsp:cNvPr id="0" name=""/>
+      <dsp:cNvGrpSpPr/>
+    </dsp:nvGrpSpPr>
+    <dsp:grpSpPr/>
+    <dsp:sp modelId="{7AD070E0-E1E4-4CFA-84CF-49B0A2A5323B}">
+      <dsp:nvSpPr>
+        <dsp:cNvPr id="0" name=""/>
+        <dsp:cNvSpPr/>
+      </dsp:nvSpPr>
+      <dsp:spPr>
+        <a:xfrm>
+          <a:off x="1844426" y="436459"/>
+          <a:ext cx="1492746" cy="970284"/>
+        </a:xfrm>
+        <a:prstGeom prst="roundRect">
+          <a:avLst/>
+        </a:prstGeom>
+        <a:solidFill>
+          <a:schemeClr val="accent2">
+            <a:hueOff val="0"/>
+            <a:satOff val="0"/>
+            <a:lumOff val="0"/>
+            <a:alphaOff val="0"/>
+          </a:schemeClr>
+        </a:solidFill>
+        <a:ln w="15875" cap="rnd" cmpd="sng" algn="ctr">
+          <a:solidFill>
+            <a:schemeClr val="lt1">
+              <a:hueOff val="0"/>
+              <a:satOff val="0"/>
+              <a:lumOff val="0"/>
+              <a:alphaOff val="0"/>
+            </a:schemeClr>
+          </a:solidFill>
+          <a:prstDash val="solid"/>
+        </a:ln>
+        <a:effectLst/>
+      </dsp:spPr>
+      <dsp:style>
+        <a:lnRef idx="2">
+          <a:scrgbClr r="0" g="0" b="0"/>
+        </a:lnRef>
+        <a:fillRef idx="1">
+          <a:scrgbClr r="0" g="0" b="0"/>
+        </a:fillRef>
+        <a:effectRef idx="0">
+          <a:scrgbClr r="0" g="0" b="0"/>
+        </a:effectRef>
+        <a:fontRef idx="minor">
+          <a:schemeClr val="lt1"/>
+        </a:fontRef>
+      </dsp:style>
+      <dsp:txBody>
+        <a:bodyPr spcFirstLastPara="0" vert="horz" wrap="square" lIns="60960" tIns="60960" rIns="60960" bIns="60960" numCol="1" spcCol="1270" anchor="ctr" anchorCtr="0">
+          <a:noAutofit/>
+        </a:bodyPr>
+        <a:lstStyle/>
+        <a:p>
+          <a:pPr lvl="0" algn="ctr" defTabSz="711200">
+            <a:lnSpc>
+              <a:spcPct val="90000"/>
+            </a:lnSpc>
+            <a:spcBef>
+              <a:spcPct val="0"/>
+            </a:spcBef>
+            <a:spcAft>
+              <a:spcPct val="35000"/>
+            </a:spcAft>
+          </a:pPr>
+          <a:r>
+            <a:rPr lang="zh-CN" altLang="en-US" sz="1600" kern="1200" dirty="0" smtClean="0"/>
+            <a:t>父代种群</a:t>
+          </a:r>
+          <a:endParaRPr lang="zh-CN" altLang="en-US" sz="1600" kern="1200" dirty="0"/>
+        </a:p>
+      </dsp:txBody>
+      <dsp:txXfrm>
+        <a:off x="1891791" y="483824"/>
+        <a:ext cx="1398016" cy="875554"/>
+      </dsp:txXfrm>
+    </dsp:sp>
+    <dsp:sp modelId="{B526F2D4-5F65-4C8F-9946-AB2FC2D542B4}">
+      <dsp:nvSpPr>
+        <dsp:cNvPr id="0" name=""/>
+        <dsp:cNvSpPr/>
+      </dsp:nvSpPr>
+      <dsp:spPr>
+        <a:xfrm>
+          <a:off x="651914" y="921601"/>
+          <a:ext cx="3877771" cy="3877771"/>
+        </a:xfrm>
+        <a:custGeom>
+          <a:avLst/>
+          <a:gdLst/>
+          <a:ahLst/>
+          <a:cxnLst/>
+          <a:rect l="0" t="0" r="0" b="0"/>
+          <a:pathLst>
+            <a:path>
+              <a:moveTo>
+                <a:pt x="2885324" y="246688"/>
+              </a:moveTo>
+              <a:arcTo wR="1938885" hR="1938885" stAng="17953086" swAng="1212094"/>
+            </a:path>
+          </a:pathLst>
+        </a:custGeom>
+        <a:noFill/>
+        <a:ln w="9525" cap="rnd" cmpd="sng" algn="ctr">
+          <a:solidFill>
+            <a:schemeClr val="accent2">
+              <a:hueOff val="0"/>
+              <a:satOff val="0"/>
+              <a:lumOff val="0"/>
+              <a:alphaOff val="0"/>
+            </a:schemeClr>
+          </a:solidFill>
+          <a:prstDash val="solid"/>
+          <a:tailEnd type="arrow"/>
+        </a:ln>
+        <a:effectLst/>
+      </dsp:spPr>
+      <dsp:style>
+        <a:lnRef idx="1">
+          <a:scrgbClr r="0" g="0" b="0"/>
+        </a:lnRef>
+        <a:fillRef idx="0">
+          <a:scrgbClr r="0" g="0" b="0"/>
+        </a:fillRef>
+        <a:effectRef idx="0">
+          <a:scrgbClr r="0" g="0" b="0"/>
+        </a:effectRef>
+        <a:fontRef idx="minor"/>
+      </dsp:style>
+    </dsp:sp>
+    <dsp:sp modelId="{76E84DC7-7EE1-410B-B70F-B720C095AD33}">
+      <dsp:nvSpPr>
+        <dsp:cNvPr id="0" name=""/>
+        <dsp:cNvSpPr/>
+      </dsp:nvSpPr>
+      <dsp:spPr>
+        <a:xfrm>
+          <a:off x="3688416" y="1776196"/>
+          <a:ext cx="1492746" cy="970284"/>
+        </a:xfrm>
+        <a:prstGeom prst="roundRect">
+          <a:avLst/>
+        </a:prstGeom>
+        <a:solidFill>
+          <a:schemeClr val="accent3">
+            <a:hueOff val="0"/>
+            <a:satOff val="0"/>
+            <a:lumOff val="0"/>
+            <a:alphaOff val="0"/>
+          </a:schemeClr>
+        </a:solidFill>
+        <a:ln w="15875" cap="rnd" cmpd="sng" algn="ctr">
+          <a:solidFill>
+            <a:schemeClr val="lt1">
+              <a:hueOff val="0"/>
+              <a:satOff val="0"/>
+              <a:lumOff val="0"/>
+              <a:alphaOff val="0"/>
+            </a:schemeClr>
+          </a:solidFill>
+          <a:prstDash val="solid"/>
+        </a:ln>
+        <a:effectLst/>
+      </dsp:spPr>
+      <dsp:style>
+        <a:lnRef idx="2">
+          <a:scrgbClr r="0" g="0" b="0"/>
+        </a:lnRef>
+        <a:fillRef idx="1">
+          <a:scrgbClr r="0" g="0" b="0"/>
+        </a:fillRef>
+        <a:effectRef idx="0">
+          <a:scrgbClr r="0" g="0" b="0"/>
+        </a:effectRef>
+        <a:fontRef idx="minor">
+          <a:schemeClr val="lt1"/>
+        </a:fontRef>
+      </dsp:style>
+      <dsp:txBody>
+        <a:bodyPr spcFirstLastPara="0" vert="horz" wrap="square" lIns="60960" tIns="60960" rIns="60960" bIns="60960" numCol="1" spcCol="1270" anchor="ctr" anchorCtr="0">
+          <a:noAutofit/>
+        </a:bodyPr>
+        <a:lstStyle/>
+        <a:p>
+          <a:pPr lvl="0" algn="ctr" defTabSz="711200">
+            <a:lnSpc>
+              <a:spcPct val="90000"/>
+            </a:lnSpc>
+            <a:spcBef>
+              <a:spcPct val="0"/>
+            </a:spcBef>
+            <a:spcAft>
+              <a:spcPct val="35000"/>
+            </a:spcAft>
+          </a:pPr>
+          <a:r>
+            <a:rPr lang="zh-CN" altLang="en-US" sz="1600" kern="1200" dirty="0" smtClean="0"/>
+            <a:t>根据</a:t>
+          </a:r>
+          <a:r>
+            <a:rPr lang="zh-CN" altLang="en-US" sz="1600" kern="1200" dirty="0" smtClean="0"/>
+            <a:t>个体</a:t>
+          </a:r>
+          <a:r>
+            <a:rPr lang="zh-CN" altLang="en-US" sz="1600" kern="1200" dirty="0" smtClean="0"/>
+            <a:t>基因计算适应度</a:t>
+          </a:r>
+          <a:endParaRPr lang="zh-CN" altLang="en-US" sz="1600" kern="1200" dirty="0"/>
+        </a:p>
+      </dsp:txBody>
+      <dsp:txXfrm>
+        <a:off x="3735781" y="1823561"/>
+        <a:ext cx="1398016" cy="875554"/>
+      </dsp:txXfrm>
+    </dsp:sp>
+    <dsp:sp modelId="{13BE928D-2CDD-47D8-BD5B-3901F6D85D5C}">
+      <dsp:nvSpPr>
+        <dsp:cNvPr id="0" name=""/>
+        <dsp:cNvSpPr/>
+      </dsp:nvSpPr>
+      <dsp:spPr>
+        <a:xfrm>
+          <a:off x="651914" y="921601"/>
+          <a:ext cx="3877771" cy="3877771"/>
+        </a:xfrm>
+        <a:custGeom>
+          <a:avLst/>
+          <a:gdLst/>
+          <a:ahLst/>
+          <a:cxnLst/>
+          <a:rect l="0" t="0" r="0" b="0"/>
+          <a:pathLst>
+            <a:path>
+              <a:moveTo>
+                <a:pt x="3873127" y="2072998"/>
+              </a:moveTo>
+              <a:arcTo wR="1938885" hR="1938885" stAng="21837980" swAng="1360155"/>
+            </a:path>
+          </a:pathLst>
+        </a:custGeom>
+        <a:noFill/>
+        <a:ln w="9525" cap="rnd" cmpd="sng" algn="ctr">
+          <a:solidFill>
+            <a:schemeClr val="accent3">
+              <a:hueOff val="0"/>
+              <a:satOff val="0"/>
+              <a:lumOff val="0"/>
+              <a:alphaOff val="0"/>
+            </a:schemeClr>
+          </a:solidFill>
+          <a:prstDash val="solid"/>
+          <a:tailEnd type="arrow"/>
+        </a:ln>
+        <a:effectLst/>
+      </dsp:spPr>
+      <dsp:style>
+        <a:lnRef idx="1">
+          <a:scrgbClr r="0" g="0" b="0"/>
+        </a:lnRef>
+        <a:fillRef idx="0">
+          <a:scrgbClr r="0" g="0" b="0"/>
+        </a:fillRef>
+        <a:effectRef idx="0">
+          <a:scrgbClr r="0" g="0" b="0"/>
+        </a:effectRef>
+        <a:fontRef idx="minor"/>
+      </dsp:style>
+    </dsp:sp>
+    <dsp:sp modelId="{C4276BB3-B04A-42C3-A8E9-99CE2C13FC89}">
+      <dsp:nvSpPr>
+        <dsp:cNvPr id="0" name=""/>
+        <dsp:cNvSpPr/>
+      </dsp:nvSpPr>
+      <dsp:spPr>
+        <a:xfrm>
+          <a:off x="2984075" y="3943936"/>
+          <a:ext cx="1492746" cy="970284"/>
+        </a:xfrm>
+        <a:prstGeom prst="roundRect">
+          <a:avLst/>
+        </a:prstGeom>
+        <a:solidFill>
+          <a:schemeClr val="accent4">
+            <a:hueOff val="0"/>
+            <a:satOff val="0"/>
+            <a:lumOff val="0"/>
+            <a:alphaOff val="0"/>
+          </a:schemeClr>
+        </a:solidFill>
+        <a:ln w="15875" cap="rnd" cmpd="sng" algn="ctr">
+          <a:solidFill>
+            <a:schemeClr val="lt1">
+              <a:hueOff val="0"/>
+              <a:satOff val="0"/>
+              <a:lumOff val="0"/>
+              <a:alphaOff val="0"/>
+            </a:schemeClr>
+          </a:solidFill>
+          <a:prstDash val="solid"/>
+        </a:ln>
+        <a:effectLst/>
+      </dsp:spPr>
+      <dsp:style>
+        <a:lnRef idx="2">
+          <a:scrgbClr r="0" g="0" b="0"/>
+        </a:lnRef>
+        <a:fillRef idx="1">
+          <a:scrgbClr r="0" g="0" b="0"/>
+        </a:fillRef>
+        <a:effectRef idx="0">
+          <a:scrgbClr r="0" g="0" b="0"/>
+        </a:effectRef>
+        <a:fontRef idx="minor">
+          <a:schemeClr val="lt1"/>
+        </a:fontRef>
+      </dsp:style>
+      <dsp:txBody>
+        <a:bodyPr spcFirstLastPara="0" vert="horz" wrap="square" lIns="60960" tIns="60960" rIns="60960" bIns="60960" numCol="1" spcCol="1270" anchor="ctr" anchorCtr="0">
+          <a:noAutofit/>
+        </a:bodyPr>
+        <a:lstStyle/>
+        <a:p>
+          <a:pPr lvl="0" algn="ctr" defTabSz="711200">
+            <a:lnSpc>
+              <a:spcPct val="90000"/>
+            </a:lnSpc>
+            <a:spcBef>
+              <a:spcPct val="0"/>
+            </a:spcBef>
+            <a:spcAft>
+              <a:spcPct val="35000"/>
+            </a:spcAft>
+          </a:pPr>
+          <a:r>
+            <a:rPr lang="zh-CN" altLang="en-US" sz="1600" kern="1200" dirty="0" smtClean="0"/>
+            <a:t>根据适应度选择优良个体</a:t>
+          </a:r>
+          <a:endParaRPr lang="zh-CN" altLang="en-US" sz="1600" kern="1200" dirty="0"/>
+        </a:p>
+      </dsp:txBody>
+      <dsp:txXfrm>
+        <a:off x="3031440" y="3991301"/>
+        <a:ext cx="1398016" cy="875554"/>
+      </dsp:txXfrm>
+    </dsp:sp>
+    <dsp:sp modelId="{0AC24970-5833-4C44-B5F6-94603E58BD9D}">
+      <dsp:nvSpPr>
+        <dsp:cNvPr id="0" name=""/>
+        <dsp:cNvSpPr/>
+      </dsp:nvSpPr>
+      <dsp:spPr>
+        <a:xfrm>
+          <a:off x="651914" y="921601"/>
+          <a:ext cx="3877771" cy="3877771"/>
+        </a:xfrm>
+        <a:custGeom>
+          <a:avLst/>
+          <a:gdLst/>
+          <a:ahLst/>
+          <a:cxnLst/>
+          <a:rect l="0" t="0" r="0" b="0"/>
+          <a:pathLst>
+            <a:path>
+              <a:moveTo>
+                <a:pt x="2176996" y="3863094"/>
+              </a:moveTo>
+              <a:arcTo wR="1938885" hR="1938885" stAng="4976749" swAng="846502"/>
+            </a:path>
+          </a:pathLst>
+        </a:custGeom>
+        <a:noFill/>
+        <a:ln w="9525" cap="rnd" cmpd="sng" algn="ctr">
+          <a:solidFill>
+            <a:schemeClr val="accent4">
+              <a:hueOff val="0"/>
+              <a:satOff val="0"/>
+              <a:lumOff val="0"/>
+              <a:alphaOff val="0"/>
+            </a:schemeClr>
+          </a:solidFill>
+          <a:prstDash val="solid"/>
+          <a:tailEnd type="arrow"/>
+        </a:ln>
+        <a:effectLst/>
+      </dsp:spPr>
+      <dsp:style>
+        <a:lnRef idx="1">
+          <a:scrgbClr r="0" g="0" b="0"/>
+        </a:lnRef>
+        <a:fillRef idx="0">
+          <a:scrgbClr r="0" g="0" b="0"/>
+        </a:fillRef>
+        <a:effectRef idx="0">
+          <a:scrgbClr r="0" g="0" b="0"/>
+        </a:effectRef>
+        <a:fontRef idx="minor"/>
+      </dsp:style>
+    </dsp:sp>
+    <dsp:sp modelId="{64EDFBF6-2AE3-46C6-A39E-89EE7ADAF9FF}">
+      <dsp:nvSpPr>
+        <dsp:cNvPr id="0" name=""/>
+        <dsp:cNvSpPr/>
+      </dsp:nvSpPr>
+      <dsp:spPr>
+        <a:xfrm>
+          <a:off x="704778" y="3943936"/>
+          <a:ext cx="1492746" cy="970284"/>
+        </a:xfrm>
+        <a:prstGeom prst="roundRect">
+          <a:avLst/>
+        </a:prstGeom>
+        <a:solidFill>
+          <a:schemeClr val="accent5">
+            <a:hueOff val="0"/>
+            <a:satOff val="0"/>
+            <a:lumOff val="0"/>
+            <a:alphaOff val="0"/>
+          </a:schemeClr>
+        </a:solidFill>
+        <a:ln w="15875" cap="rnd" cmpd="sng" algn="ctr">
+          <a:solidFill>
+            <a:schemeClr val="lt1">
+              <a:hueOff val="0"/>
+              <a:satOff val="0"/>
+              <a:lumOff val="0"/>
+              <a:alphaOff val="0"/>
+            </a:schemeClr>
+          </a:solidFill>
+          <a:prstDash val="solid"/>
+        </a:ln>
+        <a:effectLst/>
+      </dsp:spPr>
+      <dsp:style>
+        <a:lnRef idx="2">
+          <a:scrgbClr r="0" g="0" b="0"/>
+        </a:lnRef>
+        <a:fillRef idx="1">
+          <a:scrgbClr r="0" g="0" b="0"/>
+        </a:fillRef>
+        <a:effectRef idx="0">
+          <a:scrgbClr r="0" g="0" b="0"/>
+        </a:effectRef>
+        <a:fontRef idx="minor">
+          <a:schemeClr val="lt1"/>
+        </a:fontRef>
+      </dsp:style>
+      <dsp:txBody>
+        <a:bodyPr spcFirstLastPara="0" vert="horz" wrap="square" lIns="60960" tIns="60960" rIns="60960" bIns="60960" numCol="1" spcCol="1270" anchor="ctr" anchorCtr="0">
+          <a:noAutofit/>
+        </a:bodyPr>
+        <a:lstStyle/>
+        <a:p>
+          <a:pPr lvl="0" algn="ctr" defTabSz="711200">
+            <a:lnSpc>
+              <a:spcPct val="90000"/>
+            </a:lnSpc>
+            <a:spcBef>
+              <a:spcPct val="0"/>
+            </a:spcBef>
+            <a:spcAft>
+              <a:spcPct val="35000"/>
+            </a:spcAft>
+          </a:pPr>
+          <a:r>
+            <a:rPr lang="zh-CN" altLang="en-US" sz="1600" kern="1200" dirty="0" smtClean="0"/>
+            <a:t>随机配对基因交叉互换</a:t>
+          </a:r>
+          <a:endParaRPr lang="zh-CN" altLang="en-US" sz="1600" kern="1200" dirty="0"/>
+        </a:p>
+      </dsp:txBody>
+      <dsp:txXfrm>
+        <a:off x="752143" y="3991301"/>
+        <a:ext cx="1398016" cy="875554"/>
+      </dsp:txXfrm>
+    </dsp:sp>
+    <dsp:sp modelId="{148582C1-0693-4BDB-B03C-C3C42CA76505}">
+      <dsp:nvSpPr>
+        <dsp:cNvPr id="0" name=""/>
+        <dsp:cNvSpPr/>
+      </dsp:nvSpPr>
+      <dsp:spPr>
+        <a:xfrm>
+          <a:off x="651914" y="921601"/>
+          <a:ext cx="3877771" cy="3877771"/>
+        </a:xfrm>
+        <a:custGeom>
+          <a:avLst/>
+          <a:gdLst/>
+          <a:ahLst/>
+          <a:cxnLst/>
+          <a:rect l="0" t="0" r="0" b="0"/>
+          <a:pathLst>
+            <a:path>
+              <a:moveTo>
+                <a:pt x="205762" y="2808115"/>
+              </a:moveTo>
+              <a:arcTo wR="1938885" hR="1938885" stAng="9201865" swAng="1360155"/>
+            </a:path>
+          </a:pathLst>
+        </a:custGeom>
+        <a:noFill/>
+        <a:ln w="9525" cap="rnd" cmpd="sng" algn="ctr">
+          <a:solidFill>
+            <a:schemeClr val="accent5">
+              <a:hueOff val="0"/>
+              <a:satOff val="0"/>
+              <a:lumOff val="0"/>
+              <a:alphaOff val="0"/>
+            </a:schemeClr>
+          </a:solidFill>
+          <a:prstDash val="solid"/>
+          <a:tailEnd type="arrow"/>
+        </a:ln>
+        <a:effectLst/>
+      </dsp:spPr>
+      <dsp:style>
+        <a:lnRef idx="1">
+          <a:scrgbClr r="0" g="0" b="0"/>
+        </a:lnRef>
+        <a:fillRef idx="0">
+          <a:scrgbClr r="0" g="0" b="0"/>
+        </a:fillRef>
+        <a:effectRef idx="0">
+          <a:scrgbClr r="0" g="0" b="0"/>
+        </a:effectRef>
+        <a:fontRef idx="minor"/>
+      </dsp:style>
+    </dsp:sp>
+    <dsp:sp modelId="{71FDE9DF-4D18-49C7-B6DA-C6CD1F240BD7}">
+      <dsp:nvSpPr>
+        <dsp:cNvPr id="0" name=""/>
+        <dsp:cNvSpPr/>
+      </dsp:nvSpPr>
+      <dsp:spPr>
+        <a:xfrm>
+          <a:off x="437" y="1776196"/>
+          <a:ext cx="1492746" cy="970284"/>
+        </a:xfrm>
+        <a:prstGeom prst="roundRect">
+          <a:avLst/>
+        </a:prstGeom>
+        <a:solidFill>
+          <a:schemeClr val="accent6">
+            <a:hueOff val="0"/>
+            <a:satOff val="0"/>
+            <a:lumOff val="0"/>
+            <a:alphaOff val="0"/>
+          </a:schemeClr>
+        </a:solidFill>
+        <a:ln w="15875" cap="rnd" cmpd="sng" algn="ctr">
+          <a:solidFill>
+            <a:schemeClr val="lt1">
+              <a:hueOff val="0"/>
+              <a:satOff val="0"/>
+              <a:lumOff val="0"/>
+              <a:alphaOff val="0"/>
+            </a:schemeClr>
+          </a:solidFill>
+          <a:prstDash val="solid"/>
+        </a:ln>
+        <a:effectLst/>
+      </dsp:spPr>
+      <dsp:style>
+        <a:lnRef idx="2">
+          <a:scrgbClr r="0" g="0" b="0"/>
+        </a:lnRef>
+        <a:fillRef idx="1">
+          <a:scrgbClr r="0" g="0" b="0"/>
+        </a:fillRef>
+        <a:effectRef idx="0">
+          <a:scrgbClr r="0" g="0" b="0"/>
+        </a:effectRef>
+        <a:fontRef idx="minor">
+          <a:schemeClr val="lt1"/>
+        </a:fontRef>
+      </dsp:style>
+      <dsp:txBody>
+        <a:bodyPr spcFirstLastPara="0" vert="horz" wrap="square" lIns="60960" tIns="60960" rIns="60960" bIns="60960" numCol="1" spcCol="1270" anchor="ctr" anchorCtr="0">
+          <a:noAutofit/>
+        </a:bodyPr>
+        <a:lstStyle/>
+        <a:p>
+          <a:pPr lvl="0" algn="ctr" defTabSz="711200">
+            <a:lnSpc>
+              <a:spcPct val="90000"/>
+            </a:lnSpc>
+            <a:spcBef>
+              <a:spcPct val="0"/>
+            </a:spcBef>
+            <a:spcAft>
+              <a:spcPct val="35000"/>
+            </a:spcAft>
+          </a:pPr>
+          <a:r>
+            <a:rPr lang="zh-CN" altLang="en-US" sz="1600" kern="1200" dirty="0" smtClean="0"/>
+            <a:t>个体基因</a:t>
+          </a:r>
+          <a:r>
+            <a:rPr lang="zh-CN" altLang="en-US" sz="1600" kern="1200" dirty="0" smtClean="0"/>
+            <a:t>随机</a:t>
+          </a:r>
+          <a:r>
+            <a:rPr lang="zh-CN" altLang="en-US" sz="1600" kern="1200" dirty="0" smtClean="0"/>
+            <a:t>突变</a:t>
+          </a:r>
+          <a:endParaRPr lang="zh-CN" altLang="en-US" sz="1600" kern="1200" dirty="0"/>
+        </a:p>
+      </dsp:txBody>
+      <dsp:txXfrm>
+        <a:off x="47802" y="1823561"/>
+        <a:ext cx="1398016" cy="875554"/>
+      </dsp:txXfrm>
+    </dsp:sp>
+    <dsp:sp modelId="{9459D28D-EF6E-4022-939A-B784E1F5EF5D}">
+      <dsp:nvSpPr>
+        <dsp:cNvPr id="0" name=""/>
+        <dsp:cNvSpPr/>
+      </dsp:nvSpPr>
+      <dsp:spPr>
+        <a:xfrm>
+          <a:off x="651914" y="921601"/>
+          <a:ext cx="3877771" cy="3877771"/>
+        </a:xfrm>
+        <a:custGeom>
+          <a:avLst/>
+          <a:gdLst/>
+          <a:ahLst/>
+          <a:cxnLst/>
+          <a:rect l="0" t="0" r="0" b="0"/>
+          <a:pathLst>
+            <a:path>
+              <a:moveTo>
+                <a:pt x="466312" y="677613"/>
+              </a:moveTo>
+              <a:arcTo wR="1938885" hR="1938885" stAng="13234821" swAng="1212094"/>
+            </a:path>
+          </a:pathLst>
+        </a:custGeom>
+        <a:noFill/>
+        <a:ln w="9525" cap="rnd" cmpd="sng" algn="ctr">
+          <a:solidFill>
+            <a:schemeClr val="accent6">
+              <a:hueOff val="0"/>
+              <a:satOff val="0"/>
+              <a:lumOff val="0"/>
+              <a:alphaOff val="0"/>
+            </a:schemeClr>
+          </a:solidFill>
+          <a:prstDash val="solid"/>
+          <a:tailEnd type="arrow"/>
+        </a:ln>
+        <a:effectLst/>
+      </dsp:spPr>
+      <dsp:style>
+        <a:lnRef idx="1">
+          <a:scrgbClr r="0" g="0" b="0"/>
+        </a:lnRef>
+        <a:fillRef idx="0">
+          <a:scrgbClr r="0" g="0" b="0"/>
+        </a:fillRef>
+        <a:effectRef idx="0">
+          <a:scrgbClr r="0" g="0" b="0"/>
+        </a:effectRef>
+        <a:fontRef idx="minor"/>
+      </dsp:style>
+    </dsp:sp>
+  </dsp:spTree>
+</dsp:drawing>
+</file>
+
+<file path=ppt/diagrams/layout1.xml><?xml version="1.0" encoding="utf-8"?>
+<dgm:layoutDef xmlns:dgm="http://schemas.openxmlformats.org/drawingml/2006/diagram" xmlns:a="http://schemas.openxmlformats.org/drawingml/2006/main" uniqueId="urn:microsoft.com/office/officeart/2005/8/layout/radial6">
+  <dgm:title val=""/>
+  <dgm:desc val=""/>
+  <dgm:catLst>
+    <dgm:cat type="cycle" pri="9000"/>
+    <dgm:cat type="relationship" pri="21000"/>
+  </dgm:catLst>
+  <dgm:sampData>
+    <dgm:dataModel>
+      <dgm:ptLst>
+        <dgm:pt modelId="0" type="doc"/>
+        <dgm:pt modelId="1">
+          <dgm:prSet phldr="1"/>
+        </dgm:pt>
+        <dgm:pt modelId="11">
+          <dgm:prSet phldr="1"/>
+        </dgm:pt>
+        <dgm:pt modelId="12">
+          <dgm:prSet phldr="1"/>
+        </dgm:pt>
+        <dgm:pt modelId="13">
+          <dgm:prSet phldr="1"/>
+        </dgm:pt>
+        <dgm:pt modelId="14">
+          <dgm:prSet phldr="1"/>
+        </dgm:pt>
+      </dgm:ptLst>
+      <dgm:cxnLst>
+        <dgm:cxn modelId="2" srcId="0" destId="1" srcOrd="0" destOrd="0"/>
+        <dgm:cxn modelId="3" srcId="1" destId="11" srcOrd="0" destOrd="0"/>
+        <dgm:cxn modelId="4" srcId="1" destId="12" srcOrd="1" destOrd="0"/>
+        <dgm:cxn modelId="5" srcId="1" destId="13" srcOrd="2" destOrd="0"/>
+        <dgm:cxn modelId="6" srcId="1" destId="14" srcOrd="3" destOrd="0"/>
+      </dgm:cxnLst>
+      <dgm:bg/>
+      <dgm:whole/>
+    </dgm:dataModel>
+  </dgm:sampData>
+  <dgm:styleData>
+    <dgm:dataModel>
+      <dgm:ptLst>
+        <dgm:pt modelId="0" type="doc"/>
+        <dgm:pt modelId="1"/>
+        <dgm:pt modelId="11"/>
+        <dgm:pt modelId="12"/>
+        <dgm:pt modelId="13"/>
+      </dgm:ptLst>
+      <dgm:cxnLst>
+        <dgm:cxn modelId="2" srcId="0" destId="1" srcOrd="0" destOrd="0"/>
+        <dgm:cxn modelId="15" srcId="1" destId="11" srcOrd="0" destOrd="0"/>
+        <dgm:cxn modelId="16" srcId="1" destId="12" srcOrd="1" destOrd="0"/>
+        <dgm:cxn modelId="17" srcId="1" destId="13" srcOrd="2" destOrd="0"/>
+      </dgm:cxnLst>
+      <dgm:bg/>
+      <dgm:whole/>
+    </dgm:dataModel>
+  </dgm:styleData>
+  <dgm:clrData>
+    <dgm:dataModel>
+      <dgm:ptLst>
+        <dgm:pt modelId="0" type="doc"/>
+        <dgm:pt modelId="1"/>
+        <dgm:pt modelId="11"/>
+        <dgm:pt modelId="12"/>
+        <dgm:pt modelId="13"/>
+        <dgm:pt modelId="14"/>
+        <dgm:pt modelId="15"/>
+        <dgm:pt modelId="16"/>
+      </dgm:ptLst>
+      <dgm:cxnLst>
+        <dgm:cxn modelId="2" srcId="0" destId="1" srcOrd="0" destOrd="0"/>
+        <dgm:cxn modelId="16" srcId="1" destId="11" srcOrd="0" destOrd="0"/>
+        <dgm:cxn modelId="17" srcId="1" destId="12" srcOrd="1" destOrd="0"/>
+        <dgm:cxn modelId="18" srcId="1" destId="13" srcOrd="2" destOrd="0"/>
+        <dgm:cxn modelId="19" srcId="1" destId="14" srcOrd="3" destOrd="0"/>
+        <dgm:cxn modelId="20" srcId="1" destId="15" srcOrd="4" destOrd="0"/>
+        <dgm:cxn modelId="21" srcId="1" destId="16" srcOrd="5" destOrd="0"/>
+      </dgm:cxnLst>
+      <dgm:bg/>
+      <dgm:whole/>
+    </dgm:dataModel>
+  </dgm:clrData>
+  <dgm:layoutNode name="Name0">
+    <dgm:varLst>
+      <dgm:chMax val="1"/>
+      <dgm:dir/>
+      <dgm:animLvl val="ctr"/>
+      <dgm:resizeHandles val="exact"/>
+    </dgm:varLst>
+    <dgm:choose name="Name1">
+      <dgm:if name="Name2" func="var" arg="dir" op="equ" val="norm">
+        <dgm:choose name="Name3">
+          <dgm:if name="Name4" axis="ch ch" ptType="node node" st="1 1" cnt="1 0" func="cnt" op="lte" val="1">
+            <dgm:alg type="cycle">
+              <dgm:param type="stAng" val="90"/>
+              <dgm:param type="spanAng" val="360"/>
+              <dgm:param type="ctrShpMap" val="fNode"/>
+            </dgm:alg>
+          </dgm:if>
+          <dgm:else name="Name5">
+            <dgm:alg type="cycle">
+              <dgm:param type="stAng" val="0"/>
+              <dgm:param type="spanAng" val="360"/>
+              <dgm:param type="ctrShpMap" val="fNode"/>
+            </dgm:alg>
+          </dgm:else>
+        </dgm:choose>
+      </dgm:if>
+      <dgm:else name="Name6">
+        <dgm:choose name="Name7">
+          <dgm:if name="Name8" axis="ch ch" ptType="node node" st="1 1" cnt="1 0" func="cnt" op="lte" val="1">
+            <dgm:alg type="cycle">
+              <dgm:param type="stAng" val="-90"/>
+              <dgm:param type="spanAng" val="360"/>
+              <dgm:param type="ctrShpMap" val="fNode"/>
+            </dgm:alg>
+          </dgm:if>
+          <dgm:else name="Name9">
+            <dgm:alg type="cycle">
+              <dgm:param type="stAng" val="0"/>
+              <dgm:param type="spanAng" val="-360"/>
+              <dgm:param type="ctrShpMap" val="fNode"/>
+            </dgm:alg>
+          </dgm:else>
+        </dgm:choose>
+      </dgm:else>
+    </dgm:choose>
+    <dgm:shape xmlns:r="http://schemas.openxmlformats.org/officeDocument/2006/relationships" r:blip="">
+      <dgm:adjLst/>
+    </dgm:shape>
+    <dgm:presOf/>
+    <dgm:choose name="Name10">
+      <dgm:if name="Name11" func="var" arg="dir" op="equ" val="norm">
+        <dgm:choose name="Name12">
+          <dgm:if name="Name13" axis="ch ch" ptType="node node" st="1 1" cnt="1 0" func="cnt" op="equ" val="1">
+            <dgm:constrLst>
+              <dgm:constr type="diam" val="170"/>
+              <dgm:constr type="w" for="ch" forName="centerShape" refType="w"/>
+              <dgm:constr type="w" for="ch" forName="oneComp" refType="w" refFor="ch" refForName="centerShape" op="equ" fact="0.7"/>
+              <dgm:constr type="sp" refType="w" refFor="ch" refForName="oneComp" fact="0.3"/>
+              <dgm:constr type="sibSp" refType="w" refFor="ch" refForName="oneComp" fact="0.3"/>
+              <dgm:constr type="primFontSz" for="ch" forName="centerShape" val="65"/>
+              <dgm:constr type="primFontSz" for="des" forName="oneNode" refType="primFontSz" refFor="ch" refForName="centerShape" fact="0.95"/>
+              <dgm:constr type="primFontSz" for="des" forName="oneNode" refType="primFontSz" refFor="ch" refForName="centerShape" op="lte" fact="0.95"/>
+              <dgm:constr type="diam" for="ch" forName="singleconn" refType="diam" op="equ" fact="-1"/>
+              <dgm:constr type="h" for="ch" forName="singleconn" refType="w" refFor="ch" refForName="oneComp" fact="0.24"/>
+              <dgm:constr type="w" for="ch" forName="dummya" refType="w" refFor="ch" refForName="oneComp" op="equ"/>
+              <dgm:constr type="w" for="ch" forName="dummyb" refType="w" refFor="ch" refForName="oneComp" op="equ"/>
+              <dgm:constr type="w" for="ch" forName="dummyc" refType="w" refFor="ch" refForName="oneComp" op="equ"/>
+            </dgm:constrLst>
+          </dgm:if>
+          <dgm:else name="Name14">
+            <dgm:constrLst>
+              <dgm:constr type="diam" val="170"/>
+              <dgm:constr type="w" for="ch" forName="centerShape" refType="w"/>
+              <dgm:constr type="w" for="ch" forName="node" refType="w" refFor="ch" refForName="centerShape" op="equ" fact="0.7"/>
+              <dgm:constr type="sp" refType="w" refFor="ch" refForName="node" fact="0.3"/>
+              <dgm:constr type="sibSp" refType="w" refFor="ch" refForName="node" fact="0.3"/>
+              <dgm:constr type="primFontSz" for="ch" forName="centerShape" val="65"/>
+              <dgm:constr type="primFontSz" for="des" forName="node" refType="primFontSz" refFor="ch" refForName="centerShape" fact="0.78"/>
+              <dgm:constr type="primFontSz" for="ch" forName="node" refType="primFontSz" refFor="ch" refForName="centerShape" op="lte" fact="0.95"/>
+              <dgm:constr type="diam" for="ch" forName="sibTrans" refType="diam" op="equ"/>
+              <dgm:constr type="h" for="ch" forName="sibTrans" refType="w" refFor="ch" refForName="node" fact="0.24"/>
+              <dgm:constr type="w" for="ch" forName="dummy" val="1"/>
+            </dgm:constrLst>
+          </dgm:else>
+        </dgm:choose>
+      </dgm:if>
+      <dgm:else name="Name15">
+        <dgm:choose name="Name16">
+          <dgm:if name="Name17" axis="ch ch" ptType="node node" st="1 1" cnt="1 0" func="cnt" op="equ" val="1">
+            <dgm:constrLst>
+              <dgm:constr type="diam" val="170"/>
+              <dgm:constr type="w" for="ch" forName="centerShape" refType="w"/>
+              <dgm:constr type="w" for="ch" forName="oneComp" refType="w" refFor="ch" refForName="centerShape" op="equ" fact="0.7"/>
+              <dgm:constr type="sp" refType="w" refFor="ch" refForName="oneComp" fact="0.3"/>
+              <dgm:constr type="sibSp" refType="w" refFor="ch" refForName="oneComp" fact="0.3"/>
+              <dgm:constr type="primFontSz" for="ch" forName="centerShape" val="65"/>
+              <dgm:constr type="primFontSz" for="des" forName="oneNode" refType="primFontSz" refFor="ch" refForName="centerShape" fact="0.95"/>
+              <dgm:constr type="primFontSz" for="ch" forName="oneNode" refType="primFontSz" refFor="ch" refForName="centerShape" op="lte" fact="0.95"/>
+              <dgm:constr type="diam" for="ch" forName="singleconn" refType="diam"/>
+              <dgm:constr type="h" for="ch" forName="singleconn" refType="w" refFor="ch" refForName="oneComp" fact="0.24"/>
+              <dgm:constr type="diam" for="ch" refType="diam" op="equ"/>
+              <dgm:constr type="w" for="ch" forName="dummya" refType="w" refFor="ch" refForName="oneComp" op="equ"/>
+              <dgm:constr type="w" for="ch" forName="dummyb" refType="w" refFor="ch" refForName="oneComp" op="equ"/>
+              <dgm:constr type="w" for="ch" forName="dummyc" refType="w" refFor="ch" refForName="oneComp" op="equ"/>
+            </dgm:constrLst>
+          </dgm:if>
+          <dgm:else name="Name18">
+            <dgm:constrLst>
+              <dgm:constr type="diam" val="170"/>
+              <dgm:constr type="w" for="ch" forName="centerShape" refType="w"/>
+              <dgm:constr type="w" for="ch" forName="node" refType="w" refFor="ch" refForName="centerShape" op="equ" fact="0.7"/>
+              <dgm:constr type="sp" refType="w" refFor="ch" refForName="node" fact="0.3"/>
+              <dgm:constr type="sibSp" refType="w" refFor="ch" refForName="node" fact="0.3"/>
+              <dgm:constr type="primFontSz" for="ch" forName="centerShape" val="65"/>
+              <dgm:constr type="primFontSz" for="des" forName="node" refType="primFontSz" refFor="ch" refForName="centerShape" fact="0.78"/>
+              <dgm:constr type="primFontSz" for="ch" forName="node" refType="primFontSz" refFor="ch" refForName="centerShape" op="lte" fact="0.95"/>
+              <dgm:constr type="diam" for="ch" ptType="sibTrans" refType="diam" fact="-1"/>
+              <dgm:constr type="h" for="ch" forName="sibTrans" refType="w" refFor="ch" refForName="node" fact="0.24"/>
+              <dgm:constr type="diam" for="ch" refType="diam" op="equ" fact="-1"/>
+              <dgm:constr type="w" for="ch" forName="dummy" val="1"/>
+            </dgm:constrLst>
+          </dgm:else>
+        </dgm:choose>
+      </dgm:else>
+    </dgm:choose>
+    <dgm:ruleLst>
+      <dgm:rule type="diam" val="INF" fact="NaN" max="NaN"/>
+    </dgm:ruleLst>
+    <dgm:forEach name="Name19" axis="ch" ptType="node" cnt="1">
+      <dgm:layoutNode name="centerShape" styleLbl="node0">
+        <dgm:alg type="tx"/>
+        <dgm:shape xmlns:r="http://schemas.openxmlformats.org/officeDocument/2006/relationships" type="ellipse" r:blip="">
+          <dgm:adjLst/>
+        </dgm:shape>
+        <dgm:presOf axis="self"/>
+        <dgm:constrLst>
+          <dgm:constr type="h" refType="w"/>
+          <dgm:constr type="tMarg" refType="primFontSz" fact="0.1"/>
+          <dgm:constr type="bMarg" refType="primFontSz" fact="0.1"/>
+          <dgm:constr type="lMarg" refType="primFontSz" fact="0.1"/>
+          <dgm:constr type="rMarg" refType="primFontSz" fact="0.1"/>
+        </dgm:constrLst>
+        <dgm:ruleLst>
+          <dgm:rule type="primFontSz" val="5" fact="NaN" max="NaN"/>
+        </dgm:ruleLst>
+      </dgm:layoutNode>
+      <dgm:forEach name="Name20" axis="ch">
+        <dgm:forEach name="Name21" axis="self" ptType="node">
+          <dgm:choose name="Name22">
+            <dgm:if name="Name23" axis="par ch" ptType="node node" func="cnt" op="gt" val="1">
+              <dgm:layoutNode name="node" styleLbl="node1">
+                <dgm:varLst>
+                  <dgm:bulletEnabled val="1"/>
+                </dgm:varLst>
+                <dgm:alg type="tx">
+                  <dgm:param type="txAnchorVertCh" val="mid"/>
+                </dgm:alg>
+                <dgm:shape xmlns:r="http://schemas.openxmlformats.org/officeDocument/2006/relationships" type="ellipse" r:blip="">
+                  <dgm:adjLst/>
+                </dgm:shape>
+                <dgm:presOf axis="desOrSelf" ptType="node"/>
+                <dgm:constrLst>
+                  <dgm:constr type="h" refType="w"/>
+                  <dgm:constr type="tMarg" refType="primFontSz" fact="0.1"/>
+                  <dgm:constr type="bMarg" refType="primFontSz" fact="0.1"/>
+                  <dgm:constr type="lMarg" refType="primFontSz" fact="0.1"/>
+                  <dgm:constr type="rMarg" refType="primFontSz" fact="0.1"/>
+                </dgm:constrLst>
+                <dgm:ruleLst>
+                  <dgm:rule type="primFontSz" val="5" fact="NaN" max="NaN"/>
+                </dgm:ruleLst>
+              </dgm:layoutNode>
+              <dgm:layoutNode name="dummy">
+                <dgm:alg type="sp"/>
+                <dgm:shape xmlns:r="http://schemas.openxmlformats.org/officeDocument/2006/relationships" r:blip="">
+                  <dgm:adjLst/>
+                </dgm:shape>
+                <dgm:presOf/>
+                <dgm:constrLst>
+                  <dgm:constr type="h" refType="w"/>
+                </dgm:constrLst>
+                <dgm:ruleLst/>
+              </dgm:layoutNode>
+              <dgm:forEach name="sibTransForEach" axis="followSib" ptType="sibTrans" hideLastTrans="0" cnt="1">
+                <dgm:layoutNode name="sibTrans" styleLbl="sibTrans2D1">
+                  <dgm:alg type="conn">
+                    <dgm:param type="connRout" val="curve"/>
+                    <dgm:param type="begPts" val="ctr"/>
+                    <dgm:param type="endPts" val="ctr"/>
+                    <dgm:param type="begSty" val="noArr"/>
+                    <dgm:param type="endSty" val="noArr"/>
+                    <dgm:param type="dstNode" val="node"/>
+                  </dgm:alg>
+                  <dgm:shape xmlns:r="http://schemas.openxmlformats.org/officeDocument/2006/relationships" type="conn" r:blip="" zOrderOff="-999">
+                    <dgm:adjLst/>
+                  </dgm:shape>
+                  <dgm:presOf axis="self"/>
+                  <dgm:constrLst>
+                    <dgm:constr type="begPad"/>
+                    <dgm:constr type="endPad"/>
+                  </dgm:constrLst>
+                  <dgm:ruleLst/>
+                </dgm:layoutNode>
+              </dgm:forEach>
+            </dgm:if>
+            <dgm:if name="Name24" axis="par ch" ptType="node node" func="cnt" op="equ" val="1">
+              <dgm:layoutNode name="oneComp">
+                <dgm:alg type="composite">
+                  <dgm:param type="ar" val="1"/>
+                </dgm:alg>
+                <dgm:shape xmlns:r="http://schemas.openxmlformats.org/officeDocument/2006/relationships" r:blip="">
+                  <dgm:adjLst/>
+                </dgm:shape>
+                <dgm:presOf/>
+                <dgm:constrLst>
+                  <dgm:constr type="h" refType="w"/>
+                  <dgm:constr type="l" for="ch" forName="dummyConnPt" refType="w" fact="0.5"/>
+                  <dgm:constr type="t" for="ch" forName="dummyConnPt" refType="w" fact="0.5"/>
+                  <dgm:constr type="l" for="ch" forName="oneNode"/>
+                  <dgm:constr type="t" for="ch" forName="oneNode"/>
+                  <dgm:constr type="h" for="ch" forName="oneNode" refType="h"/>
+                  <dgm:constr type="w" for="ch" forName="oneNode" refType="w"/>
+                </dgm:constrLst>
+                <dgm:ruleLst/>
+                <dgm:layoutNode name="dummyConnPt" styleLbl="node1">
+                  <dgm:alg type="sp"/>
+                  <dgm:shape xmlns:r="http://schemas.openxmlformats.org/officeDocument/2006/relationships" r:blip="">
+                    <dgm:adjLst/>
+                  </dgm:shape>
+                  <dgm:presOf/>
+                  <dgm:constrLst>
+                    <dgm:constr type="w" val="1"/>
+                    <dgm:constr type="h" val="1"/>
+                  </dgm:constrLst>
+                  <dgm:ruleLst/>
+                </dgm:layoutNode>
+                <dgm:layoutNode name="oneNode" styleLbl="node1">
+                  <dgm:varLst>
+                    <dgm:bulletEnabled val="1"/>
+                  </dgm:varLst>
+                  <dgm:alg type="tx">
+                    <dgm:param type="txAnchorVertCh" val="mid"/>
+                  </dgm:alg>
+                  <dgm:shape xmlns:r="http://schemas.openxmlformats.org/officeDocument/2006/relationships" type="ellipse" r:blip="">
+                    <dgm:adjLst/>
+                  </dgm:shape>
+                  <dgm:presOf axis="desOrSelf" ptType="node"/>
+                  <dgm:constrLst>
+                    <dgm:constr type="h" refType="w"/>
+                    <dgm:constr type="tMarg" refType="primFontSz" fact="0.1"/>
+                    <dgm:constr type="bMarg" refType="primFontSz" fact="0.1"/>
+                    <dgm:constr type="lMarg" refType="primFontSz" fact="0.1"/>
+                    <dgm:constr type="rMarg" refType="primFontSz" fact="0.1"/>
+                  </dgm:constrLst>
+                  <dgm:ruleLst>
+                    <dgm:rule type="primFontSz" val="5" fact="NaN" max="NaN"/>
+                  </dgm:ruleLst>
+                </dgm:layoutNode>
+              </dgm:layoutNode>
+              <dgm:layoutNode name="dummya">
+                <dgm:alg type="sp"/>
+                <dgm:shape xmlns:r="http://schemas.openxmlformats.org/officeDocument/2006/relationships" r:blip="">
+                  <dgm:adjLst/>
+                </dgm:shape>
+                <dgm:presOf/>
+                <dgm:constrLst>
+                  <dgm:constr type="h" refType="w"/>
+                </dgm:constrLst>
+                <dgm:ruleLst/>
+              </dgm:layoutNode>
+              <dgm:layoutNode name="dummyb">
+                <dgm:alg type="sp"/>
+                <dgm:shape xmlns:r="http://schemas.openxmlformats.org/officeDocument/2006/relationships" r:blip="">
+                  <dgm:adjLst/>
+                </dgm:shape>
+                <dgm:presOf/>
+                <dgm:constrLst>
+                  <dgm:constr type="h" refType="w"/>
+                </dgm:constrLst>
+                <dgm:ruleLst/>
+              </dgm:layoutNode>
+              <dgm:layoutNode name="dummyc">
+                <dgm:alg type="sp"/>
+                <dgm:shape xmlns:r="http://schemas.openxmlformats.org/officeDocument/2006/relationships" r:blip="">
+                  <dgm:adjLst/>
+                </dgm:shape>
+                <dgm:presOf/>
+                <dgm:constrLst>
+                  <dgm:constr type="h" refType="w"/>
+                </dgm:constrLst>
+                <dgm:ruleLst/>
+              </dgm:layoutNode>
+              <dgm:forEach name="sibTransForEach1" axis="followSib" ptType="sibTrans" hideLastTrans="0" cnt="1">
+                <dgm:layoutNode name="singleconn" styleLbl="sibTrans2D1">
+                  <dgm:alg type="conn">
+                    <dgm:param type="connRout" val="longCurve"/>
+                    <dgm:param type="begPts" val="bCtr"/>
+                    <dgm:param type="endPts" val="tCtr"/>
+                    <dgm:param type="begSty" val="noArr"/>
+                    <dgm:param type="endSty" val="noArr"/>
+                    <dgm:param type="srcNode" val="dummyConnPt"/>
+                    <dgm:param type="dstNode" val="dummyConnPt"/>
+                  </dgm:alg>
+                  <dgm:shape xmlns:r="http://schemas.openxmlformats.org/officeDocument/2006/relationships" type="conn" r:blip="" zOrderOff="-999">
+                    <dgm:adjLst/>
+                  </dgm:shape>
+                  <dgm:presOf axis="self"/>
+                  <dgm:constrLst>
+                    <dgm:constr type="begPad"/>
+                    <dgm:constr type="endPad"/>
+                  </dgm:constrLst>
+                  <dgm:ruleLst/>
+                </dgm:layoutNode>
+              </dgm:forEach>
+            </dgm:if>
+            <dgm:else name="Name25"/>
+          </dgm:choose>
+        </dgm:forEach>
+      </dgm:forEach>
+    </dgm:forEach>
+  </dgm:layoutNode>
+</dgm:layoutDef>
+</file>
+
+<file path=ppt/diagrams/layout2.xml><?xml version="1.0" encoding="utf-8"?>
+<dgm:layoutDef xmlns:dgm="http://schemas.openxmlformats.org/drawingml/2006/diagram" xmlns:a="http://schemas.openxmlformats.org/drawingml/2006/main" uniqueId="urn:microsoft.com/office/officeart/2005/8/layout/cycle5">
+  <dgm:title val=""/>
+  <dgm:desc val=""/>
+  <dgm:catLst>
+    <dgm:cat type="cycle" pri="3000"/>
+  </dgm:catLst>
+  <dgm:sampData>
+    <dgm:dataModel>
+      <dgm:ptLst>
+        <dgm:pt modelId="0" type="doc"/>
+        <dgm:pt modelId="1">
+          <dgm:prSet phldr="1"/>
+        </dgm:pt>
+        <dgm:pt modelId="2">
+          <dgm:prSet phldr="1"/>
+        </dgm:pt>
+        <dgm:pt modelId="3">
+          <dgm:prSet phldr="1"/>
+        </dgm:pt>
+        <dgm:pt modelId="4">
+          <dgm:prSet phldr="1"/>
+        </dgm:pt>
+        <dgm:pt modelId="5">
+          <dgm:prSet phldr="1"/>
+        </dgm:pt>
+      </dgm:ptLst>
+      <dgm:cxnLst>
+        <dgm:cxn modelId="6" srcId="0" destId="1" srcOrd="0" destOrd="0"/>
+        <dgm:cxn modelId="7" srcId="0" destId="2" srcOrd="1" destOrd="0"/>
+        <dgm:cxn modelId="8" srcId="0" destId="3" srcOrd="2" destOrd="0"/>
+        <dgm:cxn modelId="9" srcId="0" destId="4" srcOrd="3" destOrd="0"/>
+        <dgm:cxn modelId="10" srcId="0" destId="5" srcOrd="4" destOrd="0"/>
+      </dgm:cxnLst>
+      <dgm:bg/>
+      <dgm:whole/>
+    </dgm:dataModel>
+  </dgm:sampData>
+  <dgm:styleData>
+    <dgm:dataModel>
+      <dgm:ptLst>
+        <dgm:pt modelId="0" type="doc"/>
+        <dgm:pt modelId="1"/>
+        <dgm:pt modelId="2"/>
+        <dgm:pt modelId="3"/>
+      </dgm:ptLst>
+      <dgm:cxnLst>
+        <dgm:cxn modelId="4" srcId="0" destId="1" srcOrd="0" destOrd="0"/>
+        <dgm:cxn modelId="5" srcId="0" destId="2" srcOrd="1" destOrd="0"/>
+        <dgm:cxn modelId="6" srcId="0" destId="3" srcOrd="2" destOrd="0"/>
+      </dgm:cxnLst>
+      <dgm:bg/>
+      <dgm:whole/>
+    </dgm:dataModel>
+  </dgm:styleData>
+  <dgm:clrData>
+    <dgm:dataModel>
+      <dgm:ptLst>
+        <dgm:pt modelId="0" type="doc"/>
+        <dgm:pt modelId="1"/>
+        <dgm:pt modelId="2"/>
+        <dgm:pt modelId="3"/>
+        <dgm:pt modelId="4"/>
+        <dgm:pt modelId="5"/>
+        <dgm:pt modelId="6"/>
+      </dgm:ptLst>
+      <dgm:cxnLst>
+        <dgm:cxn modelId="7" srcId="0" destId="1" srcOrd="0" destOrd="0"/>
+        <dgm:cxn modelId="8" srcId="0" destId="2" srcOrd="1" destOrd="0"/>
+        <dgm:cxn modelId="9" srcId="0" destId="3" srcOrd="2" destOrd="0"/>
+        <dgm:cxn modelId="10" srcId="0" destId="4" srcOrd="3" destOrd="0"/>
+        <dgm:cxn modelId="11" srcId="0" destId="5" srcOrd="4" destOrd="0"/>
+        <dgm:cxn modelId="12" srcId="0" destId="6" srcOrd="5" destOrd="0"/>
+      </dgm:cxnLst>
+      <dgm:bg/>
+      <dgm:whole/>
+    </dgm:dataModel>
+  </dgm:clrData>
+  <dgm:layoutNode name="cycle">
+    <dgm:varLst>
+      <dgm:dir/>
+      <dgm:resizeHandles val="exact"/>
+    </dgm:varLst>
+    <dgm:choose name="Name0">
+      <dgm:if name="Name1" func="var" arg="dir" op="equ" val="norm">
+        <dgm:choose name="Name2">
+          <dgm:if name="Name3" axis="ch" ptType="node" func="cnt" op="gt" val="2">
+            <dgm:alg type="cycle">
+              <dgm:param type="stAng" val="0"/>
+              <dgm:param type="spanAng" val="360"/>
+            </dgm:alg>
+          </dgm:if>
+          <dgm:else name="Name4">
+            <dgm:alg type="cycle">
+              <dgm:param type="stAng" val="-90"/>
+              <dgm:param type="spanAng" val="360"/>
+            </dgm:alg>
+          </dgm:else>
+        </dgm:choose>
+      </dgm:if>
+      <dgm:else name="Name5">
+        <dgm:choose name="Name6">
+          <dgm:if name="Name7" axis="ch" ptType="node" func="cnt" op="gt" val="2">
+            <dgm:alg type="cycle">
+              <dgm:param type="stAng" val="0"/>
+              <dgm:param type="spanAng" val="-360"/>
+            </dgm:alg>
+          </dgm:if>
+          <dgm:else name="Name8">
+            <dgm:alg type="cycle">
+              <dgm:param type="stAng" val="90"/>
+              <dgm:param type="spanAng" val="-360"/>
+            </dgm:alg>
+          </dgm:else>
+        </dgm:choose>
+      </dgm:else>
+    </dgm:choose>
+    <dgm:shape xmlns:r="http://schemas.openxmlformats.org/officeDocument/2006/relationships" r:blip="">
+      <dgm:adjLst/>
+    </dgm:shape>
+    <dgm:presOf/>
+    <dgm:choose name="Name9">
+      <dgm:if name="Name10" func="var" arg="dir" op="equ" val="norm">
+        <dgm:constrLst>
+          <dgm:constr type="w" for="ch" forName="node" refType="w"/>
+          <dgm:constr type="w" for="ch" ptType="sibTrans" refType="w" refFor="ch" refForName="node" op="equ" fact="0.3"/>
+          <dgm:constr type="diam" for="ch" ptType="sibTrans" refType="diam" op="equ"/>
+          <dgm:constr type="sibSp" refType="w" refFor="ch" refForName="node" op="equ" fact="0.15"/>
+          <dgm:constr type="w" for="ch" forName="spNode" refType="sibSp" fact="1.6"/>
+          <dgm:constr type="primFontSz" for="ch" forName="node" op="equ" val="65"/>
+        </dgm:constrLst>
+      </dgm:if>
+      <dgm:else name="Name11">
+        <dgm:constrLst>
+          <dgm:constr type="w" for="ch" forName="node" refType="w"/>
+          <dgm:constr type="w" for="ch" ptType="sibTrans" refType="w" refFor="ch" refForName="node" op="equ" fact="0.3"/>
+          <dgm:constr type="diam" for="ch" ptType="sibTrans" refType="diam" fact="-1"/>
+          <dgm:constr type="diam" for="ch" refType="diam" op="equ" fact="-1"/>
+          <dgm:constr type="sibSp" refType="w" refFor="ch" refForName="node" op="equ" fact="0.15"/>
+          <dgm:constr type="w" for="ch" forName="spNode" refType="sibSp" fact="1.6"/>
+          <dgm:constr type="primFontSz" for="ch" forName="node" op="equ" val="65"/>
+        </dgm:constrLst>
+      </dgm:else>
+    </dgm:choose>
+    <dgm:ruleLst/>
+    <dgm:forEach name="Name12" axis="ch" ptType="node">
+      <dgm:layoutNode name="node">
+        <dgm:varLst>
+          <dgm:bulletEnabled val="1"/>
+        </dgm:varLst>
+        <dgm:alg type="tx"/>
+        <dgm:shape xmlns:r="http://schemas.openxmlformats.org/officeDocument/2006/relationships" type="roundRect" r:blip="">
+          <dgm:adjLst/>
+        </dgm:shape>
+        <dgm:presOf axis="desOrSelf" ptType="node"/>
+        <dgm:constrLst>
+          <dgm:constr type="h" refType="w" fact="0.65"/>
+          <dgm:constr type="tMarg" refType="primFontSz" fact="0.3"/>
+          <dgm:constr type="bMarg" refType="primFontSz" fact="0.3"/>
+          <dgm:constr type="lMarg" refType="primFontSz" fact="0.3"/>
+          <dgm:constr type="rMarg" refType="primFontSz" fact="0.3"/>
+        </dgm:constrLst>
+        <dgm:ruleLst>
+          <dgm:rule type="primFontSz" val="5" fact="NaN" max="NaN"/>
+        </dgm:ruleLst>
+      </dgm:layoutNode>
+      <dgm:choose name="Name13">
+        <dgm:if name="Name14" axis="par ch" ptType="doc node" func="cnt" op="gt" val="1">
+          <dgm:layoutNode name="spNode">
+            <dgm:alg type="sp"/>
+            <dgm:shape xmlns:r="http://schemas.openxmlformats.org/officeDocument/2006/relationships" r:blip="">
+              <dgm:adjLst/>
+            </dgm:shape>
+            <dgm:presOf/>
+            <dgm:constrLst>
+              <dgm:constr type="h" refType="w"/>
+            </dgm:constrLst>
+            <dgm:ruleLst/>
+          </dgm:layoutNode>
+          <dgm:forEach name="Name15" axis="followSib" ptType="sibTrans" hideLastTrans="0" cnt="1">
+            <dgm:layoutNode name="sibTrans">
+              <dgm:alg type="conn">
+                <dgm:param type="dim" val="1D"/>
+                <dgm:param type="connRout" val="curve"/>
+                <dgm:param type="begPts" val="radial"/>
+                <dgm:param type="endPts" val="radial"/>
+              </dgm:alg>
+              <dgm:shape xmlns:r="http://schemas.openxmlformats.org/officeDocument/2006/relationships" type="conn" r:blip="">
+                <dgm:adjLst/>
+              </dgm:shape>
+              <dgm:presOf axis="self"/>
+              <dgm:constrLst>
+                <dgm:constr type="h" refType="w" fact="0.65"/>
+                <dgm:constr type="connDist"/>
+                <dgm:constr type="begPad" refType="connDist" fact="0.2"/>
+                <dgm:constr type="endPad" refType="connDist" fact="0.2"/>
+              </dgm:constrLst>
+              <dgm:ruleLst/>
+            </dgm:layoutNode>
+          </dgm:forEach>
+        </dgm:if>
+        <dgm:else name="Name16"/>
+      </dgm:choose>
+    </dgm:forEach>
+  </dgm:layoutNode>
+</dgm:layoutDef>
+</file>
+
+<file path=ppt/diagrams/quickStyle1.xml><?xml version="1.0" encoding="utf-8"?>
+<dgm:styleDef xmlns:dgm="http://schemas.openxmlformats.org/drawingml/2006/diagram" xmlns:a="http://schemas.openxmlformats.org/drawingml/2006/main" uniqueId="urn:microsoft.com/office/officeart/2005/8/quickstyle/simple1">
+  <dgm:title val=""/>
+  <dgm:desc val=""/>
+  <dgm:catLst>
+    <dgm:cat type="simple" pri="10100"/>
+  </dgm:catLst>
+  <dgm:scene3d>
+    <a:camera prst="orthographicFront"/>
+    <a:lightRig rig="threePt" dir="t"/>
+  </dgm:scene3d>
+  <dgm:styleLbl name="node0">
+    <dgm:scene3d>
+      <a:camera prst="orthographicFront"/>
+      <a:lightRig rig="threePt" dir="t"/>
+    </dgm:scene3d>
+    <dgm:sp3d/>
+    <dgm:txPr/>
+    <dgm:style>
+      <a:lnRef idx="2">
+        <a:scrgbClr r="0" g="0" b="0"/>
+      </a:lnRef>
+      <a:fillRef idx="1">
+        <a:scrgbClr r="0" g="0" b="0"/>
+      </a:fillRef>
+      <a:effectRef idx="0">
+        <a:scrgbClr r="0" g="0" b="0"/>
+      </a:effectRef>
+      <a:fontRef idx="minor">
+        <a:schemeClr val="lt1"/>
+      </a:fontRef>
+    </dgm:style>
+  </dgm:styleLbl>
+  <dgm:styleLbl name="lnNode1">
+    <dgm:scene3d>
+      <a:camera prst="orthographicFront"/>
+      <a:lightRig rig="threePt" dir="t"/>
+    </dgm:scene3d>
+    <dgm:sp3d/>
+    <dgm:txPr/>
+    <dgm:style>
+      <a:lnRef idx="2">
+        <a:scrgbClr r="0" g="0" b="0"/>
+      </a:lnRef>
+      <a:fillRef idx="1">
+        <a:scrgbClr r="0" g="0" b="0"/>
+      </a:fillRef>
+      <a:effectRef idx="0">
+        <a:scrgbClr r="0" g="0" b="0"/>
+      </a:effectRef>
+      <a:fontRef idx="minor">
+        <a:schemeClr val="lt1"/>
+      </a:fontRef>
+    </dgm:style>
+  </dgm:styleLbl>
+  <dgm:styleLbl name="vennNode1">
+    <dgm:scene3d>
+      <a:camera prst="orthographicFront"/>
+      <a:lightRig rig="threePt" dir="t"/>
+    </dgm:scene3d>
+    <dgm:sp3d/>
+    <dgm:txPr/>
+    <dgm:style>
+      <a:lnRef idx="2">
+        <a:scrgbClr r="0" g="0" b="0"/>
+      </a:lnRef>
+      <a:fillRef idx="1">
+        <a:scrgbClr r="0" g="0" b="0"/>
+      </a:fillRef>
+      <a:effectRef idx="0">
+        <a:scrgbClr r="0" g="0" b="0"/>
+      </a:effectRef>
+      <a:fontRef idx="minor">
+        <a:schemeClr val="tx1"/>
+      </a:fontRef>
+    </dgm:style>
+  </dgm:styleLbl>
+  <dgm:styleLbl name="alignNode1">
+    <dgm:scene3d>
+      <a:camera prst="orthographicFront"/>
+      <a:lightRig rig="threePt" dir="t"/>
+    </dgm:scene3d>
+    <dgm:sp3d/>
+    <dgm:txPr/>
+    <dgm:style>
+      <a:lnRef idx="2">
+        <a:scrgbClr r="0" g="0" b="0"/>
+      </a:lnRef>
+      <a:fillRef idx="1">
+        <a:scrgbClr r="0" g="0" b="0"/>
+      </a:fillRef>
+      <a:effectRef idx="0">
+        <a:scrgbClr r="0" g="0" b="0"/>
+      </a:effectRef>
+      <a:fontRef idx="minor">
+        <a:schemeClr val="lt1"/>
+      </a:fontRef>
+    </dgm:style>
+  </dgm:styleLbl>
+  <dgm:styleLbl name="node1">
+    <dgm:scene3d>
+      <a:camera prst="orthographicFront"/>
+      <a:lightRig rig="threePt" dir="t"/>
+    </dgm:scene3d>
+    <dgm:sp3d/>
+    <dgm:txPr/>
+    <dgm:style>
+      <a:lnRef idx="2">
+        <a:scrgbClr r="0" g="0" b="0"/>
+      </a:lnRef>
+      <a:fillRef idx="1">
+        <a:scrgbClr r="0" g="0" b="0"/>
+      </a:fillRef>
+      <a:effectRef idx="0">
+        <a:scrgbClr r="0" g="0" b="0"/>
+      </a:effectRef>
+      <a:fontRef idx="minor">
+        <a:schemeClr val="lt1"/>
+      </a:fontRef>
+    </dgm:style>
+  </dgm:styleLbl>
+  <dgm:styleLbl name="node2">
+    <dgm:scene3d>
+      <a:camera prst="orthographicFront"/>
+      <a:lightRig rig="threePt" dir="t"/>
+    </dgm:scene3d>
+    <dgm:sp3d/>
+    <dgm:txPr/>
+    <dgm:style>
+      <a:lnRef idx="2">
+        <a:scrgbClr r="0" g="0" b="0"/>
+      </a:lnRef>
+      <a:fillRef idx="1">
+        <a:scrgbClr r="0" g="0" b="0"/>
+      </a:fillRef>
+      <a:effectRef idx="0">
+        <a:scrgbClr r="0" g="0" b="0"/>
+      </a:effectRef>
+      <a:fontRef idx="minor">
+        <a:schemeClr val="lt1"/>
+      </a:fontRef>
+    </dgm:style>
+  </dgm:styleLbl>
+  <dgm:styleLbl name="node3">
+    <dgm:scene3d>
+      <a:camera prst="orthographicFront"/>
+      <a:lightRig rig="threePt" dir="t"/>
+    </dgm:scene3d>
+    <dgm:sp3d/>
+    <dgm:txPr/>
+    <dgm:style>
+      <a:lnRef idx="2">
+        <a:scrgbClr r="0" g="0" b="0"/>
+      </a:lnRef>
+      <a:fillRef idx="1">
+        <a:scrgbClr r="0" g="0" b="0"/>
+      </a:fillRef>
+      <a:effectRef idx="0">
+        <a:scrgbClr r="0" g="0" b="0"/>
+      </a:effectRef>
+      <a:fontRef idx="minor">
+        <a:schemeClr val="lt1"/>
+      </a:fontRef>
+    </dgm:style>
+  </dgm:styleLbl>
+  <dgm:styleLbl name="node4">
+    <dgm:scene3d>
+      <a:camera prst="orthographicFront"/>
+      <a:lightRig rig="threePt" dir="t"/>
+    </dgm:scene3d>
+    <dgm:sp3d/>
+    <dgm:txPr/>
+    <dgm:style>
+      <a:lnRef idx="2">
+        <a:scrgbClr r="0" g="0" b="0"/>
+      </a:lnRef>
+      <a:fillRef idx="1">
+        <a:scrgbClr r="0" g="0" b="0"/>
+      </a:fillRef>
+      <a:effectRef idx="0">
+        <a:scrgbClr r="0" g="0" b="0"/>
+      </a:effectRef>
+      <a:fontRef idx="minor">
+        <a:schemeClr val="lt1"/>
+      </a:fontRef>
+    </dgm:style>
+  </dgm:styleLbl>
+  <dgm:styleLbl name="fgImgPlace1">
+    <dgm:scene3d>
+      <a:camera prst="orthographicFront"/>
+      <a:lightRig rig="threePt" dir="t"/>
+    </dgm:scene3d>
+    <dgm:sp3d/>
+    <dgm:txPr/>
+    <dgm:style>
+      <a:lnRef idx="2">
+        <a:scrgbClr r="0" g="0" b="0"/>
+      </a:lnRef>
+      <a:fillRef idx="1">
+        <a:scrgbClr r="0" g="0" b="0"/>
+      </a:fillRef>
+      <a:effectRef idx="0">
+        <a:scrgbClr r="0" g="0" b="0"/>
+      </a:effectRef>
+      <a:fontRef idx="minor"/>
+    </dgm:style>
+  </dgm:styleLbl>
+  <dgm:styleLbl name="alignImgPlace1">
+    <dgm:scene3d>
+      <a:camera prst="orthographicFront"/>
+      <a:lightRig rig="threePt" dir="t"/>
+    </dgm:scene3d>
+    <dgm:sp3d/>
+    <dgm:txPr/>
+    <dgm:style>
+      <a:lnRef idx="2">
+        <a:scrgbClr r="0" g="0" b="0"/>
+      </a:lnRef>
+      <a:fillRef idx="1">
+        <a:scrgbClr r="0" g="0" b="0"/>
+      </a:fillRef>
+      <a:effectRef idx="0">
+        <a:scrgbClr r="0" g="0" b="0"/>
+      </a:effectRef>
+      <a:fontRef idx="minor"/>
+    </dgm:style>
+  </dgm:styleLbl>
+  <dgm:styleLbl name="bgImgPlace1">
+    <dgm:scene3d>
+      <a:camera prst="orthographicFront"/>
+      <a:lightRig rig="threePt" dir="t"/>
+    </dgm:scene3d>
+    <dgm:sp3d/>
+    <dgm:txPr/>
+    <dgm:style>
+      <a:lnRef idx="2">
+        <a:scrgbClr r="0" g="0" b="0"/>
+      </a:lnRef>
+      <a:fillRef idx="1">
+        <a:scrgbClr r="0" g="0" b="0"/>
+      </a:fillRef>
+      <a:effectRef idx="0">
+        <a:scrgbClr r="0" g="0" b="0"/>
+      </a:effectRef>
+      <a:fontRef idx="minor"/>
+    </dgm:style>
+  </dgm:styleLbl>
+  <dgm:styleLbl name="sibTrans2D1">
+    <dgm:scene3d>
+      <a:camera prst="orthographicFront"/>
+      <a:lightRig rig="threePt" dir="t"/>
+    </dgm:scene3d>
+    <dgm:sp3d/>
+    <dgm:txPr/>
+    <dgm:style>
+      <a:lnRef idx="0">
+        <a:scrgbClr r="0" g="0" b="0"/>
+      </a:lnRef>
+      <a:fillRef idx="1">
+        <a:scrgbClr r="0" g="0" b="0"/>
+      </a:fillRef>
+      <a:effectRef idx="0">
+        <a:scrgbClr r="0" g="0" b="0"/>
+      </a:effectRef>
+      <a:fontRef idx="minor">
+        <a:schemeClr val="lt1"/>
+      </a:fontRef>
+    </dgm:style>
+  </dgm:styleLbl>
+  <dgm:styleLbl name="fgSibTrans2D1">
+    <dgm:scene3d>
+      <a:camera prst="orthographicFront"/>
+      <a:lightRig rig="threePt" dir="t"/>
+    </dgm:scene3d>
+    <dgm:sp3d/>
+    <dgm:txPr/>
+    <dgm:style>
+      <a:lnRef idx="0">
+        <a:scrgbClr r="0" g="0" b="0"/>
+      </a:lnRef>
+      <a:fillRef idx="1">
+        <a:scrgbClr r="0" g="0" b="0"/>
+      </a:fillRef>
+      <a:effectRef idx="0">
+        <a:scrgbClr r="0" g="0" b="0"/>
+      </a:effectRef>
+      <a:fontRef idx="minor">
+        <a:schemeClr val="lt1"/>
+      </a:fontRef>
+    </dgm:style>
+  </dgm:styleLbl>
+  <dgm:styleLbl name="bgSibTrans2D1">
+    <dgm:scene3d>
+      <a:camera prst="orthographicFront"/>
+      <a:lightRig rig="threePt" dir="t"/>
+    </dgm:scene3d>
+    <dgm:sp3d/>
+    <dgm:txPr/>
+    <dgm:style>
+      <a:lnRef idx="0">
+        <a:scrgbClr r="0" g="0" b="0"/>
+      </a:lnRef>
+      <a:fillRef idx="1">
+        <a:scrgbClr r="0" g="0" b="0"/>
+      </a:fillRef>
+      <a:effectRef idx="0">
+        <a:scrgbClr r="0" g="0" b="0"/>
+      </a:effectRef>
+      <a:fontRef idx="minor">
+        <a:schemeClr val="lt1"/>
+      </a:fontRef>
+    </dgm:style>
+  </dgm:styleLbl>
+  <dgm:styleLbl name="sibTrans1D1">
+    <dgm:scene3d>
+      <a:camera prst="orthographicFront"/>
+      <a:lightRig rig="threePt" dir="t"/>
+    </dgm:scene3d>
+    <dgm:sp3d/>
+    <dgm:txPr/>
+    <dgm:style>
+      <a:lnRef idx="1">
+        <a:scrgbClr r="0" g="0" b="0"/>
+      </a:lnRef>
+      <a:fillRef idx="0">
+        <a:scrgbClr r="0" g="0" b="0"/>
+      </a:fillRef>
+      <a:effectRef idx="0">
+        <a:scrgbClr r="0" g="0" b="0"/>
+      </a:effectRef>
+      <a:fontRef idx="minor"/>
+    </dgm:style>
+  </dgm:styleLbl>
+  <dgm:styleLbl name="callout">
+    <dgm:scene3d>
+      <a:camera prst="orthographicFront"/>
+      <a:lightRig rig="threePt" dir="t"/>
+    </dgm:scene3d>
+    <dgm:sp3d/>
+    <dgm:txPr/>
+    <dgm:style>
+      <a:lnRef idx="2">
+        <a:scrgbClr r="0" g="0" b="0"/>
+      </a:lnRef>
+      <a:fillRef idx="1">
+        <a:scrgbClr r="0" g="0" b="0"/>
+      </a:fillRef>
+      <a:effectRef idx="0">
+        <a:scrgbClr r="0" g="0" b="0"/>
+      </a:effectRef>
+      <a:fontRef idx="minor"/>
+    </dgm:style>
+  </dgm:styleLbl>
+  <dgm:styleLbl name="asst0">
+    <dgm:scene3d>
+      <a:camera prst="orthographicFront"/>
+      <a:lightRig rig="threePt" dir="t"/>
+    </dgm:scene3d>
+    <dgm:sp3d/>
+    <dgm:txPr/>
+    <dgm:style>
+      <a:lnRef idx="2">
+        <a:scrgbClr r="0" g="0" b="0"/>
+      </a:lnRef>
+      <a:fillRef idx="1">
+        <a:scrgbClr r="0" g="0" b="0"/>
+      </a:fillRef>
+      <a:effectRef idx="0">
+        <a:scrgbClr r="0" g="0" b="0"/>
+      </a:effectRef>
+      <a:fontRef idx="minor">
+        <a:schemeClr val="lt1"/>
+      </a:fontRef>
+    </dgm:style>
+  </dgm:styleLbl>
+  <dgm:styleLbl name="asst1">
+    <dgm:scene3d>
+      <a:camera prst="orthographicFront"/>
+      <a:lightRig rig="threePt" dir="t"/>
+    </dgm:scene3d>
+    <dgm:sp3d/>
+    <dgm:txPr/>
+    <dgm:style>
+      <a:lnRef idx="2">
+        <a:scrgbClr r="0" g="0" b="0"/>
+      </a:lnRef>
+      <a:fillRef idx="1">
+        <a:scrgbClr r="0" g="0" b="0"/>
+      </a:fillRef>
+      <a:effectRef idx="0">
+        <a:scrgbClr r="0" g="0" b="0"/>
+      </a:effectRef>
+      <a:fontRef idx="minor">
+        <a:schemeClr val="lt1"/>
+      </a:fontRef>
+    </dgm:style>
+  </dgm:styleLbl>
+  <dgm:styleLbl name="asst2">
+    <dgm:scene3d>
+      <a:camera prst="orthographicFront"/>
+      <a:lightRig rig="threePt" dir="t"/>
+    </dgm:scene3d>
+    <dgm:sp3d/>
+    <dgm:txPr/>
+    <dgm:style>
+      <a:lnRef idx="2">
+        <a:scrgbClr r="0" g="0" b="0"/>
+      </a:lnRef>
+      <a:fillRef idx="1">
+        <a:scrgbClr r="0" g="0" b="0"/>
+      </a:fillRef>
+      <a:effectRef idx="0">
+        <a:scrgbClr r="0" g="0" b="0"/>
+      </a:effectRef>
+      <a:fontRef idx="minor">
+        <a:schemeClr val="lt1"/>
+      </a:fontRef>
+    </dgm:style>
+  </dgm:styleLbl>
+  <dgm:styleLbl name="asst3">
+    <dgm:scene3d>
+      <a:camera prst="orthographicFront"/>
+      <a:lightRig rig="threePt" dir="t"/>
+    </dgm:scene3d>
+    <dgm:sp3d/>
+    <dgm:txPr/>
+    <dgm:style>
+      <a:lnRef idx="2">
+        <a:scrgbClr r="0" g="0" b="0"/>
+      </a:lnRef>
+      <a:fillRef idx="1">
+        <a:scrgbClr r="0" g="0" b="0"/>
+      </a:fillRef>
+      <a:effectRef idx="0">
+        <a:scrgbClr r="0" g="0" b="0"/>
+      </a:effectRef>
+      <a:fontRef idx="minor">
+        <a:schemeClr val="lt1"/>
+      </a:fontRef>
+    </dgm:style>
+  </dgm:styleLbl>
+  <dgm:styleLbl name="asst4">
+    <dgm:scene3d>
+      <a:camera prst="orthographicFront"/>
+      <a:lightRig rig="threePt" dir="t"/>
+    </dgm:scene3d>
+    <dgm:sp3d/>
+    <dgm:txPr/>
+    <dgm:style>
+      <a:lnRef idx="2">
+        <a:scrgbClr r="0" g="0" b="0"/>
+      </a:lnRef>
+      <a:fillRef idx="1">
+        <a:scrgbClr r="0" g="0" b="0"/>
+      </a:fillRef>
+      <a:effectRef idx="0">
+        <a:scrgbClr r="0" g="0" b="0"/>
+      </a:effectRef>
+      <a:fontRef idx="minor">
+        <a:schemeClr val="lt1"/>
+      </a:fontRef>
+    </dgm:style>
+  </dgm:styleLbl>
+  <dgm:styleLbl name="parChTrans2D1">
+    <dgm:scene3d>
+      <a:camera prst="orthographicFront"/>
+      <a:lightRig rig="threePt" dir="t"/>
+    </dgm:scene3d>
+    <dgm:sp3d/>
+    <dgm:txPr/>
+    <dgm:style>
+      <a:lnRef idx="2">
+        <a:scrgbClr r="0" g="0" b="0"/>
+      </a:lnRef>
+      <a:fillRef idx="1">
+        <a:scrgbClr r="0" g="0" b="0"/>
+      </a:fillRef>
+      <a:effectRef idx="0">
+        <a:scrgbClr r="0" g="0" b="0"/>
+      </a:effectRef>
+      <a:fontRef idx="minor">
+        <a:schemeClr val="lt1"/>
+      </a:fontRef>
+    </dgm:style>
+  </dgm:styleLbl>
+  <dgm:styleLbl name="parChTrans2D2">
+    <dgm:scene3d>
+      <a:camera prst="orthographicFront"/>
+      <a:lightRig rig="threePt" dir="t"/>
+    </dgm:scene3d>
+    <dgm:sp3d/>
+    <dgm:txPr/>
+    <dgm:style>
+      <a:lnRef idx="2">
+        <a:scrgbClr r="0" g="0" b="0"/>
+      </a:lnRef>
+      <a:fillRef idx="1">
+        <a:scrgbClr r="0" g="0" b="0"/>
+      </a:fillRef>
+      <a:effectRef idx="0">
+        <a:scrgbClr r="0" g="0" b="0"/>
+      </a:effectRef>
+      <a:fontRef idx="minor">
+        <a:schemeClr val="lt1"/>
+      </a:fontRef>
+    </dgm:style>
+  </dgm:styleLbl>
+  <dgm:styleLbl name="parChTrans2D3">
+    <dgm:scene3d>
+      <a:camera prst="orthographicFront"/>
+      <a:lightRig rig="threePt" dir="t"/>
+    </dgm:scene3d>
+    <dgm:sp3d/>
+    <dgm:txPr/>
+    <dgm:style>
+      <a:lnRef idx="2">
+        <a:scrgbClr r="0" g="0" b="0"/>
+      </a:lnRef>
+      <a:fillRef idx="1">
+        <a:scrgbClr r="0" g="0" b="0"/>
+      </a:fillRef>
+      <a:effectRef idx="0">
+        <a:scrgbClr r="0" g="0" b="0"/>
+      </a:effectRef>
+      <a:fontRef idx="minor">
+        <a:schemeClr val="lt1"/>
+      </a:fontRef>
+    </dgm:style>
+  </dgm:styleLbl>
+  <dgm:styleLbl name="parChTrans2D4">
+    <dgm:scene3d>
+      <a:camera prst="orthographicFront"/>
+      <a:lightRig rig="threePt" dir="t"/>
+    </dgm:scene3d>
+    <dgm:sp3d/>
+    <dgm:txPr/>
+    <dgm:style>
+      <a:lnRef idx="2">
+        <a:scrgbClr r="0" g="0" b="0"/>
+      </a:lnRef>
+      <a:fillRef idx="1">
+        <a:scrgbClr r="0" g="0" b="0"/>
+      </a:fillRef>
+      <a:effectRef idx="0">
+        <a:scrgbClr r="0" g="0" b="0"/>
+      </a:effectRef>
+      <a:fontRef idx="minor">
+        <a:schemeClr val="lt1"/>
+      </a:fontRef>
+    </dgm:style>
+  </dgm:styleLbl>
+  <dgm:styleLbl name="parChTrans1D1">
+    <dgm:scene3d>
+      <a:camera prst="orthographicFront"/>
+      <a:lightRig rig="threePt" dir="t"/>
+    </dgm:scene3d>
+    <dgm:sp3d/>
+    <dgm:txPr/>
+    <dgm:style>
+      <a:lnRef idx="2">
+        <a:scrgbClr r="0" g="0" b="0"/>
+      </a:lnRef>
+      <a:fillRef idx="0">
+        <a:scrgbClr r="0" g="0" b="0"/>
+      </a:fillRef>
+      <a:effectRef idx="0">
+        <a:scrgbClr r="0" g="0" b="0"/>
+      </a:effectRef>
+      <a:fontRef idx="minor"/>
+    </dgm:style>
+  </dgm:styleLbl>
+  <dgm:styleLbl name="parChTrans1D2">
+    <dgm:scene3d>
+      <a:camera prst="orthographicFront"/>
+      <a:lightRig rig="threePt" dir="t"/>
+    </dgm:scene3d>
+    <dgm:sp3d/>
+    <dgm:txPr/>
+    <dgm:style>
+      <a:lnRef idx="2">
+        <a:scrgbClr r="0" g="0" b="0"/>
+      </a:lnRef>
+      <a:fillRef idx="0">
+        <a:scrgbClr r="0" g="0" b="0"/>
+      </a:fillRef>
+      <a:effectRef idx="0">
+        <a:scrgbClr r="0" g="0" b="0"/>
+      </a:effectRef>
+      <a:fontRef idx="minor"/>
+    </dgm:style>
+  </dgm:styleLbl>
+  <dgm:styleLbl name="parChTrans1D3">
+    <dgm:scene3d>
+      <a:camera prst="orthographicFront"/>
+      <a:lightRig rig="threePt" dir="t"/>
+    </dgm:scene3d>
+    <dgm:sp3d/>
+    <dgm:txPr/>
+    <dgm:style>
+      <a:lnRef idx="2">
+        <a:scrgbClr r="0" g="0" b="0"/>
+      </a:lnRef>
+      <a:fillRef idx="0">
+        <a:scrgbClr r="0" g="0" b="0"/>
+      </a:fillRef>
+      <a:effectRef idx="0">
+        <a:scrgbClr r="0" g="0" b="0"/>
+      </a:effectRef>
+      <a:fontRef idx="minor"/>
+    </dgm:style>
+  </dgm:styleLbl>
+  <dgm:styleLbl name="parChTrans1D4">
+    <dgm:scene3d>
+      <a:camera prst="orthographicFront"/>
+      <a:lightRig rig="threePt" dir="t"/>
+    </dgm:scene3d>
+    <dgm:sp3d/>
+    <dgm:txPr/>
+    <dgm:style>
+      <a:lnRef idx="2">
+        <a:scrgbClr r="0" g="0" b="0"/>
+      </a:lnRef>
+      <a:fillRef idx="0">
+        <a:scrgbClr r="0" g="0" b="0"/>
+      </a:fillRef>
+      <a:effectRef idx="0">
+        <a:scrgbClr r="0" g="0" b="0"/>
+      </a:effectRef>
+      <a:fontRef idx="minor"/>
+    </dgm:style>
+  </dgm:styleLbl>
+  <dgm:styleLbl name="fgAcc1">
+    <dgm:scene3d>
+      <a:camera prst="orthographicFront"/>
+      <a:lightRig rig="threePt" dir="t"/>
+    </dgm:scene3d>
+    <dgm:sp3d/>
+    <dgm:txPr/>
+    <dgm:style>
+      <a:lnRef idx="2">
+        <a:scrgbClr r="0" g="0" b="0"/>
+      </a:lnRef>
+      <a:fillRef idx="1">
+        <a:scrgbClr r="0" g="0" b="0"/>
+      </a:fillRef>
+      <a:effectRef idx="0">
+        <a:scrgbClr r="0" g="0" b="0"/>
+      </a:effectRef>
+      <a:fontRef idx="minor"/>
+    </dgm:style>
+  </dgm:styleLbl>
+  <dgm:styleLbl name="conFgAcc1">
+    <dgm:scene3d>
+      <a:camera prst="orthographicFront"/>
+      <a:lightRig rig="threePt" dir="t"/>
+    </dgm:scene3d>
+    <dgm:sp3d/>
+    <dgm:txPr/>
+    <dgm:style>
+      <a:lnRef idx="2">
+        <a:scrgbClr r="0" g="0" b="0"/>
+      </a:lnRef>
+      <a:fillRef idx="1">
+        <a:scrgbClr r="0" g="0" b="0"/>
+      </a:fillRef>
+      <a:effectRef idx="0">
+        <a:scrgbClr r="0" g="0" b="0"/>
+      </a:effectRef>
+      <a:fontRef idx="minor"/>
+    </dgm:style>
+  </dgm:styleLbl>
+  <dgm:styleLbl name="alignAcc1">
+    <dgm:scene3d>
+      <a:camera prst="orthographicFront"/>
+      <a:lightRig rig="threePt" dir="t"/>
+    </dgm:scene3d>
+    <dgm:sp3d/>
+    <dgm:txPr/>
+    <dgm:style>
+      <a:lnRef idx="2">
+        <a:scrgbClr r="0" g="0" b="0"/>
+      </a:lnRef>
+      <a:fillRef idx="1">
+        <a:scrgbClr r="0" g="0" b="0"/>
+      </a:fillRef>
+      <a:effectRef idx="0">
+        <a:scrgbClr r="0" g="0" b="0"/>
+      </a:effectRef>
+      <a:fontRef idx="minor"/>
+    </dgm:style>
+  </dgm:styleLbl>
+  <dgm:styleLbl name="trAlignAcc1">
+    <dgm:scene3d>
+      <a:camera prst="orthographicFront"/>
+      <a:lightRig rig="threePt" dir="t"/>
+    </dgm:scene3d>
+    <dgm:sp3d/>
+    <dgm:txPr/>
+    <dgm:style>
+      <a:lnRef idx="1">
+        <a:scrgbClr r="0" g="0" b="0"/>
+      </a:lnRef>
+      <a:fillRef idx="1">
+        <a:scrgbClr r="0" g="0" b="0"/>
+      </a:fillRef>
+      <a:effectRef idx="0">
+        <a:scrgbClr r="0" g="0" b="0"/>
+      </a:effectRef>
+      <a:fontRef idx="minor"/>
+    </dgm:style>
+  </dgm:styleLbl>
+  <dgm:styleLbl name="bgAcc1">
+    <dgm:scene3d>
+      <a:camera prst="orthographicFront"/>
+      <a:lightRig rig="threePt" dir="t"/>
+    </dgm:scene3d>
+    <dgm:sp3d/>
+    <dgm:txPr/>
+    <dgm:style>
+      <a:lnRef idx="2">
+        <a:scrgbClr r="0" g="0" b="0"/>
+      </a:lnRef>
+      <a:fillRef idx="1">
+        <a:scrgbClr r="0" g="0" b="0"/>
+      </a:fillRef>
+      <a:effectRef idx="0">
+        <a:scrgbClr r="0" g="0" b="0"/>
+      </a:effectRef>
+      <a:fontRef idx="minor"/>
+    </dgm:style>
+  </dgm:styleLbl>
+  <dgm:styleLbl name="solidFgAcc1">
+    <dgm:scene3d>
+      <a:camera prst="orthographicFront"/>
+      <a:lightRig rig="threePt" dir="t"/>
+    </dgm:scene3d>
+    <dgm:sp3d/>
+    <dgm:txPr/>
+    <dgm:style>
+      <a:lnRef idx="2">
+        <a:scrgbClr r="0" g="0" b="0"/>
+      </a:lnRef>
+      <a:fillRef idx="1">
+        <a:scrgbClr r="0" g="0" b="0"/>
+      </a:fillRef>
+      <a:effectRef idx="0">
+        <a:scrgbClr r="0" g="0" b="0"/>
+      </a:effectRef>
+      <a:fontRef idx="minor"/>
+    </dgm:style>
+  </dgm:styleLbl>
+  <dgm:styleLbl name="solidAlignAcc1">
+    <dgm:scene3d>
+      <a:camera prst="orthographicFront"/>
+      <a:lightRig rig="threePt" dir="t"/>
+    </dgm:scene3d>
+    <dgm:sp3d/>
+    <dgm:txPr/>
+    <dgm:style>
+      <a:lnRef idx="2">
+        <a:scrgbClr r="0" g="0" b="0"/>
+      </a:lnRef>
+      <a:fillRef idx="1">
+        <a:scrgbClr r="0" g="0" b="0"/>
+      </a:fillRef>
+      <a:effectRef idx="0">
+        <a:scrgbClr r="0" g="0" b="0"/>
+      </a:effectRef>
+      <a:fontRef idx="minor"/>
+    </dgm:style>
+  </dgm:styleLbl>
+  <dgm:styleLbl name="solidBgAcc1">
+    <dgm:scene3d>
+      <a:camera prst="orthographicFront"/>
+      <a:lightRig rig="threePt" dir="t"/>
+    </dgm:scene3d>
+    <dgm:sp3d/>
+    <dgm:txPr/>
+    <dgm:style>
+      <a:lnRef idx="2">
+        <a:scrgbClr r="0" g="0" b="0"/>
+      </a:lnRef>
+      <a:fillRef idx="1">
+        <a:scrgbClr r="0" g="0" b="0"/>
+      </a:fillRef>
+      <a:effectRef idx="0">
+        <a:scrgbClr r="0" g="0" b="0"/>
+      </a:effectRef>
+      <a:fontRef idx="minor"/>
+    </dgm:style>
+  </dgm:styleLbl>
+  <dgm:styleLbl name="fgAccFollowNode1">
+    <dgm:scene3d>
+      <a:camera prst="orthographicFront"/>
+      <a:lightRig rig="threePt" dir="t"/>
+    </dgm:scene3d>
+    <dgm:sp3d/>
+    <dgm:txPr/>
+    <dgm:style>
+      <a:lnRef idx="2">
+        <a:scrgbClr r="0" g="0" b="0"/>
+      </a:lnRef>
+      <a:fillRef idx="1">
+        <a:scrgbClr r="0" g="0" b="0"/>
+      </a:fillRef>
+      <a:effectRef idx="0">
+        <a:scrgbClr r="0" g="0" b="0"/>
+      </a:effectRef>
+      <a:fontRef idx="minor"/>
+    </dgm:style>
+  </dgm:styleLbl>
+  <dgm:styleLbl name="alignAccFollowNode1">
+    <dgm:scene3d>
+      <a:camera prst="orthographicFront"/>
+      <a:lightRig rig="threePt" dir="t"/>
+    </dgm:scene3d>
+    <dgm:sp3d/>
+    <dgm:txPr/>
+    <dgm:style>
+      <a:lnRef idx="2">
+        <a:scrgbClr r="0" g="0" b="0"/>
+      </a:lnRef>
+      <a:fillRef idx="1">
+        <a:scrgbClr r="0" g="0" b="0"/>
+      </a:fillRef>
+      <a:effectRef idx="0">
+        <a:scrgbClr r="0" g="0" b="0"/>
+      </a:effectRef>
+      <a:fontRef idx="minor"/>
+    </dgm:style>
+  </dgm:styleLbl>
+  <dgm:styleLbl name="bgAccFollowNode1">
+    <dgm:scene3d>
+      <a:camera prst="orthographicFront"/>
+      <a:lightRig rig="threePt" dir="t"/>
+    </dgm:scene3d>
+    <dgm:sp3d/>
+    <dgm:txPr/>
+    <dgm:style>
+      <a:lnRef idx="2">
+        <a:scrgbClr r="0" g="0" b="0"/>
+      </a:lnRef>
+      <a:fillRef idx="1">
+        <a:scrgbClr r="0" g="0" b="0"/>
+      </a:fillRef>
+      <a:effectRef idx="0">
+        <a:scrgbClr r="0" g="0" b="0"/>
+      </a:effectRef>
+      <a:fontRef idx="minor"/>
+    </dgm:style>
+  </dgm:styleLbl>
+  <dgm:styleLbl name="fgAcc0">
+    <dgm:scene3d>
+      <a:camera prst="orthographicFront"/>
+      <a:lightRig rig="threePt" dir="t"/>
+    </dgm:scene3d>
+    <dgm:sp3d/>
+    <dgm:txPr/>
+    <dgm:style>
+      <a:lnRef idx="2">
+        <a:scrgbClr r="0" g="0" b="0"/>
+      </a:lnRef>
+      <a:fillRef idx="1">
+        <a:scrgbClr r="0" g="0" b="0"/>
+      </a:fillRef>
+      <a:effectRef idx="0">
+        <a:scrgbClr r="0" g="0" b="0"/>
+      </a:effectRef>
+      <a:fontRef idx="minor"/>
+    </dgm:style>
+  </dgm:styleLbl>
+  <dgm:styleLbl name="fgAcc2">
+    <dgm:scene3d>
+      <a:camera prst="orthographicFront"/>
+      <a:lightRig rig="threePt" dir="t"/>
+    </dgm:scene3d>
+    <dgm:sp3d/>
+    <dgm:txPr/>
+    <dgm:style>
+      <a:lnRef idx="2">
+        <a:scrgbClr r="0" g="0" b="0"/>
+      </a:lnRef>
+      <a:fillRef idx="1">
+        <a:scrgbClr r="0" g="0" b="0"/>
+      </a:fillRef>
+      <a:effectRef idx="0">
+        <a:scrgbClr r="0" g="0" b="0"/>
+      </a:effectRef>
+      <a:fontRef idx="minor"/>
+    </dgm:style>
+  </dgm:styleLbl>
+  <dgm:styleLbl name="fgAcc3">
+    <dgm:scene3d>
+      <a:camera prst="orthographicFront"/>
+      <a:lightRig rig="threePt" dir="t"/>
+    </dgm:scene3d>
+    <dgm:sp3d/>
+    <dgm:txPr/>
+    <dgm:style>
+      <a:lnRef idx="2">
+        <a:scrgbClr r="0" g="0" b="0"/>
+      </a:lnRef>
+      <a:fillRef idx="1">
+        <a:scrgbClr r="0" g="0" b="0"/>
+      </a:fillRef>
+      <a:effectRef idx="0">
+        <a:scrgbClr r="0" g="0" b="0"/>
+      </a:effectRef>
+      <a:fontRef idx="minor"/>
+    </dgm:style>
+  </dgm:styleLbl>
+  <dgm:styleLbl name="fgAcc4">
+    <dgm:scene3d>
+      <a:camera prst="orthographicFront"/>
+      <a:lightRig rig="threePt" dir="t"/>
+    </dgm:scene3d>
+    <dgm:sp3d/>
+    <dgm:txPr/>
+    <dgm:style>
+      <a:lnRef idx="2">
+        <a:scrgbClr r="0" g="0" b="0"/>
+      </a:lnRef>
+      <a:fillRef idx="1">
+        <a:scrgbClr r="0" g="0" b="0"/>
+      </a:fillRef>
+      <a:effectRef idx="0">
+        <a:scrgbClr r="0" g="0" b="0"/>
+      </a:effectRef>
+      <a:fontRef idx="minor"/>
+    </dgm:style>
+  </dgm:styleLbl>
+  <dgm:styleLbl name="bgShp">
+    <dgm:scene3d>
+      <a:camera prst="orthographicFront"/>
+      <a:lightRig rig="threePt" dir="t"/>
+    </dgm:scene3d>
+    <dgm:sp3d/>
+    <dgm:txPr/>
+    <dgm:style>
+      <a:lnRef idx="0">
+        <a:scrgbClr r="0" g="0" b="0"/>
+      </a:lnRef>
+      <a:fillRef idx="1">
+        <a:scrgbClr r="0" g="0" b="0"/>
+      </a:fillRef>
+      <a:effectRef idx="0">
+        <a:scrgbClr r="0" g="0" b="0"/>
+      </a:effectRef>
+      <a:fontRef idx="minor"/>
+    </dgm:style>
+  </dgm:styleLbl>
+  <dgm:styleLbl name="dkBgShp">
+    <dgm:scene3d>
+      <a:camera prst="orthographicFront"/>
+      <a:lightRig rig="threePt" dir="t"/>
+    </dgm:scene3d>
+    <dgm:sp3d/>
+    <dgm:txPr/>
+    <dgm:style>
+      <a:lnRef idx="0">
+        <a:scrgbClr r="0" g="0" b="0"/>
+      </a:lnRef>
+      <a:fillRef idx="1">
+        <a:scrgbClr r="0" g="0" b="0"/>
+      </a:fillRef>
+      <a:effectRef idx="0">
+        <a:scrgbClr r="0" g="0" b="0"/>
+      </a:effectRef>
+      <a:fontRef idx="minor"/>
+    </dgm:style>
+  </dgm:styleLbl>
+  <dgm:styleLbl name="trBgShp">
+    <dgm:scene3d>
+      <a:camera prst="orthographicFront"/>
+      <a:lightRig rig="threePt" dir="t"/>
+    </dgm:scene3d>
+    <dgm:sp3d/>
+    <dgm:txPr/>
+    <dgm:style>
+      <a:lnRef idx="0">
+        <a:scrgbClr r="0" g="0" b="0"/>
+      </a:lnRef>
+      <a:fillRef idx="1">
+        <a:scrgbClr r="0" g="0" b="0"/>
+      </a:fillRef>
+      <a:effectRef idx="0">
+        <a:scrgbClr r="0" g="0" b="0"/>
+      </a:effectRef>
+      <a:fontRef idx="minor"/>
+    </dgm:style>
+  </dgm:styleLbl>
+  <dgm:styleLbl name="fgShp">
+    <dgm:scene3d>
+      <a:camera prst="orthographicFront"/>
+      <a:lightRig rig="threePt" dir="t"/>
+    </dgm:scene3d>
+    <dgm:sp3d/>
+    <dgm:txPr/>
+    <dgm:style>
+      <a:lnRef idx="2">
+        <a:scrgbClr r="0" g="0" b="0"/>
+      </a:lnRef>
+      <a:fillRef idx="1">
+        <a:scrgbClr r="0" g="0" b="0"/>
+      </a:fillRef>
+      <a:effectRef idx="0">
+        <a:scrgbClr r="0" g="0" b="0"/>
+      </a:effectRef>
+      <a:fontRef idx="minor"/>
+    </dgm:style>
+  </dgm:styleLbl>
+  <dgm:styleLbl name="revTx">
+    <dgm:scene3d>
+      <a:camera prst="orthographicFront"/>
+      <a:lightRig rig="threePt" dir="t"/>
+    </dgm:scene3d>
+    <dgm:sp3d/>
+    <dgm:txPr/>
+    <dgm:style>
+      <a:lnRef idx="0">
+        <a:scrgbClr r="0" g="0" b="0"/>
+      </a:lnRef>
+      <a:fillRef idx="0">
+        <a:scrgbClr r="0" g="0" b="0"/>
+      </a:fillRef>
+      <a:effectRef idx="0">
+        <a:scrgbClr r="0" g="0" b="0"/>
+      </a:effectRef>
+      <a:fontRef idx="minor"/>
+    </dgm:style>
+  </dgm:styleLbl>
+</dgm:styleDef>
+</file>
+
+<file path=ppt/diagrams/quickStyle2.xml><?xml version="1.0" encoding="utf-8"?>
+<dgm:styleDef xmlns:dgm="http://schemas.openxmlformats.org/drawingml/2006/diagram" xmlns:a="http://schemas.openxmlformats.org/drawingml/2006/main" uniqueId="urn:microsoft.com/office/officeart/2005/8/quickstyle/simple1">
+  <dgm:title val=""/>
+  <dgm:desc val=""/>
+  <dgm:catLst>
+    <dgm:cat type="simple" pri="10100"/>
+  </dgm:catLst>
+  <dgm:scene3d>
+    <a:camera prst="orthographicFront"/>
+    <a:lightRig rig="threePt" dir="t"/>
+  </dgm:scene3d>
+  <dgm:styleLbl name="node0">
+    <dgm:scene3d>
+      <a:camera prst="orthographicFront"/>
+      <a:lightRig rig="threePt" dir="t"/>
+    </dgm:scene3d>
+    <dgm:sp3d/>
+    <dgm:txPr/>
+    <dgm:style>
+      <a:lnRef idx="2">
+        <a:scrgbClr r="0" g="0" b="0"/>
+      </a:lnRef>
+      <a:fillRef idx="1">
+        <a:scrgbClr r="0" g="0" b="0"/>
+      </a:fillRef>
+      <a:effectRef idx="0">
+        <a:scrgbClr r="0" g="0" b="0"/>
+      </a:effectRef>
+      <a:fontRef idx="minor">
+        <a:schemeClr val="lt1"/>
+      </a:fontRef>
+    </dgm:style>
+  </dgm:styleLbl>
+  <dgm:styleLbl name="lnNode1">
+    <dgm:scene3d>
+      <a:camera prst="orthographicFront"/>
+      <a:lightRig rig="threePt" dir="t"/>
+    </dgm:scene3d>
+    <dgm:sp3d/>
+    <dgm:txPr/>
+    <dgm:style>
+      <a:lnRef idx="2">
+        <a:scrgbClr r="0" g="0" b="0"/>
+      </a:lnRef>
+      <a:fillRef idx="1">
+        <a:scrgbClr r="0" g="0" b="0"/>
+      </a:fillRef>
+      <a:effectRef idx="0">
+        <a:scrgbClr r="0" g="0" b="0"/>
+      </a:effectRef>
+      <a:fontRef idx="minor">
+        <a:schemeClr val="lt1"/>
+      </a:fontRef>
+    </dgm:style>
+  </dgm:styleLbl>
+  <dgm:styleLbl name="vennNode1">
+    <dgm:scene3d>
+      <a:camera prst="orthographicFront"/>
+      <a:lightRig rig="threePt" dir="t"/>
+    </dgm:scene3d>
+    <dgm:sp3d/>
+    <dgm:txPr/>
+    <dgm:style>
+      <a:lnRef idx="2">
+        <a:scrgbClr r="0" g="0" b="0"/>
+      </a:lnRef>
+      <a:fillRef idx="1">
+        <a:scrgbClr r="0" g="0" b="0"/>
+      </a:fillRef>
+      <a:effectRef idx="0">
+        <a:scrgbClr r="0" g="0" b="0"/>
+      </a:effectRef>
+      <a:fontRef idx="minor">
+        <a:schemeClr val="tx1"/>
+      </a:fontRef>
+    </dgm:style>
+  </dgm:styleLbl>
+  <dgm:styleLbl name="alignNode1">
+    <dgm:scene3d>
+      <a:camera prst="orthographicFront"/>
+      <a:lightRig rig="threePt" dir="t"/>
+    </dgm:scene3d>
+    <dgm:sp3d/>
+    <dgm:txPr/>
+    <dgm:style>
+      <a:lnRef idx="2">
+        <a:scrgbClr r="0" g="0" b="0"/>
+      </a:lnRef>
+      <a:fillRef idx="1">
+        <a:scrgbClr r="0" g="0" b="0"/>
+      </a:fillRef>
+      <a:effectRef idx="0">
+        <a:scrgbClr r="0" g="0" b="0"/>
+      </a:effectRef>
+      <a:fontRef idx="minor">
+        <a:schemeClr val="lt1"/>
+      </a:fontRef>
+    </dgm:style>
+  </dgm:styleLbl>
+  <dgm:styleLbl name="node1">
+    <dgm:scene3d>
+      <a:camera prst="orthographicFront"/>
+      <a:lightRig rig="threePt" dir="t"/>
+    </dgm:scene3d>
+    <dgm:sp3d/>
+    <dgm:txPr/>
+    <dgm:style>
+      <a:lnRef idx="2">
+        <a:scrgbClr r="0" g="0" b="0"/>
+      </a:lnRef>
+      <a:fillRef idx="1">
+        <a:scrgbClr r="0" g="0" b="0"/>
+      </a:fillRef>
+      <a:effectRef idx="0">
+        <a:scrgbClr r="0" g="0" b="0"/>
+      </a:effectRef>
+      <a:fontRef idx="minor">
+        <a:schemeClr val="lt1"/>
+      </a:fontRef>
+    </dgm:style>
+  </dgm:styleLbl>
+  <dgm:styleLbl name="node2">
+    <dgm:scene3d>
+      <a:camera prst="orthographicFront"/>
+      <a:lightRig rig="threePt" dir="t"/>
+    </dgm:scene3d>
+    <dgm:sp3d/>
+    <dgm:txPr/>
+    <dgm:style>
+      <a:lnRef idx="2">
+        <a:scrgbClr r="0" g="0" b="0"/>
+      </a:lnRef>
+      <a:fillRef idx="1">
+        <a:scrgbClr r="0" g="0" b="0"/>
+      </a:fillRef>
+      <a:effectRef idx="0">
+        <a:scrgbClr r="0" g="0" b="0"/>
+      </a:effectRef>
+      <a:fontRef idx="minor">
+        <a:schemeClr val="lt1"/>
+      </a:fontRef>
+    </dgm:style>
+  </dgm:styleLbl>
+  <dgm:styleLbl name="node3">
+    <dgm:scene3d>
+      <a:camera prst="orthographicFront"/>
+      <a:lightRig rig="threePt" dir="t"/>
+    </dgm:scene3d>
+    <dgm:sp3d/>
+    <dgm:txPr/>
+    <dgm:style>
+      <a:lnRef idx="2">
+        <a:scrgbClr r="0" g="0" b="0"/>
+      </a:lnRef>
+      <a:fillRef idx="1">
+        <a:scrgbClr r="0" g="0" b="0"/>
+      </a:fillRef>
+      <a:effectRef idx="0">
+        <a:scrgbClr r="0" g="0" b="0"/>
+      </a:effectRef>
+      <a:fontRef idx="minor">
+        <a:schemeClr val="lt1"/>
+      </a:fontRef>
+    </dgm:style>
+  </dgm:styleLbl>
+  <dgm:styleLbl name="node4">
+    <dgm:scene3d>
+      <a:camera prst="orthographicFront"/>
+      <a:lightRig rig="threePt" dir="t"/>
+    </dgm:scene3d>
+    <dgm:sp3d/>
+    <dgm:txPr/>
+    <dgm:style>
+      <a:lnRef idx="2">
+        <a:scrgbClr r="0" g="0" b="0"/>
+      </a:lnRef>
+      <a:fillRef idx="1">
+        <a:scrgbClr r="0" g="0" b="0"/>
+      </a:fillRef>
+      <a:effectRef idx="0">
+        <a:scrgbClr r="0" g="0" b="0"/>
+      </a:effectRef>
+      <a:fontRef idx="minor">
+        <a:schemeClr val="lt1"/>
+      </a:fontRef>
+    </dgm:style>
+  </dgm:styleLbl>
+  <dgm:styleLbl name="fgImgPlace1">
+    <dgm:scene3d>
+      <a:camera prst="orthographicFront"/>
+      <a:lightRig rig="threePt" dir="t"/>
+    </dgm:scene3d>
+    <dgm:sp3d/>
+    <dgm:txPr/>
+    <dgm:style>
+      <a:lnRef idx="2">
+        <a:scrgbClr r="0" g="0" b="0"/>
+      </a:lnRef>
+      <a:fillRef idx="1">
+        <a:scrgbClr r="0" g="0" b="0"/>
+      </a:fillRef>
+      <a:effectRef idx="0">
+        <a:scrgbClr r="0" g="0" b="0"/>
+      </a:effectRef>
+      <a:fontRef idx="minor"/>
+    </dgm:style>
+  </dgm:styleLbl>
+  <dgm:styleLbl name="alignImgPlace1">
+    <dgm:scene3d>
+      <a:camera prst="orthographicFront"/>
+      <a:lightRig rig="threePt" dir="t"/>
+    </dgm:scene3d>
+    <dgm:sp3d/>
+    <dgm:txPr/>
+    <dgm:style>
+      <a:lnRef idx="2">
+        <a:scrgbClr r="0" g="0" b="0"/>
+      </a:lnRef>
+      <a:fillRef idx="1">
+        <a:scrgbClr r="0" g="0" b="0"/>
+      </a:fillRef>
+      <a:effectRef idx="0">
+        <a:scrgbClr r="0" g="0" b="0"/>
+      </a:effectRef>
+      <a:fontRef idx="minor"/>
+    </dgm:style>
+  </dgm:styleLbl>
+  <dgm:styleLbl name="bgImgPlace1">
+    <dgm:scene3d>
+      <a:camera prst="orthographicFront"/>
+      <a:lightRig rig="threePt" dir="t"/>
+    </dgm:scene3d>
+    <dgm:sp3d/>
+    <dgm:txPr/>
+    <dgm:style>
+      <a:lnRef idx="2">
+        <a:scrgbClr r="0" g="0" b="0"/>
+      </a:lnRef>
+      <a:fillRef idx="1">
+        <a:scrgbClr r="0" g="0" b="0"/>
+      </a:fillRef>
+      <a:effectRef idx="0">
+        <a:scrgbClr r="0" g="0" b="0"/>
+      </a:effectRef>
+      <a:fontRef idx="minor"/>
+    </dgm:style>
+  </dgm:styleLbl>
+  <dgm:styleLbl name="sibTrans2D1">
+    <dgm:scene3d>
+      <a:camera prst="orthographicFront"/>
+      <a:lightRig rig="threePt" dir="t"/>
+    </dgm:scene3d>
+    <dgm:sp3d/>
+    <dgm:txPr/>
+    <dgm:style>
+      <a:lnRef idx="0">
+        <a:scrgbClr r="0" g="0" b="0"/>
+      </a:lnRef>
+      <a:fillRef idx="1">
+        <a:scrgbClr r="0" g="0" b="0"/>
+      </a:fillRef>
+      <a:effectRef idx="0">
+        <a:scrgbClr r="0" g="0" b="0"/>
+      </a:effectRef>
+      <a:fontRef idx="minor">
+        <a:schemeClr val="lt1"/>
+      </a:fontRef>
+    </dgm:style>
+  </dgm:styleLbl>
+  <dgm:styleLbl name="fgSibTrans2D1">
+    <dgm:scene3d>
+      <a:camera prst="orthographicFront"/>
+      <a:lightRig rig="threePt" dir="t"/>
+    </dgm:scene3d>
+    <dgm:sp3d/>
+    <dgm:txPr/>
+    <dgm:style>
+      <a:lnRef idx="0">
+        <a:scrgbClr r="0" g="0" b="0"/>
+      </a:lnRef>
+      <a:fillRef idx="1">
+        <a:scrgbClr r="0" g="0" b="0"/>
+      </a:fillRef>
+      <a:effectRef idx="0">
+        <a:scrgbClr r="0" g="0" b="0"/>
+      </a:effectRef>
+      <a:fontRef idx="minor">
+        <a:schemeClr val="lt1"/>
+      </a:fontRef>
+    </dgm:style>
+  </dgm:styleLbl>
+  <dgm:styleLbl name="bgSibTrans2D1">
+    <dgm:scene3d>
+      <a:camera prst="orthographicFront"/>
+      <a:lightRig rig="threePt" dir="t"/>
+    </dgm:scene3d>
+    <dgm:sp3d/>
+    <dgm:txPr/>
+    <dgm:style>
+      <a:lnRef idx="0">
+        <a:scrgbClr r="0" g="0" b="0"/>
+      </a:lnRef>
+      <a:fillRef idx="1">
+        <a:scrgbClr r="0" g="0" b="0"/>
+      </a:fillRef>
+      <a:effectRef idx="0">
+        <a:scrgbClr r="0" g="0" b="0"/>
+      </a:effectRef>
+      <a:fontRef idx="minor">
+        <a:schemeClr val="lt1"/>
+      </a:fontRef>
+    </dgm:style>
+  </dgm:styleLbl>
+  <dgm:styleLbl name="sibTrans1D1">
+    <dgm:scene3d>
+      <a:camera prst="orthographicFront"/>
+      <a:lightRig rig="threePt" dir="t"/>
+    </dgm:scene3d>
+    <dgm:sp3d/>
+    <dgm:txPr/>
+    <dgm:style>
+      <a:lnRef idx="1">
+        <a:scrgbClr r="0" g="0" b="0"/>
+      </a:lnRef>
+      <a:fillRef idx="0">
+        <a:scrgbClr r="0" g="0" b="0"/>
+      </a:fillRef>
+      <a:effectRef idx="0">
+        <a:scrgbClr r="0" g="0" b="0"/>
+      </a:effectRef>
+      <a:fontRef idx="minor"/>
+    </dgm:style>
+  </dgm:styleLbl>
+  <dgm:styleLbl name="callout">
+    <dgm:scene3d>
+      <a:camera prst="orthographicFront"/>
+      <a:lightRig rig="threePt" dir="t"/>
+    </dgm:scene3d>
+    <dgm:sp3d/>
+    <dgm:txPr/>
+    <dgm:style>
+      <a:lnRef idx="2">
+        <a:scrgbClr r="0" g="0" b="0"/>
+      </a:lnRef>
+      <a:fillRef idx="1">
+        <a:scrgbClr r="0" g="0" b="0"/>
+      </a:fillRef>
+      <a:effectRef idx="0">
+        <a:scrgbClr r="0" g="0" b="0"/>
+      </a:effectRef>
+      <a:fontRef idx="minor"/>
+    </dgm:style>
+  </dgm:styleLbl>
+  <dgm:styleLbl name="asst0">
+    <dgm:scene3d>
+      <a:camera prst="orthographicFront"/>
+      <a:lightRig rig="threePt" dir="t"/>
+    </dgm:scene3d>
+    <dgm:sp3d/>
+    <dgm:txPr/>
+    <dgm:style>
+      <a:lnRef idx="2">
+        <a:scrgbClr r="0" g="0" b="0"/>
+      </a:lnRef>
+      <a:fillRef idx="1">
+        <a:scrgbClr r="0" g="0" b="0"/>
+      </a:fillRef>
+      <a:effectRef idx="0">
+        <a:scrgbClr r="0" g="0" b="0"/>
+      </a:effectRef>
+      <a:fontRef idx="minor">
+        <a:schemeClr val="lt1"/>
+      </a:fontRef>
+    </dgm:style>
+  </dgm:styleLbl>
+  <dgm:styleLbl name="asst1">
+    <dgm:scene3d>
+      <a:camera prst="orthographicFront"/>
+      <a:lightRig rig="threePt" dir="t"/>
+    </dgm:scene3d>
+    <dgm:sp3d/>
+    <dgm:txPr/>
+    <dgm:style>
+      <a:lnRef idx="2">
+        <a:scrgbClr r="0" g="0" b="0"/>
+      </a:lnRef>
+      <a:fillRef idx="1">
+        <a:scrgbClr r="0" g="0" b="0"/>
+      </a:fillRef>
+      <a:effectRef idx="0">
+        <a:scrgbClr r="0" g="0" b="0"/>
+      </a:effectRef>
+      <a:fontRef idx="minor">
+        <a:schemeClr val="lt1"/>
+      </a:fontRef>
+    </dgm:style>
+  </dgm:styleLbl>
+  <dgm:styleLbl name="asst2">
+    <dgm:scene3d>
+      <a:camera prst="orthographicFront"/>
+      <a:lightRig rig="threePt" dir="t"/>
+    </dgm:scene3d>
+    <dgm:sp3d/>
+    <dgm:txPr/>
+    <dgm:style>
+      <a:lnRef idx="2">
+        <a:scrgbClr r="0" g="0" b="0"/>
+      </a:lnRef>
+      <a:fillRef idx="1">
+        <a:scrgbClr r="0" g="0" b="0"/>
+      </a:fillRef>
+      <a:effectRef idx="0">
+        <a:scrgbClr r="0" g="0" b="0"/>
+      </a:effectRef>
+      <a:fontRef idx="minor">
+        <a:schemeClr val="lt1"/>
+      </a:fontRef>
+    </dgm:style>
+  </dgm:styleLbl>
+  <dgm:styleLbl name="asst3">
+    <dgm:scene3d>
+      <a:camera prst="orthographicFront"/>
+      <a:lightRig rig="threePt" dir="t"/>
+    </dgm:scene3d>
+    <dgm:sp3d/>
+    <dgm:txPr/>
+    <dgm:style>
+      <a:lnRef idx="2">
+        <a:scrgbClr r="0" g="0" b="0"/>
+      </a:lnRef>
+      <a:fillRef idx="1">
+        <a:scrgbClr r="0" g="0" b="0"/>
+      </a:fillRef>
+      <a:effectRef idx="0">
+        <a:scrgbClr r="0" g="0" b="0"/>
+      </a:effectRef>
+      <a:fontRef idx="minor">
+        <a:schemeClr val="lt1"/>
+      </a:fontRef>
+    </dgm:style>
+  </dgm:styleLbl>
+  <dgm:styleLbl name="asst4">
+    <dgm:scene3d>
+      <a:camera prst="orthographicFront"/>
+      <a:lightRig rig="threePt" dir="t"/>
+    </dgm:scene3d>
+    <dgm:sp3d/>
+    <dgm:txPr/>
+    <dgm:style>
+      <a:lnRef idx="2">
+        <a:scrgbClr r="0" g="0" b="0"/>
+      </a:lnRef>
+      <a:fillRef idx="1">
+        <a:scrgbClr r="0" g="0" b="0"/>
+      </a:fillRef>
+      <a:effectRef idx="0">
+        <a:scrgbClr r="0" g="0" b="0"/>
+      </a:effectRef>
+      <a:fontRef idx="minor">
+        <a:schemeClr val="lt1"/>
+      </a:fontRef>
+    </dgm:style>
+  </dgm:styleLbl>
+  <dgm:styleLbl name="parChTrans2D1">
+    <dgm:scene3d>
+      <a:camera prst="orthographicFront"/>
+      <a:lightRig rig="threePt" dir="t"/>
+    </dgm:scene3d>
+    <dgm:sp3d/>
+    <dgm:txPr/>
+    <dgm:style>
+      <a:lnRef idx="2">
+        <a:scrgbClr r="0" g="0" b="0"/>
+      </a:lnRef>
+      <a:fillRef idx="1">
+        <a:scrgbClr r="0" g="0" b="0"/>
+      </a:fillRef>
+      <a:effectRef idx="0">
+        <a:scrgbClr r="0" g="0" b="0"/>
+      </a:effectRef>
+      <a:fontRef idx="minor">
+        <a:schemeClr val="lt1"/>
+      </a:fontRef>
+    </dgm:style>
+  </dgm:styleLbl>
+  <dgm:styleLbl name="parChTrans2D2">
+    <dgm:scene3d>
+      <a:camera prst="orthographicFront"/>
+      <a:lightRig rig="threePt" dir="t"/>
+    </dgm:scene3d>
+    <dgm:sp3d/>
+    <dgm:txPr/>
+    <dgm:style>
+      <a:lnRef idx="2">
+        <a:scrgbClr r="0" g="0" b="0"/>
+      </a:lnRef>
+      <a:fillRef idx="1">
+        <a:scrgbClr r="0" g="0" b="0"/>
+      </a:fillRef>
+      <a:effectRef idx="0">
+        <a:scrgbClr r="0" g="0" b="0"/>
+      </a:effectRef>
+      <a:fontRef idx="minor">
+        <a:schemeClr val="lt1"/>
+      </a:fontRef>
+    </dgm:style>
+  </dgm:styleLbl>
+  <dgm:styleLbl name="parChTrans2D3">
+    <dgm:scene3d>
+      <a:camera prst="orthographicFront"/>
+      <a:lightRig rig="threePt" dir="t"/>
+    </dgm:scene3d>
+    <dgm:sp3d/>
+    <dgm:txPr/>
+    <dgm:style>
+      <a:lnRef idx="2">
+        <a:scrgbClr r="0" g="0" b="0"/>
+      </a:lnRef>
+      <a:fillRef idx="1">
+        <a:scrgbClr r="0" g="0" b="0"/>
+      </a:fillRef>
+      <a:effectRef idx="0">
+        <a:scrgbClr r="0" g="0" b="0"/>
+      </a:effectRef>
+      <a:fontRef idx="minor">
+        <a:schemeClr val="lt1"/>
+      </a:fontRef>
+    </dgm:style>
+  </dgm:styleLbl>
+  <dgm:styleLbl name="parChTrans2D4">
+    <dgm:scene3d>
+      <a:camera prst="orthographicFront"/>
+      <a:lightRig rig="threePt" dir="t"/>
+    </dgm:scene3d>
+    <dgm:sp3d/>
+    <dgm:txPr/>
+    <dgm:style>
+      <a:lnRef idx="2">
+        <a:scrgbClr r="0" g="0" b="0"/>
+      </a:lnRef>
+      <a:fillRef idx="1">
+        <a:scrgbClr r="0" g="0" b="0"/>
+      </a:fillRef>
+      <a:effectRef idx="0">
+        <a:scrgbClr r="0" g="0" b="0"/>
+      </a:effectRef>
+      <a:fontRef idx="minor">
+        <a:schemeClr val="lt1"/>
+      </a:fontRef>
+    </dgm:style>
+  </dgm:styleLbl>
+  <dgm:styleLbl name="parChTrans1D1">
+    <dgm:scene3d>
+      <a:camera prst="orthographicFront"/>
+      <a:lightRig rig="threePt" dir="t"/>
+    </dgm:scene3d>
+    <dgm:sp3d/>
+    <dgm:txPr/>
+    <dgm:style>
+      <a:lnRef idx="2">
+        <a:scrgbClr r="0" g="0" b="0"/>
+      </a:lnRef>
+      <a:fillRef idx="0">
+        <a:scrgbClr r="0" g="0" b="0"/>
+      </a:fillRef>
+      <a:effectRef idx="0">
+        <a:scrgbClr r="0" g="0" b="0"/>
+      </a:effectRef>
+      <a:fontRef idx="minor"/>
+    </dgm:style>
+  </dgm:styleLbl>
+  <dgm:styleLbl name="parChTrans1D2">
+    <dgm:scene3d>
+      <a:camera prst="orthographicFront"/>
+      <a:lightRig rig="threePt" dir="t"/>
+    </dgm:scene3d>
+    <dgm:sp3d/>
+    <dgm:txPr/>
+    <dgm:style>
+      <a:lnRef idx="2">
+        <a:scrgbClr r="0" g="0" b="0"/>
+      </a:lnRef>
+      <a:fillRef idx="0">
+        <a:scrgbClr r="0" g="0" b="0"/>
+      </a:fillRef>
+      <a:effectRef idx="0">
+        <a:scrgbClr r="0" g="0" b="0"/>
+      </a:effectRef>
+      <a:fontRef idx="minor"/>
+    </dgm:style>
+  </dgm:styleLbl>
+  <dgm:styleLbl name="parChTrans1D3">
+    <dgm:scene3d>
+      <a:camera prst="orthographicFront"/>
+      <a:lightRig rig="threePt" dir="t"/>
+    </dgm:scene3d>
+    <dgm:sp3d/>
+    <dgm:txPr/>
+    <dgm:style>
+      <a:lnRef idx="2">
+        <a:scrgbClr r="0" g="0" b="0"/>
+      </a:lnRef>
+      <a:fillRef idx="0">
+        <a:scrgbClr r="0" g="0" b="0"/>
+      </a:fillRef>
+      <a:effectRef idx="0">
+        <a:scrgbClr r="0" g="0" b="0"/>
+      </a:effectRef>
+      <a:fontRef idx="minor"/>
+    </dgm:style>
+  </dgm:styleLbl>
+  <dgm:styleLbl name="parChTrans1D4">
+    <dgm:scene3d>
+      <a:camera prst="orthographicFront"/>
+      <a:lightRig rig="threePt" dir="t"/>
+    </dgm:scene3d>
+    <dgm:sp3d/>
+    <dgm:txPr/>
+    <dgm:style>
+      <a:lnRef idx="2">
+        <a:scrgbClr r="0" g="0" b="0"/>
+      </a:lnRef>
+      <a:fillRef idx="0">
+        <a:scrgbClr r="0" g="0" b="0"/>
+      </a:fillRef>
+      <a:effectRef idx="0">
+        <a:scrgbClr r="0" g="0" b="0"/>
+      </a:effectRef>
+      <a:fontRef idx="minor"/>
+    </dgm:style>
+  </dgm:styleLbl>
+  <dgm:styleLbl name="fgAcc1">
+    <dgm:scene3d>
+      <a:camera prst="orthographicFront"/>
+      <a:lightRig rig="threePt" dir="t"/>
+    </dgm:scene3d>
+    <dgm:sp3d/>
+    <dgm:txPr/>
+    <dgm:style>
+      <a:lnRef idx="2">
+        <a:scrgbClr r="0" g="0" b="0"/>
+      </a:lnRef>
+      <a:fillRef idx="1">
+        <a:scrgbClr r="0" g="0" b="0"/>
+      </a:fillRef>
+      <a:effectRef idx="0">
+        <a:scrgbClr r="0" g="0" b="0"/>
+      </a:effectRef>
+      <a:fontRef idx="minor"/>
+    </dgm:style>
+  </dgm:styleLbl>
+  <dgm:styleLbl name="conFgAcc1">
+    <dgm:scene3d>
+      <a:camera prst="orthographicFront"/>
+      <a:lightRig rig="threePt" dir="t"/>
+    </dgm:scene3d>
+    <dgm:sp3d/>
+    <dgm:txPr/>
+    <dgm:style>
+      <a:lnRef idx="2">
+        <a:scrgbClr r="0" g="0" b="0"/>
+      </a:lnRef>
+      <a:fillRef idx="1">
+        <a:scrgbClr r="0" g="0" b="0"/>
+      </a:fillRef>
+      <a:effectRef idx="0">
+        <a:scrgbClr r="0" g="0" b="0"/>
+      </a:effectRef>
+      <a:fontRef idx="minor"/>
+    </dgm:style>
+  </dgm:styleLbl>
+  <dgm:styleLbl name="alignAcc1">
+    <dgm:scene3d>
+      <a:camera prst="orthographicFront"/>
+      <a:lightRig rig="threePt" dir="t"/>
+    </dgm:scene3d>
+    <dgm:sp3d/>
+    <dgm:txPr/>
+    <dgm:style>
+      <a:lnRef idx="2">
+        <a:scrgbClr r="0" g="0" b="0"/>
+      </a:lnRef>
+      <a:fillRef idx="1">
+        <a:scrgbClr r="0" g="0" b="0"/>
+      </a:fillRef>
+      <a:effectRef idx="0">
+        <a:scrgbClr r="0" g="0" b="0"/>
+      </a:effectRef>
+      <a:fontRef idx="minor"/>
+    </dgm:style>
+  </dgm:styleLbl>
+  <dgm:styleLbl name="trAlignAcc1">
+    <dgm:scene3d>
+      <a:camera prst="orthographicFront"/>
+      <a:lightRig rig="threePt" dir="t"/>
+    </dgm:scene3d>
+    <dgm:sp3d/>
+    <dgm:txPr/>
+    <dgm:style>
+      <a:lnRef idx="1">
+        <a:scrgbClr r="0" g="0" b="0"/>
+      </a:lnRef>
+      <a:fillRef idx="1">
+        <a:scrgbClr r="0" g="0" b="0"/>
+      </a:fillRef>
+      <a:effectRef idx="0">
+        <a:scrgbClr r="0" g="0" b="0"/>
+      </a:effectRef>
+      <a:fontRef idx="minor"/>
+    </dgm:style>
+  </dgm:styleLbl>
+  <dgm:styleLbl name="bgAcc1">
+    <dgm:scene3d>
+      <a:camera prst="orthographicFront"/>
+      <a:lightRig rig="threePt" dir="t"/>
+    </dgm:scene3d>
+    <dgm:sp3d/>
+    <dgm:txPr/>
+    <dgm:style>
+      <a:lnRef idx="2">
+        <a:scrgbClr r="0" g="0" b="0"/>
+      </a:lnRef>
+      <a:fillRef idx="1">
+        <a:scrgbClr r="0" g="0" b="0"/>
+      </a:fillRef>
+      <a:effectRef idx="0">
+        <a:scrgbClr r="0" g="0" b="0"/>
+      </a:effectRef>
+      <a:fontRef idx="minor"/>
+    </dgm:style>
+  </dgm:styleLbl>
+  <dgm:styleLbl name="solidFgAcc1">
+    <dgm:scene3d>
+      <a:camera prst="orthographicFront"/>
+      <a:lightRig rig="threePt" dir="t"/>
+    </dgm:scene3d>
+    <dgm:sp3d/>
+    <dgm:txPr/>
+    <dgm:style>
+      <a:lnRef idx="2">
+        <a:scrgbClr r="0" g="0" b="0"/>
+      </a:lnRef>
+      <a:fillRef idx="1">
+        <a:scrgbClr r="0" g="0" b="0"/>
+      </a:fillRef>
+      <a:effectRef idx="0">
+        <a:scrgbClr r="0" g="0" b="0"/>
+      </a:effectRef>
+      <a:fontRef idx="minor"/>
+    </dgm:style>
+  </dgm:styleLbl>
+  <dgm:styleLbl name="solidAlignAcc1">
+    <dgm:scene3d>
+      <a:camera prst="orthographicFront"/>
+      <a:lightRig rig="threePt" dir="t"/>
+    </dgm:scene3d>
+    <dgm:sp3d/>
+    <dgm:txPr/>
+    <dgm:style>
+      <a:lnRef idx="2">
+        <a:scrgbClr r="0" g="0" b="0"/>
+      </a:lnRef>
+      <a:fillRef idx="1">
+        <a:scrgbClr r="0" g="0" b="0"/>
+      </a:fillRef>
+      <a:effectRef idx="0">
+        <a:scrgbClr r="0" g="0" b="0"/>
+      </a:effectRef>
+      <a:fontRef idx="minor"/>
+    </dgm:style>
+  </dgm:styleLbl>
+  <dgm:styleLbl name="solidBgAcc1">
+    <dgm:scene3d>
+      <a:camera prst="orthographicFront"/>
+      <a:lightRig rig="threePt" dir="t"/>
+    </dgm:scene3d>
+    <dgm:sp3d/>
+    <dgm:txPr/>
+    <dgm:style>
+      <a:lnRef idx="2">
+        <a:scrgbClr r="0" g="0" b="0"/>
+      </a:lnRef>
+      <a:fillRef idx="1">
+        <a:scrgbClr r="0" g="0" b="0"/>
+      </a:fillRef>
+      <a:effectRef idx="0">
+        <a:scrgbClr r="0" g="0" b="0"/>
+      </a:effectRef>
+      <a:fontRef idx="minor"/>
+    </dgm:style>
+  </dgm:styleLbl>
+  <dgm:styleLbl name="fgAccFollowNode1">
+    <dgm:scene3d>
+      <a:camera prst="orthographicFront"/>
+      <a:lightRig rig="threePt" dir="t"/>
+    </dgm:scene3d>
+    <dgm:sp3d/>
+    <dgm:txPr/>
+    <dgm:style>
+      <a:lnRef idx="2">
+        <a:scrgbClr r="0" g="0" b="0"/>
+      </a:lnRef>
+      <a:fillRef idx="1">
+        <a:scrgbClr r="0" g="0" b="0"/>
+      </a:fillRef>
+      <a:effectRef idx="0">
+        <a:scrgbClr r="0" g="0" b="0"/>
+      </a:effectRef>
+      <a:fontRef idx="minor"/>
+    </dgm:style>
+  </dgm:styleLbl>
+  <dgm:styleLbl name="alignAccFollowNode1">
+    <dgm:scene3d>
+      <a:camera prst="orthographicFront"/>
+      <a:lightRig rig="threePt" dir="t"/>
+    </dgm:scene3d>
+    <dgm:sp3d/>
+    <dgm:txPr/>
+    <dgm:style>
+      <a:lnRef idx="2">
+        <a:scrgbClr r="0" g="0" b="0"/>
+      </a:lnRef>
+      <a:fillRef idx="1">
+        <a:scrgbClr r="0" g="0" b="0"/>
+      </a:fillRef>
+      <a:effectRef idx="0">
+        <a:scrgbClr r="0" g="0" b="0"/>
+      </a:effectRef>
+      <a:fontRef idx="minor"/>
+    </dgm:style>
+  </dgm:styleLbl>
+  <dgm:styleLbl name="bgAccFollowNode1">
+    <dgm:scene3d>
+      <a:camera prst="orthographicFront"/>
+      <a:lightRig rig="threePt" dir="t"/>
+    </dgm:scene3d>
+    <dgm:sp3d/>
+    <dgm:txPr/>
+    <dgm:style>
+      <a:lnRef idx="2">
+        <a:scrgbClr r="0" g="0" b="0"/>
+      </a:lnRef>
+      <a:fillRef idx="1">
+        <a:scrgbClr r="0" g="0" b="0"/>
+      </a:fillRef>
+      <a:effectRef idx="0">
+        <a:scrgbClr r="0" g="0" b="0"/>
+      </a:effectRef>
+      <a:fontRef idx="minor"/>
+    </dgm:style>
+  </dgm:styleLbl>
+  <dgm:styleLbl name="fgAcc0">
+    <dgm:scene3d>
+      <a:camera prst="orthographicFront"/>
+      <a:lightRig rig="threePt" dir="t"/>
+    </dgm:scene3d>
+    <dgm:sp3d/>
+    <dgm:txPr/>
+    <dgm:style>
+      <a:lnRef idx="2">
+        <a:scrgbClr r="0" g="0" b="0"/>
+      </a:lnRef>
+      <a:fillRef idx="1">
+        <a:scrgbClr r="0" g="0" b="0"/>
+      </a:fillRef>
+      <a:effectRef idx="0">
+        <a:scrgbClr r="0" g="0" b="0"/>
+      </a:effectRef>
+      <a:fontRef idx="minor"/>
+    </dgm:style>
+  </dgm:styleLbl>
+  <dgm:styleLbl name="fgAcc2">
+    <dgm:scene3d>
+      <a:camera prst="orthographicFront"/>
+      <a:lightRig rig="threePt" dir="t"/>
+    </dgm:scene3d>
+    <dgm:sp3d/>
+    <dgm:txPr/>
+    <dgm:style>
+      <a:lnRef idx="2">
+        <a:scrgbClr r="0" g="0" b="0"/>
+      </a:lnRef>
+      <a:fillRef idx="1">
+        <a:scrgbClr r="0" g="0" b="0"/>
+      </a:fillRef>
+      <a:effectRef idx="0">
+        <a:scrgbClr r="0" g="0" b="0"/>
+      </a:effectRef>
+      <a:fontRef idx="minor"/>
+    </dgm:style>
+  </dgm:styleLbl>
+  <dgm:styleLbl name="fgAcc3">
+    <dgm:scene3d>
+      <a:camera prst="orthographicFront"/>
+      <a:lightRig rig="threePt" dir="t"/>
+    </dgm:scene3d>
+    <dgm:sp3d/>
+    <dgm:txPr/>
+    <dgm:style>
+      <a:lnRef idx="2">
+        <a:scrgbClr r="0" g="0" b="0"/>
+      </a:lnRef>
+      <a:fillRef idx="1">
+        <a:scrgbClr r="0" g="0" b="0"/>
+      </a:fillRef>
+      <a:effectRef idx="0">
+        <a:scrgbClr r="0" g="0" b="0"/>
+      </a:effectRef>
+      <a:fontRef idx="minor"/>
+    </dgm:style>
+  </dgm:styleLbl>
+  <dgm:styleLbl name="fgAcc4">
+    <dgm:scene3d>
+      <a:camera prst="orthographicFront"/>
+      <a:lightRig rig="threePt" dir="t"/>
+    </dgm:scene3d>
+    <dgm:sp3d/>
+    <dgm:txPr/>
+    <dgm:style>
+      <a:lnRef idx="2">
+        <a:scrgbClr r="0" g="0" b="0"/>
+      </a:lnRef>
+      <a:fillRef idx="1">
+        <a:scrgbClr r="0" g="0" b="0"/>
+      </a:fillRef>
+      <a:effectRef idx="0">
+        <a:scrgbClr r="0" g="0" b="0"/>
+      </a:effectRef>
+      <a:fontRef idx="minor"/>
+    </dgm:style>
+  </dgm:styleLbl>
+  <dgm:styleLbl name="bgShp">
+    <dgm:scene3d>
+      <a:camera prst="orthographicFront"/>
+      <a:lightRig rig="threePt" dir="t"/>
+    </dgm:scene3d>
+    <dgm:sp3d/>
+    <dgm:txPr/>
+    <dgm:style>
+      <a:lnRef idx="0">
+        <a:scrgbClr r="0" g="0" b="0"/>
+      </a:lnRef>
+      <a:fillRef idx="1">
+        <a:scrgbClr r="0" g="0" b="0"/>
+      </a:fillRef>
+      <a:effectRef idx="0">
+        <a:scrgbClr r="0" g="0" b="0"/>
+      </a:effectRef>
+      <a:fontRef idx="minor"/>
+    </dgm:style>
+  </dgm:styleLbl>
+  <dgm:styleLbl name="dkBgShp">
+    <dgm:scene3d>
+      <a:camera prst="orthographicFront"/>
+      <a:lightRig rig="threePt" dir="t"/>
+    </dgm:scene3d>
+    <dgm:sp3d/>
+    <dgm:txPr/>
+    <dgm:style>
+      <a:lnRef idx="0">
+        <a:scrgbClr r="0" g="0" b="0"/>
+      </a:lnRef>
+      <a:fillRef idx="1">
+        <a:scrgbClr r="0" g="0" b="0"/>
+      </a:fillRef>
+      <a:effectRef idx="0">
+        <a:scrgbClr r="0" g="0" b="0"/>
+      </a:effectRef>
+      <a:fontRef idx="minor"/>
+    </dgm:style>
+  </dgm:styleLbl>
+  <dgm:styleLbl name="trBgShp">
+    <dgm:scene3d>
+      <a:camera prst="orthographicFront"/>
+      <a:lightRig rig="threePt" dir="t"/>
+    </dgm:scene3d>
+    <dgm:sp3d/>
+    <dgm:txPr/>
+    <dgm:style>
+      <a:lnRef idx="0">
+        <a:scrgbClr r="0" g="0" b="0"/>
+      </a:lnRef>
+      <a:fillRef idx="1">
+        <a:scrgbClr r="0" g="0" b="0"/>
+      </a:fillRef>
+      <a:effectRef idx="0">
+        <a:scrgbClr r="0" g="0" b="0"/>
+      </a:effectRef>
+      <a:fontRef idx="minor"/>
+    </dgm:style>
+  </dgm:styleLbl>
+  <dgm:styleLbl name="fgShp">
+    <dgm:scene3d>
+      <a:camera prst="orthographicFront"/>
+      <a:lightRig rig="threePt" dir="t"/>
+    </dgm:scene3d>
+    <dgm:sp3d/>
+    <dgm:txPr/>
+    <dgm:style>
+      <a:lnRef idx="2">
+        <a:scrgbClr r="0" g="0" b="0"/>
+      </a:lnRef>
+      <a:fillRef idx="1">
+        <a:scrgbClr r="0" g="0" b="0"/>
+      </a:fillRef>
+      <a:effectRef idx="0">
+        <a:scrgbClr r="0" g="0" b="0"/>
+      </a:effectRef>
+      <a:fontRef idx="minor"/>
+    </dgm:style>
+  </dgm:styleLbl>
+  <dgm:styleLbl name="revTx">
+    <dgm:scene3d>
+      <a:camera prst="orthographicFront"/>
+      <a:lightRig rig="threePt" dir="t"/>
+    </dgm:scene3d>
+    <dgm:sp3d/>
+    <dgm:txPr/>
+    <dgm:style>
+      <a:lnRef idx="0">
+        <a:scrgbClr r="0" g="0" b="0"/>
+      </a:lnRef>
+      <a:fillRef idx="0">
+        <a:scrgbClr r="0" g="0" b="0"/>
+      </a:fillRef>
+      <a:effectRef idx="0">
+        <a:scrgbClr r="0" g="0" b="0"/>
+      </a:effectRef>
+      <a:fontRef idx="minor"/>
+    </dgm:style>
+  </dgm:styleLbl>
+</dgm:styleDef>
 </file>
 
 <file path=ppt/slideLayouts/slideLayout1.xml><?xml version="1.0" encoding="utf-8"?>
@@ -299,7 +7002,7 @@
             <a:fld id="{B61BEF0D-F0BB-DE4B-95CE-6DB70DBA9567}" type="datetimeFigureOut">
               <a:rPr lang="en-US" dirty="0"/>
               <a:pPr/>
-              <a:t>6/8/2015</a:t>
+              <a:t>6/9/2015</a:t>
             </a:fld>
             <a:endParaRPr lang="en-US" dirty="0"/>
           </a:p>
@@ -634,7 +7337,7 @@
             <a:fld id="{B61BEF0D-F0BB-DE4B-95CE-6DB70DBA9567}" type="datetimeFigureOut">
               <a:rPr lang="en-US" dirty="0"/>
               <a:pPr/>
-              <a:t>6/8/2015</a:t>
+              <a:t>6/9/2015</a:t>
             </a:fld>
             <a:endParaRPr lang="en-US" dirty="0"/>
           </a:p>
@@ -1032,7 +7735,7 @@
             <a:fld id="{B61BEF0D-F0BB-DE4B-95CE-6DB70DBA9567}" type="datetimeFigureOut">
               <a:rPr lang="en-US" dirty="0"/>
               <a:pPr/>
-              <a:t>6/8/2015</a:t>
+              <a:t>6/9/2015</a:t>
             </a:fld>
             <a:endParaRPr lang="en-US" dirty="0"/>
           </a:p>
@@ -1365,7 +8068,7 @@
             <a:fld id="{B61BEF0D-F0BB-DE4B-95CE-6DB70DBA9567}" type="datetimeFigureOut">
               <a:rPr lang="en-US" dirty="0"/>
               <a:pPr/>
-              <a:t>6/8/2015</a:t>
+              <a:t>6/9/2015</a:t>
             </a:fld>
             <a:endParaRPr lang="en-US" dirty="0"/>
           </a:p>
@@ -1682,7 +8385,7 @@
             <a:fld id="{B61BEF0D-F0BB-DE4B-95CE-6DB70DBA9567}" type="datetimeFigureOut">
               <a:rPr lang="en-US" dirty="0"/>
               <a:pPr/>
-              <a:t>6/8/2015</a:t>
+              <a:t>6/9/2015</a:t>
             </a:fld>
             <a:endParaRPr lang="en-US" dirty="0"/>
           </a:p>
@@ -2075,7 +8778,7 @@
             <a:fld id="{B61BEF0D-F0BB-DE4B-95CE-6DB70DBA9567}" type="datetimeFigureOut">
               <a:rPr lang="en-US" dirty="0"/>
               <a:pPr/>
-              <a:t>6/8/2015</a:t>
+              <a:t>6/9/2015</a:t>
             </a:fld>
             <a:endParaRPr lang="en-US" dirty="0"/>
           </a:p>
@@ -2329,7 +9032,7 @@
             <a:fld id="{B61BEF0D-F0BB-DE4B-95CE-6DB70DBA9567}" type="datetimeFigureOut">
               <a:rPr lang="en-US" dirty="0"/>
               <a:pPr/>
-              <a:t>6/8/2015</a:t>
+              <a:t>6/9/2015</a:t>
             </a:fld>
             <a:endParaRPr lang="en-US" dirty="0"/>
           </a:p>
@@ -2588,7 +9291,7 @@
             <a:fld id="{B61BEF0D-F0BB-DE4B-95CE-6DB70DBA9567}" type="datetimeFigureOut">
               <a:rPr lang="en-US" dirty="0"/>
               <a:pPr/>
-              <a:t>6/8/2015</a:t>
+              <a:t>6/9/2015</a:t>
             </a:fld>
             <a:endParaRPr lang="en-US" dirty="0"/>
           </a:p>
@@ -2847,7 +9550,7 @@
             <a:fld id="{B61BEF0D-F0BB-DE4B-95CE-6DB70DBA9567}" type="datetimeFigureOut">
               <a:rPr lang="en-US" dirty="0"/>
               <a:pPr/>
-              <a:t>6/8/2015</a:t>
+              <a:t>6/9/2015</a:t>
             </a:fld>
             <a:endParaRPr lang="en-US" dirty="0"/>
           </a:p>
@@ -3173,7 +9876,7 @@
             <a:fld id="{B61BEF0D-F0BB-DE4B-95CE-6DB70DBA9567}" type="datetimeFigureOut">
               <a:rPr lang="en-US" dirty="0"/>
               <a:pPr/>
-              <a:t>6/8/2015</a:t>
+              <a:t>6/9/2015</a:t>
             </a:fld>
             <a:endParaRPr lang="en-US" dirty="0"/>
           </a:p>
@@ -3493,7 +10196,7 @@
             <a:fld id="{B61BEF0D-F0BB-DE4B-95CE-6DB70DBA9567}" type="datetimeFigureOut">
               <a:rPr lang="en-US" dirty="0"/>
               <a:pPr/>
-              <a:t>6/8/2015</a:t>
+              <a:t>6/9/2015</a:t>
             </a:fld>
             <a:endParaRPr lang="en-US" dirty="0"/>
           </a:p>
@@ -3947,7 +10650,7 @@
             <a:fld id="{B61BEF0D-F0BB-DE4B-95CE-6DB70DBA9567}" type="datetimeFigureOut">
               <a:rPr lang="en-US" dirty="0"/>
               <a:pPr/>
-              <a:t>6/8/2015</a:t>
+              <a:t>6/9/2015</a:t>
             </a:fld>
             <a:endParaRPr lang="en-US" dirty="0"/>
           </a:p>
@@ -4149,7 +10852,7 @@
             <a:fld id="{B61BEF0D-F0BB-DE4B-95CE-6DB70DBA9567}" type="datetimeFigureOut">
               <a:rPr lang="en-US" dirty="0"/>
               <a:pPr/>
-              <a:t>6/8/2015</a:t>
+              <a:t>6/9/2015</a:t>
             </a:fld>
             <a:endParaRPr lang="en-US" dirty="0"/>
           </a:p>
@@ -4323,7 +11026,7 @@
             <a:fld id="{B61BEF0D-F0BB-DE4B-95CE-6DB70DBA9567}" type="datetimeFigureOut">
               <a:rPr lang="en-US" dirty="0"/>
               <a:pPr/>
-              <a:t>6/8/2015</a:t>
+              <a:t>6/9/2015</a:t>
             </a:fld>
             <a:endParaRPr lang="en-US" dirty="0"/>
           </a:p>
@@ -4653,7 +11356,7 @@
             <a:fld id="{B61BEF0D-F0BB-DE4B-95CE-6DB70DBA9567}" type="datetimeFigureOut">
               <a:rPr lang="en-US" dirty="0"/>
               <a:pPr/>
-              <a:t>6/8/2015</a:t>
+              <a:t>6/9/2015</a:t>
             </a:fld>
             <a:endParaRPr lang="en-US" dirty="0"/>
           </a:p>
@@ -4995,7 +11698,7 @@
             <a:fld id="{B61BEF0D-F0BB-DE4B-95CE-6DB70DBA9567}" type="datetimeFigureOut">
               <a:rPr lang="en-US" dirty="0"/>
               <a:pPr/>
-              <a:t>6/8/2015</a:t>
+              <a:t>6/9/2015</a:t>
             </a:fld>
             <a:endParaRPr lang="en-US" dirty="0"/>
           </a:p>
@@ -7109,7 +13812,7 @@
             <a:fld id="{B61BEF0D-F0BB-DE4B-95CE-6DB70DBA9567}" type="datetimeFigureOut">
               <a:rPr lang="en-US" dirty="0"/>
               <a:pPr/>
-              <a:t>6/8/2015</a:t>
+              <a:t>6/9/2015</a:t>
             </a:fld>
             <a:endParaRPr lang="en-US" dirty="0"/>
           </a:p>
@@ -7725,44 +14428,194 @@
         </p:nvSpPr>
         <p:spPr/>
         <p:txBody>
-          <a:bodyPr/>
+          <a:bodyPr>
+            <a:normAutofit/>
+          </a:bodyPr>
           <a:lstStyle/>
           <a:p>
             <a:r>
-              <a:rPr lang="zh-CN" altLang="en-US" dirty="0" smtClean="0"/>
-              <a:t>核心课题与研究方法</a:t>
-            </a:r>
-            <a:endParaRPr lang="zh-CN" altLang="en-US" dirty="0"/>
+              <a:rPr lang="zh-CN" altLang="en-US" sz="3200" dirty="0" smtClean="0"/>
+              <a:t>旅行商问题</a:t>
+            </a:r>
+            <a:endParaRPr lang="zh-CN" altLang="en-US" sz="3200" dirty="0"/>
           </a:p>
         </p:txBody>
       </p:sp>
       <p:sp>
         <p:nvSpPr>
-          <p:cNvPr id="3" name="内容占位符 2"/>
+          <p:cNvPr id="4" name="文本占位符 3"/>
           <p:cNvSpPr>
             <a:spLocks noGrp="1"/>
           </p:cNvSpPr>
           <p:nvPr>
-            <p:ph idx="1"/>
+            <p:ph type="body" sz="half" idx="2"/>
           </p:nvPr>
         </p:nvSpPr>
         <p:spPr/>
         <p:txBody>
-          <a:bodyPr/>
+          <a:bodyPr>
+            <a:noAutofit/>
+          </a:bodyPr>
           <a:lstStyle/>
           <a:p>
             <a:r>
-              <a:rPr lang="zh-CN" altLang="en-US" smtClean="0"/>
-              <a:t>本文</a:t>
+              <a:rPr lang="zh-CN" altLang="en-US" dirty="0"/>
+              <a:t> </a:t>
+            </a:r>
+            <a:r>
+              <a:rPr lang="en-US" altLang="zh-CN" dirty="0"/>
+              <a:t>	</a:t>
+            </a:r>
+            <a:r>
+              <a:rPr lang="en-US" altLang="zh-CN" dirty="0" smtClean="0"/>
+              <a:t>TSP</a:t>
+            </a:r>
+            <a:r>
+              <a:rPr lang="zh-CN" altLang="en-US" dirty="0"/>
+              <a:t>问题（</a:t>
+            </a:r>
+            <a:r>
+              <a:rPr lang="en-US" altLang="zh-CN" dirty="0"/>
+              <a:t>Traveling Salesman Problem</a:t>
+            </a:r>
+            <a:r>
+              <a:rPr lang="zh-CN" altLang="en-US" dirty="0"/>
+              <a:t>，又称旅行商问题、货郎担问题），是数学领域中的一个著名问题。该问题的描述为：一个旅行商欲不重复无遗漏的路过 个城市并最终回到起点，怎样设计路线使得其行程达到最短。其数学语言描述即：在一个节点数为 的带权无向完全图中，如何构造一条哈密顿回路，使其经过路径的权重和最小</a:t>
+            </a:r>
+            <a:r>
+              <a:rPr lang="zh-CN" altLang="en-US" dirty="0" smtClean="0"/>
+              <a:t>。</a:t>
+            </a:r>
+            <a:endParaRPr lang="en-US" altLang="zh-CN" dirty="0" smtClean="0"/>
+          </a:p>
+          <a:p>
+            <a:r>
+              <a:rPr lang="en-US" altLang="zh-CN" dirty="0" smtClean="0"/>
+              <a:t>	TSP</a:t>
+            </a:r>
+            <a:r>
+              <a:rPr lang="zh-CN" altLang="zh-CN" dirty="0"/>
+              <a:t>问题已被证明是一个</a:t>
+            </a:r>
+            <a:r>
+              <a:rPr lang="en-US" altLang="zh-CN" dirty="0"/>
+              <a:t>NP</a:t>
+            </a:r>
+            <a:r>
+              <a:rPr lang="zh-CN" altLang="zh-CN" dirty="0"/>
+              <a:t>问题，也即是说无法找到一个有效的算法，能够在多项式的时间复杂度以内找到问题的精确解。因此，对于大规模的</a:t>
+            </a:r>
+            <a:r>
+              <a:rPr lang="en-US" altLang="zh-CN" dirty="0"/>
+              <a:t>TSP</a:t>
+            </a:r>
+            <a:r>
+              <a:rPr lang="zh-CN" altLang="zh-CN" dirty="0"/>
+              <a:t>问题，人们往往采用近似算法以得到问题的较优解。</a:t>
             </a:r>
             <a:endParaRPr lang="zh-CN" altLang="en-US" dirty="0"/>
           </a:p>
         </p:txBody>
       </p:sp>
+      <p:sp>
+        <p:nvSpPr>
+          <p:cNvPr id="19" name="Rectangle 12"/>
+          <p:cNvSpPr>
+            <a:spLocks noChangeArrowheads="1"/>
+          </p:cNvSpPr>
+          <p:nvPr/>
+        </p:nvSpPr>
+        <p:spPr bwMode="auto">
+          <a:xfrm>
+            <a:off x="0" y="0"/>
+            <a:ext cx="12192000" cy="0"/>
+          </a:xfrm>
+          <a:prstGeom prst="rect">
+            <a:avLst/>
+          </a:prstGeom>
+          <a:noFill/>
+          <a:ln>
+            <a:noFill/>
+          </a:ln>
+          <a:effectLst/>
+          <a:extLst>
+            <a:ext uri="{909E8E84-426E-40DD-AFC4-6F175D3DCCD1}">
+              <a14:hiddenFill xmlns:a14="http://schemas.microsoft.com/office/drawing/2010/main">
+                <a:solidFill>
+                  <a:schemeClr val="accent1"/>
+                </a:solidFill>
+              </a14:hiddenFill>
+            </a:ext>
+            <a:ext uri="{91240B29-F687-4F45-9708-019B960494DF}">
+              <a14:hiddenLine xmlns:a14="http://schemas.microsoft.com/office/drawing/2010/main" w="9525">
+                <a:solidFill>
+                  <a:schemeClr val="tx1"/>
+                </a:solidFill>
+                <a:miter lim="800000"/>
+                <a:headEnd/>
+                <a:tailEnd/>
+              </a14:hiddenLine>
+            </a:ext>
+            <a:ext uri="{AF507438-7753-43E0-B8FC-AC1667EBCBE1}">
+              <a14:hiddenEffects xmlns:a14="http://schemas.microsoft.com/office/drawing/2010/main">
+                <a:effectLst>
+                  <a:outerShdw dist="35921" dir="2700000" algn="ctr" rotWithShape="0">
+                    <a:schemeClr val="bg2"/>
+                  </a:outerShdw>
+                </a:effectLst>
+              </a14:hiddenEffects>
+            </a:ext>
+          </a:extLst>
+        </p:spPr>
+        <p:txBody>
+          <a:bodyPr vert="horz" wrap="none" lIns="91440" tIns="45720" rIns="91440" bIns="45720" numCol="1" anchor="ctr" anchorCtr="0" compatLnSpc="1">
+            <a:prstTxWarp prst="textNoShape">
+              <a:avLst/>
+            </a:prstTxWarp>
+            <a:spAutoFit/>
+          </a:bodyPr>
+          <a:lstStyle/>
+          <a:p>
+            <a:endParaRPr lang="zh-CN" altLang="en-US"/>
+          </a:p>
+        </p:txBody>
+      </p:sp>
+      <p:pic>
+        <p:nvPicPr>
+          <p:cNvPr id="21" name="内容占位符 20"/>
+          <p:cNvPicPr>
+            <a:picLocks noGrp="1"/>
+          </p:cNvPicPr>
+          <p:nvPr>
+            <p:ph idx="1"/>
+          </p:nvPr>
+        </p:nvPicPr>
+        <p:blipFill>
+          <a:blip r:embed="rId2">
+            <a:extLst>
+              <a:ext uri="{28A0092B-C50C-407E-A947-70E740481C1C}">
+                <a14:useLocalDpi xmlns:a14="http://schemas.microsoft.com/office/drawing/2010/main" val="0"/>
+              </a:ext>
+            </a:extLst>
+          </a:blip>
+          <a:stretch>
+            <a:fillRect/>
+          </a:stretch>
+        </p:blipFill>
+        <p:spPr>
+          <a:xfrm>
+            <a:off x="6785241" y="1753569"/>
+            <a:ext cx="4257143" cy="2800000"/>
+          </a:xfrm>
+          <a:prstGeom prst="rect">
+            <a:avLst/>
+          </a:prstGeom>
+        </p:spPr>
+      </p:pic>
     </p:spTree>
     <p:extLst>
       <p:ext uri="{BB962C8B-B14F-4D97-AF65-F5344CB8AC3E}">
-        <p14:creationId xmlns:p14="http://schemas.microsoft.com/office/powerpoint/2010/main" val="695709600"/>
+        <p14:creationId xmlns:p14="http://schemas.microsoft.com/office/powerpoint/2010/main" val="53336224"/>
       </p:ext>
     </p:extLst>
   </p:cSld>
@@ -7815,31 +14668,38 @@
           <a:p>
             <a:r>
               <a:rPr lang="zh-CN" altLang="en-US" sz="3200" dirty="0" smtClean="0"/>
-              <a:t>旅行商问题</a:t>
+              <a:t>蚁群算法</a:t>
             </a:r>
             <a:endParaRPr lang="zh-CN" altLang="en-US" sz="3200" dirty="0"/>
           </a:p>
         </p:txBody>
       </p:sp>
-      <p:sp>
-        <p:nvSpPr>
-          <p:cNvPr id="3" name="内容占位符 2"/>
-          <p:cNvSpPr>
-            <a:spLocks noGrp="1"/>
-          </p:cNvSpPr>
+      <p:pic>
+        <p:nvPicPr>
+          <p:cNvPr id="5" name="内容占位符 4"/>
+          <p:cNvPicPr>
+            <a:picLocks noGrp="1" noChangeAspect="1"/>
+          </p:cNvPicPr>
           <p:nvPr>
             <p:ph idx="1"/>
           </p:nvPr>
-        </p:nvSpPr>
-        <p:spPr/>
-        <p:txBody>
-          <a:bodyPr/>
-          <a:lstStyle/>
-          <a:p>
-            <a:endParaRPr lang="zh-CN" altLang="en-US" dirty="0"/>
-          </a:p>
-        </p:txBody>
-      </p:sp>
+        </p:nvPicPr>
+        <p:blipFill>
+          <a:blip r:embed="rId2"/>
+          <a:stretch>
+            <a:fillRect/>
+          </a:stretch>
+        </p:blipFill>
+        <p:spPr>
+          <a:xfrm>
+            <a:off x="6635567" y="446088"/>
+            <a:ext cx="4556492" cy="5414962"/>
+          </a:xfrm>
+          <a:prstGeom prst="rect">
+            <a:avLst/>
+          </a:prstGeom>
+        </p:spPr>
+      </p:pic>
       <p:sp>
         <p:nvSpPr>
           <p:cNvPr id="4" name="文本占位符 3"/>
@@ -7856,45 +14716,84 @@
           <a:lstStyle/>
           <a:p>
             <a:r>
-              <a:rPr lang="zh-CN" altLang="en-US" dirty="0"/>
+              <a:rPr lang="en-US" altLang="zh-CN" dirty="0" smtClean="0"/>
               <a:t>	</a:t>
+            </a:r>
+            <a:r>
+              <a:rPr lang="zh-CN" altLang="zh-CN" dirty="0"/>
+              <a:t>蚁群算法</a:t>
+            </a:r>
+            <a:r>
+              <a:rPr lang="en-US" altLang="zh-CN" dirty="0"/>
+              <a:t>(Ant Colony Optimization, ACO)</a:t>
+            </a:r>
+            <a:r>
+              <a:rPr lang="zh-CN" altLang="zh-CN" dirty="0"/>
+              <a:t>是一种模拟进化算法，由</a:t>
+            </a:r>
+            <a:r>
+              <a:rPr lang="en-US" altLang="zh-CN" dirty="0"/>
+              <a:t>Marco Dorigo</a:t>
+            </a:r>
+            <a:r>
+              <a:rPr lang="zh-CN" altLang="zh-CN" dirty="0"/>
+              <a:t>于</a:t>
+            </a:r>
+            <a:r>
+              <a:rPr lang="en-US" altLang="zh-CN" dirty="0"/>
+              <a:t>1992</a:t>
+            </a:r>
+            <a:r>
+              <a:rPr lang="zh-CN" altLang="zh-CN" dirty="0"/>
+              <a:t>年在他的博士论文中提出。该算法模拟自然界中蚂蚁觅食寻找路线时表现出的协作行为，广泛应用于各类优化问题的求解。而该算法最常见的应用场景便是对</a:t>
             </a:r>
             <a:r>
               <a:rPr lang="en-US" altLang="zh-CN" dirty="0"/>
               <a:t>TSP</a:t>
             </a:r>
             <a:r>
-              <a:rPr lang="zh-CN" altLang="en-US" dirty="0"/>
-              <a:t>问题（</a:t>
-            </a:r>
+              <a:rPr lang="zh-CN" altLang="zh-CN" dirty="0"/>
+              <a:t>问题进行</a:t>
+            </a:r>
+            <a:r>
+              <a:rPr lang="zh-CN" altLang="zh-CN" dirty="0" smtClean="0"/>
+              <a:t>求解</a:t>
+            </a:r>
+            <a:r>
+              <a:rPr lang="zh-CN" altLang="en-US" dirty="0" smtClean="0"/>
+              <a:t>。</a:t>
+            </a:r>
+            <a:endParaRPr lang="en-US" altLang="zh-CN" dirty="0" smtClean="0"/>
+          </a:p>
+          <a:p>
             <a:r>
               <a:rPr lang="en-US" altLang="zh-CN" dirty="0"/>
-              <a:t>Traveling Salesman Problem</a:t>
-            </a:r>
-            <a:r>
-              <a:rPr lang="zh-CN" altLang="en-US" dirty="0"/>
-              <a:t>，又称旅行商问题、货郎担问题），是数学领域中的一个著名问题。该问题的描述为：一个旅行商欲不重复无遗漏的路过 个城市并最终回到起点，怎样设计路线使得其行程达到最短。其数学语言描述即：在一个节点数为 的带权无向完全图中，如何构造一条哈密顿回路，使其经过路径的权重和最小。</a:t>
-            </a:r>
+              <a:t>	</a:t>
+            </a:r>
+            <a:r>
+              <a:rPr lang="zh-CN" altLang="zh-CN" dirty="0" smtClean="0"/>
+              <a:t>蚂蚁</a:t>
+            </a:r>
+            <a:r>
+              <a:rPr lang="zh-CN" altLang="zh-CN" dirty="0"/>
+              <a:t>通过信息素的释放，与其他的个体之间产生协作。由于信息素的挥发作用，距离食物较近的路线将逐渐积累较高浓度的信息素，而信息素浓度越高的路线又具有较大的概率被其它蚂蚁所选择。在这样一种正反馈机制的作用下，蚁群将逐渐聚集到最优的路径上。这就是蚁群算法的基本思想。</a:t>
+            </a:r>
+          </a:p>
+          <a:p>
+            <a:endParaRPr lang="zh-CN" altLang="en-US" dirty="0"/>
           </a:p>
         </p:txBody>
       </p:sp>
     </p:spTree>
     <p:extLst>
       <p:ext uri="{BB962C8B-B14F-4D97-AF65-F5344CB8AC3E}">
-        <p14:creationId xmlns:p14="http://schemas.microsoft.com/office/powerpoint/2010/main" val="53336224"/>
+        <p14:creationId xmlns:p14="http://schemas.microsoft.com/office/powerpoint/2010/main" val="4191406617"/>
       </p:ext>
     </p:extLst>
   </p:cSld>
   <p:clrMapOvr>
     <a:masterClrMapping/>
   </p:clrMapOvr>
-  <p:timing>
-    <p:tnLst>
-      <p:par>
-        <p:cTn id="1" dur="indefinite" restart="never" nodeType="tmRoot"/>
-      </p:par>
-    </p:tnLst>
-  </p:timing>
 </p:sld>
 </file>
 
@@ -7927,14 +14826,20 @@
         </p:nvSpPr>
         <p:spPr/>
         <p:txBody>
-          <a:bodyPr/>
+          <a:bodyPr>
+            <a:normAutofit/>
+          </a:bodyPr>
           <a:lstStyle/>
           <a:p>
             <a:r>
-              <a:rPr lang="zh-CN" altLang="en-US" dirty="0" smtClean="0"/>
-              <a:t>蚁群算法</a:t>
-            </a:r>
-            <a:endParaRPr lang="zh-CN" altLang="en-US" dirty="0"/>
+              <a:rPr lang="zh-CN" altLang="en-US" sz="3200" dirty="0" smtClean="0"/>
+              <a:t>蚁群</a:t>
+            </a:r>
+            <a:r>
+              <a:rPr lang="zh-CN" altLang="en-US" sz="3200" dirty="0" smtClean="0"/>
+              <a:t>算法的参数空间</a:t>
+            </a:r>
+            <a:endParaRPr lang="zh-CN" altLang="en-US" sz="3200" dirty="0"/>
           </a:p>
         </p:txBody>
       </p:sp>
@@ -7953,14 +14858,1102 @@
           <a:bodyPr/>
           <a:lstStyle/>
           <a:p>
-            <a:endParaRPr lang="zh-CN" altLang="en-US"/>
+            <a:r>
+              <a:rPr lang="zh-CN" altLang="en-US" dirty="0" smtClean="0"/>
+              <a:t>在</a:t>
+            </a:r>
+            <a:r>
+              <a:rPr lang="zh-CN" altLang="en-US" dirty="0"/>
+              <a:t>基本蚁群算法中，针对给定的</a:t>
+            </a:r>
+            <a:r>
+              <a:rPr lang="en-US" altLang="zh-CN" dirty="0"/>
+              <a:t>TSP</a:t>
+            </a:r>
+            <a:r>
+              <a:rPr lang="zh-CN" altLang="en-US" dirty="0"/>
+              <a:t>问题，需要对蚁群</a:t>
+            </a:r>
+            <a:r>
+              <a:rPr lang="zh-CN" altLang="en-US" dirty="0" smtClean="0"/>
+              <a:t>设置众多参数</a:t>
+            </a:r>
+            <a:r>
+              <a:rPr lang="zh-CN" altLang="en-US" dirty="0"/>
+              <a:t>。这些参数的选取与算法的全局收敛性和收敛速度有着密切的关联。但由于蚁群算法参数空间的庞大性和各参数之间的关联性，如何确定最优组合参数使蚁群算法求解性能最佳一直是一个极其复杂的优化问题，目前上没有完善的理论依据，大多情况下都是根据经验而</a:t>
+            </a:r>
+            <a:r>
+              <a:rPr lang="zh-CN" altLang="en-US" dirty="0" smtClean="0"/>
+              <a:t>定。</a:t>
+            </a:r>
+            <a:endParaRPr lang="en-US" altLang="zh-CN" dirty="0" smtClean="0"/>
+          </a:p>
+          <a:p>
+            <a:pPr lvl="1">
+              <a:buFont typeface="Wingdings" panose="05000000000000000000" pitchFamily="2" charset="2"/>
+              <a:buChar char="Ø"/>
+            </a:pPr>
+            <a:r>
+              <a:rPr lang="zh-CN" altLang="en-US" dirty="0"/>
+              <a:t>信息素</a:t>
+            </a:r>
+            <a:r>
+              <a:rPr lang="zh-CN" altLang="en-US" dirty="0" smtClean="0"/>
+              <a:t>强度</a:t>
+            </a:r>
+            <a:endParaRPr lang="en-US" altLang="zh-CN" dirty="0" smtClean="0"/>
+          </a:p>
+          <a:p>
+            <a:pPr lvl="1">
+              <a:buFont typeface="Wingdings" panose="05000000000000000000" pitchFamily="2" charset="2"/>
+              <a:buChar char="Ø"/>
+            </a:pPr>
+            <a:r>
+              <a:rPr lang="zh-CN" altLang="en-US" dirty="0"/>
+              <a:t>信息素挥发</a:t>
+            </a:r>
+            <a:r>
+              <a:rPr lang="zh-CN" altLang="en-US" dirty="0" smtClean="0"/>
+              <a:t>系数</a:t>
+            </a:r>
+            <a:endParaRPr lang="en-US" altLang="zh-CN" dirty="0" smtClean="0"/>
+          </a:p>
+          <a:p>
+            <a:pPr lvl="1">
+              <a:buFont typeface="Wingdings" panose="05000000000000000000" pitchFamily="2" charset="2"/>
+              <a:buChar char="Ø"/>
+            </a:pPr>
+            <a:r>
+              <a:rPr lang="zh-CN" altLang="en-US" dirty="0"/>
+              <a:t>信息启发式</a:t>
+            </a:r>
+            <a:r>
+              <a:rPr lang="zh-CN" altLang="en-US" dirty="0" smtClean="0"/>
+              <a:t>因子</a:t>
+            </a:r>
+            <a:endParaRPr lang="en-US" altLang="zh-CN" dirty="0" smtClean="0"/>
+          </a:p>
+          <a:p>
+            <a:pPr lvl="1">
+              <a:buFont typeface="Wingdings" panose="05000000000000000000" pitchFamily="2" charset="2"/>
+              <a:buChar char="Ø"/>
+            </a:pPr>
+            <a:r>
+              <a:rPr lang="zh-CN" altLang="en-US" dirty="0"/>
+              <a:t>期望启发式</a:t>
+            </a:r>
+            <a:r>
+              <a:rPr lang="zh-CN" altLang="en-US" dirty="0" smtClean="0"/>
+              <a:t>因子</a:t>
+            </a:r>
+            <a:endParaRPr lang="en-US" altLang="zh-CN" dirty="0" smtClean="0"/>
+          </a:p>
+          <a:p>
+            <a:pPr lvl="1">
+              <a:buFont typeface="Wingdings" panose="05000000000000000000" pitchFamily="2" charset="2"/>
+              <a:buChar char="Ø"/>
+            </a:pPr>
+            <a:r>
+              <a:rPr lang="zh-CN" altLang="en-US" dirty="0"/>
+              <a:t>蚁群规模</a:t>
+            </a:r>
+            <a:endParaRPr lang="zh-CN" altLang="en-US" dirty="0"/>
+          </a:p>
+        </p:txBody>
+      </p:sp>
+      <p:graphicFrame>
+        <p:nvGraphicFramePr>
+          <p:cNvPr id="15" name="图示 14"/>
+          <p:cNvGraphicFramePr/>
+          <p:nvPr>
+            <p:extLst>
+              <p:ext uri="{D42A27DB-BD31-4B8C-83A1-F6EECF244321}">
+                <p14:modId xmlns:p14="http://schemas.microsoft.com/office/powerpoint/2010/main" val="2844061969"/>
+              </p:ext>
+            </p:extLst>
+          </p:nvPr>
+        </p:nvGraphicFramePr>
+        <p:xfrm>
+          <a:off x="5657515" y="3368842"/>
+          <a:ext cx="4898189" cy="3489158"/>
+        </p:xfrm>
+        <a:graphic>
+          <a:graphicData uri="http://schemas.openxmlformats.org/drawingml/2006/diagram">
+            <dgm:relIds xmlns:dgm="http://schemas.openxmlformats.org/drawingml/2006/diagram" xmlns:r="http://schemas.openxmlformats.org/officeDocument/2006/relationships" r:dm="rId2" r:lo="rId3" r:qs="rId4" r:cs="rId5"/>
+          </a:graphicData>
+        </a:graphic>
+      </p:graphicFrame>
+    </p:spTree>
+    <p:extLst>
+      <p:ext uri="{BB962C8B-B14F-4D97-AF65-F5344CB8AC3E}">
+        <p14:creationId xmlns:p14="http://schemas.microsoft.com/office/powerpoint/2010/main" val="1643361958"/>
+      </p:ext>
+    </p:extLst>
+  </p:cSld>
+  <p:clrMapOvr>
+    <a:masterClrMapping/>
+  </p:clrMapOvr>
+</p:sld>
+</file>
+
+<file path=ppt/slides/slide5.xml><?xml version="1.0" encoding="utf-8"?>
+<p:sld xmlns:a="http://schemas.openxmlformats.org/drawingml/2006/main" xmlns:r="http://schemas.openxmlformats.org/officeDocument/2006/relationships" xmlns:p="http://schemas.openxmlformats.org/presentationml/2006/main">
+  <p:cSld>
+    <p:spTree>
+      <p:nvGrpSpPr>
+        <p:cNvPr id="1" name=""/>
+        <p:cNvGrpSpPr/>
+        <p:nvPr/>
+      </p:nvGrpSpPr>
+      <p:grpSpPr>
+        <a:xfrm>
+          <a:off x="0" y="0"/>
+          <a:ext cx="0" cy="0"/>
+          <a:chOff x="0" y="0"/>
+          <a:chExt cx="0" cy="0"/>
+        </a:xfrm>
+      </p:grpSpPr>
+      <p:sp>
+        <p:nvSpPr>
+          <p:cNvPr id="2" name="标题 1"/>
+          <p:cNvSpPr>
+            <a:spLocks noGrp="1"/>
+          </p:cNvSpPr>
+          <p:nvPr>
+            <p:ph type="title"/>
+          </p:nvPr>
+        </p:nvSpPr>
+        <p:spPr/>
+        <p:txBody>
+          <a:bodyPr>
+            <a:normAutofit/>
+          </a:bodyPr>
+          <a:lstStyle/>
+          <a:p>
+            <a:r>
+              <a:rPr lang="zh-CN" altLang="en-US" sz="3200" dirty="0" smtClean="0"/>
+              <a:t>遗传算法</a:t>
+            </a:r>
+            <a:endParaRPr lang="zh-CN" altLang="en-US" sz="3200" dirty="0"/>
+          </a:p>
+        </p:txBody>
+      </p:sp>
+      <p:graphicFrame>
+        <p:nvGraphicFramePr>
+          <p:cNvPr id="9" name="内容占位符 8"/>
+          <p:cNvGraphicFramePr>
+            <a:graphicFrameLocks noGrp="1"/>
+          </p:cNvGraphicFramePr>
+          <p:nvPr>
+            <p:ph idx="1"/>
+            <p:extLst>
+              <p:ext uri="{D42A27DB-BD31-4B8C-83A1-F6EECF244321}">
+                <p14:modId xmlns:p14="http://schemas.microsoft.com/office/powerpoint/2010/main" val="1499409069"/>
+              </p:ext>
+            </p:extLst>
+          </p:nvPr>
+        </p:nvGraphicFramePr>
+        <p:xfrm>
+          <a:off x="6323013" y="446088"/>
+          <a:ext cx="5181600" cy="5414962"/>
+        </p:xfrm>
+        <a:graphic>
+          <a:graphicData uri="http://schemas.openxmlformats.org/drawingml/2006/diagram">
+            <dgm:relIds xmlns:dgm="http://schemas.openxmlformats.org/drawingml/2006/diagram" xmlns:r="http://schemas.openxmlformats.org/officeDocument/2006/relationships" r:dm="rId2" r:lo="rId3" r:qs="rId4" r:cs="rId5"/>
+          </a:graphicData>
+        </a:graphic>
+      </p:graphicFrame>
+      <p:sp>
+        <p:nvSpPr>
+          <p:cNvPr id="4" name="文本占位符 3"/>
+          <p:cNvSpPr>
+            <a:spLocks noGrp="1"/>
+          </p:cNvSpPr>
+          <p:nvPr>
+            <p:ph type="body" sz="half" idx="2"/>
+          </p:nvPr>
+        </p:nvSpPr>
+        <p:spPr/>
+        <p:txBody>
+          <a:bodyPr/>
+          <a:lstStyle/>
+          <a:p>
+            <a:r>
+              <a:rPr lang="en-US" altLang="zh-CN" dirty="0" smtClean="0"/>
+              <a:t>	</a:t>
+            </a:r>
+            <a:r>
+              <a:rPr lang="zh-CN" altLang="zh-CN" dirty="0" smtClean="0"/>
+              <a:t>蚁</a:t>
+            </a:r>
+            <a:r>
+              <a:rPr lang="zh-CN" altLang="zh-CN" dirty="0"/>
+              <a:t>群算法参数的选取，可以看成一个多目标组合优化问题。对于这类优化问题，遗传算法</a:t>
+            </a:r>
+            <a:r>
+              <a:rPr lang="en-US" altLang="zh-CN" dirty="0"/>
+              <a:t>(Genetic Algorithm, GA)</a:t>
+            </a:r>
+            <a:r>
+              <a:rPr lang="zh-CN" altLang="zh-CN" dirty="0"/>
+              <a:t>是一种便于实现并且效果显著的算法</a:t>
+            </a:r>
+            <a:r>
+              <a:rPr lang="zh-CN" altLang="zh-CN" dirty="0" smtClean="0"/>
+              <a:t>。</a:t>
+            </a:r>
+            <a:endParaRPr lang="en-US" altLang="zh-CN" dirty="0" smtClean="0"/>
+          </a:p>
+          <a:p>
+            <a:r>
+              <a:rPr lang="en-US" altLang="zh-CN" dirty="0" smtClean="0"/>
+              <a:t>	</a:t>
+            </a:r>
+            <a:r>
+              <a:rPr lang="zh-CN" altLang="zh-CN" dirty="0" smtClean="0"/>
+              <a:t>遗传</a:t>
+            </a:r>
+            <a:r>
+              <a:rPr lang="zh-CN" altLang="zh-CN" dirty="0"/>
+              <a:t>算法的主要思想为：在问题的潜在解集中选取部分个体并视作一个</a:t>
+            </a:r>
+            <a:r>
+              <a:rPr lang="zh-CN" altLang="zh-CN" dirty="0" smtClean="0"/>
+              <a:t>种群</a:t>
+            </a:r>
+            <a:r>
+              <a:rPr lang="en-US" altLang="zh-CN" dirty="0" smtClean="0"/>
+              <a:t>(Population)</a:t>
+            </a:r>
+            <a:r>
+              <a:rPr lang="zh-CN" altLang="zh-CN" dirty="0" smtClean="0"/>
+              <a:t>，</a:t>
+            </a:r>
+            <a:r>
+              <a:rPr lang="zh-CN" altLang="zh-CN" dirty="0"/>
+              <a:t>将个体的差异性特征（即问题的参数）进行适当的编码作为</a:t>
+            </a:r>
+            <a:r>
+              <a:rPr lang="zh-CN" altLang="zh-CN" dirty="0" smtClean="0"/>
+              <a:t>基因</a:t>
+            </a:r>
+            <a:r>
+              <a:rPr lang="en-US" altLang="zh-CN" dirty="0" smtClean="0"/>
+              <a:t>(Gene)</a:t>
+            </a:r>
+            <a:r>
+              <a:rPr lang="zh-CN" altLang="zh-CN" dirty="0" smtClean="0"/>
+              <a:t>，</a:t>
+            </a:r>
+            <a:r>
+              <a:rPr lang="zh-CN" altLang="zh-CN" dirty="0"/>
+              <a:t>通过定义合适的适应度函数，对种群中的个体进行自然选择。然后对于选择算子作用后的种群进行个体的交叉与变异，最终得到下一代种群。经过一定代数的进化，种群中的个体的平均适应度将明显优于初代种群。</a:t>
+            </a:r>
+          </a:p>
+          <a:p>
+            <a:endParaRPr lang="zh-CN" altLang="en-US" dirty="0"/>
           </a:p>
         </p:txBody>
       </p:sp>
     </p:spTree>
     <p:extLst>
       <p:ext uri="{BB962C8B-B14F-4D97-AF65-F5344CB8AC3E}">
-        <p14:creationId xmlns:p14="http://schemas.microsoft.com/office/powerpoint/2010/main" val="1643361958"/>
+        <p14:creationId xmlns:p14="http://schemas.microsoft.com/office/powerpoint/2010/main" val="317707694"/>
+      </p:ext>
+    </p:extLst>
+  </p:cSld>
+  <p:clrMapOvr>
+    <a:masterClrMapping/>
+  </p:clrMapOvr>
+</p:sld>
+</file>
+
+<file path=ppt/slides/slide6.xml><?xml version="1.0" encoding="utf-8"?>
+<p:sld xmlns:a="http://schemas.openxmlformats.org/drawingml/2006/main" xmlns:r="http://schemas.openxmlformats.org/officeDocument/2006/relationships" xmlns:p="http://schemas.openxmlformats.org/presentationml/2006/main">
+  <p:cSld>
+    <p:spTree>
+      <p:nvGrpSpPr>
+        <p:cNvPr id="1" name=""/>
+        <p:cNvGrpSpPr/>
+        <p:nvPr/>
+      </p:nvGrpSpPr>
+      <p:grpSpPr>
+        <a:xfrm>
+          <a:off x="0" y="0"/>
+          <a:ext cx="0" cy="0"/>
+          <a:chOff x="0" y="0"/>
+          <a:chExt cx="0" cy="0"/>
+        </a:xfrm>
+      </p:grpSpPr>
+      <p:sp>
+        <p:nvSpPr>
+          <p:cNvPr id="2" name="标题 1"/>
+          <p:cNvSpPr>
+            <a:spLocks noGrp="1"/>
+          </p:cNvSpPr>
+          <p:nvPr>
+            <p:ph type="title"/>
+          </p:nvPr>
+        </p:nvSpPr>
+        <p:spPr/>
+        <p:txBody>
+          <a:bodyPr>
+            <a:normAutofit/>
+          </a:bodyPr>
+          <a:lstStyle/>
+          <a:p>
+            <a:r>
+              <a:rPr lang="zh-CN" altLang="en-US" sz="3200" dirty="0"/>
+              <a:t>基于遗传算法的蚁群算法参数优化</a:t>
+            </a:r>
+          </a:p>
+        </p:txBody>
+      </p:sp>
+      <p:sp>
+        <p:nvSpPr>
+          <p:cNvPr id="3" name="内容占位符 2"/>
+          <p:cNvSpPr>
+            <a:spLocks noGrp="1"/>
+          </p:cNvSpPr>
+          <p:nvPr>
+            <p:ph idx="1"/>
+          </p:nvPr>
+        </p:nvSpPr>
+        <p:spPr/>
+        <p:txBody>
+          <a:bodyPr/>
+          <a:lstStyle/>
+          <a:p>
+            <a:r>
+              <a:rPr lang="zh-CN" altLang="en-US" dirty="0" smtClean="0"/>
+              <a:t>将蚁群算法作为遗传算法中的个体进行参数优化，最关键的步骤有以下两处：</a:t>
+            </a:r>
+            <a:endParaRPr lang="en-US" altLang="zh-CN" dirty="0" smtClean="0"/>
+          </a:p>
+          <a:p>
+            <a:pPr lvl="1"/>
+            <a:r>
+              <a:rPr lang="zh-CN" altLang="en-US" dirty="0" smtClean="0"/>
+              <a:t>对蚁群算法给出合适的基因编码与解码算法。</a:t>
+            </a:r>
+            <a:endParaRPr lang="en-US" altLang="zh-CN" dirty="0" smtClean="0"/>
+          </a:p>
+          <a:p>
+            <a:pPr lvl="1"/>
+            <a:r>
+              <a:rPr lang="zh-CN" altLang="en-US" dirty="0"/>
+              <a:t>给出</a:t>
+            </a:r>
+            <a:r>
+              <a:rPr lang="zh-CN" altLang="en-US" dirty="0" smtClean="0"/>
+              <a:t>蚁群算法的适应度函数。</a:t>
+            </a:r>
+            <a:endParaRPr lang="en-US" altLang="zh-CN" dirty="0" smtClean="0"/>
+          </a:p>
+          <a:p>
+            <a:endParaRPr lang="en-US" altLang="zh-CN" dirty="0"/>
+          </a:p>
+          <a:p>
+            <a:endParaRPr lang="en-US" altLang="zh-CN" dirty="0" smtClean="0"/>
+          </a:p>
+          <a:p>
+            <a:endParaRPr lang="zh-CN" altLang="en-US" dirty="0"/>
+          </a:p>
+        </p:txBody>
+      </p:sp>
+    </p:spTree>
+    <p:extLst>
+      <p:ext uri="{BB962C8B-B14F-4D97-AF65-F5344CB8AC3E}">
+        <p14:creationId xmlns:p14="http://schemas.microsoft.com/office/powerpoint/2010/main" val="1656541555"/>
+      </p:ext>
+    </p:extLst>
+  </p:cSld>
+  <p:clrMapOvr>
+    <a:masterClrMapping/>
+  </p:clrMapOvr>
+</p:sld>
+</file>
+
+<file path=ppt/slides/slide7.xml><?xml version="1.0" encoding="utf-8"?>
+<p:sld xmlns:a="http://schemas.openxmlformats.org/drawingml/2006/main" xmlns:r="http://schemas.openxmlformats.org/officeDocument/2006/relationships" xmlns:p="http://schemas.openxmlformats.org/presentationml/2006/main">
+  <p:cSld>
+    <p:bg>
+      <p:bgPr>
+        <a:gradFill rotWithShape="1">
+          <a:gsLst>
+            <a:gs pos="0">
+              <a:schemeClr val="bg2">
+                <a:tint val="90000"/>
+                <a:satMod val="92000"/>
+                <a:lumMod val="120000"/>
+              </a:schemeClr>
+            </a:gs>
+            <a:gs pos="100000">
+              <a:schemeClr val="bg2">
+                <a:shade val="98000"/>
+                <a:satMod val="120000"/>
+                <a:lumMod val="98000"/>
+              </a:schemeClr>
+            </a:gs>
+          </a:gsLst>
+          <a:path path="circle">
+            <a:fillToRect l="50000" t="50000" r="100000" b="100000"/>
+          </a:path>
+        </a:gradFill>
+        <a:effectLst/>
+      </p:bgPr>
+    </p:bg>
+    <p:spTree>
+      <p:nvGrpSpPr>
+        <p:cNvPr id="1" name=""/>
+        <p:cNvGrpSpPr/>
+        <p:nvPr/>
+      </p:nvGrpSpPr>
+      <p:grpSpPr>
+        <a:xfrm>
+          <a:off x="0" y="0"/>
+          <a:ext cx="0" cy="0"/>
+          <a:chOff x="0" y="0"/>
+          <a:chExt cx="0" cy="0"/>
+        </a:xfrm>
+      </p:grpSpPr>
+      <p:sp>
+        <p:nvSpPr>
+          <p:cNvPr id="2" name="标题 1"/>
+          <p:cNvSpPr>
+            <a:spLocks noGrp="1"/>
+          </p:cNvSpPr>
+          <p:nvPr>
+            <p:ph type="title"/>
+          </p:nvPr>
+        </p:nvSpPr>
+        <p:spPr/>
+        <p:txBody>
+          <a:bodyPr>
+            <a:normAutofit/>
+          </a:bodyPr>
+          <a:lstStyle/>
+          <a:p>
+            <a:r>
+              <a:rPr lang="zh-CN" altLang="en-US" sz="3200" dirty="0"/>
+              <a:t>蚁群算法基因的</a:t>
+            </a:r>
+            <a:r>
+              <a:rPr lang="zh-CN" altLang="en-US" sz="3200" dirty="0" smtClean="0"/>
+              <a:t>编码与解码</a:t>
+            </a:r>
+            <a:endParaRPr lang="zh-CN" altLang="en-US" sz="3200" dirty="0"/>
+          </a:p>
+        </p:txBody>
+      </p:sp>
+      <p:sp>
+        <p:nvSpPr>
+          <p:cNvPr id="3" name="内容占位符 2"/>
+          <p:cNvSpPr>
+            <a:spLocks noGrp="1"/>
+          </p:cNvSpPr>
+          <p:nvPr>
+            <p:ph idx="1"/>
+          </p:nvPr>
+        </p:nvSpPr>
+        <p:spPr/>
+        <p:txBody>
+          <a:bodyPr/>
+          <a:lstStyle/>
+          <a:p>
+            <a:pPr marL="0" indent="0">
+              <a:buNone/>
+            </a:pPr>
+            <a:r>
+              <a:rPr lang="en-US" altLang="zh-CN" dirty="0"/>
+              <a:t>	</a:t>
+            </a:r>
+            <a:r>
+              <a:rPr lang="zh-CN" altLang="zh-CN" dirty="0" smtClean="0"/>
+              <a:t>遗传</a:t>
+            </a:r>
+            <a:r>
+              <a:rPr lang="zh-CN" altLang="zh-CN" dirty="0"/>
+              <a:t>算法的部搜索能力不强，导致这个问题的主要原因是新一代的种群是有上一代种群经过交叉、变异后得到的。即便上一代种群个体已经接近了最优解，经过变异算子作用后，参数值可能会产生较大的变化，导致种群无法继续向最优解方向收敛。</a:t>
+            </a:r>
+          </a:p>
+          <a:p>
+            <a:pPr marL="0" indent="0">
+              <a:buNone/>
+            </a:pPr>
+            <a:r>
+              <a:rPr lang="en-US" altLang="zh-CN" dirty="0"/>
+              <a:t>	</a:t>
+            </a:r>
+            <a:r>
+              <a:rPr lang="zh-CN" altLang="zh-CN" dirty="0" smtClean="0"/>
+              <a:t>格</a:t>
+            </a:r>
+            <a:r>
+              <a:rPr lang="zh-CN" altLang="zh-CN" dirty="0"/>
+              <a:t>雷编码是广泛应用于通信、模拟</a:t>
+            </a:r>
+            <a:r>
+              <a:rPr lang="en-US" altLang="zh-CN" dirty="0"/>
+              <a:t>-</a:t>
+            </a:r>
+            <a:r>
+              <a:rPr lang="zh-CN" altLang="zh-CN" dirty="0"/>
+              <a:t>数字信号转换等领域的一种编码方式。格雷码具有这样一个特性：任意两个相邻整数对应的格雷码之间汉明距离</a:t>
+            </a:r>
+            <a:r>
+              <a:rPr lang="zh-CN" altLang="zh-CN" dirty="0" smtClean="0"/>
+              <a:t>为</a:t>
+            </a:r>
+            <a:r>
+              <a:rPr lang="en-US" altLang="zh-CN" dirty="0" smtClean="0"/>
+              <a:t>1</a:t>
+            </a:r>
+            <a:r>
+              <a:rPr lang="zh-CN" altLang="zh-CN" dirty="0" smtClean="0"/>
+              <a:t>。</a:t>
+            </a:r>
+            <a:r>
+              <a:rPr lang="zh-CN" altLang="zh-CN" dirty="0"/>
+              <a:t>正是由于这个特性的存在，使得格雷码十分适用于遗传算法。编码过后的基因经过突变后，其对应的原始数据只会产生细微的变化。这样可以大大提高遗传算法的局部搜索能力。</a:t>
+            </a:r>
+          </a:p>
+          <a:p>
+            <a:endParaRPr lang="zh-CN" altLang="en-US" dirty="0"/>
+          </a:p>
+        </p:txBody>
+      </p:sp>
+      <p:sp>
+        <p:nvSpPr>
+          <p:cNvPr id="5" name="圆角矩形 4"/>
+          <p:cNvSpPr/>
+          <p:nvPr/>
+        </p:nvSpPr>
+        <p:spPr>
+          <a:xfrm>
+            <a:off x="3002538" y="4786614"/>
+            <a:ext cx="1492469" cy="1036117"/>
+          </a:xfrm>
+          <a:prstGeom prst="roundRect">
+            <a:avLst/>
+          </a:prstGeom>
+          <a:solidFill>
+            <a:srgbClr val="00B0F0"/>
+          </a:solidFill>
+          <a:ln>
+            <a:solidFill>
+              <a:schemeClr val="bg1"/>
+            </a:solidFill>
+          </a:ln>
+        </p:spPr>
+        <p:style>
+          <a:lnRef idx="2">
+            <a:schemeClr val="accent1">
+              <a:shade val="50000"/>
+            </a:schemeClr>
+          </a:lnRef>
+          <a:fillRef idx="1">
+            <a:schemeClr val="accent1"/>
+          </a:fillRef>
+          <a:effectRef idx="0">
+            <a:schemeClr val="accent1"/>
+          </a:effectRef>
+          <a:fontRef idx="minor">
+            <a:schemeClr val="lt1"/>
+          </a:fontRef>
+        </p:style>
+        <p:txBody>
+          <a:bodyPr rtlCol="0" anchor="ctr"/>
+          <a:lstStyle/>
+          <a:p>
+            <a:pPr algn="ctr"/>
+            <a:r>
+              <a:rPr lang="zh-CN" altLang="en-US" dirty="0" smtClean="0">
+                <a:solidFill>
+                  <a:schemeClr val="bg1"/>
+                </a:solidFill>
+              </a:rPr>
+              <a:t>十进制参数</a:t>
+            </a:r>
+            <a:endParaRPr lang="zh-CN" altLang="en-US" dirty="0">
+              <a:solidFill>
+                <a:schemeClr val="bg1"/>
+              </a:solidFill>
+            </a:endParaRPr>
+          </a:p>
+        </p:txBody>
+      </p:sp>
+      <p:sp>
+        <p:nvSpPr>
+          <p:cNvPr id="6" name="圆角矩形 5"/>
+          <p:cNvSpPr/>
+          <p:nvPr/>
+        </p:nvSpPr>
+        <p:spPr>
+          <a:xfrm>
+            <a:off x="6237891" y="4786615"/>
+            <a:ext cx="1492469" cy="1036116"/>
+          </a:xfrm>
+          <a:prstGeom prst="roundRect">
+            <a:avLst/>
+          </a:prstGeom>
+          <a:solidFill>
+            <a:srgbClr val="FFC000"/>
+          </a:solidFill>
+          <a:ln>
+            <a:solidFill>
+              <a:schemeClr val="bg1"/>
+            </a:solidFill>
+          </a:ln>
+        </p:spPr>
+        <p:style>
+          <a:lnRef idx="2">
+            <a:schemeClr val="accent1">
+              <a:shade val="50000"/>
+            </a:schemeClr>
+          </a:lnRef>
+          <a:fillRef idx="1">
+            <a:schemeClr val="accent1"/>
+          </a:fillRef>
+          <a:effectRef idx="0">
+            <a:schemeClr val="accent1"/>
+          </a:effectRef>
+          <a:fontRef idx="minor">
+            <a:schemeClr val="lt1"/>
+          </a:fontRef>
+        </p:style>
+        <p:txBody>
+          <a:bodyPr rtlCol="0" anchor="ctr"/>
+          <a:lstStyle/>
+          <a:p>
+            <a:pPr algn="ctr"/>
+            <a:r>
+              <a:rPr lang="zh-CN" altLang="en-US" dirty="0" smtClean="0">
+                <a:solidFill>
+                  <a:schemeClr val="bg1"/>
+                </a:solidFill>
+              </a:rPr>
+              <a:t>二进制码</a:t>
+            </a:r>
+            <a:endParaRPr lang="zh-CN" altLang="en-US" dirty="0">
+              <a:solidFill>
+                <a:schemeClr val="bg1"/>
+              </a:solidFill>
+            </a:endParaRPr>
+          </a:p>
+        </p:txBody>
+      </p:sp>
+      <p:sp>
+        <p:nvSpPr>
+          <p:cNvPr id="7" name="圆角矩形 6"/>
+          <p:cNvSpPr/>
+          <p:nvPr/>
+        </p:nvSpPr>
+        <p:spPr>
+          <a:xfrm>
+            <a:off x="9473244" y="4786614"/>
+            <a:ext cx="1492469" cy="1036117"/>
+          </a:xfrm>
+          <a:prstGeom prst="roundRect">
+            <a:avLst/>
+          </a:prstGeom>
+          <a:solidFill>
+            <a:srgbClr val="92D050"/>
+          </a:solidFill>
+          <a:ln>
+            <a:solidFill>
+              <a:schemeClr val="bg1"/>
+            </a:solidFill>
+          </a:ln>
+        </p:spPr>
+        <p:style>
+          <a:lnRef idx="2">
+            <a:schemeClr val="accent1">
+              <a:shade val="50000"/>
+            </a:schemeClr>
+          </a:lnRef>
+          <a:fillRef idx="1">
+            <a:schemeClr val="accent1"/>
+          </a:fillRef>
+          <a:effectRef idx="0">
+            <a:schemeClr val="accent1"/>
+          </a:effectRef>
+          <a:fontRef idx="minor">
+            <a:schemeClr val="lt1"/>
+          </a:fontRef>
+        </p:style>
+        <p:txBody>
+          <a:bodyPr rtlCol="0" anchor="ctr"/>
+          <a:lstStyle/>
+          <a:p>
+            <a:pPr algn="ctr"/>
+            <a:r>
+              <a:rPr lang="zh-CN" altLang="en-US" dirty="0" smtClean="0">
+                <a:solidFill>
+                  <a:schemeClr val="bg1"/>
+                </a:solidFill>
+              </a:rPr>
+              <a:t>格雷码基因</a:t>
+            </a:r>
+            <a:endParaRPr lang="zh-CN" altLang="en-US" dirty="0">
+              <a:solidFill>
+                <a:schemeClr val="bg1"/>
+              </a:solidFill>
+            </a:endParaRPr>
+          </a:p>
+        </p:txBody>
+      </p:sp>
+      <p:sp>
+        <p:nvSpPr>
+          <p:cNvPr id="22" name="右箭头 21"/>
+          <p:cNvSpPr/>
+          <p:nvPr/>
+        </p:nvSpPr>
+        <p:spPr>
+          <a:xfrm>
+            <a:off x="4630725" y="5002923"/>
+            <a:ext cx="1471448" cy="210207"/>
+          </a:xfrm>
+          <a:prstGeom prst="rightArrow">
+            <a:avLst/>
+          </a:prstGeom>
+          <a:solidFill>
+            <a:srgbClr val="FFC000"/>
+          </a:solidFill>
+          <a:ln>
+            <a:solidFill>
+              <a:schemeClr val="bg1"/>
+            </a:solidFill>
+          </a:ln>
+        </p:spPr>
+        <p:style>
+          <a:lnRef idx="2">
+            <a:schemeClr val="accent1">
+              <a:shade val="50000"/>
+            </a:schemeClr>
+          </a:lnRef>
+          <a:fillRef idx="1">
+            <a:schemeClr val="accent1"/>
+          </a:fillRef>
+          <a:effectRef idx="0">
+            <a:schemeClr val="accent1"/>
+          </a:effectRef>
+          <a:fontRef idx="minor">
+            <a:schemeClr val="lt1"/>
+          </a:fontRef>
+        </p:style>
+        <p:txBody>
+          <a:bodyPr rtlCol="0" anchor="b" anchorCtr="1"/>
+          <a:lstStyle/>
+          <a:p>
+            <a:pPr algn="ctr"/>
+            <a:r>
+              <a:rPr lang="zh-CN" altLang="en-US" dirty="0" smtClean="0">
+                <a:solidFill>
+                  <a:schemeClr val="tx1"/>
+                </a:solidFill>
+              </a:rPr>
+              <a:t>二进制编码</a:t>
+            </a:r>
+            <a:endParaRPr lang="zh-CN" altLang="en-US" dirty="0">
+              <a:solidFill>
+                <a:schemeClr val="tx1"/>
+              </a:solidFill>
+            </a:endParaRPr>
+          </a:p>
+        </p:txBody>
+      </p:sp>
+      <p:sp>
+        <p:nvSpPr>
+          <p:cNvPr id="23" name="右箭头 22"/>
+          <p:cNvSpPr/>
+          <p:nvPr/>
+        </p:nvSpPr>
+        <p:spPr>
+          <a:xfrm>
+            <a:off x="7866078" y="5002923"/>
+            <a:ext cx="1471448" cy="210207"/>
+          </a:xfrm>
+          <a:prstGeom prst="rightArrow">
+            <a:avLst/>
+          </a:prstGeom>
+          <a:solidFill>
+            <a:srgbClr val="92D050"/>
+          </a:solidFill>
+          <a:ln>
+            <a:noFill/>
+          </a:ln>
+        </p:spPr>
+        <p:style>
+          <a:lnRef idx="2">
+            <a:schemeClr val="accent1">
+              <a:shade val="50000"/>
+            </a:schemeClr>
+          </a:lnRef>
+          <a:fillRef idx="1">
+            <a:schemeClr val="accent1"/>
+          </a:fillRef>
+          <a:effectRef idx="0">
+            <a:schemeClr val="accent1"/>
+          </a:effectRef>
+          <a:fontRef idx="minor">
+            <a:schemeClr val="lt1"/>
+          </a:fontRef>
+        </p:style>
+        <p:txBody>
+          <a:bodyPr rtlCol="0" anchor="b" anchorCtr="1"/>
+          <a:lstStyle/>
+          <a:p>
+            <a:pPr algn="ctr"/>
+            <a:r>
+              <a:rPr lang="zh-CN" altLang="en-US" dirty="0" smtClean="0">
+                <a:solidFill>
+                  <a:schemeClr val="tx1"/>
+                </a:solidFill>
+              </a:rPr>
+              <a:t>格雷编码</a:t>
+            </a:r>
+            <a:endParaRPr lang="zh-CN" altLang="en-US" dirty="0">
+              <a:solidFill>
+                <a:schemeClr val="tx1"/>
+              </a:solidFill>
+            </a:endParaRPr>
+          </a:p>
+        </p:txBody>
+      </p:sp>
+      <p:sp>
+        <p:nvSpPr>
+          <p:cNvPr id="24" name="左箭头 23"/>
+          <p:cNvSpPr/>
+          <p:nvPr/>
+        </p:nvSpPr>
+        <p:spPr>
+          <a:xfrm>
+            <a:off x="4630726" y="5378670"/>
+            <a:ext cx="1471448" cy="212834"/>
+          </a:xfrm>
+          <a:prstGeom prst="leftArrow">
+            <a:avLst/>
+          </a:prstGeom>
+          <a:solidFill>
+            <a:srgbClr val="00B0F0"/>
+          </a:solidFill>
+          <a:ln>
+            <a:solidFill>
+              <a:schemeClr val="bg1"/>
+            </a:solidFill>
+          </a:ln>
+        </p:spPr>
+        <p:style>
+          <a:lnRef idx="2">
+            <a:schemeClr val="accent1">
+              <a:shade val="50000"/>
+            </a:schemeClr>
+          </a:lnRef>
+          <a:fillRef idx="1">
+            <a:schemeClr val="accent1"/>
+          </a:fillRef>
+          <a:effectRef idx="0">
+            <a:schemeClr val="accent1"/>
+          </a:effectRef>
+          <a:fontRef idx="minor">
+            <a:schemeClr val="lt1"/>
+          </a:fontRef>
+        </p:style>
+        <p:txBody>
+          <a:bodyPr rtlCol="0" anchor="t" anchorCtr="1"/>
+          <a:lstStyle/>
+          <a:p>
+            <a:pPr algn="ctr"/>
+            <a:r>
+              <a:rPr lang="zh-CN" altLang="en-US" dirty="0" smtClean="0">
+                <a:solidFill>
+                  <a:schemeClr val="tx1"/>
+                </a:solidFill>
+              </a:rPr>
+              <a:t>二进制解码</a:t>
+            </a:r>
+            <a:endParaRPr lang="zh-CN" altLang="en-US" dirty="0">
+              <a:solidFill>
+                <a:schemeClr val="tx1"/>
+              </a:solidFill>
+            </a:endParaRPr>
+          </a:p>
+        </p:txBody>
+      </p:sp>
+      <p:sp>
+        <p:nvSpPr>
+          <p:cNvPr id="25" name="左箭头 24"/>
+          <p:cNvSpPr/>
+          <p:nvPr/>
+        </p:nvSpPr>
+        <p:spPr>
+          <a:xfrm>
+            <a:off x="7866077" y="5408464"/>
+            <a:ext cx="1471448" cy="212834"/>
+          </a:xfrm>
+          <a:prstGeom prst="leftArrow">
+            <a:avLst/>
+          </a:prstGeom>
+          <a:solidFill>
+            <a:srgbClr val="FFC000"/>
+          </a:solidFill>
+          <a:ln>
+            <a:noFill/>
+          </a:ln>
+        </p:spPr>
+        <p:style>
+          <a:lnRef idx="2">
+            <a:schemeClr val="accent1">
+              <a:shade val="50000"/>
+            </a:schemeClr>
+          </a:lnRef>
+          <a:fillRef idx="1">
+            <a:schemeClr val="accent1"/>
+          </a:fillRef>
+          <a:effectRef idx="0">
+            <a:schemeClr val="accent1"/>
+          </a:effectRef>
+          <a:fontRef idx="minor">
+            <a:schemeClr val="lt1"/>
+          </a:fontRef>
+        </p:style>
+        <p:txBody>
+          <a:bodyPr rtlCol="0" anchor="t" anchorCtr="1"/>
+          <a:lstStyle/>
+          <a:p>
+            <a:pPr algn="ctr"/>
+            <a:r>
+              <a:rPr lang="zh-CN" altLang="en-US" dirty="0" smtClean="0">
+                <a:solidFill>
+                  <a:schemeClr val="tx1"/>
+                </a:solidFill>
+              </a:rPr>
+              <a:t>格雷解码</a:t>
+            </a:r>
+            <a:endParaRPr lang="zh-CN" altLang="en-US" dirty="0">
+              <a:solidFill>
+                <a:schemeClr val="tx1"/>
+              </a:solidFill>
+            </a:endParaRPr>
+          </a:p>
+        </p:txBody>
+      </p:sp>
+    </p:spTree>
+    <p:extLst>
+      <p:ext uri="{BB962C8B-B14F-4D97-AF65-F5344CB8AC3E}">
+        <p14:creationId xmlns:p14="http://schemas.microsoft.com/office/powerpoint/2010/main" val="3464990597"/>
+      </p:ext>
+    </p:extLst>
+  </p:cSld>
+  <p:clrMapOvr>
+    <a:masterClrMapping/>
+  </p:clrMapOvr>
+</p:sld>
+</file>
+
+<file path=ppt/slides/slide8.xml><?xml version="1.0" encoding="utf-8"?>
+<p:sld xmlns:a="http://schemas.openxmlformats.org/drawingml/2006/main" xmlns:r="http://schemas.openxmlformats.org/officeDocument/2006/relationships" xmlns:p="http://schemas.openxmlformats.org/presentationml/2006/main">
+  <p:cSld>
+    <p:spTree>
+      <p:nvGrpSpPr>
+        <p:cNvPr id="1" name=""/>
+        <p:cNvGrpSpPr/>
+        <p:nvPr/>
+      </p:nvGrpSpPr>
+      <p:grpSpPr>
+        <a:xfrm>
+          <a:off x="0" y="0"/>
+          <a:ext cx="0" cy="0"/>
+          <a:chOff x="0" y="0"/>
+          <a:chExt cx="0" cy="0"/>
+        </a:xfrm>
+      </p:grpSpPr>
+      <p:sp>
+        <p:nvSpPr>
+          <p:cNvPr id="2" name="标题 1"/>
+          <p:cNvSpPr>
+            <a:spLocks noGrp="1"/>
+          </p:cNvSpPr>
+          <p:nvPr>
+            <p:ph type="title"/>
+          </p:nvPr>
+        </p:nvSpPr>
+        <p:spPr/>
+        <p:txBody>
+          <a:bodyPr>
+            <a:normAutofit/>
+          </a:bodyPr>
+          <a:lstStyle/>
+          <a:p>
+            <a:r>
+              <a:rPr lang="zh-CN" altLang="en-US" sz="3200" dirty="0" smtClean="0"/>
+              <a:t>蚁群算法基因的编码与解码</a:t>
+            </a:r>
+            <a:endParaRPr lang="zh-CN" altLang="en-US" sz="3200" dirty="0"/>
+          </a:p>
+        </p:txBody>
+      </p:sp>
+      <p:sp>
+        <p:nvSpPr>
+          <p:cNvPr id="3" name="内容占位符 2"/>
+          <p:cNvSpPr>
+            <a:spLocks noGrp="1"/>
+          </p:cNvSpPr>
+          <p:nvPr>
+            <p:ph sz="half" idx="1"/>
+          </p:nvPr>
+        </p:nvSpPr>
+        <p:spPr/>
+        <p:txBody>
+          <a:bodyPr/>
+          <a:lstStyle/>
+          <a:p>
+            <a:r>
+              <a:rPr lang="zh-CN" altLang="en-US" dirty="0" smtClean="0"/>
+              <a:t>编码</a:t>
+            </a:r>
+            <a:endParaRPr lang="en-US" altLang="zh-CN" dirty="0" smtClean="0"/>
+          </a:p>
+          <a:p>
+            <a:pPr marL="0" indent="0">
+              <a:buNone/>
+            </a:pPr>
+            <a:r>
+              <a:rPr lang="en-US" altLang="zh-CN" dirty="0"/>
+              <a:t>	</a:t>
+            </a:r>
+            <a:endParaRPr lang="en-US" altLang="zh-CN" dirty="0" smtClean="0"/>
+          </a:p>
+        </p:txBody>
+      </p:sp>
+      <p:sp>
+        <p:nvSpPr>
+          <p:cNvPr id="4" name="内容占位符 3"/>
+          <p:cNvSpPr>
+            <a:spLocks noGrp="1"/>
+          </p:cNvSpPr>
+          <p:nvPr>
+            <p:ph sz="half" idx="2"/>
+          </p:nvPr>
+        </p:nvSpPr>
+        <p:spPr/>
+        <p:txBody>
+          <a:bodyPr/>
+          <a:lstStyle/>
+          <a:p>
+            <a:r>
+              <a:rPr lang="zh-CN" altLang="en-US" dirty="0" smtClean="0"/>
+              <a:t>解码</a:t>
+            </a:r>
+            <a:endParaRPr lang="zh-CN" altLang="en-US" dirty="0"/>
+          </a:p>
+        </p:txBody>
+      </p:sp>
+    </p:spTree>
+    <p:extLst>
+      <p:ext uri="{BB962C8B-B14F-4D97-AF65-F5344CB8AC3E}">
+        <p14:creationId xmlns:p14="http://schemas.microsoft.com/office/powerpoint/2010/main" val="2967856669"/>
       </p:ext>
     </p:extLst>
   </p:cSld>

--- a/src/main/resources/draft/答辩演示文稿.pptx
+++ b/src/main/resources/draft/答辩演示文稿.pptx
@@ -10,9 +10,16 @@
     <p:sldId id="261" r:id="rId4"/>
     <p:sldId id="259" r:id="rId5"/>
     <p:sldId id="262" r:id="rId6"/>
-    <p:sldId id="264" r:id="rId7"/>
-    <p:sldId id="265" r:id="rId8"/>
-    <p:sldId id="263" r:id="rId9"/>
+    <p:sldId id="266" r:id="rId7"/>
+    <p:sldId id="267" r:id="rId8"/>
+    <p:sldId id="268" r:id="rId9"/>
+    <p:sldId id="264" r:id="rId10"/>
+    <p:sldId id="265" r:id="rId11"/>
+    <p:sldId id="269" r:id="rId12"/>
+    <p:sldId id="271" r:id="rId13"/>
+    <p:sldId id="272" r:id="rId14"/>
+    <p:sldId id="273" r:id="rId15"/>
+    <p:sldId id="270" r:id="rId16"/>
   </p:sldIdLst>
   <p:sldSz cx="12192000" cy="6858000"/>
   <p:notesSz cx="6858000" cy="9144000"/>
@@ -119,6 +126,873 @@
 </p:presentation>
 </file>
 
+<file path=ppt/charts/chart1.xml><?xml version="1.0" encoding="utf-8"?>
+<c:chartSpace xmlns:c="http://schemas.openxmlformats.org/drawingml/2006/chart" xmlns:a="http://schemas.openxmlformats.org/drawingml/2006/main" xmlns:r="http://schemas.openxmlformats.org/officeDocument/2006/relationships">
+  <c:date1904 val="0"/>
+  <c:lang val="zh-CN"/>
+  <c:roundedCorners val="0"/>
+  <mc:AlternateContent xmlns:mc="http://schemas.openxmlformats.org/markup-compatibility/2006">
+    <mc:Choice xmlns:c14="http://schemas.microsoft.com/office/drawing/2007/8/2/chart" Requires="c14">
+      <c14:style val="102"/>
+    </mc:Choice>
+    <mc:Fallback>
+      <c:style val="2"/>
+    </mc:Fallback>
+  </mc:AlternateContent>
+  <c:chart>
+    <c:title>
+      <c:layout/>
+      <c:overlay val="0"/>
+      <c:spPr>
+        <a:noFill/>
+        <a:ln>
+          <a:noFill/>
+        </a:ln>
+        <a:effectLst/>
+      </c:spPr>
+      <c:txPr>
+        <a:bodyPr rot="0" spcFirstLastPara="1" vertOverflow="ellipsis" vert="horz" wrap="square" anchor="ctr" anchorCtr="1"/>
+        <a:lstStyle/>
+        <a:p>
+          <a:pPr>
+            <a:defRPr sz="1862" b="0" i="0" u="none" strike="noStrike" kern="1200" spc="0" baseline="0">
+              <a:solidFill>
+                <a:schemeClr val="tx1">
+                  <a:lumMod val="65000"/>
+                  <a:lumOff val="35000"/>
+                </a:schemeClr>
+              </a:solidFill>
+              <a:latin typeface="+mn-lt"/>
+              <a:ea typeface="+mn-ea"/>
+              <a:cs typeface="+mn-cs"/>
+            </a:defRPr>
+          </a:pPr>
+          <a:endParaRPr lang="zh-CN"/>
+        </a:p>
+      </c:txPr>
+    </c:title>
+    <c:autoTitleDeleted val="0"/>
+    <c:plotArea>
+      <c:layout>
+        <c:manualLayout>
+          <c:layoutTarget val="inner"/>
+          <c:xMode val="edge"/>
+          <c:yMode val="edge"/>
+          <c:x val="0.13478018372703413"/>
+          <c:y val="0.21057229949166772"/>
+          <c:w val="0.75004766867376871"/>
+          <c:h val="0.71772378088710498"/>
+        </c:manualLayout>
+      </c:layout>
+      <c:pieChart>
+        <c:varyColors val="1"/>
+        <c:ser>
+          <c:idx val="0"/>
+          <c:order val="0"/>
+          <c:tx>
+            <c:strRef>
+              <c:f>Sheet1!$B$1</c:f>
+              <c:strCache>
+                <c:ptCount val="1"/>
+                <c:pt idx="0">
+                  <c:v>被选择的概率</c:v>
+                </c:pt>
+              </c:strCache>
+            </c:strRef>
+          </c:tx>
+          <c:dPt>
+            <c:idx val="0"/>
+            <c:bubble3D val="0"/>
+            <c:spPr>
+              <a:solidFill>
+                <a:schemeClr val="accent1"/>
+              </a:solidFill>
+              <a:ln w="19050">
+                <a:solidFill>
+                  <a:schemeClr val="lt1"/>
+                </a:solidFill>
+              </a:ln>
+              <a:effectLst/>
+            </c:spPr>
+          </c:dPt>
+          <c:dPt>
+            <c:idx val="1"/>
+            <c:bubble3D val="0"/>
+            <c:spPr>
+              <a:solidFill>
+                <a:schemeClr val="accent2"/>
+              </a:solidFill>
+              <a:ln w="19050">
+                <a:solidFill>
+                  <a:schemeClr val="lt1"/>
+                </a:solidFill>
+              </a:ln>
+              <a:effectLst/>
+            </c:spPr>
+          </c:dPt>
+          <c:dPt>
+            <c:idx val="2"/>
+            <c:bubble3D val="0"/>
+            <c:spPr>
+              <a:solidFill>
+                <a:schemeClr val="accent3"/>
+              </a:solidFill>
+              <a:ln w="19050">
+                <a:solidFill>
+                  <a:schemeClr val="lt1"/>
+                </a:solidFill>
+              </a:ln>
+              <a:effectLst/>
+            </c:spPr>
+          </c:dPt>
+          <c:dPt>
+            <c:idx val="3"/>
+            <c:bubble3D val="0"/>
+            <c:spPr>
+              <a:solidFill>
+                <a:schemeClr val="accent4"/>
+              </a:solidFill>
+              <a:ln w="19050">
+                <a:solidFill>
+                  <a:schemeClr val="lt1"/>
+                </a:solidFill>
+              </a:ln>
+              <a:effectLst/>
+            </c:spPr>
+          </c:dPt>
+          <c:dPt>
+            <c:idx val="4"/>
+            <c:bubble3D val="0"/>
+            <c:spPr>
+              <a:solidFill>
+                <a:schemeClr val="accent5"/>
+              </a:solidFill>
+              <a:ln w="19050">
+                <a:solidFill>
+                  <a:schemeClr val="lt1"/>
+                </a:solidFill>
+              </a:ln>
+              <a:effectLst/>
+            </c:spPr>
+          </c:dPt>
+          <c:dPt>
+            <c:idx val="5"/>
+            <c:bubble3D val="0"/>
+            <c:spPr>
+              <a:solidFill>
+                <a:schemeClr val="accent6"/>
+              </a:solidFill>
+              <a:ln w="19050">
+                <a:solidFill>
+                  <a:schemeClr val="lt1"/>
+                </a:solidFill>
+              </a:ln>
+              <a:effectLst/>
+            </c:spPr>
+          </c:dPt>
+          <c:dLbls>
+            <c:spPr>
+              <a:solidFill>
+                <a:prstClr val="white"/>
+              </a:solidFill>
+              <a:ln>
+                <a:solidFill>
+                  <a:prstClr val="black">
+                    <a:lumMod val="25000"/>
+                    <a:lumOff val="75000"/>
+                  </a:prstClr>
+                </a:solidFill>
+              </a:ln>
+              <a:effectLst/>
+            </c:spPr>
+            <c:txPr>
+              <a:bodyPr rot="0" spcFirstLastPara="1" vertOverflow="clip" horzOverflow="clip" vert="horz" wrap="square" lIns="38100" tIns="19050" rIns="38100" bIns="19050" anchor="ctr" anchorCtr="1">
+                <a:spAutoFit/>
+              </a:bodyPr>
+              <a:lstStyle/>
+              <a:p>
+                <a:pPr>
+                  <a:defRPr sz="1197" b="0" i="0" u="none" strike="noStrike" kern="1200" baseline="0">
+                    <a:solidFill>
+                      <a:schemeClr val="dk1">
+                        <a:lumMod val="65000"/>
+                        <a:lumOff val="35000"/>
+                      </a:schemeClr>
+                    </a:solidFill>
+                    <a:latin typeface="+mn-lt"/>
+                    <a:ea typeface="+mn-ea"/>
+                    <a:cs typeface="+mn-cs"/>
+                  </a:defRPr>
+                </a:pPr>
+                <a:endParaRPr lang="zh-CN"/>
+              </a:p>
+            </c:txPr>
+            <c:dLblPos val="outEnd"/>
+            <c:showLegendKey val="0"/>
+            <c:showVal val="1"/>
+            <c:showCatName val="0"/>
+            <c:showSerName val="0"/>
+            <c:showPercent val="1"/>
+            <c:showBubbleSize val="0"/>
+            <c:separator>, </c:separator>
+            <c:showLeaderLines val="0"/>
+            <c:extLst>
+              <c:ext xmlns:c15="http://schemas.microsoft.com/office/drawing/2012/chart" uri="{CE6537A1-D6FC-4f65-9D91-7224C49458BB}">
+                <c15:spPr xmlns:c15="http://schemas.microsoft.com/office/drawing/2012/chart">
+                  <a:prstGeom prst="wedgeRectCallout">
+                    <a:avLst/>
+                  </a:prstGeom>
+                  <a:noFill/>
+                  <a:ln>
+                    <a:noFill/>
+                  </a:ln>
+                </c15:spPr>
+                <c15:layout/>
+              </c:ext>
+            </c:extLst>
+          </c:dLbls>
+          <c:cat>
+            <c:numRef>
+              <c:f>Sheet1!$A$2:$A$7</c:f>
+              <c:numCache>
+                <c:formatCode>General</c:formatCode>
+                <c:ptCount val="6"/>
+              </c:numCache>
+            </c:numRef>
+          </c:cat>
+          <c:val>
+            <c:numRef>
+              <c:f>Sheet1!$B$2:$B$7</c:f>
+              <c:numCache>
+                <c:formatCode>General</c:formatCode>
+                <c:ptCount val="6"/>
+                <c:pt idx="0">
+                  <c:v>5.2</c:v>
+                </c:pt>
+                <c:pt idx="1">
+                  <c:v>3.2</c:v>
+                </c:pt>
+                <c:pt idx="2">
+                  <c:v>1.4</c:v>
+                </c:pt>
+                <c:pt idx="3">
+                  <c:v>1.2</c:v>
+                </c:pt>
+                <c:pt idx="4">
+                  <c:v>0.5</c:v>
+                </c:pt>
+                <c:pt idx="5">
+                  <c:v>1.8</c:v>
+                </c:pt>
+              </c:numCache>
+            </c:numRef>
+          </c:val>
+        </c:ser>
+        <c:dLbls>
+          <c:showLegendKey val="0"/>
+          <c:showVal val="0"/>
+          <c:showCatName val="0"/>
+          <c:showSerName val="0"/>
+          <c:showPercent val="0"/>
+          <c:showBubbleSize val="0"/>
+          <c:showLeaderLines val="0"/>
+        </c:dLbls>
+        <c:firstSliceAng val="0"/>
+      </c:pieChart>
+      <c:spPr>
+        <a:noFill/>
+        <a:ln>
+          <a:noFill/>
+        </a:ln>
+        <a:effectLst/>
+      </c:spPr>
+    </c:plotArea>
+    <c:plotVisOnly val="1"/>
+    <c:dispBlanksAs val="gap"/>
+    <c:showDLblsOverMax val="0"/>
+  </c:chart>
+  <c:spPr>
+    <a:noFill/>
+    <a:ln>
+      <a:noFill/>
+    </a:ln>
+    <a:effectLst/>
+  </c:spPr>
+  <c:txPr>
+    <a:bodyPr/>
+    <a:lstStyle/>
+    <a:p>
+      <a:pPr>
+        <a:defRPr/>
+      </a:pPr>
+      <a:endParaRPr lang="zh-CN"/>
+    </a:p>
+  </c:txPr>
+  <c:externalData r:id="rId3">
+    <c:autoUpdate val="0"/>
+  </c:externalData>
+</c:chartSpace>
+</file>
+
+<file path=ppt/charts/colors1.xml><?xml version="1.0" encoding="utf-8"?>
+<cs:colorStyle xmlns:cs="http://schemas.microsoft.com/office/drawing/2012/chartStyle" xmlns:a="http://schemas.openxmlformats.org/drawingml/2006/main" meth="cycle" id="10">
+  <a:schemeClr val="accent1"/>
+  <a:schemeClr val="accent2"/>
+  <a:schemeClr val="accent3"/>
+  <a:schemeClr val="accent4"/>
+  <a:schemeClr val="accent5"/>
+  <a:schemeClr val="accent6"/>
+  <cs:variation/>
+  <cs:variation>
+    <a:lumMod val="60000"/>
+  </cs:variation>
+  <cs:variation>
+    <a:lumMod val="80000"/>
+    <a:lumOff val="20000"/>
+  </cs:variation>
+  <cs:variation>
+    <a:lumMod val="80000"/>
+  </cs:variation>
+  <cs:variation>
+    <a:lumMod val="60000"/>
+    <a:lumOff val="40000"/>
+  </cs:variation>
+  <cs:variation>
+    <a:lumMod val="50000"/>
+  </cs:variation>
+  <cs:variation>
+    <a:lumMod val="70000"/>
+    <a:lumOff val="30000"/>
+  </cs:variation>
+  <cs:variation>
+    <a:lumMod val="70000"/>
+  </cs:variation>
+  <cs:variation>
+    <a:lumMod val="50000"/>
+    <a:lumOff val="50000"/>
+  </cs:variation>
+</cs:colorStyle>
+</file>
+
+<file path=ppt/charts/style1.xml><?xml version="1.0" encoding="utf-8"?>
+<cs:chartStyle xmlns:cs="http://schemas.microsoft.com/office/drawing/2012/chartStyle" xmlns:a="http://schemas.openxmlformats.org/drawingml/2006/main" id="251">
+  <cs:axisTitle>
+    <cs:lnRef idx="0"/>
+    <cs:fillRef idx="0"/>
+    <cs:effectRef idx="0"/>
+    <cs:fontRef idx="minor">
+      <a:schemeClr val="tx1">
+        <a:lumMod val="65000"/>
+        <a:lumOff val="35000"/>
+      </a:schemeClr>
+    </cs:fontRef>
+    <cs:defRPr sz="1330" kern="1200"/>
+  </cs:axisTitle>
+  <cs:categoryAxis>
+    <cs:lnRef idx="0"/>
+    <cs:fillRef idx="0"/>
+    <cs:effectRef idx="0"/>
+    <cs:fontRef idx="minor">
+      <a:schemeClr val="tx1">
+        <a:lumMod val="65000"/>
+        <a:lumOff val="35000"/>
+      </a:schemeClr>
+    </cs:fontRef>
+    <cs:spPr>
+      <a:ln w="9525" cap="flat" cmpd="sng" algn="ctr">
+        <a:solidFill>
+          <a:schemeClr val="tx1">
+            <a:lumMod val="15000"/>
+            <a:lumOff val="85000"/>
+          </a:schemeClr>
+        </a:solidFill>
+        <a:round/>
+      </a:ln>
+    </cs:spPr>
+    <cs:defRPr sz="1197" kern="1200"/>
+  </cs:categoryAxis>
+  <cs:chartArea mods="allowNoFillOverride allowNoLineOverride">
+    <cs:lnRef idx="0"/>
+    <cs:fillRef idx="0"/>
+    <cs:effectRef idx="0"/>
+    <cs:fontRef idx="minor">
+      <a:schemeClr val="tx1"/>
+    </cs:fontRef>
+    <cs:spPr>
+      <a:solidFill>
+        <a:schemeClr val="bg1"/>
+      </a:solidFill>
+      <a:ln w="9525" cap="flat" cmpd="sng" algn="ctr">
+        <a:solidFill>
+          <a:schemeClr val="tx1">
+            <a:lumMod val="15000"/>
+            <a:lumOff val="85000"/>
+          </a:schemeClr>
+        </a:solidFill>
+        <a:round/>
+      </a:ln>
+    </cs:spPr>
+    <cs:defRPr sz="1197" kern="1200"/>
+  </cs:chartArea>
+  <cs:dataLabel>
+    <cs:lnRef idx="0"/>
+    <cs:fillRef idx="0"/>
+    <cs:effectRef idx="0"/>
+    <cs:fontRef idx="minor">
+      <a:schemeClr val="tx1">
+        <a:lumMod val="75000"/>
+        <a:lumOff val="25000"/>
+      </a:schemeClr>
+    </cs:fontRef>
+    <cs:defRPr sz="1197" kern="1200"/>
+  </cs:dataLabel>
+  <cs:dataLabelCallout>
+    <cs:lnRef idx="0"/>
+    <cs:fillRef idx="0"/>
+    <cs:effectRef idx="0"/>
+    <cs:fontRef idx="minor">
+      <a:schemeClr val="dk1">
+        <a:lumMod val="65000"/>
+        <a:lumOff val="35000"/>
+      </a:schemeClr>
+    </cs:fontRef>
+    <cs:spPr>
+      <a:solidFill>
+        <a:schemeClr val="lt1"/>
+      </a:solidFill>
+      <a:ln>
+        <a:solidFill>
+          <a:schemeClr val="dk1">
+            <a:lumMod val="25000"/>
+            <a:lumOff val="75000"/>
+          </a:schemeClr>
+        </a:solidFill>
+      </a:ln>
+    </cs:spPr>
+    <cs:defRPr sz="1197" kern="1200"/>
+    <cs:bodyPr rot="0" spcFirstLastPara="1" vertOverflow="clip" horzOverflow="clip" vert="horz" wrap="square" lIns="36576" tIns="18288" rIns="36576" bIns="18288" anchor="ctr" anchorCtr="1">
+      <a:spAutoFit/>
+    </cs:bodyPr>
+  </cs:dataLabelCallout>
+  <cs:dataPoint>
+    <cs:lnRef idx="0"/>
+    <cs:fillRef idx="1">
+      <cs:styleClr val="auto"/>
+    </cs:fillRef>
+    <cs:effectRef idx="0"/>
+    <cs:fontRef idx="minor">
+      <a:schemeClr val="tx1"/>
+    </cs:fontRef>
+    <cs:spPr>
+      <a:ln w="19050">
+        <a:solidFill>
+          <a:schemeClr val="lt1"/>
+        </a:solidFill>
+      </a:ln>
+    </cs:spPr>
+  </cs:dataPoint>
+  <cs:dataPoint3D>
+    <cs:lnRef idx="0"/>
+    <cs:fillRef idx="1">
+      <cs:styleClr val="auto"/>
+    </cs:fillRef>
+    <cs:effectRef idx="0"/>
+    <cs:fontRef idx="minor">
+      <a:schemeClr val="tx1"/>
+    </cs:fontRef>
+    <cs:spPr>
+      <a:ln w="25400">
+        <a:solidFill>
+          <a:schemeClr val="lt1"/>
+        </a:solidFill>
+      </a:ln>
+    </cs:spPr>
+  </cs:dataPoint3D>
+  <cs:dataPointLine>
+    <cs:lnRef idx="0">
+      <cs:styleClr val="auto"/>
+    </cs:lnRef>
+    <cs:fillRef idx="0"/>
+    <cs:effectRef idx="0"/>
+    <cs:fontRef idx="minor">
+      <a:schemeClr val="tx1"/>
+    </cs:fontRef>
+    <cs:spPr>
+      <a:ln w="28575" cap="rnd">
+        <a:solidFill>
+          <a:schemeClr val="phClr"/>
+        </a:solidFill>
+        <a:round/>
+      </a:ln>
+    </cs:spPr>
+  </cs:dataPointLine>
+  <cs:dataPointMarker>
+    <cs:lnRef idx="0">
+      <cs:styleClr val="auto"/>
+    </cs:lnRef>
+    <cs:fillRef idx="1">
+      <cs:styleClr val="auto"/>
+    </cs:fillRef>
+    <cs:effectRef idx="0"/>
+    <cs:fontRef idx="minor">
+      <a:schemeClr val="tx1"/>
+    </cs:fontRef>
+    <cs:spPr>
+      <a:ln w="9525">
+        <a:solidFill>
+          <a:schemeClr val="phClr"/>
+        </a:solidFill>
+      </a:ln>
+    </cs:spPr>
+  </cs:dataPointMarker>
+  <cs:dataPointMarkerLayout symbol="circle" size="5"/>
+  <cs:dataPointWireframe>
+    <cs:lnRef idx="0">
+      <cs:styleClr val="auto"/>
+    </cs:lnRef>
+    <cs:fillRef idx="0"/>
+    <cs:effectRef idx="0"/>
+    <cs:fontRef idx="minor">
+      <a:schemeClr val="tx1"/>
+    </cs:fontRef>
+    <cs:spPr>
+      <a:ln w="9525" cap="rnd">
+        <a:solidFill>
+          <a:schemeClr val="phClr"/>
+        </a:solidFill>
+        <a:round/>
+      </a:ln>
+    </cs:spPr>
+  </cs:dataPointWireframe>
+  <cs:dataTable>
+    <cs:lnRef idx="0"/>
+    <cs:fillRef idx="0"/>
+    <cs:effectRef idx="0"/>
+    <cs:fontRef idx="minor">
+      <a:schemeClr val="tx1">
+        <a:lumMod val="65000"/>
+        <a:lumOff val="35000"/>
+      </a:schemeClr>
+    </cs:fontRef>
+    <cs:spPr>
+      <a:noFill/>
+      <a:ln w="9525" cap="flat" cmpd="sng" algn="ctr">
+        <a:solidFill>
+          <a:schemeClr val="tx1">
+            <a:lumMod val="15000"/>
+            <a:lumOff val="85000"/>
+          </a:schemeClr>
+        </a:solidFill>
+        <a:round/>
+      </a:ln>
+    </cs:spPr>
+    <cs:defRPr sz="1197" kern="1200"/>
+  </cs:dataTable>
+  <cs:downBar>
+    <cs:lnRef idx="0"/>
+    <cs:fillRef idx="0"/>
+    <cs:effectRef idx="0"/>
+    <cs:fontRef idx="minor">
+      <a:schemeClr val="tx1"/>
+    </cs:fontRef>
+    <cs:spPr>
+      <a:solidFill>
+        <a:schemeClr val="dk1">
+          <a:lumMod val="75000"/>
+          <a:lumOff val="25000"/>
+        </a:schemeClr>
+      </a:solidFill>
+      <a:ln w="9525" cap="flat" cmpd="sng" algn="ctr">
+        <a:solidFill>
+          <a:schemeClr val="tx1">
+            <a:lumMod val="65000"/>
+            <a:lumOff val="35000"/>
+          </a:schemeClr>
+        </a:solidFill>
+        <a:round/>
+      </a:ln>
+    </cs:spPr>
+  </cs:downBar>
+  <cs:dropLine>
+    <cs:lnRef idx="0"/>
+    <cs:fillRef idx="0"/>
+    <cs:effectRef idx="0"/>
+    <cs:fontRef idx="minor">
+      <a:schemeClr val="tx1"/>
+    </cs:fontRef>
+    <cs:spPr>
+      <a:ln w="9525" cap="flat" cmpd="sng" algn="ctr">
+        <a:solidFill>
+          <a:schemeClr val="tx1">
+            <a:lumMod val="35000"/>
+            <a:lumOff val="65000"/>
+          </a:schemeClr>
+        </a:solidFill>
+        <a:round/>
+      </a:ln>
+    </cs:spPr>
+  </cs:dropLine>
+  <cs:errorBar>
+    <cs:lnRef idx="0"/>
+    <cs:fillRef idx="0"/>
+    <cs:effectRef idx="0"/>
+    <cs:fontRef idx="minor">
+      <a:schemeClr val="tx1"/>
+    </cs:fontRef>
+    <cs:spPr>
+      <a:ln w="9525" cap="flat" cmpd="sng" algn="ctr">
+        <a:solidFill>
+          <a:schemeClr val="tx1">
+            <a:lumMod val="65000"/>
+            <a:lumOff val="35000"/>
+          </a:schemeClr>
+        </a:solidFill>
+        <a:round/>
+      </a:ln>
+    </cs:spPr>
+  </cs:errorBar>
+  <cs:floor>
+    <cs:lnRef idx="0"/>
+    <cs:fillRef idx="0"/>
+    <cs:effectRef idx="0"/>
+    <cs:fontRef idx="minor">
+      <a:schemeClr val="tx1"/>
+    </cs:fontRef>
+    <cs:spPr>
+      <a:noFill/>
+      <a:ln>
+        <a:noFill/>
+      </a:ln>
+    </cs:spPr>
+  </cs:floor>
+  <cs:gridlineMajor>
+    <cs:lnRef idx="0"/>
+    <cs:fillRef idx="0"/>
+    <cs:effectRef idx="0"/>
+    <cs:fontRef idx="minor">
+      <a:schemeClr val="tx1"/>
+    </cs:fontRef>
+    <cs:spPr>
+      <a:ln w="9525" cap="flat" cmpd="sng" algn="ctr">
+        <a:solidFill>
+          <a:schemeClr val="tx1">
+            <a:lumMod val="15000"/>
+            <a:lumOff val="85000"/>
+          </a:schemeClr>
+        </a:solidFill>
+        <a:round/>
+      </a:ln>
+    </cs:spPr>
+  </cs:gridlineMajor>
+  <cs:gridlineMinor>
+    <cs:lnRef idx="0"/>
+    <cs:fillRef idx="0"/>
+    <cs:effectRef idx="0"/>
+    <cs:fontRef idx="minor">
+      <a:schemeClr val="tx1"/>
+    </cs:fontRef>
+    <cs:spPr>
+      <a:ln w="9525" cap="flat" cmpd="sng" algn="ctr">
+        <a:solidFill>
+          <a:schemeClr val="tx1">
+            <a:lumMod val="5000"/>
+            <a:lumOff val="95000"/>
+          </a:schemeClr>
+        </a:solidFill>
+        <a:round/>
+      </a:ln>
+    </cs:spPr>
+  </cs:gridlineMinor>
+  <cs:hiLoLine>
+    <cs:lnRef idx="0"/>
+    <cs:fillRef idx="0"/>
+    <cs:effectRef idx="0"/>
+    <cs:fontRef idx="minor">
+      <a:schemeClr val="tx1"/>
+    </cs:fontRef>
+    <cs:spPr>
+      <a:ln w="9525" cap="flat" cmpd="sng" algn="ctr">
+        <a:solidFill>
+          <a:schemeClr val="tx1">
+            <a:lumMod val="50000"/>
+            <a:lumOff val="50000"/>
+          </a:schemeClr>
+        </a:solidFill>
+        <a:round/>
+      </a:ln>
+    </cs:spPr>
+  </cs:hiLoLine>
+  <cs:leaderLine>
+    <cs:lnRef idx="0"/>
+    <cs:fillRef idx="0"/>
+    <cs:effectRef idx="0"/>
+    <cs:fontRef idx="minor">
+      <a:schemeClr val="tx1"/>
+    </cs:fontRef>
+    <cs:spPr>
+      <a:ln w="9525" cap="flat" cmpd="sng" algn="ctr">
+        <a:solidFill>
+          <a:schemeClr val="tx1">
+            <a:lumMod val="35000"/>
+            <a:lumOff val="65000"/>
+          </a:schemeClr>
+        </a:solidFill>
+        <a:round/>
+      </a:ln>
+    </cs:spPr>
+  </cs:leaderLine>
+  <cs:legend>
+    <cs:lnRef idx="0"/>
+    <cs:fillRef idx="0"/>
+    <cs:effectRef idx="0"/>
+    <cs:fontRef idx="minor">
+      <a:schemeClr val="tx1">
+        <a:lumMod val="65000"/>
+        <a:lumOff val="35000"/>
+      </a:schemeClr>
+    </cs:fontRef>
+    <cs:defRPr sz="1197" kern="1200"/>
+  </cs:legend>
+  <cs:plotArea mods="allowNoFillOverride allowNoLineOverride">
+    <cs:lnRef idx="0"/>
+    <cs:fillRef idx="0"/>
+    <cs:effectRef idx="0"/>
+    <cs:fontRef idx="minor">
+      <a:schemeClr val="tx1"/>
+    </cs:fontRef>
+  </cs:plotArea>
+  <cs:plotArea3D mods="allowNoFillOverride allowNoLineOverride">
+    <cs:lnRef idx="0"/>
+    <cs:fillRef idx="0"/>
+    <cs:effectRef idx="0"/>
+    <cs:fontRef idx="minor">
+      <a:schemeClr val="tx1"/>
+    </cs:fontRef>
+  </cs:plotArea3D>
+  <cs:seriesAxis>
+    <cs:lnRef idx="0"/>
+    <cs:fillRef idx="0"/>
+    <cs:effectRef idx="0"/>
+    <cs:fontRef idx="minor">
+      <a:schemeClr val="tx1">
+        <a:lumMod val="65000"/>
+        <a:lumOff val="35000"/>
+      </a:schemeClr>
+    </cs:fontRef>
+    <cs:defRPr sz="1197" kern="1200"/>
+  </cs:seriesAxis>
+  <cs:seriesLine>
+    <cs:lnRef idx="0"/>
+    <cs:fillRef idx="0"/>
+    <cs:effectRef idx="0"/>
+    <cs:fontRef idx="minor">
+      <a:schemeClr val="tx1"/>
+    </cs:fontRef>
+    <cs:spPr>
+      <a:ln w="9525" cap="flat" cmpd="sng" algn="ctr">
+        <a:solidFill>
+          <a:schemeClr val="tx1">
+            <a:lumMod val="35000"/>
+            <a:lumOff val="65000"/>
+          </a:schemeClr>
+        </a:solidFill>
+        <a:round/>
+      </a:ln>
+    </cs:spPr>
+  </cs:seriesLine>
+  <cs:title>
+    <cs:lnRef idx="0"/>
+    <cs:fillRef idx="0"/>
+    <cs:effectRef idx="0"/>
+    <cs:fontRef idx="minor">
+      <a:schemeClr val="tx1">
+        <a:lumMod val="65000"/>
+        <a:lumOff val="35000"/>
+      </a:schemeClr>
+    </cs:fontRef>
+    <cs:defRPr sz="1862" b="0" kern="1200" spc="0" baseline="0"/>
+  </cs:title>
+  <cs:trendline>
+    <cs:lnRef idx="0">
+      <cs:styleClr val="auto"/>
+    </cs:lnRef>
+    <cs:fillRef idx="0"/>
+    <cs:effectRef idx="0"/>
+    <cs:fontRef idx="minor">
+      <a:schemeClr val="tx1"/>
+    </cs:fontRef>
+    <cs:spPr>
+      <a:ln w="19050" cap="rnd">
+        <a:solidFill>
+          <a:schemeClr val="phClr"/>
+        </a:solidFill>
+        <a:prstDash val="sysDot"/>
+      </a:ln>
+    </cs:spPr>
+  </cs:trendline>
+  <cs:trendlineLabel>
+    <cs:lnRef idx="0"/>
+    <cs:fillRef idx="0"/>
+    <cs:effectRef idx="0"/>
+    <cs:fontRef idx="minor">
+      <a:schemeClr val="tx1">
+        <a:lumMod val="65000"/>
+        <a:lumOff val="35000"/>
+      </a:schemeClr>
+    </cs:fontRef>
+    <cs:defRPr sz="1197" kern="1200"/>
+  </cs:trendlineLabel>
+  <cs:upBar>
+    <cs:lnRef idx="0"/>
+    <cs:fillRef idx="0"/>
+    <cs:effectRef idx="0"/>
+    <cs:fontRef idx="minor">
+      <a:schemeClr val="tx1"/>
+    </cs:fontRef>
+    <cs:spPr>
+      <a:solidFill>
+        <a:schemeClr val="lt1"/>
+      </a:solidFill>
+      <a:ln w="9525" cap="flat" cmpd="sng" algn="ctr">
+        <a:solidFill>
+          <a:schemeClr val="tx1">
+            <a:lumMod val="65000"/>
+            <a:lumOff val="35000"/>
+          </a:schemeClr>
+        </a:solidFill>
+        <a:round/>
+      </a:ln>
+    </cs:spPr>
+  </cs:upBar>
+  <cs:valueAxis>
+    <cs:lnRef idx="0"/>
+    <cs:fillRef idx="0"/>
+    <cs:effectRef idx="0"/>
+    <cs:fontRef idx="minor">
+      <a:schemeClr val="tx1">
+        <a:lumMod val="65000"/>
+        <a:lumOff val="35000"/>
+      </a:schemeClr>
+    </cs:fontRef>
+    <cs:defRPr sz="1197" kern="1200"/>
+  </cs:valueAxis>
+  <cs:wall>
+    <cs:lnRef idx="0"/>
+    <cs:fillRef idx="0"/>
+    <cs:effectRef idx="0"/>
+    <cs:fontRef idx="minor">
+      <a:schemeClr val="tx1"/>
+    </cs:fontRef>
+    <cs:spPr>
+      <a:noFill/>
+      <a:ln>
+        <a:noFill/>
+      </a:ln>
+    </cs:spPr>
+  </cs:wall>
+</cs:chartStyle>
+</file>
+
 <file path=ppt/diagrams/colors1.xml><?xml version="1.0" encoding="utf-8"?>
 <dgm:colorsDef xmlns:dgm="http://schemas.openxmlformats.org/drawingml/2006/diagram" xmlns:a="http://schemas.openxmlformats.org/drawingml/2006/main" uniqueId="urn:microsoft.com/office/officeart/2005/8/colors/colorful1">
   <dgm:title val=""/>
@@ -1039,6 +1913,925 @@
 </file>
 
 <file path=ppt/diagrams/colors2.xml><?xml version="1.0" encoding="utf-8"?>
+<dgm:colorsDef xmlns:dgm="http://schemas.openxmlformats.org/drawingml/2006/diagram" xmlns:a="http://schemas.openxmlformats.org/drawingml/2006/main" uniqueId="urn:microsoft.com/office/officeart/2005/8/colors/colorful1">
+  <dgm:title val=""/>
+  <dgm:desc val=""/>
+  <dgm:catLst>
+    <dgm:cat type="colorful" pri="10100"/>
+  </dgm:catLst>
+  <dgm:styleLbl name="node0">
+    <dgm:fillClrLst meth="repeat">
+      <a:schemeClr val="accent1"/>
+    </dgm:fillClrLst>
+    <dgm:linClrLst meth="repeat">
+      <a:schemeClr val="lt1"/>
+    </dgm:linClrLst>
+    <dgm:effectClrLst/>
+    <dgm:txLinClrLst/>
+    <dgm:txFillClrLst/>
+    <dgm:txEffectClrLst/>
+  </dgm:styleLbl>
+  <dgm:styleLbl name="node1">
+    <dgm:fillClrLst meth="repeat">
+      <a:schemeClr val="accent2"/>
+      <a:schemeClr val="accent3"/>
+      <a:schemeClr val="accent4"/>
+      <a:schemeClr val="accent5"/>
+      <a:schemeClr val="accent6"/>
+    </dgm:fillClrLst>
+    <dgm:linClrLst meth="repeat">
+      <a:schemeClr val="lt1"/>
+    </dgm:linClrLst>
+    <dgm:effectClrLst/>
+    <dgm:txLinClrLst/>
+    <dgm:txFillClrLst/>
+    <dgm:txEffectClrLst/>
+  </dgm:styleLbl>
+  <dgm:styleLbl name="alignNode1">
+    <dgm:fillClrLst meth="repeat">
+      <a:schemeClr val="accent2"/>
+      <a:schemeClr val="accent3"/>
+      <a:schemeClr val="accent4"/>
+      <a:schemeClr val="accent5"/>
+      <a:schemeClr val="accent6"/>
+    </dgm:fillClrLst>
+    <dgm:linClrLst meth="repeat">
+      <a:schemeClr val="accent2"/>
+      <a:schemeClr val="accent3"/>
+      <a:schemeClr val="accent4"/>
+      <a:schemeClr val="accent5"/>
+      <a:schemeClr val="accent6"/>
+    </dgm:linClrLst>
+    <dgm:effectClrLst/>
+    <dgm:txLinClrLst/>
+    <dgm:txFillClrLst/>
+    <dgm:txEffectClrLst/>
+  </dgm:styleLbl>
+  <dgm:styleLbl name="lnNode1">
+    <dgm:fillClrLst meth="repeat">
+      <a:schemeClr val="accent2"/>
+      <a:schemeClr val="accent3"/>
+      <a:schemeClr val="accent4"/>
+      <a:schemeClr val="accent5"/>
+      <a:schemeClr val="accent6"/>
+    </dgm:fillClrLst>
+    <dgm:linClrLst meth="repeat">
+      <a:schemeClr val="lt1"/>
+    </dgm:linClrLst>
+    <dgm:effectClrLst/>
+    <dgm:txLinClrLst/>
+    <dgm:txFillClrLst/>
+    <dgm:txEffectClrLst/>
+  </dgm:styleLbl>
+  <dgm:styleLbl name="vennNode1">
+    <dgm:fillClrLst meth="repeat">
+      <a:schemeClr val="accent2">
+        <a:alpha val="50000"/>
+      </a:schemeClr>
+      <a:schemeClr val="accent3">
+        <a:alpha val="50000"/>
+      </a:schemeClr>
+      <a:schemeClr val="accent4">
+        <a:alpha val="50000"/>
+      </a:schemeClr>
+      <a:schemeClr val="accent5">
+        <a:alpha val="50000"/>
+      </a:schemeClr>
+      <a:schemeClr val="accent6">
+        <a:alpha val="50000"/>
+      </a:schemeClr>
+    </dgm:fillClrLst>
+    <dgm:linClrLst meth="repeat">
+      <a:schemeClr val="lt1"/>
+    </dgm:linClrLst>
+    <dgm:effectClrLst/>
+    <dgm:txLinClrLst/>
+    <dgm:txFillClrLst/>
+    <dgm:txEffectClrLst/>
+  </dgm:styleLbl>
+  <dgm:styleLbl name="node2">
+    <dgm:fillClrLst>
+      <a:schemeClr val="accent2"/>
+    </dgm:fillClrLst>
+    <dgm:linClrLst meth="repeat">
+      <a:schemeClr val="lt1"/>
+    </dgm:linClrLst>
+    <dgm:effectClrLst/>
+    <dgm:txLinClrLst/>
+    <dgm:txFillClrLst/>
+    <dgm:txEffectClrLst/>
+  </dgm:styleLbl>
+  <dgm:styleLbl name="node3">
+    <dgm:fillClrLst>
+      <a:schemeClr val="accent3"/>
+    </dgm:fillClrLst>
+    <dgm:linClrLst meth="repeat">
+      <a:schemeClr val="lt1"/>
+    </dgm:linClrLst>
+    <dgm:effectClrLst/>
+    <dgm:txLinClrLst/>
+    <dgm:txFillClrLst/>
+    <dgm:txEffectClrLst/>
+  </dgm:styleLbl>
+  <dgm:styleLbl name="node4">
+    <dgm:fillClrLst>
+      <a:schemeClr val="accent4"/>
+    </dgm:fillClrLst>
+    <dgm:linClrLst meth="repeat">
+      <a:schemeClr val="lt1"/>
+    </dgm:linClrLst>
+    <dgm:effectClrLst/>
+    <dgm:txLinClrLst/>
+    <dgm:txFillClrLst/>
+    <dgm:txEffectClrLst/>
+  </dgm:styleLbl>
+  <dgm:styleLbl name="fgImgPlace1">
+    <dgm:fillClrLst meth="repeat">
+      <a:schemeClr val="accent2">
+        <a:tint val="50000"/>
+      </a:schemeClr>
+      <a:schemeClr val="accent3">
+        <a:tint val="50000"/>
+      </a:schemeClr>
+      <a:schemeClr val="accent4">
+        <a:tint val="50000"/>
+      </a:schemeClr>
+      <a:schemeClr val="accent5">
+        <a:tint val="50000"/>
+      </a:schemeClr>
+      <a:schemeClr val="accent6">
+        <a:tint val="50000"/>
+      </a:schemeClr>
+    </dgm:fillClrLst>
+    <dgm:linClrLst meth="repeat">
+      <a:schemeClr val="lt1"/>
+    </dgm:linClrLst>
+    <dgm:effectClrLst/>
+    <dgm:txLinClrLst/>
+    <dgm:txFillClrLst meth="repeat">
+      <a:schemeClr val="lt1"/>
+    </dgm:txFillClrLst>
+    <dgm:txEffectClrLst/>
+  </dgm:styleLbl>
+  <dgm:styleLbl name="alignImgPlace1">
+    <dgm:fillClrLst>
+      <a:schemeClr val="accent1">
+        <a:tint val="50000"/>
+      </a:schemeClr>
+      <a:schemeClr val="accent2">
+        <a:tint val="20000"/>
+      </a:schemeClr>
+    </dgm:fillClrLst>
+    <dgm:linClrLst meth="repeat">
+      <a:schemeClr val="lt1"/>
+    </dgm:linClrLst>
+    <dgm:effectClrLst/>
+    <dgm:txLinClrLst/>
+    <dgm:txFillClrLst meth="repeat">
+      <a:schemeClr val="lt1"/>
+    </dgm:txFillClrLst>
+    <dgm:txEffectClrLst/>
+  </dgm:styleLbl>
+  <dgm:styleLbl name="bgImgPlace1">
+    <dgm:fillClrLst>
+      <a:schemeClr val="accent1">
+        <a:tint val="50000"/>
+      </a:schemeClr>
+      <a:schemeClr val="accent2">
+        <a:tint val="20000"/>
+      </a:schemeClr>
+    </dgm:fillClrLst>
+    <dgm:linClrLst meth="repeat">
+      <a:schemeClr val="lt1"/>
+    </dgm:linClrLst>
+    <dgm:effectClrLst/>
+    <dgm:txLinClrLst/>
+    <dgm:txFillClrLst meth="repeat">
+      <a:schemeClr val="lt1"/>
+    </dgm:txFillClrLst>
+    <dgm:txEffectClrLst/>
+  </dgm:styleLbl>
+  <dgm:styleLbl name="sibTrans2D1">
+    <dgm:fillClrLst meth="repeat">
+      <a:schemeClr val="accent2"/>
+      <a:schemeClr val="accent3"/>
+      <a:schemeClr val="accent4"/>
+      <a:schemeClr val="accent5"/>
+      <a:schemeClr val="accent6"/>
+    </dgm:fillClrLst>
+    <dgm:linClrLst meth="cycle">
+      <a:schemeClr val="lt1"/>
+    </dgm:linClrLst>
+    <dgm:effectClrLst/>
+    <dgm:txLinClrLst/>
+    <dgm:txFillClrLst/>
+    <dgm:txEffectClrLst/>
+  </dgm:styleLbl>
+  <dgm:styleLbl name="fgSibTrans2D1">
+    <dgm:fillClrLst meth="repeat">
+      <a:schemeClr val="accent2"/>
+      <a:schemeClr val="accent3"/>
+      <a:schemeClr val="accent4"/>
+      <a:schemeClr val="accent5"/>
+      <a:schemeClr val="accent6"/>
+    </dgm:fillClrLst>
+    <dgm:linClrLst meth="cycle">
+      <a:schemeClr val="lt1"/>
+    </dgm:linClrLst>
+    <dgm:effectClrLst/>
+    <dgm:txLinClrLst/>
+    <dgm:txFillClrLst meth="repeat">
+      <a:schemeClr val="lt1"/>
+    </dgm:txFillClrLst>
+    <dgm:txEffectClrLst/>
+  </dgm:styleLbl>
+  <dgm:styleLbl name="bgSibTrans2D1">
+    <dgm:fillClrLst meth="repeat">
+      <a:schemeClr val="accent2"/>
+      <a:schemeClr val="accent3"/>
+      <a:schemeClr val="accent4"/>
+      <a:schemeClr val="accent5"/>
+      <a:schemeClr val="accent6"/>
+    </dgm:fillClrLst>
+    <dgm:linClrLst meth="cycle">
+      <a:schemeClr val="lt1"/>
+    </dgm:linClrLst>
+    <dgm:effectClrLst/>
+    <dgm:txLinClrLst/>
+    <dgm:txFillClrLst meth="repeat">
+      <a:schemeClr val="lt1"/>
+    </dgm:txFillClrLst>
+    <dgm:txEffectClrLst/>
+  </dgm:styleLbl>
+  <dgm:styleLbl name="sibTrans1D1">
+    <dgm:fillClrLst meth="repeat">
+      <a:schemeClr val="accent2"/>
+      <a:schemeClr val="accent3"/>
+      <a:schemeClr val="accent4"/>
+      <a:schemeClr val="accent5"/>
+      <a:schemeClr val="accent6"/>
+    </dgm:fillClrLst>
+    <dgm:linClrLst meth="repeat">
+      <a:schemeClr val="accent2"/>
+      <a:schemeClr val="accent3"/>
+      <a:schemeClr val="accent4"/>
+      <a:schemeClr val="accent5"/>
+      <a:schemeClr val="accent6"/>
+    </dgm:linClrLst>
+    <dgm:effectClrLst/>
+    <dgm:txLinClrLst/>
+    <dgm:txFillClrLst meth="repeat">
+      <a:schemeClr val="tx1"/>
+    </dgm:txFillClrLst>
+    <dgm:txEffectClrLst/>
+  </dgm:styleLbl>
+  <dgm:styleLbl name="callout">
+    <dgm:fillClrLst meth="repeat">
+      <a:schemeClr val="accent2"/>
+    </dgm:fillClrLst>
+    <dgm:linClrLst meth="repeat">
+      <a:schemeClr val="accent2">
+        <a:tint val="50000"/>
+      </a:schemeClr>
+    </dgm:linClrLst>
+    <dgm:effectClrLst/>
+    <dgm:txLinClrLst/>
+    <dgm:txFillClrLst meth="repeat">
+      <a:schemeClr val="tx1"/>
+    </dgm:txFillClrLst>
+    <dgm:txEffectClrLst/>
+  </dgm:styleLbl>
+  <dgm:styleLbl name="asst0">
+    <dgm:fillClrLst meth="repeat">
+      <a:schemeClr val="accent1"/>
+    </dgm:fillClrLst>
+    <dgm:linClrLst meth="repeat">
+      <a:schemeClr val="lt1"/>
+    </dgm:linClrLst>
+    <dgm:effectClrLst/>
+    <dgm:txLinClrLst/>
+    <dgm:txFillClrLst/>
+    <dgm:txEffectClrLst/>
+  </dgm:styleLbl>
+  <dgm:styleLbl name="asst1">
+    <dgm:fillClrLst meth="repeat">
+      <a:schemeClr val="accent2"/>
+    </dgm:fillClrLst>
+    <dgm:linClrLst meth="repeat">
+      <a:schemeClr val="lt1"/>
+    </dgm:linClrLst>
+    <dgm:effectClrLst/>
+    <dgm:txLinClrLst/>
+    <dgm:txFillClrLst/>
+    <dgm:txEffectClrLst/>
+  </dgm:styleLbl>
+  <dgm:styleLbl name="asst2">
+    <dgm:fillClrLst>
+      <a:schemeClr val="accent3"/>
+    </dgm:fillClrLst>
+    <dgm:linClrLst meth="repeat">
+      <a:schemeClr val="lt1"/>
+    </dgm:linClrLst>
+    <dgm:effectClrLst/>
+    <dgm:txLinClrLst/>
+    <dgm:txFillClrLst/>
+    <dgm:txEffectClrLst/>
+  </dgm:styleLbl>
+  <dgm:styleLbl name="asst3">
+    <dgm:fillClrLst>
+      <a:schemeClr val="accent4"/>
+    </dgm:fillClrLst>
+    <dgm:linClrLst meth="repeat">
+      <a:schemeClr val="lt1"/>
+    </dgm:linClrLst>
+    <dgm:effectClrLst/>
+    <dgm:txLinClrLst/>
+    <dgm:txFillClrLst/>
+    <dgm:txEffectClrLst/>
+  </dgm:styleLbl>
+  <dgm:styleLbl name="asst4">
+    <dgm:fillClrLst>
+      <a:schemeClr val="accent5"/>
+    </dgm:fillClrLst>
+    <dgm:linClrLst meth="repeat">
+      <a:schemeClr val="lt1"/>
+    </dgm:linClrLst>
+    <dgm:effectClrLst/>
+    <dgm:txLinClrLst/>
+    <dgm:txFillClrLst/>
+    <dgm:txEffectClrLst/>
+  </dgm:styleLbl>
+  <dgm:styleLbl name="parChTrans2D1">
+    <dgm:fillClrLst meth="repeat">
+      <a:schemeClr val="accent2"/>
+    </dgm:fillClrLst>
+    <dgm:linClrLst meth="repeat">
+      <a:schemeClr val="lt1"/>
+    </dgm:linClrLst>
+    <dgm:effectClrLst/>
+    <dgm:txLinClrLst/>
+    <dgm:txFillClrLst meth="repeat">
+      <a:schemeClr val="lt1"/>
+    </dgm:txFillClrLst>
+    <dgm:txEffectClrLst/>
+  </dgm:styleLbl>
+  <dgm:styleLbl name="parChTrans2D2">
+    <dgm:fillClrLst meth="repeat">
+      <a:schemeClr val="accent3"/>
+    </dgm:fillClrLst>
+    <dgm:linClrLst meth="repeat">
+      <a:schemeClr val="lt1"/>
+    </dgm:linClrLst>
+    <dgm:effectClrLst/>
+    <dgm:txLinClrLst/>
+    <dgm:txFillClrLst/>
+    <dgm:txEffectClrLst/>
+  </dgm:styleLbl>
+  <dgm:styleLbl name="parChTrans2D3">
+    <dgm:fillClrLst meth="repeat">
+      <a:schemeClr val="accent4"/>
+    </dgm:fillClrLst>
+    <dgm:linClrLst meth="repeat">
+      <a:schemeClr val="lt1"/>
+    </dgm:linClrLst>
+    <dgm:effectClrLst/>
+    <dgm:txLinClrLst/>
+    <dgm:txFillClrLst/>
+    <dgm:txEffectClrLst/>
+  </dgm:styleLbl>
+  <dgm:styleLbl name="parChTrans2D4">
+    <dgm:fillClrLst meth="repeat">
+      <a:schemeClr val="accent5"/>
+    </dgm:fillClrLst>
+    <dgm:linClrLst meth="repeat">
+      <a:schemeClr val="lt1"/>
+    </dgm:linClrLst>
+    <dgm:effectClrLst/>
+    <dgm:txLinClrLst/>
+    <dgm:txFillClrLst meth="repeat">
+      <a:schemeClr val="lt1"/>
+    </dgm:txFillClrLst>
+    <dgm:txEffectClrLst/>
+  </dgm:styleLbl>
+  <dgm:styleLbl name="parChTrans1D1">
+    <dgm:fillClrLst meth="repeat">
+      <a:schemeClr val="accent2"/>
+    </dgm:fillClrLst>
+    <dgm:linClrLst meth="repeat">
+      <a:schemeClr val="accent1"/>
+    </dgm:linClrLst>
+    <dgm:effectClrLst/>
+    <dgm:txLinClrLst/>
+    <dgm:txFillClrLst meth="repeat">
+      <a:schemeClr val="tx1"/>
+    </dgm:txFillClrLst>
+    <dgm:txEffectClrLst/>
+  </dgm:styleLbl>
+  <dgm:styleLbl name="parChTrans1D2">
+    <dgm:fillClrLst meth="repeat">
+      <a:schemeClr val="accent3">
+        <a:tint val="90000"/>
+      </a:schemeClr>
+    </dgm:fillClrLst>
+    <dgm:linClrLst meth="repeat">
+      <a:schemeClr val="accent2"/>
+    </dgm:linClrLst>
+    <dgm:effectClrLst/>
+    <dgm:txLinClrLst/>
+    <dgm:txFillClrLst meth="repeat">
+      <a:schemeClr val="tx1"/>
+    </dgm:txFillClrLst>
+    <dgm:txEffectClrLst/>
+  </dgm:styleLbl>
+  <dgm:styleLbl name="parChTrans1D3">
+    <dgm:fillClrLst meth="repeat">
+      <a:schemeClr val="accent4">
+        <a:tint val="70000"/>
+      </a:schemeClr>
+    </dgm:fillClrLst>
+    <dgm:linClrLst meth="repeat">
+      <a:schemeClr val="accent3"/>
+    </dgm:linClrLst>
+    <dgm:effectClrLst/>
+    <dgm:txLinClrLst/>
+    <dgm:txFillClrLst meth="repeat">
+      <a:schemeClr val="tx1"/>
+    </dgm:txFillClrLst>
+    <dgm:txEffectClrLst/>
+  </dgm:styleLbl>
+  <dgm:styleLbl name="parChTrans1D4">
+    <dgm:fillClrLst meth="repeat">
+      <a:schemeClr val="accent5">
+        <a:tint val="50000"/>
+      </a:schemeClr>
+    </dgm:fillClrLst>
+    <dgm:linClrLst meth="repeat">
+      <a:schemeClr val="accent4"/>
+    </dgm:linClrLst>
+    <dgm:effectClrLst/>
+    <dgm:txLinClrLst/>
+    <dgm:txFillClrLst meth="repeat">
+      <a:schemeClr val="tx1"/>
+    </dgm:txFillClrLst>
+    <dgm:txEffectClrLst/>
+  </dgm:styleLbl>
+  <dgm:styleLbl name="fgAcc1">
+    <dgm:fillClrLst meth="repeat">
+      <a:schemeClr val="lt1">
+        <a:alpha val="90000"/>
+      </a:schemeClr>
+    </dgm:fillClrLst>
+    <dgm:linClrLst meth="repeat">
+      <a:schemeClr val="accent2"/>
+      <a:schemeClr val="accent3"/>
+      <a:schemeClr val="accent4"/>
+      <a:schemeClr val="accent5"/>
+      <a:schemeClr val="accent6"/>
+    </dgm:linClrLst>
+    <dgm:effectClrLst/>
+    <dgm:txLinClrLst/>
+    <dgm:txFillClrLst meth="repeat">
+      <a:schemeClr val="dk1"/>
+    </dgm:txFillClrLst>
+    <dgm:txEffectClrLst/>
+  </dgm:styleLbl>
+  <dgm:styleLbl name="conFgAcc1">
+    <dgm:fillClrLst meth="repeat">
+      <a:schemeClr val="lt1">
+        <a:alpha val="90000"/>
+      </a:schemeClr>
+    </dgm:fillClrLst>
+    <dgm:linClrLst meth="repeat">
+      <a:schemeClr val="accent2"/>
+      <a:schemeClr val="accent3"/>
+      <a:schemeClr val="accent4"/>
+      <a:schemeClr val="accent5"/>
+      <a:schemeClr val="accent6"/>
+    </dgm:linClrLst>
+    <dgm:effectClrLst/>
+    <dgm:txLinClrLst/>
+    <dgm:txFillClrLst meth="repeat">
+      <a:schemeClr val="dk1"/>
+    </dgm:txFillClrLst>
+    <dgm:txEffectClrLst/>
+  </dgm:styleLbl>
+  <dgm:styleLbl name="alignAcc1">
+    <dgm:fillClrLst meth="repeat">
+      <a:schemeClr val="lt1">
+        <a:alpha val="90000"/>
+      </a:schemeClr>
+    </dgm:fillClrLst>
+    <dgm:linClrLst meth="repeat">
+      <a:schemeClr val="accent2"/>
+      <a:schemeClr val="accent3"/>
+      <a:schemeClr val="accent4"/>
+      <a:schemeClr val="accent5"/>
+      <a:schemeClr val="accent6"/>
+    </dgm:linClrLst>
+    <dgm:effectClrLst/>
+    <dgm:txLinClrLst/>
+    <dgm:txFillClrLst meth="repeat">
+      <a:schemeClr val="dk1"/>
+    </dgm:txFillClrLst>
+    <dgm:txEffectClrLst/>
+  </dgm:styleLbl>
+  <dgm:styleLbl name="trAlignAcc1">
+    <dgm:fillClrLst meth="repeat">
+      <a:schemeClr val="lt1">
+        <a:alpha val="40000"/>
+      </a:schemeClr>
+    </dgm:fillClrLst>
+    <dgm:linClrLst meth="repeat">
+      <a:schemeClr val="accent1"/>
+    </dgm:linClrLst>
+    <dgm:effectClrLst/>
+    <dgm:txLinClrLst/>
+    <dgm:txFillClrLst meth="repeat">
+      <a:schemeClr val="dk1"/>
+    </dgm:txFillClrLst>
+    <dgm:txEffectClrLst/>
+  </dgm:styleLbl>
+  <dgm:styleLbl name="bgAcc1">
+    <dgm:fillClrLst meth="repeat">
+      <a:schemeClr val="lt1">
+        <a:alpha val="90000"/>
+      </a:schemeClr>
+    </dgm:fillClrLst>
+    <dgm:linClrLst meth="repeat">
+      <a:schemeClr val="accent2"/>
+      <a:schemeClr val="accent3"/>
+      <a:schemeClr val="accent4"/>
+      <a:schemeClr val="accent5"/>
+      <a:schemeClr val="accent6"/>
+    </dgm:linClrLst>
+    <dgm:effectClrLst/>
+    <dgm:txLinClrLst/>
+    <dgm:txFillClrLst meth="repeat">
+      <a:schemeClr val="dk1"/>
+    </dgm:txFillClrLst>
+    <dgm:txEffectClrLst/>
+  </dgm:styleLbl>
+  <dgm:styleLbl name="solidFgAcc1">
+    <dgm:fillClrLst meth="repeat">
+      <a:schemeClr val="lt1"/>
+    </dgm:fillClrLst>
+    <dgm:linClrLst meth="repeat">
+      <a:schemeClr val="accent2"/>
+      <a:schemeClr val="accent3"/>
+      <a:schemeClr val="accent4"/>
+      <a:schemeClr val="accent5"/>
+      <a:schemeClr val="accent6"/>
+    </dgm:linClrLst>
+    <dgm:effectClrLst/>
+    <dgm:txLinClrLst/>
+    <dgm:txFillClrLst meth="repeat">
+      <a:schemeClr val="dk1"/>
+    </dgm:txFillClrLst>
+    <dgm:txEffectClrLst/>
+  </dgm:styleLbl>
+  <dgm:styleLbl name="solidAlignAcc1">
+    <dgm:fillClrLst meth="repeat">
+      <a:schemeClr val="lt1"/>
+    </dgm:fillClrLst>
+    <dgm:linClrLst meth="repeat">
+      <a:schemeClr val="accent2"/>
+      <a:schemeClr val="accent3"/>
+      <a:schemeClr val="accent4"/>
+      <a:schemeClr val="accent5"/>
+      <a:schemeClr val="accent6"/>
+    </dgm:linClrLst>
+    <dgm:effectClrLst/>
+    <dgm:txLinClrLst/>
+    <dgm:txFillClrLst meth="repeat">
+      <a:schemeClr val="dk1"/>
+    </dgm:txFillClrLst>
+    <dgm:txEffectClrLst/>
+  </dgm:styleLbl>
+  <dgm:styleLbl name="solidBgAcc1">
+    <dgm:fillClrLst meth="repeat">
+      <a:schemeClr val="lt1"/>
+    </dgm:fillClrLst>
+    <dgm:linClrLst meth="repeat">
+      <a:schemeClr val="accent2"/>
+      <a:schemeClr val="accent3"/>
+      <a:schemeClr val="accent4"/>
+      <a:schemeClr val="accent5"/>
+      <a:schemeClr val="accent6"/>
+    </dgm:linClrLst>
+    <dgm:effectClrLst/>
+    <dgm:txLinClrLst/>
+    <dgm:txFillClrLst meth="repeat">
+      <a:schemeClr val="dk1"/>
+    </dgm:txFillClrLst>
+    <dgm:txEffectClrLst/>
+  </dgm:styleLbl>
+  <dgm:styleLbl name="fgAccFollowNode1">
+    <dgm:fillClrLst meth="repeat">
+      <a:schemeClr val="accent2">
+        <a:tint val="40000"/>
+        <a:alpha val="90000"/>
+      </a:schemeClr>
+      <a:schemeClr val="accent3">
+        <a:tint val="40000"/>
+        <a:alpha val="90000"/>
+      </a:schemeClr>
+      <a:schemeClr val="accent4">
+        <a:tint val="40000"/>
+        <a:alpha val="90000"/>
+      </a:schemeClr>
+      <a:schemeClr val="accent5">
+        <a:tint val="40000"/>
+        <a:alpha val="90000"/>
+      </a:schemeClr>
+      <a:schemeClr val="accent6">
+        <a:tint val="40000"/>
+        <a:alpha val="90000"/>
+      </a:schemeClr>
+    </dgm:fillClrLst>
+    <dgm:linClrLst meth="repeat">
+      <a:schemeClr val="accent2">
+        <a:tint val="40000"/>
+        <a:alpha val="90000"/>
+      </a:schemeClr>
+      <a:schemeClr val="accent3">
+        <a:tint val="40000"/>
+        <a:alpha val="90000"/>
+      </a:schemeClr>
+      <a:schemeClr val="accent4">
+        <a:tint val="40000"/>
+        <a:alpha val="90000"/>
+      </a:schemeClr>
+      <a:schemeClr val="accent5">
+        <a:tint val="40000"/>
+        <a:alpha val="90000"/>
+      </a:schemeClr>
+      <a:schemeClr val="accent6">
+        <a:tint val="40000"/>
+        <a:alpha val="90000"/>
+      </a:schemeClr>
+    </dgm:linClrLst>
+    <dgm:effectClrLst/>
+    <dgm:txLinClrLst/>
+    <dgm:txFillClrLst meth="repeat">
+      <a:schemeClr val="dk1"/>
+    </dgm:txFillClrLst>
+    <dgm:txEffectClrLst/>
+  </dgm:styleLbl>
+  <dgm:styleLbl name="alignAccFollowNode1">
+    <dgm:fillClrLst meth="repeat">
+      <a:schemeClr val="accent2">
+        <a:tint val="40000"/>
+        <a:alpha val="90000"/>
+      </a:schemeClr>
+      <a:schemeClr val="accent3">
+        <a:tint val="40000"/>
+        <a:alpha val="90000"/>
+      </a:schemeClr>
+      <a:schemeClr val="accent4">
+        <a:tint val="40000"/>
+        <a:alpha val="90000"/>
+      </a:schemeClr>
+      <a:schemeClr val="accent5">
+        <a:tint val="40000"/>
+        <a:alpha val="90000"/>
+      </a:schemeClr>
+      <a:schemeClr val="accent6">
+        <a:tint val="40000"/>
+        <a:alpha val="90000"/>
+      </a:schemeClr>
+    </dgm:fillClrLst>
+    <dgm:linClrLst meth="repeat">
+      <a:schemeClr val="accent2">
+        <a:tint val="40000"/>
+        <a:alpha val="90000"/>
+      </a:schemeClr>
+      <a:schemeClr val="accent3">
+        <a:tint val="40000"/>
+        <a:alpha val="90000"/>
+      </a:schemeClr>
+      <a:schemeClr val="accent4">
+        <a:tint val="40000"/>
+        <a:alpha val="90000"/>
+      </a:schemeClr>
+      <a:schemeClr val="accent5">
+        <a:tint val="40000"/>
+        <a:alpha val="90000"/>
+      </a:schemeClr>
+      <a:schemeClr val="accent6">
+        <a:tint val="40000"/>
+        <a:alpha val="90000"/>
+      </a:schemeClr>
+    </dgm:linClrLst>
+    <dgm:effectClrLst/>
+    <dgm:txLinClrLst/>
+    <dgm:txFillClrLst meth="repeat">
+      <a:schemeClr val="dk1"/>
+    </dgm:txFillClrLst>
+    <dgm:txEffectClrLst/>
+  </dgm:styleLbl>
+  <dgm:styleLbl name="bgAccFollowNode1">
+    <dgm:fillClrLst meth="repeat">
+      <a:schemeClr val="accent2">
+        <a:tint val="40000"/>
+        <a:alpha val="90000"/>
+      </a:schemeClr>
+      <a:schemeClr val="accent3">
+        <a:tint val="40000"/>
+        <a:alpha val="90000"/>
+      </a:schemeClr>
+      <a:schemeClr val="accent4">
+        <a:tint val="40000"/>
+        <a:alpha val="90000"/>
+      </a:schemeClr>
+      <a:schemeClr val="accent5">
+        <a:tint val="40000"/>
+        <a:alpha val="90000"/>
+      </a:schemeClr>
+      <a:schemeClr val="accent6">
+        <a:tint val="40000"/>
+        <a:alpha val="90000"/>
+      </a:schemeClr>
+    </dgm:fillClrLst>
+    <dgm:linClrLst meth="repeat">
+      <a:schemeClr val="accent2">
+        <a:tint val="40000"/>
+        <a:alpha val="90000"/>
+      </a:schemeClr>
+      <a:schemeClr val="accent3">
+        <a:tint val="40000"/>
+        <a:alpha val="90000"/>
+      </a:schemeClr>
+      <a:schemeClr val="accent4">
+        <a:tint val="40000"/>
+        <a:alpha val="90000"/>
+      </a:schemeClr>
+      <a:schemeClr val="accent5">
+        <a:tint val="40000"/>
+        <a:alpha val="90000"/>
+      </a:schemeClr>
+      <a:schemeClr val="accent6">
+        <a:tint val="40000"/>
+        <a:alpha val="90000"/>
+      </a:schemeClr>
+    </dgm:linClrLst>
+    <dgm:effectClrLst/>
+    <dgm:txLinClrLst/>
+    <dgm:txFillClrLst meth="repeat">
+      <a:schemeClr val="dk1"/>
+    </dgm:txFillClrLst>
+    <dgm:txEffectClrLst/>
+  </dgm:styleLbl>
+  <dgm:styleLbl name="fgAcc0">
+    <dgm:fillClrLst meth="repeat">
+      <a:schemeClr val="lt1">
+        <a:alpha val="90000"/>
+      </a:schemeClr>
+    </dgm:fillClrLst>
+    <dgm:linClrLst>
+      <a:schemeClr val="accent1"/>
+    </dgm:linClrLst>
+    <dgm:effectClrLst/>
+    <dgm:txLinClrLst/>
+    <dgm:txFillClrLst meth="repeat">
+      <a:schemeClr val="dk1"/>
+    </dgm:txFillClrLst>
+    <dgm:txEffectClrLst/>
+  </dgm:styleLbl>
+  <dgm:styleLbl name="fgAcc2">
+    <dgm:fillClrLst meth="repeat">
+      <a:schemeClr val="lt1">
+        <a:alpha val="90000"/>
+      </a:schemeClr>
+    </dgm:fillClrLst>
+    <dgm:linClrLst>
+      <a:schemeClr val="accent2"/>
+    </dgm:linClrLst>
+    <dgm:effectClrLst/>
+    <dgm:txLinClrLst/>
+    <dgm:txFillClrLst meth="repeat">
+      <a:schemeClr val="dk1"/>
+    </dgm:txFillClrLst>
+    <dgm:txEffectClrLst/>
+  </dgm:styleLbl>
+  <dgm:styleLbl name="fgAcc3">
+    <dgm:fillClrLst meth="repeat">
+      <a:schemeClr val="lt1">
+        <a:alpha val="90000"/>
+      </a:schemeClr>
+    </dgm:fillClrLst>
+    <dgm:linClrLst>
+      <a:schemeClr val="accent3"/>
+    </dgm:linClrLst>
+    <dgm:effectClrLst/>
+    <dgm:txLinClrLst/>
+    <dgm:txFillClrLst meth="repeat">
+      <a:schemeClr val="dk1"/>
+    </dgm:txFillClrLst>
+    <dgm:txEffectClrLst/>
+  </dgm:styleLbl>
+  <dgm:styleLbl name="fgAcc4">
+    <dgm:fillClrLst meth="repeat">
+      <a:schemeClr val="lt1">
+        <a:alpha val="90000"/>
+      </a:schemeClr>
+    </dgm:fillClrLst>
+    <dgm:linClrLst>
+      <a:schemeClr val="accent4"/>
+    </dgm:linClrLst>
+    <dgm:effectClrLst/>
+    <dgm:txLinClrLst/>
+    <dgm:txFillClrLst meth="repeat">
+      <a:schemeClr val="dk1"/>
+    </dgm:txFillClrLst>
+    <dgm:txEffectClrLst/>
+  </dgm:styleLbl>
+  <dgm:styleLbl name="bgShp">
+    <dgm:fillClrLst meth="repeat">
+      <a:schemeClr val="accent2">
+        <a:tint val="40000"/>
+      </a:schemeClr>
+    </dgm:fillClrLst>
+    <dgm:linClrLst meth="repeat">
+      <a:schemeClr val="dk1"/>
+    </dgm:linClrLst>
+    <dgm:effectClrLst/>
+    <dgm:txLinClrLst/>
+    <dgm:txFillClrLst meth="repeat">
+      <a:schemeClr val="dk1"/>
+    </dgm:txFillClrLst>
+    <dgm:txEffectClrLst/>
+  </dgm:styleLbl>
+  <dgm:styleLbl name="dkBgShp">
+    <dgm:fillClrLst meth="repeat">
+      <a:schemeClr val="accent2">
+        <a:shade val="90000"/>
+      </a:schemeClr>
+    </dgm:fillClrLst>
+    <dgm:linClrLst meth="repeat">
+      <a:schemeClr val="dk1"/>
+    </dgm:linClrLst>
+    <dgm:effectClrLst/>
+    <dgm:txLinClrLst/>
+    <dgm:txFillClrLst meth="repeat">
+      <a:schemeClr val="lt1"/>
+    </dgm:txFillClrLst>
+    <dgm:txEffectClrLst/>
+  </dgm:styleLbl>
+  <dgm:styleLbl name="trBgShp">
+    <dgm:fillClrLst meth="repeat">
+      <a:schemeClr val="accent1">
+        <a:tint val="50000"/>
+        <a:alpha val="40000"/>
+      </a:schemeClr>
+    </dgm:fillClrLst>
+    <dgm:linClrLst meth="repeat">
+      <a:schemeClr val="accent2"/>
+    </dgm:linClrLst>
+    <dgm:effectClrLst/>
+    <dgm:txLinClrLst/>
+    <dgm:txFillClrLst meth="repeat">
+      <a:schemeClr val="lt1"/>
+    </dgm:txFillClrLst>
+    <dgm:txEffectClrLst/>
+  </dgm:styleLbl>
+  <dgm:styleLbl name="fgShp">
+    <dgm:fillClrLst meth="repeat">
+      <a:schemeClr val="accent2">
+        <a:tint val="40000"/>
+      </a:schemeClr>
+    </dgm:fillClrLst>
+    <dgm:linClrLst meth="repeat">
+      <a:schemeClr val="lt1"/>
+    </dgm:linClrLst>
+    <dgm:effectClrLst/>
+    <dgm:txLinClrLst/>
+    <dgm:txFillClrLst meth="repeat">
+      <a:schemeClr val="dk1"/>
+    </dgm:txFillClrLst>
+    <dgm:txEffectClrLst/>
+  </dgm:styleLbl>
+  <dgm:styleLbl name="revTx">
+    <dgm:fillClrLst meth="repeat">
+      <a:schemeClr val="lt1">
+        <a:alpha val="0"/>
+      </a:schemeClr>
+    </dgm:fillClrLst>
+    <dgm:linClrLst meth="repeat">
+      <a:schemeClr val="dk1">
+        <a:alpha val="0"/>
+      </a:schemeClr>
+    </dgm:linClrLst>
+    <dgm:effectClrLst/>
+    <dgm:txLinClrLst/>
+    <dgm:txFillClrLst meth="repeat">
+      <a:schemeClr val="tx1"/>
+    </dgm:txFillClrLst>
+    <dgm:txEffectClrLst/>
+  </dgm:styleLbl>
+</dgm:colorsDef>
+</file>
+
+<file path=ppt/diagrams/colors3.xml><?xml version="1.0" encoding="utf-8"?>
 <dgm:colorsDef xmlns:dgm="http://schemas.openxmlformats.org/drawingml/2006/diagram" xmlns:a="http://schemas.openxmlformats.org/drawingml/2006/main" uniqueId="urn:microsoft.com/office/officeart/2005/8/colors/colorful1">
   <dgm:title val=""/>
   <dgm:desc val=""/>
@@ -2203,10 +3996,24 @@
         </dgm:presLayoutVars>
       </dgm:prSet>
       <dgm:spPr/>
+      <dgm:t>
+        <a:bodyPr/>
+        <a:lstStyle/>
+        <a:p>
+          <a:endParaRPr lang="zh-CN" altLang="en-US"/>
+        </a:p>
+      </dgm:t>
     </dgm:pt>
     <dgm:pt modelId="{06052CD3-BE77-4E7A-83C7-22ADBCB1ADB1}" type="pres">
       <dgm:prSet presAssocID="{ECEB847B-F49B-420B-AB24-55F0EC33B7E0}" presName="centerShape" presStyleLbl="node0" presStyleIdx="0" presStyleCnt="1"/>
       <dgm:spPr/>
+      <dgm:t>
+        <a:bodyPr/>
+        <a:lstStyle/>
+        <a:p>
+          <a:endParaRPr lang="zh-CN" altLang="en-US"/>
+        </a:p>
+      </dgm:t>
     </dgm:pt>
     <dgm:pt modelId="{EBDFA826-4499-4217-9704-330DC6627CB9}" type="pres">
       <dgm:prSet presAssocID="{78DFC467-8323-4E88-8C0F-5027BDE42628}" presName="node" presStyleLbl="node1" presStyleIdx="0" presStyleCnt="5">
@@ -2230,6 +4037,13 @@
     <dgm:pt modelId="{041BEB9A-9B25-49DE-81CA-E065DBD86E01}" type="pres">
       <dgm:prSet presAssocID="{FCF630B1-468F-4CEB-A195-965525A209E6}" presName="sibTrans" presStyleLbl="sibTrans2D1" presStyleIdx="0" presStyleCnt="5"/>
       <dgm:spPr/>
+      <dgm:t>
+        <a:bodyPr/>
+        <a:lstStyle/>
+        <a:p>
+          <a:endParaRPr lang="zh-CN" altLang="en-US"/>
+        </a:p>
+      </dgm:t>
     </dgm:pt>
     <dgm:pt modelId="{3419E25F-A6BD-4136-B7E4-4761CA7BE9F9}" type="pres">
       <dgm:prSet presAssocID="{92D78CAA-CBFC-4967-97E2-0A190726164C}" presName="node" presStyleLbl="node1" presStyleIdx="1" presStyleCnt="5">
@@ -2253,6 +4067,13 @@
     <dgm:pt modelId="{2CDD20E7-EC1E-42BD-A513-7EC6F99D3D72}" type="pres">
       <dgm:prSet presAssocID="{CE83C1B9-EC1D-4B7E-8121-AEC5EC59EFD5}" presName="sibTrans" presStyleLbl="sibTrans2D1" presStyleIdx="1" presStyleCnt="5"/>
       <dgm:spPr/>
+      <dgm:t>
+        <a:bodyPr/>
+        <a:lstStyle/>
+        <a:p>
+          <a:endParaRPr lang="zh-CN" altLang="en-US"/>
+        </a:p>
+      </dgm:t>
     </dgm:pt>
     <dgm:pt modelId="{F59886E9-EBB2-43B0-AEC6-0878435FE47D}" type="pres">
       <dgm:prSet presAssocID="{99CC8CD5-FCA7-448C-BECE-12D99708E837}" presName="node" presStyleLbl="node1" presStyleIdx="2" presStyleCnt="5">
@@ -2276,6 +4097,13 @@
     <dgm:pt modelId="{86AA95AF-91DF-410D-88B1-C590CB7EFD91}" type="pres">
       <dgm:prSet presAssocID="{CA157841-8EF3-4AC9-A27E-E88CB6AF1E63}" presName="sibTrans" presStyleLbl="sibTrans2D1" presStyleIdx="2" presStyleCnt="5"/>
       <dgm:spPr/>
+      <dgm:t>
+        <a:bodyPr/>
+        <a:lstStyle/>
+        <a:p>
+          <a:endParaRPr lang="zh-CN" altLang="en-US"/>
+        </a:p>
+      </dgm:t>
     </dgm:pt>
     <dgm:pt modelId="{633AA26E-7350-4C3D-9374-D153B9462B3B}" type="pres">
       <dgm:prSet presAssocID="{5FA86FC4-3F32-4F0A-AF94-4D8F39F4CEAB}" presName="node" presStyleLbl="node1" presStyleIdx="3" presStyleCnt="5">
@@ -2299,6 +4127,13 @@
     <dgm:pt modelId="{D411F0A2-374B-47C8-8904-1F6635E4A629}" type="pres">
       <dgm:prSet presAssocID="{9F283ACF-0EFB-47BE-A870-CAC5F6A95A68}" presName="sibTrans" presStyleLbl="sibTrans2D1" presStyleIdx="3" presStyleCnt="5"/>
       <dgm:spPr/>
+      <dgm:t>
+        <a:bodyPr/>
+        <a:lstStyle/>
+        <a:p>
+          <a:endParaRPr lang="zh-CN" altLang="en-US"/>
+        </a:p>
+      </dgm:t>
     </dgm:pt>
     <dgm:pt modelId="{455E038C-3FC9-46CB-B36D-8B3D4F3B4640}" type="pres">
       <dgm:prSet presAssocID="{55422466-B196-406E-B8FF-A0035CE54587}" presName="node" presStyleLbl="node1" presStyleIdx="4" presStyleCnt="5">
@@ -2322,27 +4157,34 @@
     <dgm:pt modelId="{0A74348F-7D9E-4584-B1B0-524538CA09EE}" type="pres">
       <dgm:prSet presAssocID="{796F4EE8-E157-4DBA-92C4-71A1159B85DC}" presName="sibTrans" presStyleLbl="sibTrans2D1" presStyleIdx="4" presStyleCnt="5"/>
       <dgm:spPr/>
+      <dgm:t>
+        <a:bodyPr/>
+        <a:lstStyle/>
+        <a:p>
+          <a:endParaRPr lang="zh-CN" altLang="en-US"/>
+        </a:p>
+      </dgm:t>
     </dgm:pt>
   </dgm:ptLst>
   <dgm:cxnLst>
+    <dgm:cxn modelId="{3DF108DA-0D41-41D8-B11D-92E9D6E4852F}" type="presOf" srcId="{99CC8CD5-FCA7-448C-BECE-12D99708E837}" destId="{F59886E9-EBB2-43B0-AEC6-0878435FE47D}" srcOrd="0" destOrd="0" presId="urn:microsoft.com/office/officeart/2005/8/layout/radial6"/>
+    <dgm:cxn modelId="{E29FC14C-A465-4164-82D0-76BB616EB0EE}" type="presOf" srcId="{92D78CAA-CBFC-4967-97E2-0A190726164C}" destId="{3419E25F-A6BD-4136-B7E4-4761CA7BE9F9}" srcOrd="0" destOrd="0" presId="urn:microsoft.com/office/officeart/2005/8/layout/radial6"/>
+    <dgm:cxn modelId="{5CA5C8ED-730C-4F27-BAD8-B959D89AADF5}" type="presOf" srcId="{9F283ACF-0EFB-47BE-A870-CAC5F6A95A68}" destId="{D411F0A2-374B-47C8-8904-1F6635E4A629}" srcOrd="0" destOrd="0" presId="urn:microsoft.com/office/officeart/2005/8/layout/radial6"/>
+    <dgm:cxn modelId="{466EE141-A691-40B2-92F8-6E18A0956E6A}" type="presOf" srcId="{CE83C1B9-EC1D-4B7E-8121-AEC5EC59EFD5}" destId="{2CDD20E7-EC1E-42BD-A513-7EC6F99D3D72}" srcOrd="0" destOrd="0" presId="urn:microsoft.com/office/officeart/2005/8/layout/radial6"/>
+    <dgm:cxn modelId="{B41EE047-6D4B-46A4-B0BC-C5EF0887A268}" type="presOf" srcId="{C05A8233-2AC0-449C-A5A6-370704FA232D}" destId="{8998E9DD-C371-4537-8B58-449040E5BC99}" srcOrd="0" destOrd="0" presId="urn:microsoft.com/office/officeart/2005/8/layout/radial6"/>
     <dgm:cxn modelId="{7CE08B76-F1DE-4969-A45B-CA307056F6D7}" type="presOf" srcId="{78DFC467-8323-4E88-8C0F-5027BDE42628}" destId="{EBDFA826-4499-4217-9704-330DC6627CB9}" srcOrd="0" destOrd="0" presId="urn:microsoft.com/office/officeart/2005/8/layout/radial6"/>
+    <dgm:cxn modelId="{07C745B3-E20D-4454-ADA7-552512B0C3B5}" type="presOf" srcId="{ECEB847B-F49B-420B-AB24-55F0EC33B7E0}" destId="{06052CD3-BE77-4E7A-83C7-22ADBCB1ADB1}" srcOrd="0" destOrd="0" presId="urn:microsoft.com/office/officeart/2005/8/layout/radial6"/>
     <dgm:cxn modelId="{19B2C107-40C0-4073-A134-43DFEE8F5DBE}" srcId="{ECEB847B-F49B-420B-AB24-55F0EC33B7E0}" destId="{99CC8CD5-FCA7-448C-BECE-12D99708E837}" srcOrd="2" destOrd="0" parTransId="{013CA753-E240-4263-82FA-B0A1D1918315}" sibTransId="{CA157841-8EF3-4AC9-A27E-E88CB6AF1E63}"/>
+    <dgm:cxn modelId="{8DA1BA50-E7DB-43FA-86CB-416144A566A8}" type="presOf" srcId="{796F4EE8-E157-4DBA-92C4-71A1159B85DC}" destId="{0A74348F-7D9E-4584-B1B0-524538CA09EE}" srcOrd="0" destOrd="0" presId="urn:microsoft.com/office/officeart/2005/8/layout/radial6"/>
+    <dgm:cxn modelId="{83D72C48-BAB7-4E40-8917-079F38216F9F}" type="presOf" srcId="{5FA86FC4-3F32-4F0A-AF94-4D8F39F4CEAB}" destId="{633AA26E-7350-4C3D-9374-D153B9462B3B}" srcOrd="0" destOrd="0" presId="urn:microsoft.com/office/officeart/2005/8/layout/radial6"/>
+    <dgm:cxn modelId="{B5BBB964-49AC-42A3-A11B-81109E622A96}" srcId="{C05A8233-2AC0-449C-A5A6-370704FA232D}" destId="{ECEB847B-F49B-420B-AB24-55F0EC33B7E0}" srcOrd="0" destOrd="0" parTransId="{C6D57ACD-EC5E-4BEA-B026-E90138C1E7F1}" sibTransId="{05B6FC01-7ED7-46CE-BA30-A1B0BC62C492}"/>
+    <dgm:cxn modelId="{973E43AC-C540-44F6-B06D-86929DE27F81}" srcId="{ECEB847B-F49B-420B-AB24-55F0EC33B7E0}" destId="{5FA86FC4-3F32-4F0A-AF94-4D8F39F4CEAB}" srcOrd="3" destOrd="0" parTransId="{146D74BB-1B34-4265-AA9D-D021D4010A4C}" sibTransId="{9F283ACF-0EFB-47BE-A870-CAC5F6A95A68}"/>
+    <dgm:cxn modelId="{3B73DD6A-8337-4E1F-A31D-0772C35A9472}" type="presOf" srcId="{CA157841-8EF3-4AC9-A27E-E88CB6AF1E63}" destId="{86AA95AF-91DF-410D-88B1-C590CB7EFD91}" srcOrd="0" destOrd="0" presId="urn:microsoft.com/office/officeart/2005/8/layout/radial6"/>
     <dgm:cxn modelId="{7C851C30-6DB3-49E3-ADEB-B3853FC868EB}" type="presOf" srcId="{FCF630B1-468F-4CEB-A195-965525A209E6}" destId="{041BEB9A-9B25-49DE-81CA-E065DBD86E01}" srcOrd="0" destOrd="0" presId="urn:microsoft.com/office/officeart/2005/8/layout/radial6"/>
-    <dgm:cxn modelId="{07C745B3-E20D-4454-ADA7-552512B0C3B5}" type="presOf" srcId="{ECEB847B-F49B-420B-AB24-55F0EC33B7E0}" destId="{06052CD3-BE77-4E7A-83C7-22ADBCB1ADB1}" srcOrd="0" destOrd="0" presId="urn:microsoft.com/office/officeart/2005/8/layout/radial6"/>
+    <dgm:cxn modelId="{963D1656-AB0C-4BB1-BE20-BAAC8211ED9B}" srcId="{ECEB847B-F49B-420B-AB24-55F0EC33B7E0}" destId="{78DFC467-8323-4E88-8C0F-5027BDE42628}" srcOrd="0" destOrd="0" parTransId="{79D658E4-4733-49AB-87F6-087D2CBED7CD}" sibTransId="{FCF630B1-468F-4CEB-A195-965525A209E6}"/>
+    <dgm:cxn modelId="{B4D8867F-D771-450A-83B5-15B3F421189F}" srcId="{ECEB847B-F49B-420B-AB24-55F0EC33B7E0}" destId="{55422466-B196-406E-B8FF-A0035CE54587}" srcOrd="4" destOrd="0" parTransId="{C7DC682A-AF45-4E04-AFE8-A781FEF8F392}" sibTransId="{796F4EE8-E157-4DBA-92C4-71A1159B85DC}"/>
     <dgm:cxn modelId="{737056DD-B49C-4FB2-B726-7A9BE142A2FA}" srcId="{ECEB847B-F49B-420B-AB24-55F0EC33B7E0}" destId="{92D78CAA-CBFC-4967-97E2-0A190726164C}" srcOrd="1" destOrd="0" parTransId="{01EA2221-ABF7-4808-B539-2E1AD8ADB146}" sibTransId="{CE83C1B9-EC1D-4B7E-8121-AEC5EC59EFD5}"/>
-    <dgm:cxn modelId="{83D72C48-BAB7-4E40-8917-079F38216F9F}" type="presOf" srcId="{5FA86FC4-3F32-4F0A-AF94-4D8F39F4CEAB}" destId="{633AA26E-7350-4C3D-9374-D153B9462B3B}" srcOrd="0" destOrd="0" presId="urn:microsoft.com/office/officeart/2005/8/layout/radial6"/>
-    <dgm:cxn modelId="{466EE141-A691-40B2-92F8-6E18A0956E6A}" type="presOf" srcId="{CE83C1B9-EC1D-4B7E-8121-AEC5EC59EFD5}" destId="{2CDD20E7-EC1E-42BD-A513-7EC6F99D3D72}" srcOrd="0" destOrd="0" presId="urn:microsoft.com/office/officeart/2005/8/layout/radial6"/>
-    <dgm:cxn modelId="{B4D8867F-D771-450A-83B5-15B3F421189F}" srcId="{ECEB847B-F49B-420B-AB24-55F0EC33B7E0}" destId="{55422466-B196-406E-B8FF-A0035CE54587}" srcOrd="4" destOrd="0" parTransId="{C7DC682A-AF45-4E04-AFE8-A781FEF8F392}" sibTransId="{796F4EE8-E157-4DBA-92C4-71A1159B85DC}"/>
-    <dgm:cxn modelId="{B5BBB964-49AC-42A3-A11B-81109E622A96}" srcId="{C05A8233-2AC0-449C-A5A6-370704FA232D}" destId="{ECEB847B-F49B-420B-AB24-55F0EC33B7E0}" srcOrd="0" destOrd="0" parTransId="{C6D57ACD-EC5E-4BEA-B026-E90138C1E7F1}" sibTransId="{05B6FC01-7ED7-46CE-BA30-A1B0BC62C492}"/>
-    <dgm:cxn modelId="{5CA5C8ED-730C-4F27-BAD8-B959D89AADF5}" type="presOf" srcId="{9F283ACF-0EFB-47BE-A870-CAC5F6A95A68}" destId="{D411F0A2-374B-47C8-8904-1F6635E4A629}" srcOrd="0" destOrd="0" presId="urn:microsoft.com/office/officeart/2005/8/layout/radial6"/>
     <dgm:cxn modelId="{3DE5179C-632E-4A63-9147-A2F8BF3AB841}" type="presOf" srcId="{55422466-B196-406E-B8FF-A0035CE54587}" destId="{455E038C-3FC9-46CB-B36D-8B3D4F3B4640}" srcOrd="0" destOrd="0" presId="urn:microsoft.com/office/officeart/2005/8/layout/radial6"/>
-    <dgm:cxn modelId="{B41EE047-6D4B-46A4-B0BC-C5EF0887A268}" type="presOf" srcId="{C05A8233-2AC0-449C-A5A6-370704FA232D}" destId="{8998E9DD-C371-4537-8B58-449040E5BC99}" srcOrd="0" destOrd="0" presId="urn:microsoft.com/office/officeart/2005/8/layout/radial6"/>
-    <dgm:cxn modelId="{E29FC14C-A465-4164-82D0-76BB616EB0EE}" type="presOf" srcId="{92D78CAA-CBFC-4967-97E2-0A190726164C}" destId="{3419E25F-A6BD-4136-B7E4-4761CA7BE9F9}" srcOrd="0" destOrd="0" presId="urn:microsoft.com/office/officeart/2005/8/layout/radial6"/>
-    <dgm:cxn modelId="{973E43AC-C540-44F6-B06D-86929DE27F81}" srcId="{ECEB847B-F49B-420B-AB24-55F0EC33B7E0}" destId="{5FA86FC4-3F32-4F0A-AF94-4D8F39F4CEAB}" srcOrd="3" destOrd="0" parTransId="{146D74BB-1B34-4265-AA9D-D021D4010A4C}" sibTransId="{9F283ACF-0EFB-47BE-A870-CAC5F6A95A68}"/>
-    <dgm:cxn modelId="{963D1656-AB0C-4BB1-BE20-BAAC8211ED9B}" srcId="{ECEB847B-F49B-420B-AB24-55F0EC33B7E0}" destId="{78DFC467-8323-4E88-8C0F-5027BDE42628}" srcOrd="0" destOrd="0" parTransId="{79D658E4-4733-49AB-87F6-087D2CBED7CD}" sibTransId="{FCF630B1-468F-4CEB-A195-965525A209E6}"/>
-    <dgm:cxn modelId="{3DF108DA-0D41-41D8-B11D-92E9D6E4852F}" type="presOf" srcId="{99CC8CD5-FCA7-448C-BECE-12D99708E837}" destId="{F59886E9-EBB2-43B0-AEC6-0878435FE47D}" srcOrd="0" destOrd="0" presId="urn:microsoft.com/office/officeart/2005/8/layout/radial6"/>
-    <dgm:cxn modelId="{3B73DD6A-8337-4E1F-A31D-0772C35A9472}" type="presOf" srcId="{CA157841-8EF3-4AC9-A27E-E88CB6AF1E63}" destId="{86AA95AF-91DF-410D-88B1-C590CB7EFD91}" srcOrd="0" destOrd="0" presId="urn:microsoft.com/office/officeart/2005/8/layout/radial6"/>
-    <dgm:cxn modelId="{8DA1BA50-E7DB-43FA-86CB-416144A566A8}" type="presOf" srcId="{796F4EE8-E157-4DBA-92C4-71A1159B85DC}" destId="{0A74348F-7D9E-4584-B1B0-524538CA09EE}" srcOrd="0" destOrd="0" presId="urn:microsoft.com/office/officeart/2005/8/layout/radial6"/>
     <dgm:cxn modelId="{D9BFED8C-997D-455A-88BC-D8968DC9B5E8}" type="presParOf" srcId="{8998E9DD-C371-4537-8B58-449040E5BC99}" destId="{06052CD3-BE77-4E7A-83C7-22ADBCB1ADB1}" srcOrd="0" destOrd="0" presId="urn:microsoft.com/office/officeart/2005/8/layout/radial6"/>
     <dgm:cxn modelId="{A04D10F0-3C1B-43C8-B423-6D12EE50E398}" type="presParOf" srcId="{8998E9DD-C371-4537-8B58-449040E5BC99}" destId="{EBDFA826-4499-4217-9704-330DC6627CB9}" srcOrd="1" destOrd="0" presId="urn:microsoft.com/office/officeart/2005/8/layout/radial6"/>
     <dgm:cxn modelId="{8A6FE487-2F37-4BCD-B9FF-DD46292763D7}" type="presParOf" srcId="{8998E9DD-C371-4537-8B58-449040E5BC99}" destId="{09A1625A-57F4-41A2-BADE-F5C34B60C75E}" srcOrd="2" destOrd="0" presId="urn:microsoft.com/office/officeart/2005/8/layout/radial6"/>
@@ -2430,15 +4272,7 @@
         <a:p>
           <a:r>
             <a:rPr lang="zh-CN" altLang="en-US" dirty="0" smtClean="0"/>
-            <a:t>根据</a:t>
-          </a:r>
-          <a:r>
-            <a:rPr lang="zh-CN" altLang="en-US" dirty="0" smtClean="0"/>
-            <a:t>个体</a:t>
-          </a:r>
-          <a:r>
-            <a:rPr lang="zh-CN" altLang="en-US" dirty="0" smtClean="0"/>
-            <a:t>基因计算适应度</a:t>
+            <a:t>根据个体基因计算适应度</a:t>
           </a:r>
           <a:endParaRPr lang="zh-CN" altLang="en-US" dirty="0"/>
         </a:p>
@@ -2549,15 +4383,7 @@
         <a:p>
           <a:r>
             <a:rPr lang="zh-CN" altLang="en-US" dirty="0" smtClean="0"/>
-            <a:t>个体基因</a:t>
-          </a:r>
-          <a:r>
-            <a:rPr lang="zh-CN" altLang="en-US" dirty="0" smtClean="0"/>
-            <a:t>随机</a:t>
-          </a:r>
-          <a:r>
-            <a:rPr lang="zh-CN" altLang="en-US" dirty="0" smtClean="0"/>
-            <a:t>突变</a:t>
+            <a:t>个体基因随机突变</a:t>
           </a:r>
           <a:endParaRPr lang="zh-CN" altLang="en-US" dirty="0"/>
         </a:p>
@@ -2593,6 +4419,13 @@
         </dgm:presLayoutVars>
       </dgm:prSet>
       <dgm:spPr/>
+      <dgm:t>
+        <a:bodyPr/>
+        <a:lstStyle/>
+        <a:p>
+          <a:endParaRPr lang="zh-CN" altLang="en-US"/>
+        </a:p>
+      </dgm:t>
     </dgm:pt>
     <dgm:pt modelId="{7AD070E0-E1E4-4CFA-84CF-49B0A2A5323B}" type="pres">
       <dgm:prSet presAssocID="{83CA399F-4C37-443A-B3E0-CA3783ABB4AB}" presName="node" presStyleLbl="node1" presStyleIdx="0" presStyleCnt="5">
@@ -2616,6 +4449,13 @@
     <dgm:pt modelId="{B526F2D4-5F65-4C8F-9946-AB2FC2D542B4}" type="pres">
       <dgm:prSet presAssocID="{43E04330-85B4-402B-A254-CF06B90BE46A}" presName="sibTrans" presStyleLbl="sibTrans1D1" presStyleIdx="0" presStyleCnt="5"/>
       <dgm:spPr/>
+      <dgm:t>
+        <a:bodyPr/>
+        <a:lstStyle/>
+        <a:p>
+          <a:endParaRPr lang="zh-CN" altLang="en-US"/>
+        </a:p>
+      </dgm:t>
     </dgm:pt>
     <dgm:pt modelId="{76E84DC7-7EE1-410B-B70F-B720C095AD33}" type="pres">
       <dgm:prSet presAssocID="{9E88DDCC-EFC1-4D7B-809D-A1FF3FA8713B}" presName="node" presStyleLbl="node1" presStyleIdx="1" presStyleCnt="5">
@@ -2639,6 +4479,13 @@
     <dgm:pt modelId="{13BE928D-2CDD-47D8-BD5B-3901F6D85D5C}" type="pres">
       <dgm:prSet presAssocID="{8F6B262E-7452-49A1-8F1C-B595E48BE11F}" presName="sibTrans" presStyleLbl="sibTrans1D1" presStyleIdx="1" presStyleCnt="5"/>
       <dgm:spPr/>
+      <dgm:t>
+        <a:bodyPr/>
+        <a:lstStyle/>
+        <a:p>
+          <a:endParaRPr lang="zh-CN" altLang="en-US"/>
+        </a:p>
+      </dgm:t>
     </dgm:pt>
     <dgm:pt modelId="{C4276BB3-B04A-42C3-A8E9-99CE2C13FC89}" type="pres">
       <dgm:prSet presAssocID="{4909F778-7D0D-468A-A902-F5503E45CBE0}" presName="node" presStyleLbl="node1" presStyleIdx="2" presStyleCnt="5">
@@ -2662,6 +4509,13 @@
     <dgm:pt modelId="{0AC24970-5833-4C44-B5F6-94603E58BD9D}" type="pres">
       <dgm:prSet presAssocID="{E6F00411-D193-407D-BB7B-CD593FA351EA}" presName="sibTrans" presStyleLbl="sibTrans1D1" presStyleIdx="2" presStyleCnt="5"/>
       <dgm:spPr/>
+      <dgm:t>
+        <a:bodyPr/>
+        <a:lstStyle/>
+        <a:p>
+          <a:endParaRPr lang="zh-CN" altLang="en-US"/>
+        </a:p>
+      </dgm:t>
     </dgm:pt>
     <dgm:pt modelId="{64EDFBF6-2AE3-46C6-A39E-89EE7ADAF9FF}" type="pres">
       <dgm:prSet presAssocID="{A0C07EBE-C91E-44BE-8948-68E2CF2E7B13}" presName="node" presStyleLbl="node1" presStyleIdx="3" presStyleCnt="5">
@@ -2685,6 +4539,13 @@
     <dgm:pt modelId="{148582C1-0693-4BDB-B03C-C3C42CA76505}" type="pres">
       <dgm:prSet presAssocID="{97F48E41-D76F-4B8D-8BEE-65A8F2CA8492}" presName="sibTrans" presStyleLbl="sibTrans1D1" presStyleIdx="3" presStyleCnt="5"/>
       <dgm:spPr/>
+      <dgm:t>
+        <a:bodyPr/>
+        <a:lstStyle/>
+        <a:p>
+          <a:endParaRPr lang="zh-CN" altLang="en-US"/>
+        </a:p>
+      </dgm:t>
     </dgm:pt>
     <dgm:pt modelId="{71FDE9DF-4D18-49C7-B6DA-C6CD1F240BD7}" type="pres">
       <dgm:prSet presAssocID="{D6A07843-BEB1-4E13-BAD6-FDBB9DBFCF7A}" presName="node" presStyleLbl="node1" presStyleIdx="4" presStyleCnt="5">
@@ -2708,6 +4569,13 @@
     <dgm:pt modelId="{9459D28D-EF6E-4022-939A-B784E1F5EF5D}" type="pres">
       <dgm:prSet presAssocID="{B027A943-17E0-4BAA-BADA-3CEF8624B6DB}" presName="sibTrans" presStyleLbl="sibTrans1D1" presStyleIdx="4" presStyleCnt="5"/>
       <dgm:spPr/>
+      <dgm:t>
+        <a:bodyPr/>
+        <a:lstStyle/>
+        <a:p>
+          <a:endParaRPr lang="zh-CN" altLang="en-US"/>
+        </a:p>
+      </dgm:t>
     </dgm:pt>
   </dgm:ptLst>
   <dgm:cxnLst>
@@ -2742,6 +4610,294 @@
     <dgm:cxn modelId="{1D62BA0F-1EE9-46FE-A71A-915D5FE329EB}" type="presParOf" srcId="{5F021484-96A2-4EFF-9B8C-FB88A1609AE0}" destId="{71FDE9DF-4D18-49C7-B6DA-C6CD1F240BD7}" srcOrd="12" destOrd="0" presId="urn:microsoft.com/office/officeart/2005/8/layout/cycle5"/>
     <dgm:cxn modelId="{A36A956E-8DB6-43E8-8A96-99A9C4534BFC}" type="presParOf" srcId="{5F021484-96A2-4EFF-9B8C-FB88A1609AE0}" destId="{7860E6DD-7957-4A74-A139-E84CDCC957D4}" srcOrd="13" destOrd="0" presId="urn:microsoft.com/office/officeart/2005/8/layout/cycle5"/>
     <dgm:cxn modelId="{EA4CB3BE-F966-481C-BBC3-79359951E52C}" type="presParOf" srcId="{5F021484-96A2-4EFF-9B8C-FB88A1609AE0}" destId="{9459D28D-EF6E-4022-939A-B784E1F5EF5D}" srcOrd="14" destOrd="0" presId="urn:microsoft.com/office/officeart/2005/8/layout/cycle5"/>
+  </dgm:cxnLst>
+  <dgm:bg/>
+  <dgm:whole/>
+  <dgm:extLst>
+    <a:ext uri="http://schemas.microsoft.com/office/drawing/2008/diagram">
+      <dsp:dataModelExt xmlns:dsp="http://schemas.microsoft.com/office/drawing/2008/diagram" relId="rId6" minVer="http://schemas.openxmlformats.org/drawingml/2006/diagram"/>
+    </a:ext>
+  </dgm:extLst>
+</dgm:dataModel>
+</file>
+
+<file path=ppt/diagrams/data3.xml><?xml version="1.0" encoding="utf-8"?>
+<dgm:dataModel xmlns:dgm="http://schemas.openxmlformats.org/drawingml/2006/diagram" xmlns:a="http://schemas.openxmlformats.org/drawingml/2006/main">
+  <dgm:ptLst>
+    <dgm:pt modelId="{06AC407E-6720-4FCF-A1B7-C43ECC295067}" type="doc">
+      <dgm:prSet loTypeId="urn:microsoft.com/office/officeart/2005/8/layout/radial6" loCatId="relationship" qsTypeId="urn:microsoft.com/office/officeart/2005/8/quickstyle/simple1" qsCatId="simple" csTypeId="urn:microsoft.com/office/officeart/2005/8/colors/colorful1" csCatId="colorful" phldr="1"/>
+      <dgm:spPr/>
+      <dgm:t>
+        <a:bodyPr/>
+        <a:lstStyle/>
+        <a:p>
+          <a:endParaRPr lang="zh-CN" altLang="en-US"/>
+        </a:p>
+      </dgm:t>
+    </dgm:pt>
+    <dgm:pt modelId="{9A2DCDA3-1037-4FCB-B1E3-C394D2BA29C7}">
+      <dgm:prSet phldrT="[文本]"/>
+      <dgm:spPr/>
+      <dgm:t>
+        <a:bodyPr/>
+        <a:lstStyle/>
+        <a:p>
+          <a:r>
+            <a:rPr lang="zh-CN" altLang="en-US" dirty="0" smtClean="0"/>
+            <a:t>蚁群算法性能</a:t>
+          </a:r>
+          <a:endParaRPr lang="zh-CN" altLang="en-US" dirty="0"/>
+        </a:p>
+      </dgm:t>
+    </dgm:pt>
+    <dgm:pt modelId="{3092F1EB-9743-4986-8202-8FD91979542E}" type="parTrans" cxnId="{7AD7DA8C-F3B9-4A8F-86B8-8FAAEDC3F16D}">
+      <dgm:prSet/>
+      <dgm:spPr/>
+      <dgm:t>
+        <a:bodyPr/>
+        <a:lstStyle/>
+        <a:p>
+          <a:endParaRPr lang="zh-CN" altLang="en-US"/>
+        </a:p>
+      </dgm:t>
+    </dgm:pt>
+    <dgm:pt modelId="{D114710C-0345-4FE3-9C63-C9D4ADFFF404}" type="sibTrans" cxnId="{7AD7DA8C-F3B9-4A8F-86B8-8FAAEDC3F16D}">
+      <dgm:prSet/>
+      <dgm:spPr/>
+      <dgm:t>
+        <a:bodyPr/>
+        <a:lstStyle/>
+        <a:p>
+          <a:endParaRPr lang="zh-CN" altLang="en-US"/>
+        </a:p>
+      </dgm:t>
+    </dgm:pt>
+    <dgm:pt modelId="{23CD767C-D22B-4AEF-A531-623EF70E2E7B}">
+      <dgm:prSet phldrT="[文本]"/>
+      <dgm:spPr/>
+      <dgm:t>
+        <a:bodyPr/>
+        <a:lstStyle/>
+        <a:p>
+          <a:r>
+            <a:rPr lang="zh-CN" altLang="zh-CN" dirty="0" smtClean="0"/>
+            <a:t>最佳性能指标</a:t>
+          </a:r>
+          <a:endParaRPr lang="zh-CN" altLang="en-US" dirty="0"/>
+        </a:p>
+      </dgm:t>
+    </dgm:pt>
+    <dgm:pt modelId="{0D97FE1F-DC7B-42B4-A235-3557192EB707}" type="parTrans" cxnId="{74C7AB74-0CF7-4CD7-BE8E-538D0FE468AA}">
+      <dgm:prSet/>
+      <dgm:spPr/>
+      <dgm:t>
+        <a:bodyPr/>
+        <a:lstStyle/>
+        <a:p>
+          <a:endParaRPr lang="zh-CN" altLang="en-US"/>
+        </a:p>
+      </dgm:t>
+    </dgm:pt>
+    <dgm:pt modelId="{8AA35403-EA61-4A97-A39F-678797195157}" type="sibTrans" cxnId="{74C7AB74-0CF7-4CD7-BE8E-538D0FE468AA}">
+      <dgm:prSet/>
+      <dgm:spPr/>
+      <dgm:t>
+        <a:bodyPr/>
+        <a:lstStyle/>
+        <a:p>
+          <a:endParaRPr lang="zh-CN" altLang="en-US"/>
+        </a:p>
+      </dgm:t>
+    </dgm:pt>
+    <dgm:pt modelId="{DFBC37F4-0E96-4E9D-88E5-24AC87DA084E}">
+      <dgm:prSet phldrT="[文本]"/>
+      <dgm:spPr/>
+      <dgm:t>
+        <a:bodyPr/>
+        <a:lstStyle/>
+        <a:p>
+          <a:r>
+            <a:rPr lang="zh-CN" altLang="zh-CN" dirty="0" smtClean="0"/>
+            <a:t>鲁棒性能指标</a:t>
+          </a:r>
+          <a:endParaRPr lang="zh-CN" altLang="en-US" dirty="0"/>
+        </a:p>
+      </dgm:t>
+    </dgm:pt>
+    <dgm:pt modelId="{AC56597B-A44A-4251-89E0-81A0872B987B}" type="parTrans" cxnId="{1E3AA7F7-7D66-4C2E-8680-E3A9B0C695F7}">
+      <dgm:prSet/>
+      <dgm:spPr/>
+      <dgm:t>
+        <a:bodyPr/>
+        <a:lstStyle/>
+        <a:p>
+          <a:endParaRPr lang="zh-CN" altLang="en-US"/>
+        </a:p>
+      </dgm:t>
+    </dgm:pt>
+    <dgm:pt modelId="{5CB26C4B-E11E-41F9-A23B-B0D2F051D5D9}" type="sibTrans" cxnId="{1E3AA7F7-7D66-4C2E-8680-E3A9B0C695F7}">
+      <dgm:prSet/>
+      <dgm:spPr/>
+      <dgm:t>
+        <a:bodyPr/>
+        <a:lstStyle/>
+        <a:p>
+          <a:endParaRPr lang="zh-CN" altLang="en-US"/>
+        </a:p>
+      </dgm:t>
+    </dgm:pt>
+    <dgm:pt modelId="{94535676-E086-456C-A6CD-FC3B2413A062}">
+      <dgm:prSet phldrT="[文本]"/>
+      <dgm:spPr/>
+      <dgm:t>
+        <a:bodyPr/>
+        <a:lstStyle/>
+        <a:p>
+          <a:r>
+            <a:rPr lang="zh-CN" altLang="zh-CN" dirty="0" smtClean="0"/>
+            <a:t>时间性能指标</a:t>
+          </a:r>
+          <a:endParaRPr lang="zh-CN" altLang="en-US" dirty="0"/>
+        </a:p>
+      </dgm:t>
+    </dgm:pt>
+    <dgm:pt modelId="{1FABE79C-8F1D-4A81-B51E-77B66FB19AED}" type="parTrans" cxnId="{104B9AC3-797D-4F81-A155-99D99B2C402F}">
+      <dgm:prSet/>
+      <dgm:spPr/>
+      <dgm:t>
+        <a:bodyPr/>
+        <a:lstStyle/>
+        <a:p>
+          <a:endParaRPr lang="zh-CN" altLang="en-US"/>
+        </a:p>
+      </dgm:t>
+    </dgm:pt>
+    <dgm:pt modelId="{1213CFBA-D39A-45A4-B4B2-16888EE4BAE5}" type="sibTrans" cxnId="{104B9AC3-797D-4F81-A155-99D99B2C402F}">
+      <dgm:prSet/>
+      <dgm:spPr/>
+      <dgm:t>
+        <a:bodyPr/>
+        <a:lstStyle/>
+        <a:p>
+          <a:endParaRPr lang="zh-CN" altLang="en-US"/>
+        </a:p>
+      </dgm:t>
+    </dgm:pt>
+    <dgm:pt modelId="{C8236217-02B1-4F3D-BE2F-65BCD8C465B2}" type="pres">
+      <dgm:prSet presAssocID="{06AC407E-6720-4FCF-A1B7-C43ECC295067}" presName="Name0" presStyleCnt="0">
+        <dgm:presLayoutVars>
+          <dgm:chMax val="1"/>
+          <dgm:dir/>
+          <dgm:animLvl val="ctr"/>
+          <dgm:resizeHandles val="exact"/>
+        </dgm:presLayoutVars>
+      </dgm:prSet>
+      <dgm:spPr/>
+    </dgm:pt>
+    <dgm:pt modelId="{3384CE38-A60F-4DDB-A010-916B668C5F18}" type="pres">
+      <dgm:prSet presAssocID="{9A2DCDA3-1037-4FCB-B1E3-C394D2BA29C7}" presName="centerShape" presStyleLbl="node0" presStyleIdx="0" presStyleCnt="1"/>
+      <dgm:spPr/>
+      <dgm:t>
+        <a:bodyPr/>
+        <a:lstStyle/>
+        <a:p>
+          <a:endParaRPr lang="zh-CN" altLang="en-US"/>
+        </a:p>
+      </dgm:t>
+    </dgm:pt>
+    <dgm:pt modelId="{59898FB8-9FCC-409E-A11F-66C3DE76F619}" type="pres">
+      <dgm:prSet presAssocID="{23CD767C-D22B-4AEF-A531-623EF70E2E7B}" presName="node" presStyleLbl="node1" presStyleIdx="0" presStyleCnt="3">
+        <dgm:presLayoutVars>
+          <dgm:bulletEnabled val="1"/>
+        </dgm:presLayoutVars>
+      </dgm:prSet>
+      <dgm:spPr/>
+      <dgm:t>
+        <a:bodyPr/>
+        <a:lstStyle/>
+        <a:p>
+          <a:endParaRPr lang="zh-CN" altLang="en-US"/>
+        </a:p>
+      </dgm:t>
+    </dgm:pt>
+    <dgm:pt modelId="{9EC03291-B282-4738-BD0D-CA2C9F8AB81E}" type="pres">
+      <dgm:prSet presAssocID="{23CD767C-D22B-4AEF-A531-623EF70E2E7B}" presName="dummy" presStyleCnt="0"/>
+      <dgm:spPr/>
+    </dgm:pt>
+    <dgm:pt modelId="{72C19AF4-6C04-40D0-AA94-D82134E11E2F}" type="pres">
+      <dgm:prSet presAssocID="{8AA35403-EA61-4A97-A39F-678797195157}" presName="sibTrans" presStyleLbl="sibTrans2D1" presStyleIdx="0" presStyleCnt="3"/>
+      <dgm:spPr/>
+    </dgm:pt>
+    <dgm:pt modelId="{8125F134-6474-46D3-80C8-9DAED6BE15CC}" type="pres">
+      <dgm:prSet presAssocID="{DFBC37F4-0E96-4E9D-88E5-24AC87DA084E}" presName="node" presStyleLbl="node1" presStyleIdx="1" presStyleCnt="3">
+        <dgm:presLayoutVars>
+          <dgm:bulletEnabled val="1"/>
+        </dgm:presLayoutVars>
+      </dgm:prSet>
+      <dgm:spPr/>
+      <dgm:t>
+        <a:bodyPr/>
+        <a:lstStyle/>
+        <a:p>
+          <a:endParaRPr lang="zh-CN" altLang="en-US"/>
+        </a:p>
+      </dgm:t>
+    </dgm:pt>
+    <dgm:pt modelId="{1F28DF04-6195-4BDD-ACF5-15707EF5F61C}" type="pres">
+      <dgm:prSet presAssocID="{DFBC37F4-0E96-4E9D-88E5-24AC87DA084E}" presName="dummy" presStyleCnt="0"/>
+      <dgm:spPr/>
+    </dgm:pt>
+    <dgm:pt modelId="{C955E136-4211-4119-91EA-3A2250FFDBCD}" type="pres">
+      <dgm:prSet presAssocID="{5CB26C4B-E11E-41F9-A23B-B0D2F051D5D9}" presName="sibTrans" presStyleLbl="sibTrans2D1" presStyleIdx="1" presStyleCnt="3"/>
+      <dgm:spPr/>
+    </dgm:pt>
+    <dgm:pt modelId="{4701A229-DA23-487C-932D-3B6C74D6DB7A}" type="pres">
+      <dgm:prSet presAssocID="{94535676-E086-456C-A6CD-FC3B2413A062}" presName="node" presStyleLbl="node1" presStyleIdx="2" presStyleCnt="3">
+        <dgm:presLayoutVars>
+          <dgm:bulletEnabled val="1"/>
+        </dgm:presLayoutVars>
+      </dgm:prSet>
+      <dgm:spPr/>
+      <dgm:t>
+        <a:bodyPr/>
+        <a:lstStyle/>
+        <a:p>
+          <a:endParaRPr lang="zh-CN" altLang="en-US"/>
+        </a:p>
+      </dgm:t>
+    </dgm:pt>
+    <dgm:pt modelId="{7D87E722-B922-4093-A064-E7A7F2028495}" type="pres">
+      <dgm:prSet presAssocID="{94535676-E086-456C-A6CD-FC3B2413A062}" presName="dummy" presStyleCnt="0"/>
+      <dgm:spPr/>
+    </dgm:pt>
+    <dgm:pt modelId="{B2463452-81E5-4961-9836-730B781976A3}" type="pres">
+      <dgm:prSet presAssocID="{1213CFBA-D39A-45A4-B4B2-16888EE4BAE5}" presName="sibTrans" presStyleLbl="sibTrans2D1" presStyleIdx="2" presStyleCnt="3"/>
+      <dgm:spPr/>
+    </dgm:pt>
+  </dgm:ptLst>
+  <dgm:cxnLst>
+    <dgm:cxn modelId="{7A942924-0FC5-46A0-B70E-68F1F1B4B2ED}" type="presOf" srcId="{9A2DCDA3-1037-4FCB-B1E3-C394D2BA29C7}" destId="{3384CE38-A60F-4DDB-A010-916B668C5F18}" srcOrd="0" destOrd="0" presId="urn:microsoft.com/office/officeart/2005/8/layout/radial6"/>
+    <dgm:cxn modelId="{AB62C88D-9C3F-4AB2-B556-4AD1155C87EC}" type="presOf" srcId="{DFBC37F4-0E96-4E9D-88E5-24AC87DA084E}" destId="{8125F134-6474-46D3-80C8-9DAED6BE15CC}" srcOrd="0" destOrd="0" presId="urn:microsoft.com/office/officeart/2005/8/layout/radial6"/>
+    <dgm:cxn modelId="{F733991C-C907-44B3-838C-26DCEB190EC5}" type="presOf" srcId="{23CD767C-D22B-4AEF-A531-623EF70E2E7B}" destId="{59898FB8-9FCC-409E-A11F-66C3DE76F619}" srcOrd="0" destOrd="0" presId="urn:microsoft.com/office/officeart/2005/8/layout/radial6"/>
+    <dgm:cxn modelId="{104B9AC3-797D-4F81-A155-99D99B2C402F}" srcId="{9A2DCDA3-1037-4FCB-B1E3-C394D2BA29C7}" destId="{94535676-E086-456C-A6CD-FC3B2413A062}" srcOrd="2" destOrd="0" parTransId="{1FABE79C-8F1D-4A81-B51E-77B66FB19AED}" sibTransId="{1213CFBA-D39A-45A4-B4B2-16888EE4BAE5}"/>
+    <dgm:cxn modelId="{7AD7DA8C-F3B9-4A8F-86B8-8FAAEDC3F16D}" srcId="{06AC407E-6720-4FCF-A1B7-C43ECC295067}" destId="{9A2DCDA3-1037-4FCB-B1E3-C394D2BA29C7}" srcOrd="0" destOrd="0" parTransId="{3092F1EB-9743-4986-8202-8FD91979542E}" sibTransId="{D114710C-0345-4FE3-9C63-C9D4ADFFF404}"/>
+    <dgm:cxn modelId="{60BB09BA-B3F1-4259-87CA-2403DAB72B2B}" type="presOf" srcId="{06AC407E-6720-4FCF-A1B7-C43ECC295067}" destId="{C8236217-02B1-4F3D-BE2F-65BCD8C465B2}" srcOrd="0" destOrd="0" presId="urn:microsoft.com/office/officeart/2005/8/layout/radial6"/>
+    <dgm:cxn modelId="{CAD03FCE-1493-465A-AB1C-5908CF6B7296}" type="presOf" srcId="{5CB26C4B-E11E-41F9-A23B-B0D2F051D5D9}" destId="{C955E136-4211-4119-91EA-3A2250FFDBCD}" srcOrd="0" destOrd="0" presId="urn:microsoft.com/office/officeart/2005/8/layout/radial6"/>
+    <dgm:cxn modelId="{74C7AB74-0CF7-4CD7-BE8E-538D0FE468AA}" srcId="{9A2DCDA3-1037-4FCB-B1E3-C394D2BA29C7}" destId="{23CD767C-D22B-4AEF-A531-623EF70E2E7B}" srcOrd="0" destOrd="0" parTransId="{0D97FE1F-DC7B-42B4-A235-3557192EB707}" sibTransId="{8AA35403-EA61-4A97-A39F-678797195157}"/>
+    <dgm:cxn modelId="{DF6914BD-B8F4-44FD-8A1C-F76FB41902C7}" type="presOf" srcId="{94535676-E086-456C-A6CD-FC3B2413A062}" destId="{4701A229-DA23-487C-932D-3B6C74D6DB7A}" srcOrd="0" destOrd="0" presId="urn:microsoft.com/office/officeart/2005/8/layout/radial6"/>
+    <dgm:cxn modelId="{293CE76E-A0BA-4ED2-A0F3-04D8E5D388EE}" type="presOf" srcId="{1213CFBA-D39A-45A4-B4B2-16888EE4BAE5}" destId="{B2463452-81E5-4961-9836-730B781976A3}" srcOrd="0" destOrd="0" presId="urn:microsoft.com/office/officeart/2005/8/layout/radial6"/>
+    <dgm:cxn modelId="{1E3AA7F7-7D66-4C2E-8680-E3A9B0C695F7}" srcId="{9A2DCDA3-1037-4FCB-B1E3-C394D2BA29C7}" destId="{DFBC37F4-0E96-4E9D-88E5-24AC87DA084E}" srcOrd="1" destOrd="0" parTransId="{AC56597B-A44A-4251-89E0-81A0872B987B}" sibTransId="{5CB26C4B-E11E-41F9-A23B-B0D2F051D5D9}"/>
+    <dgm:cxn modelId="{F32686A6-1002-4275-A7DE-7624BFFB80DA}" type="presOf" srcId="{8AA35403-EA61-4A97-A39F-678797195157}" destId="{72C19AF4-6C04-40D0-AA94-D82134E11E2F}" srcOrd="0" destOrd="0" presId="urn:microsoft.com/office/officeart/2005/8/layout/radial6"/>
+    <dgm:cxn modelId="{04D05A00-4876-4108-B826-0398698AEBE1}" type="presParOf" srcId="{C8236217-02B1-4F3D-BE2F-65BCD8C465B2}" destId="{3384CE38-A60F-4DDB-A010-916B668C5F18}" srcOrd="0" destOrd="0" presId="urn:microsoft.com/office/officeart/2005/8/layout/radial6"/>
+    <dgm:cxn modelId="{D58320A5-E059-4FA5-A240-AB3430B4B95E}" type="presParOf" srcId="{C8236217-02B1-4F3D-BE2F-65BCD8C465B2}" destId="{59898FB8-9FCC-409E-A11F-66C3DE76F619}" srcOrd="1" destOrd="0" presId="urn:microsoft.com/office/officeart/2005/8/layout/radial6"/>
+    <dgm:cxn modelId="{50A5138A-659C-43F8-B8E3-E95AA76D31BD}" type="presParOf" srcId="{C8236217-02B1-4F3D-BE2F-65BCD8C465B2}" destId="{9EC03291-B282-4738-BD0D-CA2C9F8AB81E}" srcOrd="2" destOrd="0" presId="urn:microsoft.com/office/officeart/2005/8/layout/radial6"/>
+    <dgm:cxn modelId="{97CF8E30-D92C-4A13-995E-40AA79BF4BA2}" type="presParOf" srcId="{C8236217-02B1-4F3D-BE2F-65BCD8C465B2}" destId="{72C19AF4-6C04-40D0-AA94-D82134E11E2F}" srcOrd="3" destOrd="0" presId="urn:microsoft.com/office/officeart/2005/8/layout/radial6"/>
+    <dgm:cxn modelId="{B22A8303-C55A-4BDF-AEE9-1C355A99C3AC}" type="presParOf" srcId="{C8236217-02B1-4F3D-BE2F-65BCD8C465B2}" destId="{8125F134-6474-46D3-80C8-9DAED6BE15CC}" srcOrd="4" destOrd="0" presId="urn:microsoft.com/office/officeart/2005/8/layout/radial6"/>
+    <dgm:cxn modelId="{80148A41-F0CF-4566-A38E-978E255EBF4E}" type="presParOf" srcId="{C8236217-02B1-4F3D-BE2F-65BCD8C465B2}" destId="{1F28DF04-6195-4BDD-ACF5-15707EF5F61C}" srcOrd="5" destOrd="0" presId="urn:microsoft.com/office/officeart/2005/8/layout/radial6"/>
+    <dgm:cxn modelId="{3A2B5BE2-C436-4C48-8AB0-094AAE1A5F82}" type="presParOf" srcId="{C8236217-02B1-4F3D-BE2F-65BCD8C465B2}" destId="{C955E136-4211-4119-91EA-3A2250FFDBCD}" srcOrd="6" destOrd="0" presId="urn:microsoft.com/office/officeart/2005/8/layout/radial6"/>
+    <dgm:cxn modelId="{E01A22B1-936B-4F56-8CFE-BD7B5CF7B625}" type="presParOf" srcId="{C8236217-02B1-4F3D-BE2F-65BCD8C465B2}" destId="{4701A229-DA23-487C-932D-3B6C74D6DB7A}" srcOrd="7" destOrd="0" presId="urn:microsoft.com/office/officeart/2005/8/layout/radial6"/>
+    <dgm:cxn modelId="{1FA20D3C-27D1-443F-908C-5027C728E00B}" type="presParOf" srcId="{C8236217-02B1-4F3D-BE2F-65BCD8C465B2}" destId="{7D87E722-B922-4093-A064-E7A7F2028495}" srcOrd="8" destOrd="0" presId="urn:microsoft.com/office/officeart/2005/8/layout/radial6"/>
+    <dgm:cxn modelId="{C428ED0C-6B9C-44B6-8F19-5E6832A5768C}" type="presParOf" srcId="{C8236217-02B1-4F3D-BE2F-65BCD8C465B2}" destId="{B2463452-81E5-4961-9836-730B781976A3}" srcOrd="9" destOrd="0" presId="urn:microsoft.com/office/officeart/2005/8/layout/radial6"/>
   </dgm:cxnLst>
   <dgm:bg/>
   <dgm:whole/>
@@ -3657,15 +5813,7 @@
           </a:pPr>
           <a:r>
             <a:rPr lang="zh-CN" altLang="en-US" sz="1600" kern="1200" dirty="0" smtClean="0"/>
-            <a:t>根据</a:t>
-          </a:r>
-          <a:r>
-            <a:rPr lang="zh-CN" altLang="en-US" sz="1600" kern="1200" dirty="0" smtClean="0"/>
-            <a:t>个体</a:t>
-          </a:r>
-          <a:r>
-            <a:rPr lang="zh-CN" altLang="en-US" sz="1600" kern="1200" dirty="0" smtClean="0"/>
-            <a:t>基因计算适应度</a:t>
+            <a:t>根据个体基因计算适应度</a:t>
           </a:r>
           <a:endParaRPr lang="zh-CN" altLang="en-US" sz="1600" kern="1200" dirty="0"/>
         </a:p>
@@ -4055,15 +6203,7 @@
           </a:pPr>
           <a:r>
             <a:rPr lang="zh-CN" altLang="en-US" sz="1600" kern="1200" dirty="0" smtClean="0"/>
-            <a:t>个体基因</a:t>
-          </a:r>
-          <a:r>
-            <a:rPr lang="zh-CN" altLang="en-US" sz="1600" kern="1200" dirty="0" smtClean="0"/>
-            <a:t>随机</a:t>
-          </a:r>
-          <a:r>
-            <a:rPr lang="zh-CN" altLang="en-US" sz="1600" kern="1200" dirty="0" smtClean="0"/>
-            <a:t>突变</a:t>
+            <a:t>个体基因随机突变</a:t>
           </a:r>
           <a:endParaRPr lang="zh-CN" altLang="en-US" sz="1600" kern="1200" dirty="0"/>
         </a:p>
@@ -4125,6 +6265,461 @@
         </a:effectRef>
         <a:fontRef idx="minor"/>
       </dsp:style>
+    </dsp:sp>
+  </dsp:spTree>
+</dsp:drawing>
+</file>
+
+<file path=ppt/diagrams/drawing3.xml><?xml version="1.0" encoding="utf-8"?>
+<dsp:drawing xmlns:dgm="http://schemas.openxmlformats.org/drawingml/2006/diagram" xmlns:dsp="http://schemas.microsoft.com/office/drawing/2008/diagram" xmlns:a="http://schemas.openxmlformats.org/drawingml/2006/main">
+  <dsp:spTree>
+    <dsp:nvGrpSpPr>
+      <dsp:cNvPr id="0" name=""/>
+      <dsp:cNvGrpSpPr/>
+    </dsp:nvGrpSpPr>
+    <dsp:grpSpPr/>
+    <dsp:sp modelId="{B2463452-81E5-4961-9836-730B781976A3}">
+      <dsp:nvSpPr>
+        <dsp:cNvPr id="0" name=""/>
+        <dsp:cNvSpPr/>
+      </dsp:nvSpPr>
+      <dsp:spPr>
+        <a:xfrm>
+          <a:off x="527680" y="454055"/>
+          <a:ext cx="3015983" cy="3015983"/>
+        </a:xfrm>
+        <a:prstGeom prst="blockArc">
+          <a:avLst>
+            <a:gd name="adj1" fmla="val 9000000"/>
+            <a:gd name="adj2" fmla="val 16200000"/>
+            <a:gd name="adj3" fmla="val 4644"/>
+          </a:avLst>
+        </a:prstGeom>
+        <a:solidFill>
+          <a:schemeClr val="accent4">
+            <a:hueOff val="0"/>
+            <a:satOff val="0"/>
+            <a:lumOff val="0"/>
+            <a:alphaOff val="0"/>
+          </a:schemeClr>
+        </a:solidFill>
+        <a:ln>
+          <a:noFill/>
+        </a:ln>
+        <a:effectLst/>
+      </dsp:spPr>
+      <dsp:style>
+        <a:lnRef idx="0">
+          <a:scrgbClr r="0" g="0" b="0"/>
+        </a:lnRef>
+        <a:fillRef idx="1">
+          <a:scrgbClr r="0" g="0" b="0"/>
+        </a:fillRef>
+        <a:effectRef idx="0">
+          <a:scrgbClr r="0" g="0" b="0"/>
+        </a:effectRef>
+        <a:fontRef idx="minor">
+          <a:schemeClr val="lt1"/>
+        </a:fontRef>
+      </dsp:style>
+    </dsp:sp>
+    <dsp:sp modelId="{C955E136-4211-4119-91EA-3A2250FFDBCD}">
+      <dsp:nvSpPr>
+        <dsp:cNvPr id="0" name=""/>
+        <dsp:cNvSpPr/>
+      </dsp:nvSpPr>
+      <dsp:spPr>
+        <a:xfrm>
+          <a:off x="527680" y="454055"/>
+          <a:ext cx="3015983" cy="3015983"/>
+        </a:xfrm>
+        <a:prstGeom prst="blockArc">
+          <a:avLst>
+            <a:gd name="adj1" fmla="val 1800000"/>
+            <a:gd name="adj2" fmla="val 9000000"/>
+            <a:gd name="adj3" fmla="val 4644"/>
+          </a:avLst>
+        </a:prstGeom>
+        <a:solidFill>
+          <a:schemeClr val="accent3">
+            <a:hueOff val="0"/>
+            <a:satOff val="0"/>
+            <a:lumOff val="0"/>
+            <a:alphaOff val="0"/>
+          </a:schemeClr>
+        </a:solidFill>
+        <a:ln>
+          <a:noFill/>
+        </a:ln>
+        <a:effectLst/>
+      </dsp:spPr>
+      <dsp:style>
+        <a:lnRef idx="0">
+          <a:scrgbClr r="0" g="0" b="0"/>
+        </a:lnRef>
+        <a:fillRef idx="1">
+          <a:scrgbClr r="0" g="0" b="0"/>
+        </a:fillRef>
+        <a:effectRef idx="0">
+          <a:scrgbClr r="0" g="0" b="0"/>
+        </a:effectRef>
+        <a:fontRef idx="minor">
+          <a:schemeClr val="lt1"/>
+        </a:fontRef>
+      </dsp:style>
+    </dsp:sp>
+    <dsp:sp modelId="{72C19AF4-6C04-40D0-AA94-D82134E11E2F}">
+      <dsp:nvSpPr>
+        <dsp:cNvPr id="0" name=""/>
+        <dsp:cNvSpPr/>
+      </dsp:nvSpPr>
+      <dsp:spPr>
+        <a:xfrm>
+          <a:off x="527680" y="454055"/>
+          <a:ext cx="3015983" cy="3015983"/>
+        </a:xfrm>
+        <a:prstGeom prst="blockArc">
+          <a:avLst>
+            <a:gd name="adj1" fmla="val 16200000"/>
+            <a:gd name="adj2" fmla="val 1800000"/>
+            <a:gd name="adj3" fmla="val 4644"/>
+          </a:avLst>
+        </a:prstGeom>
+        <a:solidFill>
+          <a:schemeClr val="accent2">
+            <a:hueOff val="0"/>
+            <a:satOff val="0"/>
+            <a:lumOff val="0"/>
+            <a:alphaOff val="0"/>
+          </a:schemeClr>
+        </a:solidFill>
+        <a:ln>
+          <a:noFill/>
+        </a:ln>
+        <a:effectLst/>
+      </dsp:spPr>
+      <dsp:style>
+        <a:lnRef idx="0">
+          <a:scrgbClr r="0" g="0" b="0"/>
+        </a:lnRef>
+        <a:fillRef idx="1">
+          <a:scrgbClr r="0" g="0" b="0"/>
+        </a:fillRef>
+        <a:effectRef idx="0">
+          <a:scrgbClr r="0" g="0" b="0"/>
+        </a:effectRef>
+        <a:fontRef idx="minor">
+          <a:schemeClr val="lt1"/>
+        </a:fontRef>
+      </dsp:style>
+    </dsp:sp>
+    <dsp:sp modelId="{3384CE38-A60F-4DDB-A010-916B668C5F18}">
+      <dsp:nvSpPr>
+        <dsp:cNvPr id="0" name=""/>
+        <dsp:cNvSpPr/>
+      </dsp:nvSpPr>
+      <dsp:spPr>
+        <a:xfrm>
+          <a:off x="1340879" y="1267255"/>
+          <a:ext cx="1389584" cy="1389584"/>
+        </a:xfrm>
+        <a:prstGeom prst="ellipse">
+          <a:avLst/>
+        </a:prstGeom>
+        <a:solidFill>
+          <a:schemeClr val="accent1">
+            <a:hueOff val="0"/>
+            <a:satOff val="0"/>
+            <a:lumOff val="0"/>
+            <a:alphaOff val="0"/>
+          </a:schemeClr>
+        </a:solidFill>
+        <a:ln w="15875" cap="rnd" cmpd="sng" algn="ctr">
+          <a:solidFill>
+            <a:schemeClr val="lt1">
+              <a:hueOff val="0"/>
+              <a:satOff val="0"/>
+              <a:lumOff val="0"/>
+              <a:alphaOff val="0"/>
+            </a:schemeClr>
+          </a:solidFill>
+          <a:prstDash val="solid"/>
+        </a:ln>
+        <a:effectLst/>
+      </dsp:spPr>
+      <dsp:style>
+        <a:lnRef idx="2">
+          <a:scrgbClr r="0" g="0" b="0"/>
+        </a:lnRef>
+        <a:fillRef idx="1">
+          <a:scrgbClr r="0" g="0" b="0"/>
+        </a:fillRef>
+        <a:effectRef idx="0">
+          <a:scrgbClr r="0" g="0" b="0"/>
+        </a:effectRef>
+        <a:fontRef idx="minor">
+          <a:schemeClr val="lt1"/>
+        </a:fontRef>
+      </dsp:style>
+      <dsp:txBody>
+        <a:bodyPr spcFirstLastPara="0" vert="horz" wrap="square" lIns="30480" tIns="30480" rIns="30480" bIns="30480" numCol="1" spcCol="1270" anchor="ctr" anchorCtr="0">
+          <a:noAutofit/>
+        </a:bodyPr>
+        <a:lstStyle/>
+        <a:p>
+          <a:pPr lvl="0" algn="ctr" defTabSz="1066800">
+            <a:lnSpc>
+              <a:spcPct val="90000"/>
+            </a:lnSpc>
+            <a:spcBef>
+              <a:spcPct val="0"/>
+            </a:spcBef>
+            <a:spcAft>
+              <a:spcPct val="35000"/>
+            </a:spcAft>
+          </a:pPr>
+          <a:r>
+            <a:rPr lang="zh-CN" altLang="en-US" sz="2400" kern="1200" dirty="0" smtClean="0"/>
+            <a:t>蚁群算法性能</a:t>
+          </a:r>
+          <a:endParaRPr lang="zh-CN" altLang="en-US" sz="2400" kern="1200" dirty="0"/>
+        </a:p>
+      </dsp:txBody>
+      <dsp:txXfrm>
+        <a:off x="1544379" y="1470755"/>
+        <a:ext cx="982584" cy="982584"/>
+      </dsp:txXfrm>
+    </dsp:sp>
+    <dsp:sp modelId="{59898FB8-9FCC-409E-A11F-66C3DE76F619}">
+      <dsp:nvSpPr>
+        <dsp:cNvPr id="0" name=""/>
+        <dsp:cNvSpPr/>
+      </dsp:nvSpPr>
+      <dsp:spPr>
+        <a:xfrm>
+          <a:off x="1549317" y="2718"/>
+          <a:ext cx="972709" cy="972709"/>
+        </a:xfrm>
+        <a:prstGeom prst="ellipse">
+          <a:avLst/>
+        </a:prstGeom>
+        <a:solidFill>
+          <a:schemeClr val="accent2">
+            <a:hueOff val="0"/>
+            <a:satOff val="0"/>
+            <a:lumOff val="0"/>
+            <a:alphaOff val="0"/>
+          </a:schemeClr>
+        </a:solidFill>
+        <a:ln w="15875" cap="rnd" cmpd="sng" algn="ctr">
+          <a:solidFill>
+            <a:schemeClr val="lt1">
+              <a:hueOff val="0"/>
+              <a:satOff val="0"/>
+              <a:lumOff val="0"/>
+              <a:alphaOff val="0"/>
+            </a:schemeClr>
+          </a:solidFill>
+          <a:prstDash val="solid"/>
+        </a:ln>
+        <a:effectLst/>
+      </dsp:spPr>
+      <dsp:style>
+        <a:lnRef idx="2">
+          <a:scrgbClr r="0" g="0" b="0"/>
+        </a:lnRef>
+        <a:fillRef idx="1">
+          <a:scrgbClr r="0" g="0" b="0"/>
+        </a:fillRef>
+        <a:effectRef idx="0">
+          <a:scrgbClr r="0" g="0" b="0"/>
+        </a:effectRef>
+        <a:fontRef idx="minor">
+          <a:schemeClr val="lt1"/>
+        </a:fontRef>
+      </dsp:style>
+      <dsp:txBody>
+        <a:bodyPr spcFirstLastPara="0" vert="horz" wrap="square" lIns="20320" tIns="20320" rIns="20320" bIns="20320" numCol="1" spcCol="1270" anchor="ctr" anchorCtr="0">
+          <a:noAutofit/>
+        </a:bodyPr>
+        <a:lstStyle/>
+        <a:p>
+          <a:pPr lvl="0" algn="ctr" defTabSz="711200">
+            <a:lnSpc>
+              <a:spcPct val="90000"/>
+            </a:lnSpc>
+            <a:spcBef>
+              <a:spcPct val="0"/>
+            </a:spcBef>
+            <a:spcAft>
+              <a:spcPct val="35000"/>
+            </a:spcAft>
+          </a:pPr>
+          <a:r>
+            <a:rPr lang="zh-CN" altLang="zh-CN" sz="1600" kern="1200" dirty="0" smtClean="0"/>
+            <a:t>最佳性能指标</a:t>
+          </a:r>
+          <a:endParaRPr lang="zh-CN" altLang="en-US" sz="1600" kern="1200" dirty="0"/>
+        </a:p>
+      </dsp:txBody>
+      <dsp:txXfrm>
+        <a:off x="1691767" y="145168"/>
+        <a:ext cx="687809" cy="687809"/>
+      </dsp:txXfrm>
+    </dsp:sp>
+    <dsp:sp modelId="{8125F134-6474-46D3-80C8-9DAED6BE15CC}">
+      <dsp:nvSpPr>
+        <dsp:cNvPr id="0" name=""/>
+        <dsp:cNvSpPr/>
+      </dsp:nvSpPr>
+      <dsp:spPr>
+        <a:xfrm>
+          <a:off x="2824950" y="2212179"/>
+          <a:ext cx="972709" cy="972709"/>
+        </a:xfrm>
+        <a:prstGeom prst="ellipse">
+          <a:avLst/>
+        </a:prstGeom>
+        <a:solidFill>
+          <a:schemeClr val="accent3">
+            <a:hueOff val="0"/>
+            <a:satOff val="0"/>
+            <a:lumOff val="0"/>
+            <a:alphaOff val="0"/>
+          </a:schemeClr>
+        </a:solidFill>
+        <a:ln w="15875" cap="rnd" cmpd="sng" algn="ctr">
+          <a:solidFill>
+            <a:schemeClr val="lt1">
+              <a:hueOff val="0"/>
+              <a:satOff val="0"/>
+              <a:lumOff val="0"/>
+              <a:alphaOff val="0"/>
+            </a:schemeClr>
+          </a:solidFill>
+          <a:prstDash val="solid"/>
+        </a:ln>
+        <a:effectLst/>
+      </dsp:spPr>
+      <dsp:style>
+        <a:lnRef idx="2">
+          <a:scrgbClr r="0" g="0" b="0"/>
+        </a:lnRef>
+        <a:fillRef idx="1">
+          <a:scrgbClr r="0" g="0" b="0"/>
+        </a:fillRef>
+        <a:effectRef idx="0">
+          <a:scrgbClr r="0" g="0" b="0"/>
+        </a:effectRef>
+        <a:fontRef idx="minor">
+          <a:schemeClr val="lt1"/>
+        </a:fontRef>
+      </dsp:style>
+      <dsp:txBody>
+        <a:bodyPr spcFirstLastPara="0" vert="horz" wrap="square" lIns="20320" tIns="20320" rIns="20320" bIns="20320" numCol="1" spcCol="1270" anchor="ctr" anchorCtr="0">
+          <a:noAutofit/>
+        </a:bodyPr>
+        <a:lstStyle/>
+        <a:p>
+          <a:pPr lvl="0" algn="ctr" defTabSz="711200">
+            <a:lnSpc>
+              <a:spcPct val="90000"/>
+            </a:lnSpc>
+            <a:spcBef>
+              <a:spcPct val="0"/>
+            </a:spcBef>
+            <a:spcAft>
+              <a:spcPct val="35000"/>
+            </a:spcAft>
+          </a:pPr>
+          <a:r>
+            <a:rPr lang="zh-CN" altLang="zh-CN" sz="1600" kern="1200" dirty="0" smtClean="0"/>
+            <a:t>鲁棒性能指标</a:t>
+          </a:r>
+          <a:endParaRPr lang="zh-CN" altLang="en-US" sz="1600" kern="1200" dirty="0"/>
+        </a:p>
+      </dsp:txBody>
+      <dsp:txXfrm>
+        <a:off x="2967400" y="2354629"/>
+        <a:ext cx="687809" cy="687809"/>
+      </dsp:txXfrm>
+    </dsp:sp>
+    <dsp:sp modelId="{4701A229-DA23-487C-932D-3B6C74D6DB7A}">
+      <dsp:nvSpPr>
+        <dsp:cNvPr id="0" name=""/>
+        <dsp:cNvSpPr/>
+      </dsp:nvSpPr>
+      <dsp:spPr>
+        <a:xfrm>
+          <a:off x="273684" y="2212179"/>
+          <a:ext cx="972709" cy="972709"/>
+        </a:xfrm>
+        <a:prstGeom prst="ellipse">
+          <a:avLst/>
+        </a:prstGeom>
+        <a:solidFill>
+          <a:schemeClr val="accent4">
+            <a:hueOff val="0"/>
+            <a:satOff val="0"/>
+            <a:lumOff val="0"/>
+            <a:alphaOff val="0"/>
+          </a:schemeClr>
+        </a:solidFill>
+        <a:ln w="15875" cap="rnd" cmpd="sng" algn="ctr">
+          <a:solidFill>
+            <a:schemeClr val="lt1">
+              <a:hueOff val="0"/>
+              <a:satOff val="0"/>
+              <a:lumOff val="0"/>
+              <a:alphaOff val="0"/>
+            </a:schemeClr>
+          </a:solidFill>
+          <a:prstDash val="solid"/>
+        </a:ln>
+        <a:effectLst/>
+      </dsp:spPr>
+      <dsp:style>
+        <a:lnRef idx="2">
+          <a:scrgbClr r="0" g="0" b="0"/>
+        </a:lnRef>
+        <a:fillRef idx="1">
+          <a:scrgbClr r="0" g="0" b="0"/>
+        </a:fillRef>
+        <a:effectRef idx="0">
+          <a:scrgbClr r="0" g="0" b="0"/>
+        </a:effectRef>
+        <a:fontRef idx="minor">
+          <a:schemeClr val="lt1"/>
+        </a:fontRef>
+      </dsp:style>
+      <dsp:txBody>
+        <a:bodyPr spcFirstLastPara="0" vert="horz" wrap="square" lIns="20320" tIns="20320" rIns="20320" bIns="20320" numCol="1" spcCol="1270" anchor="ctr" anchorCtr="0">
+          <a:noAutofit/>
+        </a:bodyPr>
+        <a:lstStyle/>
+        <a:p>
+          <a:pPr lvl="0" algn="ctr" defTabSz="711200">
+            <a:lnSpc>
+              <a:spcPct val="90000"/>
+            </a:lnSpc>
+            <a:spcBef>
+              <a:spcPct val="0"/>
+            </a:spcBef>
+            <a:spcAft>
+              <a:spcPct val="35000"/>
+            </a:spcAft>
+          </a:pPr>
+          <a:r>
+            <a:rPr lang="zh-CN" altLang="zh-CN" sz="1600" kern="1200" dirty="0" smtClean="0"/>
+            <a:t>时间性能指标</a:t>
+          </a:r>
+          <a:endParaRPr lang="zh-CN" altLang="en-US" sz="1600" kern="1200" dirty="0"/>
+        </a:p>
+      </dsp:txBody>
+      <dsp:txXfrm>
+        <a:off x="416134" y="2354629"/>
+        <a:ext cx="687809" cy="687809"/>
+      </dsp:txXfrm>
     </dsp:sp>
   </dsp:spTree>
 </dsp:drawing>
@@ -4745,6 +7340,413 @@
 </dgm:layoutDef>
 </file>
 
+<file path=ppt/diagrams/layout3.xml><?xml version="1.0" encoding="utf-8"?>
+<dgm:layoutDef xmlns:dgm="http://schemas.openxmlformats.org/drawingml/2006/diagram" xmlns:a="http://schemas.openxmlformats.org/drawingml/2006/main" uniqueId="urn:microsoft.com/office/officeart/2005/8/layout/radial6">
+  <dgm:title val=""/>
+  <dgm:desc val=""/>
+  <dgm:catLst>
+    <dgm:cat type="cycle" pri="9000"/>
+    <dgm:cat type="relationship" pri="21000"/>
+  </dgm:catLst>
+  <dgm:sampData>
+    <dgm:dataModel>
+      <dgm:ptLst>
+        <dgm:pt modelId="0" type="doc"/>
+        <dgm:pt modelId="1">
+          <dgm:prSet phldr="1"/>
+        </dgm:pt>
+        <dgm:pt modelId="11">
+          <dgm:prSet phldr="1"/>
+        </dgm:pt>
+        <dgm:pt modelId="12">
+          <dgm:prSet phldr="1"/>
+        </dgm:pt>
+        <dgm:pt modelId="13">
+          <dgm:prSet phldr="1"/>
+        </dgm:pt>
+        <dgm:pt modelId="14">
+          <dgm:prSet phldr="1"/>
+        </dgm:pt>
+      </dgm:ptLst>
+      <dgm:cxnLst>
+        <dgm:cxn modelId="2" srcId="0" destId="1" srcOrd="0" destOrd="0"/>
+        <dgm:cxn modelId="3" srcId="1" destId="11" srcOrd="0" destOrd="0"/>
+        <dgm:cxn modelId="4" srcId="1" destId="12" srcOrd="1" destOrd="0"/>
+        <dgm:cxn modelId="5" srcId="1" destId="13" srcOrd="2" destOrd="0"/>
+        <dgm:cxn modelId="6" srcId="1" destId="14" srcOrd="3" destOrd="0"/>
+      </dgm:cxnLst>
+      <dgm:bg/>
+      <dgm:whole/>
+    </dgm:dataModel>
+  </dgm:sampData>
+  <dgm:styleData>
+    <dgm:dataModel>
+      <dgm:ptLst>
+        <dgm:pt modelId="0" type="doc"/>
+        <dgm:pt modelId="1"/>
+        <dgm:pt modelId="11"/>
+        <dgm:pt modelId="12"/>
+        <dgm:pt modelId="13"/>
+      </dgm:ptLst>
+      <dgm:cxnLst>
+        <dgm:cxn modelId="2" srcId="0" destId="1" srcOrd="0" destOrd="0"/>
+        <dgm:cxn modelId="15" srcId="1" destId="11" srcOrd="0" destOrd="0"/>
+        <dgm:cxn modelId="16" srcId="1" destId="12" srcOrd="1" destOrd="0"/>
+        <dgm:cxn modelId="17" srcId="1" destId="13" srcOrd="2" destOrd="0"/>
+      </dgm:cxnLst>
+      <dgm:bg/>
+      <dgm:whole/>
+    </dgm:dataModel>
+  </dgm:styleData>
+  <dgm:clrData>
+    <dgm:dataModel>
+      <dgm:ptLst>
+        <dgm:pt modelId="0" type="doc"/>
+        <dgm:pt modelId="1"/>
+        <dgm:pt modelId="11"/>
+        <dgm:pt modelId="12"/>
+        <dgm:pt modelId="13"/>
+        <dgm:pt modelId="14"/>
+        <dgm:pt modelId="15"/>
+        <dgm:pt modelId="16"/>
+      </dgm:ptLst>
+      <dgm:cxnLst>
+        <dgm:cxn modelId="2" srcId="0" destId="1" srcOrd="0" destOrd="0"/>
+        <dgm:cxn modelId="16" srcId="1" destId="11" srcOrd="0" destOrd="0"/>
+        <dgm:cxn modelId="17" srcId="1" destId="12" srcOrd="1" destOrd="0"/>
+        <dgm:cxn modelId="18" srcId="1" destId="13" srcOrd="2" destOrd="0"/>
+        <dgm:cxn modelId="19" srcId="1" destId="14" srcOrd="3" destOrd="0"/>
+        <dgm:cxn modelId="20" srcId="1" destId="15" srcOrd="4" destOrd="0"/>
+        <dgm:cxn modelId="21" srcId="1" destId="16" srcOrd="5" destOrd="0"/>
+      </dgm:cxnLst>
+      <dgm:bg/>
+      <dgm:whole/>
+    </dgm:dataModel>
+  </dgm:clrData>
+  <dgm:layoutNode name="Name0">
+    <dgm:varLst>
+      <dgm:chMax val="1"/>
+      <dgm:dir/>
+      <dgm:animLvl val="ctr"/>
+      <dgm:resizeHandles val="exact"/>
+    </dgm:varLst>
+    <dgm:choose name="Name1">
+      <dgm:if name="Name2" func="var" arg="dir" op="equ" val="norm">
+        <dgm:choose name="Name3">
+          <dgm:if name="Name4" axis="ch ch" ptType="node node" st="1 1" cnt="1 0" func="cnt" op="lte" val="1">
+            <dgm:alg type="cycle">
+              <dgm:param type="stAng" val="90"/>
+              <dgm:param type="spanAng" val="360"/>
+              <dgm:param type="ctrShpMap" val="fNode"/>
+            </dgm:alg>
+          </dgm:if>
+          <dgm:else name="Name5">
+            <dgm:alg type="cycle">
+              <dgm:param type="stAng" val="0"/>
+              <dgm:param type="spanAng" val="360"/>
+              <dgm:param type="ctrShpMap" val="fNode"/>
+            </dgm:alg>
+          </dgm:else>
+        </dgm:choose>
+      </dgm:if>
+      <dgm:else name="Name6">
+        <dgm:choose name="Name7">
+          <dgm:if name="Name8" axis="ch ch" ptType="node node" st="1 1" cnt="1 0" func="cnt" op="lte" val="1">
+            <dgm:alg type="cycle">
+              <dgm:param type="stAng" val="-90"/>
+              <dgm:param type="spanAng" val="360"/>
+              <dgm:param type="ctrShpMap" val="fNode"/>
+            </dgm:alg>
+          </dgm:if>
+          <dgm:else name="Name9">
+            <dgm:alg type="cycle">
+              <dgm:param type="stAng" val="0"/>
+              <dgm:param type="spanAng" val="-360"/>
+              <dgm:param type="ctrShpMap" val="fNode"/>
+            </dgm:alg>
+          </dgm:else>
+        </dgm:choose>
+      </dgm:else>
+    </dgm:choose>
+    <dgm:shape xmlns:r="http://schemas.openxmlformats.org/officeDocument/2006/relationships" r:blip="">
+      <dgm:adjLst/>
+    </dgm:shape>
+    <dgm:presOf/>
+    <dgm:choose name="Name10">
+      <dgm:if name="Name11" func="var" arg="dir" op="equ" val="norm">
+        <dgm:choose name="Name12">
+          <dgm:if name="Name13" axis="ch ch" ptType="node node" st="1 1" cnt="1 0" func="cnt" op="equ" val="1">
+            <dgm:constrLst>
+              <dgm:constr type="diam" val="170"/>
+              <dgm:constr type="w" for="ch" forName="centerShape" refType="w"/>
+              <dgm:constr type="w" for="ch" forName="oneComp" refType="w" refFor="ch" refForName="centerShape" op="equ" fact="0.7"/>
+              <dgm:constr type="sp" refType="w" refFor="ch" refForName="oneComp" fact="0.3"/>
+              <dgm:constr type="sibSp" refType="w" refFor="ch" refForName="oneComp" fact="0.3"/>
+              <dgm:constr type="primFontSz" for="ch" forName="centerShape" val="65"/>
+              <dgm:constr type="primFontSz" for="des" forName="oneNode" refType="primFontSz" refFor="ch" refForName="centerShape" fact="0.95"/>
+              <dgm:constr type="primFontSz" for="des" forName="oneNode" refType="primFontSz" refFor="ch" refForName="centerShape" op="lte" fact="0.95"/>
+              <dgm:constr type="diam" for="ch" forName="singleconn" refType="diam" op="equ" fact="-1"/>
+              <dgm:constr type="h" for="ch" forName="singleconn" refType="w" refFor="ch" refForName="oneComp" fact="0.24"/>
+              <dgm:constr type="w" for="ch" forName="dummya" refType="w" refFor="ch" refForName="oneComp" op="equ"/>
+              <dgm:constr type="w" for="ch" forName="dummyb" refType="w" refFor="ch" refForName="oneComp" op="equ"/>
+              <dgm:constr type="w" for="ch" forName="dummyc" refType="w" refFor="ch" refForName="oneComp" op="equ"/>
+            </dgm:constrLst>
+          </dgm:if>
+          <dgm:else name="Name14">
+            <dgm:constrLst>
+              <dgm:constr type="diam" val="170"/>
+              <dgm:constr type="w" for="ch" forName="centerShape" refType="w"/>
+              <dgm:constr type="w" for="ch" forName="node" refType="w" refFor="ch" refForName="centerShape" op="equ" fact="0.7"/>
+              <dgm:constr type="sp" refType="w" refFor="ch" refForName="node" fact="0.3"/>
+              <dgm:constr type="sibSp" refType="w" refFor="ch" refForName="node" fact="0.3"/>
+              <dgm:constr type="primFontSz" for="ch" forName="centerShape" val="65"/>
+              <dgm:constr type="primFontSz" for="des" forName="node" refType="primFontSz" refFor="ch" refForName="centerShape" fact="0.78"/>
+              <dgm:constr type="primFontSz" for="ch" forName="node" refType="primFontSz" refFor="ch" refForName="centerShape" op="lte" fact="0.95"/>
+              <dgm:constr type="diam" for="ch" forName="sibTrans" refType="diam" op="equ"/>
+              <dgm:constr type="h" for="ch" forName="sibTrans" refType="w" refFor="ch" refForName="node" fact="0.24"/>
+              <dgm:constr type="w" for="ch" forName="dummy" val="1"/>
+            </dgm:constrLst>
+          </dgm:else>
+        </dgm:choose>
+      </dgm:if>
+      <dgm:else name="Name15">
+        <dgm:choose name="Name16">
+          <dgm:if name="Name17" axis="ch ch" ptType="node node" st="1 1" cnt="1 0" func="cnt" op="equ" val="1">
+            <dgm:constrLst>
+              <dgm:constr type="diam" val="170"/>
+              <dgm:constr type="w" for="ch" forName="centerShape" refType="w"/>
+              <dgm:constr type="w" for="ch" forName="oneComp" refType="w" refFor="ch" refForName="centerShape" op="equ" fact="0.7"/>
+              <dgm:constr type="sp" refType="w" refFor="ch" refForName="oneComp" fact="0.3"/>
+              <dgm:constr type="sibSp" refType="w" refFor="ch" refForName="oneComp" fact="0.3"/>
+              <dgm:constr type="primFontSz" for="ch" forName="centerShape" val="65"/>
+              <dgm:constr type="primFontSz" for="des" forName="oneNode" refType="primFontSz" refFor="ch" refForName="centerShape" fact="0.95"/>
+              <dgm:constr type="primFontSz" for="ch" forName="oneNode" refType="primFontSz" refFor="ch" refForName="centerShape" op="lte" fact="0.95"/>
+              <dgm:constr type="diam" for="ch" forName="singleconn" refType="diam"/>
+              <dgm:constr type="h" for="ch" forName="singleconn" refType="w" refFor="ch" refForName="oneComp" fact="0.24"/>
+              <dgm:constr type="diam" for="ch" refType="diam" op="equ"/>
+              <dgm:constr type="w" for="ch" forName="dummya" refType="w" refFor="ch" refForName="oneComp" op="equ"/>
+              <dgm:constr type="w" for="ch" forName="dummyb" refType="w" refFor="ch" refForName="oneComp" op="equ"/>
+              <dgm:constr type="w" for="ch" forName="dummyc" refType="w" refFor="ch" refForName="oneComp" op="equ"/>
+            </dgm:constrLst>
+          </dgm:if>
+          <dgm:else name="Name18">
+            <dgm:constrLst>
+              <dgm:constr type="diam" val="170"/>
+              <dgm:constr type="w" for="ch" forName="centerShape" refType="w"/>
+              <dgm:constr type="w" for="ch" forName="node" refType="w" refFor="ch" refForName="centerShape" op="equ" fact="0.7"/>
+              <dgm:constr type="sp" refType="w" refFor="ch" refForName="node" fact="0.3"/>
+              <dgm:constr type="sibSp" refType="w" refFor="ch" refForName="node" fact="0.3"/>
+              <dgm:constr type="primFontSz" for="ch" forName="centerShape" val="65"/>
+              <dgm:constr type="primFontSz" for="des" forName="node" refType="primFontSz" refFor="ch" refForName="centerShape" fact="0.78"/>
+              <dgm:constr type="primFontSz" for="ch" forName="node" refType="primFontSz" refFor="ch" refForName="centerShape" op="lte" fact="0.95"/>
+              <dgm:constr type="diam" for="ch" ptType="sibTrans" refType="diam" fact="-1"/>
+              <dgm:constr type="h" for="ch" forName="sibTrans" refType="w" refFor="ch" refForName="node" fact="0.24"/>
+              <dgm:constr type="diam" for="ch" refType="diam" op="equ" fact="-1"/>
+              <dgm:constr type="w" for="ch" forName="dummy" val="1"/>
+            </dgm:constrLst>
+          </dgm:else>
+        </dgm:choose>
+      </dgm:else>
+    </dgm:choose>
+    <dgm:ruleLst>
+      <dgm:rule type="diam" val="INF" fact="NaN" max="NaN"/>
+    </dgm:ruleLst>
+    <dgm:forEach name="Name19" axis="ch" ptType="node" cnt="1">
+      <dgm:layoutNode name="centerShape" styleLbl="node0">
+        <dgm:alg type="tx"/>
+        <dgm:shape xmlns:r="http://schemas.openxmlformats.org/officeDocument/2006/relationships" type="ellipse" r:blip="">
+          <dgm:adjLst/>
+        </dgm:shape>
+        <dgm:presOf axis="self"/>
+        <dgm:constrLst>
+          <dgm:constr type="h" refType="w"/>
+          <dgm:constr type="tMarg" refType="primFontSz" fact="0.1"/>
+          <dgm:constr type="bMarg" refType="primFontSz" fact="0.1"/>
+          <dgm:constr type="lMarg" refType="primFontSz" fact="0.1"/>
+          <dgm:constr type="rMarg" refType="primFontSz" fact="0.1"/>
+        </dgm:constrLst>
+        <dgm:ruleLst>
+          <dgm:rule type="primFontSz" val="5" fact="NaN" max="NaN"/>
+        </dgm:ruleLst>
+      </dgm:layoutNode>
+      <dgm:forEach name="Name20" axis="ch">
+        <dgm:forEach name="Name21" axis="self" ptType="node">
+          <dgm:choose name="Name22">
+            <dgm:if name="Name23" axis="par ch" ptType="node node" func="cnt" op="gt" val="1">
+              <dgm:layoutNode name="node" styleLbl="node1">
+                <dgm:varLst>
+                  <dgm:bulletEnabled val="1"/>
+                </dgm:varLst>
+                <dgm:alg type="tx">
+                  <dgm:param type="txAnchorVertCh" val="mid"/>
+                </dgm:alg>
+                <dgm:shape xmlns:r="http://schemas.openxmlformats.org/officeDocument/2006/relationships" type="ellipse" r:blip="">
+                  <dgm:adjLst/>
+                </dgm:shape>
+                <dgm:presOf axis="desOrSelf" ptType="node"/>
+                <dgm:constrLst>
+                  <dgm:constr type="h" refType="w"/>
+                  <dgm:constr type="tMarg" refType="primFontSz" fact="0.1"/>
+                  <dgm:constr type="bMarg" refType="primFontSz" fact="0.1"/>
+                  <dgm:constr type="lMarg" refType="primFontSz" fact="0.1"/>
+                  <dgm:constr type="rMarg" refType="primFontSz" fact="0.1"/>
+                </dgm:constrLst>
+                <dgm:ruleLst>
+                  <dgm:rule type="primFontSz" val="5" fact="NaN" max="NaN"/>
+                </dgm:ruleLst>
+              </dgm:layoutNode>
+              <dgm:layoutNode name="dummy">
+                <dgm:alg type="sp"/>
+                <dgm:shape xmlns:r="http://schemas.openxmlformats.org/officeDocument/2006/relationships" r:blip="">
+                  <dgm:adjLst/>
+                </dgm:shape>
+                <dgm:presOf/>
+                <dgm:constrLst>
+                  <dgm:constr type="h" refType="w"/>
+                </dgm:constrLst>
+                <dgm:ruleLst/>
+              </dgm:layoutNode>
+              <dgm:forEach name="sibTransForEach" axis="followSib" ptType="sibTrans" hideLastTrans="0" cnt="1">
+                <dgm:layoutNode name="sibTrans" styleLbl="sibTrans2D1">
+                  <dgm:alg type="conn">
+                    <dgm:param type="connRout" val="curve"/>
+                    <dgm:param type="begPts" val="ctr"/>
+                    <dgm:param type="endPts" val="ctr"/>
+                    <dgm:param type="begSty" val="noArr"/>
+                    <dgm:param type="endSty" val="noArr"/>
+                    <dgm:param type="dstNode" val="node"/>
+                  </dgm:alg>
+                  <dgm:shape xmlns:r="http://schemas.openxmlformats.org/officeDocument/2006/relationships" type="conn" r:blip="" zOrderOff="-999">
+                    <dgm:adjLst/>
+                  </dgm:shape>
+                  <dgm:presOf axis="self"/>
+                  <dgm:constrLst>
+                    <dgm:constr type="begPad"/>
+                    <dgm:constr type="endPad"/>
+                  </dgm:constrLst>
+                  <dgm:ruleLst/>
+                </dgm:layoutNode>
+              </dgm:forEach>
+            </dgm:if>
+            <dgm:if name="Name24" axis="par ch" ptType="node node" func="cnt" op="equ" val="1">
+              <dgm:layoutNode name="oneComp">
+                <dgm:alg type="composite">
+                  <dgm:param type="ar" val="1"/>
+                </dgm:alg>
+                <dgm:shape xmlns:r="http://schemas.openxmlformats.org/officeDocument/2006/relationships" r:blip="">
+                  <dgm:adjLst/>
+                </dgm:shape>
+                <dgm:presOf/>
+                <dgm:constrLst>
+                  <dgm:constr type="h" refType="w"/>
+                  <dgm:constr type="l" for="ch" forName="dummyConnPt" refType="w" fact="0.5"/>
+                  <dgm:constr type="t" for="ch" forName="dummyConnPt" refType="w" fact="0.5"/>
+                  <dgm:constr type="l" for="ch" forName="oneNode"/>
+                  <dgm:constr type="t" for="ch" forName="oneNode"/>
+                  <dgm:constr type="h" for="ch" forName="oneNode" refType="h"/>
+                  <dgm:constr type="w" for="ch" forName="oneNode" refType="w"/>
+                </dgm:constrLst>
+                <dgm:ruleLst/>
+                <dgm:layoutNode name="dummyConnPt" styleLbl="node1">
+                  <dgm:alg type="sp"/>
+                  <dgm:shape xmlns:r="http://schemas.openxmlformats.org/officeDocument/2006/relationships" r:blip="">
+                    <dgm:adjLst/>
+                  </dgm:shape>
+                  <dgm:presOf/>
+                  <dgm:constrLst>
+                    <dgm:constr type="w" val="1"/>
+                    <dgm:constr type="h" val="1"/>
+                  </dgm:constrLst>
+                  <dgm:ruleLst/>
+                </dgm:layoutNode>
+                <dgm:layoutNode name="oneNode" styleLbl="node1">
+                  <dgm:varLst>
+                    <dgm:bulletEnabled val="1"/>
+                  </dgm:varLst>
+                  <dgm:alg type="tx">
+                    <dgm:param type="txAnchorVertCh" val="mid"/>
+                  </dgm:alg>
+                  <dgm:shape xmlns:r="http://schemas.openxmlformats.org/officeDocument/2006/relationships" type="ellipse" r:blip="">
+                    <dgm:adjLst/>
+                  </dgm:shape>
+                  <dgm:presOf axis="desOrSelf" ptType="node"/>
+                  <dgm:constrLst>
+                    <dgm:constr type="h" refType="w"/>
+                    <dgm:constr type="tMarg" refType="primFontSz" fact="0.1"/>
+                    <dgm:constr type="bMarg" refType="primFontSz" fact="0.1"/>
+                    <dgm:constr type="lMarg" refType="primFontSz" fact="0.1"/>
+                    <dgm:constr type="rMarg" refType="primFontSz" fact="0.1"/>
+                  </dgm:constrLst>
+                  <dgm:ruleLst>
+                    <dgm:rule type="primFontSz" val="5" fact="NaN" max="NaN"/>
+                  </dgm:ruleLst>
+                </dgm:layoutNode>
+              </dgm:layoutNode>
+              <dgm:layoutNode name="dummya">
+                <dgm:alg type="sp"/>
+                <dgm:shape xmlns:r="http://schemas.openxmlformats.org/officeDocument/2006/relationships" r:blip="">
+                  <dgm:adjLst/>
+                </dgm:shape>
+                <dgm:presOf/>
+                <dgm:constrLst>
+                  <dgm:constr type="h" refType="w"/>
+                </dgm:constrLst>
+                <dgm:ruleLst/>
+              </dgm:layoutNode>
+              <dgm:layoutNode name="dummyb">
+                <dgm:alg type="sp"/>
+                <dgm:shape xmlns:r="http://schemas.openxmlformats.org/officeDocument/2006/relationships" r:blip="">
+                  <dgm:adjLst/>
+                </dgm:shape>
+                <dgm:presOf/>
+                <dgm:constrLst>
+                  <dgm:constr type="h" refType="w"/>
+                </dgm:constrLst>
+                <dgm:ruleLst/>
+              </dgm:layoutNode>
+              <dgm:layoutNode name="dummyc">
+                <dgm:alg type="sp"/>
+                <dgm:shape xmlns:r="http://schemas.openxmlformats.org/officeDocument/2006/relationships" r:blip="">
+                  <dgm:adjLst/>
+                </dgm:shape>
+                <dgm:presOf/>
+                <dgm:constrLst>
+                  <dgm:constr type="h" refType="w"/>
+                </dgm:constrLst>
+                <dgm:ruleLst/>
+              </dgm:layoutNode>
+              <dgm:forEach name="sibTransForEach1" axis="followSib" ptType="sibTrans" hideLastTrans="0" cnt="1">
+                <dgm:layoutNode name="singleconn" styleLbl="sibTrans2D1">
+                  <dgm:alg type="conn">
+                    <dgm:param type="connRout" val="longCurve"/>
+                    <dgm:param type="begPts" val="bCtr"/>
+                    <dgm:param type="endPts" val="tCtr"/>
+                    <dgm:param type="begSty" val="noArr"/>
+                    <dgm:param type="endSty" val="noArr"/>
+                    <dgm:param type="srcNode" val="dummyConnPt"/>
+                    <dgm:param type="dstNode" val="dummyConnPt"/>
+                  </dgm:alg>
+                  <dgm:shape xmlns:r="http://schemas.openxmlformats.org/officeDocument/2006/relationships" type="conn" r:blip="" zOrderOff="-999">
+                    <dgm:adjLst/>
+                  </dgm:shape>
+                  <dgm:presOf axis="self"/>
+                  <dgm:constrLst>
+                    <dgm:constr type="begPad"/>
+                    <dgm:constr type="endPad"/>
+                  </dgm:constrLst>
+                  <dgm:ruleLst/>
+                </dgm:layoutNode>
+              </dgm:forEach>
+            </dgm:if>
+            <dgm:else name="Name25"/>
+          </dgm:choose>
+        </dgm:forEach>
+      </dgm:forEach>
+    </dgm:forEach>
+  </dgm:layoutNode>
+</dgm:layoutDef>
+</file>
+
 <file path=ppt/diagrams/quickStyle1.xml><?xml version="1.0" encoding="utf-8"?>
 <dgm:styleDef xmlns:dgm="http://schemas.openxmlformats.org/drawingml/2006/diagram" xmlns:a="http://schemas.openxmlformats.org/drawingml/2006/main" uniqueId="urn:microsoft.com/office/officeart/2005/8/quickstyle/simple1">
   <dgm:title val=""/>
@@ -5780,6 +8782,1040 @@
 </file>
 
 <file path=ppt/diagrams/quickStyle2.xml><?xml version="1.0" encoding="utf-8"?>
+<dgm:styleDef xmlns:dgm="http://schemas.openxmlformats.org/drawingml/2006/diagram" xmlns:a="http://schemas.openxmlformats.org/drawingml/2006/main" uniqueId="urn:microsoft.com/office/officeart/2005/8/quickstyle/simple1">
+  <dgm:title val=""/>
+  <dgm:desc val=""/>
+  <dgm:catLst>
+    <dgm:cat type="simple" pri="10100"/>
+  </dgm:catLst>
+  <dgm:scene3d>
+    <a:camera prst="orthographicFront"/>
+    <a:lightRig rig="threePt" dir="t"/>
+  </dgm:scene3d>
+  <dgm:styleLbl name="node0">
+    <dgm:scene3d>
+      <a:camera prst="orthographicFront"/>
+      <a:lightRig rig="threePt" dir="t"/>
+    </dgm:scene3d>
+    <dgm:sp3d/>
+    <dgm:txPr/>
+    <dgm:style>
+      <a:lnRef idx="2">
+        <a:scrgbClr r="0" g="0" b="0"/>
+      </a:lnRef>
+      <a:fillRef idx="1">
+        <a:scrgbClr r="0" g="0" b="0"/>
+      </a:fillRef>
+      <a:effectRef idx="0">
+        <a:scrgbClr r="0" g="0" b="0"/>
+      </a:effectRef>
+      <a:fontRef idx="minor">
+        <a:schemeClr val="lt1"/>
+      </a:fontRef>
+    </dgm:style>
+  </dgm:styleLbl>
+  <dgm:styleLbl name="lnNode1">
+    <dgm:scene3d>
+      <a:camera prst="orthographicFront"/>
+      <a:lightRig rig="threePt" dir="t"/>
+    </dgm:scene3d>
+    <dgm:sp3d/>
+    <dgm:txPr/>
+    <dgm:style>
+      <a:lnRef idx="2">
+        <a:scrgbClr r="0" g="0" b="0"/>
+      </a:lnRef>
+      <a:fillRef idx="1">
+        <a:scrgbClr r="0" g="0" b="0"/>
+      </a:fillRef>
+      <a:effectRef idx="0">
+        <a:scrgbClr r="0" g="0" b="0"/>
+      </a:effectRef>
+      <a:fontRef idx="minor">
+        <a:schemeClr val="lt1"/>
+      </a:fontRef>
+    </dgm:style>
+  </dgm:styleLbl>
+  <dgm:styleLbl name="vennNode1">
+    <dgm:scene3d>
+      <a:camera prst="orthographicFront"/>
+      <a:lightRig rig="threePt" dir="t"/>
+    </dgm:scene3d>
+    <dgm:sp3d/>
+    <dgm:txPr/>
+    <dgm:style>
+      <a:lnRef idx="2">
+        <a:scrgbClr r="0" g="0" b="0"/>
+      </a:lnRef>
+      <a:fillRef idx="1">
+        <a:scrgbClr r="0" g="0" b="0"/>
+      </a:fillRef>
+      <a:effectRef idx="0">
+        <a:scrgbClr r="0" g="0" b="0"/>
+      </a:effectRef>
+      <a:fontRef idx="minor">
+        <a:schemeClr val="tx1"/>
+      </a:fontRef>
+    </dgm:style>
+  </dgm:styleLbl>
+  <dgm:styleLbl name="alignNode1">
+    <dgm:scene3d>
+      <a:camera prst="orthographicFront"/>
+      <a:lightRig rig="threePt" dir="t"/>
+    </dgm:scene3d>
+    <dgm:sp3d/>
+    <dgm:txPr/>
+    <dgm:style>
+      <a:lnRef idx="2">
+        <a:scrgbClr r="0" g="0" b="0"/>
+      </a:lnRef>
+      <a:fillRef idx="1">
+        <a:scrgbClr r="0" g="0" b="0"/>
+      </a:fillRef>
+      <a:effectRef idx="0">
+        <a:scrgbClr r="0" g="0" b="0"/>
+      </a:effectRef>
+      <a:fontRef idx="minor">
+        <a:schemeClr val="lt1"/>
+      </a:fontRef>
+    </dgm:style>
+  </dgm:styleLbl>
+  <dgm:styleLbl name="node1">
+    <dgm:scene3d>
+      <a:camera prst="orthographicFront"/>
+      <a:lightRig rig="threePt" dir="t"/>
+    </dgm:scene3d>
+    <dgm:sp3d/>
+    <dgm:txPr/>
+    <dgm:style>
+      <a:lnRef idx="2">
+        <a:scrgbClr r="0" g="0" b="0"/>
+      </a:lnRef>
+      <a:fillRef idx="1">
+        <a:scrgbClr r="0" g="0" b="0"/>
+      </a:fillRef>
+      <a:effectRef idx="0">
+        <a:scrgbClr r="0" g="0" b="0"/>
+      </a:effectRef>
+      <a:fontRef idx="minor">
+        <a:schemeClr val="lt1"/>
+      </a:fontRef>
+    </dgm:style>
+  </dgm:styleLbl>
+  <dgm:styleLbl name="node2">
+    <dgm:scene3d>
+      <a:camera prst="orthographicFront"/>
+      <a:lightRig rig="threePt" dir="t"/>
+    </dgm:scene3d>
+    <dgm:sp3d/>
+    <dgm:txPr/>
+    <dgm:style>
+      <a:lnRef idx="2">
+        <a:scrgbClr r="0" g="0" b="0"/>
+      </a:lnRef>
+      <a:fillRef idx="1">
+        <a:scrgbClr r="0" g="0" b="0"/>
+      </a:fillRef>
+      <a:effectRef idx="0">
+        <a:scrgbClr r="0" g="0" b="0"/>
+      </a:effectRef>
+      <a:fontRef idx="minor">
+        <a:schemeClr val="lt1"/>
+      </a:fontRef>
+    </dgm:style>
+  </dgm:styleLbl>
+  <dgm:styleLbl name="node3">
+    <dgm:scene3d>
+      <a:camera prst="orthographicFront"/>
+      <a:lightRig rig="threePt" dir="t"/>
+    </dgm:scene3d>
+    <dgm:sp3d/>
+    <dgm:txPr/>
+    <dgm:style>
+      <a:lnRef idx="2">
+        <a:scrgbClr r="0" g="0" b="0"/>
+      </a:lnRef>
+      <a:fillRef idx="1">
+        <a:scrgbClr r="0" g="0" b="0"/>
+      </a:fillRef>
+      <a:effectRef idx="0">
+        <a:scrgbClr r="0" g="0" b="0"/>
+      </a:effectRef>
+      <a:fontRef idx="minor">
+        <a:schemeClr val="lt1"/>
+      </a:fontRef>
+    </dgm:style>
+  </dgm:styleLbl>
+  <dgm:styleLbl name="node4">
+    <dgm:scene3d>
+      <a:camera prst="orthographicFront"/>
+      <a:lightRig rig="threePt" dir="t"/>
+    </dgm:scene3d>
+    <dgm:sp3d/>
+    <dgm:txPr/>
+    <dgm:style>
+      <a:lnRef idx="2">
+        <a:scrgbClr r="0" g="0" b="0"/>
+      </a:lnRef>
+      <a:fillRef idx="1">
+        <a:scrgbClr r="0" g="0" b="0"/>
+      </a:fillRef>
+      <a:effectRef idx="0">
+        <a:scrgbClr r="0" g="0" b="0"/>
+      </a:effectRef>
+      <a:fontRef idx="minor">
+        <a:schemeClr val="lt1"/>
+      </a:fontRef>
+    </dgm:style>
+  </dgm:styleLbl>
+  <dgm:styleLbl name="fgImgPlace1">
+    <dgm:scene3d>
+      <a:camera prst="orthographicFront"/>
+      <a:lightRig rig="threePt" dir="t"/>
+    </dgm:scene3d>
+    <dgm:sp3d/>
+    <dgm:txPr/>
+    <dgm:style>
+      <a:lnRef idx="2">
+        <a:scrgbClr r="0" g="0" b="0"/>
+      </a:lnRef>
+      <a:fillRef idx="1">
+        <a:scrgbClr r="0" g="0" b="0"/>
+      </a:fillRef>
+      <a:effectRef idx="0">
+        <a:scrgbClr r="0" g="0" b="0"/>
+      </a:effectRef>
+      <a:fontRef idx="minor"/>
+    </dgm:style>
+  </dgm:styleLbl>
+  <dgm:styleLbl name="alignImgPlace1">
+    <dgm:scene3d>
+      <a:camera prst="orthographicFront"/>
+      <a:lightRig rig="threePt" dir="t"/>
+    </dgm:scene3d>
+    <dgm:sp3d/>
+    <dgm:txPr/>
+    <dgm:style>
+      <a:lnRef idx="2">
+        <a:scrgbClr r="0" g="0" b="0"/>
+      </a:lnRef>
+      <a:fillRef idx="1">
+        <a:scrgbClr r="0" g="0" b="0"/>
+      </a:fillRef>
+      <a:effectRef idx="0">
+        <a:scrgbClr r="0" g="0" b="0"/>
+      </a:effectRef>
+      <a:fontRef idx="minor"/>
+    </dgm:style>
+  </dgm:styleLbl>
+  <dgm:styleLbl name="bgImgPlace1">
+    <dgm:scene3d>
+      <a:camera prst="orthographicFront"/>
+      <a:lightRig rig="threePt" dir="t"/>
+    </dgm:scene3d>
+    <dgm:sp3d/>
+    <dgm:txPr/>
+    <dgm:style>
+      <a:lnRef idx="2">
+        <a:scrgbClr r="0" g="0" b="0"/>
+      </a:lnRef>
+      <a:fillRef idx="1">
+        <a:scrgbClr r="0" g="0" b="0"/>
+      </a:fillRef>
+      <a:effectRef idx="0">
+        <a:scrgbClr r="0" g="0" b="0"/>
+      </a:effectRef>
+      <a:fontRef idx="minor"/>
+    </dgm:style>
+  </dgm:styleLbl>
+  <dgm:styleLbl name="sibTrans2D1">
+    <dgm:scene3d>
+      <a:camera prst="orthographicFront"/>
+      <a:lightRig rig="threePt" dir="t"/>
+    </dgm:scene3d>
+    <dgm:sp3d/>
+    <dgm:txPr/>
+    <dgm:style>
+      <a:lnRef idx="0">
+        <a:scrgbClr r="0" g="0" b="0"/>
+      </a:lnRef>
+      <a:fillRef idx="1">
+        <a:scrgbClr r="0" g="0" b="0"/>
+      </a:fillRef>
+      <a:effectRef idx="0">
+        <a:scrgbClr r="0" g="0" b="0"/>
+      </a:effectRef>
+      <a:fontRef idx="minor">
+        <a:schemeClr val="lt1"/>
+      </a:fontRef>
+    </dgm:style>
+  </dgm:styleLbl>
+  <dgm:styleLbl name="fgSibTrans2D1">
+    <dgm:scene3d>
+      <a:camera prst="orthographicFront"/>
+      <a:lightRig rig="threePt" dir="t"/>
+    </dgm:scene3d>
+    <dgm:sp3d/>
+    <dgm:txPr/>
+    <dgm:style>
+      <a:lnRef idx="0">
+        <a:scrgbClr r="0" g="0" b="0"/>
+      </a:lnRef>
+      <a:fillRef idx="1">
+        <a:scrgbClr r="0" g="0" b="0"/>
+      </a:fillRef>
+      <a:effectRef idx="0">
+        <a:scrgbClr r="0" g="0" b="0"/>
+      </a:effectRef>
+      <a:fontRef idx="minor">
+        <a:schemeClr val="lt1"/>
+      </a:fontRef>
+    </dgm:style>
+  </dgm:styleLbl>
+  <dgm:styleLbl name="bgSibTrans2D1">
+    <dgm:scene3d>
+      <a:camera prst="orthographicFront"/>
+      <a:lightRig rig="threePt" dir="t"/>
+    </dgm:scene3d>
+    <dgm:sp3d/>
+    <dgm:txPr/>
+    <dgm:style>
+      <a:lnRef idx="0">
+        <a:scrgbClr r="0" g="0" b="0"/>
+      </a:lnRef>
+      <a:fillRef idx="1">
+        <a:scrgbClr r="0" g="0" b="0"/>
+      </a:fillRef>
+      <a:effectRef idx="0">
+        <a:scrgbClr r="0" g="0" b="0"/>
+      </a:effectRef>
+      <a:fontRef idx="minor">
+        <a:schemeClr val="lt1"/>
+      </a:fontRef>
+    </dgm:style>
+  </dgm:styleLbl>
+  <dgm:styleLbl name="sibTrans1D1">
+    <dgm:scene3d>
+      <a:camera prst="orthographicFront"/>
+      <a:lightRig rig="threePt" dir="t"/>
+    </dgm:scene3d>
+    <dgm:sp3d/>
+    <dgm:txPr/>
+    <dgm:style>
+      <a:lnRef idx="1">
+        <a:scrgbClr r="0" g="0" b="0"/>
+      </a:lnRef>
+      <a:fillRef idx="0">
+        <a:scrgbClr r="0" g="0" b="0"/>
+      </a:fillRef>
+      <a:effectRef idx="0">
+        <a:scrgbClr r="0" g="0" b="0"/>
+      </a:effectRef>
+      <a:fontRef idx="minor"/>
+    </dgm:style>
+  </dgm:styleLbl>
+  <dgm:styleLbl name="callout">
+    <dgm:scene3d>
+      <a:camera prst="orthographicFront"/>
+      <a:lightRig rig="threePt" dir="t"/>
+    </dgm:scene3d>
+    <dgm:sp3d/>
+    <dgm:txPr/>
+    <dgm:style>
+      <a:lnRef idx="2">
+        <a:scrgbClr r="0" g="0" b="0"/>
+      </a:lnRef>
+      <a:fillRef idx="1">
+        <a:scrgbClr r="0" g="0" b="0"/>
+      </a:fillRef>
+      <a:effectRef idx="0">
+        <a:scrgbClr r="0" g="0" b="0"/>
+      </a:effectRef>
+      <a:fontRef idx="minor"/>
+    </dgm:style>
+  </dgm:styleLbl>
+  <dgm:styleLbl name="asst0">
+    <dgm:scene3d>
+      <a:camera prst="orthographicFront"/>
+      <a:lightRig rig="threePt" dir="t"/>
+    </dgm:scene3d>
+    <dgm:sp3d/>
+    <dgm:txPr/>
+    <dgm:style>
+      <a:lnRef idx="2">
+        <a:scrgbClr r="0" g="0" b="0"/>
+      </a:lnRef>
+      <a:fillRef idx="1">
+        <a:scrgbClr r="0" g="0" b="0"/>
+      </a:fillRef>
+      <a:effectRef idx="0">
+        <a:scrgbClr r="0" g="0" b="0"/>
+      </a:effectRef>
+      <a:fontRef idx="minor">
+        <a:schemeClr val="lt1"/>
+      </a:fontRef>
+    </dgm:style>
+  </dgm:styleLbl>
+  <dgm:styleLbl name="asst1">
+    <dgm:scene3d>
+      <a:camera prst="orthographicFront"/>
+      <a:lightRig rig="threePt" dir="t"/>
+    </dgm:scene3d>
+    <dgm:sp3d/>
+    <dgm:txPr/>
+    <dgm:style>
+      <a:lnRef idx="2">
+        <a:scrgbClr r="0" g="0" b="0"/>
+      </a:lnRef>
+      <a:fillRef idx="1">
+        <a:scrgbClr r="0" g="0" b="0"/>
+      </a:fillRef>
+      <a:effectRef idx="0">
+        <a:scrgbClr r="0" g="0" b="0"/>
+      </a:effectRef>
+      <a:fontRef idx="minor">
+        <a:schemeClr val="lt1"/>
+      </a:fontRef>
+    </dgm:style>
+  </dgm:styleLbl>
+  <dgm:styleLbl name="asst2">
+    <dgm:scene3d>
+      <a:camera prst="orthographicFront"/>
+      <a:lightRig rig="threePt" dir="t"/>
+    </dgm:scene3d>
+    <dgm:sp3d/>
+    <dgm:txPr/>
+    <dgm:style>
+      <a:lnRef idx="2">
+        <a:scrgbClr r="0" g="0" b="0"/>
+      </a:lnRef>
+      <a:fillRef idx="1">
+        <a:scrgbClr r="0" g="0" b="0"/>
+      </a:fillRef>
+      <a:effectRef idx="0">
+        <a:scrgbClr r="0" g="0" b="0"/>
+      </a:effectRef>
+      <a:fontRef idx="minor">
+        <a:schemeClr val="lt1"/>
+      </a:fontRef>
+    </dgm:style>
+  </dgm:styleLbl>
+  <dgm:styleLbl name="asst3">
+    <dgm:scene3d>
+      <a:camera prst="orthographicFront"/>
+      <a:lightRig rig="threePt" dir="t"/>
+    </dgm:scene3d>
+    <dgm:sp3d/>
+    <dgm:txPr/>
+    <dgm:style>
+      <a:lnRef idx="2">
+        <a:scrgbClr r="0" g="0" b="0"/>
+      </a:lnRef>
+      <a:fillRef idx="1">
+        <a:scrgbClr r="0" g="0" b="0"/>
+      </a:fillRef>
+      <a:effectRef idx="0">
+        <a:scrgbClr r="0" g="0" b="0"/>
+      </a:effectRef>
+      <a:fontRef idx="minor">
+        <a:schemeClr val="lt1"/>
+      </a:fontRef>
+    </dgm:style>
+  </dgm:styleLbl>
+  <dgm:styleLbl name="asst4">
+    <dgm:scene3d>
+      <a:camera prst="orthographicFront"/>
+      <a:lightRig rig="threePt" dir="t"/>
+    </dgm:scene3d>
+    <dgm:sp3d/>
+    <dgm:txPr/>
+    <dgm:style>
+      <a:lnRef idx="2">
+        <a:scrgbClr r="0" g="0" b="0"/>
+      </a:lnRef>
+      <a:fillRef idx="1">
+        <a:scrgbClr r="0" g="0" b="0"/>
+      </a:fillRef>
+      <a:effectRef idx="0">
+        <a:scrgbClr r="0" g="0" b="0"/>
+      </a:effectRef>
+      <a:fontRef idx="minor">
+        <a:schemeClr val="lt1"/>
+      </a:fontRef>
+    </dgm:style>
+  </dgm:styleLbl>
+  <dgm:styleLbl name="parChTrans2D1">
+    <dgm:scene3d>
+      <a:camera prst="orthographicFront"/>
+      <a:lightRig rig="threePt" dir="t"/>
+    </dgm:scene3d>
+    <dgm:sp3d/>
+    <dgm:txPr/>
+    <dgm:style>
+      <a:lnRef idx="2">
+        <a:scrgbClr r="0" g="0" b="0"/>
+      </a:lnRef>
+      <a:fillRef idx="1">
+        <a:scrgbClr r="0" g="0" b="0"/>
+      </a:fillRef>
+      <a:effectRef idx="0">
+        <a:scrgbClr r="0" g="0" b="0"/>
+      </a:effectRef>
+      <a:fontRef idx="minor">
+        <a:schemeClr val="lt1"/>
+      </a:fontRef>
+    </dgm:style>
+  </dgm:styleLbl>
+  <dgm:styleLbl name="parChTrans2D2">
+    <dgm:scene3d>
+      <a:camera prst="orthographicFront"/>
+      <a:lightRig rig="threePt" dir="t"/>
+    </dgm:scene3d>
+    <dgm:sp3d/>
+    <dgm:txPr/>
+    <dgm:style>
+      <a:lnRef idx="2">
+        <a:scrgbClr r="0" g="0" b="0"/>
+      </a:lnRef>
+      <a:fillRef idx="1">
+        <a:scrgbClr r="0" g="0" b="0"/>
+      </a:fillRef>
+      <a:effectRef idx="0">
+        <a:scrgbClr r="0" g="0" b="0"/>
+      </a:effectRef>
+      <a:fontRef idx="minor">
+        <a:schemeClr val="lt1"/>
+      </a:fontRef>
+    </dgm:style>
+  </dgm:styleLbl>
+  <dgm:styleLbl name="parChTrans2D3">
+    <dgm:scene3d>
+      <a:camera prst="orthographicFront"/>
+      <a:lightRig rig="threePt" dir="t"/>
+    </dgm:scene3d>
+    <dgm:sp3d/>
+    <dgm:txPr/>
+    <dgm:style>
+      <a:lnRef idx="2">
+        <a:scrgbClr r="0" g="0" b="0"/>
+      </a:lnRef>
+      <a:fillRef idx="1">
+        <a:scrgbClr r="0" g="0" b="0"/>
+      </a:fillRef>
+      <a:effectRef idx="0">
+        <a:scrgbClr r="0" g="0" b="0"/>
+      </a:effectRef>
+      <a:fontRef idx="minor">
+        <a:schemeClr val="lt1"/>
+      </a:fontRef>
+    </dgm:style>
+  </dgm:styleLbl>
+  <dgm:styleLbl name="parChTrans2D4">
+    <dgm:scene3d>
+      <a:camera prst="orthographicFront"/>
+      <a:lightRig rig="threePt" dir="t"/>
+    </dgm:scene3d>
+    <dgm:sp3d/>
+    <dgm:txPr/>
+    <dgm:style>
+      <a:lnRef idx="2">
+        <a:scrgbClr r="0" g="0" b="0"/>
+      </a:lnRef>
+      <a:fillRef idx="1">
+        <a:scrgbClr r="0" g="0" b="0"/>
+      </a:fillRef>
+      <a:effectRef idx="0">
+        <a:scrgbClr r="0" g="0" b="0"/>
+      </a:effectRef>
+      <a:fontRef idx="minor">
+        <a:schemeClr val="lt1"/>
+      </a:fontRef>
+    </dgm:style>
+  </dgm:styleLbl>
+  <dgm:styleLbl name="parChTrans1D1">
+    <dgm:scene3d>
+      <a:camera prst="orthographicFront"/>
+      <a:lightRig rig="threePt" dir="t"/>
+    </dgm:scene3d>
+    <dgm:sp3d/>
+    <dgm:txPr/>
+    <dgm:style>
+      <a:lnRef idx="2">
+        <a:scrgbClr r="0" g="0" b="0"/>
+      </a:lnRef>
+      <a:fillRef idx="0">
+        <a:scrgbClr r="0" g="0" b="0"/>
+      </a:fillRef>
+      <a:effectRef idx="0">
+        <a:scrgbClr r="0" g="0" b="0"/>
+      </a:effectRef>
+      <a:fontRef idx="minor"/>
+    </dgm:style>
+  </dgm:styleLbl>
+  <dgm:styleLbl name="parChTrans1D2">
+    <dgm:scene3d>
+      <a:camera prst="orthographicFront"/>
+      <a:lightRig rig="threePt" dir="t"/>
+    </dgm:scene3d>
+    <dgm:sp3d/>
+    <dgm:txPr/>
+    <dgm:style>
+      <a:lnRef idx="2">
+        <a:scrgbClr r="0" g="0" b="0"/>
+      </a:lnRef>
+      <a:fillRef idx="0">
+        <a:scrgbClr r="0" g="0" b="0"/>
+      </a:fillRef>
+      <a:effectRef idx="0">
+        <a:scrgbClr r="0" g="0" b="0"/>
+      </a:effectRef>
+      <a:fontRef idx="minor"/>
+    </dgm:style>
+  </dgm:styleLbl>
+  <dgm:styleLbl name="parChTrans1D3">
+    <dgm:scene3d>
+      <a:camera prst="orthographicFront"/>
+      <a:lightRig rig="threePt" dir="t"/>
+    </dgm:scene3d>
+    <dgm:sp3d/>
+    <dgm:txPr/>
+    <dgm:style>
+      <a:lnRef idx="2">
+        <a:scrgbClr r="0" g="0" b="0"/>
+      </a:lnRef>
+      <a:fillRef idx="0">
+        <a:scrgbClr r="0" g="0" b="0"/>
+      </a:fillRef>
+      <a:effectRef idx="0">
+        <a:scrgbClr r="0" g="0" b="0"/>
+      </a:effectRef>
+      <a:fontRef idx="minor"/>
+    </dgm:style>
+  </dgm:styleLbl>
+  <dgm:styleLbl name="parChTrans1D4">
+    <dgm:scene3d>
+      <a:camera prst="orthographicFront"/>
+      <a:lightRig rig="threePt" dir="t"/>
+    </dgm:scene3d>
+    <dgm:sp3d/>
+    <dgm:txPr/>
+    <dgm:style>
+      <a:lnRef idx="2">
+        <a:scrgbClr r="0" g="0" b="0"/>
+      </a:lnRef>
+      <a:fillRef idx="0">
+        <a:scrgbClr r="0" g="0" b="0"/>
+      </a:fillRef>
+      <a:effectRef idx="0">
+        <a:scrgbClr r="0" g="0" b="0"/>
+      </a:effectRef>
+      <a:fontRef idx="minor"/>
+    </dgm:style>
+  </dgm:styleLbl>
+  <dgm:styleLbl name="fgAcc1">
+    <dgm:scene3d>
+      <a:camera prst="orthographicFront"/>
+      <a:lightRig rig="threePt" dir="t"/>
+    </dgm:scene3d>
+    <dgm:sp3d/>
+    <dgm:txPr/>
+    <dgm:style>
+      <a:lnRef idx="2">
+        <a:scrgbClr r="0" g="0" b="0"/>
+      </a:lnRef>
+      <a:fillRef idx="1">
+        <a:scrgbClr r="0" g="0" b="0"/>
+      </a:fillRef>
+      <a:effectRef idx="0">
+        <a:scrgbClr r="0" g="0" b="0"/>
+      </a:effectRef>
+      <a:fontRef idx="minor"/>
+    </dgm:style>
+  </dgm:styleLbl>
+  <dgm:styleLbl name="conFgAcc1">
+    <dgm:scene3d>
+      <a:camera prst="orthographicFront"/>
+      <a:lightRig rig="threePt" dir="t"/>
+    </dgm:scene3d>
+    <dgm:sp3d/>
+    <dgm:txPr/>
+    <dgm:style>
+      <a:lnRef idx="2">
+        <a:scrgbClr r="0" g="0" b="0"/>
+      </a:lnRef>
+      <a:fillRef idx="1">
+        <a:scrgbClr r="0" g="0" b="0"/>
+      </a:fillRef>
+      <a:effectRef idx="0">
+        <a:scrgbClr r="0" g="0" b="0"/>
+      </a:effectRef>
+      <a:fontRef idx="minor"/>
+    </dgm:style>
+  </dgm:styleLbl>
+  <dgm:styleLbl name="alignAcc1">
+    <dgm:scene3d>
+      <a:camera prst="orthographicFront"/>
+      <a:lightRig rig="threePt" dir="t"/>
+    </dgm:scene3d>
+    <dgm:sp3d/>
+    <dgm:txPr/>
+    <dgm:style>
+      <a:lnRef idx="2">
+        <a:scrgbClr r="0" g="0" b="0"/>
+      </a:lnRef>
+      <a:fillRef idx="1">
+        <a:scrgbClr r="0" g="0" b="0"/>
+      </a:fillRef>
+      <a:effectRef idx="0">
+        <a:scrgbClr r="0" g="0" b="0"/>
+      </a:effectRef>
+      <a:fontRef idx="minor"/>
+    </dgm:style>
+  </dgm:styleLbl>
+  <dgm:styleLbl name="trAlignAcc1">
+    <dgm:scene3d>
+      <a:camera prst="orthographicFront"/>
+      <a:lightRig rig="threePt" dir="t"/>
+    </dgm:scene3d>
+    <dgm:sp3d/>
+    <dgm:txPr/>
+    <dgm:style>
+      <a:lnRef idx="1">
+        <a:scrgbClr r="0" g="0" b="0"/>
+      </a:lnRef>
+      <a:fillRef idx="1">
+        <a:scrgbClr r="0" g="0" b="0"/>
+      </a:fillRef>
+      <a:effectRef idx="0">
+        <a:scrgbClr r="0" g="0" b="0"/>
+      </a:effectRef>
+      <a:fontRef idx="minor"/>
+    </dgm:style>
+  </dgm:styleLbl>
+  <dgm:styleLbl name="bgAcc1">
+    <dgm:scene3d>
+      <a:camera prst="orthographicFront"/>
+      <a:lightRig rig="threePt" dir="t"/>
+    </dgm:scene3d>
+    <dgm:sp3d/>
+    <dgm:txPr/>
+    <dgm:style>
+      <a:lnRef idx="2">
+        <a:scrgbClr r="0" g="0" b="0"/>
+      </a:lnRef>
+      <a:fillRef idx="1">
+        <a:scrgbClr r="0" g="0" b="0"/>
+      </a:fillRef>
+      <a:effectRef idx="0">
+        <a:scrgbClr r="0" g="0" b="0"/>
+      </a:effectRef>
+      <a:fontRef idx="minor"/>
+    </dgm:style>
+  </dgm:styleLbl>
+  <dgm:styleLbl name="solidFgAcc1">
+    <dgm:scene3d>
+      <a:camera prst="orthographicFront"/>
+      <a:lightRig rig="threePt" dir="t"/>
+    </dgm:scene3d>
+    <dgm:sp3d/>
+    <dgm:txPr/>
+    <dgm:style>
+      <a:lnRef idx="2">
+        <a:scrgbClr r="0" g="0" b="0"/>
+      </a:lnRef>
+      <a:fillRef idx="1">
+        <a:scrgbClr r="0" g="0" b="0"/>
+      </a:fillRef>
+      <a:effectRef idx="0">
+        <a:scrgbClr r="0" g="0" b="0"/>
+      </a:effectRef>
+      <a:fontRef idx="minor"/>
+    </dgm:style>
+  </dgm:styleLbl>
+  <dgm:styleLbl name="solidAlignAcc1">
+    <dgm:scene3d>
+      <a:camera prst="orthographicFront"/>
+      <a:lightRig rig="threePt" dir="t"/>
+    </dgm:scene3d>
+    <dgm:sp3d/>
+    <dgm:txPr/>
+    <dgm:style>
+      <a:lnRef idx="2">
+        <a:scrgbClr r="0" g="0" b="0"/>
+      </a:lnRef>
+      <a:fillRef idx="1">
+        <a:scrgbClr r="0" g="0" b="0"/>
+      </a:fillRef>
+      <a:effectRef idx="0">
+        <a:scrgbClr r="0" g="0" b="0"/>
+      </a:effectRef>
+      <a:fontRef idx="minor"/>
+    </dgm:style>
+  </dgm:styleLbl>
+  <dgm:styleLbl name="solidBgAcc1">
+    <dgm:scene3d>
+      <a:camera prst="orthographicFront"/>
+      <a:lightRig rig="threePt" dir="t"/>
+    </dgm:scene3d>
+    <dgm:sp3d/>
+    <dgm:txPr/>
+    <dgm:style>
+      <a:lnRef idx="2">
+        <a:scrgbClr r="0" g="0" b="0"/>
+      </a:lnRef>
+      <a:fillRef idx="1">
+        <a:scrgbClr r="0" g="0" b="0"/>
+      </a:fillRef>
+      <a:effectRef idx="0">
+        <a:scrgbClr r="0" g="0" b="0"/>
+      </a:effectRef>
+      <a:fontRef idx="minor"/>
+    </dgm:style>
+  </dgm:styleLbl>
+  <dgm:styleLbl name="fgAccFollowNode1">
+    <dgm:scene3d>
+      <a:camera prst="orthographicFront"/>
+      <a:lightRig rig="threePt" dir="t"/>
+    </dgm:scene3d>
+    <dgm:sp3d/>
+    <dgm:txPr/>
+    <dgm:style>
+      <a:lnRef idx="2">
+        <a:scrgbClr r="0" g="0" b="0"/>
+      </a:lnRef>
+      <a:fillRef idx="1">
+        <a:scrgbClr r="0" g="0" b="0"/>
+      </a:fillRef>
+      <a:effectRef idx="0">
+        <a:scrgbClr r="0" g="0" b="0"/>
+      </a:effectRef>
+      <a:fontRef idx="minor"/>
+    </dgm:style>
+  </dgm:styleLbl>
+  <dgm:styleLbl name="alignAccFollowNode1">
+    <dgm:scene3d>
+      <a:camera prst="orthographicFront"/>
+      <a:lightRig rig="threePt" dir="t"/>
+    </dgm:scene3d>
+    <dgm:sp3d/>
+    <dgm:txPr/>
+    <dgm:style>
+      <a:lnRef idx="2">
+        <a:scrgbClr r="0" g="0" b="0"/>
+      </a:lnRef>
+      <a:fillRef idx="1">
+        <a:scrgbClr r="0" g="0" b="0"/>
+      </a:fillRef>
+      <a:effectRef idx="0">
+        <a:scrgbClr r="0" g="0" b="0"/>
+      </a:effectRef>
+      <a:fontRef idx="minor"/>
+    </dgm:style>
+  </dgm:styleLbl>
+  <dgm:styleLbl name="bgAccFollowNode1">
+    <dgm:scene3d>
+      <a:camera prst="orthographicFront"/>
+      <a:lightRig rig="threePt" dir="t"/>
+    </dgm:scene3d>
+    <dgm:sp3d/>
+    <dgm:txPr/>
+    <dgm:style>
+      <a:lnRef idx="2">
+        <a:scrgbClr r="0" g="0" b="0"/>
+      </a:lnRef>
+      <a:fillRef idx="1">
+        <a:scrgbClr r="0" g="0" b="0"/>
+      </a:fillRef>
+      <a:effectRef idx="0">
+        <a:scrgbClr r="0" g="0" b="0"/>
+      </a:effectRef>
+      <a:fontRef idx="minor"/>
+    </dgm:style>
+  </dgm:styleLbl>
+  <dgm:styleLbl name="fgAcc0">
+    <dgm:scene3d>
+      <a:camera prst="orthographicFront"/>
+      <a:lightRig rig="threePt" dir="t"/>
+    </dgm:scene3d>
+    <dgm:sp3d/>
+    <dgm:txPr/>
+    <dgm:style>
+      <a:lnRef idx="2">
+        <a:scrgbClr r="0" g="0" b="0"/>
+      </a:lnRef>
+      <a:fillRef idx="1">
+        <a:scrgbClr r="0" g="0" b="0"/>
+      </a:fillRef>
+      <a:effectRef idx="0">
+        <a:scrgbClr r="0" g="0" b="0"/>
+      </a:effectRef>
+      <a:fontRef idx="minor"/>
+    </dgm:style>
+  </dgm:styleLbl>
+  <dgm:styleLbl name="fgAcc2">
+    <dgm:scene3d>
+      <a:camera prst="orthographicFront"/>
+      <a:lightRig rig="threePt" dir="t"/>
+    </dgm:scene3d>
+    <dgm:sp3d/>
+    <dgm:txPr/>
+    <dgm:style>
+      <a:lnRef idx="2">
+        <a:scrgbClr r="0" g="0" b="0"/>
+      </a:lnRef>
+      <a:fillRef idx="1">
+        <a:scrgbClr r="0" g="0" b="0"/>
+      </a:fillRef>
+      <a:effectRef idx="0">
+        <a:scrgbClr r="0" g="0" b="0"/>
+      </a:effectRef>
+      <a:fontRef idx="minor"/>
+    </dgm:style>
+  </dgm:styleLbl>
+  <dgm:styleLbl name="fgAcc3">
+    <dgm:scene3d>
+      <a:camera prst="orthographicFront"/>
+      <a:lightRig rig="threePt" dir="t"/>
+    </dgm:scene3d>
+    <dgm:sp3d/>
+    <dgm:txPr/>
+    <dgm:style>
+      <a:lnRef idx="2">
+        <a:scrgbClr r="0" g="0" b="0"/>
+      </a:lnRef>
+      <a:fillRef idx="1">
+        <a:scrgbClr r="0" g="0" b="0"/>
+      </a:fillRef>
+      <a:effectRef idx="0">
+        <a:scrgbClr r="0" g="0" b="0"/>
+      </a:effectRef>
+      <a:fontRef idx="minor"/>
+    </dgm:style>
+  </dgm:styleLbl>
+  <dgm:styleLbl name="fgAcc4">
+    <dgm:scene3d>
+      <a:camera prst="orthographicFront"/>
+      <a:lightRig rig="threePt" dir="t"/>
+    </dgm:scene3d>
+    <dgm:sp3d/>
+    <dgm:txPr/>
+    <dgm:style>
+      <a:lnRef idx="2">
+        <a:scrgbClr r="0" g="0" b="0"/>
+      </a:lnRef>
+      <a:fillRef idx="1">
+        <a:scrgbClr r="0" g="0" b="0"/>
+      </a:fillRef>
+      <a:effectRef idx="0">
+        <a:scrgbClr r="0" g="0" b="0"/>
+      </a:effectRef>
+      <a:fontRef idx="minor"/>
+    </dgm:style>
+  </dgm:styleLbl>
+  <dgm:styleLbl name="bgShp">
+    <dgm:scene3d>
+      <a:camera prst="orthographicFront"/>
+      <a:lightRig rig="threePt" dir="t"/>
+    </dgm:scene3d>
+    <dgm:sp3d/>
+    <dgm:txPr/>
+    <dgm:style>
+      <a:lnRef idx="0">
+        <a:scrgbClr r="0" g="0" b="0"/>
+      </a:lnRef>
+      <a:fillRef idx="1">
+        <a:scrgbClr r="0" g="0" b="0"/>
+      </a:fillRef>
+      <a:effectRef idx="0">
+        <a:scrgbClr r="0" g="0" b="0"/>
+      </a:effectRef>
+      <a:fontRef idx="minor"/>
+    </dgm:style>
+  </dgm:styleLbl>
+  <dgm:styleLbl name="dkBgShp">
+    <dgm:scene3d>
+      <a:camera prst="orthographicFront"/>
+      <a:lightRig rig="threePt" dir="t"/>
+    </dgm:scene3d>
+    <dgm:sp3d/>
+    <dgm:txPr/>
+    <dgm:style>
+      <a:lnRef idx="0">
+        <a:scrgbClr r="0" g="0" b="0"/>
+      </a:lnRef>
+      <a:fillRef idx="1">
+        <a:scrgbClr r="0" g="0" b="0"/>
+      </a:fillRef>
+      <a:effectRef idx="0">
+        <a:scrgbClr r="0" g="0" b="0"/>
+      </a:effectRef>
+      <a:fontRef idx="minor"/>
+    </dgm:style>
+  </dgm:styleLbl>
+  <dgm:styleLbl name="trBgShp">
+    <dgm:scene3d>
+      <a:camera prst="orthographicFront"/>
+      <a:lightRig rig="threePt" dir="t"/>
+    </dgm:scene3d>
+    <dgm:sp3d/>
+    <dgm:txPr/>
+    <dgm:style>
+      <a:lnRef idx="0">
+        <a:scrgbClr r="0" g="0" b="0"/>
+      </a:lnRef>
+      <a:fillRef idx="1">
+        <a:scrgbClr r="0" g="0" b="0"/>
+      </a:fillRef>
+      <a:effectRef idx="0">
+        <a:scrgbClr r="0" g="0" b="0"/>
+      </a:effectRef>
+      <a:fontRef idx="minor"/>
+    </dgm:style>
+  </dgm:styleLbl>
+  <dgm:styleLbl name="fgShp">
+    <dgm:scene3d>
+      <a:camera prst="orthographicFront"/>
+      <a:lightRig rig="threePt" dir="t"/>
+    </dgm:scene3d>
+    <dgm:sp3d/>
+    <dgm:txPr/>
+    <dgm:style>
+      <a:lnRef idx="2">
+        <a:scrgbClr r="0" g="0" b="0"/>
+      </a:lnRef>
+      <a:fillRef idx="1">
+        <a:scrgbClr r="0" g="0" b="0"/>
+      </a:fillRef>
+      <a:effectRef idx="0">
+        <a:scrgbClr r="0" g="0" b="0"/>
+      </a:effectRef>
+      <a:fontRef idx="minor"/>
+    </dgm:style>
+  </dgm:styleLbl>
+  <dgm:styleLbl name="revTx">
+    <dgm:scene3d>
+      <a:camera prst="orthographicFront"/>
+      <a:lightRig rig="threePt" dir="t"/>
+    </dgm:scene3d>
+    <dgm:sp3d/>
+    <dgm:txPr/>
+    <dgm:style>
+      <a:lnRef idx="0">
+        <a:scrgbClr r="0" g="0" b="0"/>
+      </a:lnRef>
+      <a:fillRef idx="0">
+        <a:scrgbClr r="0" g="0" b="0"/>
+      </a:fillRef>
+      <a:effectRef idx="0">
+        <a:scrgbClr r="0" g="0" b="0"/>
+      </a:effectRef>
+      <a:fontRef idx="minor"/>
+    </dgm:style>
+  </dgm:styleLbl>
+</dgm:styleDef>
+</file>
+
+<file path=ppt/diagrams/quickStyle3.xml><?xml version="1.0" encoding="utf-8"?>
 <dgm:styleDef xmlns:dgm="http://schemas.openxmlformats.org/drawingml/2006/diagram" xmlns:a="http://schemas.openxmlformats.org/drawingml/2006/main" uniqueId="urn:microsoft.com/office/officeart/2005/8/quickstyle/simple1">
   <dgm:title val=""/>
   <dgm:desc val=""/>
@@ -7002,7 +11038,7 @@
             <a:fld id="{B61BEF0D-F0BB-DE4B-95CE-6DB70DBA9567}" type="datetimeFigureOut">
               <a:rPr lang="en-US" dirty="0"/>
               <a:pPr/>
-              <a:t>6/9/2015</a:t>
+              <a:t>6/11/2015</a:t>
             </a:fld>
             <a:endParaRPr lang="en-US" dirty="0"/>
           </a:p>
@@ -7337,7 +11373,7 @@
             <a:fld id="{B61BEF0D-F0BB-DE4B-95CE-6DB70DBA9567}" type="datetimeFigureOut">
               <a:rPr lang="en-US" dirty="0"/>
               <a:pPr/>
-              <a:t>6/9/2015</a:t>
+              <a:t>6/11/2015</a:t>
             </a:fld>
             <a:endParaRPr lang="en-US" dirty="0"/>
           </a:p>
@@ -7735,7 +11771,7 @@
             <a:fld id="{B61BEF0D-F0BB-DE4B-95CE-6DB70DBA9567}" type="datetimeFigureOut">
               <a:rPr lang="en-US" dirty="0"/>
               <a:pPr/>
-              <a:t>6/9/2015</a:t>
+              <a:t>6/11/2015</a:t>
             </a:fld>
             <a:endParaRPr lang="en-US" dirty="0"/>
           </a:p>
@@ -8068,7 +12104,7 @@
             <a:fld id="{B61BEF0D-F0BB-DE4B-95CE-6DB70DBA9567}" type="datetimeFigureOut">
               <a:rPr lang="en-US" dirty="0"/>
               <a:pPr/>
-              <a:t>6/9/2015</a:t>
+              <a:t>6/11/2015</a:t>
             </a:fld>
             <a:endParaRPr lang="en-US" dirty="0"/>
           </a:p>
@@ -8385,7 +12421,7 @@
             <a:fld id="{B61BEF0D-F0BB-DE4B-95CE-6DB70DBA9567}" type="datetimeFigureOut">
               <a:rPr lang="en-US" dirty="0"/>
               <a:pPr/>
-              <a:t>6/9/2015</a:t>
+              <a:t>6/11/2015</a:t>
             </a:fld>
             <a:endParaRPr lang="en-US" dirty="0"/>
           </a:p>
@@ -8778,7 +12814,7 @@
             <a:fld id="{B61BEF0D-F0BB-DE4B-95CE-6DB70DBA9567}" type="datetimeFigureOut">
               <a:rPr lang="en-US" dirty="0"/>
               <a:pPr/>
-              <a:t>6/9/2015</a:t>
+              <a:t>6/11/2015</a:t>
             </a:fld>
             <a:endParaRPr lang="en-US" dirty="0"/>
           </a:p>
@@ -9032,7 +13068,7 @@
             <a:fld id="{B61BEF0D-F0BB-DE4B-95CE-6DB70DBA9567}" type="datetimeFigureOut">
               <a:rPr lang="en-US" dirty="0"/>
               <a:pPr/>
-              <a:t>6/9/2015</a:t>
+              <a:t>6/11/2015</a:t>
             </a:fld>
             <a:endParaRPr lang="en-US" dirty="0"/>
           </a:p>
@@ -9291,7 +13327,7 @@
             <a:fld id="{B61BEF0D-F0BB-DE4B-95CE-6DB70DBA9567}" type="datetimeFigureOut">
               <a:rPr lang="en-US" dirty="0"/>
               <a:pPr/>
-              <a:t>6/9/2015</a:t>
+              <a:t>6/11/2015</a:t>
             </a:fld>
             <a:endParaRPr lang="en-US" dirty="0"/>
           </a:p>
@@ -9550,7 +13586,7 @@
             <a:fld id="{B61BEF0D-F0BB-DE4B-95CE-6DB70DBA9567}" type="datetimeFigureOut">
               <a:rPr lang="en-US" dirty="0"/>
               <a:pPr/>
-              <a:t>6/9/2015</a:t>
+              <a:t>6/11/2015</a:t>
             </a:fld>
             <a:endParaRPr lang="en-US" dirty="0"/>
           </a:p>
@@ -9876,7 +13912,7 @@
             <a:fld id="{B61BEF0D-F0BB-DE4B-95CE-6DB70DBA9567}" type="datetimeFigureOut">
               <a:rPr lang="en-US" dirty="0"/>
               <a:pPr/>
-              <a:t>6/9/2015</a:t>
+              <a:t>6/11/2015</a:t>
             </a:fld>
             <a:endParaRPr lang="en-US" dirty="0"/>
           </a:p>
@@ -10196,7 +14232,7 @@
             <a:fld id="{B61BEF0D-F0BB-DE4B-95CE-6DB70DBA9567}" type="datetimeFigureOut">
               <a:rPr lang="en-US" dirty="0"/>
               <a:pPr/>
-              <a:t>6/9/2015</a:t>
+              <a:t>6/11/2015</a:t>
             </a:fld>
             <a:endParaRPr lang="en-US" dirty="0"/>
           </a:p>
@@ -10650,7 +14686,7 @@
             <a:fld id="{B61BEF0D-F0BB-DE4B-95CE-6DB70DBA9567}" type="datetimeFigureOut">
               <a:rPr lang="en-US" dirty="0"/>
               <a:pPr/>
-              <a:t>6/9/2015</a:t>
+              <a:t>6/11/2015</a:t>
             </a:fld>
             <a:endParaRPr lang="en-US" dirty="0"/>
           </a:p>
@@ -10852,7 +14888,7 @@
             <a:fld id="{B61BEF0D-F0BB-DE4B-95CE-6DB70DBA9567}" type="datetimeFigureOut">
               <a:rPr lang="en-US" dirty="0"/>
               <a:pPr/>
-              <a:t>6/9/2015</a:t>
+              <a:t>6/11/2015</a:t>
             </a:fld>
             <a:endParaRPr lang="en-US" dirty="0"/>
           </a:p>
@@ -11026,7 +15062,7 @@
             <a:fld id="{B61BEF0D-F0BB-DE4B-95CE-6DB70DBA9567}" type="datetimeFigureOut">
               <a:rPr lang="en-US" dirty="0"/>
               <a:pPr/>
-              <a:t>6/9/2015</a:t>
+              <a:t>6/11/2015</a:t>
             </a:fld>
             <a:endParaRPr lang="en-US" dirty="0"/>
           </a:p>
@@ -11356,7 +15392,7 @@
             <a:fld id="{B61BEF0D-F0BB-DE4B-95CE-6DB70DBA9567}" type="datetimeFigureOut">
               <a:rPr lang="en-US" dirty="0"/>
               <a:pPr/>
-              <a:t>6/9/2015</a:t>
+              <a:t>6/11/2015</a:t>
             </a:fld>
             <a:endParaRPr lang="en-US" dirty="0"/>
           </a:p>
@@ -11698,7 +15734,7 @@
             <a:fld id="{B61BEF0D-F0BB-DE4B-95CE-6DB70DBA9567}" type="datetimeFigureOut">
               <a:rPr lang="en-US" dirty="0"/>
               <a:pPr/>
-              <a:t>6/9/2015</a:t>
+              <a:t>6/11/2015</a:t>
             </a:fld>
             <a:endParaRPr lang="en-US" dirty="0"/>
           </a:p>
@@ -13812,7 +17848,7 @@
             <a:fld id="{B61BEF0D-F0BB-DE4B-95CE-6DB70DBA9567}" type="datetimeFigureOut">
               <a:rPr lang="en-US" dirty="0"/>
               <a:pPr/>
-              <a:t>6/9/2015</a:t>
+              <a:t>6/11/2015</a:t>
             </a:fld>
             <a:endParaRPr lang="en-US" dirty="0"/>
           </a:p>
@@ -14312,6 +18348,32 @@
 <file path=ppt/slides/slide1.xml><?xml version="1.0" encoding="utf-8"?>
 <p:sld xmlns:a="http://schemas.openxmlformats.org/drawingml/2006/main" xmlns:r="http://schemas.openxmlformats.org/officeDocument/2006/relationships" xmlns:p="http://schemas.openxmlformats.org/presentationml/2006/main">
   <p:cSld>
+    <p:bg>
+      <p:bgPr>
+        <a:gradFill rotWithShape="1">
+          <a:gsLst>
+            <a:gs pos="0">
+              <a:schemeClr val="bg2">
+                <a:tint val="90000"/>
+                <a:satMod val="92000"/>
+                <a:lumMod val="120000"/>
+              </a:schemeClr>
+            </a:gs>
+            <a:gs pos="100000">
+              <a:schemeClr val="bg2">
+                <a:shade val="98000"/>
+                <a:satMod val="120000"/>
+                <a:lumMod val="98000"/>
+              </a:schemeClr>
+            </a:gs>
+          </a:gsLst>
+          <a:path path="circle">
+            <a:fillToRect l="50000" t="50000" r="100000" b="100000"/>
+          </a:path>
+        </a:gradFill>
+        <a:effectLst/>
+      </p:bgPr>
+    </p:bg>
     <p:spTree>
       <p:nvGrpSpPr>
         <p:cNvPr id="1" name=""/>
@@ -14373,9 +18435,47 @@
             </a:r>
             <a:r>
               <a:rPr lang="zh-CN" altLang="en-US" sz="3200" dirty="0" smtClean="0"/>
-              <a:t>基于遗传算法的计算与分析</a:t>
-            </a:r>
-            <a:endParaRPr lang="zh-CN" altLang="en-US" sz="3200" dirty="0"/>
+              <a:t>基于遗传算法的计算</a:t>
+            </a:r>
+            <a:r>
+              <a:rPr lang="zh-CN" altLang="en-US" sz="3200" dirty="0" smtClean="0"/>
+              <a:t>与分析</a:t>
+            </a:r>
+            <a:endParaRPr lang="en-US" altLang="zh-CN" sz="3200" dirty="0" smtClean="0"/>
+          </a:p>
+        </p:txBody>
+      </p:sp>
+      <p:sp>
+        <p:nvSpPr>
+          <p:cNvPr id="4" name="文本框 3"/>
+          <p:cNvSpPr txBox="1"/>
+          <p:nvPr/>
+        </p:nvSpPr>
+        <p:spPr>
+          <a:xfrm>
+            <a:off x="9704119" y="5903662"/>
+            <a:ext cx="1800493" cy="369332"/>
+          </a:xfrm>
+          <a:prstGeom prst="rect">
+            <a:avLst/>
+          </a:prstGeom>
+          <a:noFill/>
+        </p:spPr>
+        <p:txBody>
+          <a:bodyPr wrap="none" rtlCol="0">
+            <a:spAutoFit/>
+          </a:bodyPr>
+          <a:lstStyle/>
+          <a:p>
+            <a:r>
+              <a:rPr lang="zh-CN" altLang="en-US" dirty="0"/>
+              <a:t>报告人：邓屿</a:t>
+            </a:r>
+            <a:r>
+              <a:rPr lang="zh-CN" altLang="en-US" dirty="0" smtClean="0"/>
+              <a:t>松</a:t>
+            </a:r>
+            <a:endParaRPr lang="zh-CN" altLang="en-US" dirty="0"/>
           </a:p>
         </p:txBody>
       </p:sp>
@@ -14383,6 +18483,1568 @@
     <p:extLst>
       <p:ext uri="{BB962C8B-B14F-4D97-AF65-F5344CB8AC3E}">
         <p14:creationId xmlns:p14="http://schemas.microsoft.com/office/powerpoint/2010/main" val="3738648511"/>
+      </p:ext>
+    </p:extLst>
+  </p:cSld>
+  <p:clrMapOvr>
+    <a:masterClrMapping/>
+  </p:clrMapOvr>
+  <p:timing>
+    <p:tnLst>
+      <p:par>
+        <p:cTn id="1" dur="indefinite" restart="never" nodeType="tmRoot"/>
+      </p:par>
+    </p:tnLst>
+  </p:timing>
+</p:sld>
+</file>
+
+<file path=ppt/slides/slide10.xml><?xml version="1.0" encoding="utf-8"?>
+<p:sld xmlns:a="http://schemas.openxmlformats.org/drawingml/2006/main" xmlns:r="http://schemas.openxmlformats.org/officeDocument/2006/relationships" xmlns:p="http://schemas.openxmlformats.org/presentationml/2006/main">
+  <p:cSld>
+    <p:bg>
+      <p:bgPr>
+        <a:gradFill rotWithShape="1">
+          <a:gsLst>
+            <a:gs pos="0">
+              <a:schemeClr val="bg2">
+                <a:tint val="90000"/>
+                <a:satMod val="92000"/>
+                <a:lumMod val="120000"/>
+              </a:schemeClr>
+            </a:gs>
+            <a:gs pos="100000">
+              <a:schemeClr val="bg2">
+                <a:shade val="98000"/>
+                <a:satMod val="120000"/>
+                <a:lumMod val="98000"/>
+              </a:schemeClr>
+            </a:gs>
+          </a:gsLst>
+          <a:path path="circle">
+            <a:fillToRect l="50000" t="50000" r="100000" b="100000"/>
+          </a:path>
+        </a:gradFill>
+        <a:effectLst/>
+      </p:bgPr>
+    </p:bg>
+    <p:spTree>
+      <p:nvGrpSpPr>
+        <p:cNvPr id="1" name=""/>
+        <p:cNvGrpSpPr/>
+        <p:nvPr/>
+      </p:nvGrpSpPr>
+      <p:grpSpPr>
+        <a:xfrm>
+          <a:off x="0" y="0"/>
+          <a:ext cx="0" cy="0"/>
+          <a:chOff x="0" y="0"/>
+          <a:chExt cx="0" cy="0"/>
+        </a:xfrm>
+      </p:grpSpPr>
+      <p:sp>
+        <p:nvSpPr>
+          <p:cNvPr id="2" name="标题 1"/>
+          <p:cNvSpPr>
+            <a:spLocks noGrp="1"/>
+          </p:cNvSpPr>
+          <p:nvPr>
+            <p:ph type="title"/>
+          </p:nvPr>
+        </p:nvSpPr>
+        <p:spPr/>
+        <p:txBody>
+          <a:bodyPr>
+            <a:normAutofit/>
+          </a:bodyPr>
+          <a:lstStyle/>
+          <a:p>
+            <a:r>
+              <a:rPr lang="zh-CN" altLang="en-US" sz="3200" dirty="0"/>
+              <a:t>蚁群算法基因的</a:t>
+            </a:r>
+            <a:r>
+              <a:rPr lang="zh-CN" altLang="en-US" sz="3200" dirty="0" smtClean="0"/>
+              <a:t>编码与解码</a:t>
+            </a:r>
+            <a:endParaRPr lang="zh-CN" altLang="en-US" sz="3200" dirty="0"/>
+          </a:p>
+        </p:txBody>
+      </p:sp>
+      <p:sp>
+        <p:nvSpPr>
+          <p:cNvPr id="3" name="内容占位符 2"/>
+          <p:cNvSpPr>
+            <a:spLocks noGrp="1"/>
+          </p:cNvSpPr>
+          <p:nvPr>
+            <p:ph idx="1"/>
+          </p:nvPr>
+        </p:nvSpPr>
+        <p:spPr/>
+        <p:txBody>
+          <a:bodyPr/>
+          <a:lstStyle/>
+          <a:p>
+            <a:pPr marL="0" indent="0">
+              <a:buNone/>
+            </a:pPr>
+            <a:r>
+              <a:rPr lang="en-US" altLang="zh-CN" dirty="0"/>
+              <a:t>	</a:t>
+            </a:r>
+            <a:r>
+              <a:rPr lang="zh-CN" altLang="zh-CN" dirty="0" smtClean="0"/>
+              <a:t>遗传</a:t>
+            </a:r>
+            <a:r>
+              <a:rPr lang="zh-CN" altLang="zh-CN" dirty="0"/>
+              <a:t>算法的部搜索能力不强，导致这个问题的主要原因是新一代的种群是有上一代种群经过交叉、变异后得到的。即便上一代种群个体已经接近了最优解，经过变异算子作用后，参数值可能会产生较大的变化，导致种群无法继续向最优解方向收敛。</a:t>
+            </a:r>
+          </a:p>
+          <a:p>
+            <a:pPr marL="0" indent="0">
+              <a:buNone/>
+            </a:pPr>
+            <a:r>
+              <a:rPr lang="en-US" altLang="zh-CN" dirty="0"/>
+              <a:t>	</a:t>
+            </a:r>
+            <a:r>
+              <a:rPr lang="zh-CN" altLang="zh-CN" dirty="0" smtClean="0"/>
+              <a:t>格</a:t>
+            </a:r>
+            <a:r>
+              <a:rPr lang="zh-CN" altLang="zh-CN" dirty="0"/>
+              <a:t>雷编码是广泛应用于通信、模拟</a:t>
+            </a:r>
+            <a:r>
+              <a:rPr lang="en-US" altLang="zh-CN" dirty="0"/>
+              <a:t>-</a:t>
+            </a:r>
+            <a:r>
+              <a:rPr lang="zh-CN" altLang="zh-CN" dirty="0"/>
+              <a:t>数字信号转换等领域的一种编码方式。格雷码具有这样一个特性：任意两个相邻整数对应的格雷码之间汉明距离</a:t>
+            </a:r>
+            <a:r>
+              <a:rPr lang="zh-CN" altLang="zh-CN" dirty="0" smtClean="0"/>
+              <a:t>为</a:t>
+            </a:r>
+            <a:r>
+              <a:rPr lang="en-US" altLang="zh-CN" dirty="0" smtClean="0"/>
+              <a:t>1</a:t>
+            </a:r>
+            <a:r>
+              <a:rPr lang="zh-CN" altLang="zh-CN" dirty="0" smtClean="0"/>
+              <a:t>。</a:t>
+            </a:r>
+            <a:r>
+              <a:rPr lang="zh-CN" altLang="zh-CN" dirty="0"/>
+              <a:t>正是由于这个特性的存在，使得格雷码十分适用于遗传算法。编码过后的基因经过突变后，其对应的原始数据只会产生细微的变化。这样可以大大提高遗传算法的局部搜索能力。</a:t>
+            </a:r>
+          </a:p>
+          <a:p>
+            <a:endParaRPr lang="zh-CN" altLang="en-US" dirty="0"/>
+          </a:p>
+        </p:txBody>
+      </p:sp>
+      <p:sp>
+        <p:nvSpPr>
+          <p:cNvPr id="5" name="圆角矩形 4"/>
+          <p:cNvSpPr/>
+          <p:nvPr/>
+        </p:nvSpPr>
+        <p:spPr>
+          <a:xfrm>
+            <a:off x="3002538" y="4786614"/>
+            <a:ext cx="1492469" cy="1036117"/>
+          </a:xfrm>
+          <a:prstGeom prst="roundRect">
+            <a:avLst/>
+          </a:prstGeom>
+          <a:solidFill>
+            <a:srgbClr val="00B0F0"/>
+          </a:solidFill>
+          <a:ln>
+            <a:solidFill>
+              <a:schemeClr val="bg1"/>
+            </a:solidFill>
+          </a:ln>
+        </p:spPr>
+        <p:style>
+          <a:lnRef idx="2">
+            <a:schemeClr val="accent1">
+              <a:shade val="50000"/>
+            </a:schemeClr>
+          </a:lnRef>
+          <a:fillRef idx="1">
+            <a:schemeClr val="accent1"/>
+          </a:fillRef>
+          <a:effectRef idx="0">
+            <a:schemeClr val="accent1"/>
+          </a:effectRef>
+          <a:fontRef idx="minor">
+            <a:schemeClr val="lt1"/>
+          </a:fontRef>
+        </p:style>
+        <p:txBody>
+          <a:bodyPr rtlCol="0" anchor="ctr"/>
+          <a:lstStyle/>
+          <a:p>
+            <a:pPr algn="ctr"/>
+            <a:r>
+              <a:rPr lang="zh-CN" altLang="en-US" dirty="0" smtClean="0">
+                <a:solidFill>
+                  <a:schemeClr val="bg1"/>
+                </a:solidFill>
+              </a:rPr>
+              <a:t>十进制参数</a:t>
+            </a:r>
+            <a:endParaRPr lang="zh-CN" altLang="en-US" dirty="0">
+              <a:solidFill>
+                <a:schemeClr val="bg1"/>
+              </a:solidFill>
+            </a:endParaRPr>
+          </a:p>
+        </p:txBody>
+      </p:sp>
+      <p:sp>
+        <p:nvSpPr>
+          <p:cNvPr id="6" name="圆角矩形 5"/>
+          <p:cNvSpPr/>
+          <p:nvPr/>
+        </p:nvSpPr>
+        <p:spPr>
+          <a:xfrm>
+            <a:off x="6237891" y="4786615"/>
+            <a:ext cx="1492469" cy="1036116"/>
+          </a:xfrm>
+          <a:prstGeom prst="roundRect">
+            <a:avLst/>
+          </a:prstGeom>
+          <a:solidFill>
+            <a:srgbClr val="FFC000"/>
+          </a:solidFill>
+          <a:ln>
+            <a:solidFill>
+              <a:schemeClr val="bg1"/>
+            </a:solidFill>
+          </a:ln>
+        </p:spPr>
+        <p:style>
+          <a:lnRef idx="2">
+            <a:schemeClr val="accent1">
+              <a:shade val="50000"/>
+            </a:schemeClr>
+          </a:lnRef>
+          <a:fillRef idx="1">
+            <a:schemeClr val="accent1"/>
+          </a:fillRef>
+          <a:effectRef idx="0">
+            <a:schemeClr val="accent1"/>
+          </a:effectRef>
+          <a:fontRef idx="minor">
+            <a:schemeClr val="lt1"/>
+          </a:fontRef>
+        </p:style>
+        <p:txBody>
+          <a:bodyPr rtlCol="0" anchor="ctr"/>
+          <a:lstStyle/>
+          <a:p>
+            <a:pPr algn="ctr"/>
+            <a:r>
+              <a:rPr lang="zh-CN" altLang="en-US" dirty="0" smtClean="0">
+                <a:solidFill>
+                  <a:schemeClr val="bg1"/>
+                </a:solidFill>
+              </a:rPr>
+              <a:t>二进制码</a:t>
+            </a:r>
+            <a:endParaRPr lang="zh-CN" altLang="en-US" dirty="0">
+              <a:solidFill>
+                <a:schemeClr val="bg1"/>
+              </a:solidFill>
+            </a:endParaRPr>
+          </a:p>
+        </p:txBody>
+      </p:sp>
+      <p:sp>
+        <p:nvSpPr>
+          <p:cNvPr id="7" name="圆角矩形 6"/>
+          <p:cNvSpPr/>
+          <p:nvPr/>
+        </p:nvSpPr>
+        <p:spPr>
+          <a:xfrm>
+            <a:off x="9473244" y="4786614"/>
+            <a:ext cx="1492469" cy="1036117"/>
+          </a:xfrm>
+          <a:prstGeom prst="roundRect">
+            <a:avLst/>
+          </a:prstGeom>
+          <a:solidFill>
+            <a:srgbClr val="92D050"/>
+          </a:solidFill>
+          <a:ln>
+            <a:solidFill>
+              <a:schemeClr val="bg1"/>
+            </a:solidFill>
+          </a:ln>
+        </p:spPr>
+        <p:style>
+          <a:lnRef idx="2">
+            <a:schemeClr val="accent1">
+              <a:shade val="50000"/>
+            </a:schemeClr>
+          </a:lnRef>
+          <a:fillRef idx="1">
+            <a:schemeClr val="accent1"/>
+          </a:fillRef>
+          <a:effectRef idx="0">
+            <a:schemeClr val="accent1"/>
+          </a:effectRef>
+          <a:fontRef idx="minor">
+            <a:schemeClr val="lt1"/>
+          </a:fontRef>
+        </p:style>
+        <p:txBody>
+          <a:bodyPr rtlCol="0" anchor="ctr"/>
+          <a:lstStyle/>
+          <a:p>
+            <a:pPr algn="ctr"/>
+            <a:r>
+              <a:rPr lang="zh-CN" altLang="en-US" dirty="0" smtClean="0">
+                <a:solidFill>
+                  <a:schemeClr val="bg1"/>
+                </a:solidFill>
+              </a:rPr>
+              <a:t>格雷码基因</a:t>
+            </a:r>
+            <a:endParaRPr lang="zh-CN" altLang="en-US" dirty="0">
+              <a:solidFill>
+                <a:schemeClr val="bg1"/>
+              </a:solidFill>
+            </a:endParaRPr>
+          </a:p>
+        </p:txBody>
+      </p:sp>
+      <p:sp>
+        <p:nvSpPr>
+          <p:cNvPr id="22" name="右箭头 21"/>
+          <p:cNvSpPr/>
+          <p:nvPr/>
+        </p:nvSpPr>
+        <p:spPr>
+          <a:xfrm>
+            <a:off x="4630725" y="5002923"/>
+            <a:ext cx="1471448" cy="210207"/>
+          </a:xfrm>
+          <a:prstGeom prst="rightArrow">
+            <a:avLst/>
+          </a:prstGeom>
+          <a:solidFill>
+            <a:srgbClr val="FFC000"/>
+          </a:solidFill>
+          <a:ln>
+            <a:solidFill>
+              <a:schemeClr val="bg1"/>
+            </a:solidFill>
+          </a:ln>
+        </p:spPr>
+        <p:style>
+          <a:lnRef idx="2">
+            <a:schemeClr val="accent1">
+              <a:shade val="50000"/>
+            </a:schemeClr>
+          </a:lnRef>
+          <a:fillRef idx="1">
+            <a:schemeClr val="accent1"/>
+          </a:fillRef>
+          <a:effectRef idx="0">
+            <a:schemeClr val="accent1"/>
+          </a:effectRef>
+          <a:fontRef idx="minor">
+            <a:schemeClr val="lt1"/>
+          </a:fontRef>
+        </p:style>
+        <p:txBody>
+          <a:bodyPr rtlCol="0" anchor="b" anchorCtr="1"/>
+          <a:lstStyle/>
+          <a:p>
+            <a:pPr algn="ctr"/>
+            <a:r>
+              <a:rPr lang="zh-CN" altLang="en-US" dirty="0" smtClean="0">
+                <a:solidFill>
+                  <a:schemeClr val="tx1"/>
+                </a:solidFill>
+              </a:rPr>
+              <a:t>二进制编码</a:t>
+            </a:r>
+            <a:endParaRPr lang="zh-CN" altLang="en-US" dirty="0">
+              <a:solidFill>
+                <a:schemeClr val="tx1"/>
+              </a:solidFill>
+            </a:endParaRPr>
+          </a:p>
+        </p:txBody>
+      </p:sp>
+      <p:sp>
+        <p:nvSpPr>
+          <p:cNvPr id="23" name="右箭头 22"/>
+          <p:cNvSpPr/>
+          <p:nvPr/>
+        </p:nvSpPr>
+        <p:spPr>
+          <a:xfrm>
+            <a:off x="7866078" y="5002923"/>
+            <a:ext cx="1471448" cy="210207"/>
+          </a:xfrm>
+          <a:prstGeom prst="rightArrow">
+            <a:avLst/>
+          </a:prstGeom>
+          <a:solidFill>
+            <a:srgbClr val="92D050"/>
+          </a:solidFill>
+          <a:ln>
+            <a:noFill/>
+          </a:ln>
+        </p:spPr>
+        <p:style>
+          <a:lnRef idx="2">
+            <a:schemeClr val="accent1">
+              <a:shade val="50000"/>
+            </a:schemeClr>
+          </a:lnRef>
+          <a:fillRef idx="1">
+            <a:schemeClr val="accent1"/>
+          </a:fillRef>
+          <a:effectRef idx="0">
+            <a:schemeClr val="accent1"/>
+          </a:effectRef>
+          <a:fontRef idx="minor">
+            <a:schemeClr val="lt1"/>
+          </a:fontRef>
+        </p:style>
+        <p:txBody>
+          <a:bodyPr rtlCol="0" anchor="b" anchorCtr="1"/>
+          <a:lstStyle/>
+          <a:p>
+            <a:pPr algn="ctr"/>
+            <a:r>
+              <a:rPr lang="zh-CN" altLang="en-US" dirty="0" smtClean="0">
+                <a:solidFill>
+                  <a:schemeClr val="tx1"/>
+                </a:solidFill>
+              </a:rPr>
+              <a:t>格雷编码</a:t>
+            </a:r>
+            <a:endParaRPr lang="zh-CN" altLang="en-US" dirty="0">
+              <a:solidFill>
+                <a:schemeClr val="tx1"/>
+              </a:solidFill>
+            </a:endParaRPr>
+          </a:p>
+        </p:txBody>
+      </p:sp>
+      <p:sp>
+        <p:nvSpPr>
+          <p:cNvPr id="24" name="左箭头 23"/>
+          <p:cNvSpPr/>
+          <p:nvPr/>
+        </p:nvSpPr>
+        <p:spPr>
+          <a:xfrm>
+            <a:off x="4630726" y="5378670"/>
+            <a:ext cx="1471448" cy="212834"/>
+          </a:xfrm>
+          <a:prstGeom prst="leftArrow">
+            <a:avLst/>
+          </a:prstGeom>
+          <a:solidFill>
+            <a:srgbClr val="00B0F0"/>
+          </a:solidFill>
+          <a:ln>
+            <a:solidFill>
+              <a:schemeClr val="bg1"/>
+            </a:solidFill>
+          </a:ln>
+        </p:spPr>
+        <p:style>
+          <a:lnRef idx="2">
+            <a:schemeClr val="accent1">
+              <a:shade val="50000"/>
+            </a:schemeClr>
+          </a:lnRef>
+          <a:fillRef idx="1">
+            <a:schemeClr val="accent1"/>
+          </a:fillRef>
+          <a:effectRef idx="0">
+            <a:schemeClr val="accent1"/>
+          </a:effectRef>
+          <a:fontRef idx="minor">
+            <a:schemeClr val="lt1"/>
+          </a:fontRef>
+        </p:style>
+        <p:txBody>
+          <a:bodyPr rtlCol="0" anchor="t" anchorCtr="1"/>
+          <a:lstStyle/>
+          <a:p>
+            <a:pPr algn="ctr"/>
+            <a:r>
+              <a:rPr lang="zh-CN" altLang="en-US" dirty="0" smtClean="0">
+                <a:solidFill>
+                  <a:schemeClr val="tx1"/>
+                </a:solidFill>
+              </a:rPr>
+              <a:t>二进制解码</a:t>
+            </a:r>
+            <a:endParaRPr lang="zh-CN" altLang="en-US" dirty="0">
+              <a:solidFill>
+                <a:schemeClr val="tx1"/>
+              </a:solidFill>
+            </a:endParaRPr>
+          </a:p>
+        </p:txBody>
+      </p:sp>
+      <p:sp>
+        <p:nvSpPr>
+          <p:cNvPr id="25" name="左箭头 24"/>
+          <p:cNvSpPr/>
+          <p:nvPr/>
+        </p:nvSpPr>
+        <p:spPr>
+          <a:xfrm>
+            <a:off x="7866077" y="5408464"/>
+            <a:ext cx="1471448" cy="212834"/>
+          </a:xfrm>
+          <a:prstGeom prst="leftArrow">
+            <a:avLst/>
+          </a:prstGeom>
+          <a:solidFill>
+            <a:srgbClr val="FFC000"/>
+          </a:solidFill>
+          <a:ln>
+            <a:noFill/>
+          </a:ln>
+        </p:spPr>
+        <p:style>
+          <a:lnRef idx="2">
+            <a:schemeClr val="accent1">
+              <a:shade val="50000"/>
+            </a:schemeClr>
+          </a:lnRef>
+          <a:fillRef idx="1">
+            <a:schemeClr val="accent1"/>
+          </a:fillRef>
+          <a:effectRef idx="0">
+            <a:schemeClr val="accent1"/>
+          </a:effectRef>
+          <a:fontRef idx="minor">
+            <a:schemeClr val="lt1"/>
+          </a:fontRef>
+        </p:style>
+        <p:txBody>
+          <a:bodyPr rtlCol="0" anchor="t" anchorCtr="1"/>
+          <a:lstStyle/>
+          <a:p>
+            <a:pPr algn="ctr"/>
+            <a:r>
+              <a:rPr lang="zh-CN" altLang="en-US" dirty="0" smtClean="0">
+                <a:solidFill>
+                  <a:schemeClr val="tx1"/>
+                </a:solidFill>
+              </a:rPr>
+              <a:t>格雷解码</a:t>
+            </a:r>
+            <a:endParaRPr lang="zh-CN" altLang="en-US" dirty="0">
+              <a:solidFill>
+                <a:schemeClr val="tx1"/>
+              </a:solidFill>
+            </a:endParaRPr>
+          </a:p>
+        </p:txBody>
+      </p:sp>
+    </p:spTree>
+    <p:extLst>
+      <p:ext uri="{BB962C8B-B14F-4D97-AF65-F5344CB8AC3E}">
+        <p14:creationId xmlns:p14="http://schemas.microsoft.com/office/powerpoint/2010/main" val="3464990597"/>
+      </p:ext>
+    </p:extLst>
+  </p:cSld>
+  <p:clrMapOvr>
+    <a:masterClrMapping/>
+  </p:clrMapOvr>
+  <p:timing>
+    <p:tnLst>
+      <p:par>
+        <p:cTn id="1" dur="indefinite" restart="never" nodeType="tmRoot"/>
+      </p:par>
+    </p:tnLst>
+  </p:timing>
+</p:sld>
+</file>
+
+<file path=ppt/slides/slide11.xml><?xml version="1.0" encoding="utf-8"?>
+<p:sld xmlns:a="http://schemas.openxmlformats.org/drawingml/2006/main" xmlns:r="http://schemas.openxmlformats.org/officeDocument/2006/relationships" xmlns:p="http://schemas.openxmlformats.org/presentationml/2006/main">
+  <p:cSld>
+    <p:spTree>
+      <p:nvGrpSpPr>
+        <p:cNvPr id="1" name=""/>
+        <p:cNvGrpSpPr/>
+        <p:nvPr/>
+      </p:nvGrpSpPr>
+      <p:grpSpPr>
+        <a:xfrm>
+          <a:off x="0" y="0"/>
+          <a:ext cx="0" cy="0"/>
+          <a:chOff x="0" y="0"/>
+          <a:chExt cx="0" cy="0"/>
+        </a:xfrm>
+      </p:grpSpPr>
+      <p:sp>
+        <p:nvSpPr>
+          <p:cNvPr id="2" name="标题 1"/>
+          <p:cNvSpPr>
+            <a:spLocks noGrp="1"/>
+          </p:cNvSpPr>
+          <p:nvPr>
+            <p:ph type="title"/>
+          </p:nvPr>
+        </p:nvSpPr>
+        <p:spPr/>
+        <p:txBody>
+          <a:bodyPr>
+            <a:normAutofit/>
+          </a:bodyPr>
+          <a:lstStyle/>
+          <a:p>
+            <a:r>
+              <a:rPr lang="zh-CN" altLang="en-US" sz="3200" dirty="0" smtClean="0"/>
+              <a:t>蚁群算法的适应度函数</a:t>
+            </a:r>
+            <a:endParaRPr lang="zh-CN" altLang="en-US" sz="3200" dirty="0"/>
+          </a:p>
+        </p:txBody>
+      </p:sp>
+      <p:sp>
+        <p:nvSpPr>
+          <p:cNvPr id="3" name="内容占位符 2"/>
+          <p:cNvSpPr>
+            <a:spLocks noGrp="1"/>
+          </p:cNvSpPr>
+          <p:nvPr>
+            <p:ph idx="1"/>
+          </p:nvPr>
+        </p:nvSpPr>
+        <p:spPr/>
+        <p:txBody>
+          <a:bodyPr/>
+          <a:lstStyle/>
+          <a:p>
+            <a:r>
+              <a:rPr lang="zh-CN" altLang="zh-CN" dirty="0"/>
+              <a:t>要采用遗传算法对蚁群算法进行参数优化，合理定义蚁群的适应度函数是整个算法的核心</a:t>
+            </a:r>
+            <a:r>
+              <a:rPr lang="zh-CN" altLang="zh-CN" dirty="0" smtClean="0"/>
+              <a:t>。评价</a:t>
+            </a:r>
+            <a:r>
+              <a:rPr lang="zh-CN" altLang="zh-CN" dirty="0"/>
+              <a:t>一个蚁群求解</a:t>
+            </a:r>
+            <a:r>
+              <a:rPr lang="en-US" altLang="zh-CN" dirty="0"/>
+              <a:t>TSP</a:t>
+            </a:r>
+            <a:r>
+              <a:rPr lang="zh-CN" altLang="zh-CN" dirty="0"/>
+              <a:t>问题性能的好坏，</a:t>
+            </a:r>
+            <a:r>
+              <a:rPr lang="zh-CN" altLang="zh-CN" dirty="0" smtClean="0"/>
+              <a:t>我们给出以下</a:t>
+            </a:r>
+            <a:r>
+              <a:rPr lang="zh-CN" altLang="zh-CN" dirty="0"/>
+              <a:t>三个</a:t>
+            </a:r>
+            <a:r>
+              <a:rPr lang="zh-CN" altLang="zh-CN" dirty="0" smtClean="0"/>
+              <a:t>指标</a:t>
+            </a:r>
+            <a:r>
+              <a:rPr lang="zh-CN" altLang="en-US" dirty="0" smtClean="0"/>
+              <a:t>（指标具体公式见论文相关章节）</a:t>
+            </a:r>
+            <a:r>
+              <a:rPr lang="zh-CN" altLang="zh-CN" dirty="0" smtClean="0"/>
+              <a:t>：</a:t>
+            </a:r>
+            <a:endParaRPr lang="en-US" altLang="zh-CN" dirty="0" smtClean="0"/>
+          </a:p>
+          <a:p>
+            <a:pPr lvl="1"/>
+            <a:r>
+              <a:rPr lang="en-US" altLang="zh-CN" dirty="0"/>
+              <a:t>1. </a:t>
+            </a:r>
+            <a:r>
+              <a:rPr lang="zh-CN" altLang="zh-CN" dirty="0"/>
+              <a:t>最佳性能指标</a:t>
+            </a:r>
+          </a:p>
+          <a:p>
+            <a:pPr lvl="1"/>
+            <a:r>
+              <a:rPr lang="en-US" altLang="zh-CN" dirty="0"/>
+              <a:t>2. </a:t>
+            </a:r>
+            <a:r>
+              <a:rPr lang="zh-CN" altLang="zh-CN" dirty="0"/>
+              <a:t>时间性能指标</a:t>
+            </a:r>
+          </a:p>
+          <a:p>
+            <a:pPr lvl="1"/>
+            <a:r>
+              <a:rPr lang="en-US" altLang="zh-CN" dirty="0"/>
+              <a:t>3. </a:t>
+            </a:r>
+            <a:r>
+              <a:rPr lang="zh-CN" altLang="zh-CN" dirty="0"/>
+              <a:t>鲁棒性能</a:t>
+            </a:r>
+            <a:r>
+              <a:rPr lang="zh-CN" altLang="zh-CN" dirty="0" smtClean="0"/>
+              <a:t>指标</a:t>
+            </a:r>
+            <a:endParaRPr lang="zh-CN" altLang="zh-CN" dirty="0"/>
+          </a:p>
+          <a:p>
+            <a:endParaRPr lang="zh-CN" altLang="en-US" dirty="0"/>
+          </a:p>
+        </p:txBody>
+      </p:sp>
+      <p:graphicFrame>
+        <p:nvGraphicFramePr>
+          <p:cNvPr id="4" name="图示 3"/>
+          <p:cNvGraphicFramePr/>
+          <p:nvPr>
+            <p:extLst>
+              <p:ext uri="{D42A27DB-BD31-4B8C-83A1-F6EECF244321}">
+                <p14:modId xmlns:p14="http://schemas.microsoft.com/office/powerpoint/2010/main" val="3801042326"/>
+              </p:ext>
+            </p:extLst>
+          </p:nvPr>
+        </p:nvGraphicFramePr>
+        <p:xfrm>
+          <a:off x="4940454" y="2901005"/>
+          <a:ext cx="4071344" cy="3665047"/>
+        </p:xfrm>
+        <a:graphic>
+          <a:graphicData uri="http://schemas.openxmlformats.org/drawingml/2006/diagram">
+            <dgm:relIds xmlns:dgm="http://schemas.openxmlformats.org/drawingml/2006/diagram" xmlns:r="http://schemas.openxmlformats.org/officeDocument/2006/relationships" r:dm="rId2" r:lo="rId3" r:qs="rId4" r:cs="rId5"/>
+          </a:graphicData>
+        </a:graphic>
+      </p:graphicFrame>
+      <p:sp>
+        <p:nvSpPr>
+          <p:cNvPr id="7" name="椭圆 6"/>
+          <p:cNvSpPr/>
+          <p:nvPr/>
+        </p:nvSpPr>
+        <p:spPr>
+          <a:xfrm>
+            <a:off x="9871113" y="4022411"/>
+            <a:ext cx="1800000" cy="1800000"/>
+          </a:xfrm>
+          <a:prstGeom prst="ellipse">
+            <a:avLst/>
+          </a:prstGeom>
+          <a:solidFill>
+            <a:srgbClr val="00B0F0"/>
+          </a:solidFill>
+          <a:ln>
+            <a:noFill/>
+          </a:ln>
+        </p:spPr>
+        <p:style>
+          <a:lnRef idx="2">
+            <a:schemeClr val="accent1">
+              <a:shade val="50000"/>
+            </a:schemeClr>
+          </a:lnRef>
+          <a:fillRef idx="1">
+            <a:schemeClr val="accent1"/>
+          </a:fillRef>
+          <a:effectRef idx="0">
+            <a:schemeClr val="accent1"/>
+          </a:effectRef>
+          <a:fontRef idx="minor">
+            <a:schemeClr val="lt1"/>
+          </a:fontRef>
+        </p:style>
+        <p:txBody>
+          <a:bodyPr rtlCol="0" anchor="ctr"/>
+          <a:lstStyle/>
+          <a:p>
+            <a:pPr algn="ctr"/>
+            <a:r>
+              <a:rPr lang="zh-CN" altLang="en-US" dirty="0"/>
+              <a:t>适应度</a:t>
+            </a:r>
+          </a:p>
+        </p:txBody>
+      </p:sp>
+      <p:sp>
+        <p:nvSpPr>
+          <p:cNvPr id="8" name="右箭头 7"/>
+          <p:cNvSpPr/>
+          <p:nvPr/>
+        </p:nvSpPr>
+        <p:spPr>
+          <a:xfrm>
+            <a:off x="8538071" y="4785764"/>
+            <a:ext cx="1255923" cy="273293"/>
+          </a:xfrm>
+          <a:prstGeom prst="rightArrow">
+            <a:avLst/>
+          </a:prstGeom>
+          <a:solidFill>
+            <a:srgbClr val="00B050"/>
+          </a:solidFill>
+          <a:ln>
+            <a:noFill/>
+          </a:ln>
+        </p:spPr>
+        <p:style>
+          <a:lnRef idx="2">
+            <a:schemeClr val="accent1">
+              <a:shade val="50000"/>
+            </a:schemeClr>
+          </a:lnRef>
+          <a:fillRef idx="1">
+            <a:schemeClr val="accent1"/>
+          </a:fillRef>
+          <a:effectRef idx="0">
+            <a:schemeClr val="accent1"/>
+          </a:effectRef>
+          <a:fontRef idx="minor">
+            <a:schemeClr val="lt1"/>
+          </a:fontRef>
+        </p:style>
+        <p:txBody>
+          <a:bodyPr rtlCol="0" anchor="ctr"/>
+          <a:lstStyle/>
+          <a:p>
+            <a:pPr algn="ctr"/>
+            <a:endParaRPr lang="zh-CN" altLang="en-US"/>
+          </a:p>
+        </p:txBody>
+      </p:sp>
+    </p:spTree>
+    <p:extLst>
+      <p:ext uri="{BB962C8B-B14F-4D97-AF65-F5344CB8AC3E}">
+        <p14:creationId xmlns:p14="http://schemas.microsoft.com/office/powerpoint/2010/main" val="464313901"/>
+      </p:ext>
+    </p:extLst>
+  </p:cSld>
+  <p:clrMapOvr>
+    <a:masterClrMapping/>
+  </p:clrMapOvr>
+  <p:timing>
+    <p:tnLst>
+      <p:par>
+        <p:cTn id="1" dur="indefinite" restart="never" nodeType="tmRoot"/>
+      </p:par>
+    </p:tnLst>
+  </p:timing>
+</p:sld>
+</file>
+
+<file path=ppt/slides/slide12.xml><?xml version="1.0" encoding="utf-8"?>
+<p:sld xmlns:a="http://schemas.openxmlformats.org/drawingml/2006/main" xmlns:r="http://schemas.openxmlformats.org/officeDocument/2006/relationships" xmlns:p="http://schemas.openxmlformats.org/presentationml/2006/main">
+  <p:cSld>
+    <p:spTree>
+      <p:nvGrpSpPr>
+        <p:cNvPr id="1" name=""/>
+        <p:cNvGrpSpPr/>
+        <p:nvPr/>
+      </p:nvGrpSpPr>
+      <p:grpSpPr>
+        <a:xfrm>
+          <a:off x="0" y="0"/>
+          <a:ext cx="0" cy="0"/>
+          <a:chOff x="0" y="0"/>
+          <a:chExt cx="0" cy="0"/>
+        </a:xfrm>
+      </p:grpSpPr>
+      <p:sp>
+        <p:nvSpPr>
+          <p:cNvPr id="2" name="标题 1"/>
+          <p:cNvSpPr>
+            <a:spLocks noGrp="1"/>
+          </p:cNvSpPr>
+          <p:nvPr>
+            <p:ph type="title"/>
+          </p:nvPr>
+        </p:nvSpPr>
+        <p:spPr/>
+        <p:txBody>
+          <a:bodyPr>
+            <a:normAutofit/>
+          </a:bodyPr>
+          <a:lstStyle/>
+          <a:p>
+            <a:r>
+              <a:rPr lang="zh-CN" altLang="en-US" sz="3200" dirty="0" smtClean="0"/>
+              <a:t>参数优化的结果</a:t>
+            </a:r>
+            <a:endParaRPr lang="zh-CN" altLang="en-US" sz="3200" dirty="0"/>
+          </a:p>
+        </p:txBody>
+      </p:sp>
+      <p:sp>
+        <p:nvSpPr>
+          <p:cNvPr id="9" name="内容占位符 8"/>
+          <p:cNvSpPr>
+            <a:spLocks noGrp="1"/>
+          </p:cNvSpPr>
+          <p:nvPr>
+            <p:ph idx="1"/>
+          </p:nvPr>
+        </p:nvSpPr>
+        <p:spPr>
+          <a:xfrm>
+            <a:off x="2608406" y="1789750"/>
+            <a:ext cx="8915400" cy="3777622"/>
+          </a:xfrm>
+        </p:spPr>
+        <p:txBody>
+          <a:bodyPr/>
+          <a:lstStyle/>
+          <a:p>
+            <a:r>
+              <a:rPr lang="zh-CN" altLang="en-US" dirty="0" smtClean="0"/>
+              <a:t>下面给出蚁群算法的各参数在遗传算法作用下，随代数增长</a:t>
+            </a:r>
+            <a:r>
+              <a:rPr lang="zh-CN" altLang="zh-CN" dirty="0" smtClean="0"/>
+              <a:t>的曲线图</a:t>
+            </a:r>
+            <a:r>
+              <a:rPr lang="zh-CN" altLang="en-US" dirty="0" smtClean="0"/>
+              <a:t>（五张图分别表示蚂蚁数量、信息素强度、信息启发因子、期望启发因子与信息素强度的变化。图中蓝线为</a:t>
+            </a:r>
+            <a:r>
+              <a:rPr lang="zh-CN" altLang="en-US" dirty="0"/>
+              <a:t>因变量参数的</a:t>
+            </a:r>
+            <a:r>
+              <a:rPr lang="zh-CN" altLang="en-US" dirty="0" smtClean="0"/>
+              <a:t>均值，</a:t>
+            </a:r>
+            <a:r>
+              <a:rPr lang="zh-CN" altLang="en-US" dirty="0"/>
+              <a:t>红</a:t>
+            </a:r>
+            <a:r>
+              <a:rPr lang="zh-CN" altLang="en-US" dirty="0" smtClean="0"/>
+              <a:t>线为</a:t>
+            </a:r>
+            <a:r>
+              <a:rPr lang="zh-CN" altLang="en-US" dirty="0"/>
+              <a:t>均值加一个</a:t>
+            </a:r>
+            <a:r>
+              <a:rPr lang="zh-CN" altLang="en-US" dirty="0" smtClean="0"/>
+              <a:t>标准差，</a:t>
+            </a:r>
+            <a:r>
+              <a:rPr lang="zh-CN" altLang="en-US" dirty="0"/>
+              <a:t>绿</a:t>
+            </a:r>
+            <a:r>
+              <a:rPr lang="zh-CN" altLang="en-US" dirty="0" smtClean="0"/>
+              <a:t>线为</a:t>
+            </a:r>
+            <a:r>
+              <a:rPr lang="zh-CN" altLang="en-US" dirty="0"/>
+              <a:t>均值减一个</a:t>
+            </a:r>
+            <a:r>
+              <a:rPr lang="zh-CN" altLang="en-US" dirty="0" smtClean="0"/>
+              <a:t>标准差。</a:t>
+            </a:r>
+            <a:r>
+              <a:rPr lang="zh-CN" altLang="en-US" dirty="0"/>
+              <a:t>）</a:t>
+            </a:r>
+            <a:endParaRPr lang="en-US" altLang="zh-CN" dirty="0" smtClean="0"/>
+          </a:p>
+          <a:p>
+            <a:endParaRPr lang="zh-CN" altLang="en-US" dirty="0"/>
+          </a:p>
+        </p:txBody>
+      </p:sp>
+      <p:pic>
+        <p:nvPicPr>
+          <p:cNvPr id="10" name="内容占位符 3"/>
+          <p:cNvPicPr>
+            <a:picLocks noChangeAspect="1"/>
+          </p:cNvPicPr>
+          <p:nvPr/>
+        </p:nvPicPr>
+        <p:blipFill>
+          <a:blip r:embed="rId2">
+            <a:extLst>
+              <a:ext uri="{28A0092B-C50C-407E-A947-70E740481C1C}">
+                <a14:useLocalDpi xmlns:a14="http://schemas.microsoft.com/office/drawing/2010/main" val="0"/>
+              </a:ext>
+            </a:extLst>
+          </a:blip>
+          <a:srcRect/>
+          <a:stretch>
+            <a:fillRect/>
+          </a:stretch>
+        </p:blipFill>
+        <p:spPr bwMode="auto">
+          <a:xfrm>
+            <a:off x="3114410" y="3051167"/>
+            <a:ext cx="2299635" cy="1800000"/>
+          </a:xfrm>
+          <a:prstGeom prst="rect">
+            <a:avLst/>
+          </a:prstGeom>
+          <a:noFill/>
+          <a:ln>
+            <a:noFill/>
+          </a:ln>
+        </p:spPr>
+      </p:pic>
+      <p:pic>
+        <p:nvPicPr>
+          <p:cNvPr id="11" name="图片 10"/>
+          <p:cNvPicPr>
+            <a:picLocks noChangeAspect="1"/>
+          </p:cNvPicPr>
+          <p:nvPr/>
+        </p:nvPicPr>
+        <p:blipFill>
+          <a:blip r:embed="rId3">
+            <a:extLst>
+              <a:ext uri="{28A0092B-C50C-407E-A947-70E740481C1C}">
+                <a14:useLocalDpi xmlns:a14="http://schemas.microsoft.com/office/drawing/2010/main" val="0"/>
+              </a:ext>
+            </a:extLst>
+          </a:blip>
+          <a:srcRect/>
+          <a:stretch>
+            <a:fillRect/>
+          </a:stretch>
+        </p:blipFill>
+        <p:spPr bwMode="auto">
+          <a:xfrm>
+            <a:off x="5414045" y="3051167"/>
+            <a:ext cx="2307709" cy="1800000"/>
+          </a:xfrm>
+          <a:prstGeom prst="rect">
+            <a:avLst/>
+          </a:prstGeom>
+          <a:noFill/>
+          <a:ln>
+            <a:noFill/>
+          </a:ln>
+        </p:spPr>
+      </p:pic>
+      <p:pic>
+        <p:nvPicPr>
+          <p:cNvPr id="12" name="图片 11"/>
+          <p:cNvPicPr>
+            <a:picLocks noChangeAspect="1"/>
+          </p:cNvPicPr>
+          <p:nvPr/>
+        </p:nvPicPr>
+        <p:blipFill>
+          <a:blip r:embed="rId4">
+            <a:extLst>
+              <a:ext uri="{28A0092B-C50C-407E-A947-70E740481C1C}">
+                <a14:useLocalDpi xmlns:a14="http://schemas.microsoft.com/office/drawing/2010/main" val="0"/>
+              </a:ext>
+            </a:extLst>
+          </a:blip>
+          <a:srcRect/>
+          <a:stretch>
+            <a:fillRect/>
+          </a:stretch>
+        </p:blipFill>
+        <p:spPr bwMode="auto">
+          <a:xfrm>
+            <a:off x="7721754" y="3051167"/>
+            <a:ext cx="2329300" cy="1800000"/>
+          </a:xfrm>
+          <a:prstGeom prst="rect">
+            <a:avLst/>
+          </a:prstGeom>
+          <a:noFill/>
+          <a:ln>
+            <a:noFill/>
+          </a:ln>
+        </p:spPr>
+      </p:pic>
+      <p:pic>
+        <p:nvPicPr>
+          <p:cNvPr id="13" name="图片 12"/>
+          <p:cNvPicPr>
+            <a:picLocks noChangeAspect="1"/>
+          </p:cNvPicPr>
+          <p:nvPr/>
+        </p:nvPicPr>
+        <p:blipFill>
+          <a:blip r:embed="rId5">
+            <a:extLst>
+              <a:ext uri="{28A0092B-C50C-407E-A947-70E740481C1C}">
+                <a14:useLocalDpi xmlns:a14="http://schemas.microsoft.com/office/drawing/2010/main" val="0"/>
+              </a:ext>
+            </a:extLst>
+          </a:blip>
+          <a:srcRect/>
+          <a:stretch>
+            <a:fillRect/>
+          </a:stretch>
+        </p:blipFill>
+        <p:spPr bwMode="auto">
+          <a:xfrm>
+            <a:off x="6600564" y="4866559"/>
+            <a:ext cx="2325490" cy="1800000"/>
+          </a:xfrm>
+          <a:prstGeom prst="rect">
+            <a:avLst/>
+          </a:prstGeom>
+          <a:noFill/>
+          <a:ln>
+            <a:noFill/>
+          </a:ln>
+        </p:spPr>
+      </p:pic>
+      <p:pic>
+        <p:nvPicPr>
+          <p:cNvPr id="14" name="图片 13"/>
+          <p:cNvPicPr>
+            <a:picLocks noChangeAspect="1"/>
+          </p:cNvPicPr>
+          <p:nvPr/>
+        </p:nvPicPr>
+        <p:blipFill>
+          <a:blip r:embed="rId6">
+            <a:extLst>
+              <a:ext uri="{28A0092B-C50C-407E-A947-70E740481C1C}">
+                <a14:useLocalDpi xmlns:a14="http://schemas.microsoft.com/office/drawing/2010/main" val="0"/>
+              </a:ext>
+            </a:extLst>
+          </a:blip>
+          <a:srcRect/>
+          <a:stretch>
+            <a:fillRect/>
+          </a:stretch>
+        </p:blipFill>
+        <p:spPr bwMode="auto">
+          <a:xfrm>
+            <a:off x="4305782" y="4824728"/>
+            <a:ext cx="2329180" cy="1800000"/>
+          </a:xfrm>
+          <a:prstGeom prst="rect">
+            <a:avLst/>
+          </a:prstGeom>
+          <a:noFill/>
+          <a:ln>
+            <a:noFill/>
+          </a:ln>
+        </p:spPr>
+      </p:pic>
+    </p:spTree>
+    <p:extLst>
+      <p:ext uri="{BB962C8B-B14F-4D97-AF65-F5344CB8AC3E}">
+        <p14:creationId xmlns:p14="http://schemas.microsoft.com/office/powerpoint/2010/main" val="1827723473"/>
+      </p:ext>
+    </p:extLst>
+  </p:cSld>
+  <p:clrMapOvr>
+    <a:masterClrMapping/>
+  </p:clrMapOvr>
+  <p:timing>
+    <p:tnLst>
+      <p:par>
+        <p:cTn id="1" dur="indefinite" restart="never" nodeType="tmRoot"/>
+      </p:par>
+    </p:tnLst>
+  </p:timing>
+</p:sld>
+</file>
+
+<file path=ppt/slides/slide13.xml><?xml version="1.0" encoding="utf-8"?>
+<p:sld xmlns:a="http://schemas.openxmlformats.org/drawingml/2006/main" xmlns:r="http://schemas.openxmlformats.org/officeDocument/2006/relationships" xmlns:p="http://schemas.openxmlformats.org/presentationml/2006/main">
+  <p:cSld>
+    <p:spTree>
+      <p:nvGrpSpPr>
+        <p:cNvPr id="1" name=""/>
+        <p:cNvGrpSpPr/>
+        <p:nvPr/>
+      </p:nvGrpSpPr>
+      <p:grpSpPr>
+        <a:xfrm>
+          <a:off x="0" y="0"/>
+          <a:ext cx="0" cy="0"/>
+          <a:chOff x="0" y="0"/>
+          <a:chExt cx="0" cy="0"/>
+        </a:xfrm>
+      </p:grpSpPr>
+      <p:sp>
+        <p:nvSpPr>
+          <p:cNvPr id="2" name="标题 1"/>
+          <p:cNvSpPr>
+            <a:spLocks noGrp="1"/>
+          </p:cNvSpPr>
+          <p:nvPr>
+            <p:ph type="title"/>
+          </p:nvPr>
+        </p:nvSpPr>
+        <p:spPr/>
+        <p:txBody>
+          <a:bodyPr>
+            <a:normAutofit/>
+          </a:bodyPr>
+          <a:lstStyle/>
+          <a:p>
+            <a:r>
+              <a:rPr lang="zh-CN" altLang="en-US" sz="3200" dirty="0"/>
+              <a:t>参数优化的结果</a:t>
+            </a:r>
+          </a:p>
+        </p:txBody>
+      </p:sp>
+      <p:sp>
+        <p:nvSpPr>
+          <p:cNvPr id="3" name="内容占位符 2"/>
+          <p:cNvSpPr>
+            <a:spLocks noGrp="1"/>
+          </p:cNvSpPr>
+          <p:nvPr>
+            <p:ph idx="1"/>
+          </p:nvPr>
+        </p:nvSpPr>
+        <p:spPr/>
+        <p:txBody>
+          <a:bodyPr/>
+          <a:lstStyle/>
+          <a:p>
+            <a:r>
+              <a:rPr lang="zh-CN" altLang="en-US" dirty="0"/>
+              <a:t>通过观察上面各参数经过遗传后变化的曲线图，容易发现，蚂蚁</a:t>
+            </a:r>
+            <a:r>
+              <a:rPr lang="zh-CN" altLang="en-US" dirty="0" smtClean="0"/>
+              <a:t>数量、信息</a:t>
+            </a:r>
+            <a:r>
+              <a:rPr lang="zh-CN" altLang="en-US" dirty="0"/>
+              <a:t>启发因子 、期望启发因子 、信息素挥发</a:t>
+            </a:r>
+            <a:r>
+              <a:rPr lang="zh-CN" altLang="en-US" dirty="0" smtClean="0"/>
+              <a:t>系数均</a:t>
+            </a:r>
+            <a:r>
+              <a:rPr lang="zh-CN" altLang="en-US" dirty="0"/>
+              <a:t>有较明显的收敛趋势，而信息素</a:t>
+            </a:r>
+            <a:r>
+              <a:rPr lang="zh-CN" altLang="en-US" dirty="0" smtClean="0"/>
+              <a:t>浓度并没有</a:t>
+            </a:r>
+            <a:r>
+              <a:rPr lang="zh-CN" altLang="en-US" dirty="0"/>
+              <a:t>显著的收敛于某个值</a:t>
+            </a:r>
+            <a:r>
+              <a:rPr lang="zh-CN" altLang="en-US" dirty="0" smtClean="0"/>
+              <a:t>附近。</a:t>
+            </a:r>
+            <a:endParaRPr lang="en-US" altLang="zh-CN" dirty="0" smtClean="0"/>
+          </a:p>
+          <a:p>
+            <a:r>
+              <a:rPr lang="zh-CN" altLang="en-US" dirty="0" smtClean="0"/>
+              <a:t>通过前面所示的图例，我们可以得到蚁群算法的部分参数的较优值。说明通过遗传算法对蚁群算法进行的参数优化取得了较好的结果。</a:t>
+            </a:r>
+            <a:endParaRPr lang="en-US" altLang="zh-CN" dirty="0" smtClean="0"/>
+          </a:p>
+        </p:txBody>
+      </p:sp>
+    </p:spTree>
+    <p:extLst>
+      <p:ext uri="{BB962C8B-B14F-4D97-AF65-F5344CB8AC3E}">
+        <p14:creationId xmlns:p14="http://schemas.microsoft.com/office/powerpoint/2010/main" val="3305610898"/>
+      </p:ext>
+    </p:extLst>
+  </p:cSld>
+  <p:clrMapOvr>
+    <a:masterClrMapping/>
+  </p:clrMapOvr>
+</p:sld>
+</file>
+
+<file path=ppt/slides/slide14.xml><?xml version="1.0" encoding="utf-8"?>
+<p:sld xmlns:a="http://schemas.openxmlformats.org/drawingml/2006/main" xmlns:r="http://schemas.openxmlformats.org/officeDocument/2006/relationships" xmlns:p="http://schemas.openxmlformats.org/presentationml/2006/main">
+  <p:cSld>
+    <p:spTree>
+      <p:nvGrpSpPr>
+        <p:cNvPr id="1" name=""/>
+        <p:cNvGrpSpPr/>
+        <p:nvPr/>
+      </p:nvGrpSpPr>
+      <p:grpSpPr>
+        <a:xfrm>
+          <a:off x="0" y="0"/>
+          <a:ext cx="0" cy="0"/>
+          <a:chOff x="0" y="0"/>
+          <a:chExt cx="0" cy="0"/>
+        </a:xfrm>
+      </p:grpSpPr>
+      <p:sp>
+        <p:nvSpPr>
+          <p:cNvPr id="2" name="标题 1"/>
+          <p:cNvSpPr>
+            <a:spLocks noGrp="1"/>
+          </p:cNvSpPr>
+          <p:nvPr>
+            <p:ph type="title"/>
+          </p:nvPr>
+        </p:nvSpPr>
+        <p:spPr/>
+        <p:txBody>
+          <a:bodyPr>
+            <a:normAutofit/>
+          </a:bodyPr>
+          <a:lstStyle/>
+          <a:p>
+            <a:r>
+              <a:rPr lang="zh-CN" altLang="en-US" sz="3200" dirty="0" smtClean="0"/>
+              <a:t>存在的不足</a:t>
+            </a:r>
+            <a:endParaRPr lang="zh-CN" altLang="en-US" sz="3200" dirty="0"/>
+          </a:p>
+        </p:txBody>
+      </p:sp>
+      <p:sp>
+        <p:nvSpPr>
+          <p:cNvPr id="3" name="内容占位符 2"/>
+          <p:cNvSpPr>
+            <a:spLocks noGrp="1"/>
+          </p:cNvSpPr>
+          <p:nvPr>
+            <p:ph idx="1"/>
+          </p:nvPr>
+        </p:nvSpPr>
+        <p:spPr/>
+        <p:txBody>
+          <a:bodyPr/>
+          <a:lstStyle/>
+          <a:p>
+            <a:r>
+              <a:rPr lang="en-US" altLang="zh-CN" dirty="0"/>
+              <a:t>1. </a:t>
+            </a:r>
+            <a:r>
+              <a:rPr lang="zh-CN" altLang="zh-CN" dirty="0"/>
+              <a:t>定义蚁群算法适应度函数时，直接忽略了算法的时间性能指标。虽然时间性能指标权重过高会导致蚁群算法向近贪心算法收敛，但该指标也不应直接忽视。而应通过多次试验，给出一个较小的合理权重。</a:t>
+            </a:r>
+          </a:p>
+          <a:p>
+            <a:r>
+              <a:rPr lang="en-US" altLang="zh-CN" dirty="0"/>
+              <a:t>2</a:t>
+            </a:r>
+            <a:r>
+              <a:rPr lang="zh-CN" altLang="zh-CN" dirty="0"/>
+              <a:t>．在蚁群基因的二进制编码解码过程中，虽然使用了格雷码，但仍然无法完全回避基因突变导致的原参数急剧变化的情况。这也导致算法难以收敛到局部最优解。该问题可以通过更改基因突变策略或使用浮点型编码遗传算法来加以改进。</a:t>
+            </a:r>
+          </a:p>
+          <a:p>
+            <a:r>
+              <a:rPr lang="en-US" altLang="zh-CN" dirty="0"/>
+              <a:t>3</a:t>
+            </a:r>
+            <a:r>
+              <a:rPr lang="zh-CN" altLang="zh-CN" dirty="0"/>
+              <a:t>．本文中对于蚁群算法的性能指标均是参照求解同一个</a:t>
+            </a:r>
+            <a:r>
+              <a:rPr lang="en-US" altLang="zh-CN" dirty="0"/>
+              <a:t>TSP</a:t>
+            </a:r>
+            <a:r>
+              <a:rPr lang="zh-CN" altLang="zh-CN" dirty="0"/>
+              <a:t>问题</a:t>
+            </a:r>
+            <a:r>
+              <a:rPr lang="en-US" altLang="zh-CN" dirty="0"/>
+              <a:t>(EIL51)</a:t>
+            </a:r>
+            <a:r>
+              <a:rPr lang="zh-CN" altLang="zh-CN" dirty="0"/>
+              <a:t>来评价的。然而蚁群算法的众多参数必然与具体的</a:t>
+            </a:r>
+            <a:r>
+              <a:rPr lang="en-US" altLang="zh-CN" dirty="0"/>
+              <a:t>TSP</a:t>
+            </a:r>
+            <a:r>
+              <a:rPr lang="zh-CN" altLang="zh-CN" dirty="0"/>
+              <a:t>问题相关。这也导致所求得到的结果并非普适于所有类型的</a:t>
+            </a:r>
+            <a:r>
+              <a:rPr lang="en-US" altLang="zh-CN" dirty="0"/>
+              <a:t>TSP</a:t>
+            </a:r>
+            <a:r>
+              <a:rPr lang="zh-CN" altLang="zh-CN" dirty="0"/>
+              <a:t>问题。对于这一问题，可以考虑将各参数设为以具体</a:t>
+            </a:r>
+            <a:r>
+              <a:rPr lang="en-US" altLang="zh-CN" dirty="0"/>
+              <a:t>TSP</a:t>
+            </a:r>
+            <a:r>
+              <a:rPr lang="zh-CN" altLang="zh-CN" dirty="0"/>
+              <a:t>问题为变量的函数，将蚁群的适应度作为泛函进行优化分析。然而该解决方法将大大增加计算的复杂度与计算时间。本文仅提出该思路，暂不做讨论。 </a:t>
+            </a:r>
+          </a:p>
+        </p:txBody>
+      </p:sp>
+    </p:spTree>
+    <p:extLst>
+      <p:ext uri="{BB962C8B-B14F-4D97-AF65-F5344CB8AC3E}">
+        <p14:creationId xmlns:p14="http://schemas.microsoft.com/office/powerpoint/2010/main" val="842415236"/>
+      </p:ext>
+    </p:extLst>
+  </p:cSld>
+  <p:clrMapOvr>
+    <a:masterClrMapping/>
+  </p:clrMapOvr>
+</p:sld>
+</file>
+
+<file path=ppt/slides/slide15.xml><?xml version="1.0" encoding="utf-8"?>
+<p:sld xmlns:a="http://schemas.openxmlformats.org/drawingml/2006/main" xmlns:r="http://schemas.openxmlformats.org/officeDocument/2006/relationships" xmlns:p="http://schemas.openxmlformats.org/presentationml/2006/main">
+  <p:cSld>
+    <p:spTree>
+      <p:nvGrpSpPr>
+        <p:cNvPr id="1" name=""/>
+        <p:cNvGrpSpPr/>
+        <p:nvPr/>
+      </p:nvGrpSpPr>
+      <p:grpSpPr>
+        <a:xfrm>
+          <a:off x="0" y="0"/>
+          <a:ext cx="0" cy="0"/>
+          <a:chOff x="0" y="0"/>
+          <a:chExt cx="0" cy="0"/>
+        </a:xfrm>
+      </p:grpSpPr>
+      <p:sp>
+        <p:nvSpPr>
+          <p:cNvPr id="2" name="矩形 1"/>
+          <p:cNvSpPr/>
+          <p:nvPr/>
+        </p:nvSpPr>
+        <p:spPr>
+          <a:xfrm>
+            <a:off x="2225605" y="2207313"/>
+            <a:ext cx="9193543" cy="1862048"/>
+          </a:xfrm>
+          <a:prstGeom prst="rect">
+            <a:avLst/>
+          </a:prstGeom>
+          <a:noFill/>
+          <a:scene3d>
+            <a:camera prst="orthographicFront">
+              <a:rot lat="20452339" lon="21201084" rev="950213"/>
+            </a:camera>
+            <a:lightRig rig="threePt" dir="t"/>
+          </a:scene3d>
+          <a:sp3d>
+            <a:bevelT w="0"/>
+          </a:sp3d>
+        </p:spPr>
+        <p:txBody>
+          <a:bodyPr wrap="none" lIns="91440" tIns="45720" rIns="91440" bIns="45720">
+            <a:spAutoFit/>
+          </a:bodyPr>
+          <a:lstStyle/>
+          <a:p>
+            <a:pPr algn="ctr"/>
+            <a:r>
+              <a:rPr lang="zh-CN" altLang="en-US" sz="11500" cap="none" spc="0" dirty="0" smtClean="0">
+                <a:ln w="0"/>
+                <a:gradFill>
+                  <a:gsLst>
+                    <a:gs pos="0">
+                      <a:schemeClr val="accent5">
+                        <a:lumMod val="50000"/>
+                      </a:schemeClr>
+                    </a:gs>
+                    <a:gs pos="50000">
+                      <a:schemeClr val="accent5"/>
+                    </a:gs>
+                    <a:gs pos="100000">
+                      <a:schemeClr val="accent5">
+                        <a:lumMod val="60000"/>
+                        <a:lumOff val="40000"/>
+                      </a:schemeClr>
+                    </a:gs>
+                  </a:gsLst>
+                  <a:lin ang="5400000"/>
+                </a:gradFill>
+                <a:effectLst>
+                  <a:reflection blurRad="6350" stA="53000" endA="300" endPos="35500" dir="5400000" sy="-90000" algn="bl" rotWithShape="0"/>
+                </a:effectLst>
+              </a:rPr>
+              <a:t>谢 谢 观 看 ！</a:t>
+            </a:r>
+            <a:endParaRPr lang="zh-CN" altLang="en-US" sz="11500" cap="none" spc="0" dirty="0">
+              <a:ln w="0"/>
+              <a:gradFill>
+                <a:gsLst>
+                  <a:gs pos="0">
+                    <a:schemeClr val="accent5">
+                      <a:lumMod val="50000"/>
+                    </a:schemeClr>
+                  </a:gs>
+                  <a:gs pos="50000">
+                    <a:schemeClr val="accent5"/>
+                  </a:gs>
+                  <a:gs pos="100000">
+                    <a:schemeClr val="accent5">
+                      <a:lumMod val="60000"/>
+                      <a:lumOff val="40000"/>
+                    </a:schemeClr>
+                  </a:gs>
+                </a:gsLst>
+                <a:lin ang="5400000"/>
+              </a:gradFill>
+              <a:effectLst>
+                <a:reflection blurRad="6350" stA="53000" endA="300" endPos="35500" dir="5400000" sy="-90000" algn="bl" rotWithShape="0"/>
+              </a:effectLst>
+            </a:endParaRPr>
+          </a:p>
+        </p:txBody>
+      </p:sp>
+    </p:spTree>
+    <p:extLst>
+      <p:ext uri="{BB962C8B-B14F-4D97-AF65-F5344CB8AC3E}">
+        <p14:creationId xmlns:p14="http://schemas.microsoft.com/office/powerpoint/2010/main" val="3098976343"/>
       </p:ext>
     </p:extLst>
   </p:cSld>
@@ -14794,6 +20456,13 @@
   <p:clrMapOvr>
     <a:masterClrMapping/>
   </p:clrMapOvr>
+  <p:timing>
+    <p:tnLst>
+      <p:par>
+        <p:cTn id="1" dur="indefinite" restart="never" nodeType="tmRoot"/>
+      </p:par>
+    </p:tnLst>
+  </p:timing>
 </p:sld>
 </file>
 
@@ -14833,11 +20502,7 @@
           <a:p>
             <a:r>
               <a:rPr lang="zh-CN" altLang="en-US" sz="3200" dirty="0" smtClean="0"/>
-              <a:t>蚁群</a:t>
-            </a:r>
-            <a:r>
-              <a:rPr lang="zh-CN" altLang="en-US" sz="3200" dirty="0" smtClean="0"/>
-              <a:t>算法的参数空间</a:t>
+              <a:t>蚁群算法的参数空间</a:t>
             </a:r>
             <a:endParaRPr lang="zh-CN" altLang="en-US" sz="3200" dirty="0"/>
           </a:p>
@@ -14957,7 +20622,6 @@
               <a:rPr lang="zh-CN" altLang="en-US" dirty="0"/>
               <a:t>蚁群规模</a:t>
             </a:r>
-            <a:endParaRPr lang="zh-CN" altLang="en-US" dirty="0"/>
           </a:p>
         </p:txBody>
       </p:sp>
@@ -14993,6 +20657,13 @@
   <p:clrMapOvr>
     <a:masterClrMapping/>
   </p:clrMapOvr>
+  <p:timing>
+    <p:tnLst>
+      <p:par>
+        <p:cTn id="1" dur="indefinite" restart="never" nodeType="tmRoot"/>
+      </p:par>
+    </p:tnLst>
+  </p:timing>
 </p:sld>
 </file>
 
@@ -15165,6 +20836,13 @@
   <p:clrMapOvr>
     <a:masterClrMapping/>
   </p:clrMapOvr>
+  <p:timing>
+    <p:tnLst>
+      <p:par>
+        <p:cTn id="1" dur="indefinite" restart="never" nodeType="tmRoot"/>
+      </p:par>
+    </p:tnLst>
+  </p:timing>
 </p:sld>
 </file>
 
@@ -15198,25 +20876,51 @@
         <p:spPr/>
         <p:txBody>
           <a:bodyPr>
-            <a:normAutofit/>
+            <a:noAutofit/>
           </a:bodyPr>
           <a:lstStyle/>
           <a:p>
             <a:r>
-              <a:rPr lang="zh-CN" altLang="en-US" sz="3200" dirty="0"/>
-              <a:t>基于遗传算法的蚁群算法参数优化</a:t>
-            </a:r>
+              <a:rPr lang="zh-CN" altLang="en-US" sz="2800" dirty="0" smtClean="0"/>
+              <a:t>选择算子</a:t>
+            </a:r>
+            <a:endParaRPr lang="zh-CN" altLang="en-US" sz="2800" dirty="0"/>
           </a:p>
         </p:txBody>
       </p:sp>
+      <p:graphicFrame>
+        <p:nvGraphicFramePr>
+          <p:cNvPr id="8" name="内容占位符 7"/>
+          <p:cNvGraphicFramePr>
+            <a:graphicFrameLocks noGrp="1"/>
+          </p:cNvGraphicFramePr>
+          <p:nvPr>
+            <p:ph idx="1"/>
+            <p:extLst>
+              <p:ext uri="{D42A27DB-BD31-4B8C-83A1-F6EECF244321}">
+                <p14:modId xmlns:p14="http://schemas.microsoft.com/office/powerpoint/2010/main" val="1081400809"/>
+              </p:ext>
+            </p:extLst>
+          </p:nvPr>
+        </p:nvGraphicFramePr>
+        <p:xfrm>
+          <a:off x="6094411" y="2207740"/>
+          <a:ext cx="5803084" cy="3241337"/>
+        </p:xfrm>
+        <a:graphic>
+          <a:graphicData uri="http://schemas.openxmlformats.org/drawingml/2006/chart">
+            <c:chart xmlns:c="http://schemas.openxmlformats.org/drawingml/2006/chart" xmlns:r="http://schemas.openxmlformats.org/officeDocument/2006/relationships" r:id="rId2"/>
+          </a:graphicData>
+        </a:graphic>
+      </p:graphicFrame>
       <p:sp>
         <p:nvSpPr>
-          <p:cNvPr id="3" name="内容占位符 2"/>
+          <p:cNvPr id="4" name="文本占位符 3"/>
           <p:cNvSpPr>
             <a:spLocks noGrp="1"/>
           </p:cNvSpPr>
           <p:nvPr>
-            <p:ph idx="1"/>
+            <p:ph type="body" sz="half" idx="2"/>
           </p:nvPr>
         </p:nvSpPr>
         <p:spPr/>
@@ -15225,84 +20929,344 @@
           <a:lstStyle/>
           <a:p>
             <a:r>
-              <a:rPr lang="zh-CN" altLang="en-US" dirty="0" smtClean="0"/>
-              <a:t>将蚁群算法作为遗传算法中的个体进行参数优化，最关键的步骤有以下两处：</a:t>
+              <a:rPr lang="en-US" altLang="zh-CN" dirty="0"/>
+              <a:t> 	</a:t>
+            </a:r>
+            <a:r>
+              <a:rPr lang="zh-CN" altLang="zh-CN" dirty="0"/>
+              <a:t>选择运算是遗传算法中最为关键的一个步骤，其中，适应度函数的定义是否合理，将直接影响到算法的全局收敛性与收敛速度。适应度函数是一个种群间个体到非负实数之间的映射函数，体现了个体对于环境的适应程度，适应度越高的个体被选择到下一代的概率也就越大（通常采用轮盘赌方式进行个体选择）</a:t>
+            </a:r>
+            <a:r>
+              <a:rPr lang="zh-CN" altLang="zh-CN" dirty="0" smtClean="0"/>
+              <a:t>。</a:t>
             </a:r>
             <a:endParaRPr lang="en-US" altLang="zh-CN" dirty="0" smtClean="0"/>
           </a:p>
           <a:p>
-            <a:pPr lvl="1"/>
+            <a:r>
+              <a:rPr lang="en-US" altLang="zh-CN" dirty="0" smtClean="0"/>
+              <a:t>	</a:t>
+            </a:r>
             <a:r>
               <a:rPr lang="zh-CN" altLang="en-US" dirty="0" smtClean="0"/>
-              <a:t>对蚁群算法给出合适的基因编码与解码算法。</a:t>
+              <a:t>轮盘</a:t>
+            </a:r>
+            <a:r>
+              <a:rPr lang="zh-CN" altLang="en-US" dirty="0"/>
+              <a:t>赌选择是从染色体群体中选择一些成员的方法，被选中的机率和它们的</a:t>
+            </a:r>
+            <a:r>
+              <a:rPr lang="zh-CN" altLang="en-US" dirty="0" smtClean="0"/>
+              <a:t>适应度成</a:t>
+            </a:r>
+            <a:r>
+              <a:rPr lang="zh-CN" altLang="en-US" dirty="0"/>
+              <a:t>比例，染色体的</a:t>
+            </a:r>
+            <a:r>
+              <a:rPr lang="zh-CN" altLang="en-US" dirty="0" smtClean="0"/>
+              <a:t>适应度愈</a:t>
+            </a:r>
+            <a:r>
+              <a:rPr lang="zh-CN" altLang="en-US" dirty="0"/>
+              <a:t>高，被选中的概率也愈多。这不保证适应性分数最高的成员一定能选入下一代，仅仅说明它有最大的概率被选中。其工作过程是这样</a:t>
+            </a:r>
+            <a:r>
+              <a:rPr lang="zh-CN" altLang="en-US" dirty="0" smtClean="0"/>
+              <a:t>的</a:t>
+            </a:r>
+            <a:r>
+              <a:rPr lang="zh-CN" altLang="en-US" dirty="0"/>
+              <a:t>。</a:t>
             </a:r>
             <a:endParaRPr lang="en-US" altLang="zh-CN" dirty="0" smtClean="0"/>
-          </a:p>
-          <a:p>
-            <a:pPr lvl="1"/>
-            <a:r>
-              <a:rPr lang="zh-CN" altLang="en-US" dirty="0"/>
-              <a:t>给出</a:t>
-            </a:r>
-            <a:r>
-              <a:rPr lang="zh-CN" altLang="en-US" dirty="0" smtClean="0"/>
-              <a:t>蚁群算法的适应度函数。</a:t>
-            </a:r>
-            <a:endParaRPr lang="en-US" altLang="zh-CN" dirty="0" smtClean="0"/>
-          </a:p>
-          <a:p>
-            <a:endParaRPr lang="en-US" altLang="zh-CN" dirty="0"/>
-          </a:p>
-          <a:p>
-            <a:endParaRPr lang="en-US" altLang="zh-CN" dirty="0" smtClean="0"/>
-          </a:p>
-          <a:p>
-            <a:endParaRPr lang="zh-CN" altLang="en-US" dirty="0"/>
           </a:p>
         </p:txBody>
       </p:sp>
+      <p:graphicFrame>
+        <p:nvGraphicFramePr>
+          <p:cNvPr id="9" name="表格 8"/>
+          <p:cNvGraphicFramePr>
+            <a:graphicFrameLocks noGrp="1"/>
+          </p:cNvGraphicFramePr>
+          <p:nvPr>
+            <p:extLst>
+              <p:ext uri="{D42A27DB-BD31-4B8C-83A1-F6EECF244321}">
+                <p14:modId xmlns:p14="http://schemas.microsoft.com/office/powerpoint/2010/main" val="4151083741"/>
+              </p:ext>
+            </p:extLst>
+          </p:nvPr>
+        </p:nvGraphicFramePr>
+        <p:xfrm>
+          <a:off x="6359609" y="1095693"/>
+          <a:ext cx="5445216" cy="681976"/>
+        </p:xfrm>
+        <a:graphic>
+          <a:graphicData uri="http://schemas.openxmlformats.org/drawingml/2006/table">
+            <a:tbl>
+              <a:tblPr firstRow="1" bandRow="1">
+                <a:tableStyleId>{21E4AEA4-8DFA-4A89-87EB-49C32662AFE0}</a:tableStyleId>
+              </a:tblPr>
+              <a:tblGrid>
+                <a:gridCol w="777888"/>
+                <a:gridCol w="777888"/>
+                <a:gridCol w="777888"/>
+                <a:gridCol w="777888"/>
+                <a:gridCol w="777888"/>
+                <a:gridCol w="777888"/>
+                <a:gridCol w="777888"/>
+              </a:tblGrid>
+              <a:tr h="257077">
+                <a:tc>
+                  <a:txBody>
+                    <a:bodyPr/>
+                    <a:lstStyle/>
+                    <a:p>
+                      <a:r>
+                        <a:rPr lang="zh-CN" altLang="en-US" sz="1400" dirty="0" smtClean="0"/>
+                        <a:t>个体</a:t>
+                      </a:r>
+                      <a:endParaRPr lang="zh-CN" altLang="en-US" sz="1400" dirty="0"/>
+                    </a:p>
+                  </a:txBody>
+                  <a:tcPr/>
+                </a:tc>
+                <a:tc>
+                  <a:txBody>
+                    <a:bodyPr/>
+                    <a:lstStyle/>
+                    <a:p>
+                      <a:r>
+                        <a:rPr lang="en-US" altLang="zh-CN" sz="1400" dirty="0" smtClean="0"/>
+                        <a:t>1</a:t>
+                      </a:r>
+                      <a:endParaRPr lang="zh-CN" altLang="en-US" sz="1400" dirty="0"/>
+                    </a:p>
+                  </a:txBody>
+                  <a:tcPr/>
+                </a:tc>
+                <a:tc>
+                  <a:txBody>
+                    <a:bodyPr/>
+                    <a:lstStyle/>
+                    <a:p>
+                      <a:r>
+                        <a:rPr lang="en-US" altLang="zh-CN" sz="1400" dirty="0" smtClean="0"/>
+                        <a:t>2</a:t>
+                      </a:r>
+                      <a:endParaRPr lang="zh-CN" altLang="en-US" sz="1400" dirty="0"/>
+                    </a:p>
+                  </a:txBody>
+                  <a:tcPr/>
+                </a:tc>
+                <a:tc>
+                  <a:txBody>
+                    <a:bodyPr/>
+                    <a:lstStyle/>
+                    <a:p>
+                      <a:r>
+                        <a:rPr lang="en-US" altLang="zh-CN" sz="1400" dirty="0" smtClean="0"/>
+                        <a:t>3</a:t>
+                      </a:r>
+                      <a:endParaRPr lang="zh-CN" altLang="en-US" sz="1400" dirty="0"/>
+                    </a:p>
+                  </a:txBody>
+                  <a:tcPr/>
+                </a:tc>
+                <a:tc>
+                  <a:txBody>
+                    <a:bodyPr/>
+                    <a:lstStyle/>
+                    <a:p>
+                      <a:r>
+                        <a:rPr lang="en-US" altLang="zh-CN" sz="1400" dirty="0" smtClean="0"/>
+                        <a:t>4</a:t>
+                      </a:r>
+                      <a:endParaRPr lang="zh-CN" altLang="en-US" sz="1400" dirty="0"/>
+                    </a:p>
+                  </a:txBody>
+                  <a:tcPr/>
+                </a:tc>
+                <a:tc>
+                  <a:txBody>
+                    <a:bodyPr/>
+                    <a:lstStyle/>
+                    <a:p>
+                      <a:r>
+                        <a:rPr lang="en-US" altLang="zh-CN" sz="1400" dirty="0" smtClean="0"/>
+                        <a:t>5</a:t>
+                      </a:r>
+                      <a:endParaRPr lang="zh-CN" altLang="en-US" sz="1400" dirty="0"/>
+                    </a:p>
+                  </a:txBody>
+                  <a:tcPr/>
+                </a:tc>
+                <a:tc>
+                  <a:txBody>
+                    <a:bodyPr/>
+                    <a:lstStyle/>
+                    <a:p>
+                      <a:r>
+                        <a:rPr lang="en-US" altLang="zh-CN" sz="1400" dirty="0" smtClean="0"/>
+                        <a:t>6</a:t>
+                      </a:r>
+                      <a:endParaRPr lang="zh-CN" altLang="en-US" sz="1400" dirty="0"/>
+                    </a:p>
+                  </a:txBody>
+                  <a:tcPr/>
+                </a:tc>
+              </a:tr>
+              <a:tr h="377176">
+                <a:tc>
+                  <a:txBody>
+                    <a:bodyPr/>
+                    <a:lstStyle/>
+                    <a:p>
+                      <a:r>
+                        <a:rPr lang="zh-CN" altLang="en-US" sz="1400" dirty="0" smtClean="0"/>
+                        <a:t>适应度</a:t>
+                      </a:r>
+                      <a:endParaRPr lang="zh-CN" altLang="en-US" sz="1400" dirty="0"/>
+                    </a:p>
+                  </a:txBody>
+                  <a:tcPr/>
+                </a:tc>
+                <a:tc>
+                  <a:txBody>
+                    <a:bodyPr/>
+                    <a:lstStyle/>
+                    <a:p>
+                      <a:r>
+                        <a:rPr lang="en-US" altLang="zh-CN" sz="1400" u="none" strike="noStrike" kern="1200" baseline="0" dirty="0" smtClean="0"/>
+                        <a:t>5.2</a:t>
+                      </a:r>
+                      <a:endParaRPr lang="zh-CN" altLang="en-US" sz="1400" dirty="0"/>
+                    </a:p>
+                  </a:txBody>
+                  <a:tcPr/>
+                </a:tc>
+                <a:tc>
+                  <a:txBody>
+                    <a:bodyPr/>
+                    <a:lstStyle/>
+                    <a:p>
+                      <a:pPr marL="0" marR="0" indent="0" algn="l" defTabSz="457200" rtl="0" eaLnBrk="1" fontAlgn="auto" latinLnBrk="0" hangingPunct="1">
+                        <a:lnSpc>
+                          <a:spcPct val="100000"/>
+                        </a:lnSpc>
+                        <a:spcBef>
+                          <a:spcPts val="0"/>
+                        </a:spcBef>
+                        <a:spcAft>
+                          <a:spcPts val="0"/>
+                        </a:spcAft>
+                        <a:buClrTx/>
+                        <a:buSzTx/>
+                        <a:buFontTx/>
+                        <a:buNone/>
+                        <a:tabLst/>
+                        <a:defRPr/>
+                      </a:pPr>
+                      <a:r>
+                        <a:rPr lang="en-US" altLang="zh-CN" sz="1400" u="none" strike="noStrike" kern="1200" baseline="0" dirty="0" smtClean="0"/>
+                        <a:t>3.2	</a:t>
+                      </a:r>
+                      <a:endParaRPr lang="en-US" altLang="zh-CN" sz="1400" b="0" i="0" u="none" strike="noStrike" kern="1200" baseline="0" dirty="0" smtClean="0">
+                        <a:solidFill>
+                          <a:schemeClr val="dk1"/>
+                        </a:solidFill>
+                        <a:latin typeface="+mn-lt"/>
+                        <a:ea typeface="+mn-ea"/>
+                        <a:cs typeface="+mn-cs"/>
+                      </a:endParaRPr>
+                    </a:p>
+                  </a:txBody>
+                  <a:tcPr/>
+                </a:tc>
+                <a:tc>
+                  <a:txBody>
+                    <a:bodyPr/>
+                    <a:lstStyle/>
+                    <a:p>
+                      <a:r>
+                        <a:rPr lang="en-US" altLang="zh-CN" sz="1400" dirty="0" smtClean="0"/>
+                        <a:t>1.4</a:t>
+                      </a:r>
+                      <a:endParaRPr lang="zh-CN" altLang="en-US" sz="1400" dirty="0"/>
+                    </a:p>
+                  </a:txBody>
+                  <a:tcPr/>
+                </a:tc>
+                <a:tc>
+                  <a:txBody>
+                    <a:bodyPr/>
+                    <a:lstStyle/>
+                    <a:p>
+                      <a:r>
+                        <a:rPr lang="en-US" altLang="zh-CN" sz="1400" dirty="0" smtClean="0"/>
+                        <a:t>1.2</a:t>
+                      </a:r>
+                      <a:endParaRPr lang="zh-CN" altLang="en-US" sz="1400" dirty="0"/>
+                    </a:p>
+                  </a:txBody>
+                  <a:tcPr/>
+                </a:tc>
+                <a:tc>
+                  <a:txBody>
+                    <a:bodyPr/>
+                    <a:lstStyle/>
+                    <a:p>
+                      <a:r>
+                        <a:rPr lang="en-US" altLang="zh-CN" sz="1400" dirty="0" smtClean="0"/>
+                        <a:t>0.5</a:t>
+                      </a:r>
+                      <a:endParaRPr lang="zh-CN" altLang="en-US" sz="1400" dirty="0"/>
+                    </a:p>
+                  </a:txBody>
+                  <a:tcPr/>
+                </a:tc>
+                <a:tc>
+                  <a:txBody>
+                    <a:bodyPr/>
+                    <a:lstStyle/>
+                    <a:p>
+                      <a:r>
+                        <a:rPr lang="en-US" altLang="zh-CN" sz="1400" dirty="0" smtClean="0"/>
+                        <a:t>1.8</a:t>
+                      </a:r>
+                      <a:endParaRPr lang="zh-CN" altLang="en-US" sz="1400" dirty="0"/>
+                    </a:p>
+                  </a:txBody>
+                  <a:tcPr/>
+                </a:tc>
+              </a:tr>
+            </a:tbl>
+          </a:graphicData>
+        </a:graphic>
+      </p:graphicFrame>
     </p:spTree>
     <p:extLst>
       <p:ext uri="{BB962C8B-B14F-4D97-AF65-F5344CB8AC3E}">
-        <p14:creationId xmlns:p14="http://schemas.microsoft.com/office/powerpoint/2010/main" val="1656541555"/>
+        <p14:creationId xmlns:p14="http://schemas.microsoft.com/office/powerpoint/2010/main" val="223271661"/>
       </p:ext>
     </p:extLst>
   </p:cSld>
   <p:clrMapOvr>
     <a:masterClrMapping/>
   </p:clrMapOvr>
+  <p:timing>
+    <p:tnLst>
+      <p:par>
+        <p:cTn id="1" dur="indefinite" restart="never" nodeType="tmRoot"/>
+      </p:par>
+    </p:tnLst>
+  </p:timing>
 </p:sld>
 </file>
 
 <file path=ppt/slides/slide7.xml><?xml version="1.0" encoding="utf-8"?>
 <p:sld xmlns:a="http://schemas.openxmlformats.org/drawingml/2006/main" xmlns:r="http://schemas.openxmlformats.org/officeDocument/2006/relationships" xmlns:p="http://schemas.openxmlformats.org/presentationml/2006/main">
   <p:cSld>
-    <p:bg>
-      <p:bgPr>
-        <a:gradFill rotWithShape="1">
-          <a:gsLst>
-            <a:gs pos="0">
-              <a:schemeClr val="bg2">
-                <a:tint val="90000"/>
-                <a:satMod val="92000"/>
-                <a:lumMod val="120000"/>
-              </a:schemeClr>
-            </a:gs>
-            <a:gs pos="100000">
-              <a:schemeClr val="bg2">
-                <a:shade val="98000"/>
-                <a:satMod val="120000"/>
-                <a:lumMod val="98000"/>
-              </a:schemeClr>
-            </a:gs>
-          </a:gsLst>
-          <a:path path="circle">
-            <a:fillToRect l="50000" t="50000" r="100000" b="100000"/>
-          </a:path>
-        </a:gradFill>
-        <a:effectLst/>
-      </p:bgPr>
-    </p:bg>
     <p:spTree>
       <p:nvGrpSpPr>
         <p:cNvPr id="1" name=""/>
@@ -15330,30 +21294,30 @@
         <p:spPr/>
         <p:txBody>
           <a:bodyPr>
-            <a:normAutofit/>
+            <a:noAutofit/>
           </a:bodyPr>
           <a:lstStyle/>
           <a:p>
             <a:r>
-              <a:rPr lang="zh-CN" altLang="en-US" sz="3200" dirty="0"/>
-              <a:t>蚁群算法基因的</a:t>
-            </a:r>
-            <a:r>
-              <a:rPr lang="zh-CN" altLang="en-US" sz="3200" dirty="0" smtClean="0"/>
-              <a:t>编码与解码</a:t>
-            </a:r>
-            <a:endParaRPr lang="zh-CN" altLang="en-US" sz="3200" dirty="0"/>
+              <a:rPr lang="zh-CN" altLang="en-US" sz="2800" dirty="0"/>
+              <a:t>交叉</a:t>
+            </a:r>
+            <a:r>
+              <a:rPr lang="zh-CN" altLang="en-US" sz="2800" dirty="0" smtClean="0"/>
+              <a:t>算子</a:t>
+            </a:r>
+            <a:endParaRPr lang="zh-CN" altLang="en-US" sz="2800" dirty="0"/>
           </a:p>
         </p:txBody>
       </p:sp>
       <p:sp>
         <p:nvSpPr>
-          <p:cNvPr id="3" name="内容占位符 2"/>
+          <p:cNvPr id="4" name="文本占位符 3"/>
           <p:cNvSpPr>
             <a:spLocks noGrp="1"/>
           </p:cNvSpPr>
           <p:nvPr>
-            <p:ph idx="1"/>
+            <p:ph type="body" sz="half" idx="2"/>
           </p:nvPr>
         </p:nvSpPr>
         <p:spPr/>
@@ -15361,494 +21325,97 @@
           <a:bodyPr/>
           <a:lstStyle/>
           <a:p>
-            <a:pPr marL="0" indent="0">
-              <a:buNone/>
-            </a:pPr>
-            <a:r>
-              <a:rPr lang="en-US" altLang="zh-CN" dirty="0"/>
+            <a:r>
+              <a:rPr lang="en-US" altLang="zh-CN" dirty="0" smtClean="0"/>
               <a:t>	</a:t>
             </a:r>
             <a:r>
               <a:rPr lang="zh-CN" altLang="zh-CN" dirty="0" smtClean="0"/>
-              <a:t>遗传</a:t>
+              <a:t>对于</a:t>
             </a:r>
             <a:r>
               <a:rPr lang="zh-CN" altLang="zh-CN" dirty="0"/>
-              <a:t>算法的部搜索能力不强，导致这个问题的主要原因是新一代的种群是有上一代种群经过交叉、变异后得到的。即便上一代种群个体已经接近了最优解，经过变异算子作用后，参数值可能会产生较大的变化，导致种群无法继续向最优解方向收敛。</a:t>
-            </a:r>
+              <a:t>被选择出的个体，进行两两随机配对。将配对后的个体之间进行基因交叉互换，用交叉后的基因构造新的个体，将得到的新个体取代旧个体，这个过程称为交叉运算</a:t>
+            </a:r>
+            <a:r>
+              <a:rPr lang="zh-CN" altLang="zh-CN" dirty="0" smtClean="0"/>
+              <a:t>。</a:t>
+            </a:r>
+            <a:endParaRPr lang="en-US" altLang="zh-CN" dirty="0" smtClean="0"/>
           </a:p>
           <a:p>
-            <a:pPr marL="0" indent="0">
-              <a:buNone/>
-            </a:pPr>
-            <a:r>
-              <a:rPr lang="en-US" altLang="zh-CN" dirty="0"/>
+            <a:r>
+              <a:rPr lang="en-US" altLang="zh-CN" dirty="0" smtClean="0"/>
               <a:t>	</a:t>
             </a:r>
             <a:r>
-              <a:rPr lang="zh-CN" altLang="zh-CN" dirty="0" smtClean="0"/>
-              <a:t>格</a:t>
-            </a:r>
-            <a:r>
-              <a:rPr lang="zh-CN" altLang="zh-CN" dirty="0"/>
-              <a:t>雷编码是广泛应用于通信、模拟</a:t>
-            </a:r>
-            <a:r>
-              <a:rPr lang="en-US" altLang="zh-CN" dirty="0"/>
-              <a:t>-</a:t>
-            </a:r>
-            <a:r>
-              <a:rPr lang="zh-CN" altLang="zh-CN" dirty="0"/>
-              <a:t>数字信号转换等领域的一种编码方式。格雷码具有这样一个特性：任意两个相邻整数对应的格雷码之间汉明距离</a:t>
-            </a:r>
-            <a:r>
-              <a:rPr lang="zh-CN" altLang="zh-CN" dirty="0" smtClean="0"/>
-              <a:t>为</a:t>
-            </a:r>
-            <a:r>
-              <a:rPr lang="en-US" altLang="zh-CN" dirty="0" smtClean="0"/>
-              <a:t>1</a:t>
-            </a:r>
-            <a:r>
-              <a:rPr lang="zh-CN" altLang="zh-CN" dirty="0" smtClean="0"/>
-              <a:t>。</a:t>
-            </a:r>
-            <a:r>
-              <a:rPr lang="zh-CN" altLang="zh-CN" dirty="0"/>
-              <a:t>正是由于这个特性的存在，使得格雷码十分适用于遗传算法。编码过后的基因经过突变后，其对应的原始数据只会产生细微的变化。这样可以大大提高遗传算法的局部搜索能力。</a:t>
-            </a:r>
-          </a:p>
-          <a:p>
-            <a:endParaRPr lang="zh-CN" altLang="en-US" dirty="0"/>
+              <a:rPr lang="zh-CN" altLang="en-US" dirty="0" smtClean="0"/>
+              <a:t>本文中采用的交叉策略为单点交叉，即随机选取一个基因位作为交叉点，进行如右图所示的交叉运算。</a:t>
+            </a:r>
+            <a:endParaRPr lang="zh-CN" altLang="zh-CN" dirty="0"/>
           </a:p>
         </p:txBody>
       </p:sp>
-      <p:sp>
-        <p:nvSpPr>
-          <p:cNvPr id="5" name="圆角矩形 4"/>
-          <p:cNvSpPr/>
-          <p:nvPr/>
-        </p:nvSpPr>
-        <p:spPr>
+      <p:pic>
+        <p:nvPicPr>
+          <p:cNvPr id="1026" name="Picture 2" descr="http://static.open-open.com/lib/uploadImg/20140113/20140113142726_942.jpg"/>
+          <p:cNvPicPr>
+            <a:picLocks noGrp="1" noChangeAspect="1" noChangeArrowheads="1"/>
+          </p:cNvPicPr>
+          <p:nvPr>
+            <p:ph idx="1"/>
+          </p:nvPr>
+        </p:nvPicPr>
+        <p:blipFill>
+          <a:blip r:embed="rId2">
+            <a:extLst>
+              <a:ext uri="{28A0092B-C50C-407E-A947-70E740481C1C}">
+                <a14:useLocalDpi xmlns:a14="http://schemas.microsoft.com/office/drawing/2010/main" val="0"/>
+              </a:ext>
+            </a:extLst>
+          </a:blip>
+          <a:srcRect/>
+          <a:stretch>
+            <a:fillRect/>
+          </a:stretch>
+        </p:blipFill>
+        <p:spPr bwMode="auto">
           <a:xfrm>
-            <a:off x="3002538" y="4786614"/>
-            <a:ext cx="1492469" cy="1036117"/>
+            <a:off x="6323013" y="1421434"/>
+            <a:ext cx="5181600" cy="3464269"/>
           </a:xfrm>
-          <a:prstGeom prst="roundRect">
+          <a:prstGeom prst="rect">
             <a:avLst/>
           </a:prstGeom>
-          <a:solidFill>
-            <a:srgbClr val="00B0F0"/>
-          </a:solidFill>
-          <a:ln>
-            <a:solidFill>
-              <a:schemeClr val="bg1"/>
-            </a:solidFill>
-          </a:ln>
+          <a:noFill/>
+          <a:extLst>
+            <a:ext uri="{909E8E84-426E-40DD-AFC4-6F175D3DCCD1}">
+              <a14:hiddenFill xmlns:a14="http://schemas.microsoft.com/office/drawing/2010/main">
+                <a:solidFill>
+                  <a:srgbClr val="FFFFFF"/>
+                </a:solidFill>
+              </a14:hiddenFill>
+            </a:ext>
+          </a:extLst>
         </p:spPr>
-        <p:style>
-          <a:lnRef idx="2">
-            <a:schemeClr val="accent1">
-              <a:shade val="50000"/>
-            </a:schemeClr>
-          </a:lnRef>
-          <a:fillRef idx="1">
-            <a:schemeClr val="accent1"/>
-          </a:fillRef>
-          <a:effectRef idx="0">
-            <a:schemeClr val="accent1"/>
-          </a:effectRef>
-          <a:fontRef idx="minor">
-            <a:schemeClr val="lt1"/>
-          </a:fontRef>
-        </p:style>
-        <p:txBody>
-          <a:bodyPr rtlCol="0" anchor="ctr"/>
-          <a:lstStyle/>
-          <a:p>
-            <a:pPr algn="ctr"/>
-            <a:r>
-              <a:rPr lang="zh-CN" altLang="en-US" dirty="0" smtClean="0">
-                <a:solidFill>
-                  <a:schemeClr val="bg1"/>
-                </a:solidFill>
-              </a:rPr>
-              <a:t>十进制参数</a:t>
-            </a:r>
-            <a:endParaRPr lang="zh-CN" altLang="en-US" dirty="0">
-              <a:solidFill>
-                <a:schemeClr val="bg1"/>
-              </a:solidFill>
-            </a:endParaRPr>
-          </a:p>
-        </p:txBody>
-      </p:sp>
-      <p:sp>
-        <p:nvSpPr>
-          <p:cNvPr id="6" name="圆角矩形 5"/>
-          <p:cNvSpPr/>
-          <p:nvPr/>
-        </p:nvSpPr>
-        <p:spPr>
-          <a:xfrm>
-            <a:off x="6237891" y="4786615"/>
-            <a:ext cx="1492469" cy="1036116"/>
-          </a:xfrm>
-          <a:prstGeom prst="roundRect">
-            <a:avLst/>
-          </a:prstGeom>
-          <a:solidFill>
-            <a:srgbClr val="FFC000"/>
-          </a:solidFill>
-          <a:ln>
-            <a:solidFill>
-              <a:schemeClr val="bg1"/>
-            </a:solidFill>
-          </a:ln>
-        </p:spPr>
-        <p:style>
-          <a:lnRef idx="2">
-            <a:schemeClr val="accent1">
-              <a:shade val="50000"/>
-            </a:schemeClr>
-          </a:lnRef>
-          <a:fillRef idx="1">
-            <a:schemeClr val="accent1"/>
-          </a:fillRef>
-          <a:effectRef idx="0">
-            <a:schemeClr val="accent1"/>
-          </a:effectRef>
-          <a:fontRef idx="minor">
-            <a:schemeClr val="lt1"/>
-          </a:fontRef>
-        </p:style>
-        <p:txBody>
-          <a:bodyPr rtlCol="0" anchor="ctr"/>
-          <a:lstStyle/>
-          <a:p>
-            <a:pPr algn="ctr"/>
-            <a:r>
-              <a:rPr lang="zh-CN" altLang="en-US" dirty="0" smtClean="0">
-                <a:solidFill>
-                  <a:schemeClr val="bg1"/>
-                </a:solidFill>
-              </a:rPr>
-              <a:t>二进制码</a:t>
-            </a:r>
-            <a:endParaRPr lang="zh-CN" altLang="en-US" dirty="0">
-              <a:solidFill>
-                <a:schemeClr val="bg1"/>
-              </a:solidFill>
-            </a:endParaRPr>
-          </a:p>
-        </p:txBody>
-      </p:sp>
-      <p:sp>
-        <p:nvSpPr>
-          <p:cNvPr id="7" name="圆角矩形 6"/>
-          <p:cNvSpPr/>
-          <p:nvPr/>
-        </p:nvSpPr>
-        <p:spPr>
-          <a:xfrm>
-            <a:off x="9473244" y="4786614"/>
-            <a:ext cx="1492469" cy="1036117"/>
-          </a:xfrm>
-          <a:prstGeom prst="roundRect">
-            <a:avLst/>
-          </a:prstGeom>
-          <a:solidFill>
-            <a:srgbClr val="92D050"/>
-          </a:solidFill>
-          <a:ln>
-            <a:solidFill>
-              <a:schemeClr val="bg1"/>
-            </a:solidFill>
-          </a:ln>
-        </p:spPr>
-        <p:style>
-          <a:lnRef idx="2">
-            <a:schemeClr val="accent1">
-              <a:shade val="50000"/>
-            </a:schemeClr>
-          </a:lnRef>
-          <a:fillRef idx="1">
-            <a:schemeClr val="accent1"/>
-          </a:fillRef>
-          <a:effectRef idx="0">
-            <a:schemeClr val="accent1"/>
-          </a:effectRef>
-          <a:fontRef idx="minor">
-            <a:schemeClr val="lt1"/>
-          </a:fontRef>
-        </p:style>
-        <p:txBody>
-          <a:bodyPr rtlCol="0" anchor="ctr"/>
-          <a:lstStyle/>
-          <a:p>
-            <a:pPr algn="ctr"/>
-            <a:r>
-              <a:rPr lang="zh-CN" altLang="en-US" dirty="0" smtClean="0">
-                <a:solidFill>
-                  <a:schemeClr val="bg1"/>
-                </a:solidFill>
-              </a:rPr>
-              <a:t>格雷码基因</a:t>
-            </a:r>
-            <a:endParaRPr lang="zh-CN" altLang="en-US" dirty="0">
-              <a:solidFill>
-                <a:schemeClr val="bg1"/>
-              </a:solidFill>
-            </a:endParaRPr>
-          </a:p>
-        </p:txBody>
-      </p:sp>
-      <p:sp>
-        <p:nvSpPr>
-          <p:cNvPr id="22" name="右箭头 21"/>
-          <p:cNvSpPr/>
-          <p:nvPr/>
-        </p:nvSpPr>
-        <p:spPr>
-          <a:xfrm>
-            <a:off x="4630725" y="5002923"/>
-            <a:ext cx="1471448" cy="210207"/>
-          </a:xfrm>
-          <a:prstGeom prst="rightArrow">
-            <a:avLst/>
-          </a:prstGeom>
-          <a:solidFill>
-            <a:srgbClr val="FFC000"/>
-          </a:solidFill>
-          <a:ln>
-            <a:solidFill>
-              <a:schemeClr val="bg1"/>
-            </a:solidFill>
-          </a:ln>
-        </p:spPr>
-        <p:style>
-          <a:lnRef idx="2">
-            <a:schemeClr val="accent1">
-              <a:shade val="50000"/>
-            </a:schemeClr>
-          </a:lnRef>
-          <a:fillRef idx="1">
-            <a:schemeClr val="accent1"/>
-          </a:fillRef>
-          <a:effectRef idx="0">
-            <a:schemeClr val="accent1"/>
-          </a:effectRef>
-          <a:fontRef idx="minor">
-            <a:schemeClr val="lt1"/>
-          </a:fontRef>
-        </p:style>
-        <p:txBody>
-          <a:bodyPr rtlCol="0" anchor="b" anchorCtr="1"/>
-          <a:lstStyle/>
-          <a:p>
-            <a:pPr algn="ctr"/>
-            <a:r>
-              <a:rPr lang="zh-CN" altLang="en-US" dirty="0" smtClean="0">
-                <a:solidFill>
-                  <a:schemeClr val="tx1"/>
-                </a:solidFill>
-              </a:rPr>
-              <a:t>二进制编码</a:t>
-            </a:r>
-            <a:endParaRPr lang="zh-CN" altLang="en-US" dirty="0">
-              <a:solidFill>
-                <a:schemeClr val="tx1"/>
-              </a:solidFill>
-            </a:endParaRPr>
-          </a:p>
-        </p:txBody>
-      </p:sp>
-      <p:sp>
-        <p:nvSpPr>
-          <p:cNvPr id="23" name="右箭头 22"/>
-          <p:cNvSpPr/>
-          <p:nvPr/>
-        </p:nvSpPr>
-        <p:spPr>
-          <a:xfrm>
-            <a:off x="7866078" y="5002923"/>
-            <a:ext cx="1471448" cy="210207"/>
-          </a:xfrm>
-          <a:prstGeom prst="rightArrow">
-            <a:avLst/>
-          </a:prstGeom>
-          <a:solidFill>
-            <a:srgbClr val="92D050"/>
-          </a:solidFill>
-          <a:ln>
-            <a:noFill/>
-          </a:ln>
-        </p:spPr>
-        <p:style>
-          <a:lnRef idx="2">
-            <a:schemeClr val="accent1">
-              <a:shade val="50000"/>
-            </a:schemeClr>
-          </a:lnRef>
-          <a:fillRef idx="1">
-            <a:schemeClr val="accent1"/>
-          </a:fillRef>
-          <a:effectRef idx="0">
-            <a:schemeClr val="accent1"/>
-          </a:effectRef>
-          <a:fontRef idx="minor">
-            <a:schemeClr val="lt1"/>
-          </a:fontRef>
-        </p:style>
-        <p:txBody>
-          <a:bodyPr rtlCol="0" anchor="b" anchorCtr="1"/>
-          <a:lstStyle/>
-          <a:p>
-            <a:pPr algn="ctr"/>
-            <a:r>
-              <a:rPr lang="zh-CN" altLang="en-US" dirty="0" smtClean="0">
-                <a:solidFill>
-                  <a:schemeClr val="tx1"/>
-                </a:solidFill>
-              </a:rPr>
-              <a:t>格雷编码</a:t>
-            </a:r>
-            <a:endParaRPr lang="zh-CN" altLang="en-US" dirty="0">
-              <a:solidFill>
-                <a:schemeClr val="tx1"/>
-              </a:solidFill>
-            </a:endParaRPr>
-          </a:p>
-        </p:txBody>
-      </p:sp>
-      <p:sp>
-        <p:nvSpPr>
-          <p:cNvPr id="24" name="左箭头 23"/>
-          <p:cNvSpPr/>
-          <p:nvPr/>
-        </p:nvSpPr>
-        <p:spPr>
-          <a:xfrm>
-            <a:off x="4630726" y="5378670"/>
-            <a:ext cx="1471448" cy="212834"/>
-          </a:xfrm>
-          <a:prstGeom prst="leftArrow">
-            <a:avLst/>
-          </a:prstGeom>
-          <a:solidFill>
-            <a:srgbClr val="00B0F0"/>
-          </a:solidFill>
-          <a:ln>
-            <a:solidFill>
-              <a:schemeClr val="bg1"/>
-            </a:solidFill>
-          </a:ln>
-        </p:spPr>
-        <p:style>
-          <a:lnRef idx="2">
-            <a:schemeClr val="accent1">
-              <a:shade val="50000"/>
-            </a:schemeClr>
-          </a:lnRef>
-          <a:fillRef idx="1">
-            <a:schemeClr val="accent1"/>
-          </a:fillRef>
-          <a:effectRef idx="0">
-            <a:schemeClr val="accent1"/>
-          </a:effectRef>
-          <a:fontRef idx="minor">
-            <a:schemeClr val="lt1"/>
-          </a:fontRef>
-        </p:style>
-        <p:txBody>
-          <a:bodyPr rtlCol="0" anchor="t" anchorCtr="1"/>
-          <a:lstStyle/>
-          <a:p>
-            <a:pPr algn="ctr"/>
-            <a:r>
-              <a:rPr lang="zh-CN" altLang="en-US" dirty="0" smtClean="0">
-                <a:solidFill>
-                  <a:schemeClr val="tx1"/>
-                </a:solidFill>
-              </a:rPr>
-              <a:t>二进制解码</a:t>
-            </a:r>
-            <a:endParaRPr lang="zh-CN" altLang="en-US" dirty="0">
-              <a:solidFill>
-                <a:schemeClr val="tx1"/>
-              </a:solidFill>
-            </a:endParaRPr>
-          </a:p>
-        </p:txBody>
-      </p:sp>
-      <p:sp>
-        <p:nvSpPr>
-          <p:cNvPr id="25" name="左箭头 24"/>
-          <p:cNvSpPr/>
-          <p:nvPr/>
-        </p:nvSpPr>
-        <p:spPr>
-          <a:xfrm>
-            <a:off x="7866077" y="5408464"/>
-            <a:ext cx="1471448" cy="212834"/>
-          </a:xfrm>
-          <a:prstGeom prst="leftArrow">
-            <a:avLst/>
-          </a:prstGeom>
-          <a:solidFill>
-            <a:srgbClr val="FFC000"/>
-          </a:solidFill>
-          <a:ln>
-            <a:noFill/>
-          </a:ln>
-        </p:spPr>
-        <p:style>
-          <a:lnRef idx="2">
-            <a:schemeClr val="accent1">
-              <a:shade val="50000"/>
-            </a:schemeClr>
-          </a:lnRef>
-          <a:fillRef idx="1">
-            <a:schemeClr val="accent1"/>
-          </a:fillRef>
-          <a:effectRef idx="0">
-            <a:schemeClr val="accent1"/>
-          </a:effectRef>
-          <a:fontRef idx="minor">
-            <a:schemeClr val="lt1"/>
-          </a:fontRef>
-        </p:style>
-        <p:txBody>
-          <a:bodyPr rtlCol="0" anchor="t" anchorCtr="1"/>
-          <a:lstStyle/>
-          <a:p>
-            <a:pPr algn="ctr"/>
-            <a:r>
-              <a:rPr lang="zh-CN" altLang="en-US" dirty="0" smtClean="0">
-                <a:solidFill>
-                  <a:schemeClr val="tx1"/>
-                </a:solidFill>
-              </a:rPr>
-              <a:t>格雷解码</a:t>
-            </a:r>
-            <a:endParaRPr lang="zh-CN" altLang="en-US" dirty="0">
-              <a:solidFill>
-                <a:schemeClr val="tx1"/>
-              </a:solidFill>
-            </a:endParaRPr>
-          </a:p>
-        </p:txBody>
-      </p:sp>
+      </p:pic>
     </p:spTree>
     <p:extLst>
       <p:ext uri="{BB962C8B-B14F-4D97-AF65-F5344CB8AC3E}">
-        <p14:creationId xmlns:p14="http://schemas.microsoft.com/office/powerpoint/2010/main" val="3464990597"/>
+        <p14:creationId xmlns:p14="http://schemas.microsoft.com/office/powerpoint/2010/main" val="2883140095"/>
       </p:ext>
     </p:extLst>
   </p:cSld>
   <p:clrMapOvr>
     <a:masterClrMapping/>
   </p:clrMapOvr>
+  <p:timing>
+    <p:tnLst>
+      <p:par>
+        <p:cTn id="1" dur="indefinite" restart="never" nodeType="tmRoot"/>
+      </p:par>
+    </p:tnLst>
+  </p:timing>
 </p:sld>
 </file>
 
@@ -15882,15 +21449,169 @@
         <p:spPr/>
         <p:txBody>
           <a:bodyPr>
+            <a:noAutofit/>
+          </a:bodyPr>
+          <a:lstStyle/>
+          <a:p>
+            <a:r>
+              <a:rPr lang="zh-CN" altLang="en-US" sz="2800" dirty="0"/>
+              <a:t>变异</a:t>
+            </a:r>
+            <a:r>
+              <a:rPr lang="zh-CN" altLang="en-US" sz="2800" dirty="0" smtClean="0"/>
+              <a:t>算子</a:t>
+            </a:r>
+            <a:endParaRPr lang="zh-CN" altLang="en-US" sz="2800" dirty="0"/>
+          </a:p>
+        </p:txBody>
+      </p:sp>
+      <p:sp>
+        <p:nvSpPr>
+          <p:cNvPr id="4" name="文本占位符 3"/>
+          <p:cNvSpPr>
+            <a:spLocks noGrp="1"/>
+          </p:cNvSpPr>
+          <p:nvPr>
+            <p:ph type="body" sz="half" idx="2"/>
+          </p:nvPr>
+        </p:nvSpPr>
+        <p:spPr/>
+        <p:txBody>
+          <a:bodyPr/>
+          <a:lstStyle/>
+          <a:p>
+            <a:r>
+              <a:rPr lang="en-US" altLang="zh-CN" dirty="0" smtClean="0"/>
+              <a:t>	</a:t>
+            </a:r>
+            <a:r>
+              <a:rPr lang="zh-CN" altLang="zh-CN" dirty="0" smtClean="0"/>
+              <a:t>为了</a:t>
+            </a:r>
+            <a:r>
+              <a:rPr lang="zh-CN" altLang="zh-CN" dirty="0"/>
+              <a:t>防止算法陷于局部最优解中，经过交叉算子作用后的种群中每个个体将以一定的概率产生基因突变，突变后得到的个体构成的种群将作为新一代的种群</a:t>
+            </a:r>
+            <a:r>
+              <a:rPr lang="zh-CN" altLang="zh-CN" dirty="0" smtClean="0"/>
+              <a:t>。</a:t>
+            </a:r>
+            <a:endParaRPr lang="en-US" altLang="zh-CN" dirty="0" smtClean="0"/>
+          </a:p>
+          <a:p>
+            <a:r>
+              <a:rPr lang="en-US" altLang="zh-CN" dirty="0"/>
+              <a:t>	</a:t>
+            </a:r>
+            <a:r>
+              <a:rPr lang="zh-CN" altLang="en-US" dirty="0" smtClean="0"/>
+              <a:t>本文采用的变异策略为：对于待变异个体的每一个基因位，以某一给定的概率发生变异。</a:t>
+            </a:r>
+            <a:endParaRPr lang="zh-CN" altLang="zh-CN" dirty="0"/>
+          </a:p>
+        </p:txBody>
+      </p:sp>
+      <p:pic>
+        <p:nvPicPr>
+          <p:cNvPr id="2052" name="Picture 4" descr="遗传算法"/>
+          <p:cNvPicPr>
+            <a:picLocks noGrp="1" noChangeAspect="1" noChangeArrowheads="1"/>
+          </p:cNvPicPr>
+          <p:nvPr>
+            <p:ph idx="1"/>
+          </p:nvPr>
+        </p:nvPicPr>
+        <p:blipFill>
+          <a:blip r:embed="rId2">
+            <a:extLst>
+              <a:ext uri="{28A0092B-C50C-407E-A947-70E740481C1C}">
+                <a14:useLocalDpi xmlns:a14="http://schemas.microsoft.com/office/drawing/2010/main" val="0"/>
+              </a:ext>
+            </a:extLst>
+          </a:blip>
+          <a:srcRect/>
+          <a:stretch>
+            <a:fillRect/>
+          </a:stretch>
+        </p:blipFill>
+        <p:spPr bwMode="auto">
+          <a:xfrm>
+            <a:off x="6323013" y="1902381"/>
+            <a:ext cx="5181600" cy="2502376"/>
+          </a:xfrm>
+          <a:prstGeom prst="rect">
+            <a:avLst/>
+          </a:prstGeom>
+          <a:noFill/>
+          <a:extLst>
+            <a:ext uri="{909E8E84-426E-40DD-AFC4-6F175D3DCCD1}">
+              <a14:hiddenFill xmlns:a14="http://schemas.microsoft.com/office/drawing/2010/main">
+                <a:solidFill>
+                  <a:srgbClr val="FFFFFF"/>
+                </a:solidFill>
+              </a14:hiddenFill>
+            </a:ext>
+          </a:extLst>
+        </p:spPr>
+      </p:pic>
+    </p:spTree>
+    <p:extLst>
+      <p:ext uri="{BB962C8B-B14F-4D97-AF65-F5344CB8AC3E}">
+        <p14:creationId xmlns:p14="http://schemas.microsoft.com/office/powerpoint/2010/main" val="3159325525"/>
+      </p:ext>
+    </p:extLst>
+  </p:cSld>
+  <p:clrMapOvr>
+    <a:masterClrMapping/>
+  </p:clrMapOvr>
+  <p:timing>
+    <p:tnLst>
+      <p:par>
+        <p:cTn id="1" dur="indefinite" restart="never" nodeType="tmRoot"/>
+      </p:par>
+    </p:tnLst>
+  </p:timing>
+</p:sld>
+</file>
+
+<file path=ppt/slides/slide9.xml><?xml version="1.0" encoding="utf-8"?>
+<p:sld xmlns:a="http://schemas.openxmlformats.org/drawingml/2006/main" xmlns:r="http://schemas.openxmlformats.org/officeDocument/2006/relationships" xmlns:p="http://schemas.openxmlformats.org/presentationml/2006/main">
+  <p:cSld>
+    <p:spTree>
+      <p:nvGrpSpPr>
+        <p:cNvPr id="1" name=""/>
+        <p:cNvGrpSpPr/>
+        <p:nvPr/>
+      </p:nvGrpSpPr>
+      <p:grpSpPr>
+        <a:xfrm>
+          <a:off x="0" y="0"/>
+          <a:ext cx="0" cy="0"/>
+          <a:chOff x="0" y="0"/>
+          <a:chExt cx="0" cy="0"/>
+        </a:xfrm>
+      </p:grpSpPr>
+      <p:sp>
+        <p:nvSpPr>
+          <p:cNvPr id="2" name="标题 1"/>
+          <p:cNvSpPr>
+            <a:spLocks noGrp="1"/>
+          </p:cNvSpPr>
+          <p:nvPr>
+            <p:ph type="title"/>
+          </p:nvPr>
+        </p:nvSpPr>
+        <p:spPr/>
+        <p:txBody>
+          <a:bodyPr>
             <a:normAutofit/>
           </a:bodyPr>
           <a:lstStyle/>
           <a:p>
             <a:r>
-              <a:rPr lang="zh-CN" altLang="en-US" sz="3200" dirty="0" smtClean="0"/>
-              <a:t>蚁群算法基因的编码与解码</a:t>
-            </a:r>
-            <a:endParaRPr lang="zh-CN" altLang="en-US" sz="3200" dirty="0"/>
+              <a:rPr lang="zh-CN" altLang="en-US" sz="3200" dirty="0"/>
+              <a:t>基于遗传算法的蚁群算法参数优化</a:t>
+            </a:r>
           </a:p>
         </p:txBody>
       </p:sp>
@@ -15901,7 +21622,7 @@
             <a:spLocks noGrp="1"/>
           </p:cNvSpPr>
           <p:nvPr>
-            <p:ph sz="half" idx="1"/>
+            <p:ph idx="1"/>
           </p:nvPr>
         </p:nvSpPr>
         <p:spPr/>
@@ -15911,41 +21632,73 @@
           <a:p>
             <a:r>
               <a:rPr lang="zh-CN" altLang="en-US" dirty="0" smtClean="0"/>
-              <a:t>编码</a:t>
+              <a:t>本文的工作是将</a:t>
+            </a:r>
+            <a:r>
+              <a:rPr lang="zh-CN" altLang="en-US" dirty="0" smtClean="0"/>
+              <a:t>蚁群算法作为遗传算法中的</a:t>
+            </a:r>
+            <a:r>
+              <a:rPr lang="zh-CN" altLang="en-US" dirty="0" smtClean="0"/>
+              <a:t>个体，对其参数空间进行编码作为个体的基因，并制定合适的适应度函数，通过遗传算法对蚁群算法进行</a:t>
+            </a:r>
+            <a:r>
+              <a:rPr lang="zh-CN" altLang="en-US" dirty="0" smtClean="0"/>
+              <a:t>参数</a:t>
+            </a:r>
+            <a:r>
+              <a:rPr lang="zh-CN" altLang="en-US" dirty="0" smtClean="0"/>
+              <a:t>优化</a:t>
+            </a:r>
+            <a:r>
+              <a:rPr lang="zh-CN" altLang="en-US" dirty="0" smtClean="0"/>
+              <a:t>。在将遗传算法应用于蚁群算法的参数优化的过程中，最核心的步骤为以下两点：</a:t>
             </a:r>
             <a:endParaRPr lang="en-US" altLang="zh-CN" dirty="0" smtClean="0"/>
           </a:p>
           <a:p>
-            <a:pPr marL="0" indent="0">
-              <a:buNone/>
-            </a:pPr>
-            <a:r>
-              <a:rPr lang="en-US" altLang="zh-CN" dirty="0"/>
-              <a:t>	</a:t>
+            <a:pPr lvl="1"/>
+            <a:r>
+              <a:rPr lang="en-US" altLang="zh-CN" dirty="0" smtClean="0"/>
+              <a:t>1. </a:t>
+            </a:r>
+            <a:r>
+              <a:rPr lang="zh-CN" altLang="en-US" dirty="0" smtClean="0"/>
+              <a:t>对</a:t>
+            </a:r>
+            <a:r>
+              <a:rPr lang="zh-CN" altLang="en-US" dirty="0" smtClean="0"/>
+              <a:t>蚁群算法给出合适的基因编码与解码算法。</a:t>
             </a:r>
             <a:endParaRPr lang="en-US" altLang="zh-CN" dirty="0" smtClean="0"/>
           </a:p>
-        </p:txBody>
-      </p:sp>
-      <p:sp>
-        <p:nvSpPr>
-          <p:cNvPr id="4" name="内容占位符 3"/>
-          <p:cNvSpPr>
-            <a:spLocks noGrp="1"/>
-          </p:cNvSpPr>
-          <p:nvPr>
-            <p:ph sz="half" idx="2"/>
-          </p:nvPr>
-        </p:nvSpPr>
-        <p:spPr/>
-        <p:txBody>
-          <a:bodyPr/>
-          <a:lstStyle/>
           <a:p>
+            <a:pPr lvl="1"/>
+            <a:r>
+              <a:rPr lang="en-US" altLang="zh-CN" dirty="0" smtClean="0"/>
+              <a:t>2. </a:t>
+            </a:r>
             <a:r>
               <a:rPr lang="zh-CN" altLang="en-US" dirty="0" smtClean="0"/>
-              <a:t>解码</a:t>
-            </a:r>
+              <a:t>给</a:t>
+            </a:r>
+            <a:r>
+              <a:rPr lang="zh-CN" altLang="en-US" dirty="0"/>
+              <a:t>出</a:t>
+            </a:r>
+            <a:r>
+              <a:rPr lang="zh-CN" altLang="en-US" dirty="0" smtClean="0"/>
+              <a:t>蚁群算法的适应度函数。</a:t>
+            </a:r>
+            <a:endParaRPr lang="en-US" altLang="zh-CN" dirty="0" smtClean="0"/>
+          </a:p>
+          <a:p>
+            <a:endParaRPr lang="en-US" altLang="zh-CN" dirty="0"/>
+          </a:p>
+          <a:p>
+            <a:endParaRPr lang="en-US" altLang="zh-CN" dirty="0" smtClean="0"/>
+          </a:p>
+          <a:p>
             <a:endParaRPr lang="zh-CN" altLang="en-US" dirty="0"/>
           </a:p>
         </p:txBody>
@@ -15953,13 +21706,20 @@
     </p:spTree>
     <p:extLst>
       <p:ext uri="{BB962C8B-B14F-4D97-AF65-F5344CB8AC3E}">
-        <p14:creationId xmlns:p14="http://schemas.microsoft.com/office/powerpoint/2010/main" val="2967856669"/>
+        <p14:creationId xmlns:p14="http://schemas.microsoft.com/office/powerpoint/2010/main" val="1656541555"/>
       </p:ext>
     </p:extLst>
   </p:cSld>
   <p:clrMapOvr>
     <a:masterClrMapping/>
   </p:clrMapOvr>
+  <p:timing>
+    <p:tnLst>
+      <p:par>
+        <p:cTn id="1" dur="indefinite" restart="never" nodeType="tmRoot"/>
+      </p:par>
+    </p:tnLst>
+  </p:timing>
 </p:sld>
 </file>
 

--- a/src/main/resources/draft/答辩演示文稿.pptx
+++ b/src/main/resources/draft/答辩演示文稿.pptx
@@ -4793,6 +4793,13 @@
         </dgm:presLayoutVars>
       </dgm:prSet>
       <dgm:spPr/>
+      <dgm:t>
+        <a:bodyPr/>
+        <a:lstStyle/>
+        <a:p>
+          <a:endParaRPr lang="zh-CN" altLang="en-US"/>
+        </a:p>
+      </dgm:t>
     </dgm:pt>
     <dgm:pt modelId="{3384CE38-A60F-4DDB-A010-916B668C5F18}" type="pres">
       <dgm:prSet presAssocID="{9A2DCDA3-1037-4FCB-B1E3-C394D2BA29C7}" presName="centerShape" presStyleLbl="node0" presStyleIdx="0" presStyleCnt="1"/>
@@ -4827,6 +4834,13 @@
     <dgm:pt modelId="{72C19AF4-6C04-40D0-AA94-D82134E11E2F}" type="pres">
       <dgm:prSet presAssocID="{8AA35403-EA61-4A97-A39F-678797195157}" presName="sibTrans" presStyleLbl="sibTrans2D1" presStyleIdx="0" presStyleCnt="3"/>
       <dgm:spPr/>
+      <dgm:t>
+        <a:bodyPr/>
+        <a:lstStyle/>
+        <a:p>
+          <a:endParaRPr lang="zh-CN" altLang="en-US"/>
+        </a:p>
+      </dgm:t>
     </dgm:pt>
     <dgm:pt modelId="{8125F134-6474-46D3-80C8-9DAED6BE15CC}" type="pres">
       <dgm:prSet presAssocID="{DFBC37F4-0E96-4E9D-88E5-24AC87DA084E}" presName="node" presStyleLbl="node1" presStyleIdx="1" presStyleCnt="3">
@@ -4850,6 +4864,13 @@
     <dgm:pt modelId="{C955E136-4211-4119-91EA-3A2250FFDBCD}" type="pres">
       <dgm:prSet presAssocID="{5CB26C4B-E11E-41F9-A23B-B0D2F051D5D9}" presName="sibTrans" presStyleLbl="sibTrans2D1" presStyleIdx="1" presStyleCnt="3"/>
       <dgm:spPr/>
+      <dgm:t>
+        <a:bodyPr/>
+        <a:lstStyle/>
+        <a:p>
+          <a:endParaRPr lang="zh-CN" altLang="en-US"/>
+        </a:p>
+      </dgm:t>
     </dgm:pt>
     <dgm:pt modelId="{4701A229-DA23-487C-932D-3B6C74D6DB7A}" type="pres">
       <dgm:prSet presAssocID="{94535676-E086-456C-A6CD-FC3B2413A062}" presName="node" presStyleLbl="node1" presStyleIdx="2" presStyleCnt="3">
@@ -4873,6 +4894,13 @@
     <dgm:pt modelId="{B2463452-81E5-4961-9836-730B781976A3}" type="pres">
       <dgm:prSet presAssocID="{1213CFBA-D39A-45A4-B4B2-16888EE4BAE5}" presName="sibTrans" presStyleLbl="sibTrans2D1" presStyleIdx="2" presStyleCnt="3"/>
       <dgm:spPr/>
+      <dgm:t>
+        <a:bodyPr/>
+        <a:lstStyle/>
+        <a:p>
+          <a:endParaRPr lang="zh-CN" altLang="en-US"/>
+        </a:p>
+      </dgm:t>
     </dgm:pt>
   </dgm:ptLst>
   <dgm:cxnLst>
@@ -11038,7 +11066,7 @@
             <a:fld id="{B61BEF0D-F0BB-DE4B-95CE-6DB70DBA9567}" type="datetimeFigureOut">
               <a:rPr lang="en-US" dirty="0"/>
               <a:pPr/>
-              <a:t>6/11/2015</a:t>
+              <a:t>6/12/2015</a:t>
             </a:fld>
             <a:endParaRPr lang="en-US" dirty="0"/>
           </a:p>
@@ -11373,7 +11401,7 @@
             <a:fld id="{B61BEF0D-F0BB-DE4B-95CE-6DB70DBA9567}" type="datetimeFigureOut">
               <a:rPr lang="en-US" dirty="0"/>
               <a:pPr/>
-              <a:t>6/11/2015</a:t>
+              <a:t>6/12/2015</a:t>
             </a:fld>
             <a:endParaRPr lang="en-US" dirty="0"/>
           </a:p>
@@ -11771,7 +11799,7 @@
             <a:fld id="{B61BEF0D-F0BB-DE4B-95CE-6DB70DBA9567}" type="datetimeFigureOut">
               <a:rPr lang="en-US" dirty="0"/>
               <a:pPr/>
-              <a:t>6/11/2015</a:t>
+              <a:t>6/12/2015</a:t>
             </a:fld>
             <a:endParaRPr lang="en-US" dirty="0"/>
           </a:p>
@@ -12104,7 +12132,7 @@
             <a:fld id="{B61BEF0D-F0BB-DE4B-95CE-6DB70DBA9567}" type="datetimeFigureOut">
               <a:rPr lang="en-US" dirty="0"/>
               <a:pPr/>
-              <a:t>6/11/2015</a:t>
+              <a:t>6/12/2015</a:t>
             </a:fld>
             <a:endParaRPr lang="en-US" dirty="0"/>
           </a:p>
@@ -12421,7 +12449,7 @@
             <a:fld id="{B61BEF0D-F0BB-DE4B-95CE-6DB70DBA9567}" type="datetimeFigureOut">
               <a:rPr lang="en-US" dirty="0"/>
               <a:pPr/>
-              <a:t>6/11/2015</a:t>
+              <a:t>6/12/2015</a:t>
             </a:fld>
             <a:endParaRPr lang="en-US" dirty="0"/>
           </a:p>
@@ -12814,7 +12842,7 @@
             <a:fld id="{B61BEF0D-F0BB-DE4B-95CE-6DB70DBA9567}" type="datetimeFigureOut">
               <a:rPr lang="en-US" dirty="0"/>
               <a:pPr/>
-              <a:t>6/11/2015</a:t>
+              <a:t>6/12/2015</a:t>
             </a:fld>
             <a:endParaRPr lang="en-US" dirty="0"/>
           </a:p>
@@ -13068,7 +13096,7 @@
             <a:fld id="{B61BEF0D-F0BB-DE4B-95CE-6DB70DBA9567}" type="datetimeFigureOut">
               <a:rPr lang="en-US" dirty="0"/>
               <a:pPr/>
-              <a:t>6/11/2015</a:t>
+              <a:t>6/12/2015</a:t>
             </a:fld>
             <a:endParaRPr lang="en-US" dirty="0"/>
           </a:p>
@@ -13327,7 +13355,7 @@
             <a:fld id="{B61BEF0D-F0BB-DE4B-95CE-6DB70DBA9567}" type="datetimeFigureOut">
               <a:rPr lang="en-US" dirty="0"/>
               <a:pPr/>
-              <a:t>6/11/2015</a:t>
+              <a:t>6/12/2015</a:t>
             </a:fld>
             <a:endParaRPr lang="en-US" dirty="0"/>
           </a:p>
@@ -13586,7 +13614,7 @@
             <a:fld id="{B61BEF0D-F0BB-DE4B-95CE-6DB70DBA9567}" type="datetimeFigureOut">
               <a:rPr lang="en-US" dirty="0"/>
               <a:pPr/>
-              <a:t>6/11/2015</a:t>
+              <a:t>6/12/2015</a:t>
             </a:fld>
             <a:endParaRPr lang="en-US" dirty="0"/>
           </a:p>
@@ -13912,7 +13940,7 @@
             <a:fld id="{B61BEF0D-F0BB-DE4B-95CE-6DB70DBA9567}" type="datetimeFigureOut">
               <a:rPr lang="en-US" dirty="0"/>
               <a:pPr/>
-              <a:t>6/11/2015</a:t>
+              <a:t>6/12/2015</a:t>
             </a:fld>
             <a:endParaRPr lang="en-US" dirty="0"/>
           </a:p>
@@ -14232,7 +14260,7 @@
             <a:fld id="{B61BEF0D-F0BB-DE4B-95CE-6DB70DBA9567}" type="datetimeFigureOut">
               <a:rPr lang="en-US" dirty="0"/>
               <a:pPr/>
-              <a:t>6/11/2015</a:t>
+              <a:t>6/12/2015</a:t>
             </a:fld>
             <a:endParaRPr lang="en-US" dirty="0"/>
           </a:p>
@@ -14686,7 +14714,7 @@
             <a:fld id="{B61BEF0D-F0BB-DE4B-95CE-6DB70DBA9567}" type="datetimeFigureOut">
               <a:rPr lang="en-US" dirty="0"/>
               <a:pPr/>
-              <a:t>6/11/2015</a:t>
+              <a:t>6/12/2015</a:t>
             </a:fld>
             <a:endParaRPr lang="en-US" dirty="0"/>
           </a:p>
@@ -14888,7 +14916,7 @@
             <a:fld id="{B61BEF0D-F0BB-DE4B-95CE-6DB70DBA9567}" type="datetimeFigureOut">
               <a:rPr lang="en-US" dirty="0"/>
               <a:pPr/>
-              <a:t>6/11/2015</a:t>
+              <a:t>6/12/2015</a:t>
             </a:fld>
             <a:endParaRPr lang="en-US" dirty="0"/>
           </a:p>
@@ -15062,7 +15090,7 @@
             <a:fld id="{B61BEF0D-F0BB-DE4B-95CE-6DB70DBA9567}" type="datetimeFigureOut">
               <a:rPr lang="en-US" dirty="0"/>
               <a:pPr/>
-              <a:t>6/11/2015</a:t>
+              <a:t>6/12/2015</a:t>
             </a:fld>
             <a:endParaRPr lang="en-US" dirty="0"/>
           </a:p>
@@ -15392,7 +15420,7 @@
             <a:fld id="{B61BEF0D-F0BB-DE4B-95CE-6DB70DBA9567}" type="datetimeFigureOut">
               <a:rPr lang="en-US" dirty="0"/>
               <a:pPr/>
-              <a:t>6/11/2015</a:t>
+              <a:t>6/12/2015</a:t>
             </a:fld>
             <a:endParaRPr lang="en-US" dirty="0"/>
           </a:p>
@@ -15734,7 +15762,7 @@
             <a:fld id="{B61BEF0D-F0BB-DE4B-95CE-6DB70DBA9567}" type="datetimeFigureOut">
               <a:rPr lang="en-US" dirty="0"/>
               <a:pPr/>
-              <a:t>6/11/2015</a:t>
+              <a:t>6/12/2015</a:t>
             </a:fld>
             <a:endParaRPr lang="en-US" dirty="0"/>
           </a:p>
@@ -17848,7 +17876,7 @@
             <a:fld id="{B61BEF0D-F0BB-DE4B-95CE-6DB70DBA9567}" type="datetimeFigureOut">
               <a:rPr lang="en-US" dirty="0"/>
               <a:pPr/>
-              <a:t>6/11/2015</a:t>
+              <a:t>6/12/2015</a:t>
             </a:fld>
             <a:endParaRPr lang="en-US" dirty="0"/>
           </a:p>
@@ -18398,7 +18426,12 @@
             <p:ph type="ctrTitle"/>
           </p:nvPr>
         </p:nvSpPr>
-        <p:spPr/>
+        <p:spPr>
+          <a:xfrm>
+            <a:off x="2589213" y="2502877"/>
+            <a:ext cx="8915399" cy="2262781"/>
+          </a:xfrm>
+        </p:spPr>
         <p:txBody>
           <a:bodyPr/>
           <a:lstStyle/>
@@ -18421,7 +18454,12 @@
             <p:ph type="subTitle" idx="1"/>
           </p:nvPr>
         </p:nvSpPr>
-        <p:spPr/>
+        <p:spPr>
+          <a:xfrm>
+            <a:off x="2589213" y="4765656"/>
+            <a:ext cx="8915399" cy="1126283"/>
+          </a:xfrm>
+        </p:spPr>
         <p:txBody>
           <a:bodyPr>
             <a:normAutofit/>
@@ -18435,11 +18473,7 @@
             </a:r>
             <a:r>
               <a:rPr lang="zh-CN" altLang="en-US" sz="3200" dirty="0" smtClean="0"/>
-              <a:t>基于遗传算法的计算</a:t>
-            </a:r>
-            <a:r>
-              <a:rPr lang="zh-CN" altLang="en-US" sz="3200" dirty="0" smtClean="0"/>
-              <a:t>与分析</a:t>
+              <a:t>基于遗传算法的计算与分析</a:t>
             </a:r>
             <a:endParaRPr lang="en-US" altLang="zh-CN" sz="3200" dirty="0" smtClean="0"/>
           </a:p>
@@ -18453,8 +18487,8 @@
         </p:nvSpPr>
         <p:spPr>
           <a:xfrm>
-            <a:off x="9704119" y="5903662"/>
-            <a:ext cx="1800493" cy="369332"/>
+            <a:off x="9421991" y="5887170"/>
+            <a:ext cx="2082621" cy="923330"/>
           </a:xfrm>
           <a:prstGeom prst="rect">
             <a:avLst/>
@@ -18468,12 +18502,41 @@
           <a:lstStyle/>
           <a:p>
             <a:r>
+              <a:rPr lang="zh-CN" altLang="en-US" dirty="0" smtClean="0"/>
+              <a:t>班级：信计</a:t>
+            </a:r>
+            <a:r>
+              <a:rPr lang="en-US" altLang="zh-CN" dirty="0" smtClean="0"/>
+              <a:t>1112</a:t>
+            </a:r>
+          </a:p>
+          <a:p>
+            <a:r>
+              <a:rPr lang="zh-CN" altLang="en-US" dirty="0" smtClean="0"/>
+              <a:t>学生</a:t>
+            </a:r>
+            <a:r>
+              <a:rPr lang="zh-CN" altLang="en-US" dirty="0" smtClean="0"/>
+              <a:t>：</a:t>
+            </a:r>
+            <a:r>
               <a:rPr lang="zh-CN" altLang="en-US" dirty="0"/>
-              <a:t>报告人：邓屿</a:t>
+              <a:t>邓屿</a:t>
             </a:r>
             <a:r>
               <a:rPr lang="zh-CN" altLang="en-US" dirty="0" smtClean="0"/>
               <a:t>松</a:t>
+            </a:r>
+            <a:endParaRPr lang="en-US" altLang="zh-CN" dirty="0" smtClean="0"/>
+          </a:p>
+          <a:p>
+            <a:r>
+              <a:rPr lang="zh-CN" altLang="en-US" dirty="0"/>
+              <a:t>指导</a:t>
+            </a:r>
+            <a:r>
+              <a:rPr lang="zh-CN" altLang="en-US" dirty="0" smtClean="0"/>
+              <a:t>教师：杜大刚</a:t>
             </a:r>
             <a:endParaRPr lang="zh-CN" altLang="en-US" dirty="0"/>
           </a:p>
@@ -18489,6 +18552,14 @@
   <p:clrMapOvr>
     <a:masterClrMapping/>
   </p:clrMapOvr>
+  <mc:AlternateContent xmlns:mc="http://schemas.openxmlformats.org/markup-compatibility/2006">
+    <mc:Choice xmlns:p14="http://schemas.microsoft.com/office/powerpoint/2010/main" Requires="p14">
+      <p:transition p14:dur="0"/>
+    </mc:Choice>
+    <mc:Fallback>
+      <p:transition/>
+    </mc:Fallback>
+  </mc:AlternateContent>
   <p:timing>
     <p:tnLst>
       <p:par>
@@ -19074,12 +19145,516 @@
   <p:clrMapOvr>
     <a:masterClrMapping/>
   </p:clrMapOvr>
+  <p:transition spd="slow">
+    <p:wipe/>
+  </p:transition>
   <p:timing>
     <p:tnLst>
       <p:par>
-        <p:cTn id="1" dur="indefinite" restart="never" nodeType="tmRoot"/>
+        <p:cTn id="1" dur="indefinite" restart="never" nodeType="tmRoot">
+          <p:childTnLst>
+            <p:seq concurrent="1" nextAc="seek">
+              <p:cTn id="2" dur="indefinite" nodeType="mainSeq">
+                <p:childTnLst>
+                  <p:par>
+                    <p:cTn id="3" fill="hold">
+                      <p:stCondLst>
+                        <p:cond delay="indefinite"/>
+                      </p:stCondLst>
+                      <p:childTnLst>
+                        <p:par>
+                          <p:cTn id="4" fill="hold">
+                            <p:stCondLst>
+                              <p:cond delay="0"/>
+                            </p:stCondLst>
+                            <p:childTnLst>
+                              <p:par>
+                                <p:cTn id="5" presetID="2" presetClass="entr" presetSubtype="4" fill="hold" nodeType="clickEffect">
+                                  <p:stCondLst>
+                                    <p:cond delay="0"/>
+                                  </p:stCondLst>
+                                  <p:childTnLst>
+                                    <p:set>
+                                      <p:cBhvr>
+                                        <p:cTn id="6" dur="1" fill="hold">
+                                          <p:stCondLst>
+                                            <p:cond delay="0"/>
+                                          </p:stCondLst>
+                                        </p:cTn>
+                                        <p:tgtEl>
+                                          <p:spTgt spid="3">
+                                            <p:txEl>
+                                              <p:pRg st="0" end="0"/>
+                                            </p:txEl>
+                                          </p:spTgt>
+                                        </p:tgtEl>
+                                        <p:attrNameLst>
+                                          <p:attrName>style.visibility</p:attrName>
+                                        </p:attrNameLst>
+                                      </p:cBhvr>
+                                      <p:to>
+                                        <p:strVal val="visible"/>
+                                      </p:to>
+                                    </p:set>
+                                    <p:anim calcmode="lin" valueType="num">
+                                      <p:cBhvr additive="base">
+                                        <p:cTn id="7" dur="500" fill="hold"/>
+                                        <p:tgtEl>
+                                          <p:spTgt spid="3">
+                                            <p:txEl>
+                                              <p:pRg st="0" end="0"/>
+                                            </p:txEl>
+                                          </p:spTgt>
+                                        </p:tgtEl>
+                                        <p:attrNameLst>
+                                          <p:attrName>ppt_x</p:attrName>
+                                        </p:attrNameLst>
+                                      </p:cBhvr>
+                                      <p:tavLst>
+                                        <p:tav tm="0">
+                                          <p:val>
+                                            <p:strVal val="#ppt_x"/>
+                                          </p:val>
+                                        </p:tav>
+                                        <p:tav tm="100000">
+                                          <p:val>
+                                            <p:strVal val="#ppt_x"/>
+                                          </p:val>
+                                        </p:tav>
+                                      </p:tavLst>
+                                    </p:anim>
+                                    <p:anim calcmode="lin" valueType="num">
+                                      <p:cBhvr additive="base">
+                                        <p:cTn id="8" dur="500" fill="hold"/>
+                                        <p:tgtEl>
+                                          <p:spTgt spid="3">
+                                            <p:txEl>
+                                              <p:pRg st="0" end="0"/>
+                                            </p:txEl>
+                                          </p:spTgt>
+                                        </p:tgtEl>
+                                        <p:attrNameLst>
+                                          <p:attrName>ppt_y</p:attrName>
+                                        </p:attrNameLst>
+                                      </p:cBhvr>
+                                      <p:tavLst>
+                                        <p:tav tm="0">
+                                          <p:val>
+                                            <p:strVal val="1+#ppt_h/2"/>
+                                          </p:val>
+                                        </p:tav>
+                                        <p:tav tm="100000">
+                                          <p:val>
+                                            <p:strVal val="#ppt_y"/>
+                                          </p:val>
+                                        </p:tav>
+                                      </p:tavLst>
+                                    </p:anim>
+                                  </p:childTnLst>
+                                </p:cTn>
+                              </p:par>
+                            </p:childTnLst>
+                          </p:cTn>
+                        </p:par>
+                      </p:childTnLst>
+                    </p:cTn>
+                  </p:par>
+                  <p:par>
+                    <p:cTn id="9" fill="hold">
+                      <p:stCondLst>
+                        <p:cond delay="indefinite"/>
+                      </p:stCondLst>
+                      <p:childTnLst>
+                        <p:par>
+                          <p:cTn id="10" fill="hold">
+                            <p:stCondLst>
+                              <p:cond delay="0"/>
+                            </p:stCondLst>
+                            <p:childTnLst>
+                              <p:par>
+                                <p:cTn id="11" presetID="2" presetClass="entr" presetSubtype="4" fill="hold" nodeType="clickEffect">
+                                  <p:stCondLst>
+                                    <p:cond delay="0"/>
+                                  </p:stCondLst>
+                                  <p:childTnLst>
+                                    <p:set>
+                                      <p:cBhvr>
+                                        <p:cTn id="12" dur="1" fill="hold">
+                                          <p:stCondLst>
+                                            <p:cond delay="0"/>
+                                          </p:stCondLst>
+                                        </p:cTn>
+                                        <p:tgtEl>
+                                          <p:spTgt spid="3">
+                                            <p:txEl>
+                                              <p:pRg st="1" end="1"/>
+                                            </p:txEl>
+                                          </p:spTgt>
+                                        </p:tgtEl>
+                                        <p:attrNameLst>
+                                          <p:attrName>style.visibility</p:attrName>
+                                        </p:attrNameLst>
+                                      </p:cBhvr>
+                                      <p:to>
+                                        <p:strVal val="visible"/>
+                                      </p:to>
+                                    </p:set>
+                                    <p:anim calcmode="lin" valueType="num">
+                                      <p:cBhvr additive="base">
+                                        <p:cTn id="13" dur="500" fill="hold"/>
+                                        <p:tgtEl>
+                                          <p:spTgt spid="3">
+                                            <p:txEl>
+                                              <p:pRg st="1" end="1"/>
+                                            </p:txEl>
+                                          </p:spTgt>
+                                        </p:tgtEl>
+                                        <p:attrNameLst>
+                                          <p:attrName>ppt_x</p:attrName>
+                                        </p:attrNameLst>
+                                      </p:cBhvr>
+                                      <p:tavLst>
+                                        <p:tav tm="0">
+                                          <p:val>
+                                            <p:strVal val="#ppt_x"/>
+                                          </p:val>
+                                        </p:tav>
+                                        <p:tav tm="100000">
+                                          <p:val>
+                                            <p:strVal val="#ppt_x"/>
+                                          </p:val>
+                                        </p:tav>
+                                      </p:tavLst>
+                                    </p:anim>
+                                    <p:anim calcmode="lin" valueType="num">
+                                      <p:cBhvr additive="base">
+                                        <p:cTn id="14" dur="500" fill="hold"/>
+                                        <p:tgtEl>
+                                          <p:spTgt spid="3">
+                                            <p:txEl>
+                                              <p:pRg st="1" end="1"/>
+                                            </p:txEl>
+                                          </p:spTgt>
+                                        </p:tgtEl>
+                                        <p:attrNameLst>
+                                          <p:attrName>ppt_y</p:attrName>
+                                        </p:attrNameLst>
+                                      </p:cBhvr>
+                                      <p:tavLst>
+                                        <p:tav tm="0">
+                                          <p:val>
+                                            <p:strVal val="1+#ppt_h/2"/>
+                                          </p:val>
+                                        </p:tav>
+                                        <p:tav tm="100000">
+                                          <p:val>
+                                            <p:strVal val="#ppt_y"/>
+                                          </p:val>
+                                        </p:tav>
+                                      </p:tavLst>
+                                    </p:anim>
+                                  </p:childTnLst>
+                                </p:cTn>
+                              </p:par>
+                            </p:childTnLst>
+                          </p:cTn>
+                        </p:par>
+                      </p:childTnLst>
+                    </p:cTn>
+                  </p:par>
+                  <p:par>
+                    <p:cTn id="15" fill="hold">
+                      <p:stCondLst>
+                        <p:cond delay="indefinite"/>
+                      </p:stCondLst>
+                      <p:childTnLst>
+                        <p:par>
+                          <p:cTn id="16" fill="hold">
+                            <p:stCondLst>
+                              <p:cond delay="0"/>
+                            </p:stCondLst>
+                            <p:childTnLst>
+                              <p:par>
+                                <p:cTn id="17" presetID="16" presetClass="entr" presetSubtype="21" fill="hold" grpId="0" nodeType="clickEffect">
+                                  <p:stCondLst>
+                                    <p:cond delay="0"/>
+                                  </p:stCondLst>
+                                  <p:childTnLst>
+                                    <p:set>
+                                      <p:cBhvr>
+                                        <p:cTn id="18" dur="1" fill="hold">
+                                          <p:stCondLst>
+                                            <p:cond delay="0"/>
+                                          </p:stCondLst>
+                                        </p:cTn>
+                                        <p:tgtEl>
+                                          <p:spTgt spid="5"/>
+                                        </p:tgtEl>
+                                        <p:attrNameLst>
+                                          <p:attrName>style.visibility</p:attrName>
+                                        </p:attrNameLst>
+                                      </p:cBhvr>
+                                      <p:to>
+                                        <p:strVal val="visible"/>
+                                      </p:to>
+                                    </p:set>
+                                    <p:animEffect transition="in" filter="barn(inVertical)">
+                                      <p:cBhvr>
+                                        <p:cTn id="19" dur="500"/>
+                                        <p:tgtEl>
+                                          <p:spTgt spid="5"/>
+                                        </p:tgtEl>
+                                      </p:cBhvr>
+                                    </p:animEffect>
+                                  </p:childTnLst>
+                                </p:cTn>
+                              </p:par>
+                              <p:par>
+                                <p:cTn id="20" presetID="16" presetClass="entr" presetSubtype="21" fill="hold" grpId="0" nodeType="withEffect">
+                                  <p:stCondLst>
+                                    <p:cond delay="0"/>
+                                  </p:stCondLst>
+                                  <p:childTnLst>
+                                    <p:set>
+                                      <p:cBhvr>
+                                        <p:cTn id="21" dur="1" fill="hold">
+                                          <p:stCondLst>
+                                            <p:cond delay="0"/>
+                                          </p:stCondLst>
+                                        </p:cTn>
+                                        <p:tgtEl>
+                                          <p:spTgt spid="6"/>
+                                        </p:tgtEl>
+                                        <p:attrNameLst>
+                                          <p:attrName>style.visibility</p:attrName>
+                                        </p:attrNameLst>
+                                      </p:cBhvr>
+                                      <p:to>
+                                        <p:strVal val="visible"/>
+                                      </p:to>
+                                    </p:set>
+                                    <p:animEffect transition="in" filter="barn(inVertical)">
+                                      <p:cBhvr>
+                                        <p:cTn id="22" dur="500"/>
+                                        <p:tgtEl>
+                                          <p:spTgt spid="6"/>
+                                        </p:tgtEl>
+                                      </p:cBhvr>
+                                    </p:animEffect>
+                                  </p:childTnLst>
+                                </p:cTn>
+                              </p:par>
+                              <p:par>
+                                <p:cTn id="23" presetID="16" presetClass="entr" presetSubtype="21" fill="hold" grpId="0" nodeType="withEffect">
+                                  <p:stCondLst>
+                                    <p:cond delay="0"/>
+                                  </p:stCondLst>
+                                  <p:childTnLst>
+                                    <p:set>
+                                      <p:cBhvr>
+                                        <p:cTn id="24" dur="1" fill="hold">
+                                          <p:stCondLst>
+                                            <p:cond delay="0"/>
+                                          </p:stCondLst>
+                                        </p:cTn>
+                                        <p:tgtEl>
+                                          <p:spTgt spid="7"/>
+                                        </p:tgtEl>
+                                        <p:attrNameLst>
+                                          <p:attrName>style.visibility</p:attrName>
+                                        </p:attrNameLst>
+                                      </p:cBhvr>
+                                      <p:to>
+                                        <p:strVal val="visible"/>
+                                      </p:to>
+                                    </p:set>
+                                    <p:animEffect transition="in" filter="barn(inVertical)">
+                                      <p:cBhvr>
+                                        <p:cTn id="25" dur="500"/>
+                                        <p:tgtEl>
+                                          <p:spTgt spid="7"/>
+                                        </p:tgtEl>
+                                      </p:cBhvr>
+                                    </p:animEffect>
+                                  </p:childTnLst>
+                                </p:cTn>
+                              </p:par>
+                              <p:par>
+                                <p:cTn id="26" presetID="16" presetClass="entr" presetSubtype="21" fill="hold" grpId="0" nodeType="withEffect">
+                                  <p:stCondLst>
+                                    <p:cond delay="0"/>
+                                  </p:stCondLst>
+                                  <p:childTnLst>
+                                    <p:set>
+                                      <p:cBhvr>
+                                        <p:cTn id="27" dur="1" fill="hold">
+                                          <p:stCondLst>
+                                            <p:cond delay="0"/>
+                                          </p:stCondLst>
+                                        </p:cTn>
+                                        <p:tgtEl>
+                                          <p:spTgt spid="22"/>
+                                        </p:tgtEl>
+                                        <p:attrNameLst>
+                                          <p:attrName>style.visibility</p:attrName>
+                                        </p:attrNameLst>
+                                      </p:cBhvr>
+                                      <p:to>
+                                        <p:strVal val="visible"/>
+                                      </p:to>
+                                    </p:set>
+                                    <p:animEffect transition="in" filter="barn(inVertical)">
+                                      <p:cBhvr>
+                                        <p:cTn id="28" dur="500"/>
+                                        <p:tgtEl>
+                                          <p:spTgt spid="22"/>
+                                        </p:tgtEl>
+                                      </p:cBhvr>
+                                    </p:animEffect>
+                                  </p:childTnLst>
+                                </p:cTn>
+                              </p:par>
+                              <p:par>
+                                <p:cTn id="29" presetID="16" presetClass="entr" presetSubtype="21" fill="hold" grpId="0" nodeType="withEffect">
+                                  <p:stCondLst>
+                                    <p:cond delay="0"/>
+                                  </p:stCondLst>
+                                  <p:childTnLst>
+                                    <p:set>
+                                      <p:cBhvr>
+                                        <p:cTn id="30" dur="1" fill="hold">
+                                          <p:stCondLst>
+                                            <p:cond delay="0"/>
+                                          </p:stCondLst>
+                                        </p:cTn>
+                                        <p:tgtEl>
+                                          <p:spTgt spid="23"/>
+                                        </p:tgtEl>
+                                        <p:attrNameLst>
+                                          <p:attrName>style.visibility</p:attrName>
+                                        </p:attrNameLst>
+                                      </p:cBhvr>
+                                      <p:to>
+                                        <p:strVal val="visible"/>
+                                      </p:to>
+                                    </p:set>
+                                    <p:animEffect transition="in" filter="barn(inVertical)">
+                                      <p:cBhvr>
+                                        <p:cTn id="31" dur="500"/>
+                                        <p:tgtEl>
+                                          <p:spTgt spid="23"/>
+                                        </p:tgtEl>
+                                      </p:cBhvr>
+                                    </p:animEffect>
+                                  </p:childTnLst>
+                                </p:cTn>
+                              </p:par>
+                              <p:par>
+                                <p:cTn id="32" presetID="16" presetClass="entr" presetSubtype="21" fill="hold" grpId="0" nodeType="withEffect">
+                                  <p:stCondLst>
+                                    <p:cond delay="0"/>
+                                  </p:stCondLst>
+                                  <p:childTnLst>
+                                    <p:set>
+                                      <p:cBhvr>
+                                        <p:cTn id="33" dur="1" fill="hold">
+                                          <p:stCondLst>
+                                            <p:cond delay="0"/>
+                                          </p:stCondLst>
+                                        </p:cTn>
+                                        <p:tgtEl>
+                                          <p:spTgt spid="24"/>
+                                        </p:tgtEl>
+                                        <p:attrNameLst>
+                                          <p:attrName>style.visibility</p:attrName>
+                                        </p:attrNameLst>
+                                      </p:cBhvr>
+                                      <p:to>
+                                        <p:strVal val="visible"/>
+                                      </p:to>
+                                    </p:set>
+                                    <p:animEffect transition="in" filter="barn(inVertical)">
+                                      <p:cBhvr>
+                                        <p:cTn id="34" dur="500"/>
+                                        <p:tgtEl>
+                                          <p:spTgt spid="24"/>
+                                        </p:tgtEl>
+                                      </p:cBhvr>
+                                    </p:animEffect>
+                                  </p:childTnLst>
+                                </p:cTn>
+                              </p:par>
+                              <p:par>
+                                <p:cTn id="35" presetID="16" presetClass="entr" presetSubtype="21" fill="hold" grpId="0" nodeType="withEffect">
+                                  <p:stCondLst>
+                                    <p:cond delay="0"/>
+                                  </p:stCondLst>
+                                  <p:childTnLst>
+                                    <p:set>
+                                      <p:cBhvr>
+                                        <p:cTn id="36" dur="1" fill="hold">
+                                          <p:stCondLst>
+                                            <p:cond delay="0"/>
+                                          </p:stCondLst>
+                                        </p:cTn>
+                                        <p:tgtEl>
+                                          <p:spTgt spid="25"/>
+                                        </p:tgtEl>
+                                        <p:attrNameLst>
+                                          <p:attrName>style.visibility</p:attrName>
+                                        </p:attrNameLst>
+                                      </p:cBhvr>
+                                      <p:to>
+                                        <p:strVal val="visible"/>
+                                      </p:to>
+                                    </p:set>
+                                    <p:animEffect transition="in" filter="barn(inVertical)">
+                                      <p:cBhvr>
+                                        <p:cTn id="37" dur="500"/>
+                                        <p:tgtEl>
+                                          <p:spTgt spid="25"/>
+                                        </p:tgtEl>
+                                      </p:cBhvr>
+                                    </p:animEffect>
+                                  </p:childTnLst>
+                                </p:cTn>
+                              </p:par>
+                            </p:childTnLst>
+                          </p:cTn>
+                        </p:par>
+                      </p:childTnLst>
+                    </p:cTn>
+                  </p:par>
+                </p:childTnLst>
+              </p:cTn>
+              <p:prevCondLst>
+                <p:cond evt="onPrev" delay="0">
+                  <p:tgtEl>
+                    <p:sldTgt/>
+                  </p:tgtEl>
+                </p:cond>
+              </p:prevCondLst>
+              <p:nextCondLst>
+                <p:cond evt="onNext" delay="0">
+                  <p:tgtEl>
+                    <p:sldTgt/>
+                  </p:tgtEl>
+                </p:cond>
+              </p:nextCondLst>
+            </p:seq>
+          </p:childTnLst>
+        </p:cTn>
       </p:par>
     </p:tnLst>
+    <p:bldLst>
+      <p:bldP spid="5" grpId="0" animBg="1"/>
+      <p:bldP spid="6" grpId="0" animBg="1"/>
+      <p:bldP spid="7" grpId="0" animBg="1"/>
+      <p:bldP spid="22" grpId="0" animBg="1"/>
+      <p:bldP spid="23" grpId="0" animBg="1"/>
+      <p:bldP spid="24" grpId="0" animBg="1"/>
+      <p:bldP spid="25" grpId="0" animBg="1"/>
+    </p:bldLst>
   </p:timing>
 </p:sld>
 </file>
@@ -19353,12 +19928,644 @@
   <p:clrMapOvr>
     <a:masterClrMapping/>
   </p:clrMapOvr>
+  <p:transition spd="med">
+    <p:pull/>
+  </p:transition>
   <p:timing>
     <p:tnLst>
       <p:par>
-        <p:cTn id="1" dur="indefinite" restart="never" nodeType="tmRoot"/>
+        <p:cTn id="1" dur="indefinite" restart="never" nodeType="tmRoot">
+          <p:childTnLst>
+            <p:seq concurrent="1" nextAc="seek">
+              <p:cTn id="2" dur="indefinite" nodeType="mainSeq">
+                <p:childTnLst>
+                  <p:par>
+                    <p:cTn id="3" fill="hold">
+                      <p:stCondLst>
+                        <p:cond delay="indefinite"/>
+                      </p:stCondLst>
+                      <p:childTnLst>
+                        <p:par>
+                          <p:cTn id="4" fill="hold">
+                            <p:stCondLst>
+                              <p:cond delay="0"/>
+                            </p:stCondLst>
+                            <p:childTnLst>
+                              <p:par>
+                                <p:cTn id="5" presetID="2" presetClass="entr" presetSubtype="4" fill="hold" nodeType="clickEffect">
+                                  <p:stCondLst>
+                                    <p:cond delay="0"/>
+                                  </p:stCondLst>
+                                  <p:childTnLst>
+                                    <p:set>
+                                      <p:cBhvr>
+                                        <p:cTn id="6" dur="1" fill="hold">
+                                          <p:stCondLst>
+                                            <p:cond delay="0"/>
+                                          </p:stCondLst>
+                                        </p:cTn>
+                                        <p:tgtEl>
+                                          <p:spTgt spid="3">
+                                            <p:txEl>
+                                              <p:pRg st="0" end="0"/>
+                                            </p:txEl>
+                                          </p:spTgt>
+                                        </p:tgtEl>
+                                        <p:attrNameLst>
+                                          <p:attrName>style.visibility</p:attrName>
+                                        </p:attrNameLst>
+                                      </p:cBhvr>
+                                      <p:to>
+                                        <p:strVal val="visible"/>
+                                      </p:to>
+                                    </p:set>
+                                    <p:anim calcmode="lin" valueType="num">
+                                      <p:cBhvr additive="base">
+                                        <p:cTn id="7" dur="500" fill="hold"/>
+                                        <p:tgtEl>
+                                          <p:spTgt spid="3">
+                                            <p:txEl>
+                                              <p:pRg st="0" end="0"/>
+                                            </p:txEl>
+                                          </p:spTgt>
+                                        </p:tgtEl>
+                                        <p:attrNameLst>
+                                          <p:attrName>ppt_x</p:attrName>
+                                        </p:attrNameLst>
+                                      </p:cBhvr>
+                                      <p:tavLst>
+                                        <p:tav tm="0">
+                                          <p:val>
+                                            <p:strVal val="#ppt_x"/>
+                                          </p:val>
+                                        </p:tav>
+                                        <p:tav tm="100000">
+                                          <p:val>
+                                            <p:strVal val="#ppt_x"/>
+                                          </p:val>
+                                        </p:tav>
+                                      </p:tavLst>
+                                    </p:anim>
+                                    <p:anim calcmode="lin" valueType="num">
+                                      <p:cBhvr additive="base">
+                                        <p:cTn id="8" dur="500" fill="hold"/>
+                                        <p:tgtEl>
+                                          <p:spTgt spid="3">
+                                            <p:txEl>
+                                              <p:pRg st="0" end="0"/>
+                                            </p:txEl>
+                                          </p:spTgt>
+                                        </p:tgtEl>
+                                        <p:attrNameLst>
+                                          <p:attrName>ppt_y</p:attrName>
+                                        </p:attrNameLst>
+                                      </p:cBhvr>
+                                      <p:tavLst>
+                                        <p:tav tm="0">
+                                          <p:val>
+                                            <p:strVal val="1+#ppt_h/2"/>
+                                          </p:val>
+                                        </p:tav>
+                                        <p:tav tm="100000">
+                                          <p:val>
+                                            <p:strVal val="#ppt_y"/>
+                                          </p:val>
+                                        </p:tav>
+                                      </p:tavLst>
+                                    </p:anim>
+                                  </p:childTnLst>
+                                </p:cTn>
+                              </p:par>
+                            </p:childTnLst>
+                          </p:cTn>
+                        </p:par>
+                      </p:childTnLst>
+                    </p:cTn>
+                  </p:par>
+                  <p:par>
+                    <p:cTn id="9" fill="hold">
+                      <p:stCondLst>
+                        <p:cond delay="indefinite"/>
+                      </p:stCondLst>
+                      <p:childTnLst>
+                        <p:par>
+                          <p:cTn id="10" fill="hold">
+                            <p:stCondLst>
+                              <p:cond delay="0"/>
+                            </p:stCondLst>
+                            <p:childTnLst>
+                              <p:par>
+                                <p:cTn id="11" presetID="2" presetClass="entr" presetSubtype="4" fill="hold" nodeType="clickEffect">
+                                  <p:stCondLst>
+                                    <p:cond delay="0"/>
+                                  </p:stCondLst>
+                                  <p:childTnLst>
+                                    <p:set>
+                                      <p:cBhvr>
+                                        <p:cTn id="12" dur="1" fill="hold">
+                                          <p:stCondLst>
+                                            <p:cond delay="0"/>
+                                          </p:stCondLst>
+                                        </p:cTn>
+                                        <p:tgtEl>
+                                          <p:spTgt spid="3">
+                                            <p:txEl>
+                                              <p:pRg st="1" end="1"/>
+                                            </p:txEl>
+                                          </p:spTgt>
+                                        </p:tgtEl>
+                                        <p:attrNameLst>
+                                          <p:attrName>style.visibility</p:attrName>
+                                        </p:attrNameLst>
+                                      </p:cBhvr>
+                                      <p:to>
+                                        <p:strVal val="visible"/>
+                                      </p:to>
+                                    </p:set>
+                                    <p:anim calcmode="lin" valueType="num">
+                                      <p:cBhvr additive="base">
+                                        <p:cTn id="13" dur="500" fill="hold"/>
+                                        <p:tgtEl>
+                                          <p:spTgt spid="3">
+                                            <p:txEl>
+                                              <p:pRg st="1" end="1"/>
+                                            </p:txEl>
+                                          </p:spTgt>
+                                        </p:tgtEl>
+                                        <p:attrNameLst>
+                                          <p:attrName>ppt_x</p:attrName>
+                                        </p:attrNameLst>
+                                      </p:cBhvr>
+                                      <p:tavLst>
+                                        <p:tav tm="0">
+                                          <p:val>
+                                            <p:strVal val="#ppt_x"/>
+                                          </p:val>
+                                        </p:tav>
+                                        <p:tav tm="100000">
+                                          <p:val>
+                                            <p:strVal val="#ppt_x"/>
+                                          </p:val>
+                                        </p:tav>
+                                      </p:tavLst>
+                                    </p:anim>
+                                    <p:anim calcmode="lin" valueType="num">
+                                      <p:cBhvr additive="base">
+                                        <p:cTn id="14" dur="500" fill="hold"/>
+                                        <p:tgtEl>
+                                          <p:spTgt spid="3">
+                                            <p:txEl>
+                                              <p:pRg st="1" end="1"/>
+                                            </p:txEl>
+                                          </p:spTgt>
+                                        </p:tgtEl>
+                                        <p:attrNameLst>
+                                          <p:attrName>ppt_y</p:attrName>
+                                        </p:attrNameLst>
+                                      </p:cBhvr>
+                                      <p:tavLst>
+                                        <p:tav tm="0">
+                                          <p:val>
+                                            <p:strVal val="1+#ppt_h/2"/>
+                                          </p:val>
+                                        </p:tav>
+                                        <p:tav tm="100000">
+                                          <p:val>
+                                            <p:strVal val="#ppt_y"/>
+                                          </p:val>
+                                        </p:tav>
+                                      </p:tavLst>
+                                    </p:anim>
+                                  </p:childTnLst>
+                                </p:cTn>
+                              </p:par>
+                            </p:childTnLst>
+                          </p:cTn>
+                        </p:par>
+                      </p:childTnLst>
+                    </p:cTn>
+                  </p:par>
+                  <p:par>
+                    <p:cTn id="15" fill="hold">
+                      <p:stCondLst>
+                        <p:cond delay="indefinite"/>
+                      </p:stCondLst>
+                      <p:childTnLst>
+                        <p:par>
+                          <p:cTn id="16" fill="hold">
+                            <p:stCondLst>
+                              <p:cond delay="0"/>
+                            </p:stCondLst>
+                            <p:childTnLst>
+                              <p:par>
+                                <p:cTn id="17" presetID="2" presetClass="entr" presetSubtype="4" fill="hold" nodeType="clickEffect">
+                                  <p:stCondLst>
+                                    <p:cond delay="0"/>
+                                  </p:stCondLst>
+                                  <p:childTnLst>
+                                    <p:set>
+                                      <p:cBhvr>
+                                        <p:cTn id="18" dur="1" fill="hold">
+                                          <p:stCondLst>
+                                            <p:cond delay="0"/>
+                                          </p:stCondLst>
+                                        </p:cTn>
+                                        <p:tgtEl>
+                                          <p:spTgt spid="3">
+                                            <p:txEl>
+                                              <p:pRg st="2" end="2"/>
+                                            </p:txEl>
+                                          </p:spTgt>
+                                        </p:tgtEl>
+                                        <p:attrNameLst>
+                                          <p:attrName>style.visibility</p:attrName>
+                                        </p:attrNameLst>
+                                      </p:cBhvr>
+                                      <p:to>
+                                        <p:strVal val="visible"/>
+                                      </p:to>
+                                    </p:set>
+                                    <p:anim calcmode="lin" valueType="num">
+                                      <p:cBhvr additive="base">
+                                        <p:cTn id="19" dur="500" fill="hold"/>
+                                        <p:tgtEl>
+                                          <p:spTgt spid="3">
+                                            <p:txEl>
+                                              <p:pRg st="2" end="2"/>
+                                            </p:txEl>
+                                          </p:spTgt>
+                                        </p:tgtEl>
+                                        <p:attrNameLst>
+                                          <p:attrName>ppt_x</p:attrName>
+                                        </p:attrNameLst>
+                                      </p:cBhvr>
+                                      <p:tavLst>
+                                        <p:tav tm="0">
+                                          <p:val>
+                                            <p:strVal val="#ppt_x"/>
+                                          </p:val>
+                                        </p:tav>
+                                        <p:tav tm="100000">
+                                          <p:val>
+                                            <p:strVal val="#ppt_x"/>
+                                          </p:val>
+                                        </p:tav>
+                                      </p:tavLst>
+                                    </p:anim>
+                                    <p:anim calcmode="lin" valueType="num">
+                                      <p:cBhvr additive="base">
+                                        <p:cTn id="20" dur="500" fill="hold"/>
+                                        <p:tgtEl>
+                                          <p:spTgt spid="3">
+                                            <p:txEl>
+                                              <p:pRg st="2" end="2"/>
+                                            </p:txEl>
+                                          </p:spTgt>
+                                        </p:tgtEl>
+                                        <p:attrNameLst>
+                                          <p:attrName>ppt_y</p:attrName>
+                                        </p:attrNameLst>
+                                      </p:cBhvr>
+                                      <p:tavLst>
+                                        <p:tav tm="0">
+                                          <p:val>
+                                            <p:strVal val="1+#ppt_h/2"/>
+                                          </p:val>
+                                        </p:tav>
+                                        <p:tav tm="100000">
+                                          <p:val>
+                                            <p:strVal val="#ppt_y"/>
+                                          </p:val>
+                                        </p:tav>
+                                      </p:tavLst>
+                                    </p:anim>
+                                  </p:childTnLst>
+                                </p:cTn>
+                              </p:par>
+                            </p:childTnLst>
+                          </p:cTn>
+                        </p:par>
+                      </p:childTnLst>
+                    </p:cTn>
+                  </p:par>
+                  <p:par>
+                    <p:cTn id="21" fill="hold">
+                      <p:stCondLst>
+                        <p:cond delay="indefinite"/>
+                      </p:stCondLst>
+                      <p:childTnLst>
+                        <p:par>
+                          <p:cTn id="22" fill="hold">
+                            <p:stCondLst>
+                              <p:cond delay="0"/>
+                            </p:stCondLst>
+                            <p:childTnLst>
+                              <p:par>
+                                <p:cTn id="23" presetID="2" presetClass="entr" presetSubtype="4" fill="hold" nodeType="clickEffect">
+                                  <p:stCondLst>
+                                    <p:cond delay="0"/>
+                                  </p:stCondLst>
+                                  <p:childTnLst>
+                                    <p:set>
+                                      <p:cBhvr>
+                                        <p:cTn id="24" dur="1" fill="hold">
+                                          <p:stCondLst>
+                                            <p:cond delay="0"/>
+                                          </p:stCondLst>
+                                        </p:cTn>
+                                        <p:tgtEl>
+                                          <p:spTgt spid="3">
+                                            <p:txEl>
+                                              <p:pRg st="3" end="3"/>
+                                            </p:txEl>
+                                          </p:spTgt>
+                                        </p:tgtEl>
+                                        <p:attrNameLst>
+                                          <p:attrName>style.visibility</p:attrName>
+                                        </p:attrNameLst>
+                                      </p:cBhvr>
+                                      <p:to>
+                                        <p:strVal val="visible"/>
+                                      </p:to>
+                                    </p:set>
+                                    <p:anim calcmode="lin" valueType="num">
+                                      <p:cBhvr additive="base">
+                                        <p:cTn id="25" dur="500" fill="hold"/>
+                                        <p:tgtEl>
+                                          <p:spTgt spid="3">
+                                            <p:txEl>
+                                              <p:pRg st="3" end="3"/>
+                                            </p:txEl>
+                                          </p:spTgt>
+                                        </p:tgtEl>
+                                        <p:attrNameLst>
+                                          <p:attrName>ppt_x</p:attrName>
+                                        </p:attrNameLst>
+                                      </p:cBhvr>
+                                      <p:tavLst>
+                                        <p:tav tm="0">
+                                          <p:val>
+                                            <p:strVal val="#ppt_x"/>
+                                          </p:val>
+                                        </p:tav>
+                                        <p:tav tm="100000">
+                                          <p:val>
+                                            <p:strVal val="#ppt_x"/>
+                                          </p:val>
+                                        </p:tav>
+                                      </p:tavLst>
+                                    </p:anim>
+                                    <p:anim calcmode="lin" valueType="num">
+                                      <p:cBhvr additive="base">
+                                        <p:cTn id="26" dur="500" fill="hold"/>
+                                        <p:tgtEl>
+                                          <p:spTgt spid="3">
+                                            <p:txEl>
+                                              <p:pRg st="3" end="3"/>
+                                            </p:txEl>
+                                          </p:spTgt>
+                                        </p:tgtEl>
+                                        <p:attrNameLst>
+                                          <p:attrName>ppt_y</p:attrName>
+                                        </p:attrNameLst>
+                                      </p:cBhvr>
+                                      <p:tavLst>
+                                        <p:tav tm="0">
+                                          <p:val>
+                                            <p:strVal val="1+#ppt_h/2"/>
+                                          </p:val>
+                                        </p:tav>
+                                        <p:tav tm="100000">
+                                          <p:val>
+                                            <p:strVal val="#ppt_y"/>
+                                          </p:val>
+                                        </p:tav>
+                                      </p:tavLst>
+                                    </p:anim>
+                                  </p:childTnLst>
+                                </p:cTn>
+                              </p:par>
+                            </p:childTnLst>
+                          </p:cTn>
+                        </p:par>
+                      </p:childTnLst>
+                    </p:cTn>
+                  </p:par>
+                  <p:par>
+                    <p:cTn id="27" fill="hold">
+                      <p:stCondLst>
+                        <p:cond delay="indefinite"/>
+                      </p:stCondLst>
+                      <p:childTnLst>
+                        <p:par>
+                          <p:cTn id="28" fill="hold">
+                            <p:stCondLst>
+                              <p:cond delay="0"/>
+                            </p:stCondLst>
+                            <p:childTnLst>
+                              <p:par>
+                                <p:cTn id="29" presetID="53" presetClass="entr" presetSubtype="16" fill="hold" grpId="0" nodeType="clickEffect">
+                                  <p:stCondLst>
+                                    <p:cond delay="0"/>
+                                  </p:stCondLst>
+                                  <p:childTnLst>
+                                    <p:set>
+                                      <p:cBhvr>
+                                        <p:cTn id="30" dur="1" fill="hold">
+                                          <p:stCondLst>
+                                            <p:cond delay="0"/>
+                                          </p:stCondLst>
+                                        </p:cTn>
+                                        <p:tgtEl>
+                                          <p:spTgt spid="4"/>
+                                        </p:tgtEl>
+                                        <p:attrNameLst>
+                                          <p:attrName>style.visibility</p:attrName>
+                                        </p:attrNameLst>
+                                      </p:cBhvr>
+                                      <p:to>
+                                        <p:strVal val="visible"/>
+                                      </p:to>
+                                    </p:set>
+                                    <p:anim calcmode="lin" valueType="num">
+                                      <p:cBhvr>
+                                        <p:cTn id="31" dur="500" fill="hold"/>
+                                        <p:tgtEl>
+                                          <p:spTgt spid="4"/>
+                                        </p:tgtEl>
+                                        <p:attrNameLst>
+                                          <p:attrName>ppt_w</p:attrName>
+                                        </p:attrNameLst>
+                                      </p:cBhvr>
+                                      <p:tavLst>
+                                        <p:tav tm="0">
+                                          <p:val>
+                                            <p:fltVal val="0"/>
+                                          </p:val>
+                                        </p:tav>
+                                        <p:tav tm="100000">
+                                          <p:val>
+                                            <p:strVal val="#ppt_w"/>
+                                          </p:val>
+                                        </p:tav>
+                                      </p:tavLst>
+                                    </p:anim>
+                                    <p:anim calcmode="lin" valueType="num">
+                                      <p:cBhvr>
+                                        <p:cTn id="32" dur="500" fill="hold"/>
+                                        <p:tgtEl>
+                                          <p:spTgt spid="4"/>
+                                        </p:tgtEl>
+                                        <p:attrNameLst>
+                                          <p:attrName>ppt_h</p:attrName>
+                                        </p:attrNameLst>
+                                      </p:cBhvr>
+                                      <p:tavLst>
+                                        <p:tav tm="0">
+                                          <p:val>
+                                            <p:fltVal val="0"/>
+                                          </p:val>
+                                        </p:tav>
+                                        <p:tav tm="100000">
+                                          <p:val>
+                                            <p:strVal val="#ppt_h"/>
+                                          </p:val>
+                                        </p:tav>
+                                      </p:tavLst>
+                                    </p:anim>
+                                    <p:animEffect transition="in" filter="fade">
+                                      <p:cBhvr>
+                                        <p:cTn id="33" dur="500"/>
+                                        <p:tgtEl>
+                                          <p:spTgt spid="4"/>
+                                        </p:tgtEl>
+                                      </p:cBhvr>
+                                    </p:animEffect>
+                                  </p:childTnLst>
+                                </p:cTn>
+                              </p:par>
+                            </p:childTnLst>
+                          </p:cTn>
+                        </p:par>
+                      </p:childTnLst>
+                    </p:cTn>
+                  </p:par>
+                  <p:par>
+                    <p:cTn id="34" fill="hold">
+                      <p:stCondLst>
+                        <p:cond delay="indefinite"/>
+                      </p:stCondLst>
+                      <p:childTnLst>
+                        <p:par>
+                          <p:cTn id="35" fill="hold">
+                            <p:stCondLst>
+                              <p:cond delay="0"/>
+                            </p:stCondLst>
+                            <p:childTnLst>
+                              <p:par>
+                                <p:cTn id="36" presetID="10" presetClass="entr" presetSubtype="0" fill="hold" grpId="0" nodeType="clickEffect">
+                                  <p:stCondLst>
+                                    <p:cond delay="0"/>
+                                  </p:stCondLst>
+                                  <p:childTnLst>
+                                    <p:set>
+                                      <p:cBhvr>
+                                        <p:cTn id="37" dur="1" fill="hold">
+                                          <p:stCondLst>
+                                            <p:cond delay="0"/>
+                                          </p:stCondLst>
+                                        </p:cTn>
+                                        <p:tgtEl>
+                                          <p:spTgt spid="7"/>
+                                        </p:tgtEl>
+                                        <p:attrNameLst>
+                                          <p:attrName>style.visibility</p:attrName>
+                                        </p:attrNameLst>
+                                      </p:cBhvr>
+                                      <p:to>
+                                        <p:strVal val="visible"/>
+                                      </p:to>
+                                    </p:set>
+                                    <p:animEffect transition="in" filter="fade">
+                                      <p:cBhvr>
+                                        <p:cTn id="38" dur="500"/>
+                                        <p:tgtEl>
+                                          <p:spTgt spid="7"/>
+                                        </p:tgtEl>
+                                      </p:cBhvr>
+                                    </p:animEffect>
+                                  </p:childTnLst>
+                                </p:cTn>
+                              </p:par>
+                              <p:par>
+                                <p:cTn id="39" presetID="10" presetClass="entr" presetSubtype="0" fill="hold" grpId="0" nodeType="withEffect">
+                                  <p:stCondLst>
+                                    <p:cond delay="0"/>
+                                  </p:stCondLst>
+                                  <p:childTnLst>
+                                    <p:set>
+                                      <p:cBhvr>
+                                        <p:cTn id="40" dur="1" fill="hold">
+                                          <p:stCondLst>
+                                            <p:cond delay="0"/>
+                                          </p:stCondLst>
+                                        </p:cTn>
+                                        <p:tgtEl>
+                                          <p:spTgt spid="8"/>
+                                        </p:tgtEl>
+                                        <p:attrNameLst>
+                                          <p:attrName>style.visibility</p:attrName>
+                                        </p:attrNameLst>
+                                      </p:cBhvr>
+                                      <p:to>
+                                        <p:strVal val="visible"/>
+                                      </p:to>
+                                    </p:set>
+                                    <p:animEffect transition="in" filter="fade">
+                                      <p:cBhvr>
+                                        <p:cTn id="41" dur="500"/>
+                                        <p:tgtEl>
+                                          <p:spTgt spid="8"/>
+                                        </p:tgtEl>
+                                      </p:cBhvr>
+                                    </p:animEffect>
+                                  </p:childTnLst>
+                                </p:cTn>
+                              </p:par>
+                            </p:childTnLst>
+                          </p:cTn>
+                        </p:par>
+                      </p:childTnLst>
+                    </p:cTn>
+                  </p:par>
+                </p:childTnLst>
+              </p:cTn>
+              <p:prevCondLst>
+                <p:cond evt="onPrev" delay="0">
+                  <p:tgtEl>
+                    <p:sldTgt/>
+                  </p:tgtEl>
+                </p:cond>
+              </p:prevCondLst>
+              <p:nextCondLst>
+                <p:cond evt="onNext" delay="0">
+                  <p:tgtEl>
+                    <p:sldTgt/>
+                  </p:tgtEl>
+                </p:cond>
+              </p:nextCondLst>
+            </p:seq>
+          </p:childTnLst>
+        </p:cTn>
       </p:par>
     </p:tnLst>
+    <p:bldLst>
+      <p:bldGraphic spid="4" grpId="0">
+        <p:bldAsOne/>
+      </p:bldGraphic>
+      <p:bldP spid="7" grpId="0" animBg="1"/>
+      <p:bldP spid="8" grpId="0" animBg="1"/>
+    </p:bldLst>
   </p:timing>
 </p:sld>
 </file>
@@ -19673,10 +20880,603 @@
   <p:clrMapOvr>
     <a:masterClrMapping/>
   </p:clrMapOvr>
+  <mc:AlternateContent xmlns:mc="http://schemas.openxmlformats.org/markup-compatibility/2006">
+    <mc:Choice xmlns:p14="http://schemas.microsoft.com/office/powerpoint/2010/main" Requires="p14">
+      <p:transition spd="slow" p14:dur="1400">
+        <p14:ripple/>
+      </p:transition>
+    </mc:Choice>
+    <mc:Fallback>
+      <p:transition spd="slow">
+        <p:fade/>
+      </p:transition>
+    </mc:Fallback>
+  </mc:AlternateContent>
   <p:timing>
     <p:tnLst>
       <p:par>
-        <p:cTn id="1" dur="indefinite" restart="never" nodeType="tmRoot"/>
+        <p:cTn id="1" dur="indefinite" restart="never" nodeType="tmRoot">
+          <p:childTnLst>
+            <p:seq concurrent="1" nextAc="seek">
+              <p:cTn id="2" dur="indefinite" nodeType="mainSeq">
+                <p:childTnLst>
+                  <p:par>
+                    <p:cTn id="3" fill="hold">
+                      <p:stCondLst>
+                        <p:cond delay="indefinite"/>
+                      </p:stCondLst>
+                      <p:childTnLst>
+                        <p:par>
+                          <p:cTn id="4" fill="hold">
+                            <p:stCondLst>
+                              <p:cond delay="0"/>
+                            </p:stCondLst>
+                            <p:childTnLst>
+                              <p:par>
+                                <p:cTn id="5" presetID="2" presetClass="entr" presetSubtype="4" fill="hold" nodeType="clickEffect">
+                                  <p:stCondLst>
+                                    <p:cond delay="0"/>
+                                  </p:stCondLst>
+                                  <p:childTnLst>
+                                    <p:set>
+                                      <p:cBhvr>
+                                        <p:cTn id="6" dur="1" fill="hold">
+                                          <p:stCondLst>
+                                            <p:cond delay="0"/>
+                                          </p:stCondLst>
+                                        </p:cTn>
+                                        <p:tgtEl>
+                                          <p:spTgt spid="9">
+                                            <p:txEl>
+                                              <p:pRg st="0" end="0"/>
+                                            </p:txEl>
+                                          </p:spTgt>
+                                        </p:tgtEl>
+                                        <p:attrNameLst>
+                                          <p:attrName>style.visibility</p:attrName>
+                                        </p:attrNameLst>
+                                      </p:cBhvr>
+                                      <p:to>
+                                        <p:strVal val="visible"/>
+                                      </p:to>
+                                    </p:set>
+                                    <p:anim calcmode="lin" valueType="num">
+                                      <p:cBhvr additive="base">
+                                        <p:cTn id="7" dur="500" fill="hold"/>
+                                        <p:tgtEl>
+                                          <p:spTgt spid="9">
+                                            <p:txEl>
+                                              <p:pRg st="0" end="0"/>
+                                            </p:txEl>
+                                          </p:spTgt>
+                                        </p:tgtEl>
+                                        <p:attrNameLst>
+                                          <p:attrName>ppt_x</p:attrName>
+                                        </p:attrNameLst>
+                                      </p:cBhvr>
+                                      <p:tavLst>
+                                        <p:tav tm="0">
+                                          <p:val>
+                                            <p:strVal val="#ppt_x"/>
+                                          </p:val>
+                                        </p:tav>
+                                        <p:tav tm="100000">
+                                          <p:val>
+                                            <p:strVal val="#ppt_x"/>
+                                          </p:val>
+                                        </p:tav>
+                                      </p:tavLst>
+                                    </p:anim>
+                                    <p:anim calcmode="lin" valueType="num">
+                                      <p:cBhvr additive="base">
+                                        <p:cTn id="8" dur="500" fill="hold"/>
+                                        <p:tgtEl>
+                                          <p:spTgt spid="9">
+                                            <p:txEl>
+                                              <p:pRg st="0" end="0"/>
+                                            </p:txEl>
+                                          </p:spTgt>
+                                        </p:tgtEl>
+                                        <p:attrNameLst>
+                                          <p:attrName>ppt_y</p:attrName>
+                                        </p:attrNameLst>
+                                      </p:cBhvr>
+                                      <p:tavLst>
+                                        <p:tav tm="0">
+                                          <p:val>
+                                            <p:strVal val="1+#ppt_h/2"/>
+                                          </p:val>
+                                        </p:tav>
+                                        <p:tav tm="100000">
+                                          <p:val>
+                                            <p:strVal val="#ppt_y"/>
+                                          </p:val>
+                                        </p:tav>
+                                      </p:tavLst>
+                                    </p:anim>
+                                  </p:childTnLst>
+                                </p:cTn>
+                              </p:par>
+                            </p:childTnLst>
+                          </p:cTn>
+                        </p:par>
+                      </p:childTnLst>
+                    </p:cTn>
+                  </p:par>
+                  <p:par>
+                    <p:cTn id="9" fill="hold">
+                      <p:stCondLst>
+                        <p:cond delay="indefinite"/>
+                      </p:stCondLst>
+                      <p:childTnLst>
+                        <p:par>
+                          <p:cTn id="10" fill="hold">
+                            <p:stCondLst>
+                              <p:cond delay="0"/>
+                            </p:stCondLst>
+                            <p:childTnLst>
+                              <p:par>
+                                <p:cTn id="11" presetID="2" presetClass="entr" presetSubtype="2" fill="hold" nodeType="clickEffect">
+                                  <p:stCondLst>
+                                    <p:cond delay="0"/>
+                                  </p:stCondLst>
+                                  <p:childTnLst>
+                                    <p:set>
+                                      <p:cBhvr>
+                                        <p:cTn id="12" dur="1" fill="hold">
+                                          <p:stCondLst>
+                                            <p:cond delay="0"/>
+                                          </p:stCondLst>
+                                        </p:cTn>
+                                        <p:tgtEl>
+                                          <p:spTgt spid="10"/>
+                                        </p:tgtEl>
+                                        <p:attrNameLst>
+                                          <p:attrName>style.visibility</p:attrName>
+                                        </p:attrNameLst>
+                                      </p:cBhvr>
+                                      <p:to>
+                                        <p:strVal val="visible"/>
+                                      </p:to>
+                                    </p:set>
+                                    <p:anim calcmode="lin" valueType="num">
+                                      <p:cBhvr additive="base">
+                                        <p:cTn id="13" dur="500" fill="hold"/>
+                                        <p:tgtEl>
+                                          <p:spTgt spid="10"/>
+                                        </p:tgtEl>
+                                        <p:attrNameLst>
+                                          <p:attrName>ppt_x</p:attrName>
+                                        </p:attrNameLst>
+                                      </p:cBhvr>
+                                      <p:tavLst>
+                                        <p:tav tm="0">
+                                          <p:val>
+                                            <p:strVal val="1+#ppt_w/2"/>
+                                          </p:val>
+                                        </p:tav>
+                                        <p:tav tm="100000">
+                                          <p:val>
+                                            <p:strVal val="#ppt_x"/>
+                                          </p:val>
+                                        </p:tav>
+                                      </p:tavLst>
+                                    </p:anim>
+                                    <p:anim calcmode="lin" valueType="num">
+                                      <p:cBhvr additive="base">
+                                        <p:cTn id="14" dur="500" fill="hold"/>
+                                        <p:tgtEl>
+                                          <p:spTgt spid="10"/>
+                                        </p:tgtEl>
+                                        <p:attrNameLst>
+                                          <p:attrName>ppt_y</p:attrName>
+                                        </p:attrNameLst>
+                                      </p:cBhvr>
+                                      <p:tavLst>
+                                        <p:tav tm="0">
+                                          <p:val>
+                                            <p:strVal val="#ppt_y"/>
+                                          </p:val>
+                                        </p:tav>
+                                        <p:tav tm="100000">
+                                          <p:val>
+                                            <p:strVal val="#ppt_y"/>
+                                          </p:val>
+                                        </p:tav>
+                                      </p:tavLst>
+                                    </p:anim>
+                                  </p:childTnLst>
+                                </p:cTn>
+                              </p:par>
+                            </p:childTnLst>
+                          </p:cTn>
+                        </p:par>
+                      </p:childTnLst>
+                    </p:cTn>
+                  </p:par>
+                  <p:par>
+                    <p:cTn id="15" fill="hold">
+                      <p:stCondLst>
+                        <p:cond delay="indefinite"/>
+                      </p:stCondLst>
+                      <p:childTnLst>
+                        <p:par>
+                          <p:cTn id="16" fill="hold">
+                            <p:stCondLst>
+                              <p:cond delay="0"/>
+                            </p:stCondLst>
+                            <p:childTnLst>
+                              <p:par>
+                                <p:cTn id="17" presetID="2" presetClass="entr" presetSubtype="2" fill="hold" nodeType="clickEffect">
+                                  <p:stCondLst>
+                                    <p:cond delay="0"/>
+                                  </p:stCondLst>
+                                  <p:childTnLst>
+                                    <p:set>
+                                      <p:cBhvr>
+                                        <p:cTn id="18" dur="1" fill="hold">
+                                          <p:stCondLst>
+                                            <p:cond delay="0"/>
+                                          </p:stCondLst>
+                                        </p:cTn>
+                                        <p:tgtEl>
+                                          <p:spTgt spid="11"/>
+                                        </p:tgtEl>
+                                        <p:attrNameLst>
+                                          <p:attrName>style.visibility</p:attrName>
+                                        </p:attrNameLst>
+                                      </p:cBhvr>
+                                      <p:to>
+                                        <p:strVal val="visible"/>
+                                      </p:to>
+                                    </p:set>
+                                    <p:anim calcmode="lin" valueType="num">
+                                      <p:cBhvr additive="base">
+                                        <p:cTn id="19" dur="500" fill="hold"/>
+                                        <p:tgtEl>
+                                          <p:spTgt spid="11"/>
+                                        </p:tgtEl>
+                                        <p:attrNameLst>
+                                          <p:attrName>ppt_x</p:attrName>
+                                        </p:attrNameLst>
+                                      </p:cBhvr>
+                                      <p:tavLst>
+                                        <p:tav tm="0">
+                                          <p:val>
+                                            <p:strVal val="1+#ppt_w/2"/>
+                                          </p:val>
+                                        </p:tav>
+                                        <p:tav tm="100000">
+                                          <p:val>
+                                            <p:strVal val="#ppt_x"/>
+                                          </p:val>
+                                        </p:tav>
+                                      </p:tavLst>
+                                    </p:anim>
+                                    <p:anim calcmode="lin" valueType="num">
+                                      <p:cBhvr additive="base">
+                                        <p:cTn id="20" dur="500" fill="hold"/>
+                                        <p:tgtEl>
+                                          <p:spTgt spid="11"/>
+                                        </p:tgtEl>
+                                        <p:attrNameLst>
+                                          <p:attrName>ppt_y</p:attrName>
+                                        </p:attrNameLst>
+                                      </p:cBhvr>
+                                      <p:tavLst>
+                                        <p:tav tm="0">
+                                          <p:val>
+                                            <p:strVal val="#ppt_y"/>
+                                          </p:val>
+                                        </p:tav>
+                                        <p:tav tm="100000">
+                                          <p:val>
+                                            <p:strVal val="#ppt_y"/>
+                                          </p:val>
+                                        </p:tav>
+                                      </p:tavLst>
+                                    </p:anim>
+                                  </p:childTnLst>
+                                </p:cTn>
+                              </p:par>
+                            </p:childTnLst>
+                          </p:cTn>
+                        </p:par>
+                      </p:childTnLst>
+                    </p:cTn>
+                  </p:par>
+                  <p:par>
+                    <p:cTn id="21" fill="hold">
+                      <p:stCondLst>
+                        <p:cond delay="indefinite"/>
+                      </p:stCondLst>
+                      <p:childTnLst>
+                        <p:par>
+                          <p:cTn id="22" fill="hold">
+                            <p:stCondLst>
+                              <p:cond delay="0"/>
+                            </p:stCondLst>
+                            <p:childTnLst>
+                              <p:par>
+                                <p:cTn id="23" presetID="2" presetClass="entr" presetSubtype="2" fill="hold" nodeType="clickEffect">
+                                  <p:stCondLst>
+                                    <p:cond delay="0"/>
+                                  </p:stCondLst>
+                                  <p:childTnLst>
+                                    <p:set>
+                                      <p:cBhvr>
+                                        <p:cTn id="24" dur="1" fill="hold">
+                                          <p:stCondLst>
+                                            <p:cond delay="0"/>
+                                          </p:stCondLst>
+                                        </p:cTn>
+                                        <p:tgtEl>
+                                          <p:spTgt spid="12"/>
+                                        </p:tgtEl>
+                                        <p:attrNameLst>
+                                          <p:attrName>style.visibility</p:attrName>
+                                        </p:attrNameLst>
+                                      </p:cBhvr>
+                                      <p:to>
+                                        <p:strVal val="visible"/>
+                                      </p:to>
+                                    </p:set>
+                                    <p:anim calcmode="lin" valueType="num">
+                                      <p:cBhvr additive="base">
+                                        <p:cTn id="25" dur="500" fill="hold"/>
+                                        <p:tgtEl>
+                                          <p:spTgt spid="12"/>
+                                        </p:tgtEl>
+                                        <p:attrNameLst>
+                                          <p:attrName>ppt_x</p:attrName>
+                                        </p:attrNameLst>
+                                      </p:cBhvr>
+                                      <p:tavLst>
+                                        <p:tav tm="0">
+                                          <p:val>
+                                            <p:strVal val="1+#ppt_w/2"/>
+                                          </p:val>
+                                        </p:tav>
+                                        <p:tav tm="100000">
+                                          <p:val>
+                                            <p:strVal val="#ppt_x"/>
+                                          </p:val>
+                                        </p:tav>
+                                      </p:tavLst>
+                                    </p:anim>
+                                    <p:anim calcmode="lin" valueType="num">
+                                      <p:cBhvr additive="base">
+                                        <p:cTn id="26" dur="500" fill="hold"/>
+                                        <p:tgtEl>
+                                          <p:spTgt spid="12"/>
+                                        </p:tgtEl>
+                                        <p:attrNameLst>
+                                          <p:attrName>ppt_y</p:attrName>
+                                        </p:attrNameLst>
+                                      </p:cBhvr>
+                                      <p:tavLst>
+                                        <p:tav tm="0">
+                                          <p:val>
+                                            <p:strVal val="#ppt_y"/>
+                                          </p:val>
+                                        </p:tav>
+                                        <p:tav tm="100000">
+                                          <p:val>
+                                            <p:strVal val="#ppt_y"/>
+                                          </p:val>
+                                        </p:tav>
+                                      </p:tavLst>
+                                    </p:anim>
+                                  </p:childTnLst>
+                                </p:cTn>
+                              </p:par>
+                            </p:childTnLst>
+                          </p:cTn>
+                        </p:par>
+                      </p:childTnLst>
+                    </p:cTn>
+                  </p:par>
+                  <p:par>
+                    <p:cTn id="27" fill="hold">
+                      <p:stCondLst>
+                        <p:cond delay="indefinite"/>
+                      </p:stCondLst>
+                      <p:childTnLst>
+                        <p:par>
+                          <p:cTn id="28" fill="hold">
+                            <p:stCondLst>
+                              <p:cond delay="0"/>
+                            </p:stCondLst>
+                            <p:childTnLst>
+                              <p:par>
+                                <p:cTn id="29" presetID="2" presetClass="entr" presetSubtype="2" fill="hold" nodeType="clickEffect">
+                                  <p:stCondLst>
+                                    <p:cond delay="0"/>
+                                  </p:stCondLst>
+                                  <p:childTnLst>
+                                    <p:set>
+                                      <p:cBhvr>
+                                        <p:cTn id="30" dur="1" fill="hold">
+                                          <p:stCondLst>
+                                            <p:cond delay="0"/>
+                                          </p:stCondLst>
+                                        </p:cTn>
+                                        <p:tgtEl>
+                                          <p:spTgt spid="14"/>
+                                        </p:tgtEl>
+                                        <p:attrNameLst>
+                                          <p:attrName>style.visibility</p:attrName>
+                                        </p:attrNameLst>
+                                      </p:cBhvr>
+                                      <p:to>
+                                        <p:strVal val="visible"/>
+                                      </p:to>
+                                    </p:set>
+                                    <p:anim calcmode="lin" valueType="num">
+                                      <p:cBhvr additive="base">
+                                        <p:cTn id="31" dur="500" fill="hold"/>
+                                        <p:tgtEl>
+                                          <p:spTgt spid="14"/>
+                                        </p:tgtEl>
+                                        <p:attrNameLst>
+                                          <p:attrName>ppt_x</p:attrName>
+                                        </p:attrNameLst>
+                                      </p:cBhvr>
+                                      <p:tavLst>
+                                        <p:tav tm="0">
+                                          <p:val>
+                                            <p:strVal val="1+#ppt_w/2"/>
+                                          </p:val>
+                                        </p:tav>
+                                        <p:tav tm="100000">
+                                          <p:val>
+                                            <p:strVal val="#ppt_x"/>
+                                          </p:val>
+                                        </p:tav>
+                                      </p:tavLst>
+                                    </p:anim>
+                                    <p:anim calcmode="lin" valueType="num">
+                                      <p:cBhvr additive="base">
+                                        <p:cTn id="32" dur="500" fill="hold"/>
+                                        <p:tgtEl>
+                                          <p:spTgt spid="14"/>
+                                        </p:tgtEl>
+                                        <p:attrNameLst>
+                                          <p:attrName>ppt_y</p:attrName>
+                                        </p:attrNameLst>
+                                      </p:cBhvr>
+                                      <p:tavLst>
+                                        <p:tav tm="0">
+                                          <p:val>
+                                            <p:strVal val="#ppt_y"/>
+                                          </p:val>
+                                        </p:tav>
+                                        <p:tav tm="100000">
+                                          <p:val>
+                                            <p:strVal val="#ppt_y"/>
+                                          </p:val>
+                                        </p:tav>
+                                      </p:tavLst>
+                                    </p:anim>
+                                  </p:childTnLst>
+                                </p:cTn>
+                              </p:par>
+                            </p:childTnLst>
+                          </p:cTn>
+                        </p:par>
+                      </p:childTnLst>
+                    </p:cTn>
+                  </p:par>
+                  <p:par>
+                    <p:cTn id="33" fill="hold">
+                      <p:stCondLst>
+                        <p:cond delay="indefinite"/>
+                      </p:stCondLst>
+                      <p:childTnLst>
+                        <p:par>
+                          <p:cTn id="34" fill="hold">
+                            <p:stCondLst>
+                              <p:cond delay="0"/>
+                            </p:stCondLst>
+                            <p:childTnLst>
+                              <p:par>
+                                <p:cTn id="35" presetID="2" presetClass="entr" presetSubtype="2" fill="hold" nodeType="clickEffect">
+                                  <p:stCondLst>
+                                    <p:cond delay="0"/>
+                                  </p:stCondLst>
+                                  <p:childTnLst>
+                                    <p:set>
+                                      <p:cBhvr>
+                                        <p:cTn id="36" dur="1" fill="hold">
+                                          <p:stCondLst>
+                                            <p:cond delay="0"/>
+                                          </p:stCondLst>
+                                        </p:cTn>
+                                        <p:tgtEl>
+                                          <p:spTgt spid="13"/>
+                                        </p:tgtEl>
+                                        <p:attrNameLst>
+                                          <p:attrName>style.visibility</p:attrName>
+                                        </p:attrNameLst>
+                                      </p:cBhvr>
+                                      <p:to>
+                                        <p:strVal val="visible"/>
+                                      </p:to>
+                                    </p:set>
+                                    <p:anim calcmode="lin" valueType="num">
+                                      <p:cBhvr additive="base">
+                                        <p:cTn id="37" dur="500" fill="hold"/>
+                                        <p:tgtEl>
+                                          <p:spTgt spid="13"/>
+                                        </p:tgtEl>
+                                        <p:attrNameLst>
+                                          <p:attrName>ppt_x</p:attrName>
+                                        </p:attrNameLst>
+                                      </p:cBhvr>
+                                      <p:tavLst>
+                                        <p:tav tm="0">
+                                          <p:val>
+                                            <p:strVal val="1+#ppt_w/2"/>
+                                          </p:val>
+                                        </p:tav>
+                                        <p:tav tm="100000">
+                                          <p:val>
+                                            <p:strVal val="#ppt_x"/>
+                                          </p:val>
+                                        </p:tav>
+                                      </p:tavLst>
+                                    </p:anim>
+                                    <p:anim calcmode="lin" valueType="num">
+                                      <p:cBhvr additive="base">
+                                        <p:cTn id="38" dur="500" fill="hold"/>
+                                        <p:tgtEl>
+                                          <p:spTgt spid="13"/>
+                                        </p:tgtEl>
+                                        <p:attrNameLst>
+                                          <p:attrName>ppt_y</p:attrName>
+                                        </p:attrNameLst>
+                                      </p:cBhvr>
+                                      <p:tavLst>
+                                        <p:tav tm="0">
+                                          <p:val>
+                                            <p:strVal val="#ppt_y"/>
+                                          </p:val>
+                                        </p:tav>
+                                        <p:tav tm="100000">
+                                          <p:val>
+                                            <p:strVal val="#ppt_y"/>
+                                          </p:val>
+                                        </p:tav>
+                                      </p:tavLst>
+                                    </p:anim>
+                                  </p:childTnLst>
+                                </p:cTn>
+                              </p:par>
+                            </p:childTnLst>
+                          </p:cTn>
+                        </p:par>
+                      </p:childTnLst>
+                    </p:cTn>
+                  </p:par>
+                </p:childTnLst>
+              </p:cTn>
+              <p:prevCondLst>
+                <p:cond evt="onPrev" delay="0">
+                  <p:tgtEl>
+                    <p:sldTgt/>
+                  </p:tgtEl>
+                </p:cond>
+              </p:prevCondLst>
+              <p:nextCondLst>
+                <p:cond evt="onNext" delay="0">
+                  <p:tgtEl>
+                    <p:sldTgt/>
+                  </p:tgtEl>
+                </p:cond>
+              </p:nextCondLst>
+            </p:seq>
+          </p:childTnLst>
+        </p:cTn>
       </p:par>
     </p:tnLst>
   </p:timing>
@@ -19792,6 +21592,254 @@
   <p:clrMapOvr>
     <a:masterClrMapping/>
   </p:clrMapOvr>
+  <mc:AlternateContent xmlns:mc="http://schemas.openxmlformats.org/markup-compatibility/2006">
+    <mc:Choice xmlns:p15="http://schemas.microsoft.com/office/powerpoint/2012/main" Requires="p15">
+      <p:transition xmlns:p14="http://schemas.microsoft.com/office/powerpoint/2010/main" spd="slow" p14:dur="1250">
+        <p15:prstTrans prst="pageCurlDouble"/>
+      </p:transition>
+    </mc:Choice>
+    <mc:Fallback>
+      <p:transition spd="slow">
+        <p:fade/>
+      </p:transition>
+    </mc:Fallback>
+  </mc:AlternateContent>
+  <p:timing>
+    <p:tnLst>
+      <p:par>
+        <p:cTn id="1" dur="indefinite" restart="never" nodeType="tmRoot">
+          <p:childTnLst>
+            <p:seq concurrent="1" nextAc="seek">
+              <p:cTn id="2" dur="indefinite" nodeType="mainSeq">
+                <p:childTnLst>
+                  <p:par>
+                    <p:cTn id="3" fill="hold">
+                      <p:stCondLst>
+                        <p:cond delay="indefinite"/>
+                      </p:stCondLst>
+                      <p:childTnLst>
+                        <p:par>
+                          <p:cTn id="4" fill="hold">
+                            <p:stCondLst>
+                              <p:cond delay="0"/>
+                            </p:stCondLst>
+                            <p:childTnLst>
+                              <p:par>
+                                <p:cTn id="5" presetID="2" presetClass="entr" presetSubtype="4" fill="hold" nodeType="clickEffect">
+                                  <p:stCondLst>
+                                    <p:cond delay="0"/>
+                                  </p:stCondLst>
+                                  <p:childTnLst>
+                                    <p:set>
+                                      <p:cBhvr>
+                                        <p:cTn id="6" dur="1" fill="hold">
+                                          <p:stCondLst>
+                                            <p:cond delay="0"/>
+                                          </p:stCondLst>
+                                        </p:cTn>
+                                        <p:tgtEl>
+                                          <p:spTgt spid="3">
+                                            <p:txEl>
+                                              <p:pRg st="0" end="0"/>
+                                            </p:txEl>
+                                          </p:spTgt>
+                                        </p:tgtEl>
+                                        <p:attrNameLst>
+                                          <p:attrName>style.visibility</p:attrName>
+                                        </p:attrNameLst>
+                                      </p:cBhvr>
+                                      <p:to>
+                                        <p:strVal val="visible"/>
+                                      </p:to>
+                                    </p:set>
+                                    <p:anim calcmode="lin" valueType="num">
+                                      <p:cBhvr additive="base">
+                                        <p:cTn id="7" dur="500" fill="hold"/>
+                                        <p:tgtEl>
+                                          <p:spTgt spid="3">
+                                            <p:txEl>
+                                              <p:pRg st="0" end="0"/>
+                                            </p:txEl>
+                                          </p:spTgt>
+                                        </p:tgtEl>
+                                        <p:attrNameLst>
+                                          <p:attrName>ppt_x</p:attrName>
+                                        </p:attrNameLst>
+                                      </p:cBhvr>
+                                      <p:tavLst>
+                                        <p:tav tm="0">
+                                          <p:val>
+                                            <p:strVal val="#ppt_x"/>
+                                          </p:val>
+                                        </p:tav>
+                                        <p:tav tm="100000">
+                                          <p:val>
+                                            <p:strVal val="#ppt_x"/>
+                                          </p:val>
+                                        </p:tav>
+                                      </p:tavLst>
+                                    </p:anim>
+                                    <p:anim calcmode="lin" valueType="num">
+                                      <p:cBhvr additive="base">
+                                        <p:cTn id="8" dur="500" fill="hold"/>
+                                        <p:tgtEl>
+                                          <p:spTgt spid="3">
+                                            <p:txEl>
+                                              <p:pRg st="0" end="0"/>
+                                            </p:txEl>
+                                          </p:spTgt>
+                                        </p:tgtEl>
+                                        <p:attrNameLst>
+                                          <p:attrName>ppt_y</p:attrName>
+                                        </p:attrNameLst>
+                                      </p:cBhvr>
+                                      <p:tavLst>
+                                        <p:tav tm="0">
+                                          <p:val>
+                                            <p:strVal val="1+#ppt_h/2"/>
+                                          </p:val>
+                                        </p:tav>
+                                        <p:tav tm="100000">
+                                          <p:val>
+                                            <p:strVal val="#ppt_y"/>
+                                          </p:val>
+                                        </p:tav>
+                                      </p:tavLst>
+                                    </p:anim>
+                                  </p:childTnLst>
+                                </p:cTn>
+                              </p:par>
+                            </p:childTnLst>
+                          </p:cTn>
+                        </p:par>
+                      </p:childTnLst>
+                    </p:cTn>
+                  </p:par>
+                  <p:par>
+                    <p:cTn id="9" fill="hold">
+                      <p:stCondLst>
+                        <p:cond delay="indefinite"/>
+                      </p:stCondLst>
+                      <p:childTnLst>
+                        <p:par>
+                          <p:cTn id="10" fill="hold">
+                            <p:stCondLst>
+                              <p:cond delay="0"/>
+                            </p:stCondLst>
+                            <p:childTnLst>
+                              <p:par>
+                                <p:cTn id="11" presetID="2" presetClass="entr" presetSubtype="4" fill="hold" nodeType="clickEffect">
+                                  <p:stCondLst>
+                                    <p:cond delay="0"/>
+                                  </p:stCondLst>
+                                  <p:childTnLst>
+                                    <p:set>
+                                      <p:cBhvr>
+                                        <p:cTn id="12" dur="1" fill="hold">
+                                          <p:stCondLst>
+                                            <p:cond delay="0"/>
+                                          </p:stCondLst>
+                                        </p:cTn>
+                                        <p:tgtEl>
+                                          <p:spTgt spid="3">
+                                            <p:txEl>
+                                              <p:pRg st="1" end="1"/>
+                                            </p:txEl>
+                                          </p:spTgt>
+                                        </p:tgtEl>
+                                        <p:attrNameLst>
+                                          <p:attrName>style.visibility</p:attrName>
+                                        </p:attrNameLst>
+                                      </p:cBhvr>
+                                      <p:to>
+                                        <p:strVal val="visible"/>
+                                      </p:to>
+                                    </p:set>
+                                    <p:anim calcmode="lin" valueType="num">
+                                      <p:cBhvr additive="base">
+                                        <p:cTn id="13" dur="500" fill="hold"/>
+                                        <p:tgtEl>
+                                          <p:spTgt spid="3">
+                                            <p:txEl>
+                                              <p:pRg st="1" end="1"/>
+                                            </p:txEl>
+                                          </p:spTgt>
+                                        </p:tgtEl>
+                                        <p:attrNameLst>
+                                          <p:attrName>ppt_x</p:attrName>
+                                        </p:attrNameLst>
+                                      </p:cBhvr>
+                                      <p:tavLst>
+                                        <p:tav tm="0">
+                                          <p:val>
+                                            <p:strVal val="#ppt_x"/>
+                                          </p:val>
+                                        </p:tav>
+                                        <p:tav tm="100000">
+                                          <p:val>
+                                            <p:strVal val="#ppt_x"/>
+                                          </p:val>
+                                        </p:tav>
+                                      </p:tavLst>
+                                    </p:anim>
+                                    <p:anim calcmode="lin" valueType="num">
+                                      <p:cBhvr additive="base">
+                                        <p:cTn id="14" dur="500" fill="hold"/>
+                                        <p:tgtEl>
+                                          <p:spTgt spid="3">
+                                            <p:txEl>
+                                              <p:pRg st="1" end="1"/>
+                                            </p:txEl>
+                                          </p:spTgt>
+                                        </p:tgtEl>
+                                        <p:attrNameLst>
+                                          <p:attrName>ppt_y</p:attrName>
+                                        </p:attrNameLst>
+                                      </p:cBhvr>
+                                      <p:tavLst>
+                                        <p:tav tm="0">
+                                          <p:val>
+                                            <p:strVal val="1+#ppt_h/2"/>
+                                          </p:val>
+                                        </p:tav>
+                                        <p:tav tm="100000">
+                                          <p:val>
+                                            <p:strVal val="#ppt_y"/>
+                                          </p:val>
+                                        </p:tav>
+                                      </p:tavLst>
+                                    </p:anim>
+                                  </p:childTnLst>
+                                </p:cTn>
+                              </p:par>
+                            </p:childTnLst>
+                          </p:cTn>
+                        </p:par>
+                      </p:childTnLst>
+                    </p:cTn>
+                  </p:par>
+                </p:childTnLst>
+              </p:cTn>
+              <p:prevCondLst>
+                <p:cond evt="onPrev" delay="0">
+                  <p:tgtEl>
+                    <p:sldTgt/>
+                  </p:tgtEl>
+                </p:cond>
+              </p:prevCondLst>
+              <p:nextCondLst>
+                <p:cond evt="onNext" delay="0">
+                  <p:tgtEl>
+                    <p:sldTgt/>
+                  </p:tgtEl>
+                </p:cond>
+              </p:nextCondLst>
+            </p:seq>
+          </p:childTnLst>
+        </p:cTn>
+      </p:par>
+    </p:tnLst>
+  </p:timing>
 </p:sld>
 </file>
 
@@ -19933,6 +21981,357 @@
   <p:clrMapOvr>
     <a:masterClrMapping/>
   </p:clrMapOvr>
+  <mc:AlternateContent xmlns:mc="http://schemas.openxmlformats.org/markup-compatibility/2006">
+    <mc:Choice xmlns:p14="http://schemas.microsoft.com/office/powerpoint/2010/main" Requires="p14">
+      <p:transition spd="slow" p14:dur="1500">
+        <p:split orient="vert"/>
+      </p:transition>
+    </mc:Choice>
+    <mc:Fallback>
+      <p:transition spd="slow">
+        <p:split orient="vert"/>
+      </p:transition>
+    </mc:Fallback>
+  </mc:AlternateContent>
+  <p:timing>
+    <p:tnLst>
+      <p:par>
+        <p:cTn id="1" dur="indefinite" restart="never" nodeType="tmRoot">
+          <p:childTnLst>
+            <p:seq concurrent="1" nextAc="seek">
+              <p:cTn id="2" dur="indefinite" nodeType="mainSeq">
+                <p:childTnLst>
+                  <p:par>
+                    <p:cTn id="3" fill="hold">
+                      <p:stCondLst>
+                        <p:cond delay="indefinite"/>
+                      </p:stCondLst>
+                      <p:childTnLst>
+                        <p:par>
+                          <p:cTn id="4" fill="hold">
+                            <p:stCondLst>
+                              <p:cond delay="0"/>
+                            </p:stCondLst>
+                            <p:childTnLst>
+                              <p:par>
+                                <p:cTn id="5" presetID="2" presetClass="entr" presetSubtype="4" fill="hold" nodeType="clickEffect">
+                                  <p:stCondLst>
+                                    <p:cond delay="0"/>
+                                  </p:stCondLst>
+                                  <p:childTnLst>
+                                    <p:set>
+                                      <p:cBhvr>
+                                        <p:cTn id="6" dur="1" fill="hold">
+                                          <p:stCondLst>
+                                            <p:cond delay="0"/>
+                                          </p:stCondLst>
+                                        </p:cTn>
+                                        <p:tgtEl>
+                                          <p:spTgt spid="3">
+                                            <p:txEl>
+                                              <p:pRg st="0" end="0"/>
+                                            </p:txEl>
+                                          </p:spTgt>
+                                        </p:tgtEl>
+                                        <p:attrNameLst>
+                                          <p:attrName>style.visibility</p:attrName>
+                                        </p:attrNameLst>
+                                      </p:cBhvr>
+                                      <p:to>
+                                        <p:strVal val="visible"/>
+                                      </p:to>
+                                    </p:set>
+                                    <p:anim calcmode="lin" valueType="num">
+                                      <p:cBhvr additive="base">
+                                        <p:cTn id="7" dur="500" fill="hold"/>
+                                        <p:tgtEl>
+                                          <p:spTgt spid="3">
+                                            <p:txEl>
+                                              <p:pRg st="0" end="0"/>
+                                            </p:txEl>
+                                          </p:spTgt>
+                                        </p:tgtEl>
+                                        <p:attrNameLst>
+                                          <p:attrName>ppt_x</p:attrName>
+                                        </p:attrNameLst>
+                                      </p:cBhvr>
+                                      <p:tavLst>
+                                        <p:tav tm="0">
+                                          <p:val>
+                                            <p:strVal val="#ppt_x"/>
+                                          </p:val>
+                                        </p:tav>
+                                        <p:tav tm="100000">
+                                          <p:val>
+                                            <p:strVal val="#ppt_x"/>
+                                          </p:val>
+                                        </p:tav>
+                                      </p:tavLst>
+                                    </p:anim>
+                                    <p:anim calcmode="lin" valueType="num">
+                                      <p:cBhvr additive="base">
+                                        <p:cTn id="8" dur="500" fill="hold"/>
+                                        <p:tgtEl>
+                                          <p:spTgt spid="3">
+                                            <p:txEl>
+                                              <p:pRg st="0" end="0"/>
+                                            </p:txEl>
+                                          </p:spTgt>
+                                        </p:tgtEl>
+                                        <p:attrNameLst>
+                                          <p:attrName>ppt_y</p:attrName>
+                                        </p:attrNameLst>
+                                      </p:cBhvr>
+                                      <p:tavLst>
+                                        <p:tav tm="0">
+                                          <p:val>
+                                            <p:strVal val="1+#ppt_h/2"/>
+                                          </p:val>
+                                        </p:tav>
+                                        <p:tav tm="100000">
+                                          <p:val>
+                                            <p:strVal val="#ppt_y"/>
+                                          </p:val>
+                                        </p:tav>
+                                      </p:tavLst>
+                                    </p:anim>
+                                  </p:childTnLst>
+                                </p:cTn>
+                              </p:par>
+                            </p:childTnLst>
+                          </p:cTn>
+                        </p:par>
+                      </p:childTnLst>
+                    </p:cTn>
+                  </p:par>
+                  <p:par>
+                    <p:cTn id="9" fill="hold">
+                      <p:stCondLst>
+                        <p:cond delay="indefinite"/>
+                      </p:stCondLst>
+                      <p:childTnLst>
+                        <p:par>
+                          <p:cTn id="10" fill="hold">
+                            <p:stCondLst>
+                              <p:cond delay="0"/>
+                            </p:stCondLst>
+                            <p:childTnLst>
+                              <p:par>
+                                <p:cTn id="11" presetID="2" presetClass="entr" presetSubtype="4" fill="hold" nodeType="clickEffect">
+                                  <p:stCondLst>
+                                    <p:cond delay="0"/>
+                                  </p:stCondLst>
+                                  <p:childTnLst>
+                                    <p:set>
+                                      <p:cBhvr>
+                                        <p:cTn id="12" dur="1" fill="hold">
+                                          <p:stCondLst>
+                                            <p:cond delay="0"/>
+                                          </p:stCondLst>
+                                        </p:cTn>
+                                        <p:tgtEl>
+                                          <p:spTgt spid="3">
+                                            <p:txEl>
+                                              <p:pRg st="1" end="1"/>
+                                            </p:txEl>
+                                          </p:spTgt>
+                                        </p:tgtEl>
+                                        <p:attrNameLst>
+                                          <p:attrName>style.visibility</p:attrName>
+                                        </p:attrNameLst>
+                                      </p:cBhvr>
+                                      <p:to>
+                                        <p:strVal val="visible"/>
+                                      </p:to>
+                                    </p:set>
+                                    <p:anim calcmode="lin" valueType="num">
+                                      <p:cBhvr additive="base">
+                                        <p:cTn id="13" dur="500" fill="hold"/>
+                                        <p:tgtEl>
+                                          <p:spTgt spid="3">
+                                            <p:txEl>
+                                              <p:pRg st="1" end="1"/>
+                                            </p:txEl>
+                                          </p:spTgt>
+                                        </p:tgtEl>
+                                        <p:attrNameLst>
+                                          <p:attrName>ppt_x</p:attrName>
+                                        </p:attrNameLst>
+                                      </p:cBhvr>
+                                      <p:tavLst>
+                                        <p:tav tm="0">
+                                          <p:val>
+                                            <p:strVal val="#ppt_x"/>
+                                          </p:val>
+                                        </p:tav>
+                                        <p:tav tm="100000">
+                                          <p:val>
+                                            <p:strVal val="#ppt_x"/>
+                                          </p:val>
+                                        </p:tav>
+                                      </p:tavLst>
+                                    </p:anim>
+                                    <p:anim calcmode="lin" valueType="num">
+                                      <p:cBhvr additive="base">
+                                        <p:cTn id="14" dur="500" fill="hold"/>
+                                        <p:tgtEl>
+                                          <p:spTgt spid="3">
+                                            <p:txEl>
+                                              <p:pRg st="1" end="1"/>
+                                            </p:txEl>
+                                          </p:spTgt>
+                                        </p:tgtEl>
+                                        <p:attrNameLst>
+                                          <p:attrName>ppt_y</p:attrName>
+                                        </p:attrNameLst>
+                                      </p:cBhvr>
+                                      <p:tavLst>
+                                        <p:tav tm="0">
+                                          <p:val>
+                                            <p:strVal val="1+#ppt_h/2"/>
+                                          </p:val>
+                                        </p:tav>
+                                        <p:tav tm="100000">
+                                          <p:val>
+                                            <p:strVal val="#ppt_y"/>
+                                          </p:val>
+                                        </p:tav>
+                                      </p:tavLst>
+                                    </p:anim>
+                                  </p:childTnLst>
+                                </p:cTn>
+                              </p:par>
+                            </p:childTnLst>
+                          </p:cTn>
+                        </p:par>
+                      </p:childTnLst>
+                    </p:cTn>
+                  </p:par>
+                  <p:par>
+                    <p:cTn id="15" fill="hold">
+                      <p:stCondLst>
+                        <p:cond delay="indefinite"/>
+                      </p:stCondLst>
+                      <p:childTnLst>
+                        <p:par>
+                          <p:cTn id="16" fill="hold">
+                            <p:stCondLst>
+                              <p:cond delay="0"/>
+                            </p:stCondLst>
+                            <p:childTnLst>
+                              <p:par>
+                                <p:cTn id="17" presetID="2" presetClass="entr" presetSubtype="4" fill="hold" nodeType="clickEffect">
+                                  <p:stCondLst>
+                                    <p:cond delay="0"/>
+                                  </p:stCondLst>
+                                  <p:childTnLst>
+                                    <p:set>
+                                      <p:cBhvr>
+                                        <p:cTn id="18" dur="1" fill="hold">
+                                          <p:stCondLst>
+                                            <p:cond delay="0"/>
+                                          </p:stCondLst>
+                                        </p:cTn>
+                                        <p:tgtEl>
+                                          <p:spTgt spid="3">
+                                            <p:txEl>
+                                              <p:pRg st="2" end="2"/>
+                                            </p:txEl>
+                                          </p:spTgt>
+                                        </p:tgtEl>
+                                        <p:attrNameLst>
+                                          <p:attrName>style.visibility</p:attrName>
+                                        </p:attrNameLst>
+                                      </p:cBhvr>
+                                      <p:to>
+                                        <p:strVal val="visible"/>
+                                      </p:to>
+                                    </p:set>
+                                    <p:anim calcmode="lin" valueType="num">
+                                      <p:cBhvr additive="base">
+                                        <p:cTn id="19" dur="500" fill="hold"/>
+                                        <p:tgtEl>
+                                          <p:spTgt spid="3">
+                                            <p:txEl>
+                                              <p:pRg st="2" end="2"/>
+                                            </p:txEl>
+                                          </p:spTgt>
+                                        </p:tgtEl>
+                                        <p:attrNameLst>
+                                          <p:attrName>ppt_x</p:attrName>
+                                        </p:attrNameLst>
+                                      </p:cBhvr>
+                                      <p:tavLst>
+                                        <p:tav tm="0">
+                                          <p:val>
+                                            <p:strVal val="#ppt_x"/>
+                                          </p:val>
+                                        </p:tav>
+                                        <p:tav tm="100000">
+                                          <p:val>
+                                            <p:strVal val="#ppt_x"/>
+                                          </p:val>
+                                        </p:tav>
+                                      </p:tavLst>
+                                    </p:anim>
+                                    <p:anim calcmode="lin" valueType="num">
+                                      <p:cBhvr additive="base">
+                                        <p:cTn id="20" dur="500" fill="hold"/>
+                                        <p:tgtEl>
+                                          <p:spTgt spid="3">
+                                            <p:txEl>
+                                              <p:pRg st="2" end="2"/>
+                                            </p:txEl>
+                                          </p:spTgt>
+                                        </p:tgtEl>
+                                        <p:attrNameLst>
+                                          <p:attrName>ppt_y</p:attrName>
+                                        </p:attrNameLst>
+                                      </p:cBhvr>
+                                      <p:tavLst>
+                                        <p:tav tm="0">
+                                          <p:val>
+                                            <p:strVal val="1+#ppt_h/2"/>
+                                          </p:val>
+                                        </p:tav>
+                                        <p:tav tm="100000">
+                                          <p:val>
+                                            <p:strVal val="#ppt_y"/>
+                                          </p:val>
+                                        </p:tav>
+                                      </p:tavLst>
+                                    </p:anim>
+                                  </p:childTnLst>
+                                </p:cTn>
+                              </p:par>
+                            </p:childTnLst>
+                          </p:cTn>
+                        </p:par>
+                      </p:childTnLst>
+                    </p:cTn>
+                  </p:par>
+                </p:childTnLst>
+              </p:cTn>
+              <p:prevCondLst>
+                <p:cond evt="onPrev" delay="0">
+                  <p:tgtEl>
+                    <p:sldTgt/>
+                  </p:tgtEl>
+                </p:cond>
+              </p:prevCondLst>
+              <p:nextCondLst>
+                <p:cond evt="onNext" delay="0">
+                  <p:tgtEl>
+                    <p:sldTgt/>
+                  </p:tgtEl>
+                </p:cond>
+              </p:nextCondLst>
+            </p:seq>
+          </p:childTnLst>
+        </p:cTn>
+      </p:par>
+    </p:tnLst>
+  </p:timing>
 </p:sld>
 </file>
 
@@ -20051,6 +22450,18 @@
   <p:clrMapOvr>
     <a:masterClrMapping/>
   </p:clrMapOvr>
+  <mc:AlternateContent xmlns:mc="http://schemas.openxmlformats.org/markup-compatibility/2006">
+    <mc:Choice xmlns:p15="http://schemas.microsoft.com/office/powerpoint/2012/main" Requires="p15">
+      <p:transition xmlns:p14="http://schemas.microsoft.com/office/powerpoint/2010/main" spd="slow" p14:dur="1250">
+        <p15:prstTrans prst="airplane" invX="1"/>
+      </p:transition>
+    </mc:Choice>
+    <mc:Fallback>
+      <p:transition spd="slow">
+        <p:fade/>
+      </p:transition>
+    </mc:Fallback>
+  </mc:AlternateContent>
   <p:timing>
     <p:tnLst>
       <p:par>
@@ -20284,10 +22695,295 @@
   <p:clrMapOvr>
     <a:masterClrMapping/>
   </p:clrMapOvr>
+  <p:transition spd="slow">
+    <p:push dir="u"/>
+  </p:transition>
   <p:timing>
     <p:tnLst>
       <p:par>
-        <p:cTn id="1" dur="indefinite" restart="never" nodeType="tmRoot"/>
+        <p:cTn id="1" dur="indefinite" restart="never" nodeType="tmRoot">
+          <p:childTnLst>
+            <p:seq concurrent="1" nextAc="seek">
+              <p:cTn id="2" dur="indefinite" nodeType="mainSeq">
+                <p:childTnLst>
+                  <p:par>
+                    <p:cTn id="3" fill="hold">
+                      <p:stCondLst>
+                        <p:cond delay="indefinite"/>
+                      </p:stCondLst>
+                      <p:childTnLst>
+                        <p:par>
+                          <p:cTn id="4" fill="hold">
+                            <p:stCondLst>
+                              <p:cond delay="0"/>
+                            </p:stCondLst>
+                            <p:childTnLst>
+                              <p:par>
+                                <p:cTn id="5" presetID="2" presetClass="entr" presetSubtype="4" fill="hold" nodeType="clickEffect">
+                                  <p:stCondLst>
+                                    <p:cond delay="0"/>
+                                  </p:stCondLst>
+                                  <p:childTnLst>
+                                    <p:set>
+                                      <p:cBhvr>
+                                        <p:cTn id="6" dur="1" fill="hold">
+                                          <p:stCondLst>
+                                            <p:cond delay="0"/>
+                                          </p:stCondLst>
+                                        </p:cTn>
+                                        <p:tgtEl>
+                                          <p:spTgt spid="4">
+                                            <p:txEl>
+                                              <p:pRg st="0" end="0"/>
+                                            </p:txEl>
+                                          </p:spTgt>
+                                        </p:tgtEl>
+                                        <p:attrNameLst>
+                                          <p:attrName>style.visibility</p:attrName>
+                                        </p:attrNameLst>
+                                      </p:cBhvr>
+                                      <p:to>
+                                        <p:strVal val="visible"/>
+                                      </p:to>
+                                    </p:set>
+                                    <p:anim calcmode="lin" valueType="num">
+                                      <p:cBhvr additive="base">
+                                        <p:cTn id="7" dur="500" fill="hold"/>
+                                        <p:tgtEl>
+                                          <p:spTgt spid="4">
+                                            <p:txEl>
+                                              <p:pRg st="0" end="0"/>
+                                            </p:txEl>
+                                          </p:spTgt>
+                                        </p:tgtEl>
+                                        <p:attrNameLst>
+                                          <p:attrName>ppt_x</p:attrName>
+                                        </p:attrNameLst>
+                                      </p:cBhvr>
+                                      <p:tavLst>
+                                        <p:tav tm="0">
+                                          <p:val>
+                                            <p:strVal val="#ppt_x"/>
+                                          </p:val>
+                                        </p:tav>
+                                        <p:tav tm="100000">
+                                          <p:val>
+                                            <p:strVal val="#ppt_x"/>
+                                          </p:val>
+                                        </p:tav>
+                                      </p:tavLst>
+                                    </p:anim>
+                                    <p:anim calcmode="lin" valueType="num">
+                                      <p:cBhvr additive="base">
+                                        <p:cTn id="8" dur="500" fill="hold"/>
+                                        <p:tgtEl>
+                                          <p:spTgt spid="4">
+                                            <p:txEl>
+                                              <p:pRg st="0" end="0"/>
+                                            </p:txEl>
+                                          </p:spTgt>
+                                        </p:tgtEl>
+                                        <p:attrNameLst>
+                                          <p:attrName>ppt_y</p:attrName>
+                                        </p:attrNameLst>
+                                      </p:cBhvr>
+                                      <p:tavLst>
+                                        <p:tav tm="0">
+                                          <p:val>
+                                            <p:strVal val="1+#ppt_h/2"/>
+                                          </p:val>
+                                        </p:tav>
+                                        <p:tav tm="100000">
+                                          <p:val>
+                                            <p:strVal val="#ppt_y"/>
+                                          </p:val>
+                                        </p:tav>
+                                      </p:tavLst>
+                                    </p:anim>
+                                  </p:childTnLst>
+                                </p:cTn>
+                              </p:par>
+                            </p:childTnLst>
+                          </p:cTn>
+                        </p:par>
+                      </p:childTnLst>
+                    </p:cTn>
+                  </p:par>
+                  <p:par>
+                    <p:cTn id="9" fill="hold">
+                      <p:stCondLst>
+                        <p:cond delay="indefinite"/>
+                      </p:stCondLst>
+                      <p:childTnLst>
+                        <p:par>
+                          <p:cTn id="10" fill="hold">
+                            <p:stCondLst>
+                              <p:cond delay="0"/>
+                            </p:stCondLst>
+                            <p:childTnLst>
+                              <p:par>
+                                <p:cTn id="11" presetID="10" presetClass="entr" presetSubtype="0" fill="hold" nodeType="clickEffect">
+                                  <p:stCondLst>
+                                    <p:cond delay="0"/>
+                                  </p:stCondLst>
+                                  <p:childTnLst>
+                                    <p:set>
+                                      <p:cBhvr>
+                                        <p:cTn id="12" dur="1" fill="hold">
+                                          <p:stCondLst>
+                                            <p:cond delay="0"/>
+                                          </p:stCondLst>
+                                        </p:cTn>
+                                        <p:tgtEl>
+                                          <p:spTgt spid="21"/>
+                                        </p:tgtEl>
+                                        <p:attrNameLst>
+                                          <p:attrName>style.visibility</p:attrName>
+                                        </p:attrNameLst>
+                                      </p:cBhvr>
+                                      <p:to>
+                                        <p:strVal val="visible"/>
+                                      </p:to>
+                                    </p:set>
+                                    <p:animEffect transition="in" filter="fade">
+                                      <p:cBhvr>
+                                        <p:cTn id="13" dur="500"/>
+                                        <p:tgtEl>
+                                          <p:spTgt spid="21"/>
+                                        </p:tgtEl>
+                                      </p:cBhvr>
+                                    </p:animEffect>
+                                  </p:childTnLst>
+                                </p:cTn>
+                              </p:par>
+                            </p:childTnLst>
+                          </p:cTn>
+                        </p:par>
+                      </p:childTnLst>
+                    </p:cTn>
+                  </p:par>
+                  <p:par>
+                    <p:cTn id="14" fill="hold">
+                      <p:stCondLst>
+                        <p:cond delay="indefinite"/>
+                      </p:stCondLst>
+                      <p:childTnLst>
+                        <p:par>
+                          <p:cTn id="15" fill="hold">
+                            <p:stCondLst>
+                              <p:cond delay="0"/>
+                            </p:stCondLst>
+                            <p:childTnLst>
+                              <p:par>
+                                <p:cTn id="16" presetID="2" presetClass="entr" presetSubtype="4" fill="hold" nodeType="clickEffect">
+                                  <p:stCondLst>
+                                    <p:cond delay="0"/>
+                                  </p:stCondLst>
+                                  <p:childTnLst>
+                                    <p:set>
+                                      <p:cBhvr>
+                                        <p:cTn id="17" dur="1" fill="hold">
+                                          <p:stCondLst>
+                                            <p:cond delay="0"/>
+                                          </p:stCondLst>
+                                        </p:cTn>
+                                        <p:tgtEl>
+                                          <p:spTgt spid="4">
+                                            <p:txEl>
+                                              <p:pRg st="1" end="1"/>
+                                            </p:txEl>
+                                          </p:spTgt>
+                                        </p:tgtEl>
+                                        <p:attrNameLst>
+                                          <p:attrName>style.visibility</p:attrName>
+                                        </p:attrNameLst>
+                                      </p:cBhvr>
+                                      <p:to>
+                                        <p:strVal val="visible"/>
+                                      </p:to>
+                                    </p:set>
+                                    <p:anim calcmode="lin" valueType="num">
+                                      <p:cBhvr additive="base">
+                                        <p:cTn id="18" dur="500" fill="hold"/>
+                                        <p:tgtEl>
+                                          <p:spTgt spid="4">
+                                            <p:txEl>
+                                              <p:pRg st="1" end="1"/>
+                                            </p:txEl>
+                                          </p:spTgt>
+                                        </p:tgtEl>
+                                        <p:attrNameLst>
+                                          <p:attrName>ppt_x</p:attrName>
+                                        </p:attrNameLst>
+                                      </p:cBhvr>
+                                      <p:tavLst>
+                                        <p:tav tm="0">
+                                          <p:val>
+                                            <p:strVal val="#ppt_x"/>
+                                          </p:val>
+                                        </p:tav>
+                                        <p:tav tm="100000">
+                                          <p:val>
+                                            <p:strVal val="#ppt_x"/>
+                                          </p:val>
+                                        </p:tav>
+                                      </p:tavLst>
+                                    </p:anim>
+                                    <p:anim calcmode="lin" valueType="num">
+                                      <p:cBhvr additive="base">
+                                        <p:cTn id="19" dur="500" fill="hold"/>
+                                        <p:tgtEl>
+                                          <p:spTgt spid="4">
+                                            <p:txEl>
+                                              <p:pRg st="1" end="1"/>
+                                            </p:txEl>
+                                          </p:spTgt>
+                                        </p:tgtEl>
+                                        <p:attrNameLst>
+                                          <p:attrName>ppt_y</p:attrName>
+                                        </p:attrNameLst>
+                                      </p:cBhvr>
+                                      <p:tavLst>
+                                        <p:tav tm="0">
+                                          <p:val>
+                                            <p:strVal val="1+#ppt_h/2"/>
+                                          </p:val>
+                                        </p:tav>
+                                        <p:tav tm="100000">
+                                          <p:val>
+                                            <p:strVal val="#ppt_y"/>
+                                          </p:val>
+                                        </p:tav>
+                                      </p:tavLst>
+                                    </p:anim>
+                                  </p:childTnLst>
+                                </p:cTn>
+                              </p:par>
+                            </p:childTnLst>
+                          </p:cTn>
+                        </p:par>
+                      </p:childTnLst>
+                    </p:cTn>
+                  </p:par>
+                </p:childTnLst>
+              </p:cTn>
+              <p:prevCondLst>
+                <p:cond evt="onPrev" delay="0">
+                  <p:tgtEl>
+                    <p:sldTgt/>
+                  </p:tgtEl>
+                </p:cond>
+              </p:prevCondLst>
+              <p:nextCondLst>
+                <p:cond evt="onNext" delay="0">
+                  <p:tgtEl>
+                    <p:sldTgt/>
+                  </p:tgtEl>
+                </p:cond>
+              </p:nextCondLst>
+            </p:seq>
+          </p:childTnLst>
+        </p:cTn>
       </p:par>
     </p:tnLst>
   </p:timing>
@@ -20456,10 +23152,350 @@
   <p:clrMapOvr>
     <a:masterClrMapping/>
   </p:clrMapOvr>
+  <mc:AlternateContent xmlns:mc="http://schemas.openxmlformats.org/markup-compatibility/2006">
+    <mc:Choice xmlns:p14="http://schemas.microsoft.com/office/powerpoint/2010/main" Requires="p14">
+      <p:transition spd="slow" p14:dur="800">
+        <p:circle/>
+      </p:transition>
+    </mc:Choice>
+    <mc:Fallback>
+      <p:transition spd="slow">
+        <p:circle/>
+      </p:transition>
+    </mc:Fallback>
+  </mc:AlternateContent>
   <p:timing>
     <p:tnLst>
       <p:par>
-        <p:cTn id="1" dur="indefinite" restart="never" nodeType="tmRoot"/>
+        <p:cTn id="1" dur="indefinite" restart="never" nodeType="tmRoot">
+          <p:childTnLst>
+            <p:seq concurrent="1" nextAc="seek">
+              <p:cTn id="2" dur="indefinite" nodeType="mainSeq">
+                <p:childTnLst>
+                  <p:par>
+                    <p:cTn id="3" fill="hold">
+                      <p:stCondLst>
+                        <p:cond delay="indefinite"/>
+                      </p:stCondLst>
+                      <p:childTnLst>
+                        <p:par>
+                          <p:cTn id="4" fill="hold">
+                            <p:stCondLst>
+                              <p:cond delay="0"/>
+                            </p:stCondLst>
+                            <p:childTnLst>
+                              <p:par>
+                                <p:cTn id="5" presetID="2" presetClass="entr" presetSubtype="4" fill="hold" nodeType="clickEffect">
+                                  <p:stCondLst>
+                                    <p:cond delay="0"/>
+                                  </p:stCondLst>
+                                  <p:childTnLst>
+                                    <p:set>
+                                      <p:cBhvr>
+                                        <p:cTn id="6" dur="1" fill="hold">
+                                          <p:stCondLst>
+                                            <p:cond delay="0"/>
+                                          </p:stCondLst>
+                                        </p:cTn>
+                                        <p:tgtEl>
+                                          <p:spTgt spid="4">
+                                            <p:txEl>
+                                              <p:pRg st="0" end="0"/>
+                                            </p:txEl>
+                                          </p:spTgt>
+                                        </p:tgtEl>
+                                        <p:attrNameLst>
+                                          <p:attrName>style.visibility</p:attrName>
+                                        </p:attrNameLst>
+                                      </p:cBhvr>
+                                      <p:to>
+                                        <p:strVal val="visible"/>
+                                      </p:to>
+                                    </p:set>
+                                    <p:anim calcmode="lin" valueType="num">
+                                      <p:cBhvr additive="base">
+                                        <p:cTn id="7" dur="500" fill="hold"/>
+                                        <p:tgtEl>
+                                          <p:spTgt spid="4">
+                                            <p:txEl>
+                                              <p:pRg st="0" end="0"/>
+                                            </p:txEl>
+                                          </p:spTgt>
+                                        </p:tgtEl>
+                                        <p:attrNameLst>
+                                          <p:attrName>ppt_x</p:attrName>
+                                        </p:attrNameLst>
+                                      </p:cBhvr>
+                                      <p:tavLst>
+                                        <p:tav tm="0">
+                                          <p:val>
+                                            <p:strVal val="#ppt_x"/>
+                                          </p:val>
+                                        </p:tav>
+                                        <p:tav tm="100000">
+                                          <p:val>
+                                            <p:strVal val="#ppt_x"/>
+                                          </p:val>
+                                        </p:tav>
+                                      </p:tavLst>
+                                    </p:anim>
+                                    <p:anim calcmode="lin" valueType="num">
+                                      <p:cBhvr additive="base">
+                                        <p:cTn id="8" dur="500" fill="hold"/>
+                                        <p:tgtEl>
+                                          <p:spTgt spid="4">
+                                            <p:txEl>
+                                              <p:pRg st="0" end="0"/>
+                                            </p:txEl>
+                                          </p:spTgt>
+                                        </p:tgtEl>
+                                        <p:attrNameLst>
+                                          <p:attrName>ppt_y</p:attrName>
+                                        </p:attrNameLst>
+                                      </p:cBhvr>
+                                      <p:tavLst>
+                                        <p:tav tm="0">
+                                          <p:val>
+                                            <p:strVal val="1+#ppt_h/2"/>
+                                          </p:val>
+                                        </p:tav>
+                                        <p:tav tm="100000">
+                                          <p:val>
+                                            <p:strVal val="#ppt_y"/>
+                                          </p:val>
+                                        </p:tav>
+                                      </p:tavLst>
+                                    </p:anim>
+                                  </p:childTnLst>
+                                </p:cTn>
+                              </p:par>
+                            </p:childTnLst>
+                          </p:cTn>
+                        </p:par>
+                      </p:childTnLst>
+                    </p:cTn>
+                  </p:par>
+                  <p:par>
+                    <p:cTn id="9" fill="hold">
+                      <p:stCondLst>
+                        <p:cond delay="indefinite"/>
+                      </p:stCondLst>
+                      <p:childTnLst>
+                        <p:par>
+                          <p:cTn id="10" fill="hold">
+                            <p:stCondLst>
+                              <p:cond delay="0"/>
+                            </p:stCondLst>
+                            <p:childTnLst>
+                              <p:par>
+                                <p:cTn id="11" presetID="2" presetClass="entr" presetSubtype="4" fill="hold" nodeType="clickEffect">
+                                  <p:stCondLst>
+                                    <p:cond delay="0"/>
+                                  </p:stCondLst>
+                                  <p:childTnLst>
+                                    <p:set>
+                                      <p:cBhvr>
+                                        <p:cTn id="12" dur="1" fill="hold">
+                                          <p:stCondLst>
+                                            <p:cond delay="0"/>
+                                          </p:stCondLst>
+                                        </p:cTn>
+                                        <p:tgtEl>
+                                          <p:spTgt spid="4">
+                                            <p:txEl>
+                                              <p:pRg st="1" end="1"/>
+                                            </p:txEl>
+                                          </p:spTgt>
+                                        </p:tgtEl>
+                                        <p:attrNameLst>
+                                          <p:attrName>style.visibility</p:attrName>
+                                        </p:attrNameLst>
+                                      </p:cBhvr>
+                                      <p:to>
+                                        <p:strVal val="visible"/>
+                                      </p:to>
+                                    </p:set>
+                                    <p:anim calcmode="lin" valueType="num">
+                                      <p:cBhvr additive="base">
+                                        <p:cTn id="13" dur="500" fill="hold"/>
+                                        <p:tgtEl>
+                                          <p:spTgt spid="4">
+                                            <p:txEl>
+                                              <p:pRg st="1" end="1"/>
+                                            </p:txEl>
+                                          </p:spTgt>
+                                        </p:tgtEl>
+                                        <p:attrNameLst>
+                                          <p:attrName>ppt_x</p:attrName>
+                                        </p:attrNameLst>
+                                      </p:cBhvr>
+                                      <p:tavLst>
+                                        <p:tav tm="0">
+                                          <p:val>
+                                            <p:strVal val="#ppt_x"/>
+                                          </p:val>
+                                        </p:tav>
+                                        <p:tav tm="100000">
+                                          <p:val>
+                                            <p:strVal val="#ppt_x"/>
+                                          </p:val>
+                                        </p:tav>
+                                      </p:tavLst>
+                                    </p:anim>
+                                    <p:anim calcmode="lin" valueType="num">
+                                      <p:cBhvr additive="base">
+                                        <p:cTn id="14" dur="500" fill="hold"/>
+                                        <p:tgtEl>
+                                          <p:spTgt spid="4">
+                                            <p:txEl>
+                                              <p:pRg st="1" end="1"/>
+                                            </p:txEl>
+                                          </p:spTgt>
+                                        </p:tgtEl>
+                                        <p:attrNameLst>
+                                          <p:attrName>ppt_y</p:attrName>
+                                        </p:attrNameLst>
+                                      </p:cBhvr>
+                                      <p:tavLst>
+                                        <p:tav tm="0">
+                                          <p:val>
+                                            <p:strVal val="1+#ppt_h/2"/>
+                                          </p:val>
+                                        </p:tav>
+                                        <p:tav tm="100000">
+                                          <p:val>
+                                            <p:strVal val="#ppt_y"/>
+                                          </p:val>
+                                        </p:tav>
+                                      </p:tavLst>
+                                    </p:anim>
+                                  </p:childTnLst>
+                                </p:cTn>
+                              </p:par>
+                            </p:childTnLst>
+                          </p:cTn>
+                        </p:par>
+                      </p:childTnLst>
+                    </p:cTn>
+                  </p:par>
+                  <p:par>
+                    <p:cTn id="15" fill="hold">
+                      <p:stCondLst>
+                        <p:cond delay="indefinite"/>
+                      </p:stCondLst>
+                      <p:childTnLst>
+                        <p:par>
+                          <p:cTn id="16" fill="hold">
+                            <p:stCondLst>
+                              <p:cond delay="0"/>
+                            </p:stCondLst>
+                            <p:childTnLst>
+                              <p:par>
+                                <p:cTn id="17" presetID="53" presetClass="entr" presetSubtype="16" fill="hold" nodeType="clickEffect">
+                                  <p:stCondLst>
+                                    <p:cond delay="0"/>
+                                  </p:stCondLst>
+                                  <p:childTnLst>
+                                    <p:set>
+                                      <p:cBhvr>
+                                        <p:cTn id="18" dur="1" fill="hold">
+                                          <p:stCondLst>
+                                            <p:cond delay="0"/>
+                                          </p:stCondLst>
+                                        </p:cTn>
+                                        <p:tgtEl>
+                                          <p:spTgt spid="5"/>
+                                        </p:tgtEl>
+                                        <p:attrNameLst>
+                                          <p:attrName>style.visibility</p:attrName>
+                                        </p:attrNameLst>
+                                      </p:cBhvr>
+                                      <p:to>
+                                        <p:strVal val="visible"/>
+                                      </p:to>
+                                    </p:set>
+                                    <p:anim calcmode="lin" valueType="num">
+                                      <p:cBhvr>
+                                        <p:cTn id="19" dur="500" fill="hold"/>
+                                        <p:tgtEl>
+                                          <p:spTgt spid="5"/>
+                                        </p:tgtEl>
+                                        <p:attrNameLst>
+                                          <p:attrName>ppt_w</p:attrName>
+                                        </p:attrNameLst>
+                                      </p:cBhvr>
+                                      <p:tavLst>
+                                        <p:tav tm="0">
+                                          <p:val>
+                                            <p:fltVal val="0"/>
+                                          </p:val>
+                                        </p:tav>
+                                        <p:tav tm="100000">
+                                          <p:val>
+                                            <p:strVal val="#ppt_w"/>
+                                          </p:val>
+                                        </p:tav>
+                                      </p:tavLst>
+                                    </p:anim>
+                                    <p:anim calcmode="lin" valueType="num">
+                                      <p:cBhvr>
+                                        <p:cTn id="20" dur="500" fill="hold"/>
+                                        <p:tgtEl>
+                                          <p:spTgt spid="5"/>
+                                        </p:tgtEl>
+                                        <p:attrNameLst>
+                                          <p:attrName>ppt_h</p:attrName>
+                                        </p:attrNameLst>
+                                      </p:cBhvr>
+                                      <p:tavLst>
+                                        <p:tav tm="0">
+                                          <p:val>
+                                            <p:fltVal val="0"/>
+                                          </p:val>
+                                        </p:tav>
+                                        <p:tav tm="100000">
+                                          <p:val>
+                                            <p:strVal val="#ppt_h"/>
+                                          </p:val>
+                                        </p:tav>
+                                      </p:tavLst>
+                                    </p:anim>
+                                    <p:animEffect transition="in" filter="fade">
+                                      <p:cBhvr>
+                                        <p:cTn id="21" dur="500"/>
+                                        <p:tgtEl>
+                                          <p:spTgt spid="5"/>
+                                        </p:tgtEl>
+                                      </p:cBhvr>
+                                    </p:animEffect>
+                                  </p:childTnLst>
+                                </p:cTn>
+                              </p:par>
+                            </p:childTnLst>
+                          </p:cTn>
+                        </p:par>
+                      </p:childTnLst>
+                    </p:cTn>
+                  </p:par>
+                </p:childTnLst>
+              </p:cTn>
+              <p:prevCondLst>
+                <p:cond evt="onPrev" delay="0">
+                  <p:tgtEl>
+                    <p:sldTgt/>
+                  </p:tgtEl>
+                </p:cond>
+              </p:prevCondLst>
+              <p:nextCondLst>
+                <p:cond evt="onNext" delay="0">
+                  <p:tgtEl>
+                    <p:sldTgt/>
+                  </p:tgtEl>
+                </p:cond>
+              </p:nextCondLst>
+            </p:seq>
+          </p:childTnLst>
+        </p:cTn>
       </p:par>
     </p:tnLst>
   </p:timing>
@@ -20657,12 +23693,462 @@
   <p:clrMapOvr>
     <a:masterClrMapping/>
   </p:clrMapOvr>
+  <p:transition spd="slow">
+    <p:cover/>
+  </p:transition>
   <p:timing>
     <p:tnLst>
       <p:par>
-        <p:cTn id="1" dur="indefinite" restart="never" nodeType="tmRoot"/>
+        <p:cTn id="1" dur="indefinite" restart="never" nodeType="tmRoot">
+          <p:childTnLst>
+            <p:seq concurrent="1" nextAc="seek">
+              <p:cTn id="2" dur="indefinite" nodeType="mainSeq">
+                <p:childTnLst>
+                  <p:par>
+                    <p:cTn id="3" fill="hold">
+                      <p:stCondLst>
+                        <p:cond delay="indefinite"/>
+                      </p:stCondLst>
+                      <p:childTnLst>
+                        <p:par>
+                          <p:cTn id="4" fill="hold">
+                            <p:stCondLst>
+                              <p:cond delay="0"/>
+                            </p:stCondLst>
+                            <p:childTnLst>
+                              <p:par>
+                                <p:cTn id="5" presetID="6" presetClass="entr" presetSubtype="16" fill="hold" nodeType="clickEffect">
+                                  <p:stCondLst>
+                                    <p:cond delay="0"/>
+                                  </p:stCondLst>
+                                  <p:childTnLst>
+                                    <p:set>
+                                      <p:cBhvr>
+                                        <p:cTn id="6" dur="1" fill="hold">
+                                          <p:stCondLst>
+                                            <p:cond delay="0"/>
+                                          </p:stCondLst>
+                                        </p:cTn>
+                                        <p:tgtEl>
+                                          <p:spTgt spid="3">
+                                            <p:txEl>
+                                              <p:pRg st="0" end="0"/>
+                                            </p:txEl>
+                                          </p:spTgt>
+                                        </p:tgtEl>
+                                        <p:attrNameLst>
+                                          <p:attrName>style.visibility</p:attrName>
+                                        </p:attrNameLst>
+                                      </p:cBhvr>
+                                      <p:to>
+                                        <p:strVal val="visible"/>
+                                      </p:to>
+                                    </p:set>
+                                    <p:animEffect transition="in" filter="circle(in)">
+                                      <p:cBhvr>
+                                        <p:cTn id="7" dur="2000"/>
+                                        <p:tgtEl>
+                                          <p:spTgt spid="3">
+                                            <p:txEl>
+                                              <p:pRg st="0" end="0"/>
+                                            </p:txEl>
+                                          </p:spTgt>
+                                        </p:tgtEl>
+                                      </p:cBhvr>
+                                    </p:animEffect>
+                                  </p:childTnLst>
+                                </p:cTn>
+                              </p:par>
+                            </p:childTnLst>
+                          </p:cTn>
+                        </p:par>
+                      </p:childTnLst>
+                    </p:cTn>
+                  </p:par>
+                  <p:par>
+                    <p:cTn id="8" fill="hold">
+                      <p:stCondLst>
+                        <p:cond delay="indefinite"/>
+                      </p:stCondLst>
+                      <p:childTnLst>
+                        <p:par>
+                          <p:cTn id="9" fill="hold">
+                            <p:stCondLst>
+                              <p:cond delay="0"/>
+                            </p:stCondLst>
+                            <p:childTnLst>
+                              <p:par>
+                                <p:cTn id="10" presetID="10" presetClass="entr" presetSubtype="0" fill="hold" nodeType="clickEffect">
+                                  <p:stCondLst>
+                                    <p:cond delay="0"/>
+                                  </p:stCondLst>
+                                  <p:childTnLst>
+                                    <p:set>
+                                      <p:cBhvr>
+                                        <p:cTn id="11" dur="1" fill="hold">
+                                          <p:stCondLst>
+                                            <p:cond delay="0"/>
+                                          </p:stCondLst>
+                                        </p:cTn>
+                                        <p:tgtEl>
+                                          <p:spTgt spid="3">
+                                            <p:txEl>
+                                              <p:pRg st="1" end="1"/>
+                                            </p:txEl>
+                                          </p:spTgt>
+                                        </p:tgtEl>
+                                        <p:attrNameLst>
+                                          <p:attrName>style.visibility</p:attrName>
+                                        </p:attrNameLst>
+                                      </p:cBhvr>
+                                      <p:to>
+                                        <p:strVal val="visible"/>
+                                      </p:to>
+                                    </p:set>
+                                    <p:animEffect transition="in" filter="fade">
+                                      <p:cBhvr>
+                                        <p:cTn id="12" dur="500"/>
+                                        <p:tgtEl>
+                                          <p:spTgt spid="3">
+                                            <p:txEl>
+                                              <p:pRg st="1" end="1"/>
+                                            </p:txEl>
+                                          </p:spTgt>
+                                        </p:tgtEl>
+                                      </p:cBhvr>
+                                    </p:animEffect>
+                                  </p:childTnLst>
+                                </p:cTn>
+                              </p:par>
+                            </p:childTnLst>
+                          </p:cTn>
+                        </p:par>
+                      </p:childTnLst>
+                    </p:cTn>
+                  </p:par>
+                  <p:par>
+                    <p:cTn id="13" fill="hold">
+                      <p:stCondLst>
+                        <p:cond delay="indefinite"/>
+                      </p:stCondLst>
+                      <p:childTnLst>
+                        <p:par>
+                          <p:cTn id="14" fill="hold">
+                            <p:stCondLst>
+                              <p:cond delay="0"/>
+                            </p:stCondLst>
+                            <p:childTnLst>
+                              <p:par>
+                                <p:cTn id="15" presetID="10" presetClass="entr" presetSubtype="0" fill="hold" nodeType="clickEffect">
+                                  <p:stCondLst>
+                                    <p:cond delay="0"/>
+                                  </p:stCondLst>
+                                  <p:childTnLst>
+                                    <p:set>
+                                      <p:cBhvr>
+                                        <p:cTn id="16" dur="1" fill="hold">
+                                          <p:stCondLst>
+                                            <p:cond delay="0"/>
+                                          </p:stCondLst>
+                                        </p:cTn>
+                                        <p:tgtEl>
+                                          <p:spTgt spid="3">
+                                            <p:txEl>
+                                              <p:pRg st="2" end="2"/>
+                                            </p:txEl>
+                                          </p:spTgt>
+                                        </p:tgtEl>
+                                        <p:attrNameLst>
+                                          <p:attrName>style.visibility</p:attrName>
+                                        </p:attrNameLst>
+                                      </p:cBhvr>
+                                      <p:to>
+                                        <p:strVal val="visible"/>
+                                      </p:to>
+                                    </p:set>
+                                    <p:animEffect transition="in" filter="fade">
+                                      <p:cBhvr>
+                                        <p:cTn id="17" dur="500"/>
+                                        <p:tgtEl>
+                                          <p:spTgt spid="3">
+                                            <p:txEl>
+                                              <p:pRg st="2" end="2"/>
+                                            </p:txEl>
+                                          </p:spTgt>
+                                        </p:tgtEl>
+                                      </p:cBhvr>
+                                    </p:animEffect>
+                                  </p:childTnLst>
+                                </p:cTn>
+                              </p:par>
+                            </p:childTnLst>
+                          </p:cTn>
+                        </p:par>
+                      </p:childTnLst>
+                    </p:cTn>
+                  </p:par>
+                  <p:par>
+                    <p:cTn id="18" fill="hold">
+                      <p:stCondLst>
+                        <p:cond delay="indefinite"/>
+                      </p:stCondLst>
+                      <p:childTnLst>
+                        <p:par>
+                          <p:cTn id="19" fill="hold">
+                            <p:stCondLst>
+                              <p:cond delay="0"/>
+                            </p:stCondLst>
+                            <p:childTnLst>
+                              <p:par>
+                                <p:cTn id="20" presetID="10" presetClass="entr" presetSubtype="0" fill="hold" nodeType="clickEffect">
+                                  <p:stCondLst>
+                                    <p:cond delay="0"/>
+                                  </p:stCondLst>
+                                  <p:childTnLst>
+                                    <p:set>
+                                      <p:cBhvr>
+                                        <p:cTn id="21" dur="1" fill="hold">
+                                          <p:stCondLst>
+                                            <p:cond delay="0"/>
+                                          </p:stCondLst>
+                                        </p:cTn>
+                                        <p:tgtEl>
+                                          <p:spTgt spid="3">
+                                            <p:txEl>
+                                              <p:pRg st="3" end="3"/>
+                                            </p:txEl>
+                                          </p:spTgt>
+                                        </p:tgtEl>
+                                        <p:attrNameLst>
+                                          <p:attrName>style.visibility</p:attrName>
+                                        </p:attrNameLst>
+                                      </p:cBhvr>
+                                      <p:to>
+                                        <p:strVal val="visible"/>
+                                      </p:to>
+                                    </p:set>
+                                    <p:animEffect transition="in" filter="fade">
+                                      <p:cBhvr>
+                                        <p:cTn id="22" dur="500"/>
+                                        <p:tgtEl>
+                                          <p:spTgt spid="3">
+                                            <p:txEl>
+                                              <p:pRg st="3" end="3"/>
+                                            </p:txEl>
+                                          </p:spTgt>
+                                        </p:tgtEl>
+                                      </p:cBhvr>
+                                    </p:animEffect>
+                                  </p:childTnLst>
+                                </p:cTn>
+                              </p:par>
+                            </p:childTnLst>
+                          </p:cTn>
+                        </p:par>
+                      </p:childTnLst>
+                    </p:cTn>
+                  </p:par>
+                  <p:par>
+                    <p:cTn id="23" fill="hold">
+                      <p:stCondLst>
+                        <p:cond delay="indefinite"/>
+                      </p:stCondLst>
+                      <p:childTnLst>
+                        <p:par>
+                          <p:cTn id="24" fill="hold">
+                            <p:stCondLst>
+                              <p:cond delay="0"/>
+                            </p:stCondLst>
+                            <p:childTnLst>
+                              <p:par>
+                                <p:cTn id="25" presetID="10" presetClass="entr" presetSubtype="0" fill="hold" nodeType="clickEffect">
+                                  <p:stCondLst>
+                                    <p:cond delay="0"/>
+                                  </p:stCondLst>
+                                  <p:childTnLst>
+                                    <p:set>
+                                      <p:cBhvr>
+                                        <p:cTn id="26" dur="1" fill="hold">
+                                          <p:stCondLst>
+                                            <p:cond delay="0"/>
+                                          </p:stCondLst>
+                                        </p:cTn>
+                                        <p:tgtEl>
+                                          <p:spTgt spid="3">
+                                            <p:txEl>
+                                              <p:pRg st="4" end="4"/>
+                                            </p:txEl>
+                                          </p:spTgt>
+                                        </p:tgtEl>
+                                        <p:attrNameLst>
+                                          <p:attrName>style.visibility</p:attrName>
+                                        </p:attrNameLst>
+                                      </p:cBhvr>
+                                      <p:to>
+                                        <p:strVal val="visible"/>
+                                      </p:to>
+                                    </p:set>
+                                    <p:animEffect transition="in" filter="fade">
+                                      <p:cBhvr>
+                                        <p:cTn id="27" dur="500"/>
+                                        <p:tgtEl>
+                                          <p:spTgt spid="3">
+                                            <p:txEl>
+                                              <p:pRg st="4" end="4"/>
+                                            </p:txEl>
+                                          </p:spTgt>
+                                        </p:tgtEl>
+                                      </p:cBhvr>
+                                    </p:animEffect>
+                                  </p:childTnLst>
+                                </p:cTn>
+                              </p:par>
+                            </p:childTnLst>
+                          </p:cTn>
+                        </p:par>
+                      </p:childTnLst>
+                    </p:cTn>
+                  </p:par>
+                  <p:par>
+                    <p:cTn id="28" fill="hold">
+                      <p:stCondLst>
+                        <p:cond delay="indefinite"/>
+                      </p:stCondLst>
+                      <p:childTnLst>
+                        <p:par>
+                          <p:cTn id="29" fill="hold">
+                            <p:stCondLst>
+                              <p:cond delay="0"/>
+                            </p:stCondLst>
+                            <p:childTnLst>
+                              <p:par>
+                                <p:cTn id="30" presetID="10" presetClass="entr" presetSubtype="0" fill="hold" nodeType="clickEffect">
+                                  <p:stCondLst>
+                                    <p:cond delay="0"/>
+                                  </p:stCondLst>
+                                  <p:childTnLst>
+                                    <p:set>
+                                      <p:cBhvr>
+                                        <p:cTn id="31" dur="1" fill="hold">
+                                          <p:stCondLst>
+                                            <p:cond delay="0"/>
+                                          </p:stCondLst>
+                                        </p:cTn>
+                                        <p:tgtEl>
+                                          <p:spTgt spid="3">
+                                            <p:txEl>
+                                              <p:pRg st="5" end="5"/>
+                                            </p:txEl>
+                                          </p:spTgt>
+                                        </p:tgtEl>
+                                        <p:attrNameLst>
+                                          <p:attrName>style.visibility</p:attrName>
+                                        </p:attrNameLst>
+                                      </p:cBhvr>
+                                      <p:to>
+                                        <p:strVal val="visible"/>
+                                      </p:to>
+                                    </p:set>
+                                    <p:animEffect transition="in" filter="fade">
+                                      <p:cBhvr>
+                                        <p:cTn id="32" dur="500"/>
+                                        <p:tgtEl>
+                                          <p:spTgt spid="3">
+                                            <p:txEl>
+                                              <p:pRg st="5" end="5"/>
+                                            </p:txEl>
+                                          </p:spTgt>
+                                        </p:tgtEl>
+                                      </p:cBhvr>
+                                    </p:animEffect>
+                                  </p:childTnLst>
+                                </p:cTn>
+                              </p:par>
+                            </p:childTnLst>
+                          </p:cTn>
+                        </p:par>
+                      </p:childTnLst>
+                    </p:cTn>
+                  </p:par>
+                  <p:par>
+                    <p:cTn id="33" fill="hold">
+                      <p:stCondLst>
+                        <p:cond delay="indefinite"/>
+                      </p:stCondLst>
+                      <p:childTnLst>
+                        <p:par>
+                          <p:cTn id="34" fill="hold">
+                            <p:stCondLst>
+                              <p:cond delay="0"/>
+                            </p:stCondLst>
+                            <p:childTnLst>
+                              <p:par>
+                                <p:cTn id="35" presetID="21" presetClass="entr" presetSubtype="1" fill="hold" grpId="0" nodeType="clickEffect">
+                                  <p:stCondLst>
+                                    <p:cond delay="0"/>
+                                  </p:stCondLst>
+                                  <p:childTnLst>
+                                    <p:set>
+                                      <p:cBhvr>
+                                        <p:cTn id="36" dur="1" fill="hold">
+                                          <p:stCondLst>
+                                            <p:cond delay="0"/>
+                                          </p:stCondLst>
+                                        </p:cTn>
+                                        <p:tgtEl>
+                                          <p:spTgt spid="15"/>
+                                        </p:tgtEl>
+                                        <p:attrNameLst>
+                                          <p:attrName>style.visibility</p:attrName>
+                                        </p:attrNameLst>
+                                      </p:cBhvr>
+                                      <p:to>
+                                        <p:strVal val="visible"/>
+                                      </p:to>
+                                    </p:set>
+                                    <p:animEffect transition="in" filter="wheel(1)">
+                                      <p:cBhvr>
+                                        <p:cTn id="37" dur="2000"/>
+                                        <p:tgtEl>
+                                          <p:spTgt spid="15"/>
+                                        </p:tgtEl>
+                                      </p:cBhvr>
+                                    </p:animEffect>
+                                  </p:childTnLst>
+                                </p:cTn>
+                              </p:par>
+                            </p:childTnLst>
+                          </p:cTn>
+                        </p:par>
+                      </p:childTnLst>
+                    </p:cTn>
+                  </p:par>
+                </p:childTnLst>
+              </p:cTn>
+              <p:prevCondLst>
+                <p:cond evt="onPrev" delay="0">
+                  <p:tgtEl>
+                    <p:sldTgt/>
+                  </p:tgtEl>
+                </p:cond>
+              </p:prevCondLst>
+              <p:nextCondLst>
+                <p:cond evt="onNext" delay="0">
+                  <p:tgtEl>
+                    <p:sldTgt/>
+                  </p:tgtEl>
+                </p:cond>
+              </p:nextCondLst>
+            </p:seq>
+          </p:childTnLst>
+        </p:cTn>
       </p:par>
     </p:tnLst>
+    <p:bldLst>
+      <p:bldGraphic spid="15" grpId="0">
+        <p:bldAsOne/>
+      </p:bldGraphic>
+    </p:bldLst>
   </p:timing>
 </p:sld>
 </file>
@@ -20836,12 +24322,380 @@
   <p:clrMapOvr>
     <a:masterClrMapping/>
   </p:clrMapOvr>
+  <mc:AlternateContent xmlns:mc="http://schemas.openxmlformats.org/markup-compatibility/2006">
+    <mc:Choice xmlns:p14="http://schemas.microsoft.com/office/powerpoint/2010/main" Requires="p14">
+      <p:transition p14:dur="100">
+        <p:cut/>
+      </p:transition>
+    </mc:Choice>
+    <mc:Fallback>
+      <p:transition>
+        <p:cut/>
+      </p:transition>
+    </mc:Fallback>
+  </mc:AlternateContent>
   <p:timing>
     <p:tnLst>
       <p:par>
-        <p:cTn id="1" dur="indefinite" restart="never" nodeType="tmRoot"/>
+        <p:cTn id="1" dur="indefinite" restart="never" nodeType="tmRoot">
+          <p:childTnLst>
+            <p:seq concurrent="1" nextAc="seek">
+              <p:cTn id="2" dur="indefinite" nodeType="mainSeq">
+                <p:childTnLst>
+                  <p:par>
+                    <p:cTn id="3" fill="hold">
+                      <p:stCondLst>
+                        <p:cond delay="indefinite"/>
+                      </p:stCondLst>
+                      <p:childTnLst>
+                        <p:par>
+                          <p:cTn id="4" fill="hold">
+                            <p:stCondLst>
+                              <p:cond delay="0"/>
+                            </p:stCondLst>
+                            <p:childTnLst>
+                              <p:par>
+                                <p:cTn id="5" presetID="2" presetClass="entr" presetSubtype="4" fill="hold" nodeType="clickEffect">
+                                  <p:stCondLst>
+                                    <p:cond delay="0"/>
+                                  </p:stCondLst>
+                                  <p:childTnLst>
+                                    <p:set>
+                                      <p:cBhvr>
+                                        <p:cTn id="6" dur="1" fill="hold">
+                                          <p:stCondLst>
+                                            <p:cond delay="0"/>
+                                          </p:stCondLst>
+                                        </p:cTn>
+                                        <p:tgtEl>
+                                          <p:spTgt spid="4">
+                                            <p:txEl>
+                                              <p:pRg st="0" end="0"/>
+                                            </p:txEl>
+                                          </p:spTgt>
+                                        </p:tgtEl>
+                                        <p:attrNameLst>
+                                          <p:attrName>style.visibility</p:attrName>
+                                        </p:attrNameLst>
+                                      </p:cBhvr>
+                                      <p:to>
+                                        <p:strVal val="visible"/>
+                                      </p:to>
+                                    </p:set>
+                                    <p:anim calcmode="lin" valueType="num">
+                                      <p:cBhvr additive="base">
+                                        <p:cTn id="7" dur="500" fill="hold"/>
+                                        <p:tgtEl>
+                                          <p:spTgt spid="4">
+                                            <p:txEl>
+                                              <p:pRg st="0" end="0"/>
+                                            </p:txEl>
+                                          </p:spTgt>
+                                        </p:tgtEl>
+                                        <p:attrNameLst>
+                                          <p:attrName>ppt_x</p:attrName>
+                                        </p:attrNameLst>
+                                      </p:cBhvr>
+                                      <p:tavLst>
+                                        <p:tav tm="0">
+                                          <p:val>
+                                            <p:strVal val="#ppt_x"/>
+                                          </p:val>
+                                        </p:tav>
+                                        <p:tav tm="100000">
+                                          <p:val>
+                                            <p:strVal val="#ppt_x"/>
+                                          </p:val>
+                                        </p:tav>
+                                      </p:tavLst>
+                                    </p:anim>
+                                    <p:anim calcmode="lin" valueType="num">
+                                      <p:cBhvr additive="base">
+                                        <p:cTn id="8" dur="500" fill="hold"/>
+                                        <p:tgtEl>
+                                          <p:spTgt spid="4">
+                                            <p:txEl>
+                                              <p:pRg st="0" end="0"/>
+                                            </p:txEl>
+                                          </p:spTgt>
+                                        </p:tgtEl>
+                                        <p:attrNameLst>
+                                          <p:attrName>ppt_y</p:attrName>
+                                        </p:attrNameLst>
+                                      </p:cBhvr>
+                                      <p:tavLst>
+                                        <p:tav tm="0">
+                                          <p:val>
+                                            <p:strVal val="1+#ppt_h/2"/>
+                                          </p:val>
+                                        </p:tav>
+                                        <p:tav tm="100000">
+                                          <p:val>
+                                            <p:strVal val="#ppt_y"/>
+                                          </p:val>
+                                        </p:tav>
+                                      </p:tavLst>
+                                    </p:anim>
+                                  </p:childTnLst>
+                                </p:cTn>
+                              </p:par>
+                            </p:childTnLst>
+                          </p:cTn>
+                        </p:par>
+                      </p:childTnLst>
+                    </p:cTn>
+                  </p:par>
+                  <p:par>
+                    <p:cTn id="9" fill="hold">
+                      <p:stCondLst>
+                        <p:cond delay="indefinite"/>
+                      </p:stCondLst>
+                      <p:childTnLst>
+                        <p:par>
+                          <p:cTn id="10" fill="hold">
+                            <p:stCondLst>
+                              <p:cond delay="0"/>
+                            </p:stCondLst>
+                            <p:childTnLst>
+                              <p:par>
+                                <p:cTn id="11" presetID="2" presetClass="entr" presetSubtype="4" fill="hold" nodeType="clickEffect">
+                                  <p:stCondLst>
+                                    <p:cond delay="0"/>
+                                  </p:stCondLst>
+                                  <p:childTnLst>
+                                    <p:set>
+                                      <p:cBhvr>
+                                        <p:cTn id="12" dur="1" fill="hold">
+                                          <p:stCondLst>
+                                            <p:cond delay="0"/>
+                                          </p:stCondLst>
+                                        </p:cTn>
+                                        <p:tgtEl>
+                                          <p:spTgt spid="4">
+                                            <p:txEl>
+                                              <p:pRg st="1" end="1"/>
+                                            </p:txEl>
+                                          </p:spTgt>
+                                        </p:tgtEl>
+                                        <p:attrNameLst>
+                                          <p:attrName>style.visibility</p:attrName>
+                                        </p:attrNameLst>
+                                      </p:cBhvr>
+                                      <p:to>
+                                        <p:strVal val="visible"/>
+                                      </p:to>
+                                    </p:set>
+                                    <p:anim calcmode="lin" valueType="num">
+                                      <p:cBhvr additive="base">
+                                        <p:cTn id="13" dur="500" fill="hold"/>
+                                        <p:tgtEl>
+                                          <p:spTgt spid="4">
+                                            <p:txEl>
+                                              <p:pRg st="1" end="1"/>
+                                            </p:txEl>
+                                          </p:spTgt>
+                                        </p:tgtEl>
+                                        <p:attrNameLst>
+                                          <p:attrName>ppt_x</p:attrName>
+                                        </p:attrNameLst>
+                                      </p:cBhvr>
+                                      <p:tavLst>
+                                        <p:tav tm="0">
+                                          <p:val>
+                                            <p:strVal val="#ppt_x"/>
+                                          </p:val>
+                                        </p:tav>
+                                        <p:tav tm="100000">
+                                          <p:val>
+                                            <p:strVal val="#ppt_x"/>
+                                          </p:val>
+                                        </p:tav>
+                                      </p:tavLst>
+                                    </p:anim>
+                                    <p:anim calcmode="lin" valueType="num">
+                                      <p:cBhvr additive="base">
+                                        <p:cTn id="14" dur="500" fill="hold"/>
+                                        <p:tgtEl>
+                                          <p:spTgt spid="4">
+                                            <p:txEl>
+                                              <p:pRg st="1" end="1"/>
+                                            </p:txEl>
+                                          </p:spTgt>
+                                        </p:tgtEl>
+                                        <p:attrNameLst>
+                                          <p:attrName>ppt_y</p:attrName>
+                                        </p:attrNameLst>
+                                      </p:cBhvr>
+                                      <p:tavLst>
+                                        <p:tav tm="0">
+                                          <p:val>
+                                            <p:strVal val="1+#ppt_h/2"/>
+                                          </p:val>
+                                        </p:tav>
+                                        <p:tav tm="100000">
+                                          <p:val>
+                                            <p:strVal val="#ppt_y"/>
+                                          </p:val>
+                                        </p:tav>
+                                      </p:tavLst>
+                                    </p:anim>
+                                  </p:childTnLst>
+                                </p:cTn>
+                              </p:par>
+                            </p:childTnLst>
+                          </p:cTn>
+                        </p:par>
+                      </p:childTnLst>
+                    </p:cTn>
+                  </p:par>
+                  <p:par>
+                    <p:cTn id="15" fill="hold">
+                      <p:stCondLst>
+                        <p:cond delay="indefinite"/>
+                      </p:stCondLst>
+                      <p:childTnLst>
+                        <p:par>
+                          <p:cTn id="16" fill="hold">
+                            <p:stCondLst>
+                              <p:cond delay="0"/>
+                            </p:stCondLst>
+                            <p:childTnLst>
+                              <p:par>
+                                <p:cTn id="17" presetID="31" presetClass="entr" presetSubtype="0" fill="hold" grpId="0" nodeType="clickEffect">
+                                  <p:stCondLst>
+                                    <p:cond delay="0"/>
+                                  </p:stCondLst>
+                                  <p:childTnLst>
+                                    <p:set>
+                                      <p:cBhvr>
+                                        <p:cTn id="18" dur="1" fill="hold">
+                                          <p:stCondLst>
+                                            <p:cond delay="0"/>
+                                          </p:stCondLst>
+                                        </p:cTn>
+                                        <p:tgtEl>
+                                          <p:spTgt spid="9"/>
+                                        </p:tgtEl>
+                                        <p:attrNameLst>
+                                          <p:attrName>style.visibility</p:attrName>
+                                        </p:attrNameLst>
+                                      </p:cBhvr>
+                                      <p:to>
+                                        <p:strVal val="visible"/>
+                                      </p:to>
+                                    </p:set>
+                                    <p:anim calcmode="lin" valueType="num">
+                                      <p:cBhvr>
+                                        <p:cTn id="19" dur="1000" fill="hold"/>
+                                        <p:tgtEl>
+                                          <p:spTgt spid="9"/>
+                                        </p:tgtEl>
+                                        <p:attrNameLst>
+                                          <p:attrName>ppt_w</p:attrName>
+                                        </p:attrNameLst>
+                                      </p:cBhvr>
+                                      <p:tavLst>
+                                        <p:tav tm="0">
+                                          <p:val>
+                                            <p:fltVal val="0"/>
+                                          </p:val>
+                                        </p:tav>
+                                        <p:tav tm="100000">
+                                          <p:val>
+                                            <p:strVal val="#ppt_w"/>
+                                          </p:val>
+                                        </p:tav>
+                                      </p:tavLst>
+                                    </p:anim>
+                                    <p:anim calcmode="lin" valueType="num">
+                                      <p:cBhvr>
+                                        <p:cTn id="20" dur="1000" fill="hold"/>
+                                        <p:tgtEl>
+                                          <p:spTgt spid="9"/>
+                                        </p:tgtEl>
+                                        <p:attrNameLst>
+                                          <p:attrName>ppt_h</p:attrName>
+                                        </p:attrNameLst>
+                                      </p:cBhvr>
+                                      <p:tavLst>
+                                        <p:tav tm="0">
+                                          <p:val>
+                                            <p:fltVal val="0"/>
+                                          </p:val>
+                                        </p:tav>
+                                        <p:tav tm="100000">
+                                          <p:val>
+                                            <p:strVal val="#ppt_h"/>
+                                          </p:val>
+                                        </p:tav>
+                                      </p:tavLst>
+                                    </p:anim>
+                                    <p:anim calcmode="lin" valueType="num">
+                                      <p:cBhvr>
+                                        <p:cTn id="21" dur="1000" fill="hold"/>
+                                        <p:tgtEl>
+                                          <p:spTgt spid="9"/>
+                                        </p:tgtEl>
+                                        <p:attrNameLst>
+                                          <p:attrName>style.rotation</p:attrName>
+                                        </p:attrNameLst>
+                                      </p:cBhvr>
+                                      <p:tavLst>
+                                        <p:tav tm="0">
+                                          <p:val>
+                                            <p:fltVal val="90"/>
+                                          </p:val>
+                                        </p:tav>
+                                        <p:tav tm="100000">
+                                          <p:val>
+                                            <p:fltVal val="0"/>
+                                          </p:val>
+                                        </p:tav>
+                                      </p:tavLst>
+                                    </p:anim>
+                                    <p:animEffect transition="in" filter="fade">
+                                      <p:cBhvr>
+                                        <p:cTn id="22" dur="1000"/>
+                                        <p:tgtEl>
+                                          <p:spTgt spid="9"/>
+                                        </p:tgtEl>
+                                      </p:cBhvr>
+                                    </p:animEffect>
+                                  </p:childTnLst>
+                                </p:cTn>
+                              </p:par>
+                            </p:childTnLst>
+                          </p:cTn>
+                        </p:par>
+                      </p:childTnLst>
+                    </p:cTn>
+                  </p:par>
+                </p:childTnLst>
+              </p:cTn>
+              <p:prevCondLst>
+                <p:cond evt="onPrev" delay="0">
+                  <p:tgtEl>
+                    <p:sldTgt/>
+                  </p:tgtEl>
+                </p:cond>
+              </p:prevCondLst>
+              <p:nextCondLst>
+                <p:cond evt="onNext" delay="0">
+                  <p:tgtEl>
+                    <p:sldTgt/>
+                  </p:tgtEl>
+                </p:cond>
+              </p:nextCondLst>
+            </p:seq>
+          </p:childTnLst>
+        </p:cTn>
       </p:par>
     </p:tnLst>
+    <p:bldLst>
+      <p:bldGraphic spid="9" grpId="0">
+        <p:bldAsOne/>
+      </p:bldGraphic>
+    </p:bldLst>
   </p:timing>
 </p:sld>
 </file>
@@ -21254,12 +25108,440 @@
   <p:clrMapOvr>
     <a:masterClrMapping/>
   </p:clrMapOvr>
+  <mc:AlternateContent xmlns:mc="http://schemas.openxmlformats.org/markup-compatibility/2006">
+    <mc:Choice xmlns:p14="http://schemas.microsoft.com/office/powerpoint/2010/main" Requires="p14">
+      <p:transition spd="slow">
+        <p14:flash/>
+      </p:transition>
+    </mc:Choice>
+    <mc:Fallback>
+      <p:transition spd="slow">
+        <p:fade/>
+      </p:transition>
+    </mc:Fallback>
+  </mc:AlternateContent>
   <p:timing>
     <p:tnLst>
       <p:par>
-        <p:cTn id="1" dur="indefinite" restart="never" nodeType="tmRoot"/>
+        <p:cTn id="1" dur="indefinite" restart="never" nodeType="tmRoot">
+          <p:childTnLst>
+            <p:seq concurrent="1" nextAc="seek">
+              <p:cTn id="2" dur="indefinite" nodeType="mainSeq">
+                <p:childTnLst>
+                  <p:par>
+                    <p:cTn id="3" fill="hold">
+                      <p:stCondLst>
+                        <p:cond delay="indefinite"/>
+                      </p:stCondLst>
+                      <p:childTnLst>
+                        <p:par>
+                          <p:cTn id="4" fill="hold">
+                            <p:stCondLst>
+                              <p:cond delay="0"/>
+                            </p:stCondLst>
+                            <p:childTnLst>
+                              <p:par>
+                                <p:cTn id="5" presetID="2" presetClass="entr" presetSubtype="4" fill="hold" nodeType="clickEffect">
+                                  <p:stCondLst>
+                                    <p:cond delay="0"/>
+                                  </p:stCondLst>
+                                  <p:childTnLst>
+                                    <p:set>
+                                      <p:cBhvr>
+                                        <p:cTn id="6" dur="1" fill="hold">
+                                          <p:stCondLst>
+                                            <p:cond delay="0"/>
+                                          </p:stCondLst>
+                                        </p:cTn>
+                                        <p:tgtEl>
+                                          <p:spTgt spid="4">
+                                            <p:txEl>
+                                              <p:pRg st="0" end="0"/>
+                                            </p:txEl>
+                                          </p:spTgt>
+                                        </p:tgtEl>
+                                        <p:attrNameLst>
+                                          <p:attrName>style.visibility</p:attrName>
+                                        </p:attrNameLst>
+                                      </p:cBhvr>
+                                      <p:to>
+                                        <p:strVal val="visible"/>
+                                      </p:to>
+                                    </p:set>
+                                    <p:anim calcmode="lin" valueType="num">
+                                      <p:cBhvr additive="base">
+                                        <p:cTn id="7" dur="500" fill="hold"/>
+                                        <p:tgtEl>
+                                          <p:spTgt spid="4">
+                                            <p:txEl>
+                                              <p:pRg st="0" end="0"/>
+                                            </p:txEl>
+                                          </p:spTgt>
+                                        </p:tgtEl>
+                                        <p:attrNameLst>
+                                          <p:attrName>ppt_x</p:attrName>
+                                        </p:attrNameLst>
+                                      </p:cBhvr>
+                                      <p:tavLst>
+                                        <p:tav tm="0">
+                                          <p:val>
+                                            <p:strVal val="#ppt_x"/>
+                                          </p:val>
+                                        </p:tav>
+                                        <p:tav tm="100000">
+                                          <p:val>
+                                            <p:strVal val="#ppt_x"/>
+                                          </p:val>
+                                        </p:tav>
+                                      </p:tavLst>
+                                    </p:anim>
+                                    <p:anim calcmode="lin" valueType="num">
+                                      <p:cBhvr additive="base">
+                                        <p:cTn id="8" dur="500" fill="hold"/>
+                                        <p:tgtEl>
+                                          <p:spTgt spid="4">
+                                            <p:txEl>
+                                              <p:pRg st="0" end="0"/>
+                                            </p:txEl>
+                                          </p:spTgt>
+                                        </p:tgtEl>
+                                        <p:attrNameLst>
+                                          <p:attrName>ppt_y</p:attrName>
+                                        </p:attrNameLst>
+                                      </p:cBhvr>
+                                      <p:tavLst>
+                                        <p:tav tm="0">
+                                          <p:val>
+                                            <p:strVal val="1+#ppt_h/2"/>
+                                          </p:val>
+                                        </p:tav>
+                                        <p:tav tm="100000">
+                                          <p:val>
+                                            <p:strVal val="#ppt_y"/>
+                                          </p:val>
+                                        </p:tav>
+                                      </p:tavLst>
+                                    </p:anim>
+                                  </p:childTnLst>
+                                </p:cTn>
+                              </p:par>
+                            </p:childTnLst>
+                          </p:cTn>
+                        </p:par>
+                      </p:childTnLst>
+                    </p:cTn>
+                  </p:par>
+                  <p:par>
+                    <p:cTn id="9" fill="hold">
+                      <p:stCondLst>
+                        <p:cond delay="indefinite"/>
+                      </p:stCondLst>
+                      <p:childTnLst>
+                        <p:par>
+                          <p:cTn id="10" fill="hold">
+                            <p:stCondLst>
+                              <p:cond delay="0"/>
+                            </p:stCondLst>
+                            <p:childTnLst>
+                              <p:par>
+                                <p:cTn id="11" presetID="2" presetClass="entr" presetSubtype="4" fill="hold" nodeType="clickEffect">
+                                  <p:stCondLst>
+                                    <p:cond delay="0"/>
+                                  </p:stCondLst>
+                                  <p:childTnLst>
+                                    <p:set>
+                                      <p:cBhvr>
+                                        <p:cTn id="12" dur="1" fill="hold">
+                                          <p:stCondLst>
+                                            <p:cond delay="0"/>
+                                          </p:stCondLst>
+                                        </p:cTn>
+                                        <p:tgtEl>
+                                          <p:spTgt spid="4">
+                                            <p:txEl>
+                                              <p:pRg st="1" end="1"/>
+                                            </p:txEl>
+                                          </p:spTgt>
+                                        </p:tgtEl>
+                                        <p:attrNameLst>
+                                          <p:attrName>style.visibility</p:attrName>
+                                        </p:attrNameLst>
+                                      </p:cBhvr>
+                                      <p:to>
+                                        <p:strVal val="visible"/>
+                                      </p:to>
+                                    </p:set>
+                                    <p:anim calcmode="lin" valueType="num">
+                                      <p:cBhvr additive="base">
+                                        <p:cTn id="13" dur="500" fill="hold"/>
+                                        <p:tgtEl>
+                                          <p:spTgt spid="4">
+                                            <p:txEl>
+                                              <p:pRg st="1" end="1"/>
+                                            </p:txEl>
+                                          </p:spTgt>
+                                        </p:tgtEl>
+                                        <p:attrNameLst>
+                                          <p:attrName>ppt_x</p:attrName>
+                                        </p:attrNameLst>
+                                      </p:cBhvr>
+                                      <p:tavLst>
+                                        <p:tav tm="0">
+                                          <p:val>
+                                            <p:strVal val="#ppt_x"/>
+                                          </p:val>
+                                        </p:tav>
+                                        <p:tav tm="100000">
+                                          <p:val>
+                                            <p:strVal val="#ppt_x"/>
+                                          </p:val>
+                                        </p:tav>
+                                      </p:tavLst>
+                                    </p:anim>
+                                    <p:anim calcmode="lin" valueType="num">
+                                      <p:cBhvr additive="base">
+                                        <p:cTn id="14" dur="500" fill="hold"/>
+                                        <p:tgtEl>
+                                          <p:spTgt spid="4">
+                                            <p:txEl>
+                                              <p:pRg st="1" end="1"/>
+                                            </p:txEl>
+                                          </p:spTgt>
+                                        </p:tgtEl>
+                                        <p:attrNameLst>
+                                          <p:attrName>ppt_y</p:attrName>
+                                        </p:attrNameLst>
+                                      </p:cBhvr>
+                                      <p:tavLst>
+                                        <p:tav tm="0">
+                                          <p:val>
+                                            <p:strVal val="1+#ppt_h/2"/>
+                                          </p:val>
+                                        </p:tav>
+                                        <p:tav tm="100000">
+                                          <p:val>
+                                            <p:strVal val="#ppt_y"/>
+                                          </p:val>
+                                        </p:tav>
+                                      </p:tavLst>
+                                    </p:anim>
+                                  </p:childTnLst>
+                                </p:cTn>
+                              </p:par>
+                            </p:childTnLst>
+                          </p:cTn>
+                        </p:par>
+                      </p:childTnLst>
+                    </p:cTn>
+                  </p:par>
+                  <p:par>
+                    <p:cTn id="15" fill="hold">
+                      <p:stCondLst>
+                        <p:cond delay="indefinite"/>
+                      </p:stCondLst>
+                      <p:childTnLst>
+                        <p:par>
+                          <p:cTn id="16" fill="hold">
+                            <p:stCondLst>
+                              <p:cond delay="0"/>
+                            </p:stCondLst>
+                            <p:childTnLst>
+                              <p:par>
+                                <p:cTn id="17" presetID="2" presetClass="entr" presetSubtype="4" fill="hold" nodeType="clickEffect">
+                                  <p:stCondLst>
+                                    <p:cond delay="0"/>
+                                  </p:stCondLst>
+                                  <p:childTnLst>
+                                    <p:set>
+                                      <p:cBhvr>
+                                        <p:cTn id="18" dur="1" fill="hold">
+                                          <p:stCondLst>
+                                            <p:cond delay="0"/>
+                                          </p:stCondLst>
+                                        </p:cTn>
+                                        <p:tgtEl>
+                                          <p:spTgt spid="9"/>
+                                        </p:tgtEl>
+                                        <p:attrNameLst>
+                                          <p:attrName>style.visibility</p:attrName>
+                                        </p:attrNameLst>
+                                      </p:cBhvr>
+                                      <p:to>
+                                        <p:strVal val="visible"/>
+                                      </p:to>
+                                    </p:set>
+                                    <p:anim calcmode="lin" valueType="num">
+                                      <p:cBhvr additive="base">
+                                        <p:cTn id="19" dur="500" fill="hold"/>
+                                        <p:tgtEl>
+                                          <p:spTgt spid="9"/>
+                                        </p:tgtEl>
+                                        <p:attrNameLst>
+                                          <p:attrName>ppt_x</p:attrName>
+                                        </p:attrNameLst>
+                                      </p:cBhvr>
+                                      <p:tavLst>
+                                        <p:tav tm="0">
+                                          <p:val>
+                                            <p:strVal val="#ppt_x"/>
+                                          </p:val>
+                                        </p:tav>
+                                        <p:tav tm="100000">
+                                          <p:val>
+                                            <p:strVal val="#ppt_x"/>
+                                          </p:val>
+                                        </p:tav>
+                                      </p:tavLst>
+                                    </p:anim>
+                                    <p:anim calcmode="lin" valueType="num">
+                                      <p:cBhvr additive="base">
+                                        <p:cTn id="20" dur="500" fill="hold"/>
+                                        <p:tgtEl>
+                                          <p:spTgt spid="9"/>
+                                        </p:tgtEl>
+                                        <p:attrNameLst>
+                                          <p:attrName>ppt_y</p:attrName>
+                                        </p:attrNameLst>
+                                      </p:cBhvr>
+                                      <p:tavLst>
+                                        <p:tav tm="0">
+                                          <p:val>
+                                            <p:strVal val="1+#ppt_h/2"/>
+                                          </p:val>
+                                        </p:tav>
+                                        <p:tav tm="100000">
+                                          <p:val>
+                                            <p:strVal val="#ppt_y"/>
+                                          </p:val>
+                                        </p:tav>
+                                      </p:tavLst>
+                                    </p:anim>
+                                  </p:childTnLst>
+                                </p:cTn>
+                              </p:par>
+                            </p:childTnLst>
+                          </p:cTn>
+                        </p:par>
+                      </p:childTnLst>
+                    </p:cTn>
+                  </p:par>
+                  <p:par>
+                    <p:cTn id="21" fill="hold">
+                      <p:stCondLst>
+                        <p:cond delay="indefinite"/>
+                      </p:stCondLst>
+                      <p:childTnLst>
+                        <p:par>
+                          <p:cTn id="22" fill="hold">
+                            <p:stCondLst>
+                              <p:cond delay="0"/>
+                            </p:stCondLst>
+                            <p:childTnLst>
+                              <p:par>
+                                <p:cTn id="23" presetID="2" presetClass="entr" presetSubtype="4" fill="hold" grpId="0" nodeType="clickEffect">
+                                  <p:stCondLst>
+                                    <p:cond delay="0"/>
+                                  </p:stCondLst>
+                                  <p:childTnLst>
+                                    <p:set>
+                                      <p:cBhvr>
+                                        <p:cTn id="24" dur="1" fill="hold">
+                                          <p:stCondLst>
+                                            <p:cond delay="0"/>
+                                          </p:stCondLst>
+                                        </p:cTn>
+                                        <p:tgtEl>
+                                          <p:spTgt spid="8"/>
+                                        </p:tgtEl>
+                                        <p:attrNameLst>
+                                          <p:attrName>style.visibility</p:attrName>
+                                        </p:attrNameLst>
+                                      </p:cBhvr>
+                                      <p:to>
+                                        <p:strVal val="visible"/>
+                                      </p:to>
+                                    </p:set>
+                                    <p:anim calcmode="lin" valueType="num">
+                                      <p:cBhvr additive="base">
+                                        <p:cTn id="25" dur="500" fill="hold"/>
+                                        <p:tgtEl>
+                                          <p:spTgt spid="8"/>
+                                        </p:tgtEl>
+                                        <p:attrNameLst>
+                                          <p:attrName>ppt_x</p:attrName>
+                                        </p:attrNameLst>
+                                      </p:cBhvr>
+                                      <p:tavLst>
+                                        <p:tav tm="0">
+                                          <p:val>
+                                            <p:strVal val="#ppt_x"/>
+                                          </p:val>
+                                        </p:tav>
+                                        <p:tav tm="100000">
+                                          <p:val>
+                                            <p:strVal val="#ppt_x"/>
+                                          </p:val>
+                                        </p:tav>
+                                      </p:tavLst>
+                                    </p:anim>
+                                    <p:anim calcmode="lin" valueType="num">
+                                      <p:cBhvr additive="base">
+                                        <p:cTn id="26" dur="500" fill="hold"/>
+                                        <p:tgtEl>
+                                          <p:spTgt spid="8"/>
+                                        </p:tgtEl>
+                                        <p:attrNameLst>
+                                          <p:attrName>ppt_y</p:attrName>
+                                        </p:attrNameLst>
+                                      </p:cBhvr>
+                                      <p:tavLst>
+                                        <p:tav tm="0">
+                                          <p:val>
+                                            <p:strVal val="1+#ppt_h/2"/>
+                                          </p:val>
+                                        </p:tav>
+                                        <p:tav tm="100000">
+                                          <p:val>
+                                            <p:strVal val="#ppt_y"/>
+                                          </p:val>
+                                        </p:tav>
+                                      </p:tavLst>
+                                    </p:anim>
+                                  </p:childTnLst>
+                                </p:cTn>
+                              </p:par>
+                            </p:childTnLst>
+                          </p:cTn>
+                        </p:par>
+                      </p:childTnLst>
+                    </p:cTn>
+                  </p:par>
+                </p:childTnLst>
+              </p:cTn>
+              <p:prevCondLst>
+                <p:cond evt="onPrev" delay="0">
+                  <p:tgtEl>
+                    <p:sldTgt/>
+                  </p:tgtEl>
+                </p:cond>
+              </p:prevCondLst>
+              <p:nextCondLst>
+                <p:cond evt="onNext" delay="0">
+                  <p:tgtEl>
+                    <p:sldTgt/>
+                  </p:tgtEl>
+                </p:cond>
+              </p:nextCondLst>
+            </p:seq>
+          </p:childTnLst>
+        </p:cTn>
       </p:par>
     </p:tnLst>
+    <p:bldLst>
+      <p:bldGraphic spid="8" grpId="0">
+        <p:bldAsOne/>
+      </p:bldGraphic>
+    </p:bldLst>
   </p:timing>
 </p:sld>
 </file>
@@ -21409,10 +25691,304 @@
   <p:clrMapOvr>
     <a:masterClrMapping/>
   </p:clrMapOvr>
+  <mc:AlternateContent xmlns:mc="http://schemas.openxmlformats.org/markup-compatibility/2006">
+    <mc:Choice xmlns:p14="http://schemas.microsoft.com/office/powerpoint/2010/main" Requires="p14">
+      <p:transition spd="slow" p14:dur="1600">
+        <p:blinds dir="vert"/>
+      </p:transition>
+    </mc:Choice>
+    <mc:Fallback>
+      <p:transition spd="slow">
+        <p:blinds dir="vert"/>
+      </p:transition>
+    </mc:Fallback>
+  </mc:AlternateContent>
   <p:timing>
     <p:tnLst>
       <p:par>
-        <p:cTn id="1" dur="indefinite" restart="never" nodeType="tmRoot"/>
+        <p:cTn id="1" dur="indefinite" restart="never" nodeType="tmRoot">
+          <p:childTnLst>
+            <p:seq concurrent="1" nextAc="seek">
+              <p:cTn id="2" dur="indefinite" nodeType="mainSeq">
+                <p:childTnLst>
+                  <p:par>
+                    <p:cTn id="3" fill="hold">
+                      <p:stCondLst>
+                        <p:cond delay="indefinite"/>
+                      </p:stCondLst>
+                      <p:childTnLst>
+                        <p:par>
+                          <p:cTn id="4" fill="hold">
+                            <p:stCondLst>
+                              <p:cond delay="0"/>
+                            </p:stCondLst>
+                            <p:childTnLst>
+                              <p:par>
+                                <p:cTn id="5" presetID="2" presetClass="entr" presetSubtype="4" fill="hold" nodeType="clickEffect">
+                                  <p:stCondLst>
+                                    <p:cond delay="0"/>
+                                  </p:stCondLst>
+                                  <p:childTnLst>
+                                    <p:set>
+                                      <p:cBhvr>
+                                        <p:cTn id="6" dur="1" fill="hold">
+                                          <p:stCondLst>
+                                            <p:cond delay="0"/>
+                                          </p:stCondLst>
+                                        </p:cTn>
+                                        <p:tgtEl>
+                                          <p:spTgt spid="4">
+                                            <p:txEl>
+                                              <p:pRg st="0" end="0"/>
+                                            </p:txEl>
+                                          </p:spTgt>
+                                        </p:tgtEl>
+                                        <p:attrNameLst>
+                                          <p:attrName>style.visibility</p:attrName>
+                                        </p:attrNameLst>
+                                      </p:cBhvr>
+                                      <p:to>
+                                        <p:strVal val="visible"/>
+                                      </p:to>
+                                    </p:set>
+                                    <p:anim calcmode="lin" valueType="num">
+                                      <p:cBhvr additive="base">
+                                        <p:cTn id="7" dur="500" fill="hold"/>
+                                        <p:tgtEl>
+                                          <p:spTgt spid="4">
+                                            <p:txEl>
+                                              <p:pRg st="0" end="0"/>
+                                            </p:txEl>
+                                          </p:spTgt>
+                                        </p:tgtEl>
+                                        <p:attrNameLst>
+                                          <p:attrName>ppt_x</p:attrName>
+                                        </p:attrNameLst>
+                                      </p:cBhvr>
+                                      <p:tavLst>
+                                        <p:tav tm="0">
+                                          <p:val>
+                                            <p:strVal val="#ppt_x"/>
+                                          </p:val>
+                                        </p:tav>
+                                        <p:tav tm="100000">
+                                          <p:val>
+                                            <p:strVal val="#ppt_x"/>
+                                          </p:val>
+                                        </p:tav>
+                                      </p:tavLst>
+                                    </p:anim>
+                                    <p:anim calcmode="lin" valueType="num">
+                                      <p:cBhvr additive="base">
+                                        <p:cTn id="8" dur="500" fill="hold"/>
+                                        <p:tgtEl>
+                                          <p:spTgt spid="4">
+                                            <p:txEl>
+                                              <p:pRg st="0" end="0"/>
+                                            </p:txEl>
+                                          </p:spTgt>
+                                        </p:tgtEl>
+                                        <p:attrNameLst>
+                                          <p:attrName>ppt_y</p:attrName>
+                                        </p:attrNameLst>
+                                      </p:cBhvr>
+                                      <p:tavLst>
+                                        <p:tav tm="0">
+                                          <p:val>
+                                            <p:strVal val="1+#ppt_h/2"/>
+                                          </p:val>
+                                        </p:tav>
+                                        <p:tav tm="100000">
+                                          <p:val>
+                                            <p:strVal val="#ppt_y"/>
+                                          </p:val>
+                                        </p:tav>
+                                      </p:tavLst>
+                                    </p:anim>
+                                  </p:childTnLst>
+                                </p:cTn>
+                              </p:par>
+                            </p:childTnLst>
+                          </p:cTn>
+                        </p:par>
+                      </p:childTnLst>
+                    </p:cTn>
+                  </p:par>
+                  <p:par>
+                    <p:cTn id="9" fill="hold">
+                      <p:stCondLst>
+                        <p:cond delay="indefinite"/>
+                      </p:stCondLst>
+                      <p:childTnLst>
+                        <p:par>
+                          <p:cTn id="10" fill="hold">
+                            <p:stCondLst>
+                              <p:cond delay="0"/>
+                            </p:stCondLst>
+                            <p:childTnLst>
+                              <p:par>
+                                <p:cTn id="11" presetID="2" presetClass="entr" presetSubtype="4" fill="hold" nodeType="clickEffect">
+                                  <p:stCondLst>
+                                    <p:cond delay="0"/>
+                                  </p:stCondLst>
+                                  <p:childTnLst>
+                                    <p:set>
+                                      <p:cBhvr>
+                                        <p:cTn id="12" dur="1" fill="hold">
+                                          <p:stCondLst>
+                                            <p:cond delay="0"/>
+                                          </p:stCondLst>
+                                        </p:cTn>
+                                        <p:tgtEl>
+                                          <p:spTgt spid="4">
+                                            <p:txEl>
+                                              <p:pRg st="1" end="1"/>
+                                            </p:txEl>
+                                          </p:spTgt>
+                                        </p:tgtEl>
+                                        <p:attrNameLst>
+                                          <p:attrName>style.visibility</p:attrName>
+                                        </p:attrNameLst>
+                                      </p:cBhvr>
+                                      <p:to>
+                                        <p:strVal val="visible"/>
+                                      </p:to>
+                                    </p:set>
+                                    <p:anim calcmode="lin" valueType="num">
+                                      <p:cBhvr additive="base">
+                                        <p:cTn id="13" dur="500" fill="hold"/>
+                                        <p:tgtEl>
+                                          <p:spTgt spid="4">
+                                            <p:txEl>
+                                              <p:pRg st="1" end="1"/>
+                                            </p:txEl>
+                                          </p:spTgt>
+                                        </p:tgtEl>
+                                        <p:attrNameLst>
+                                          <p:attrName>ppt_x</p:attrName>
+                                        </p:attrNameLst>
+                                      </p:cBhvr>
+                                      <p:tavLst>
+                                        <p:tav tm="0">
+                                          <p:val>
+                                            <p:strVal val="#ppt_x"/>
+                                          </p:val>
+                                        </p:tav>
+                                        <p:tav tm="100000">
+                                          <p:val>
+                                            <p:strVal val="#ppt_x"/>
+                                          </p:val>
+                                        </p:tav>
+                                      </p:tavLst>
+                                    </p:anim>
+                                    <p:anim calcmode="lin" valueType="num">
+                                      <p:cBhvr additive="base">
+                                        <p:cTn id="14" dur="500" fill="hold"/>
+                                        <p:tgtEl>
+                                          <p:spTgt spid="4">
+                                            <p:txEl>
+                                              <p:pRg st="1" end="1"/>
+                                            </p:txEl>
+                                          </p:spTgt>
+                                        </p:tgtEl>
+                                        <p:attrNameLst>
+                                          <p:attrName>ppt_y</p:attrName>
+                                        </p:attrNameLst>
+                                      </p:cBhvr>
+                                      <p:tavLst>
+                                        <p:tav tm="0">
+                                          <p:val>
+                                            <p:strVal val="1+#ppt_h/2"/>
+                                          </p:val>
+                                        </p:tav>
+                                        <p:tav tm="100000">
+                                          <p:val>
+                                            <p:strVal val="#ppt_y"/>
+                                          </p:val>
+                                        </p:tav>
+                                      </p:tavLst>
+                                    </p:anim>
+                                  </p:childTnLst>
+                                </p:cTn>
+                              </p:par>
+                            </p:childTnLst>
+                          </p:cTn>
+                        </p:par>
+                      </p:childTnLst>
+                    </p:cTn>
+                  </p:par>
+                  <p:par>
+                    <p:cTn id="15" fill="hold">
+                      <p:stCondLst>
+                        <p:cond delay="indefinite"/>
+                      </p:stCondLst>
+                      <p:childTnLst>
+                        <p:par>
+                          <p:cTn id="16" fill="hold">
+                            <p:stCondLst>
+                              <p:cond delay="0"/>
+                            </p:stCondLst>
+                            <p:childTnLst>
+                              <p:par>
+                                <p:cTn id="17" presetID="10" presetClass="entr" presetSubtype="0" fill="hold" nodeType="clickEffect">
+                                  <p:stCondLst>
+                                    <p:cond delay="0"/>
+                                  </p:stCondLst>
+                                  <p:childTnLst>
+                                    <p:set>
+                                      <p:cBhvr>
+                                        <p:cTn id="18" dur="1" fill="hold">
+                                          <p:stCondLst>
+                                            <p:cond delay="0"/>
+                                          </p:stCondLst>
+                                        </p:cTn>
+                                        <p:tgtEl>
+                                          <p:spTgt spid="1026"/>
+                                        </p:tgtEl>
+                                        <p:attrNameLst>
+                                          <p:attrName>style.visibility</p:attrName>
+                                        </p:attrNameLst>
+                                      </p:cBhvr>
+                                      <p:to>
+                                        <p:strVal val="visible"/>
+                                      </p:to>
+                                    </p:set>
+                                    <p:animEffect transition="in" filter="fade">
+                                      <p:cBhvr>
+                                        <p:cTn id="19" dur="500"/>
+                                        <p:tgtEl>
+                                          <p:spTgt spid="1026"/>
+                                        </p:tgtEl>
+                                      </p:cBhvr>
+                                    </p:animEffect>
+                                  </p:childTnLst>
+                                </p:cTn>
+                              </p:par>
+                            </p:childTnLst>
+                          </p:cTn>
+                        </p:par>
+                      </p:childTnLst>
+                    </p:cTn>
+                  </p:par>
+                </p:childTnLst>
+              </p:cTn>
+              <p:prevCondLst>
+                <p:cond evt="onPrev" delay="0">
+                  <p:tgtEl>
+                    <p:sldTgt/>
+                  </p:tgtEl>
+                </p:cond>
+              </p:prevCondLst>
+              <p:nextCondLst>
+                <p:cond evt="onNext" delay="0">
+                  <p:tgtEl>
+                    <p:sldTgt/>
+                  </p:tgtEl>
+                </p:cond>
+              </p:nextCondLst>
+            </p:seq>
+          </p:childTnLst>
+        </p:cTn>
       </p:par>
     </p:tnLst>
   </p:timing>
@@ -21564,10 +26140,304 @@
   <p:clrMapOvr>
     <a:masterClrMapping/>
   </p:clrMapOvr>
+  <mc:AlternateContent xmlns:mc="http://schemas.openxmlformats.org/markup-compatibility/2006">
+    <mc:Choice xmlns:p14="http://schemas.microsoft.com/office/powerpoint/2010/main" Requires="p14">
+      <p:transition spd="slow" p14:dur="1200">
+        <p:dissolve/>
+      </p:transition>
+    </mc:Choice>
+    <mc:Fallback>
+      <p:transition spd="slow">
+        <p:dissolve/>
+      </p:transition>
+    </mc:Fallback>
+  </mc:AlternateContent>
   <p:timing>
     <p:tnLst>
       <p:par>
-        <p:cTn id="1" dur="indefinite" restart="never" nodeType="tmRoot"/>
+        <p:cTn id="1" dur="indefinite" restart="never" nodeType="tmRoot">
+          <p:childTnLst>
+            <p:seq concurrent="1" nextAc="seek">
+              <p:cTn id="2" dur="indefinite" nodeType="mainSeq">
+                <p:childTnLst>
+                  <p:par>
+                    <p:cTn id="3" fill="hold">
+                      <p:stCondLst>
+                        <p:cond delay="indefinite"/>
+                      </p:stCondLst>
+                      <p:childTnLst>
+                        <p:par>
+                          <p:cTn id="4" fill="hold">
+                            <p:stCondLst>
+                              <p:cond delay="0"/>
+                            </p:stCondLst>
+                            <p:childTnLst>
+                              <p:par>
+                                <p:cTn id="5" presetID="2" presetClass="entr" presetSubtype="4" fill="hold" nodeType="clickEffect">
+                                  <p:stCondLst>
+                                    <p:cond delay="0"/>
+                                  </p:stCondLst>
+                                  <p:childTnLst>
+                                    <p:set>
+                                      <p:cBhvr>
+                                        <p:cTn id="6" dur="1" fill="hold">
+                                          <p:stCondLst>
+                                            <p:cond delay="0"/>
+                                          </p:stCondLst>
+                                        </p:cTn>
+                                        <p:tgtEl>
+                                          <p:spTgt spid="4">
+                                            <p:txEl>
+                                              <p:pRg st="0" end="0"/>
+                                            </p:txEl>
+                                          </p:spTgt>
+                                        </p:tgtEl>
+                                        <p:attrNameLst>
+                                          <p:attrName>style.visibility</p:attrName>
+                                        </p:attrNameLst>
+                                      </p:cBhvr>
+                                      <p:to>
+                                        <p:strVal val="visible"/>
+                                      </p:to>
+                                    </p:set>
+                                    <p:anim calcmode="lin" valueType="num">
+                                      <p:cBhvr additive="base">
+                                        <p:cTn id="7" dur="500" fill="hold"/>
+                                        <p:tgtEl>
+                                          <p:spTgt spid="4">
+                                            <p:txEl>
+                                              <p:pRg st="0" end="0"/>
+                                            </p:txEl>
+                                          </p:spTgt>
+                                        </p:tgtEl>
+                                        <p:attrNameLst>
+                                          <p:attrName>ppt_x</p:attrName>
+                                        </p:attrNameLst>
+                                      </p:cBhvr>
+                                      <p:tavLst>
+                                        <p:tav tm="0">
+                                          <p:val>
+                                            <p:strVal val="#ppt_x"/>
+                                          </p:val>
+                                        </p:tav>
+                                        <p:tav tm="100000">
+                                          <p:val>
+                                            <p:strVal val="#ppt_x"/>
+                                          </p:val>
+                                        </p:tav>
+                                      </p:tavLst>
+                                    </p:anim>
+                                    <p:anim calcmode="lin" valueType="num">
+                                      <p:cBhvr additive="base">
+                                        <p:cTn id="8" dur="500" fill="hold"/>
+                                        <p:tgtEl>
+                                          <p:spTgt spid="4">
+                                            <p:txEl>
+                                              <p:pRg st="0" end="0"/>
+                                            </p:txEl>
+                                          </p:spTgt>
+                                        </p:tgtEl>
+                                        <p:attrNameLst>
+                                          <p:attrName>ppt_y</p:attrName>
+                                        </p:attrNameLst>
+                                      </p:cBhvr>
+                                      <p:tavLst>
+                                        <p:tav tm="0">
+                                          <p:val>
+                                            <p:strVal val="1+#ppt_h/2"/>
+                                          </p:val>
+                                        </p:tav>
+                                        <p:tav tm="100000">
+                                          <p:val>
+                                            <p:strVal val="#ppt_y"/>
+                                          </p:val>
+                                        </p:tav>
+                                      </p:tavLst>
+                                    </p:anim>
+                                  </p:childTnLst>
+                                </p:cTn>
+                              </p:par>
+                            </p:childTnLst>
+                          </p:cTn>
+                        </p:par>
+                      </p:childTnLst>
+                    </p:cTn>
+                  </p:par>
+                  <p:par>
+                    <p:cTn id="9" fill="hold">
+                      <p:stCondLst>
+                        <p:cond delay="indefinite"/>
+                      </p:stCondLst>
+                      <p:childTnLst>
+                        <p:par>
+                          <p:cTn id="10" fill="hold">
+                            <p:stCondLst>
+                              <p:cond delay="0"/>
+                            </p:stCondLst>
+                            <p:childTnLst>
+                              <p:par>
+                                <p:cTn id="11" presetID="2" presetClass="entr" presetSubtype="4" fill="hold" nodeType="clickEffect">
+                                  <p:stCondLst>
+                                    <p:cond delay="0"/>
+                                  </p:stCondLst>
+                                  <p:childTnLst>
+                                    <p:set>
+                                      <p:cBhvr>
+                                        <p:cTn id="12" dur="1" fill="hold">
+                                          <p:stCondLst>
+                                            <p:cond delay="0"/>
+                                          </p:stCondLst>
+                                        </p:cTn>
+                                        <p:tgtEl>
+                                          <p:spTgt spid="4">
+                                            <p:txEl>
+                                              <p:pRg st="1" end="1"/>
+                                            </p:txEl>
+                                          </p:spTgt>
+                                        </p:tgtEl>
+                                        <p:attrNameLst>
+                                          <p:attrName>style.visibility</p:attrName>
+                                        </p:attrNameLst>
+                                      </p:cBhvr>
+                                      <p:to>
+                                        <p:strVal val="visible"/>
+                                      </p:to>
+                                    </p:set>
+                                    <p:anim calcmode="lin" valueType="num">
+                                      <p:cBhvr additive="base">
+                                        <p:cTn id="13" dur="500" fill="hold"/>
+                                        <p:tgtEl>
+                                          <p:spTgt spid="4">
+                                            <p:txEl>
+                                              <p:pRg st="1" end="1"/>
+                                            </p:txEl>
+                                          </p:spTgt>
+                                        </p:tgtEl>
+                                        <p:attrNameLst>
+                                          <p:attrName>ppt_x</p:attrName>
+                                        </p:attrNameLst>
+                                      </p:cBhvr>
+                                      <p:tavLst>
+                                        <p:tav tm="0">
+                                          <p:val>
+                                            <p:strVal val="#ppt_x"/>
+                                          </p:val>
+                                        </p:tav>
+                                        <p:tav tm="100000">
+                                          <p:val>
+                                            <p:strVal val="#ppt_x"/>
+                                          </p:val>
+                                        </p:tav>
+                                      </p:tavLst>
+                                    </p:anim>
+                                    <p:anim calcmode="lin" valueType="num">
+                                      <p:cBhvr additive="base">
+                                        <p:cTn id="14" dur="500" fill="hold"/>
+                                        <p:tgtEl>
+                                          <p:spTgt spid="4">
+                                            <p:txEl>
+                                              <p:pRg st="1" end="1"/>
+                                            </p:txEl>
+                                          </p:spTgt>
+                                        </p:tgtEl>
+                                        <p:attrNameLst>
+                                          <p:attrName>ppt_y</p:attrName>
+                                        </p:attrNameLst>
+                                      </p:cBhvr>
+                                      <p:tavLst>
+                                        <p:tav tm="0">
+                                          <p:val>
+                                            <p:strVal val="1+#ppt_h/2"/>
+                                          </p:val>
+                                        </p:tav>
+                                        <p:tav tm="100000">
+                                          <p:val>
+                                            <p:strVal val="#ppt_y"/>
+                                          </p:val>
+                                        </p:tav>
+                                      </p:tavLst>
+                                    </p:anim>
+                                  </p:childTnLst>
+                                </p:cTn>
+                              </p:par>
+                            </p:childTnLst>
+                          </p:cTn>
+                        </p:par>
+                      </p:childTnLst>
+                    </p:cTn>
+                  </p:par>
+                  <p:par>
+                    <p:cTn id="15" fill="hold">
+                      <p:stCondLst>
+                        <p:cond delay="indefinite"/>
+                      </p:stCondLst>
+                      <p:childTnLst>
+                        <p:par>
+                          <p:cTn id="16" fill="hold">
+                            <p:stCondLst>
+                              <p:cond delay="0"/>
+                            </p:stCondLst>
+                            <p:childTnLst>
+                              <p:par>
+                                <p:cTn id="17" presetID="14" presetClass="entr" presetSubtype="10" fill="hold" nodeType="clickEffect">
+                                  <p:stCondLst>
+                                    <p:cond delay="0"/>
+                                  </p:stCondLst>
+                                  <p:childTnLst>
+                                    <p:set>
+                                      <p:cBhvr>
+                                        <p:cTn id="18" dur="1" fill="hold">
+                                          <p:stCondLst>
+                                            <p:cond delay="0"/>
+                                          </p:stCondLst>
+                                        </p:cTn>
+                                        <p:tgtEl>
+                                          <p:spTgt spid="2052"/>
+                                        </p:tgtEl>
+                                        <p:attrNameLst>
+                                          <p:attrName>style.visibility</p:attrName>
+                                        </p:attrNameLst>
+                                      </p:cBhvr>
+                                      <p:to>
+                                        <p:strVal val="visible"/>
+                                      </p:to>
+                                    </p:set>
+                                    <p:animEffect transition="in" filter="randombar(horizontal)">
+                                      <p:cBhvr>
+                                        <p:cTn id="19" dur="500"/>
+                                        <p:tgtEl>
+                                          <p:spTgt spid="2052"/>
+                                        </p:tgtEl>
+                                      </p:cBhvr>
+                                    </p:animEffect>
+                                  </p:childTnLst>
+                                </p:cTn>
+                              </p:par>
+                            </p:childTnLst>
+                          </p:cTn>
+                        </p:par>
+                      </p:childTnLst>
+                    </p:cTn>
+                  </p:par>
+                </p:childTnLst>
+              </p:cTn>
+              <p:prevCondLst>
+                <p:cond evt="onPrev" delay="0">
+                  <p:tgtEl>
+                    <p:sldTgt/>
+                  </p:tgtEl>
+                </p:cond>
+              </p:prevCondLst>
+              <p:nextCondLst>
+                <p:cond evt="onNext" delay="0">
+                  <p:tgtEl>
+                    <p:sldTgt/>
+                  </p:tgtEl>
+                </p:cond>
+              </p:nextCondLst>
+            </p:seq>
+          </p:childTnLst>
+        </p:cTn>
       </p:par>
     </p:tnLst>
   </p:timing>
@@ -21632,27 +26502,7 @@
           <a:p>
             <a:r>
               <a:rPr lang="zh-CN" altLang="en-US" dirty="0" smtClean="0"/>
-              <a:t>本文的工作是将</a:t>
-            </a:r>
-            <a:r>
-              <a:rPr lang="zh-CN" altLang="en-US" dirty="0" smtClean="0"/>
-              <a:t>蚁群算法作为遗传算法中的</a:t>
-            </a:r>
-            <a:r>
-              <a:rPr lang="zh-CN" altLang="en-US" dirty="0" smtClean="0"/>
-              <a:t>个体，对其参数空间进行编码作为个体的基因，并制定合适的适应度函数，通过遗传算法对蚁群算法进行</a:t>
-            </a:r>
-            <a:r>
-              <a:rPr lang="zh-CN" altLang="en-US" dirty="0" smtClean="0"/>
-              <a:t>参数</a:t>
-            </a:r>
-            <a:r>
-              <a:rPr lang="zh-CN" altLang="en-US" dirty="0" smtClean="0"/>
-              <a:t>优化</a:t>
-            </a:r>
-            <a:r>
-              <a:rPr lang="zh-CN" altLang="en-US" dirty="0" smtClean="0"/>
-              <a:t>。在将遗传算法应用于蚁群算法的参数优化的过程中，最核心的步骤为以下两点：</a:t>
+              <a:t>本文的工作是将蚁群算法作为遗传算法中的个体，对其参数空间进行编码作为个体的基因，并制定合适的适应度函数，通过遗传算法对蚁群算法进行参数优化。在将遗传算法应用于蚁群算法的参数优化的过程中，最核心的步骤为以下两点：</a:t>
             </a:r>
             <a:endParaRPr lang="en-US" altLang="zh-CN" dirty="0" smtClean="0"/>
           </a:p>
@@ -21664,11 +26514,7 @@
             </a:r>
             <a:r>
               <a:rPr lang="zh-CN" altLang="en-US" dirty="0" smtClean="0"/>
-              <a:t>对</a:t>
-            </a:r>
-            <a:r>
-              <a:rPr lang="zh-CN" altLang="en-US" dirty="0" smtClean="0"/>
-              <a:t>蚁群算法给出合适的基因编码与解码算法。</a:t>
+              <a:t>对蚁群算法给出合适的基因编码与解码算法。</a:t>
             </a:r>
             <a:endParaRPr lang="en-US" altLang="zh-CN" dirty="0" smtClean="0"/>
           </a:p>
@@ -21713,10 +26559,345 @@
   <p:clrMapOvr>
     <a:masterClrMapping/>
   </p:clrMapOvr>
+  <p:transition spd="slow">
+    <p:push dir="u"/>
+  </p:transition>
   <p:timing>
     <p:tnLst>
       <p:par>
-        <p:cTn id="1" dur="indefinite" restart="never" nodeType="tmRoot"/>
+        <p:cTn id="1" dur="indefinite" restart="never" nodeType="tmRoot">
+          <p:childTnLst>
+            <p:seq concurrent="1" nextAc="seek">
+              <p:cTn id="2" dur="indefinite" nodeType="mainSeq">
+                <p:childTnLst>
+                  <p:par>
+                    <p:cTn id="3" fill="hold">
+                      <p:stCondLst>
+                        <p:cond delay="indefinite"/>
+                      </p:stCondLst>
+                      <p:childTnLst>
+                        <p:par>
+                          <p:cTn id="4" fill="hold">
+                            <p:stCondLst>
+                              <p:cond delay="0"/>
+                            </p:stCondLst>
+                            <p:childTnLst>
+                              <p:par>
+                                <p:cTn id="5" presetID="2" presetClass="entr" presetSubtype="4" fill="hold" nodeType="clickEffect">
+                                  <p:stCondLst>
+                                    <p:cond delay="0"/>
+                                  </p:stCondLst>
+                                  <p:childTnLst>
+                                    <p:set>
+                                      <p:cBhvr>
+                                        <p:cTn id="6" dur="1" fill="hold">
+                                          <p:stCondLst>
+                                            <p:cond delay="0"/>
+                                          </p:stCondLst>
+                                        </p:cTn>
+                                        <p:tgtEl>
+                                          <p:spTgt spid="3">
+                                            <p:txEl>
+                                              <p:pRg st="0" end="0"/>
+                                            </p:txEl>
+                                          </p:spTgt>
+                                        </p:tgtEl>
+                                        <p:attrNameLst>
+                                          <p:attrName>style.visibility</p:attrName>
+                                        </p:attrNameLst>
+                                      </p:cBhvr>
+                                      <p:to>
+                                        <p:strVal val="visible"/>
+                                      </p:to>
+                                    </p:set>
+                                    <p:anim calcmode="lin" valueType="num">
+                                      <p:cBhvr additive="base">
+                                        <p:cTn id="7" dur="500" fill="hold"/>
+                                        <p:tgtEl>
+                                          <p:spTgt spid="3">
+                                            <p:txEl>
+                                              <p:pRg st="0" end="0"/>
+                                            </p:txEl>
+                                          </p:spTgt>
+                                        </p:tgtEl>
+                                        <p:attrNameLst>
+                                          <p:attrName>ppt_x</p:attrName>
+                                        </p:attrNameLst>
+                                      </p:cBhvr>
+                                      <p:tavLst>
+                                        <p:tav tm="0">
+                                          <p:val>
+                                            <p:strVal val="#ppt_x"/>
+                                          </p:val>
+                                        </p:tav>
+                                        <p:tav tm="100000">
+                                          <p:val>
+                                            <p:strVal val="#ppt_x"/>
+                                          </p:val>
+                                        </p:tav>
+                                      </p:tavLst>
+                                    </p:anim>
+                                    <p:anim calcmode="lin" valueType="num">
+                                      <p:cBhvr additive="base">
+                                        <p:cTn id="8" dur="500" fill="hold"/>
+                                        <p:tgtEl>
+                                          <p:spTgt spid="3">
+                                            <p:txEl>
+                                              <p:pRg st="0" end="0"/>
+                                            </p:txEl>
+                                          </p:spTgt>
+                                        </p:tgtEl>
+                                        <p:attrNameLst>
+                                          <p:attrName>ppt_y</p:attrName>
+                                        </p:attrNameLst>
+                                      </p:cBhvr>
+                                      <p:tavLst>
+                                        <p:tav tm="0">
+                                          <p:val>
+                                            <p:strVal val="1+#ppt_h/2"/>
+                                          </p:val>
+                                        </p:tav>
+                                        <p:tav tm="100000">
+                                          <p:val>
+                                            <p:strVal val="#ppt_y"/>
+                                          </p:val>
+                                        </p:tav>
+                                      </p:tavLst>
+                                    </p:anim>
+                                  </p:childTnLst>
+                                </p:cTn>
+                              </p:par>
+                            </p:childTnLst>
+                          </p:cTn>
+                        </p:par>
+                      </p:childTnLst>
+                    </p:cTn>
+                  </p:par>
+                  <p:par>
+                    <p:cTn id="9" fill="hold">
+                      <p:stCondLst>
+                        <p:cond delay="indefinite"/>
+                      </p:stCondLst>
+                      <p:childTnLst>
+                        <p:par>
+                          <p:cTn id="10" fill="hold">
+                            <p:stCondLst>
+                              <p:cond delay="0"/>
+                            </p:stCondLst>
+                            <p:childTnLst>
+                              <p:par>
+                                <p:cTn id="11" presetID="2" presetClass="entr" presetSubtype="4" fill="hold" nodeType="clickEffect">
+                                  <p:stCondLst>
+                                    <p:cond delay="0"/>
+                                  </p:stCondLst>
+                                  <p:childTnLst>
+                                    <p:set>
+                                      <p:cBhvr>
+                                        <p:cTn id="12" dur="1" fill="hold">
+                                          <p:stCondLst>
+                                            <p:cond delay="0"/>
+                                          </p:stCondLst>
+                                        </p:cTn>
+                                        <p:tgtEl>
+                                          <p:spTgt spid="3">
+                                            <p:txEl>
+                                              <p:pRg st="1" end="1"/>
+                                            </p:txEl>
+                                          </p:spTgt>
+                                        </p:tgtEl>
+                                        <p:attrNameLst>
+                                          <p:attrName>style.visibility</p:attrName>
+                                        </p:attrNameLst>
+                                      </p:cBhvr>
+                                      <p:to>
+                                        <p:strVal val="visible"/>
+                                      </p:to>
+                                    </p:set>
+                                    <p:anim calcmode="lin" valueType="num">
+                                      <p:cBhvr additive="base">
+                                        <p:cTn id="13" dur="500" fill="hold"/>
+                                        <p:tgtEl>
+                                          <p:spTgt spid="3">
+                                            <p:txEl>
+                                              <p:pRg st="1" end="1"/>
+                                            </p:txEl>
+                                          </p:spTgt>
+                                        </p:tgtEl>
+                                        <p:attrNameLst>
+                                          <p:attrName>ppt_x</p:attrName>
+                                        </p:attrNameLst>
+                                      </p:cBhvr>
+                                      <p:tavLst>
+                                        <p:tav tm="0">
+                                          <p:val>
+                                            <p:strVal val="#ppt_x"/>
+                                          </p:val>
+                                        </p:tav>
+                                        <p:tav tm="100000">
+                                          <p:val>
+                                            <p:strVal val="#ppt_x"/>
+                                          </p:val>
+                                        </p:tav>
+                                      </p:tavLst>
+                                    </p:anim>
+                                    <p:anim calcmode="lin" valueType="num">
+                                      <p:cBhvr additive="base">
+                                        <p:cTn id="14" dur="500" fill="hold"/>
+                                        <p:tgtEl>
+                                          <p:spTgt spid="3">
+                                            <p:txEl>
+                                              <p:pRg st="1" end="1"/>
+                                            </p:txEl>
+                                          </p:spTgt>
+                                        </p:tgtEl>
+                                        <p:attrNameLst>
+                                          <p:attrName>ppt_y</p:attrName>
+                                        </p:attrNameLst>
+                                      </p:cBhvr>
+                                      <p:tavLst>
+                                        <p:tav tm="0">
+                                          <p:val>
+                                            <p:strVal val="1+#ppt_h/2"/>
+                                          </p:val>
+                                        </p:tav>
+                                        <p:tav tm="100000">
+                                          <p:val>
+                                            <p:strVal val="#ppt_y"/>
+                                          </p:val>
+                                        </p:tav>
+                                      </p:tavLst>
+                                    </p:anim>
+                                  </p:childTnLst>
+                                </p:cTn>
+                              </p:par>
+                            </p:childTnLst>
+                          </p:cTn>
+                        </p:par>
+                      </p:childTnLst>
+                    </p:cTn>
+                  </p:par>
+                  <p:par>
+                    <p:cTn id="15" fill="hold">
+                      <p:stCondLst>
+                        <p:cond delay="indefinite"/>
+                      </p:stCondLst>
+                      <p:childTnLst>
+                        <p:par>
+                          <p:cTn id="16" fill="hold">
+                            <p:stCondLst>
+                              <p:cond delay="0"/>
+                            </p:stCondLst>
+                            <p:childTnLst>
+                              <p:par>
+                                <p:cTn id="17" presetID="2" presetClass="entr" presetSubtype="4" fill="hold" nodeType="clickEffect">
+                                  <p:stCondLst>
+                                    <p:cond delay="0"/>
+                                  </p:stCondLst>
+                                  <p:childTnLst>
+                                    <p:set>
+                                      <p:cBhvr>
+                                        <p:cTn id="18" dur="1" fill="hold">
+                                          <p:stCondLst>
+                                            <p:cond delay="0"/>
+                                          </p:stCondLst>
+                                        </p:cTn>
+                                        <p:tgtEl>
+                                          <p:spTgt spid="3">
+                                            <p:txEl>
+                                              <p:pRg st="2" end="2"/>
+                                            </p:txEl>
+                                          </p:spTgt>
+                                        </p:tgtEl>
+                                        <p:attrNameLst>
+                                          <p:attrName>style.visibility</p:attrName>
+                                        </p:attrNameLst>
+                                      </p:cBhvr>
+                                      <p:to>
+                                        <p:strVal val="visible"/>
+                                      </p:to>
+                                    </p:set>
+                                    <p:anim calcmode="lin" valueType="num">
+                                      <p:cBhvr additive="base">
+                                        <p:cTn id="19" dur="500" fill="hold"/>
+                                        <p:tgtEl>
+                                          <p:spTgt spid="3">
+                                            <p:txEl>
+                                              <p:pRg st="2" end="2"/>
+                                            </p:txEl>
+                                          </p:spTgt>
+                                        </p:tgtEl>
+                                        <p:attrNameLst>
+                                          <p:attrName>ppt_x</p:attrName>
+                                        </p:attrNameLst>
+                                      </p:cBhvr>
+                                      <p:tavLst>
+                                        <p:tav tm="0">
+                                          <p:val>
+                                            <p:strVal val="#ppt_x"/>
+                                          </p:val>
+                                        </p:tav>
+                                        <p:tav tm="100000">
+                                          <p:val>
+                                            <p:strVal val="#ppt_x"/>
+                                          </p:val>
+                                        </p:tav>
+                                      </p:tavLst>
+                                    </p:anim>
+                                    <p:anim calcmode="lin" valueType="num">
+                                      <p:cBhvr additive="base">
+                                        <p:cTn id="20" dur="500" fill="hold"/>
+                                        <p:tgtEl>
+                                          <p:spTgt spid="3">
+                                            <p:txEl>
+                                              <p:pRg st="2" end="2"/>
+                                            </p:txEl>
+                                          </p:spTgt>
+                                        </p:tgtEl>
+                                        <p:attrNameLst>
+                                          <p:attrName>ppt_y</p:attrName>
+                                        </p:attrNameLst>
+                                      </p:cBhvr>
+                                      <p:tavLst>
+                                        <p:tav tm="0">
+                                          <p:val>
+                                            <p:strVal val="1+#ppt_h/2"/>
+                                          </p:val>
+                                        </p:tav>
+                                        <p:tav tm="100000">
+                                          <p:val>
+                                            <p:strVal val="#ppt_y"/>
+                                          </p:val>
+                                        </p:tav>
+                                      </p:tavLst>
+                                    </p:anim>
+                                  </p:childTnLst>
+                                </p:cTn>
+                              </p:par>
+                            </p:childTnLst>
+                          </p:cTn>
+                        </p:par>
+                      </p:childTnLst>
+                    </p:cTn>
+                  </p:par>
+                </p:childTnLst>
+              </p:cTn>
+              <p:prevCondLst>
+                <p:cond evt="onPrev" delay="0">
+                  <p:tgtEl>
+                    <p:sldTgt/>
+                  </p:tgtEl>
+                </p:cond>
+              </p:prevCondLst>
+              <p:nextCondLst>
+                <p:cond evt="onNext" delay="0">
+                  <p:tgtEl>
+                    <p:sldTgt/>
+                  </p:tgtEl>
+                </p:cond>
+              </p:nextCondLst>
+            </p:seq>
+          </p:childTnLst>
+        </p:cTn>
       </p:par>
     </p:tnLst>
   </p:timing>
